--- a/INTERFACE.pptx
+++ b/INTERFACE.pptx
@@ -15163,37 +15163,45 @@
         </p:spPr>
         <p:txBody>
           <a:bodyPr>
-            <a:normAutofit fontScale="92500"/>
+            <a:normAutofit/>
           </a:bodyPr>
           <a:lstStyle/>
           <a:p>
             <a:r>
-              <a:rPr lang="fr-FR" dirty="0">
+              <a:rPr lang="fr-FR" sz="2700" dirty="0">
                 <a:hlinkClick r:id="rId6" tooltip="1945"/>
               </a:rPr>
               <a:t>1945</a:t>
             </a:r>
             <a:r>
-              <a:rPr lang="fr-FR" dirty="0"/>
+              <a:rPr lang="fr-FR" sz="2700" dirty="0"/>
               <a:t>, </a:t>
             </a:r>
             <a:r>
-              <a:rPr lang="fr-FR" dirty="0" err="1">
+              <a:rPr lang="fr-FR" sz="2700" dirty="0" err="1">
                 <a:hlinkClick r:id="rId7" tooltip="Vannevar Bush"/>
               </a:rPr>
               <a:t>Vannevar</a:t>
             </a:r>
             <a:r>
-              <a:rPr lang="fr-FR" dirty="0">
+              <a:rPr lang="fr-FR" sz="2700" dirty="0">
                 <a:hlinkClick r:id="rId7" tooltip="Vannevar Bush"/>
               </a:rPr>
               <a:t> Bush</a:t>
             </a:r>
             <a:r>
-              <a:rPr lang="fr-FR" dirty="0"/>
-              <a:t> décrit un système électronique imaginaire qui permet la recherche d'information et qui invente les concepts de navigation, indexation, annotation</a:t>
-            </a:r>
-            <a:endParaRPr lang="fr-FR" dirty="0"/>
+              <a:rPr lang="fr-FR" sz="2700" dirty="0"/>
+              <a:t> décrit un système électronique </a:t>
+            </a:r>
+            <a:r>
+              <a:rPr lang="fr-FR" sz="2700" dirty="0" smtClean="0"/>
+              <a:t>qui </a:t>
+            </a:r>
+            <a:r>
+              <a:rPr lang="fr-FR" sz="2700" dirty="0"/>
+              <a:t>permet la recherche d'information et qui invente les concepts de navigation, indexation, annotation</a:t>
+            </a:r>
+            <a:endParaRPr lang="fr-FR" sz="2700" dirty="0"/>
           </a:p>
         </p:txBody>
       </p:sp>
@@ -15209,17 +15217,17 @@
           <a:blip r:embed="rId8" cstate="email">
             <a:extLst>
               <a:ext uri="{28A0092B-C50C-407E-A947-70E740481C1C}">
-                <a14:useLocalDpi xmlns:a14="http://schemas.microsoft.com/office/drawing/2010/main"/>
+                <a14:useLocalDpi xmlns:a14="http://schemas.microsoft.com/office/drawing/2010/main" val="0"/>
               </a:ext>
             </a:extLst>
           </a:blip>
-          <a:srcRect/>
+          <a:srcRect l="23885" r="22820"/>
           <a:stretch/>
         </p:blipFill>
         <p:spPr>
           <a:xfrm>
-            <a:off x="5316144" y="0"/>
-            <a:ext cx="3827856" cy="6858000"/>
+            <a:off x="5107969" y="476672"/>
+            <a:ext cx="4002374" cy="5976664"/>
           </a:xfrm>
           <a:prstGeom prst="rect">
             <a:avLst/>
@@ -15316,7 +15324,7 @@
         </p:spPr>
         <p:txBody>
           <a:bodyPr>
-            <a:normAutofit fontScale="92500" lnSpcReduction="10000"/>
+            <a:normAutofit fontScale="85000" lnSpcReduction="20000"/>
           </a:bodyPr>
           <a:lstStyle/>
           <a:p>
@@ -15344,7 +15352,24 @@
             </a:r>
             <a:r>
               <a:rPr lang="fr-FR" dirty="0"/>
-              <a:t> qui est considéré comme l’ancêtre des interfaces graphiques modernes. En </a:t>
+              <a:t> qui est considéré comme l’ancêtre des interfaces graphiques modernes</a:t>
+            </a:r>
+            <a:r>
+              <a:rPr lang="fr-FR" dirty="0" smtClean="0"/>
+              <a:t>.</a:t>
+            </a:r>
+          </a:p>
+          <a:p>
+            <a:endParaRPr lang="fr-FR" dirty="0"/>
+          </a:p>
+          <a:p>
+            <a:r>
+              <a:rPr lang="fr-FR" dirty="0" smtClean="0"/>
+              <a:t>En</a:t>
+            </a:r>
+            <a:r>
+              <a:rPr lang="fr-FR" dirty="0"/>
+              <a:t> </a:t>
             </a:r>
             <a:r>
               <a:rPr lang="fr-FR" dirty="0">
@@ -15394,7 +15419,7 @@
           </p:cNvPicPr>
           <p:nvPr/>
         </p:nvPicPr>
-        <p:blipFill>
+        <p:blipFill rotWithShape="1">
           <a:blip r:embed="rId11" cstate="email">
             <a:extLst>
               <a:ext uri="{28A0092B-C50C-407E-A947-70E740481C1C}">
@@ -15402,14 +15427,13 @@
               </a:ext>
             </a:extLst>
           </a:blip>
-          <a:stretch>
-            <a:fillRect/>
-          </a:stretch>
+          <a:srcRect/>
+          <a:stretch/>
         </p:blipFill>
         <p:spPr>
           <a:xfrm>
-            <a:off x="5316144" y="1956748"/>
-            <a:ext cx="3827856" cy="2944504"/>
+            <a:off x="5076056" y="389744"/>
+            <a:ext cx="4067944" cy="6056025"/>
           </a:xfrm>
           <a:prstGeom prst="rect">
             <a:avLst/>
@@ -15516,116 +15540,116 @@
           <a:lstStyle/>
           <a:p>
             <a:r>
-              <a:rPr lang="fr-FR" dirty="0"/>
-              <a:t> </a:t>
-            </a:r>
-            <a:r>
-              <a:rPr lang="fr-FR" dirty="0" smtClean="0"/>
-              <a:t>les </a:t>
-            </a:r>
-            <a:r>
-              <a:rPr lang="fr-FR" dirty="0"/>
+              <a:rPr lang="fr-FR" sz="2700" dirty="0"/>
+              <a:t>L</a:t>
+            </a:r>
+            <a:r>
+              <a:rPr lang="fr-FR" sz="2700" dirty="0" smtClean="0"/>
+              <a:t>es </a:t>
+            </a:r>
+            <a:r>
+              <a:rPr lang="fr-FR" sz="2700" dirty="0"/>
               <a:t>laboratoires de </a:t>
             </a:r>
             <a:r>
-              <a:rPr lang="fr-FR" dirty="0">
+              <a:rPr lang="fr-FR" sz="2700" dirty="0">
                 <a:hlinkClick r:id="rId6" tooltip="Xerox"/>
               </a:rPr>
               <a:t>Xerox</a:t>
             </a:r>
             <a:r>
-              <a:rPr lang="fr-FR" dirty="0"/>
+              <a:rPr lang="fr-FR" sz="2700" dirty="0"/>
               <a:t> ont révolutionné les systèmes interactifs avec la sortie de </a:t>
             </a:r>
             <a:r>
-              <a:rPr lang="fr-FR" dirty="0">
+              <a:rPr lang="fr-FR" sz="2700" dirty="0">
                 <a:hlinkClick r:id="rId7" tooltip="Xerox Star"/>
               </a:rPr>
               <a:t>Xerox Star</a:t>
             </a:r>
             <a:r>
-              <a:rPr lang="fr-FR" dirty="0"/>
+              <a:rPr lang="fr-FR" sz="2700" dirty="0"/>
               <a:t> et la présentation de </a:t>
             </a:r>
             <a:r>
-              <a:rPr lang="fr-FR" dirty="0" err="1">
+              <a:rPr lang="fr-FR" sz="2700" dirty="0" err="1">
                 <a:hlinkClick r:id="rId8" tooltip="What you see is what you get"/>
               </a:rPr>
               <a:t>What</a:t>
             </a:r>
             <a:r>
-              <a:rPr lang="fr-FR" dirty="0">
+              <a:rPr lang="fr-FR" sz="2700" dirty="0">
                 <a:hlinkClick r:id="rId8" tooltip="What you see is what you get"/>
               </a:rPr>
               <a:t> </a:t>
             </a:r>
             <a:r>
-              <a:rPr lang="fr-FR" dirty="0" err="1">
+              <a:rPr lang="fr-FR" sz="2700" dirty="0" err="1">
                 <a:hlinkClick r:id="rId8" tooltip="What you see is what you get"/>
               </a:rPr>
               <a:t>you</a:t>
             </a:r>
             <a:r>
-              <a:rPr lang="fr-FR" dirty="0">
+              <a:rPr lang="fr-FR" sz="2700" dirty="0">
                 <a:hlinkClick r:id="rId8" tooltip="What you see is what you get"/>
               </a:rPr>
               <a:t> </a:t>
             </a:r>
             <a:r>
-              <a:rPr lang="fr-FR" dirty="0" err="1">
+              <a:rPr lang="fr-FR" sz="2700" dirty="0" err="1">
                 <a:hlinkClick r:id="rId8" tooltip="What you see is what you get"/>
               </a:rPr>
               <a:t>see</a:t>
             </a:r>
             <a:r>
-              <a:rPr lang="fr-FR" dirty="0">
+              <a:rPr lang="fr-FR" sz="2700" dirty="0">
                 <a:hlinkClick r:id="rId8" tooltip="What you see is what you get"/>
               </a:rPr>
               <a:t> </a:t>
             </a:r>
             <a:r>
-              <a:rPr lang="fr-FR" dirty="0" err="1">
+              <a:rPr lang="fr-FR" sz="2700" dirty="0" err="1">
                 <a:hlinkClick r:id="rId8" tooltip="What you see is what you get"/>
               </a:rPr>
               <a:t>is</a:t>
             </a:r>
             <a:r>
-              <a:rPr lang="fr-FR" dirty="0">
+              <a:rPr lang="fr-FR" sz="2700" dirty="0">
                 <a:hlinkClick r:id="rId8" tooltip="What you see is what you get"/>
               </a:rPr>
               <a:t> </a:t>
             </a:r>
             <a:r>
-              <a:rPr lang="fr-FR" dirty="0" err="1">
+              <a:rPr lang="fr-FR" sz="2700" dirty="0" err="1">
                 <a:hlinkClick r:id="rId8" tooltip="What you see is what you get"/>
               </a:rPr>
               <a:t>what</a:t>
             </a:r>
             <a:r>
-              <a:rPr lang="fr-FR" dirty="0">
+              <a:rPr lang="fr-FR" sz="2700" dirty="0">
                 <a:hlinkClick r:id="rId8" tooltip="What you see is what you get"/>
               </a:rPr>
               <a:t> </a:t>
             </a:r>
             <a:r>
-              <a:rPr lang="fr-FR" dirty="0" err="1">
+              <a:rPr lang="fr-FR" sz="2700" dirty="0" err="1">
                 <a:hlinkClick r:id="rId8" tooltip="What you see is what you get"/>
               </a:rPr>
               <a:t>you</a:t>
             </a:r>
             <a:r>
-              <a:rPr lang="fr-FR" dirty="0">
+              <a:rPr lang="fr-FR" sz="2700" dirty="0">
                 <a:hlinkClick r:id="rId8" tooltip="What you see is what you get"/>
               </a:rPr>
               <a:t> </a:t>
             </a:r>
             <a:r>
-              <a:rPr lang="fr-FR" dirty="0" err="1">
+              <a:rPr lang="fr-FR" sz="2700" dirty="0" err="1">
                 <a:hlinkClick r:id="rId8" tooltip="What you see is what you get"/>
               </a:rPr>
               <a:t>get</a:t>
             </a:r>
-            <a:endParaRPr lang="fr-FR" dirty="0"/>
+            <a:endParaRPr lang="fr-FR" sz="2700" dirty="0"/>
           </a:p>
         </p:txBody>
       </p:sp>
@@ -15641,7 +15665,7 @@
           <a:blip r:embed="rId9" cstate="email">
             <a:extLst>
               <a:ext uri="{28A0092B-C50C-407E-A947-70E740481C1C}">
-                <a14:useLocalDpi xmlns:a14="http://schemas.microsoft.com/office/drawing/2010/main"/>
+                <a14:useLocalDpi xmlns:a14="http://schemas.microsoft.com/office/drawing/2010/main" val="0"/>
               </a:ext>
             </a:extLst>
           </a:blip>
@@ -15650,8 +15674,8 @@
         </p:blipFill>
         <p:spPr>
           <a:xfrm>
-            <a:off x="5316144" y="0"/>
-            <a:ext cx="3827856" cy="6858000"/>
+            <a:off x="5171607" y="494676"/>
+            <a:ext cx="3972393" cy="5906124"/>
           </a:xfrm>
           <a:prstGeom prst="rect">
             <a:avLst/>
@@ -15853,7 +15877,7 @@
           <a:blip r:embed="rId10" cstate="email">
             <a:extLst>
               <a:ext uri="{28A0092B-C50C-407E-A947-70E740481C1C}">
-                <a14:useLocalDpi xmlns:a14="http://schemas.microsoft.com/office/drawing/2010/main"/>
+                <a14:useLocalDpi xmlns:a14="http://schemas.microsoft.com/office/drawing/2010/main" val="0"/>
               </a:ext>
             </a:extLst>
           </a:blip>
@@ -15862,8 +15886,8 @@
         </p:blipFill>
         <p:spPr>
           <a:xfrm>
-            <a:off x="5316144" y="0"/>
-            <a:ext cx="3827856" cy="6858000"/>
+            <a:off x="5316144" y="584615"/>
+            <a:ext cx="3827856" cy="5756223"/>
           </a:xfrm>
           <a:prstGeom prst="rect">
             <a:avLst/>

--- a/INTERFACE.pptx
+++ b/INTERFACE.pptx
@@ -10561,7 +10561,12 @@
             </p:custDataLst>
           </p:nvPr>
         </p:nvSpPr>
-        <p:spPr/>
+        <p:spPr>
+          <a:xfrm>
+            <a:off x="2411760" y="2060848"/>
+            <a:ext cx="6180224" cy="1470025"/>
+          </a:xfrm>
+        </p:spPr>
         <p:txBody>
           <a:bodyPr/>
           <a:lstStyle/>
@@ -10613,6 +10618,35 @@
           </a:p>
         </p:txBody>
       </p:sp>
+      <p:pic>
+        <p:nvPicPr>
+          <p:cNvPr id="4" name="Image 3"/>
+          <p:cNvPicPr>
+            <a:picLocks noChangeAspect="1"/>
+          </p:cNvPicPr>
+          <p:nvPr/>
+        </p:nvPicPr>
+        <p:blipFill rotWithShape="1">
+          <a:blip r:embed="rId6" cstate="email">
+            <a:extLst>
+              <a:ext uri="{28A0092B-C50C-407E-A947-70E740481C1C}">
+                <a14:useLocalDpi xmlns:a14="http://schemas.microsoft.com/office/drawing/2010/main" val="0"/>
+              </a:ext>
+            </a:extLst>
+          </a:blip>
+          <a:srcRect t="-7191" b="-7191"/>
+          <a:stretch/>
+        </p:blipFill>
+        <p:spPr>
+          <a:xfrm>
+            <a:off x="-878634" y="-531440"/>
+            <a:ext cx="4514530" cy="7919556"/>
+          </a:xfrm>
+          <a:prstGeom prst="rect">
+            <a:avLst/>
+          </a:prstGeom>
+        </p:spPr>
+      </p:pic>
     </p:spTree>
     <p:custDataLst>
       <p:tags r:id="rId1"/>
@@ -15226,7 +15260,7 @@
         </p:blipFill>
         <p:spPr>
           <a:xfrm>
-            <a:off x="5107969" y="476672"/>
+            <a:off x="5141626" y="476672"/>
             <a:ext cx="4002374" cy="5976664"/>
           </a:xfrm>
           <a:prstGeom prst="rect">

--- a/INTERFACE.pptx
+++ b/INTERFACE.pptx
@@ -282,11 +282,11 @@
         </c:dLbls>
         <c:marker val="1"/>
         <c:smooth val="0"/>
-        <c:axId val="128509056"/>
-        <c:axId val="128510592"/>
+        <c:axId val="145052800"/>
+        <c:axId val="145054336"/>
       </c:lineChart>
       <c:catAx>
-        <c:axId val="128509056"/>
+        <c:axId val="145052800"/>
         <c:scaling>
           <c:orientation val="minMax"/>
         </c:scaling>
@@ -295,7 +295,7 @@
         <c:majorTickMark val="out"/>
         <c:minorTickMark val="none"/>
         <c:tickLblPos val="nextTo"/>
-        <c:crossAx val="128510592"/>
+        <c:crossAx val="145054336"/>
         <c:crosses val="autoZero"/>
         <c:auto val="1"/>
         <c:lblAlgn val="ctr"/>
@@ -303,7 +303,7 @@
         <c:noMultiLvlLbl val="0"/>
       </c:catAx>
       <c:valAx>
-        <c:axId val="128510592"/>
+        <c:axId val="145054336"/>
         <c:scaling>
           <c:orientation val="minMax"/>
         </c:scaling>
@@ -314,7 +314,7 @@
         <c:majorTickMark val="out"/>
         <c:minorTickMark val="none"/>
         <c:tickLblPos val="nextTo"/>
-        <c:crossAx val="128509056"/>
+        <c:crossAx val="145052800"/>
         <c:crosses val="autoZero"/>
         <c:crossBetween val="between"/>
       </c:valAx>
@@ -10708,9 +10708,10 @@
           <a:lstStyle/>
           <a:p>
             <a:r>
-              <a:rPr lang="fr-FR" sz="7200"/>
-              <a:t>Nouveau travail</a:t>
-            </a:r>
+              <a:rPr lang="fr-FR" sz="7200" smtClean="0"/>
+              <a:t>Beau travail</a:t>
+            </a:r>
+            <a:endParaRPr lang="fr-FR" sz="7200" dirty="0"/>
           </a:p>
         </p:txBody>
       </p:sp>
@@ -15235,7 +15236,6 @@
               <a:rPr lang="fr-FR" sz="2700" dirty="0"/>
               <a:t>permet la recherche d'information et qui invente les concepts de navigation, indexation, annotation</a:t>
             </a:r>
-            <a:endParaRPr lang="fr-FR" sz="2700" dirty="0"/>
           </a:p>
         </p:txBody>
       </p:sp>
@@ -15441,7 +15441,6 @@
               <a:rPr lang="fr-FR" dirty="0"/>
               <a:t> pour facilement désigner des objets sur son écran</a:t>
             </a:r>
-            <a:endParaRPr lang="fr-FR" dirty="0"/>
           </a:p>
         </p:txBody>
       </p:sp>

--- a/INTERFACE.pptx
+++ b/INTERFACE.pptx
@@ -5,10 +5,10 @@
     <p:sldMasterId id="2147483648" r:id="rId1"/>
   </p:sldMasterIdLst>
   <p:notesMasterIdLst>
-    <p:notesMasterId r:id="rId25"/>
+    <p:notesMasterId r:id="rId36"/>
   </p:notesMasterIdLst>
   <p:handoutMasterIdLst>
-    <p:handoutMasterId r:id="rId26"/>
+    <p:handoutMasterId r:id="rId37"/>
   </p:handoutMasterIdLst>
   <p:sldIdLst>
     <p:sldId id="259" r:id="rId2"/>
@@ -21,19 +21,30 @@
     <p:sldId id="290" r:id="rId9"/>
     <p:sldId id="291" r:id="rId10"/>
     <p:sldId id="281" r:id="rId11"/>
-    <p:sldId id="282" r:id="rId12"/>
-    <p:sldId id="283" r:id="rId13"/>
-    <p:sldId id="287" r:id="rId14"/>
-    <p:sldId id="286" r:id="rId15"/>
-    <p:sldId id="267" r:id="rId16"/>
-    <p:sldId id="268" r:id="rId17"/>
-    <p:sldId id="269" r:id="rId18"/>
-    <p:sldId id="270" r:id="rId19"/>
-    <p:sldId id="274" r:id="rId20"/>
-    <p:sldId id="275" r:id="rId21"/>
-    <p:sldId id="276" r:id="rId22"/>
-    <p:sldId id="277" r:id="rId23"/>
-    <p:sldId id="278" r:id="rId24"/>
+    <p:sldId id="292" r:id="rId12"/>
+    <p:sldId id="293" r:id="rId13"/>
+    <p:sldId id="294" r:id="rId14"/>
+    <p:sldId id="295" r:id="rId15"/>
+    <p:sldId id="296" r:id="rId16"/>
+    <p:sldId id="297" r:id="rId17"/>
+    <p:sldId id="298" r:id="rId18"/>
+    <p:sldId id="299" r:id="rId19"/>
+    <p:sldId id="300" r:id="rId20"/>
+    <p:sldId id="301" r:id="rId21"/>
+    <p:sldId id="302" r:id="rId22"/>
+    <p:sldId id="282" r:id="rId23"/>
+    <p:sldId id="283" r:id="rId24"/>
+    <p:sldId id="287" r:id="rId25"/>
+    <p:sldId id="286" r:id="rId26"/>
+    <p:sldId id="267" r:id="rId27"/>
+    <p:sldId id="268" r:id="rId28"/>
+    <p:sldId id="269" r:id="rId29"/>
+    <p:sldId id="270" r:id="rId30"/>
+    <p:sldId id="274" r:id="rId31"/>
+    <p:sldId id="275" r:id="rId32"/>
+    <p:sldId id="276" r:id="rId33"/>
+    <p:sldId id="277" r:id="rId34"/>
+    <p:sldId id="278" r:id="rId35"/>
   </p:sldIdLst>
   <p:sldSz cx="9144000" cy="6858000" type="screen4x3"/>
   <p:notesSz cx="6858000" cy="9144000"/>
@@ -151,6 +162,17 @@
             <p14:sldId id="290"/>
             <p14:sldId id="291"/>
             <p14:sldId id="281"/>
+            <p14:sldId id="292"/>
+            <p14:sldId id="293"/>
+            <p14:sldId id="294"/>
+            <p14:sldId id="295"/>
+            <p14:sldId id="296"/>
+            <p14:sldId id="297"/>
+            <p14:sldId id="298"/>
+            <p14:sldId id="299"/>
+            <p14:sldId id="300"/>
+            <p14:sldId id="301"/>
+            <p14:sldId id="302"/>
             <p14:sldId id="282"/>
             <p14:sldId id="283"/>
             <p14:sldId id="287"/>
@@ -282,11 +304,11 @@
         </c:dLbls>
         <c:marker val="1"/>
         <c:smooth val="0"/>
-        <c:axId val="128509056"/>
-        <c:axId val="128510592"/>
+        <c:axId val="38932480"/>
+        <c:axId val="38934016"/>
       </c:lineChart>
       <c:catAx>
-        <c:axId val="128509056"/>
+        <c:axId val="38932480"/>
         <c:scaling>
           <c:orientation val="minMax"/>
         </c:scaling>
@@ -295,7 +317,7 @@
         <c:majorTickMark val="out"/>
         <c:minorTickMark val="none"/>
         <c:tickLblPos val="nextTo"/>
-        <c:crossAx val="128510592"/>
+        <c:crossAx val="38934016"/>
         <c:crosses val="autoZero"/>
         <c:auto val="1"/>
         <c:lblAlgn val="ctr"/>
@@ -303,7 +325,7 @@
         <c:noMultiLvlLbl val="0"/>
       </c:catAx>
       <c:valAx>
-        <c:axId val="128510592"/>
+        <c:axId val="38934016"/>
         <c:scaling>
           <c:orientation val="minMax"/>
         </c:scaling>
@@ -314,7 +336,7 @@
         <c:majorTickMark val="out"/>
         <c:minorTickMark val="none"/>
         <c:tickLblPos val="nextTo"/>
-        <c:crossAx val="128509056"/>
+        <c:crossAx val="38932480"/>
         <c:crosses val="autoZero"/>
         <c:crossBetween val="between"/>
       </c:valAx>
@@ -4489,7 +4511,7 @@
             <a:fld id="{75693FD4-8F83-4EF7-AC3F-0DC0388986B0}" type="slidenum">
               <a:rPr lang="fr-FR" smtClean="0"/>
               <a:pPr/>
-              <a:t>11</a:t>
+              <a:t>22</a:t>
             </a:fld>
             <a:endParaRPr lang="fr-FR"/>
           </a:p>
@@ -4569,7 +4591,7 @@
             <a:fld id="{75693FD4-8F83-4EF7-AC3F-0DC0388986B0}" type="slidenum">
               <a:rPr lang="fr-FR" smtClean="0"/>
               <a:pPr/>
-              <a:t>12</a:t>
+              <a:t>23</a:t>
             </a:fld>
             <a:endParaRPr lang="fr-FR"/>
           </a:p>
@@ -4692,7 +4714,7 @@
             <a:fld id="{EC6EAC7D-5A89-47C2-8ABA-56C9C2DEF7A4}" type="slidenum">
               <a:rPr lang="fr-FR" smtClean="0"/>
               <a:pPr/>
-              <a:t>13</a:t>
+              <a:t>24</a:t>
             </a:fld>
             <a:endParaRPr lang="fr-FR"/>
           </a:p>
@@ -4795,7 +4817,7 @@
             <a:fld id="{75693FD4-8F83-4EF7-AC3F-0DC0388986B0}" type="slidenum">
               <a:rPr lang="fr-FR" smtClean="0"/>
               <a:pPr/>
-              <a:t>14</a:t>
+              <a:t>25</a:t>
             </a:fld>
             <a:endParaRPr lang="fr-FR" dirty="0"/>
           </a:p>
@@ -4899,7 +4921,7 @@
             <a:fld id="{EC6EAC7D-5A89-47C2-8ABA-56C9C2DEF7A4}" type="slidenum">
               <a:rPr lang="fr-FR" smtClean="0"/>
               <a:pPr/>
-              <a:t>15</a:t>
+              <a:t>26</a:t>
             </a:fld>
             <a:endParaRPr lang="fr-FR"/>
           </a:p>
@@ -4987,7 +5009,7 @@
             <a:fld id="{EC6EAC7D-5A89-47C2-8ABA-56C9C2DEF7A4}" type="slidenum">
               <a:rPr lang="fr-FR" smtClean="0"/>
               <a:pPr/>
-              <a:t>16</a:t>
+              <a:t>27</a:t>
             </a:fld>
             <a:endParaRPr lang="fr-FR"/>
           </a:p>
@@ -5091,7 +5113,7 @@
             <a:fld id="{F2C51ECC-86A3-4073-ADEB-F5E3C216F85C}" type="slidenum">
               <a:rPr lang="fr-FR" smtClean="0"/>
               <a:pPr/>
-              <a:t>17</a:t>
+              <a:t>28</a:t>
             </a:fld>
             <a:endParaRPr lang="fr-FR" smtClean="0"/>
           </a:p>
@@ -5239,7 +5261,7 @@
             <a:fld id="{ED19570C-A909-40C0-B9F8-7AD3BA2C3C56}" type="slidenum">
               <a:rPr lang="fr-FR" smtClean="0"/>
               <a:pPr/>
-              <a:t>18</a:t>
+              <a:t>29</a:t>
             </a:fld>
             <a:endParaRPr lang="fr-FR" smtClean="0"/>
           </a:p>
@@ -5412,7 +5434,7 @@
             <a:fld id="{75693FD4-8F83-4EF7-AC3F-0DC0388986B0}" type="slidenum">
               <a:rPr lang="fr-FR" smtClean="0"/>
               <a:pPr/>
-              <a:t>19</a:t>
+              <a:t>30</a:t>
             </a:fld>
             <a:endParaRPr lang="fr-FR" dirty="0"/>
           </a:p>
@@ -5608,7 +5630,7 @@
             <a:fld id="{EC6EAC7D-5A89-47C2-8ABA-56C9C2DEF7A4}" type="slidenum">
               <a:rPr lang="fr-FR" smtClean="0"/>
               <a:pPr/>
-              <a:t>20</a:t>
+              <a:t>31</a:t>
             </a:fld>
             <a:endParaRPr lang="fr-FR" dirty="0"/>
           </a:p>
@@ -5712,7 +5734,7 @@
             <a:fld id="{85CEDE57-F8FE-4B43-B511-2E9F76624F74}" type="slidenum">
               <a:rPr lang="fr-FR" smtClean="0"/>
               <a:pPr/>
-              <a:t>21</a:t>
+              <a:t>32</a:t>
             </a:fld>
             <a:endParaRPr lang="fr-FR" dirty="0" smtClean="0"/>
           </a:p>
@@ -5864,7 +5886,7 @@
             <a:fld id="{B2B44A5F-6CE4-493C-A0D7-6834FF76660C}" type="slidenum">
               <a:rPr lang="fr-FR" smtClean="0"/>
               <a:pPr/>
-              <a:t>22</a:t>
+              <a:t>33</a:t>
             </a:fld>
             <a:endParaRPr lang="fr-FR" dirty="0" smtClean="0"/>
           </a:p>
@@ -6016,7 +6038,7 @@
             <a:fld id="{B5FF76F4-FC11-42FE-9D94-04E3E6D16C06}" type="slidenum">
               <a:rPr lang="fr-FR" smtClean="0"/>
               <a:pPr/>
-              <a:t>23</a:t>
+              <a:t>34</a:t>
             </a:fld>
             <a:endParaRPr lang="fr-FR" dirty="0" smtClean="0"/>
           </a:p>
@@ -7756,6 +7778,248 @@
       </p:par>
     </p:tnLst>
   </p:timing>
+</p:sldLayout>
+</file>
+
+<file path=ppt/slideLayouts/slideLayout14.xml><?xml version="1.0" encoding="utf-8"?>
+<p:sldLayout xmlns:a="http://schemas.openxmlformats.org/drawingml/2006/main" xmlns:r="http://schemas.openxmlformats.org/officeDocument/2006/relationships" xmlns:p="http://schemas.openxmlformats.org/presentationml/2006/main" type="title">
+  <p:cSld name="1_Diapositive de titre">
+    <p:spTree>
+      <p:nvGrpSpPr>
+        <p:cNvPr id="1" name=""/>
+        <p:cNvGrpSpPr/>
+        <p:nvPr/>
+      </p:nvGrpSpPr>
+      <p:grpSpPr>
+        <a:xfrm>
+          <a:off x="0" y="0"/>
+          <a:ext cx="0" cy="0"/>
+          <a:chOff x="0" y="0"/>
+          <a:chExt cx="0" cy="0"/>
+        </a:xfrm>
+      </p:grpSpPr>
+      <p:sp>
+        <p:nvSpPr>
+          <p:cNvPr id="2" name="Titre 1"/>
+          <p:cNvSpPr>
+            <a:spLocks noGrp="1"/>
+          </p:cNvSpPr>
+          <p:nvPr>
+            <p:ph type="ctrTitle"/>
+          </p:nvPr>
+        </p:nvSpPr>
+        <p:spPr>
+          <a:xfrm>
+            <a:off x="685800" y="2130425"/>
+            <a:ext cx="7772400" cy="1470025"/>
+          </a:xfrm>
+        </p:spPr>
+        <p:txBody>
+          <a:bodyPr/>
+          <a:lstStyle/>
+          <a:p>
+            <a:r>
+              <a:rPr lang="fr-FR" smtClean="0"/>
+              <a:t>Cliquez pour modifier le style du titre</a:t>
+            </a:r>
+            <a:endParaRPr lang="fr-BE"/>
+          </a:p>
+        </p:txBody>
+      </p:sp>
+      <p:sp>
+        <p:nvSpPr>
+          <p:cNvPr id="3" name="Sous-titre 2"/>
+          <p:cNvSpPr>
+            <a:spLocks noGrp="1"/>
+          </p:cNvSpPr>
+          <p:nvPr>
+            <p:ph type="subTitle" idx="1"/>
+          </p:nvPr>
+        </p:nvSpPr>
+        <p:spPr>
+          <a:xfrm>
+            <a:off x="1371600" y="3886200"/>
+            <a:ext cx="6400800" cy="1752600"/>
+          </a:xfrm>
+        </p:spPr>
+        <p:txBody>
+          <a:bodyPr/>
+          <a:lstStyle>
+            <a:lvl1pPr marL="0" indent="0" algn="ctr">
+              <a:buNone/>
+              <a:defRPr>
+                <a:solidFill>
+                  <a:schemeClr val="tx1">
+                    <a:tint val="75000"/>
+                  </a:schemeClr>
+                </a:solidFill>
+              </a:defRPr>
+            </a:lvl1pPr>
+            <a:lvl2pPr marL="457200" indent="0" algn="ctr">
+              <a:buNone/>
+              <a:defRPr>
+                <a:solidFill>
+                  <a:schemeClr val="tx1">
+                    <a:tint val="75000"/>
+                  </a:schemeClr>
+                </a:solidFill>
+              </a:defRPr>
+            </a:lvl2pPr>
+            <a:lvl3pPr marL="914400" indent="0" algn="ctr">
+              <a:buNone/>
+              <a:defRPr>
+                <a:solidFill>
+                  <a:schemeClr val="tx1">
+                    <a:tint val="75000"/>
+                  </a:schemeClr>
+                </a:solidFill>
+              </a:defRPr>
+            </a:lvl3pPr>
+            <a:lvl4pPr marL="1371600" indent="0" algn="ctr">
+              <a:buNone/>
+              <a:defRPr>
+                <a:solidFill>
+                  <a:schemeClr val="tx1">
+                    <a:tint val="75000"/>
+                  </a:schemeClr>
+                </a:solidFill>
+              </a:defRPr>
+            </a:lvl4pPr>
+            <a:lvl5pPr marL="1828800" indent="0" algn="ctr">
+              <a:buNone/>
+              <a:defRPr>
+                <a:solidFill>
+                  <a:schemeClr val="tx1">
+                    <a:tint val="75000"/>
+                  </a:schemeClr>
+                </a:solidFill>
+              </a:defRPr>
+            </a:lvl5pPr>
+            <a:lvl6pPr marL="2286000" indent="0" algn="ctr">
+              <a:buNone/>
+              <a:defRPr>
+                <a:solidFill>
+                  <a:schemeClr val="tx1">
+                    <a:tint val="75000"/>
+                  </a:schemeClr>
+                </a:solidFill>
+              </a:defRPr>
+            </a:lvl6pPr>
+            <a:lvl7pPr marL="2743200" indent="0" algn="ctr">
+              <a:buNone/>
+              <a:defRPr>
+                <a:solidFill>
+                  <a:schemeClr val="tx1">
+                    <a:tint val="75000"/>
+                  </a:schemeClr>
+                </a:solidFill>
+              </a:defRPr>
+            </a:lvl7pPr>
+            <a:lvl8pPr marL="3200400" indent="0" algn="ctr">
+              <a:buNone/>
+              <a:defRPr>
+                <a:solidFill>
+                  <a:schemeClr val="tx1">
+                    <a:tint val="75000"/>
+                  </a:schemeClr>
+                </a:solidFill>
+              </a:defRPr>
+            </a:lvl8pPr>
+            <a:lvl9pPr marL="3657600" indent="0" algn="ctr">
+              <a:buNone/>
+              <a:defRPr>
+                <a:solidFill>
+                  <a:schemeClr val="tx1">
+                    <a:tint val="75000"/>
+                  </a:schemeClr>
+                </a:solidFill>
+              </a:defRPr>
+            </a:lvl9pPr>
+          </a:lstStyle>
+          <a:p>
+            <a:r>
+              <a:rPr lang="fr-FR" smtClean="0"/>
+              <a:t>Cliquez pour modifier le style des sous-titres du masque</a:t>
+            </a:r>
+            <a:endParaRPr lang="fr-BE"/>
+          </a:p>
+        </p:txBody>
+      </p:sp>
+      <p:sp>
+        <p:nvSpPr>
+          <p:cNvPr id="4" name="Espace réservé de la date 3"/>
+          <p:cNvSpPr>
+            <a:spLocks noGrp="1"/>
+          </p:cNvSpPr>
+          <p:nvPr>
+            <p:ph type="dt" sz="half" idx="10"/>
+          </p:nvPr>
+        </p:nvSpPr>
+        <p:spPr/>
+        <p:txBody>
+          <a:bodyPr/>
+          <a:lstStyle/>
+          <a:p>
+            <a:fld id="{AA309A6D-C09C-4548-B29A-6CF363A7E532}" type="datetimeFigureOut">
+              <a:rPr lang="fr-FR" smtClean="0"/>
+              <a:t>08/03/2017</a:t>
+            </a:fld>
+            <a:endParaRPr lang="fr-BE"/>
+          </a:p>
+        </p:txBody>
+      </p:sp>
+      <p:sp>
+        <p:nvSpPr>
+          <p:cNvPr id="5" name="Espace réservé du pied de page 4"/>
+          <p:cNvSpPr>
+            <a:spLocks noGrp="1"/>
+          </p:cNvSpPr>
+          <p:nvPr>
+            <p:ph type="ftr" sz="quarter" idx="11"/>
+          </p:nvPr>
+        </p:nvSpPr>
+        <p:spPr/>
+        <p:txBody>
+          <a:bodyPr/>
+          <a:lstStyle/>
+          <a:p>
+            <a:endParaRPr lang="fr-BE"/>
+          </a:p>
+        </p:txBody>
+      </p:sp>
+      <p:sp>
+        <p:nvSpPr>
+          <p:cNvPr id="6" name="Espace réservé du numéro de diapositive 5"/>
+          <p:cNvSpPr>
+            <a:spLocks noGrp="1"/>
+          </p:cNvSpPr>
+          <p:nvPr>
+            <p:ph type="sldNum" sz="quarter" idx="12"/>
+          </p:nvPr>
+        </p:nvSpPr>
+        <p:spPr/>
+        <p:txBody>
+          <a:bodyPr/>
+          <a:lstStyle/>
+          <a:p>
+            <a:fld id="{CF4668DC-857F-487D-BFFA-8C0CA5037977}" type="slidenum">
+              <a:rPr lang="fr-BE" smtClean="0"/>
+              <a:t>‹N°›</a:t>
+            </a:fld>
+            <a:endParaRPr lang="fr-BE"/>
+          </a:p>
+        </p:txBody>
+      </p:sp>
+    </p:spTree>
+    <p:extLst>
+      <p:ext uri="{BB962C8B-B14F-4D97-AF65-F5344CB8AC3E}">
+        <p14:creationId xmlns:p14="http://schemas.microsoft.com/office/powerpoint/2010/main" val="843032847"/>
+      </p:ext>
+    </p:extLst>
+  </p:cSld>
+  <p:clrMapOvr>
+    <a:masterClrMapping/>
+  </p:clrMapOvr>
 </p:sldLayout>
 </file>
 
@@ -9986,7 +10250,7 @@
           <p:nvPr/>
         </p:nvPicPr>
         <p:blipFill rotWithShape="1">
-          <a:blip r:embed="rId15" cstate="email">
+          <a:blip r:embed="rId16" cstate="email">
             <a:extLst>
               <a:ext uri="{28A0092B-C50C-407E-A947-70E740481C1C}">
                 <a14:useLocalDpi xmlns:a14="http://schemas.microsoft.com/office/drawing/2010/main"/>
@@ -10230,7 +10494,7 @@
           <p:nvPr/>
         </p:nvPicPr>
         <p:blipFill rotWithShape="1">
-          <a:blip r:embed="rId16" cstate="email">
+          <a:blip r:embed="rId17" cstate="email">
             <a:extLst>
               <a:ext uri="{28A0092B-C50C-407E-A947-70E740481C1C}">
                 <a14:useLocalDpi xmlns:a14="http://schemas.microsoft.com/office/drawing/2010/main"/>
@@ -10267,6 +10531,7 @@
     <p:sldLayoutId id="2147483654" r:id="rId11"/>
     <p:sldLayoutId id="2147483655" r:id="rId12"/>
     <p:sldLayoutId id="2147483663" r:id="rId13"/>
+    <p:sldLayoutId id="2147483664" r:id="rId14"/>
   </p:sldLayoutIdLst>
   <p:transition spd="slow">
     <p:wipe dir="d"/>
@@ -10708,9 +10973,10 @@
           <a:lstStyle/>
           <a:p>
             <a:r>
-              <a:rPr lang="fr-FR" sz="7200"/>
-              <a:t>Nouveau travail</a:t>
-            </a:r>
+              <a:rPr lang="fr-FR" sz="7200" smtClean="0"/>
+              <a:t>Beau travail</a:t>
+            </a:r>
+            <a:endParaRPr lang="fr-FR" sz="7200" dirty="0"/>
           </a:p>
         </p:txBody>
       </p:sp>
@@ -10781,6 +11047,5233 @@
       </p:grpSpPr>
       <p:sp>
         <p:nvSpPr>
+          <p:cNvPr id="2" name="Titre 1"/>
+          <p:cNvSpPr>
+            <a:spLocks noGrp="1"/>
+          </p:cNvSpPr>
+          <p:nvPr>
+            <p:ph type="ctrTitle"/>
+          </p:nvPr>
+        </p:nvSpPr>
+        <p:spPr>
+          <a:xfrm>
+            <a:off x="899592" y="188640"/>
+            <a:ext cx="6262464" cy="1470025"/>
+          </a:xfrm>
+        </p:spPr>
+        <p:txBody>
+          <a:bodyPr/>
+          <a:lstStyle/>
+          <a:p>
+            <a:r>
+              <a:rPr lang="fr-FR" b="1" dirty="0">
+                <a:solidFill>
+                  <a:srgbClr val="0070C0"/>
+                </a:solidFill>
+                <a:latin typeface="+mn-lt"/>
+              </a:rPr>
+              <a:t>  </a:t>
+            </a:r>
+            <a:r>
+              <a:rPr lang="fr-FR" b="1" dirty="0" smtClean="0">
+                <a:solidFill>
+                  <a:srgbClr val="0070C0"/>
+                </a:solidFill>
+                <a:latin typeface="+mn-lt"/>
+              </a:rPr>
+              <a:t>     Définition :Interface</a:t>
+            </a:r>
+            <a:endParaRPr lang="fr-FR" b="1" dirty="0">
+              <a:solidFill>
+                <a:srgbClr val="0070C0"/>
+              </a:solidFill>
+              <a:latin typeface="+mn-lt"/>
+            </a:endParaRPr>
+          </a:p>
+        </p:txBody>
+      </p:sp>
+      <p:sp>
+        <p:nvSpPr>
+          <p:cNvPr id="3" name="Sous-titre 2"/>
+          <p:cNvSpPr>
+            <a:spLocks noGrp="1"/>
+          </p:cNvSpPr>
+          <p:nvPr>
+            <p:ph type="subTitle" idx="1"/>
+          </p:nvPr>
+        </p:nvSpPr>
+        <p:spPr>
+          <a:xfrm>
+            <a:off x="0" y="1844824"/>
+            <a:ext cx="9144000" cy="5013176"/>
+          </a:xfrm>
+        </p:spPr>
+        <p:txBody>
+          <a:bodyPr>
+            <a:normAutofit/>
+          </a:bodyPr>
+          <a:lstStyle/>
+          <a:p>
+            <a:r>
+              <a:rPr lang="fr-FR" dirty="0">
+                <a:solidFill>
+                  <a:schemeClr val="tx1"/>
+                </a:solidFill>
+              </a:rPr>
+              <a:t>application informatique qui prend en compte, au cours de son exécution, des informations </a:t>
+            </a:r>
+            <a:r>
+              <a:rPr lang="fr-FR" dirty="0" smtClean="0">
+                <a:solidFill>
+                  <a:schemeClr val="tx1"/>
+                </a:solidFill>
+              </a:rPr>
+              <a:t>    communiquées </a:t>
+            </a:r>
+            <a:r>
+              <a:rPr lang="fr-FR" dirty="0">
+                <a:solidFill>
+                  <a:schemeClr val="tx1"/>
+                </a:solidFill>
+              </a:rPr>
+              <a:t>par le ou les utilisateurs du système, et qui produit, au cours de son exécution, une représentation perceptible de son état interne </a:t>
+            </a:r>
+            <a:r>
+              <a:rPr lang="fr-FR" dirty="0" smtClean="0">
+                <a:solidFill>
+                  <a:schemeClr val="tx1"/>
+                </a:solidFill>
+              </a:rPr>
+              <a:t>entrées </a:t>
+            </a:r>
+            <a:r>
+              <a:rPr lang="fr-FR" dirty="0">
+                <a:solidFill>
+                  <a:schemeClr val="tx1"/>
+                </a:solidFill>
+              </a:rPr>
+              <a:t>fournies par l'utilisateur dépendent des sorties produites par le système, et </a:t>
+            </a:r>
+            <a:r>
+              <a:rPr lang="fr-FR" dirty="0" smtClean="0">
+                <a:solidFill>
+                  <a:schemeClr val="tx1"/>
+                </a:solidFill>
+              </a:rPr>
+              <a:t>inversement</a:t>
+            </a:r>
+            <a:endParaRPr lang="fr-FR" dirty="0">
+              <a:solidFill>
+                <a:schemeClr val="tx1"/>
+              </a:solidFill>
+            </a:endParaRPr>
+          </a:p>
+        </p:txBody>
+      </p:sp>
+    </p:spTree>
+    <p:extLst>
+      <p:ext uri="{BB962C8B-B14F-4D97-AF65-F5344CB8AC3E}">
+        <p14:creationId xmlns:p14="http://schemas.microsoft.com/office/powerpoint/2010/main" val="2645758284"/>
+      </p:ext>
+    </p:extLst>
+  </p:cSld>
+  <p:clrMapOvr>
+    <a:masterClrMapping/>
+  </p:clrMapOvr>
+  <p:transition spd="slow">
+    <p:wipe/>
+  </p:transition>
+  <p:timing>
+    <p:tnLst>
+      <p:par>
+        <p:cTn id="1" dur="indefinite" restart="never" nodeType="tmRoot">
+          <p:childTnLst>
+            <p:seq concurrent="1" nextAc="seek">
+              <p:cTn id="2" dur="indefinite" nodeType="mainSeq">
+                <p:childTnLst>
+                  <p:par>
+                    <p:cTn id="3" fill="hold">
+                      <p:stCondLst>
+                        <p:cond delay="indefinite"/>
+                      </p:stCondLst>
+                      <p:childTnLst>
+                        <p:par>
+                          <p:cTn id="4" fill="hold">
+                            <p:stCondLst>
+                              <p:cond delay="0"/>
+                            </p:stCondLst>
+                            <p:childTnLst>
+                              <p:par>
+                                <p:cTn id="5" presetID="16" presetClass="entr" presetSubtype="21" fill="hold" grpId="0" nodeType="clickEffect">
+                                  <p:stCondLst>
+                                    <p:cond delay="0"/>
+                                  </p:stCondLst>
+                                  <p:childTnLst>
+                                    <p:set>
+                                      <p:cBhvr>
+                                        <p:cTn id="6" dur="1" fill="hold">
+                                          <p:stCondLst>
+                                            <p:cond delay="0"/>
+                                          </p:stCondLst>
+                                        </p:cTn>
+                                        <p:tgtEl>
+                                          <p:spTgt spid="2"/>
+                                        </p:tgtEl>
+                                        <p:attrNameLst>
+                                          <p:attrName>style.visibility</p:attrName>
+                                        </p:attrNameLst>
+                                      </p:cBhvr>
+                                      <p:to>
+                                        <p:strVal val="visible"/>
+                                      </p:to>
+                                    </p:set>
+                                    <p:animEffect transition="in" filter="barn(inVertical)">
+                                      <p:cBhvr>
+                                        <p:cTn id="7" dur="500"/>
+                                        <p:tgtEl>
+                                          <p:spTgt spid="2"/>
+                                        </p:tgtEl>
+                                      </p:cBhvr>
+                                    </p:animEffect>
+                                  </p:childTnLst>
+                                </p:cTn>
+                              </p:par>
+                            </p:childTnLst>
+                          </p:cTn>
+                        </p:par>
+                      </p:childTnLst>
+                    </p:cTn>
+                  </p:par>
+                  <p:par>
+                    <p:cTn id="8" fill="hold">
+                      <p:stCondLst>
+                        <p:cond delay="indefinite"/>
+                      </p:stCondLst>
+                      <p:childTnLst>
+                        <p:par>
+                          <p:cTn id="9" fill="hold">
+                            <p:stCondLst>
+                              <p:cond delay="0"/>
+                            </p:stCondLst>
+                            <p:childTnLst>
+                              <p:par>
+                                <p:cTn id="10" presetID="16" presetClass="entr" presetSubtype="21" fill="hold" nodeType="clickEffect">
+                                  <p:stCondLst>
+                                    <p:cond delay="0"/>
+                                  </p:stCondLst>
+                                  <p:childTnLst>
+                                    <p:set>
+                                      <p:cBhvr>
+                                        <p:cTn id="11" dur="1" fill="hold">
+                                          <p:stCondLst>
+                                            <p:cond delay="0"/>
+                                          </p:stCondLst>
+                                        </p:cTn>
+                                        <p:tgtEl>
+                                          <p:spTgt spid="3">
+                                            <p:txEl>
+                                              <p:pRg st="0" end="0"/>
+                                            </p:txEl>
+                                          </p:spTgt>
+                                        </p:tgtEl>
+                                        <p:attrNameLst>
+                                          <p:attrName>style.visibility</p:attrName>
+                                        </p:attrNameLst>
+                                      </p:cBhvr>
+                                      <p:to>
+                                        <p:strVal val="visible"/>
+                                      </p:to>
+                                    </p:set>
+                                    <p:animEffect transition="in" filter="barn(inVertical)">
+                                      <p:cBhvr>
+                                        <p:cTn id="12" dur="500"/>
+                                        <p:tgtEl>
+                                          <p:spTgt spid="3">
+                                            <p:txEl>
+                                              <p:pRg st="0" end="0"/>
+                                            </p:txEl>
+                                          </p:spTgt>
+                                        </p:tgtEl>
+                                      </p:cBhvr>
+                                    </p:animEffect>
+                                  </p:childTnLst>
+                                </p:cTn>
+                              </p:par>
+                            </p:childTnLst>
+                          </p:cTn>
+                        </p:par>
+                      </p:childTnLst>
+                    </p:cTn>
+                  </p:par>
+                </p:childTnLst>
+              </p:cTn>
+              <p:prevCondLst>
+                <p:cond evt="onPrev" delay="0">
+                  <p:tgtEl>
+                    <p:sldTgt/>
+                  </p:tgtEl>
+                </p:cond>
+              </p:prevCondLst>
+              <p:nextCondLst>
+                <p:cond evt="onNext" delay="0">
+                  <p:tgtEl>
+                    <p:sldTgt/>
+                  </p:tgtEl>
+                </p:cond>
+              </p:nextCondLst>
+            </p:seq>
+          </p:childTnLst>
+        </p:cTn>
+      </p:par>
+    </p:tnLst>
+    <p:bldLst>
+      <p:bldP spid="2" grpId="0"/>
+    </p:bldLst>
+  </p:timing>
+</p:sld>
+</file>
+
+<file path=ppt/slides/slide12.xml><?xml version="1.0" encoding="utf-8"?>
+<p:sld xmlns:a="http://schemas.openxmlformats.org/drawingml/2006/main" xmlns:r="http://schemas.openxmlformats.org/officeDocument/2006/relationships" xmlns:p="http://schemas.openxmlformats.org/presentationml/2006/main">
+  <p:cSld>
+    <p:spTree>
+      <p:nvGrpSpPr>
+        <p:cNvPr id="1" name=""/>
+        <p:cNvGrpSpPr/>
+        <p:nvPr/>
+      </p:nvGrpSpPr>
+      <p:grpSpPr>
+        <a:xfrm>
+          <a:off x="0" y="0"/>
+          <a:ext cx="0" cy="0"/>
+          <a:chOff x="0" y="0"/>
+          <a:chExt cx="0" cy="0"/>
+        </a:xfrm>
+      </p:grpSpPr>
+      <p:sp>
+        <p:nvSpPr>
+          <p:cNvPr id="2" name="Titre 1"/>
+          <p:cNvSpPr>
+            <a:spLocks noGrp="1"/>
+          </p:cNvSpPr>
+          <p:nvPr>
+            <p:ph type="title"/>
+          </p:nvPr>
+        </p:nvSpPr>
+        <p:spPr/>
+        <p:txBody>
+          <a:bodyPr/>
+          <a:lstStyle/>
+          <a:p>
+            <a:endParaRPr lang="fr-FR"/>
+          </a:p>
+        </p:txBody>
+      </p:sp>
+      <p:pic>
+        <p:nvPicPr>
+          <p:cNvPr id="1026" name="Picture 2"/>
+          <p:cNvPicPr>
+            <a:picLocks noGrp="1" noChangeAspect="1" noChangeArrowheads="1"/>
+          </p:cNvPicPr>
+          <p:nvPr>
+            <p:ph idx="1"/>
+          </p:nvPr>
+        </p:nvPicPr>
+        <p:blipFill>
+          <a:blip r:embed="rId2" cstate="email">
+            <a:extLst>
+              <a:ext uri="{28A0092B-C50C-407E-A947-70E740481C1C}">
+                <a14:useLocalDpi xmlns:a14="http://schemas.microsoft.com/office/drawing/2010/main" val="0"/>
+              </a:ext>
+            </a:extLst>
+          </a:blip>
+          <a:srcRect/>
+          <a:stretch>
+            <a:fillRect/>
+          </a:stretch>
+        </p:blipFill>
+        <p:spPr bwMode="auto">
+          <a:xfrm>
+            <a:off x="-131584" y="0"/>
+            <a:ext cx="9275583" cy="6858000"/>
+          </a:xfrm>
+          <a:prstGeom prst="rect">
+            <a:avLst/>
+          </a:prstGeom>
+          <a:noFill/>
+          <a:ln>
+            <a:noFill/>
+          </a:ln>
+          <a:effectLst/>
+          <a:extLst>
+            <a:ext uri="{909E8E84-426E-40DD-AFC4-6F175D3DCCD1}">
+              <a14:hiddenFill xmlns:a14="http://schemas.microsoft.com/office/drawing/2010/main">
+                <a:solidFill>
+                  <a:schemeClr val="accent1"/>
+                </a:solidFill>
+              </a14:hiddenFill>
+            </a:ext>
+            <a:ext uri="{91240B29-F687-4F45-9708-019B960494DF}">
+              <a14:hiddenLine xmlns:a14="http://schemas.microsoft.com/office/drawing/2010/main" w="9525">
+                <a:solidFill>
+                  <a:schemeClr val="tx1"/>
+                </a:solidFill>
+                <a:miter lim="800000"/>
+                <a:headEnd/>
+                <a:tailEnd/>
+              </a14:hiddenLine>
+            </a:ext>
+            <a:ext uri="{AF507438-7753-43E0-B8FC-AC1667EBCBE1}">
+              <a14:hiddenEffects xmlns:a14="http://schemas.microsoft.com/office/drawing/2010/main">
+                <a:effectLst>
+                  <a:outerShdw dist="35921" dir="2700000" algn="ctr" rotWithShape="0">
+                    <a:schemeClr val="bg2"/>
+                  </a:outerShdw>
+                </a:effectLst>
+              </a14:hiddenEffects>
+            </a:ext>
+          </a:extLst>
+        </p:spPr>
+      </p:pic>
+    </p:spTree>
+    <p:extLst>
+      <p:ext uri="{BB962C8B-B14F-4D97-AF65-F5344CB8AC3E}">
+        <p14:creationId xmlns:p14="http://schemas.microsoft.com/office/powerpoint/2010/main" val="3866948090"/>
+      </p:ext>
+    </p:extLst>
+  </p:cSld>
+  <p:clrMapOvr>
+    <a:masterClrMapping/>
+  </p:clrMapOvr>
+  <p:transition spd="slow">
+    <p:wipe dir="d"/>
+  </p:transition>
+  <p:timing>
+    <p:tnLst>
+      <p:par>
+        <p:cTn id="1" dur="indefinite" restart="never" nodeType="tmRoot">
+          <p:childTnLst>
+            <p:seq concurrent="1" nextAc="seek">
+              <p:cTn id="2" dur="indefinite" nodeType="mainSeq">
+                <p:childTnLst>
+                  <p:par>
+                    <p:cTn id="3" fill="hold">
+                      <p:stCondLst>
+                        <p:cond delay="indefinite"/>
+                      </p:stCondLst>
+                      <p:childTnLst>
+                        <p:par>
+                          <p:cTn id="4" fill="hold">
+                            <p:stCondLst>
+                              <p:cond delay="0"/>
+                            </p:stCondLst>
+                            <p:childTnLst>
+                              <p:par>
+                                <p:cTn id="5" presetID="16" presetClass="entr" presetSubtype="21" fill="hold" nodeType="clickEffect">
+                                  <p:stCondLst>
+                                    <p:cond delay="0"/>
+                                  </p:stCondLst>
+                                  <p:childTnLst>
+                                    <p:set>
+                                      <p:cBhvr>
+                                        <p:cTn id="6" dur="1" fill="hold">
+                                          <p:stCondLst>
+                                            <p:cond delay="0"/>
+                                          </p:stCondLst>
+                                        </p:cTn>
+                                        <p:tgtEl>
+                                          <p:spTgt spid="1026"/>
+                                        </p:tgtEl>
+                                        <p:attrNameLst>
+                                          <p:attrName>style.visibility</p:attrName>
+                                        </p:attrNameLst>
+                                      </p:cBhvr>
+                                      <p:to>
+                                        <p:strVal val="visible"/>
+                                      </p:to>
+                                    </p:set>
+                                    <p:animEffect transition="in" filter="barn(inVertical)">
+                                      <p:cBhvr>
+                                        <p:cTn id="7" dur="500"/>
+                                        <p:tgtEl>
+                                          <p:spTgt spid="1026"/>
+                                        </p:tgtEl>
+                                      </p:cBhvr>
+                                    </p:animEffect>
+                                  </p:childTnLst>
+                                </p:cTn>
+                              </p:par>
+                            </p:childTnLst>
+                          </p:cTn>
+                        </p:par>
+                      </p:childTnLst>
+                    </p:cTn>
+                  </p:par>
+                </p:childTnLst>
+              </p:cTn>
+              <p:prevCondLst>
+                <p:cond evt="onPrev" delay="0">
+                  <p:tgtEl>
+                    <p:sldTgt/>
+                  </p:tgtEl>
+                </p:cond>
+              </p:prevCondLst>
+              <p:nextCondLst>
+                <p:cond evt="onNext" delay="0">
+                  <p:tgtEl>
+                    <p:sldTgt/>
+                  </p:tgtEl>
+                </p:cond>
+              </p:nextCondLst>
+            </p:seq>
+          </p:childTnLst>
+        </p:cTn>
+      </p:par>
+    </p:tnLst>
+  </p:timing>
+</p:sld>
+</file>
+
+<file path=ppt/slides/slide13.xml><?xml version="1.0" encoding="utf-8"?>
+<p:sld xmlns:a="http://schemas.openxmlformats.org/drawingml/2006/main" xmlns:r="http://schemas.openxmlformats.org/officeDocument/2006/relationships" xmlns:p="http://schemas.openxmlformats.org/presentationml/2006/main">
+  <p:cSld>
+    <p:spTree>
+      <p:nvGrpSpPr>
+        <p:cNvPr id="1" name=""/>
+        <p:cNvGrpSpPr/>
+        <p:nvPr/>
+      </p:nvGrpSpPr>
+      <p:grpSpPr>
+        <a:xfrm>
+          <a:off x="0" y="0"/>
+          <a:ext cx="0" cy="0"/>
+          <a:chOff x="0" y="0"/>
+          <a:chExt cx="0" cy="0"/>
+        </a:xfrm>
+      </p:grpSpPr>
+      <p:sp>
+        <p:nvSpPr>
+          <p:cNvPr id="2" name="Titre 1"/>
+          <p:cNvSpPr>
+            <a:spLocks noGrp="1"/>
+          </p:cNvSpPr>
+          <p:nvPr>
+            <p:ph type="title"/>
+          </p:nvPr>
+        </p:nvSpPr>
+        <p:spPr/>
+        <p:txBody>
+          <a:bodyPr>
+            <a:normAutofit/>
+          </a:bodyPr>
+          <a:lstStyle/>
+          <a:p>
+            <a:r>
+              <a:rPr lang="fr-FR" b="1" dirty="0" smtClean="0">
+                <a:solidFill>
+                  <a:srgbClr val="0070C0"/>
+                </a:solidFill>
+                <a:latin typeface="+mn-lt"/>
+              </a:rPr>
+              <a:t>Intérêt </a:t>
+            </a:r>
+            <a:r>
+              <a:rPr lang="fr-FR" b="1" dirty="0">
+                <a:solidFill>
+                  <a:srgbClr val="0070C0"/>
+                </a:solidFill>
+                <a:latin typeface="+mn-lt"/>
+              </a:rPr>
+              <a:t>pour IHM </a:t>
+            </a:r>
+          </a:p>
+        </p:txBody>
+      </p:sp>
+      <p:sp>
+        <p:nvSpPr>
+          <p:cNvPr id="3" name="Espace réservé du contenu 2"/>
+          <p:cNvSpPr>
+            <a:spLocks noGrp="1"/>
+          </p:cNvSpPr>
+          <p:nvPr>
+            <p:ph idx="1"/>
+          </p:nvPr>
+        </p:nvSpPr>
+        <p:spPr>
+          <a:xfrm>
+            <a:off x="457200" y="1196752"/>
+            <a:ext cx="8229600" cy="5544616"/>
+          </a:xfrm>
+        </p:spPr>
+        <p:txBody>
+          <a:bodyPr>
+            <a:noAutofit/>
+          </a:bodyPr>
+          <a:lstStyle/>
+          <a:p>
+            <a:pPr marL="0" indent="0">
+              <a:buNone/>
+            </a:pPr>
+            <a:r>
+              <a:rPr lang="fr-FR" sz="2800" dirty="0" smtClean="0"/>
+              <a:t>•</a:t>
+            </a:r>
+            <a:r>
+              <a:rPr lang="fr-FR" sz="2800" dirty="0"/>
+              <a:t>De nombreux systèmes disposent d ’IHM mal conçues </a:t>
+            </a:r>
+            <a:endParaRPr lang="fr-FR" sz="2800" dirty="0" smtClean="0"/>
+          </a:p>
+          <a:p>
+            <a:pPr marL="0" indent="0">
+              <a:buNone/>
+            </a:pPr>
+            <a:r>
+              <a:rPr lang="fr-FR" sz="2800" dirty="0" smtClean="0"/>
+              <a:t>Forte </a:t>
+            </a:r>
+            <a:r>
+              <a:rPr lang="fr-FR" sz="2800" dirty="0"/>
+              <a:t>demande d ’amélioration pour </a:t>
+            </a:r>
+            <a:r>
+              <a:rPr lang="fr-FR" sz="2800" dirty="0" smtClean="0"/>
+              <a:t> </a:t>
+            </a:r>
+            <a:r>
+              <a:rPr lang="fr-FR" sz="2800" dirty="0"/>
+              <a:t>des systèmes critiques (éviter les accidents, ex: A320), </a:t>
+            </a:r>
+            <a:endParaRPr lang="fr-FR" sz="2800" dirty="0" smtClean="0"/>
+          </a:p>
+          <a:p>
+            <a:pPr marL="0" indent="0">
+              <a:buNone/>
+            </a:pPr>
+            <a:r>
+              <a:rPr lang="fr-FR" sz="2800" dirty="0" smtClean="0"/>
+              <a:t>• </a:t>
+            </a:r>
+            <a:r>
+              <a:rPr lang="fr-FR" sz="2800" dirty="0"/>
+              <a:t>des systèmes industriels et commerciaux (baisse de productivité liée à l ’introduction des </a:t>
+            </a:r>
+            <a:r>
+              <a:rPr lang="fr-FR" sz="2800" dirty="0" err="1"/>
+              <a:t>PCs</a:t>
+            </a:r>
+            <a:r>
+              <a:rPr lang="fr-FR" sz="2800" dirty="0"/>
+              <a:t> sur les bureaux des cadres) </a:t>
+            </a:r>
+            <a:endParaRPr lang="fr-FR" sz="2800" dirty="0" smtClean="0"/>
+          </a:p>
+          <a:p>
+            <a:pPr marL="0" indent="0">
+              <a:buNone/>
+            </a:pPr>
+            <a:r>
+              <a:rPr lang="fr-FR" sz="2800" dirty="0" smtClean="0"/>
+              <a:t>• </a:t>
+            </a:r>
+            <a:r>
+              <a:rPr lang="fr-FR" sz="2800" dirty="0"/>
+              <a:t>des systèmes pour les loisirs ou la maison ( rendus attrayants par leur IHM) </a:t>
+            </a:r>
+            <a:endParaRPr lang="fr-FR" sz="2800" dirty="0" smtClean="0"/>
+          </a:p>
+          <a:p>
+            <a:pPr marL="0" indent="0">
+              <a:buNone/>
+            </a:pPr>
+            <a:r>
+              <a:rPr lang="fr-FR" sz="2800" dirty="0"/>
+              <a:t>•des outils collecticiels ou </a:t>
+            </a:r>
+            <a:r>
+              <a:rPr lang="fr-FR" sz="2800" dirty="0" err="1"/>
+              <a:t>groupware</a:t>
+            </a:r>
+            <a:r>
+              <a:rPr lang="fr-FR" sz="2800" dirty="0"/>
+              <a:t> (</a:t>
+            </a:r>
+            <a:r>
+              <a:rPr lang="fr-FR" sz="2800" dirty="0" err="1"/>
+              <a:t>pb</a:t>
+            </a:r>
+            <a:r>
+              <a:rPr lang="fr-FR" sz="2800" dirty="0"/>
+              <a:t> de communication Homme </a:t>
+            </a:r>
+            <a:r>
+              <a:rPr lang="fr-FR" sz="2800" dirty="0" err="1"/>
+              <a:t>Homme</a:t>
+            </a:r>
+            <a:r>
+              <a:rPr lang="fr-FR" sz="2800" dirty="0"/>
+              <a:t> via machine)</a:t>
+            </a:r>
+          </a:p>
+          <a:p>
+            <a:pPr marL="0" indent="0">
+              <a:buNone/>
+            </a:pPr>
+            <a:endParaRPr lang="fr-FR" sz="2800" dirty="0" smtClean="0"/>
+          </a:p>
+          <a:p>
+            <a:pPr marL="0" indent="0">
+              <a:buNone/>
+            </a:pPr>
+            <a:r>
+              <a:rPr lang="fr-FR" sz="2800" dirty="0" smtClean="0"/>
+              <a:t> </a:t>
+            </a:r>
+            <a:endParaRPr lang="fr-FR" sz="2800" dirty="0"/>
+          </a:p>
+        </p:txBody>
+      </p:sp>
+    </p:spTree>
+    <p:extLst>
+      <p:ext uri="{BB962C8B-B14F-4D97-AF65-F5344CB8AC3E}">
+        <p14:creationId xmlns:p14="http://schemas.microsoft.com/office/powerpoint/2010/main" val="1179308791"/>
+      </p:ext>
+    </p:extLst>
+  </p:cSld>
+  <p:clrMapOvr>
+    <a:masterClrMapping/>
+  </p:clrMapOvr>
+  <p:transition spd="slow">
+    <p:wipe dir="d"/>
+  </p:transition>
+  <p:timing>
+    <p:tnLst>
+      <p:par>
+        <p:cTn id="1" dur="indefinite" restart="never" nodeType="tmRoot">
+          <p:childTnLst>
+            <p:seq concurrent="1" nextAc="seek">
+              <p:cTn id="2" dur="indefinite" nodeType="mainSeq">
+                <p:childTnLst>
+                  <p:par>
+                    <p:cTn id="3" fill="hold">
+                      <p:stCondLst>
+                        <p:cond delay="indefinite"/>
+                      </p:stCondLst>
+                      <p:childTnLst>
+                        <p:par>
+                          <p:cTn id="4" fill="hold">
+                            <p:stCondLst>
+                              <p:cond delay="0"/>
+                            </p:stCondLst>
+                            <p:childTnLst>
+                              <p:par>
+                                <p:cTn id="5" presetID="16" presetClass="entr" presetSubtype="21" fill="hold" grpId="0" nodeType="clickEffect">
+                                  <p:stCondLst>
+                                    <p:cond delay="0"/>
+                                  </p:stCondLst>
+                                  <p:childTnLst>
+                                    <p:set>
+                                      <p:cBhvr>
+                                        <p:cTn id="6" dur="1" fill="hold">
+                                          <p:stCondLst>
+                                            <p:cond delay="0"/>
+                                          </p:stCondLst>
+                                        </p:cTn>
+                                        <p:tgtEl>
+                                          <p:spTgt spid="2"/>
+                                        </p:tgtEl>
+                                        <p:attrNameLst>
+                                          <p:attrName>style.visibility</p:attrName>
+                                        </p:attrNameLst>
+                                      </p:cBhvr>
+                                      <p:to>
+                                        <p:strVal val="visible"/>
+                                      </p:to>
+                                    </p:set>
+                                    <p:animEffect transition="in" filter="barn(inVertical)">
+                                      <p:cBhvr>
+                                        <p:cTn id="7" dur="500"/>
+                                        <p:tgtEl>
+                                          <p:spTgt spid="2"/>
+                                        </p:tgtEl>
+                                      </p:cBhvr>
+                                    </p:animEffect>
+                                  </p:childTnLst>
+                                </p:cTn>
+                              </p:par>
+                            </p:childTnLst>
+                          </p:cTn>
+                        </p:par>
+                      </p:childTnLst>
+                    </p:cTn>
+                  </p:par>
+                  <p:par>
+                    <p:cTn id="8" fill="hold">
+                      <p:stCondLst>
+                        <p:cond delay="indefinite"/>
+                      </p:stCondLst>
+                      <p:childTnLst>
+                        <p:par>
+                          <p:cTn id="9" fill="hold">
+                            <p:stCondLst>
+                              <p:cond delay="0"/>
+                            </p:stCondLst>
+                            <p:childTnLst>
+                              <p:par>
+                                <p:cTn id="10" presetID="16" presetClass="entr" presetSubtype="21" fill="hold" nodeType="clickEffect">
+                                  <p:stCondLst>
+                                    <p:cond delay="0"/>
+                                  </p:stCondLst>
+                                  <p:childTnLst>
+                                    <p:set>
+                                      <p:cBhvr>
+                                        <p:cTn id="11" dur="1" fill="hold">
+                                          <p:stCondLst>
+                                            <p:cond delay="0"/>
+                                          </p:stCondLst>
+                                        </p:cTn>
+                                        <p:tgtEl>
+                                          <p:spTgt spid="3">
+                                            <p:txEl>
+                                              <p:pRg st="0" end="0"/>
+                                            </p:txEl>
+                                          </p:spTgt>
+                                        </p:tgtEl>
+                                        <p:attrNameLst>
+                                          <p:attrName>style.visibility</p:attrName>
+                                        </p:attrNameLst>
+                                      </p:cBhvr>
+                                      <p:to>
+                                        <p:strVal val="visible"/>
+                                      </p:to>
+                                    </p:set>
+                                    <p:animEffect transition="in" filter="barn(inVertical)">
+                                      <p:cBhvr>
+                                        <p:cTn id="12" dur="500"/>
+                                        <p:tgtEl>
+                                          <p:spTgt spid="3">
+                                            <p:txEl>
+                                              <p:pRg st="0" end="0"/>
+                                            </p:txEl>
+                                          </p:spTgt>
+                                        </p:tgtEl>
+                                      </p:cBhvr>
+                                    </p:animEffect>
+                                  </p:childTnLst>
+                                </p:cTn>
+                              </p:par>
+                              <p:par>
+                                <p:cTn id="13" presetID="16" presetClass="entr" presetSubtype="21" fill="hold" nodeType="withEffect">
+                                  <p:stCondLst>
+                                    <p:cond delay="0"/>
+                                  </p:stCondLst>
+                                  <p:childTnLst>
+                                    <p:set>
+                                      <p:cBhvr>
+                                        <p:cTn id="14" dur="1" fill="hold">
+                                          <p:stCondLst>
+                                            <p:cond delay="0"/>
+                                          </p:stCondLst>
+                                        </p:cTn>
+                                        <p:tgtEl>
+                                          <p:spTgt spid="3">
+                                            <p:txEl>
+                                              <p:pRg st="1" end="1"/>
+                                            </p:txEl>
+                                          </p:spTgt>
+                                        </p:tgtEl>
+                                        <p:attrNameLst>
+                                          <p:attrName>style.visibility</p:attrName>
+                                        </p:attrNameLst>
+                                      </p:cBhvr>
+                                      <p:to>
+                                        <p:strVal val="visible"/>
+                                      </p:to>
+                                    </p:set>
+                                    <p:animEffect transition="in" filter="barn(inVertical)">
+                                      <p:cBhvr>
+                                        <p:cTn id="15" dur="500"/>
+                                        <p:tgtEl>
+                                          <p:spTgt spid="3">
+                                            <p:txEl>
+                                              <p:pRg st="1" end="1"/>
+                                            </p:txEl>
+                                          </p:spTgt>
+                                        </p:tgtEl>
+                                      </p:cBhvr>
+                                    </p:animEffect>
+                                  </p:childTnLst>
+                                </p:cTn>
+                              </p:par>
+                              <p:par>
+                                <p:cTn id="16" presetID="16" presetClass="entr" presetSubtype="21" fill="hold" nodeType="withEffect">
+                                  <p:stCondLst>
+                                    <p:cond delay="0"/>
+                                  </p:stCondLst>
+                                  <p:childTnLst>
+                                    <p:set>
+                                      <p:cBhvr>
+                                        <p:cTn id="17" dur="1" fill="hold">
+                                          <p:stCondLst>
+                                            <p:cond delay="0"/>
+                                          </p:stCondLst>
+                                        </p:cTn>
+                                        <p:tgtEl>
+                                          <p:spTgt spid="3">
+                                            <p:txEl>
+                                              <p:pRg st="2" end="2"/>
+                                            </p:txEl>
+                                          </p:spTgt>
+                                        </p:tgtEl>
+                                        <p:attrNameLst>
+                                          <p:attrName>style.visibility</p:attrName>
+                                        </p:attrNameLst>
+                                      </p:cBhvr>
+                                      <p:to>
+                                        <p:strVal val="visible"/>
+                                      </p:to>
+                                    </p:set>
+                                    <p:animEffect transition="in" filter="barn(inVertical)">
+                                      <p:cBhvr>
+                                        <p:cTn id="18" dur="500"/>
+                                        <p:tgtEl>
+                                          <p:spTgt spid="3">
+                                            <p:txEl>
+                                              <p:pRg st="2" end="2"/>
+                                            </p:txEl>
+                                          </p:spTgt>
+                                        </p:tgtEl>
+                                      </p:cBhvr>
+                                    </p:animEffect>
+                                  </p:childTnLst>
+                                </p:cTn>
+                              </p:par>
+                              <p:par>
+                                <p:cTn id="19" presetID="16" presetClass="entr" presetSubtype="21" fill="hold" nodeType="withEffect">
+                                  <p:stCondLst>
+                                    <p:cond delay="0"/>
+                                  </p:stCondLst>
+                                  <p:childTnLst>
+                                    <p:set>
+                                      <p:cBhvr>
+                                        <p:cTn id="20" dur="1" fill="hold">
+                                          <p:stCondLst>
+                                            <p:cond delay="0"/>
+                                          </p:stCondLst>
+                                        </p:cTn>
+                                        <p:tgtEl>
+                                          <p:spTgt spid="3">
+                                            <p:txEl>
+                                              <p:pRg st="3" end="3"/>
+                                            </p:txEl>
+                                          </p:spTgt>
+                                        </p:tgtEl>
+                                        <p:attrNameLst>
+                                          <p:attrName>style.visibility</p:attrName>
+                                        </p:attrNameLst>
+                                      </p:cBhvr>
+                                      <p:to>
+                                        <p:strVal val="visible"/>
+                                      </p:to>
+                                    </p:set>
+                                    <p:animEffect transition="in" filter="barn(inVertical)">
+                                      <p:cBhvr>
+                                        <p:cTn id="21" dur="500"/>
+                                        <p:tgtEl>
+                                          <p:spTgt spid="3">
+                                            <p:txEl>
+                                              <p:pRg st="3" end="3"/>
+                                            </p:txEl>
+                                          </p:spTgt>
+                                        </p:tgtEl>
+                                      </p:cBhvr>
+                                    </p:animEffect>
+                                  </p:childTnLst>
+                                </p:cTn>
+                              </p:par>
+                              <p:par>
+                                <p:cTn id="22" presetID="16" presetClass="entr" presetSubtype="21" fill="hold" nodeType="withEffect">
+                                  <p:stCondLst>
+                                    <p:cond delay="0"/>
+                                  </p:stCondLst>
+                                  <p:childTnLst>
+                                    <p:set>
+                                      <p:cBhvr>
+                                        <p:cTn id="23" dur="1" fill="hold">
+                                          <p:stCondLst>
+                                            <p:cond delay="0"/>
+                                          </p:stCondLst>
+                                        </p:cTn>
+                                        <p:tgtEl>
+                                          <p:spTgt spid="3">
+                                            <p:txEl>
+                                              <p:pRg st="4" end="4"/>
+                                            </p:txEl>
+                                          </p:spTgt>
+                                        </p:tgtEl>
+                                        <p:attrNameLst>
+                                          <p:attrName>style.visibility</p:attrName>
+                                        </p:attrNameLst>
+                                      </p:cBhvr>
+                                      <p:to>
+                                        <p:strVal val="visible"/>
+                                      </p:to>
+                                    </p:set>
+                                    <p:animEffect transition="in" filter="barn(inVertical)">
+                                      <p:cBhvr>
+                                        <p:cTn id="24" dur="500"/>
+                                        <p:tgtEl>
+                                          <p:spTgt spid="3">
+                                            <p:txEl>
+                                              <p:pRg st="4" end="4"/>
+                                            </p:txEl>
+                                          </p:spTgt>
+                                        </p:tgtEl>
+                                      </p:cBhvr>
+                                    </p:animEffect>
+                                  </p:childTnLst>
+                                </p:cTn>
+                              </p:par>
+                            </p:childTnLst>
+                          </p:cTn>
+                        </p:par>
+                      </p:childTnLst>
+                    </p:cTn>
+                  </p:par>
+                </p:childTnLst>
+              </p:cTn>
+              <p:prevCondLst>
+                <p:cond evt="onPrev" delay="0">
+                  <p:tgtEl>
+                    <p:sldTgt/>
+                  </p:tgtEl>
+                </p:cond>
+              </p:prevCondLst>
+              <p:nextCondLst>
+                <p:cond evt="onNext" delay="0">
+                  <p:tgtEl>
+                    <p:sldTgt/>
+                  </p:tgtEl>
+                </p:cond>
+              </p:nextCondLst>
+            </p:seq>
+          </p:childTnLst>
+        </p:cTn>
+      </p:par>
+    </p:tnLst>
+    <p:bldLst>
+      <p:bldP spid="2" grpId="0"/>
+    </p:bldLst>
+  </p:timing>
+</p:sld>
+</file>
+
+<file path=ppt/slides/slide14.xml><?xml version="1.0" encoding="utf-8"?>
+<p:sld xmlns:a="http://schemas.openxmlformats.org/drawingml/2006/main" xmlns:r="http://schemas.openxmlformats.org/officeDocument/2006/relationships" xmlns:p="http://schemas.openxmlformats.org/presentationml/2006/main">
+  <p:cSld>
+    <p:spTree>
+      <p:nvGrpSpPr>
+        <p:cNvPr id="1" name=""/>
+        <p:cNvGrpSpPr/>
+        <p:nvPr/>
+      </p:nvGrpSpPr>
+      <p:grpSpPr>
+        <a:xfrm>
+          <a:off x="0" y="0"/>
+          <a:ext cx="0" cy="0"/>
+          <a:chOff x="0" y="0"/>
+          <a:chExt cx="0" cy="0"/>
+        </a:xfrm>
+      </p:grpSpPr>
+      <p:sp>
+        <p:nvSpPr>
+          <p:cNvPr id="2" name="Titre 1"/>
+          <p:cNvSpPr>
+            <a:spLocks noGrp="1"/>
+          </p:cNvSpPr>
+          <p:nvPr>
+            <p:ph type="title"/>
+          </p:nvPr>
+        </p:nvSpPr>
+        <p:spPr/>
+        <p:txBody>
+          <a:bodyPr/>
+          <a:lstStyle/>
+          <a:p>
+            <a:endParaRPr lang="fr-FR"/>
+          </a:p>
+        </p:txBody>
+      </p:sp>
+      <p:pic>
+        <p:nvPicPr>
+          <p:cNvPr id="4" name="Espace réservé du contenu 3"/>
+          <p:cNvPicPr>
+            <a:picLocks noGrp="1" noChangeAspect="1"/>
+          </p:cNvPicPr>
+          <p:nvPr>
+            <p:ph idx="1"/>
+          </p:nvPr>
+        </p:nvPicPr>
+        <p:blipFill>
+          <a:blip r:embed="rId2">
+            <a:extLst>
+              <a:ext uri="{28A0092B-C50C-407E-A947-70E740481C1C}">
+                <a14:useLocalDpi xmlns:a14="http://schemas.microsoft.com/office/drawing/2010/main" val="0"/>
+              </a:ext>
+            </a:extLst>
+          </a:blip>
+          <a:stretch>
+            <a:fillRect/>
+          </a:stretch>
+        </p:blipFill>
+        <p:spPr>
+          <a:xfrm>
+            <a:off x="133350" y="0"/>
+            <a:ext cx="8943975" cy="6857999"/>
+          </a:xfrm>
+        </p:spPr>
+      </p:pic>
+      <p:pic>
+        <p:nvPicPr>
+          <p:cNvPr id="2050" name="Picture 2"/>
+          <p:cNvPicPr>
+            <a:picLocks noChangeAspect="1" noChangeArrowheads="1"/>
+          </p:cNvPicPr>
+          <p:nvPr/>
+        </p:nvPicPr>
+        <p:blipFill>
+          <a:blip r:embed="rId3">
+            <a:extLst>
+              <a:ext uri="{28A0092B-C50C-407E-A947-70E740481C1C}">
+                <a14:useLocalDpi xmlns:a14="http://schemas.microsoft.com/office/drawing/2010/main" val="0"/>
+              </a:ext>
+            </a:extLst>
+          </a:blip>
+          <a:srcRect/>
+          <a:stretch>
+            <a:fillRect/>
+          </a:stretch>
+        </p:blipFill>
+        <p:spPr bwMode="auto">
+          <a:xfrm>
+            <a:off x="154600" y="25988"/>
+            <a:ext cx="9010650" cy="6857999"/>
+          </a:xfrm>
+          <a:prstGeom prst="rect">
+            <a:avLst/>
+          </a:prstGeom>
+          <a:noFill/>
+          <a:ln>
+            <a:noFill/>
+          </a:ln>
+          <a:effectLst/>
+          <a:extLst>
+            <a:ext uri="{909E8E84-426E-40DD-AFC4-6F175D3DCCD1}">
+              <a14:hiddenFill xmlns:a14="http://schemas.microsoft.com/office/drawing/2010/main">
+                <a:solidFill>
+                  <a:schemeClr val="accent1"/>
+                </a:solidFill>
+              </a14:hiddenFill>
+            </a:ext>
+            <a:ext uri="{91240B29-F687-4F45-9708-019B960494DF}">
+              <a14:hiddenLine xmlns:a14="http://schemas.microsoft.com/office/drawing/2010/main" w="9525">
+                <a:solidFill>
+                  <a:schemeClr val="tx1"/>
+                </a:solidFill>
+                <a:miter lim="800000"/>
+                <a:headEnd/>
+                <a:tailEnd/>
+              </a14:hiddenLine>
+            </a:ext>
+            <a:ext uri="{AF507438-7753-43E0-B8FC-AC1667EBCBE1}">
+              <a14:hiddenEffects xmlns:a14="http://schemas.microsoft.com/office/drawing/2010/main">
+                <a:effectLst>
+                  <a:outerShdw dist="35921" dir="2700000" algn="ctr" rotWithShape="0">
+                    <a:schemeClr val="bg2"/>
+                  </a:outerShdw>
+                </a:effectLst>
+              </a14:hiddenEffects>
+            </a:ext>
+          </a:extLst>
+        </p:spPr>
+      </p:pic>
+    </p:spTree>
+    <p:extLst>
+      <p:ext uri="{BB962C8B-B14F-4D97-AF65-F5344CB8AC3E}">
+        <p14:creationId xmlns:p14="http://schemas.microsoft.com/office/powerpoint/2010/main" val="4098322401"/>
+      </p:ext>
+    </p:extLst>
+  </p:cSld>
+  <p:clrMapOvr>
+    <a:masterClrMapping/>
+  </p:clrMapOvr>
+  <p:transition spd="slow">
+    <p:wipe dir="d"/>
+  </p:transition>
+  <p:timing>
+    <p:tnLst>
+      <p:par>
+        <p:cTn id="1" dur="indefinite" restart="never" nodeType="tmRoot">
+          <p:childTnLst>
+            <p:seq concurrent="1" nextAc="seek">
+              <p:cTn id="2" dur="indefinite" nodeType="mainSeq">
+                <p:childTnLst>
+                  <p:par>
+                    <p:cTn id="3" fill="hold">
+                      <p:stCondLst>
+                        <p:cond delay="indefinite"/>
+                      </p:stCondLst>
+                      <p:childTnLst>
+                        <p:par>
+                          <p:cTn id="4" fill="hold">
+                            <p:stCondLst>
+                              <p:cond delay="0"/>
+                            </p:stCondLst>
+                            <p:childTnLst>
+                              <p:par>
+                                <p:cTn id="5" presetID="16" presetClass="entr" presetSubtype="21" fill="hold" nodeType="clickEffect">
+                                  <p:stCondLst>
+                                    <p:cond delay="0"/>
+                                  </p:stCondLst>
+                                  <p:childTnLst>
+                                    <p:set>
+                                      <p:cBhvr>
+                                        <p:cTn id="6" dur="1" fill="hold">
+                                          <p:stCondLst>
+                                            <p:cond delay="0"/>
+                                          </p:stCondLst>
+                                        </p:cTn>
+                                        <p:tgtEl>
+                                          <p:spTgt spid="2050"/>
+                                        </p:tgtEl>
+                                        <p:attrNameLst>
+                                          <p:attrName>style.visibility</p:attrName>
+                                        </p:attrNameLst>
+                                      </p:cBhvr>
+                                      <p:to>
+                                        <p:strVal val="visible"/>
+                                      </p:to>
+                                    </p:set>
+                                    <p:animEffect transition="in" filter="barn(inVertical)">
+                                      <p:cBhvr>
+                                        <p:cTn id="7" dur="500"/>
+                                        <p:tgtEl>
+                                          <p:spTgt spid="2050"/>
+                                        </p:tgtEl>
+                                      </p:cBhvr>
+                                    </p:animEffect>
+                                  </p:childTnLst>
+                                </p:cTn>
+                              </p:par>
+                            </p:childTnLst>
+                          </p:cTn>
+                        </p:par>
+                      </p:childTnLst>
+                    </p:cTn>
+                  </p:par>
+                  <p:par>
+                    <p:cTn id="8" fill="hold">
+                      <p:stCondLst>
+                        <p:cond delay="indefinite"/>
+                      </p:stCondLst>
+                      <p:childTnLst>
+                        <p:par>
+                          <p:cTn id="9" fill="hold">
+                            <p:stCondLst>
+                              <p:cond delay="0"/>
+                            </p:stCondLst>
+                            <p:childTnLst>
+                              <p:par>
+                                <p:cTn id="10" presetID="42" presetClass="entr" presetSubtype="0" fill="hold" nodeType="clickEffect">
+                                  <p:stCondLst>
+                                    <p:cond delay="0"/>
+                                  </p:stCondLst>
+                                  <p:childTnLst>
+                                    <p:set>
+                                      <p:cBhvr>
+                                        <p:cTn id="11" dur="1" fill="hold">
+                                          <p:stCondLst>
+                                            <p:cond delay="0"/>
+                                          </p:stCondLst>
+                                        </p:cTn>
+                                        <p:tgtEl>
+                                          <p:spTgt spid="4"/>
+                                        </p:tgtEl>
+                                        <p:attrNameLst>
+                                          <p:attrName>style.visibility</p:attrName>
+                                        </p:attrNameLst>
+                                      </p:cBhvr>
+                                      <p:to>
+                                        <p:strVal val="visible"/>
+                                      </p:to>
+                                    </p:set>
+                                    <p:animEffect transition="in" filter="fade">
+                                      <p:cBhvr>
+                                        <p:cTn id="12" dur="1000"/>
+                                        <p:tgtEl>
+                                          <p:spTgt spid="4"/>
+                                        </p:tgtEl>
+                                      </p:cBhvr>
+                                    </p:animEffect>
+                                    <p:anim calcmode="lin" valueType="num">
+                                      <p:cBhvr>
+                                        <p:cTn id="13" dur="1000" fill="hold"/>
+                                        <p:tgtEl>
+                                          <p:spTgt spid="4"/>
+                                        </p:tgtEl>
+                                        <p:attrNameLst>
+                                          <p:attrName>ppt_x</p:attrName>
+                                        </p:attrNameLst>
+                                      </p:cBhvr>
+                                      <p:tavLst>
+                                        <p:tav tm="0">
+                                          <p:val>
+                                            <p:strVal val="#ppt_x"/>
+                                          </p:val>
+                                        </p:tav>
+                                        <p:tav tm="100000">
+                                          <p:val>
+                                            <p:strVal val="#ppt_x"/>
+                                          </p:val>
+                                        </p:tav>
+                                      </p:tavLst>
+                                    </p:anim>
+                                    <p:anim calcmode="lin" valueType="num">
+                                      <p:cBhvr>
+                                        <p:cTn id="14" dur="1000" fill="hold"/>
+                                        <p:tgtEl>
+                                          <p:spTgt spid="4"/>
+                                        </p:tgtEl>
+                                        <p:attrNameLst>
+                                          <p:attrName>ppt_y</p:attrName>
+                                        </p:attrNameLst>
+                                      </p:cBhvr>
+                                      <p:tavLst>
+                                        <p:tav tm="0">
+                                          <p:val>
+                                            <p:strVal val="#ppt_y+.1"/>
+                                          </p:val>
+                                        </p:tav>
+                                        <p:tav tm="100000">
+                                          <p:val>
+                                            <p:strVal val="#ppt_y"/>
+                                          </p:val>
+                                        </p:tav>
+                                      </p:tavLst>
+                                    </p:anim>
+                                  </p:childTnLst>
+                                </p:cTn>
+                              </p:par>
+                            </p:childTnLst>
+                          </p:cTn>
+                        </p:par>
+                      </p:childTnLst>
+                    </p:cTn>
+                  </p:par>
+                </p:childTnLst>
+              </p:cTn>
+              <p:prevCondLst>
+                <p:cond evt="onPrev" delay="0">
+                  <p:tgtEl>
+                    <p:sldTgt/>
+                  </p:tgtEl>
+                </p:cond>
+              </p:prevCondLst>
+              <p:nextCondLst>
+                <p:cond evt="onNext" delay="0">
+                  <p:tgtEl>
+                    <p:sldTgt/>
+                  </p:tgtEl>
+                </p:cond>
+              </p:nextCondLst>
+            </p:seq>
+          </p:childTnLst>
+        </p:cTn>
+      </p:par>
+    </p:tnLst>
+  </p:timing>
+</p:sld>
+</file>
+
+<file path=ppt/slides/slide15.xml><?xml version="1.0" encoding="utf-8"?>
+<p:sld xmlns:a="http://schemas.openxmlformats.org/drawingml/2006/main" xmlns:r="http://schemas.openxmlformats.org/officeDocument/2006/relationships" xmlns:p="http://schemas.openxmlformats.org/presentationml/2006/main">
+  <p:cSld>
+    <p:spTree>
+      <p:nvGrpSpPr>
+        <p:cNvPr id="1" name=""/>
+        <p:cNvGrpSpPr/>
+        <p:nvPr/>
+      </p:nvGrpSpPr>
+      <p:grpSpPr>
+        <a:xfrm>
+          <a:off x="0" y="0"/>
+          <a:ext cx="0" cy="0"/>
+          <a:chOff x="0" y="0"/>
+          <a:chExt cx="0" cy="0"/>
+        </a:xfrm>
+      </p:grpSpPr>
+      <p:sp>
+        <p:nvSpPr>
+          <p:cNvPr id="2" name="Titre 1"/>
+          <p:cNvSpPr>
+            <a:spLocks noGrp="1"/>
+          </p:cNvSpPr>
+          <p:nvPr>
+            <p:ph type="title"/>
+          </p:nvPr>
+        </p:nvSpPr>
+        <p:spPr/>
+        <p:txBody>
+          <a:bodyPr/>
+          <a:lstStyle/>
+          <a:p>
+            <a:endParaRPr lang="fr-FR"/>
+          </a:p>
+        </p:txBody>
+      </p:sp>
+      <p:pic>
+        <p:nvPicPr>
+          <p:cNvPr id="4" name="Espace réservé du contenu 3"/>
+          <p:cNvPicPr>
+            <a:picLocks noGrp="1" noChangeAspect="1"/>
+          </p:cNvPicPr>
+          <p:nvPr>
+            <p:ph idx="1"/>
+          </p:nvPr>
+        </p:nvPicPr>
+        <p:blipFill>
+          <a:blip r:embed="rId2">
+            <a:extLst>
+              <a:ext uri="{28A0092B-C50C-407E-A947-70E740481C1C}">
+                <a14:useLocalDpi xmlns:a14="http://schemas.microsoft.com/office/drawing/2010/main" val="0"/>
+              </a:ext>
+            </a:extLst>
+          </a:blip>
+          <a:stretch>
+            <a:fillRect/>
+          </a:stretch>
+        </p:blipFill>
+        <p:spPr>
+          <a:xfrm>
+            <a:off x="-108520" y="0"/>
+            <a:ext cx="9252520" cy="7029400"/>
+          </a:xfrm>
+        </p:spPr>
+      </p:pic>
+    </p:spTree>
+    <p:extLst>
+      <p:ext uri="{BB962C8B-B14F-4D97-AF65-F5344CB8AC3E}">
+        <p14:creationId xmlns:p14="http://schemas.microsoft.com/office/powerpoint/2010/main" val="473580340"/>
+      </p:ext>
+    </p:extLst>
+  </p:cSld>
+  <p:clrMapOvr>
+    <a:masterClrMapping/>
+  </p:clrMapOvr>
+  <p:transition spd="slow">
+    <p:wipe dir="d"/>
+  </p:transition>
+  <p:timing>
+    <p:tnLst>
+      <p:par>
+        <p:cTn id="1" dur="indefinite" restart="never" nodeType="tmRoot">
+          <p:childTnLst>
+            <p:seq concurrent="1" nextAc="seek">
+              <p:cTn id="2" dur="indefinite" nodeType="mainSeq">
+                <p:childTnLst>
+                  <p:par>
+                    <p:cTn id="3" fill="hold">
+                      <p:stCondLst>
+                        <p:cond delay="indefinite"/>
+                      </p:stCondLst>
+                      <p:childTnLst>
+                        <p:par>
+                          <p:cTn id="4" fill="hold">
+                            <p:stCondLst>
+                              <p:cond delay="0"/>
+                            </p:stCondLst>
+                            <p:childTnLst>
+                              <p:par>
+                                <p:cTn id="5" presetID="16" presetClass="entr" presetSubtype="21" fill="hold" nodeType="clickEffect">
+                                  <p:stCondLst>
+                                    <p:cond delay="0"/>
+                                  </p:stCondLst>
+                                  <p:childTnLst>
+                                    <p:set>
+                                      <p:cBhvr>
+                                        <p:cTn id="6" dur="1" fill="hold">
+                                          <p:stCondLst>
+                                            <p:cond delay="0"/>
+                                          </p:stCondLst>
+                                        </p:cTn>
+                                        <p:tgtEl>
+                                          <p:spTgt spid="4"/>
+                                        </p:tgtEl>
+                                        <p:attrNameLst>
+                                          <p:attrName>style.visibility</p:attrName>
+                                        </p:attrNameLst>
+                                      </p:cBhvr>
+                                      <p:to>
+                                        <p:strVal val="visible"/>
+                                      </p:to>
+                                    </p:set>
+                                    <p:animEffect transition="in" filter="barn(inVertical)">
+                                      <p:cBhvr>
+                                        <p:cTn id="7" dur="500"/>
+                                        <p:tgtEl>
+                                          <p:spTgt spid="4"/>
+                                        </p:tgtEl>
+                                      </p:cBhvr>
+                                    </p:animEffect>
+                                  </p:childTnLst>
+                                </p:cTn>
+                              </p:par>
+                            </p:childTnLst>
+                          </p:cTn>
+                        </p:par>
+                      </p:childTnLst>
+                    </p:cTn>
+                  </p:par>
+                </p:childTnLst>
+              </p:cTn>
+              <p:prevCondLst>
+                <p:cond evt="onPrev" delay="0">
+                  <p:tgtEl>
+                    <p:sldTgt/>
+                  </p:tgtEl>
+                </p:cond>
+              </p:prevCondLst>
+              <p:nextCondLst>
+                <p:cond evt="onNext" delay="0">
+                  <p:tgtEl>
+                    <p:sldTgt/>
+                  </p:tgtEl>
+                </p:cond>
+              </p:nextCondLst>
+            </p:seq>
+          </p:childTnLst>
+        </p:cTn>
+      </p:par>
+    </p:tnLst>
+  </p:timing>
+</p:sld>
+</file>
+
+<file path=ppt/slides/slide16.xml><?xml version="1.0" encoding="utf-8"?>
+<p:sld xmlns:a="http://schemas.openxmlformats.org/drawingml/2006/main" xmlns:r="http://schemas.openxmlformats.org/officeDocument/2006/relationships" xmlns:p="http://schemas.openxmlformats.org/presentationml/2006/main">
+  <p:cSld>
+    <p:spTree>
+      <p:nvGrpSpPr>
+        <p:cNvPr id="1" name=""/>
+        <p:cNvGrpSpPr/>
+        <p:nvPr/>
+      </p:nvGrpSpPr>
+      <p:grpSpPr>
+        <a:xfrm>
+          <a:off x="0" y="0"/>
+          <a:ext cx="0" cy="0"/>
+          <a:chOff x="0" y="0"/>
+          <a:chExt cx="0" cy="0"/>
+        </a:xfrm>
+      </p:grpSpPr>
+      <p:sp>
+        <p:nvSpPr>
+          <p:cNvPr id="2" name="Titre 1"/>
+          <p:cNvSpPr>
+            <a:spLocks noGrp="1"/>
+          </p:cNvSpPr>
+          <p:nvPr>
+            <p:ph type="title"/>
+          </p:nvPr>
+        </p:nvSpPr>
+        <p:spPr/>
+        <p:txBody>
+          <a:bodyPr>
+            <a:normAutofit fontScale="90000"/>
+          </a:bodyPr>
+          <a:lstStyle/>
+          <a:p>
+            <a:r>
+              <a:rPr lang="fr-FR" sz="4900" b="1" dirty="0" smtClean="0">
+                <a:solidFill>
+                  <a:schemeClr val="accent1"/>
+                </a:solidFill>
+              </a:rPr>
+              <a:t>Les principe de l’IHM</a:t>
+            </a:r>
+            <a:r>
+              <a:rPr lang="fr-FR" dirty="0"/>
+              <a:t/>
+            </a:r>
+            <a:br>
+              <a:rPr lang="fr-FR" dirty="0"/>
+            </a:br>
+            <a:endParaRPr lang="fr-FR" dirty="0"/>
+          </a:p>
+        </p:txBody>
+      </p:sp>
+      <p:sp>
+        <p:nvSpPr>
+          <p:cNvPr id="3" name="Espace réservé du contenu 2"/>
+          <p:cNvSpPr>
+            <a:spLocks noGrp="1"/>
+          </p:cNvSpPr>
+          <p:nvPr>
+            <p:ph idx="1"/>
+          </p:nvPr>
+        </p:nvSpPr>
+        <p:spPr/>
+        <p:txBody>
+          <a:bodyPr/>
+          <a:lstStyle/>
+          <a:p>
+            <a:r>
+              <a:rPr lang="fr-FR" dirty="0" smtClean="0"/>
+              <a:t>Cinq </a:t>
+            </a:r>
+            <a:r>
+              <a:rPr lang="fr-FR" dirty="0"/>
+              <a:t>principes </a:t>
+            </a:r>
+            <a:r>
+              <a:rPr lang="fr-FR" dirty="0" smtClean="0"/>
+              <a:t>généraux </a:t>
+            </a:r>
+            <a:r>
+              <a:rPr lang="fr-FR" dirty="0"/>
+              <a:t>de conception</a:t>
+            </a:r>
+          </a:p>
+          <a:p>
+            <a:r>
+              <a:rPr lang="fr-FR" dirty="0"/>
+              <a:t>1. emploi des </a:t>
+            </a:r>
+            <a:r>
+              <a:rPr lang="fr-FR" dirty="0" smtClean="0"/>
+              <a:t>métaphores</a:t>
+            </a:r>
+            <a:endParaRPr lang="fr-FR" dirty="0"/>
+          </a:p>
+          <a:p>
+            <a:r>
+              <a:rPr lang="fr-FR" dirty="0"/>
+              <a:t>2. approche objet-action</a:t>
+            </a:r>
+          </a:p>
+          <a:p>
+            <a:r>
+              <a:rPr lang="fr-FR" dirty="0"/>
+              <a:t>3. </a:t>
+            </a:r>
+            <a:r>
+              <a:rPr lang="fr-FR" dirty="0" smtClean="0"/>
+              <a:t>activités </a:t>
+            </a:r>
+            <a:r>
+              <a:rPr lang="fr-FR" dirty="0"/>
+              <a:t>de l’utilisateur</a:t>
+            </a:r>
+          </a:p>
+          <a:p>
+            <a:r>
+              <a:rPr lang="fr-FR" dirty="0"/>
+              <a:t>4. </a:t>
+            </a:r>
+            <a:r>
+              <a:rPr lang="fr-FR" dirty="0" smtClean="0"/>
+              <a:t>cohérence </a:t>
+            </a:r>
+            <a:r>
+              <a:rPr lang="fr-FR" dirty="0"/>
+              <a:t>de l’interface</a:t>
+            </a:r>
+          </a:p>
+          <a:p>
+            <a:r>
+              <a:rPr lang="fr-FR" dirty="0"/>
+              <a:t>5. transparence de l’interface</a:t>
+            </a:r>
+          </a:p>
+        </p:txBody>
+      </p:sp>
+    </p:spTree>
+    <p:extLst>
+      <p:ext uri="{BB962C8B-B14F-4D97-AF65-F5344CB8AC3E}">
+        <p14:creationId xmlns:p14="http://schemas.microsoft.com/office/powerpoint/2010/main" val="2647142762"/>
+      </p:ext>
+    </p:extLst>
+  </p:cSld>
+  <p:clrMapOvr>
+    <a:masterClrMapping/>
+  </p:clrMapOvr>
+  <p:transition spd="slow">
+    <p:wipe dir="d"/>
+  </p:transition>
+  <p:timing>
+    <p:tnLst>
+      <p:par>
+        <p:cTn id="1" dur="indefinite" restart="never" nodeType="tmRoot">
+          <p:childTnLst>
+            <p:seq concurrent="1" nextAc="seek">
+              <p:cTn id="2" dur="indefinite" nodeType="mainSeq">
+                <p:childTnLst>
+                  <p:par>
+                    <p:cTn id="3" fill="hold">
+                      <p:stCondLst>
+                        <p:cond delay="indefinite"/>
+                      </p:stCondLst>
+                      <p:childTnLst>
+                        <p:par>
+                          <p:cTn id="4" fill="hold">
+                            <p:stCondLst>
+                              <p:cond delay="0"/>
+                            </p:stCondLst>
+                            <p:childTnLst>
+                              <p:par>
+                                <p:cTn id="5" presetID="16" presetClass="entr" presetSubtype="21" fill="hold" grpId="0" nodeType="clickEffect">
+                                  <p:stCondLst>
+                                    <p:cond delay="0"/>
+                                  </p:stCondLst>
+                                  <p:childTnLst>
+                                    <p:set>
+                                      <p:cBhvr>
+                                        <p:cTn id="6" dur="1" fill="hold">
+                                          <p:stCondLst>
+                                            <p:cond delay="0"/>
+                                          </p:stCondLst>
+                                        </p:cTn>
+                                        <p:tgtEl>
+                                          <p:spTgt spid="2"/>
+                                        </p:tgtEl>
+                                        <p:attrNameLst>
+                                          <p:attrName>style.visibility</p:attrName>
+                                        </p:attrNameLst>
+                                      </p:cBhvr>
+                                      <p:to>
+                                        <p:strVal val="visible"/>
+                                      </p:to>
+                                    </p:set>
+                                    <p:animEffect transition="in" filter="barn(inVertical)">
+                                      <p:cBhvr>
+                                        <p:cTn id="7" dur="500"/>
+                                        <p:tgtEl>
+                                          <p:spTgt spid="2"/>
+                                        </p:tgtEl>
+                                      </p:cBhvr>
+                                    </p:animEffect>
+                                  </p:childTnLst>
+                                </p:cTn>
+                              </p:par>
+                            </p:childTnLst>
+                          </p:cTn>
+                        </p:par>
+                      </p:childTnLst>
+                    </p:cTn>
+                  </p:par>
+                  <p:par>
+                    <p:cTn id="8" fill="hold">
+                      <p:stCondLst>
+                        <p:cond delay="indefinite"/>
+                      </p:stCondLst>
+                      <p:childTnLst>
+                        <p:par>
+                          <p:cTn id="9" fill="hold">
+                            <p:stCondLst>
+                              <p:cond delay="0"/>
+                            </p:stCondLst>
+                            <p:childTnLst>
+                              <p:par>
+                                <p:cTn id="10" presetID="16" presetClass="entr" presetSubtype="21" fill="hold" nodeType="clickEffect">
+                                  <p:stCondLst>
+                                    <p:cond delay="0"/>
+                                  </p:stCondLst>
+                                  <p:childTnLst>
+                                    <p:set>
+                                      <p:cBhvr>
+                                        <p:cTn id="11" dur="1" fill="hold">
+                                          <p:stCondLst>
+                                            <p:cond delay="0"/>
+                                          </p:stCondLst>
+                                        </p:cTn>
+                                        <p:tgtEl>
+                                          <p:spTgt spid="3">
+                                            <p:txEl>
+                                              <p:pRg st="0" end="0"/>
+                                            </p:txEl>
+                                          </p:spTgt>
+                                        </p:tgtEl>
+                                        <p:attrNameLst>
+                                          <p:attrName>style.visibility</p:attrName>
+                                        </p:attrNameLst>
+                                      </p:cBhvr>
+                                      <p:to>
+                                        <p:strVal val="visible"/>
+                                      </p:to>
+                                    </p:set>
+                                    <p:animEffect transition="in" filter="barn(inVertical)">
+                                      <p:cBhvr>
+                                        <p:cTn id="12" dur="500"/>
+                                        <p:tgtEl>
+                                          <p:spTgt spid="3">
+                                            <p:txEl>
+                                              <p:pRg st="0" end="0"/>
+                                            </p:txEl>
+                                          </p:spTgt>
+                                        </p:tgtEl>
+                                      </p:cBhvr>
+                                    </p:animEffect>
+                                  </p:childTnLst>
+                                </p:cTn>
+                              </p:par>
+                              <p:par>
+                                <p:cTn id="13" presetID="16" presetClass="entr" presetSubtype="21" fill="hold" nodeType="withEffect">
+                                  <p:stCondLst>
+                                    <p:cond delay="0"/>
+                                  </p:stCondLst>
+                                  <p:childTnLst>
+                                    <p:set>
+                                      <p:cBhvr>
+                                        <p:cTn id="14" dur="1" fill="hold">
+                                          <p:stCondLst>
+                                            <p:cond delay="0"/>
+                                          </p:stCondLst>
+                                        </p:cTn>
+                                        <p:tgtEl>
+                                          <p:spTgt spid="3">
+                                            <p:txEl>
+                                              <p:pRg st="1" end="1"/>
+                                            </p:txEl>
+                                          </p:spTgt>
+                                        </p:tgtEl>
+                                        <p:attrNameLst>
+                                          <p:attrName>style.visibility</p:attrName>
+                                        </p:attrNameLst>
+                                      </p:cBhvr>
+                                      <p:to>
+                                        <p:strVal val="visible"/>
+                                      </p:to>
+                                    </p:set>
+                                    <p:animEffect transition="in" filter="barn(inVertical)">
+                                      <p:cBhvr>
+                                        <p:cTn id="15" dur="500"/>
+                                        <p:tgtEl>
+                                          <p:spTgt spid="3">
+                                            <p:txEl>
+                                              <p:pRg st="1" end="1"/>
+                                            </p:txEl>
+                                          </p:spTgt>
+                                        </p:tgtEl>
+                                      </p:cBhvr>
+                                    </p:animEffect>
+                                  </p:childTnLst>
+                                </p:cTn>
+                              </p:par>
+                              <p:par>
+                                <p:cTn id="16" presetID="16" presetClass="entr" presetSubtype="21" fill="hold" nodeType="withEffect">
+                                  <p:stCondLst>
+                                    <p:cond delay="0"/>
+                                  </p:stCondLst>
+                                  <p:childTnLst>
+                                    <p:set>
+                                      <p:cBhvr>
+                                        <p:cTn id="17" dur="1" fill="hold">
+                                          <p:stCondLst>
+                                            <p:cond delay="0"/>
+                                          </p:stCondLst>
+                                        </p:cTn>
+                                        <p:tgtEl>
+                                          <p:spTgt spid="3">
+                                            <p:txEl>
+                                              <p:pRg st="2" end="2"/>
+                                            </p:txEl>
+                                          </p:spTgt>
+                                        </p:tgtEl>
+                                        <p:attrNameLst>
+                                          <p:attrName>style.visibility</p:attrName>
+                                        </p:attrNameLst>
+                                      </p:cBhvr>
+                                      <p:to>
+                                        <p:strVal val="visible"/>
+                                      </p:to>
+                                    </p:set>
+                                    <p:animEffect transition="in" filter="barn(inVertical)">
+                                      <p:cBhvr>
+                                        <p:cTn id="18" dur="500"/>
+                                        <p:tgtEl>
+                                          <p:spTgt spid="3">
+                                            <p:txEl>
+                                              <p:pRg st="2" end="2"/>
+                                            </p:txEl>
+                                          </p:spTgt>
+                                        </p:tgtEl>
+                                      </p:cBhvr>
+                                    </p:animEffect>
+                                  </p:childTnLst>
+                                </p:cTn>
+                              </p:par>
+                              <p:par>
+                                <p:cTn id="19" presetID="16" presetClass="entr" presetSubtype="21" fill="hold" nodeType="withEffect">
+                                  <p:stCondLst>
+                                    <p:cond delay="0"/>
+                                  </p:stCondLst>
+                                  <p:childTnLst>
+                                    <p:set>
+                                      <p:cBhvr>
+                                        <p:cTn id="20" dur="1" fill="hold">
+                                          <p:stCondLst>
+                                            <p:cond delay="0"/>
+                                          </p:stCondLst>
+                                        </p:cTn>
+                                        <p:tgtEl>
+                                          <p:spTgt spid="3">
+                                            <p:txEl>
+                                              <p:pRg st="3" end="3"/>
+                                            </p:txEl>
+                                          </p:spTgt>
+                                        </p:tgtEl>
+                                        <p:attrNameLst>
+                                          <p:attrName>style.visibility</p:attrName>
+                                        </p:attrNameLst>
+                                      </p:cBhvr>
+                                      <p:to>
+                                        <p:strVal val="visible"/>
+                                      </p:to>
+                                    </p:set>
+                                    <p:animEffect transition="in" filter="barn(inVertical)">
+                                      <p:cBhvr>
+                                        <p:cTn id="21" dur="500"/>
+                                        <p:tgtEl>
+                                          <p:spTgt spid="3">
+                                            <p:txEl>
+                                              <p:pRg st="3" end="3"/>
+                                            </p:txEl>
+                                          </p:spTgt>
+                                        </p:tgtEl>
+                                      </p:cBhvr>
+                                    </p:animEffect>
+                                  </p:childTnLst>
+                                </p:cTn>
+                              </p:par>
+                              <p:par>
+                                <p:cTn id="22" presetID="16" presetClass="entr" presetSubtype="21" fill="hold" nodeType="withEffect">
+                                  <p:stCondLst>
+                                    <p:cond delay="0"/>
+                                  </p:stCondLst>
+                                  <p:childTnLst>
+                                    <p:set>
+                                      <p:cBhvr>
+                                        <p:cTn id="23" dur="1" fill="hold">
+                                          <p:stCondLst>
+                                            <p:cond delay="0"/>
+                                          </p:stCondLst>
+                                        </p:cTn>
+                                        <p:tgtEl>
+                                          <p:spTgt spid="3">
+                                            <p:txEl>
+                                              <p:pRg st="4" end="4"/>
+                                            </p:txEl>
+                                          </p:spTgt>
+                                        </p:tgtEl>
+                                        <p:attrNameLst>
+                                          <p:attrName>style.visibility</p:attrName>
+                                        </p:attrNameLst>
+                                      </p:cBhvr>
+                                      <p:to>
+                                        <p:strVal val="visible"/>
+                                      </p:to>
+                                    </p:set>
+                                    <p:animEffect transition="in" filter="barn(inVertical)">
+                                      <p:cBhvr>
+                                        <p:cTn id="24" dur="500"/>
+                                        <p:tgtEl>
+                                          <p:spTgt spid="3">
+                                            <p:txEl>
+                                              <p:pRg st="4" end="4"/>
+                                            </p:txEl>
+                                          </p:spTgt>
+                                        </p:tgtEl>
+                                      </p:cBhvr>
+                                    </p:animEffect>
+                                  </p:childTnLst>
+                                </p:cTn>
+                              </p:par>
+                              <p:par>
+                                <p:cTn id="25" presetID="16" presetClass="entr" presetSubtype="21" fill="hold" nodeType="withEffect">
+                                  <p:stCondLst>
+                                    <p:cond delay="0"/>
+                                  </p:stCondLst>
+                                  <p:childTnLst>
+                                    <p:set>
+                                      <p:cBhvr>
+                                        <p:cTn id="26" dur="1" fill="hold">
+                                          <p:stCondLst>
+                                            <p:cond delay="0"/>
+                                          </p:stCondLst>
+                                        </p:cTn>
+                                        <p:tgtEl>
+                                          <p:spTgt spid="3">
+                                            <p:txEl>
+                                              <p:pRg st="5" end="5"/>
+                                            </p:txEl>
+                                          </p:spTgt>
+                                        </p:tgtEl>
+                                        <p:attrNameLst>
+                                          <p:attrName>style.visibility</p:attrName>
+                                        </p:attrNameLst>
+                                      </p:cBhvr>
+                                      <p:to>
+                                        <p:strVal val="visible"/>
+                                      </p:to>
+                                    </p:set>
+                                    <p:animEffect transition="in" filter="barn(inVertical)">
+                                      <p:cBhvr>
+                                        <p:cTn id="27" dur="500"/>
+                                        <p:tgtEl>
+                                          <p:spTgt spid="3">
+                                            <p:txEl>
+                                              <p:pRg st="5" end="5"/>
+                                            </p:txEl>
+                                          </p:spTgt>
+                                        </p:tgtEl>
+                                      </p:cBhvr>
+                                    </p:animEffect>
+                                  </p:childTnLst>
+                                </p:cTn>
+                              </p:par>
+                            </p:childTnLst>
+                          </p:cTn>
+                        </p:par>
+                      </p:childTnLst>
+                    </p:cTn>
+                  </p:par>
+                </p:childTnLst>
+              </p:cTn>
+              <p:prevCondLst>
+                <p:cond evt="onPrev" delay="0">
+                  <p:tgtEl>
+                    <p:sldTgt/>
+                  </p:tgtEl>
+                </p:cond>
+              </p:prevCondLst>
+              <p:nextCondLst>
+                <p:cond evt="onNext" delay="0">
+                  <p:tgtEl>
+                    <p:sldTgt/>
+                  </p:tgtEl>
+                </p:cond>
+              </p:nextCondLst>
+            </p:seq>
+          </p:childTnLst>
+        </p:cTn>
+      </p:par>
+    </p:tnLst>
+    <p:bldLst>
+      <p:bldP spid="2" grpId="0"/>
+    </p:bldLst>
+  </p:timing>
+</p:sld>
+</file>
+
+<file path=ppt/slides/slide17.xml><?xml version="1.0" encoding="utf-8"?>
+<p:sld xmlns:a="http://schemas.openxmlformats.org/drawingml/2006/main" xmlns:r="http://schemas.openxmlformats.org/officeDocument/2006/relationships" xmlns:p="http://schemas.openxmlformats.org/presentationml/2006/main">
+  <p:cSld>
+    <p:spTree>
+      <p:nvGrpSpPr>
+        <p:cNvPr id="1" name=""/>
+        <p:cNvGrpSpPr/>
+        <p:nvPr/>
+      </p:nvGrpSpPr>
+      <p:grpSpPr>
+        <a:xfrm>
+          <a:off x="0" y="0"/>
+          <a:ext cx="0" cy="0"/>
+          <a:chOff x="0" y="0"/>
+          <a:chExt cx="0" cy="0"/>
+        </a:xfrm>
+      </p:grpSpPr>
+      <p:sp>
+        <p:nvSpPr>
+          <p:cNvPr id="2" name="Titre 1"/>
+          <p:cNvSpPr>
+            <a:spLocks noGrp="1"/>
+          </p:cNvSpPr>
+          <p:nvPr>
+            <p:ph type="title"/>
+          </p:nvPr>
+        </p:nvSpPr>
+        <p:spPr/>
+        <p:txBody>
+          <a:bodyPr>
+            <a:normAutofit fontScale="90000"/>
+          </a:bodyPr>
+          <a:lstStyle/>
+          <a:p>
+            <a:r>
+              <a:rPr lang="fr-FR" b="1" dirty="0" smtClean="0">
+                <a:solidFill>
+                  <a:schemeClr val="accent1"/>
+                </a:solidFill>
+              </a:rPr>
+              <a:t>1-emploi </a:t>
+            </a:r>
+            <a:r>
+              <a:rPr lang="fr-FR" b="1" dirty="0">
+                <a:solidFill>
+                  <a:schemeClr val="accent1"/>
+                </a:solidFill>
+              </a:rPr>
+              <a:t>des </a:t>
+            </a:r>
+            <a:r>
+              <a:rPr lang="fr-FR" b="1" dirty="0" smtClean="0">
+                <a:solidFill>
+                  <a:schemeClr val="accent1"/>
+                </a:solidFill>
+              </a:rPr>
+              <a:t>métaphores</a:t>
+            </a:r>
+            <a:r>
+              <a:rPr lang="fr-FR" dirty="0"/>
+              <a:t/>
+            </a:r>
+            <a:br>
+              <a:rPr lang="fr-FR" dirty="0"/>
+            </a:br>
+            <a:endParaRPr lang="fr-FR" dirty="0"/>
+          </a:p>
+        </p:txBody>
+      </p:sp>
+      <p:sp>
+        <p:nvSpPr>
+          <p:cNvPr id="3" name="Espace réservé du contenu 2"/>
+          <p:cNvSpPr>
+            <a:spLocks noGrp="1"/>
+          </p:cNvSpPr>
+          <p:nvPr>
+            <p:ph idx="1"/>
+          </p:nvPr>
+        </p:nvSpPr>
+        <p:spPr/>
+        <p:txBody>
+          <a:bodyPr>
+            <a:normAutofit fontScale="77500" lnSpcReduction="20000"/>
+          </a:bodyPr>
+          <a:lstStyle/>
+          <a:p>
+            <a:r>
+              <a:rPr lang="fr-FR" dirty="0" smtClean="0"/>
+              <a:t>Représentation </a:t>
+            </a:r>
+            <a:r>
+              <a:rPr lang="fr-FR" dirty="0"/>
+              <a:t>analogue au </a:t>
+            </a:r>
+            <a:r>
+              <a:rPr lang="fr-FR" dirty="0" smtClean="0"/>
+              <a:t>modelé </a:t>
+            </a:r>
+            <a:r>
+              <a:rPr lang="fr-FR" dirty="0"/>
+              <a:t>de l</a:t>
+            </a:r>
+            <a:r>
+              <a:rPr lang="fr-FR" dirty="0" smtClean="0"/>
+              <a:t>’´élément </a:t>
+            </a:r>
+            <a:r>
+              <a:rPr lang="fr-FR" dirty="0"/>
+              <a:t>d’application</a:t>
+            </a:r>
+          </a:p>
+          <a:p>
+            <a:r>
+              <a:rPr lang="fr-FR" dirty="0" smtClean="0"/>
+              <a:t>dossier</a:t>
+            </a:r>
+            <a:r>
+              <a:rPr lang="fr-FR" dirty="0"/>
+              <a:t>, document: fichier informatique</a:t>
+            </a:r>
+          </a:p>
+          <a:p>
+            <a:r>
+              <a:rPr lang="fr-FR" dirty="0" smtClean="0"/>
+              <a:t>Regroupement </a:t>
+            </a:r>
+            <a:r>
+              <a:rPr lang="fr-FR" dirty="0"/>
+              <a:t>des </a:t>
+            </a:r>
+            <a:r>
+              <a:rPr lang="fr-FR" dirty="0" smtClean="0"/>
+              <a:t>métaphores </a:t>
+            </a:r>
+            <a:r>
+              <a:rPr lang="fr-FR" dirty="0"/>
+              <a:t>suivant le type d’application</a:t>
+            </a:r>
+          </a:p>
+          <a:p>
+            <a:r>
+              <a:rPr lang="fr-FR" dirty="0" smtClean="0"/>
+              <a:t>métaphores  générales</a:t>
+            </a:r>
+            <a:endParaRPr lang="fr-FR" dirty="0"/>
+          </a:p>
+          <a:p>
+            <a:r>
+              <a:rPr lang="fr-FR" dirty="0" smtClean="0"/>
+              <a:t>interfaces </a:t>
+            </a:r>
+            <a:r>
+              <a:rPr lang="fr-FR" dirty="0"/>
+              <a:t>textuelles</a:t>
+            </a:r>
+          </a:p>
+          <a:p>
+            <a:r>
+              <a:rPr lang="fr-FR" dirty="0" smtClean="0"/>
+              <a:t>interfaces </a:t>
+            </a:r>
+            <a:r>
+              <a:rPr lang="fr-FR" dirty="0"/>
+              <a:t>graphiques</a:t>
+            </a:r>
+          </a:p>
+          <a:p>
+            <a:r>
+              <a:rPr lang="fr-FR" dirty="0" smtClean="0"/>
+              <a:t>outils </a:t>
+            </a:r>
+            <a:r>
+              <a:rPr lang="fr-FR" dirty="0"/>
+              <a:t>de dessins</a:t>
+            </a:r>
+          </a:p>
+          <a:p>
+            <a:r>
+              <a:rPr lang="fr-FR" dirty="0" smtClean="0"/>
+              <a:t>liés </a:t>
+            </a:r>
+            <a:r>
+              <a:rPr lang="fr-FR" dirty="0"/>
+              <a:t>`a la messagerie</a:t>
+            </a:r>
+          </a:p>
+          <a:p>
+            <a:r>
+              <a:rPr lang="fr-FR" dirty="0" smtClean="0"/>
+              <a:t>traitement </a:t>
+            </a:r>
+            <a:r>
+              <a:rPr lang="fr-FR" dirty="0"/>
+              <a:t>de texte, tableurs</a:t>
+            </a:r>
+          </a:p>
+          <a:p>
+            <a:r>
+              <a:rPr lang="fr-FR" dirty="0" smtClean="0"/>
+              <a:t>applications multimédia</a:t>
+            </a:r>
+            <a:endParaRPr lang="fr-FR" dirty="0"/>
+          </a:p>
+        </p:txBody>
+      </p:sp>
+    </p:spTree>
+    <p:extLst>
+      <p:ext uri="{BB962C8B-B14F-4D97-AF65-F5344CB8AC3E}">
+        <p14:creationId xmlns:p14="http://schemas.microsoft.com/office/powerpoint/2010/main" val="307284607"/>
+      </p:ext>
+    </p:extLst>
+  </p:cSld>
+  <p:clrMapOvr>
+    <a:masterClrMapping/>
+  </p:clrMapOvr>
+  <p:transition spd="slow">
+    <p:wipe dir="d"/>
+  </p:transition>
+  <p:timing>
+    <p:tnLst>
+      <p:par>
+        <p:cTn id="1" dur="indefinite" restart="never" nodeType="tmRoot"/>
+      </p:par>
+    </p:tnLst>
+  </p:timing>
+</p:sld>
+</file>
+
+<file path=ppt/slides/slide18.xml><?xml version="1.0" encoding="utf-8"?>
+<p:sld xmlns:a="http://schemas.openxmlformats.org/drawingml/2006/main" xmlns:r="http://schemas.openxmlformats.org/officeDocument/2006/relationships" xmlns:p="http://schemas.openxmlformats.org/presentationml/2006/main">
+  <p:cSld>
+    <p:spTree>
+      <p:nvGrpSpPr>
+        <p:cNvPr id="1" name=""/>
+        <p:cNvGrpSpPr/>
+        <p:nvPr/>
+      </p:nvGrpSpPr>
+      <p:grpSpPr>
+        <a:xfrm>
+          <a:off x="0" y="0"/>
+          <a:ext cx="0" cy="0"/>
+          <a:chOff x="0" y="0"/>
+          <a:chExt cx="0" cy="0"/>
+        </a:xfrm>
+      </p:grpSpPr>
+      <p:sp>
+        <p:nvSpPr>
+          <p:cNvPr id="2" name="Titre 1"/>
+          <p:cNvSpPr>
+            <a:spLocks noGrp="1"/>
+          </p:cNvSpPr>
+          <p:nvPr>
+            <p:ph type="title"/>
+          </p:nvPr>
+        </p:nvSpPr>
+        <p:spPr/>
+        <p:txBody>
+          <a:bodyPr>
+            <a:normAutofit fontScale="90000"/>
+          </a:bodyPr>
+          <a:lstStyle/>
+          <a:p>
+            <a:r>
+              <a:rPr lang="fr-FR" b="1" dirty="0" smtClean="0">
+                <a:solidFill>
+                  <a:schemeClr val="accent1"/>
+                </a:solidFill>
+              </a:rPr>
+              <a:t>2-approche </a:t>
+            </a:r>
+            <a:r>
+              <a:rPr lang="fr-FR" b="1" dirty="0">
+                <a:solidFill>
+                  <a:schemeClr val="accent1"/>
+                </a:solidFill>
+              </a:rPr>
+              <a:t>objet-action</a:t>
+            </a:r>
+            <a:r>
+              <a:rPr lang="fr-FR" dirty="0"/>
+              <a:t/>
+            </a:r>
+            <a:br>
+              <a:rPr lang="fr-FR" dirty="0"/>
+            </a:br>
+            <a:endParaRPr lang="fr-FR" dirty="0"/>
+          </a:p>
+        </p:txBody>
+      </p:sp>
+      <p:sp>
+        <p:nvSpPr>
+          <p:cNvPr id="3" name="Espace réservé du contenu 2"/>
+          <p:cNvSpPr>
+            <a:spLocks noGrp="1"/>
+          </p:cNvSpPr>
+          <p:nvPr>
+            <p:ph idx="1"/>
+          </p:nvPr>
+        </p:nvSpPr>
+        <p:spPr/>
+        <p:txBody>
+          <a:bodyPr>
+            <a:normAutofit fontScale="70000" lnSpcReduction="20000"/>
+          </a:bodyPr>
+          <a:lstStyle/>
+          <a:p>
+            <a:r>
+              <a:rPr lang="fr-FR" dirty="0"/>
+              <a:t>Deux types d’approche</a:t>
+            </a:r>
+          </a:p>
+          <a:p>
+            <a:r>
+              <a:rPr lang="fr-FR" dirty="0" smtClean="0"/>
+              <a:t>Action-Objet</a:t>
+            </a:r>
+            <a:r>
+              <a:rPr lang="fr-FR" dirty="0"/>
+              <a:t>: atteindre un but (barre de menus, d’outils)</a:t>
+            </a:r>
+          </a:p>
+          <a:p>
+            <a:r>
+              <a:rPr lang="fr-FR" dirty="0" smtClean="0"/>
+              <a:t>Objet-Action</a:t>
+            </a:r>
+            <a:r>
+              <a:rPr lang="fr-FR" dirty="0"/>
+              <a:t>: que puis-je en faire ? (menus contextuels)</a:t>
+            </a:r>
+          </a:p>
+          <a:p>
+            <a:r>
+              <a:rPr lang="fr-FR" dirty="0"/>
+              <a:t>Exemple pour Base de </a:t>
+            </a:r>
+            <a:r>
+              <a:rPr lang="fr-FR" dirty="0" smtClean="0"/>
+              <a:t>Données</a:t>
+            </a:r>
+            <a:endParaRPr lang="fr-FR" dirty="0"/>
+          </a:p>
+          <a:p>
+            <a:r>
+              <a:rPr lang="fr-FR" dirty="0" smtClean="0"/>
+              <a:t>Client</a:t>
+            </a:r>
+            <a:r>
+              <a:rPr lang="fr-FR" dirty="0"/>
+              <a:t>, Produit, Fournisseur...</a:t>
+            </a:r>
+          </a:p>
+          <a:p>
+            <a:r>
+              <a:rPr lang="fr-FR" dirty="0" smtClean="0"/>
+              <a:t>modifier</a:t>
+            </a:r>
+            <a:r>
+              <a:rPr lang="fr-FR" dirty="0"/>
+              <a:t>, supprimer, consulter...</a:t>
+            </a:r>
+          </a:p>
+          <a:p>
+            <a:r>
+              <a:rPr lang="fr-FR" dirty="0"/>
+              <a:t>Quelle approche utiliser pour:</a:t>
+            </a:r>
+          </a:p>
+          <a:p>
+            <a:r>
+              <a:rPr lang="fr-FR" dirty="0" smtClean="0"/>
+              <a:t>modifier </a:t>
+            </a:r>
+            <a:r>
+              <a:rPr lang="fr-FR" dirty="0"/>
+              <a:t>le client Dupond</a:t>
+            </a:r>
+          </a:p>
+          <a:p>
+            <a:r>
+              <a:rPr lang="fr-FR" dirty="0" smtClean="0"/>
+              <a:t>imprimer </a:t>
+            </a:r>
+            <a:r>
+              <a:rPr lang="fr-FR" dirty="0"/>
+              <a:t>la fiche d’un produit </a:t>
+            </a:r>
+            <a:r>
+              <a:rPr lang="fr-FR" dirty="0" smtClean="0"/>
+              <a:t>donné</a:t>
+            </a:r>
+            <a:endParaRPr lang="fr-FR" dirty="0"/>
+          </a:p>
+          <a:p>
+            <a:r>
+              <a:rPr lang="fr-FR" dirty="0" smtClean="0"/>
+              <a:t>imprimer </a:t>
+            </a:r>
+            <a:r>
+              <a:rPr lang="fr-FR" dirty="0"/>
+              <a:t>les ventes par client et par produit</a:t>
+            </a:r>
+          </a:p>
+          <a:p>
+            <a:r>
+              <a:rPr lang="fr-FR" dirty="0"/>
+              <a:t>Pour les Interface Homme-Machine il faudra distinguer</a:t>
+            </a:r>
+          </a:p>
+          <a:p>
+            <a:r>
+              <a:rPr lang="fr-FR" dirty="0" smtClean="0"/>
+              <a:t>objets </a:t>
+            </a:r>
+            <a:r>
+              <a:rPr lang="fr-FR" dirty="0"/>
+              <a:t>de l’application</a:t>
+            </a:r>
+          </a:p>
+          <a:p>
+            <a:r>
+              <a:rPr lang="fr-FR" dirty="0" smtClean="0"/>
+              <a:t>outils </a:t>
+            </a:r>
+            <a:r>
+              <a:rPr lang="fr-FR" dirty="0"/>
+              <a:t>applicables aux objets</a:t>
+            </a:r>
+          </a:p>
+        </p:txBody>
+      </p:sp>
+    </p:spTree>
+    <p:extLst>
+      <p:ext uri="{BB962C8B-B14F-4D97-AF65-F5344CB8AC3E}">
+        <p14:creationId xmlns:p14="http://schemas.microsoft.com/office/powerpoint/2010/main" val="1208190721"/>
+      </p:ext>
+    </p:extLst>
+  </p:cSld>
+  <p:clrMapOvr>
+    <a:masterClrMapping/>
+  </p:clrMapOvr>
+  <p:transition spd="slow">
+    <p:wipe dir="d"/>
+  </p:transition>
+  <p:timing>
+    <p:tnLst>
+      <p:par>
+        <p:cTn id="1" dur="indefinite" restart="never" nodeType="tmRoot">
+          <p:childTnLst>
+            <p:seq concurrent="1" nextAc="seek">
+              <p:cTn id="2" dur="indefinite" nodeType="mainSeq">
+                <p:childTnLst>
+                  <p:par>
+                    <p:cTn id="3" fill="hold">
+                      <p:stCondLst>
+                        <p:cond delay="indefinite"/>
+                      </p:stCondLst>
+                      <p:childTnLst>
+                        <p:par>
+                          <p:cTn id="4" fill="hold">
+                            <p:stCondLst>
+                              <p:cond delay="0"/>
+                            </p:stCondLst>
+                            <p:childTnLst>
+                              <p:par>
+                                <p:cTn id="5" presetID="16" presetClass="entr" presetSubtype="21" fill="hold" grpId="0" nodeType="clickEffect">
+                                  <p:stCondLst>
+                                    <p:cond delay="0"/>
+                                  </p:stCondLst>
+                                  <p:childTnLst>
+                                    <p:set>
+                                      <p:cBhvr>
+                                        <p:cTn id="6" dur="1" fill="hold">
+                                          <p:stCondLst>
+                                            <p:cond delay="0"/>
+                                          </p:stCondLst>
+                                        </p:cTn>
+                                        <p:tgtEl>
+                                          <p:spTgt spid="2"/>
+                                        </p:tgtEl>
+                                        <p:attrNameLst>
+                                          <p:attrName>style.visibility</p:attrName>
+                                        </p:attrNameLst>
+                                      </p:cBhvr>
+                                      <p:to>
+                                        <p:strVal val="visible"/>
+                                      </p:to>
+                                    </p:set>
+                                    <p:animEffect transition="in" filter="barn(inVertical)">
+                                      <p:cBhvr>
+                                        <p:cTn id="7" dur="500"/>
+                                        <p:tgtEl>
+                                          <p:spTgt spid="2"/>
+                                        </p:tgtEl>
+                                      </p:cBhvr>
+                                    </p:animEffect>
+                                  </p:childTnLst>
+                                </p:cTn>
+                              </p:par>
+                            </p:childTnLst>
+                          </p:cTn>
+                        </p:par>
+                      </p:childTnLst>
+                    </p:cTn>
+                  </p:par>
+                  <p:par>
+                    <p:cTn id="8" fill="hold">
+                      <p:stCondLst>
+                        <p:cond delay="indefinite"/>
+                      </p:stCondLst>
+                      <p:childTnLst>
+                        <p:par>
+                          <p:cTn id="9" fill="hold">
+                            <p:stCondLst>
+                              <p:cond delay="0"/>
+                            </p:stCondLst>
+                            <p:childTnLst>
+                              <p:par>
+                                <p:cTn id="10" presetID="16" presetClass="entr" presetSubtype="21" fill="hold" nodeType="clickEffect">
+                                  <p:stCondLst>
+                                    <p:cond delay="0"/>
+                                  </p:stCondLst>
+                                  <p:childTnLst>
+                                    <p:set>
+                                      <p:cBhvr>
+                                        <p:cTn id="11" dur="1" fill="hold">
+                                          <p:stCondLst>
+                                            <p:cond delay="0"/>
+                                          </p:stCondLst>
+                                        </p:cTn>
+                                        <p:tgtEl>
+                                          <p:spTgt spid="3">
+                                            <p:txEl>
+                                              <p:pRg st="0" end="0"/>
+                                            </p:txEl>
+                                          </p:spTgt>
+                                        </p:tgtEl>
+                                        <p:attrNameLst>
+                                          <p:attrName>style.visibility</p:attrName>
+                                        </p:attrNameLst>
+                                      </p:cBhvr>
+                                      <p:to>
+                                        <p:strVal val="visible"/>
+                                      </p:to>
+                                    </p:set>
+                                    <p:animEffect transition="in" filter="barn(inVertical)">
+                                      <p:cBhvr>
+                                        <p:cTn id="12" dur="500"/>
+                                        <p:tgtEl>
+                                          <p:spTgt spid="3">
+                                            <p:txEl>
+                                              <p:pRg st="0" end="0"/>
+                                            </p:txEl>
+                                          </p:spTgt>
+                                        </p:tgtEl>
+                                      </p:cBhvr>
+                                    </p:animEffect>
+                                  </p:childTnLst>
+                                </p:cTn>
+                              </p:par>
+                              <p:par>
+                                <p:cTn id="13" presetID="16" presetClass="entr" presetSubtype="21" fill="hold" nodeType="withEffect">
+                                  <p:stCondLst>
+                                    <p:cond delay="0"/>
+                                  </p:stCondLst>
+                                  <p:childTnLst>
+                                    <p:set>
+                                      <p:cBhvr>
+                                        <p:cTn id="14" dur="1" fill="hold">
+                                          <p:stCondLst>
+                                            <p:cond delay="0"/>
+                                          </p:stCondLst>
+                                        </p:cTn>
+                                        <p:tgtEl>
+                                          <p:spTgt spid="3">
+                                            <p:txEl>
+                                              <p:pRg st="1" end="1"/>
+                                            </p:txEl>
+                                          </p:spTgt>
+                                        </p:tgtEl>
+                                        <p:attrNameLst>
+                                          <p:attrName>style.visibility</p:attrName>
+                                        </p:attrNameLst>
+                                      </p:cBhvr>
+                                      <p:to>
+                                        <p:strVal val="visible"/>
+                                      </p:to>
+                                    </p:set>
+                                    <p:animEffect transition="in" filter="barn(inVertical)">
+                                      <p:cBhvr>
+                                        <p:cTn id="15" dur="500"/>
+                                        <p:tgtEl>
+                                          <p:spTgt spid="3">
+                                            <p:txEl>
+                                              <p:pRg st="1" end="1"/>
+                                            </p:txEl>
+                                          </p:spTgt>
+                                        </p:tgtEl>
+                                      </p:cBhvr>
+                                    </p:animEffect>
+                                  </p:childTnLst>
+                                </p:cTn>
+                              </p:par>
+                              <p:par>
+                                <p:cTn id="16" presetID="16" presetClass="entr" presetSubtype="21" fill="hold" nodeType="withEffect">
+                                  <p:stCondLst>
+                                    <p:cond delay="0"/>
+                                  </p:stCondLst>
+                                  <p:childTnLst>
+                                    <p:set>
+                                      <p:cBhvr>
+                                        <p:cTn id="17" dur="1" fill="hold">
+                                          <p:stCondLst>
+                                            <p:cond delay="0"/>
+                                          </p:stCondLst>
+                                        </p:cTn>
+                                        <p:tgtEl>
+                                          <p:spTgt spid="3">
+                                            <p:txEl>
+                                              <p:pRg st="2" end="2"/>
+                                            </p:txEl>
+                                          </p:spTgt>
+                                        </p:tgtEl>
+                                        <p:attrNameLst>
+                                          <p:attrName>style.visibility</p:attrName>
+                                        </p:attrNameLst>
+                                      </p:cBhvr>
+                                      <p:to>
+                                        <p:strVal val="visible"/>
+                                      </p:to>
+                                    </p:set>
+                                    <p:animEffect transition="in" filter="barn(inVertical)">
+                                      <p:cBhvr>
+                                        <p:cTn id="18" dur="500"/>
+                                        <p:tgtEl>
+                                          <p:spTgt spid="3">
+                                            <p:txEl>
+                                              <p:pRg st="2" end="2"/>
+                                            </p:txEl>
+                                          </p:spTgt>
+                                        </p:tgtEl>
+                                      </p:cBhvr>
+                                    </p:animEffect>
+                                  </p:childTnLst>
+                                </p:cTn>
+                              </p:par>
+                              <p:par>
+                                <p:cTn id="19" presetID="16" presetClass="entr" presetSubtype="21" fill="hold" nodeType="withEffect">
+                                  <p:stCondLst>
+                                    <p:cond delay="0"/>
+                                  </p:stCondLst>
+                                  <p:childTnLst>
+                                    <p:set>
+                                      <p:cBhvr>
+                                        <p:cTn id="20" dur="1" fill="hold">
+                                          <p:stCondLst>
+                                            <p:cond delay="0"/>
+                                          </p:stCondLst>
+                                        </p:cTn>
+                                        <p:tgtEl>
+                                          <p:spTgt spid="3">
+                                            <p:txEl>
+                                              <p:pRg st="3" end="3"/>
+                                            </p:txEl>
+                                          </p:spTgt>
+                                        </p:tgtEl>
+                                        <p:attrNameLst>
+                                          <p:attrName>style.visibility</p:attrName>
+                                        </p:attrNameLst>
+                                      </p:cBhvr>
+                                      <p:to>
+                                        <p:strVal val="visible"/>
+                                      </p:to>
+                                    </p:set>
+                                    <p:animEffect transition="in" filter="barn(inVertical)">
+                                      <p:cBhvr>
+                                        <p:cTn id="21" dur="500"/>
+                                        <p:tgtEl>
+                                          <p:spTgt spid="3">
+                                            <p:txEl>
+                                              <p:pRg st="3" end="3"/>
+                                            </p:txEl>
+                                          </p:spTgt>
+                                        </p:tgtEl>
+                                      </p:cBhvr>
+                                    </p:animEffect>
+                                  </p:childTnLst>
+                                </p:cTn>
+                              </p:par>
+                              <p:par>
+                                <p:cTn id="22" presetID="16" presetClass="entr" presetSubtype="21" fill="hold" nodeType="withEffect">
+                                  <p:stCondLst>
+                                    <p:cond delay="0"/>
+                                  </p:stCondLst>
+                                  <p:childTnLst>
+                                    <p:set>
+                                      <p:cBhvr>
+                                        <p:cTn id="23" dur="1" fill="hold">
+                                          <p:stCondLst>
+                                            <p:cond delay="0"/>
+                                          </p:stCondLst>
+                                        </p:cTn>
+                                        <p:tgtEl>
+                                          <p:spTgt spid="3">
+                                            <p:txEl>
+                                              <p:pRg st="4" end="4"/>
+                                            </p:txEl>
+                                          </p:spTgt>
+                                        </p:tgtEl>
+                                        <p:attrNameLst>
+                                          <p:attrName>style.visibility</p:attrName>
+                                        </p:attrNameLst>
+                                      </p:cBhvr>
+                                      <p:to>
+                                        <p:strVal val="visible"/>
+                                      </p:to>
+                                    </p:set>
+                                    <p:animEffect transition="in" filter="barn(inVertical)">
+                                      <p:cBhvr>
+                                        <p:cTn id="24" dur="500"/>
+                                        <p:tgtEl>
+                                          <p:spTgt spid="3">
+                                            <p:txEl>
+                                              <p:pRg st="4" end="4"/>
+                                            </p:txEl>
+                                          </p:spTgt>
+                                        </p:tgtEl>
+                                      </p:cBhvr>
+                                    </p:animEffect>
+                                  </p:childTnLst>
+                                </p:cTn>
+                              </p:par>
+                              <p:par>
+                                <p:cTn id="25" presetID="16" presetClass="entr" presetSubtype="21" fill="hold" nodeType="withEffect">
+                                  <p:stCondLst>
+                                    <p:cond delay="0"/>
+                                  </p:stCondLst>
+                                  <p:childTnLst>
+                                    <p:set>
+                                      <p:cBhvr>
+                                        <p:cTn id="26" dur="1" fill="hold">
+                                          <p:stCondLst>
+                                            <p:cond delay="0"/>
+                                          </p:stCondLst>
+                                        </p:cTn>
+                                        <p:tgtEl>
+                                          <p:spTgt spid="3">
+                                            <p:txEl>
+                                              <p:pRg st="5" end="5"/>
+                                            </p:txEl>
+                                          </p:spTgt>
+                                        </p:tgtEl>
+                                        <p:attrNameLst>
+                                          <p:attrName>style.visibility</p:attrName>
+                                        </p:attrNameLst>
+                                      </p:cBhvr>
+                                      <p:to>
+                                        <p:strVal val="visible"/>
+                                      </p:to>
+                                    </p:set>
+                                    <p:animEffect transition="in" filter="barn(inVertical)">
+                                      <p:cBhvr>
+                                        <p:cTn id="27" dur="500"/>
+                                        <p:tgtEl>
+                                          <p:spTgt spid="3">
+                                            <p:txEl>
+                                              <p:pRg st="5" end="5"/>
+                                            </p:txEl>
+                                          </p:spTgt>
+                                        </p:tgtEl>
+                                      </p:cBhvr>
+                                    </p:animEffect>
+                                  </p:childTnLst>
+                                </p:cTn>
+                              </p:par>
+                              <p:par>
+                                <p:cTn id="28" presetID="16" presetClass="entr" presetSubtype="21" fill="hold" nodeType="withEffect">
+                                  <p:stCondLst>
+                                    <p:cond delay="0"/>
+                                  </p:stCondLst>
+                                  <p:childTnLst>
+                                    <p:set>
+                                      <p:cBhvr>
+                                        <p:cTn id="29" dur="1" fill="hold">
+                                          <p:stCondLst>
+                                            <p:cond delay="0"/>
+                                          </p:stCondLst>
+                                        </p:cTn>
+                                        <p:tgtEl>
+                                          <p:spTgt spid="3">
+                                            <p:txEl>
+                                              <p:pRg st="6" end="6"/>
+                                            </p:txEl>
+                                          </p:spTgt>
+                                        </p:tgtEl>
+                                        <p:attrNameLst>
+                                          <p:attrName>style.visibility</p:attrName>
+                                        </p:attrNameLst>
+                                      </p:cBhvr>
+                                      <p:to>
+                                        <p:strVal val="visible"/>
+                                      </p:to>
+                                    </p:set>
+                                    <p:animEffect transition="in" filter="barn(inVertical)">
+                                      <p:cBhvr>
+                                        <p:cTn id="30" dur="500"/>
+                                        <p:tgtEl>
+                                          <p:spTgt spid="3">
+                                            <p:txEl>
+                                              <p:pRg st="6" end="6"/>
+                                            </p:txEl>
+                                          </p:spTgt>
+                                        </p:tgtEl>
+                                      </p:cBhvr>
+                                    </p:animEffect>
+                                  </p:childTnLst>
+                                </p:cTn>
+                              </p:par>
+                              <p:par>
+                                <p:cTn id="31" presetID="16" presetClass="entr" presetSubtype="21" fill="hold" nodeType="withEffect">
+                                  <p:stCondLst>
+                                    <p:cond delay="0"/>
+                                  </p:stCondLst>
+                                  <p:childTnLst>
+                                    <p:set>
+                                      <p:cBhvr>
+                                        <p:cTn id="32" dur="1" fill="hold">
+                                          <p:stCondLst>
+                                            <p:cond delay="0"/>
+                                          </p:stCondLst>
+                                        </p:cTn>
+                                        <p:tgtEl>
+                                          <p:spTgt spid="3">
+                                            <p:txEl>
+                                              <p:pRg st="7" end="7"/>
+                                            </p:txEl>
+                                          </p:spTgt>
+                                        </p:tgtEl>
+                                        <p:attrNameLst>
+                                          <p:attrName>style.visibility</p:attrName>
+                                        </p:attrNameLst>
+                                      </p:cBhvr>
+                                      <p:to>
+                                        <p:strVal val="visible"/>
+                                      </p:to>
+                                    </p:set>
+                                    <p:animEffect transition="in" filter="barn(inVertical)">
+                                      <p:cBhvr>
+                                        <p:cTn id="33" dur="500"/>
+                                        <p:tgtEl>
+                                          <p:spTgt spid="3">
+                                            <p:txEl>
+                                              <p:pRg st="7" end="7"/>
+                                            </p:txEl>
+                                          </p:spTgt>
+                                        </p:tgtEl>
+                                      </p:cBhvr>
+                                    </p:animEffect>
+                                  </p:childTnLst>
+                                </p:cTn>
+                              </p:par>
+                              <p:par>
+                                <p:cTn id="34" presetID="16" presetClass="entr" presetSubtype="21" fill="hold" nodeType="withEffect">
+                                  <p:stCondLst>
+                                    <p:cond delay="0"/>
+                                  </p:stCondLst>
+                                  <p:childTnLst>
+                                    <p:set>
+                                      <p:cBhvr>
+                                        <p:cTn id="35" dur="1" fill="hold">
+                                          <p:stCondLst>
+                                            <p:cond delay="0"/>
+                                          </p:stCondLst>
+                                        </p:cTn>
+                                        <p:tgtEl>
+                                          <p:spTgt spid="3">
+                                            <p:txEl>
+                                              <p:pRg st="8" end="8"/>
+                                            </p:txEl>
+                                          </p:spTgt>
+                                        </p:tgtEl>
+                                        <p:attrNameLst>
+                                          <p:attrName>style.visibility</p:attrName>
+                                        </p:attrNameLst>
+                                      </p:cBhvr>
+                                      <p:to>
+                                        <p:strVal val="visible"/>
+                                      </p:to>
+                                    </p:set>
+                                    <p:animEffect transition="in" filter="barn(inVertical)">
+                                      <p:cBhvr>
+                                        <p:cTn id="36" dur="500"/>
+                                        <p:tgtEl>
+                                          <p:spTgt spid="3">
+                                            <p:txEl>
+                                              <p:pRg st="8" end="8"/>
+                                            </p:txEl>
+                                          </p:spTgt>
+                                        </p:tgtEl>
+                                      </p:cBhvr>
+                                    </p:animEffect>
+                                  </p:childTnLst>
+                                </p:cTn>
+                              </p:par>
+                              <p:par>
+                                <p:cTn id="37" presetID="16" presetClass="entr" presetSubtype="21" fill="hold" nodeType="withEffect">
+                                  <p:stCondLst>
+                                    <p:cond delay="0"/>
+                                  </p:stCondLst>
+                                  <p:childTnLst>
+                                    <p:set>
+                                      <p:cBhvr>
+                                        <p:cTn id="38" dur="1" fill="hold">
+                                          <p:stCondLst>
+                                            <p:cond delay="0"/>
+                                          </p:stCondLst>
+                                        </p:cTn>
+                                        <p:tgtEl>
+                                          <p:spTgt spid="3">
+                                            <p:txEl>
+                                              <p:pRg st="9" end="9"/>
+                                            </p:txEl>
+                                          </p:spTgt>
+                                        </p:tgtEl>
+                                        <p:attrNameLst>
+                                          <p:attrName>style.visibility</p:attrName>
+                                        </p:attrNameLst>
+                                      </p:cBhvr>
+                                      <p:to>
+                                        <p:strVal val="visible"/>
+                                      </p:to>
+                                    </p:set>
+                                    <p:animEffect transition="in" filter="barn(inVertical)">
+                                      <p:cBhvr>
+                                        <p:cTn id="39" dur="500"/>
+                                        <p:tgtEl>
+                                          <p:spTgt spid="3">
+                                            <p:txEl>
+                                              <p:pRg st="9" end="9"/>
+                                            </p:txEl>
+                                          </p:spTgt>
+                                        </p:tgtEl>
+                                      </p:cBhvr>
+                                    </p:animEffect>
+                                  </p:childTnLst>
+                                </p:cTn>
+                              </p:par>
+                              <p:par>
+                                <p:cTn id="40" presetID="16" presetClass="entr" presetSubtype="21" fill="hold" nodeType="withEffect">
+                                  <p:stCondLst>
+                                    <p:cond delay="0"/>
+                                  </p:stCondLst>
+                                  <p:childTnLst>
+                                    <p:set>
+                                      <p:cBhvr>
+                                        <p:cTn id="41" dur="1" fill="hold">
+                                          <p:stCondLst>
+                                            <p:cond delay="0"/>
+                                          </p:stCondLst>
+                                        </p:cTn>
+                                        <p:tgtEl>
+                                          <p:spTgt spid="3">
+                                            <p:txEl>
+                                              <p:pRg st="10" end="10"/>
+                                            </p:txEl>
+                                          </p:spTgt>
+                                        </p:tgtEl>
+                                        <p:attrNameLst>
+                                          <p:attrName>style.visibility</p:attrName>
+                                        </p:attrNameLst>
+                                      </p:cBhvr>
+                                      <p:to>
+                                        <p:strVal val="visible"/>
+                                      </p:to>
+                                    </p:set>
+                                    <p:animEffect transition="in" filter="barn(inVertical)">
+                                      <p:cBhvr>
+                                        <p:cTn id="42" dur="500"/>
+                                        <p:tgtEl>
+                                          <p:spTgt spid="3">
+                                            <p:txEl>
+                                              <p:pRg st="10" end="10"/>
+                                            </p:txEl>
+                                          </p:spTgt>
+                                        </p:tgtEl>
+                                      </p:cBhvr>
+                                    </p:animEffect>
+                                  </p:childTnLst>
+                                </p:cTn>
+                              </p:par>
+                              <p:par>
+                                <p:cTn id="43" presetID="16" presetClass="entr" presetSubtype="21" fill="hold" nodeType="withEffect">
+                                  <p:stCondLst>
+                                    <p:cond delay="0"/>
+                                  </p:stCondLst>
+                                  <p:childTnLst>
+                                    <p:set>
+                                      <p:cBhvr>
+                                        <p:cTn id="44" dur="1" fill="hold">
+                                          <p:stCondLst>
+                                            <p:cond delay="0"/>
+                                          </p:stCondLst>
+                                        </p:cTn>
+                                        <p:tgtEl>
+                                          <p:spTgt spid="3">
+                                            <p:txEl>
+                                              <p:pRg st="11" end="11"/>
+                                            </p:txEl>
+                                          </p:spTgt>
+                                        </p:tgtEl>
+                                        <p:attrNameLst>
+                                          <p:attrName>style.visibility</p:attrName>
+                                        </p:attrNameLst>
+                                      </p:cBhvr>
+                                      <p:to>
+                                        <p:strVal val="visible"/>
+                                      </p:to>
+                                    </p:set>
+                                    <p:animEffect transition="in" filter="barn(inVertical)">
+                                      <p:cBhvr>
+                                        <p:cTn id="45" dur="500"/>
+                                        <p:tgtEl>
+                                          <p:spTgt spid="3">
+                                            <p:txEl>
+                                              <p:pRg st="11" end="11"/>
+                                            </p:txEl>
+                                          </p:spTgt>
+                                        </p:tgtEl>
+                                      </p:cBhvr>
+                                    </p:animEffect>
+                                  </p:childTnLst>
+                                </p:cTn>
+                              </p:par>
+                              <p:par>
+                                <p:cTn id="46" presetID="16" presetClass="entr" presetSubtype="21" fill="hold" nodeType="withEffect">
+                                  <p:stCondLst>
+                                    <p:cond delay="0"/>
+                                  </p:stCondLst>
+                                  <p:childTnLst>
+                                    <p:set>
+                                      <p:cBhvr>
+                                        <p:cTn id="47" dur="1" fill="hold">
+                                          <p:stCondLst>
+                                            <p:cond delay="0"/>
+                                          </p:stCondLst>
+                                        </p:cTn>
+                                        <p:tgtEl>
+                                          <p:spTgt spid="3">
+                                            <p:txEl>
+                                              <p:pRg st="12" end="12"/>
+                                            </p:txEl>
+                                          </p:spTgt>
+                                        </p:tgtEl>
+                                        <p:attrNameLst>
+                                          <p:attrName>style.visibility</p:attrName>
+                                        </p:attrNameLst>
+                                      </p:cBhvr>
+                                      <p:to>
+                                        <p:strVal val="visible"/>
+                                      </p:to>
+                                    </p:set>
+                                    <p:animEffect transition="in" filter="barn(inVertical)">
+                                      <p:cBhvr>
+                                        <p:cTn id="48" dur="500"/>
+                                        <p:tgtEl>
+                                          <p:spTgt spid="3">
+                                            <p:txEl>
+                                              <p:pRg st="12" end="12"/>
+                                            </p:txEl>
+                                          </p:spTgt>
+                                        </p:tgtEl>
+                                      </p:cBhvr>
+                                    </p:animEffect>
+                                  </p:childTnLst>
+                                </p:cTn>
+                              </p:par>
+                            </p:childTnLst>
+                          </p:cTn>
+                        </p:par>
+                      </p:childTnLst>
+                    </p:cTn>
+                  </p:par>
+                </p:childTnLst>
+              </p:cTn>
+              <p:prevCondLst>
+                <p:cond evt="onPrev" delay="0">
+                  <p:tgtEl>
+                    <p:sldTgt/>
+                  </p:tgtEl>
+                </p:cond>
+              </p:prevCondLst>
+              <p:nextCondLst>
+                <p:cond evt="onNext" delay="0">
+                  <p:tgtEl>
+                    <p:sldTgt/>
+                  </p:tgtEl>
+                </p:cond>
+              </p:nextCondLst>
+            </p:seq>
+          </p:childTnLst>
+        </p:cTn>
+      </p:par>
+    </p:tnLst>
+    <p:bldLst>
+      <p:bldP spid="2" grpId="0"/>
+    </p:bldLst>
+  </p:timing>
+</p:sld>
+</file>
+
+<file path=ppt/slides/slide19.xml><?xml version="1.0" encoding="utf-8"?>
+<p:sld xmlns:a="http://schemas.openxmlformats.org/drawingml/2006/main" xmlns:r="http://schemas.openxmlformats.org/officeDocument/2006/relationships" xmlns:p="http://schemas.openxmlformats.org/presentationml/2006/main">
+  <p:cSld>
+    <p:spTree>
+      <p:nvGrpSpPr>
+        <p:cNvPr id="1" name=""/>
+        <p:cNvGrpSpPr/>
+        <p:nvPr/>
+      </p:nvGrpSpPr>
+      <p:grpSpPr>
+        <a:xfrm>
+          <a:off x="0" y="0"/>
+          <a:ext cx="0" cy="0"/>
+          <a:chOff x="0" y="0"/>
+          <a:chExt cx="0" cy="0"/>
+        </a:xfrm>
+      </p:grpSpPr>
+      <p:sp>
+        <p:nvSpPr>
+          <p:cNvPr id="2" name="Titre 1"/>
+          <p:cNvSpPr>
+            <a:spLocks noGrp="1"/>
+          </p:cNvSpPr>
+          <p:nvPr>
+            <p:ph type="title"/>
+          </p:nvPr>
+        </p:nvSpPr>
+        <p:spPr/>
+        <p:txBody>
+          <a:bodyPr>
+            <a:normAutofit fontScale="90000"/>
+          </a:bodyPr>
+          <a:lstStyle/>
+          <a:p>
+            <a:r>
+              <a:rPr lang="fr-FR" b="1" dirty="0">
+                <a:solidFill>
+                  <a:schemeClr val="accent1"/>
+                </a:solidFill>
+              </a:rPr>
+              <a:t>3. activités de l’utilisateur</a:t>
+            </a:r>
+            <a:r>
+              <a:rPr lang="fr-FR" dirty="0"/>
+              <a:t/>
+            </a:r>
+            <a:br>
+              <a:rPr lang="fr-FR" dirty="0"/>
+            </a:br>
+            <a:endParaRPr lang="fr-FR" dirty="0"/>
+          </a:p>
+        </p:txBody>
+      </p:sp>
+      <p:sp>
+        <p:nvSpPr>
+          <p:cNvPr id="3" name="Espace réservé du contenu 2"/>
+          <p:cNvSpPr>
+            <a:spLocks noGrp="1"/>
+          </p:cNvSpPr>
+          <p:nvPr>
+            <p:ph idx="1"/>
+          </p:nvPr>
+        </p:nvSpPr>
+        <p:spPr>
+          <a:xfrm>
+            <a:off x="467544" y="980728"/>
+            <a:ext cx="8280920" cy="5328592"/>
+          </a:xfrm>
+        </p:spPr>
+        <p:txBody>
+          <a:bodyPr>
+            <a:noAutofit/>
+          </a:bodyPr>
+          <a:lstStyle/>
+          <a:p>
+            <a:r>
+              <a:rPr lang="fr-FR" sz="2400" dirty="0"/>
+              <a:t>Deux </a:t>
+            </a:r>
+            <a:r>
+              <a:rPr lang="fr-FR" sz="2400" dirty="0" smtClean="0"/>
+              <a:t>catégories </a:t>
+            </a:r>
+            <a:r>
+              <a:rPr lang="fr-FR" sz="2400" dirty="0"/>
+              <a:t>d’application</a:t>
+            </a:r>
+          </a:p>
+          <a:p>
+            <a:r>
+              <a:rPr lang="fr-FR" sz="2400" dirty="0" smtClean="0"/>
+              <a:t>verticale</a:t>
+            </a:r>
+            <a:r>
+              <a:rPr lang="fr-FR" sz="2400" dirty="0"/>
+              <a:t>: </a:t>
+            </a:r>
+            <a:r>
+              <a:rPr lang="fr-FR" sz="2400" dirty="0" smtClean="0"/>
+              <a:t>spécifique </a:t>
+            </a:r>
+            <a:r>
+              <a:rPr lang="fr-FR" sz="2400" dirty="0"/>
+              <a:t>`a un secteur </a:t>
+            </a:r>
+            <a:r>
+              <a:rPr lang="fr-FR" sz="2400" dirty="0" smtClean="0"/>
+              <a:t>d’activité</a:t>
+            </a:r>
+            <a:endParaRPr lang="fr-FR" sz="2400" dirty="0"/>
+          </a:p>
+          <a:p>
+            <a:r>
+              <a:rPr lang="fr-FR" sz="2400" dirty="0" smtClean="0"/>
+              <a:t>horizontale</a:t>
+            </a:r>
+            <a:r>
+              <a:rPr lang="fr-FR" sz="2400" dirty="0"/>
+              <a:t>: utilisables dans beaucoup de domaines</a:t>
+            </a:r>
+          </a:p>
+          <a:p>
+            <a:r>
+              <a:rPr lang="fr-FR" sz="2400" dirty="0"/>
+              <a:t>Interaction Utilisateur-Application</a:t>
+            </a:r>
+          </a:p>
+          <a:p>
+            <a:r>
+              <a:rPr lang="fr-FR" sz="2400" dirty="0" smtClean="0"/>
+              <a:t>l’utilisateur </a:t>
+            </a:r>
+            <a:r>
+              <a:rPr lang="fr-FR" sz="2400" dirty="0"/>
+              <a:t>est sous le </a:t>
+            </a:r>
+            <a:r>
+              <a:rPr lang="fr-FR" sz="2400" dirty="0" smtClean="0"/>
+              <a:t>contrôle </a:t>
+            </a:r>
+            <a:r>
+              <a:rPr lang="fr-FR" sz="2400" dirty="0"/>
+              <a:t>de l’application</a:t>
+            </a:r>
+          </a:p>
+          <a:p>
+            <a:r>
+              <a:rPr lang="fr-FR" sz="2400" dirty="0" smtClean="0"/>
+              <a:t>l’application  répond  </a:t>
+            </a:r>
+            <a:r>
+              <a:rPr lang="fr-FR" sz="2400" dirty="0"/>
+              <a:t>aux demandes l’utilisateur</a:t>
+            </a:r>
+          </a:p>
+          <a:p>
+            <a:r>
+              <a:rPr lang="fr-FR" sz="2400" dirty="0"/>
+              <a:t>Principes `a respecter:</a:t>
+            </a:r>
+          </a:p>
+          <a:p>
+            <a:r>
+              <a:rPr lang="fr-FR" sz="2400" dirty="0" smtClean="0"/>
+              <a:t>apprentissage</a:t>
+            </a:r>
+            <a:r>
+              <a:rPr lang="fr-FR" sz="2400" dirty="0"/>
+              <a:t>: actions </a:t>
+            </a:r>
+            <a:r>
+              <a:rPr lang="fr-FR" sz="2400" dirty="0" smtClean="0"/>
+              <a:t>réversibles </a:t>
+            </a:r>
+            <a:r>
+              <a:rPr lang="fr-FR" sz="2400" dirty="0"/>
+              <a:t>(essayer pour voir)</a:t>
+            </a:r>
+          </a:p>
+          <a:p>
+            <a:r>
+              <a:rPr lang="fr-FR" sz="2400" dirty="0" smtClean="0"/>
+              <a:t>avertissement</a:t>
+            </a:r>
+            <a:r>
+              <a:rPr lang="fr-FR" sz="2400" dirty="0"/>
+              <a:t>: si action </a:t>
+            </a:r>
+            <a:r>
+              <a:rPr lang="fr-FR" sz="2400" dirty="0" smtClean="0"/>
+              <a:t>irréversible (boites </a:t>
+            </a:r>
+            <a:r>
+              <a:rPr lang="fr-FR" sz="2400" dirty="0"/>
+              <a:t>de messages modales)</a:t>
+            </a:r>
+          </a:p>
+          <a:p>
+            <a:r>
+              <a:rPr lang="fr-FR" sz="2400" dirty="0" smtClean="0"/>
+              <a:t>rapidité </a:t>
+            </a:r>
+            <a:r>
+              <a:rPr lang="fr-FR" sz="2400" dirty="0"/>
+              <a:t>du temps de </a:t>
+            </a:r>
+            <a:r>
+              <a:rPr lang="fr-FR" sz="2400" dirty="0" smtClean="0"/>
+              <a:t>réponse </a:t>
+            </a:r>
+            <a:r>
+              <a:rPr lang="fr-FR" sz="2400" dirty="0"/>
+              <a:t>(&lt; 3 sec)</a:t>
+            </a:r>
+          </a:p>
+          <a:p>
+            <a:r>
+              <a:rPr lang="fr-FR" sz="2400" dirty="0" smtClean="0"/>
+              <a:t>accuse </a:t>
+            </a:r>
+            <a:r>
+              <a:rPr lang="fr-FR" sz="2400" dirty="0"/>
+              <a:t>de </a:t>
+            </a:r>
+            <a:r>
+              <a:rPr lang="fr-FR" sz="2400" dirty="0" smtClean="0"/>
+              <a:t>réception </a:t>
+            </a:r>
+            <a:r>
+              <a:rPr lang="fr-FR" sz="2400" dirty="0"/>
+              <a:t>(sablier, barre de progression...)</a:t>
+            </a:r>
+          </a:p>
+        </p:txBody>
+      </p:sp>
+    </p:spTree>
+    <p:extLst>
+      <p:ext uri="{BB962C8B-B14F-4D97-AF65-F5344CB8AC3E}">
+        <p14:creationId xmlns:p14="http://schemas.microsoft.com/office/powerpoint/2010/main" val="251822828"/>
+      </p:ext>
+    </p:extLst>
+  </p:cSld>
+  <p:clrMapOvr>
+    <a:masterClrMapping/>
+  </p:clrMapOvr>
+  <p:transition spd="slow">
+    <p:wipe dir="d"/>
+  </p:transition>
+  <p:timing>
+    <p:tnLst>
+      <p:par>
+        <p:cTn id="1" dur="indefinite" restart="never" nodeType="tmRoot">
+          <p:childTnLst>
+            <p:seq concurrent="1" nextAc="seek">
+              <p:cTn id="2" dur="indefinite" nodeType="mainSeq">
+                <p:childTnLst>
+                  <p:par>
+                    <p:cTn id="3" fill="hold">
+                      <p:stCondLst>
+                        <p:cond delay="indefinite"/>
+                      </p:stCondLst>
+                      <p:childTnLst>
+                        <p:par>
+                          <p:cTn id="4" fill="hold">
+                            <p:stCondLst>
+                              <p:cond delay="0"/>
+                            </p:stCondLst>
+                            <p:childTnLst>
+                              <p:par>
+                                <p:cTn id="5" presetID="16" presetClass="entr" presetSubtype="21" fill="hold" grpId="0" nodeType="clickEffect">
+                                  <p:stCondLst>
+                                    <p:cond delay="0"/>
+                                  </p:stCondLst>
+                                  <p:childTnLst>
+                                    <p:set>
+                                      <p:cBhvr>
+                                        <p:cTn id="6" dur="1" fill="hold">
+                                          <p:stCondLst>
+                                            <p:cond delay="0"/>
+                                          </p:stCondLst>
+                                        </p:cTn>
+                                        <p:tgtEl>
+                                          <p:spTgt spid="2"/>
+                                        </p:tgtEl>
+                                        <p:attrNameLst>
+                                          <p:attrName>style.visibility</p:attrName>
+                                        </p:attrNameLst>
+                                      </p:cBhvr>
+                                      <p:to>
+                                        <p:strVal val="visible"/>
+                                      </p:to>
+                                    </p:set>
+                                    <p:animEffect transition="in" filter="barn(inVertical)">
+                                      <p:cBhvr>
+                                        <p:cTn id="7" dur="500"/>
+                                        <p:tgtEl>
+                                          <p:spTgt spid="2"/>
+                                        </p:tgtEl>
+                                      </p:cBhvr>
+                                    </p:animEffect>
+                                  </p:childTnLst>
+                                </p:cTn>
+                              </p:par>
+                            </p:childTnLst>
+                          </p:cTn>
+                        </p:par>
+                      </p:childTnLst>
+                    </p:cTn>
+                  </p:par>
+                  <p:par>
+                    <p:cTn id="8" fill="hold">
+                      <p:stCondLst>
+                        <p:cond delay="indefinite"/>
+                      </p:stCondLst>
+                      <p:childTnLst>
+                        <p:par>
+                          <p:cTn id="9" fill="hold">
+                            <p:stCondLst>
+                              <p:cond delay="0"/>
+                            </p:stCondLst>
+                            <p:childTnLst>
+                              <p:par>
+                                <p:cTn id="10" presetID="16" presetClass="entr" presetSubtype="21" fill="hold" nodeType="clickEffect">
+                                  <p:stCondLst>
+                                    <p:cond delay="0"/>
+                                  </p:stCondLst>
+                                  <p:childTnLst>
+                                    <p:set>
+                                      <p:cBhvr>
+                                        <p:cTn id="11" dur="1" fill="hold">
+                                          <p:stCondLst>
+                                            <p:cond delay="0"/>
+                                          </p:stCondLst>
+                                        </p:cTn>
+                                        <p:tgtEl>
+                                          <p:spTgt spid="3">
+                                            <p:txEl>
+                                              <p:pRg st="0" end="0"/>
+                                            </p:txEl>
+                                          </p:spTgt>
+                                        </p:tgtEl>
+                                        <p:attrNameLst>
+                                          <p:attrName>style.visibility</p:attrName>
+                                        </p:attrNameLst>
+                                      </p:cBhvr>
+                                      <p:to>
+                                        <p:strVal val="visible"/>
+                                      </p:to>
+                                    </p:set>
+                                    <p:animEffect transition="in" filter="barn(inVertical)">
+                                      <p:cBhvr>
+                                        <p:cTn id="12" dur="500"/>
+                                        <p:tgtEl>
+                                          <p:spTgt spid="3">
+                                            <p:txEl>
+                                              <p:pRg st="0" end="0"/>
+                                            </p:txEl>
+                                          </p:spTgt>
+                                        </p:tgtEl>
+                                      </p:cBhvr>
+                                    </p:animEffect>
+                                  </p:childTnLst>
+                                </p:cTn>
+                              </p:par>
+                              <p:par>
+                                <p:cTn id="13" presetID="16" presetClass="entr" presetSubtype="21" fill="hold" nodeType="withEffect">
+                                  <p:stCondLst>
+                                    <p:cond delay="0"/>
+                                  </p:stCondLst>
+                                  <p:childTnLst>
+                                    <p:set>
+                                      <p:cBhvr>
+                                        <p:cTn id="14" dur="1" fill="hold">
+                                          <p:stCondLst>
+                                            <p:cond delay="0"/>
+                                          </p:stCondLst>
+                                        </p:cTn>
+                                        <p:tgtEl>
+                                          <p:spTgt spid="3">
+                                            <p:txEl>
+                                              <p:pRg st="1" end="1"/>
+                                            </p:txEl>
+                                          </p:spTgt>
+                                        </p:tgtEl>
+                                        <p:attrNameLst>
+                                          <p:attrName>style.visibility</p:attrName>
+                                        </p:attrNameLst>
+                                      </p:cBhvr>
+                                      <p:to>
+                                        <p:strVal val="visible"/>
+                                      </p:to>
+                                    </p:set>
+                                    <p:animEffect transition="in" filter="barn(inVertical)">
+                                      <p:cBhvr>
+                                        <p:cTn id="15" dur="500"/>
+                                        <p:tgtEl>
+                                          <p:spTgt spid="3">
+                                            <p:txEl>
+                                              <p:pRg st="1" end="1"/>
+                                            </p:txEl>
+                                          </p:spTgt>
+                                        </p:tgtEl>
+                                      </p:cBhvr>
+                                    </p:animEffect>
+                                  </p:childTnLst>
+                                </p:cTn>
+                              </p:par>
+                              <p:par>
+                                <p:cTn id="16" presetID="16" presetClass="entr" presetSubtype="21" fill="hold" nodeType="withEffect">
+                                  <p:stCondLst>
+                                    <p:cond delay="0"/>
+                                  </p:stCondLst>
+                                  <p:childTnLst>
+                                    <p:set>
+                                      <p:cBhvr>
+                                        <p:cTn id="17" dur="1" fill="hold">
+                                          <p:stCondLst>
+                                            <p:cond delay="0"/>
+                                          </p:stCondLst>
+                                        </p:cTn>
+                                        <p:tgtEl>
+                                          <p:spTgt spid="3">
+                                            <p:txEl>
+                                              <p:pRg st="2" end="2"/>
+                                            </p:txEl>
+                                          </p:spTgt>
+                                        </p:tgtEl>
+                                        <p:attrNameLst>
+                                          <p:attrName>style.visibility</p:attrName>
+                                        </p:attrNameLst>
+                                      </p:cBhvr>
+                                      <p:to>
+                                        <p:strVal val="visible"/>
+                                      </p:to>
+                                    </p:set>
+                                    <p:animEffect transition="in" filter="barn(inVertical)">
+                                      <p:cBhvr>
+                                        <p:cTn id="18" dur="500"/>
+                                        <p:tgtEl>
+                                          <p:spTgt spid="3">
+                                            <p:txEl>
+                                              <p:pRg st="2" end="2"/>
+                                            </p:txEl>
+                                          </p:spTgt>
+                                        </p:tgtEl>
+                                      </p:cBhvr>
+                                    </p:animEffect>
+                                  </p:childTnLst>
+                                </p:cTn>
+                              </p:par>
+                              <p:par>
+                                <p:cTn id="19" presetID="16" presetClass="entr" presetSubtype="21" fill="hold" nodeType="withEffect">
+                                  <p:stCondLst>
+                                    <p:cond delay="0"/>
+                                  </p:stCondLst>
+                                  <p:childTnLst>
+                                    <p:set>
+                                      <p:cBhvr>
+                                        <p:cTn id="20" dur="1" fill="hold">
+                                          <p:stCondLst>
+                                            <p:cond delay="0"/>
+                                          </p:stCondLst>
+                                        </p:cTn>
+                                        <p:tgtEl>
+                                          <p:spTgt spid="3">
+                                            <p:txEl>
+                                              <p:pRg st="3" end="3"/>
+                                            </p:txEl>
+                                          </p:spTgt>
+                                        </p:tgtEl>
+                                        <p:attrNameLst>
+                                          <p:attrName>style.visibility</p:attrName>
+                                        </p:attrNameLst>
+                                      </p:cBhvr>
+                                      <p:to>
+                                        <p:strVal val="visible"/>
+                                      </p:to>
+                                    </p:set>
+                                    <p:animEffect transition="in" filter="barn(inVertical)">
+                                      <p:cBhvr>
+                                        <p:cTn id="21" dur="500"/>
+                                        <p:tgtEl>
+                                          <p:spTgt spid="3">
+                                            <p:txEl>
+                                              <p:pRg st="3" end="3"/>
+                                            </p:txEl>
+                                          </p:spTgt>
+                                        </p:tgtEl>
+                                      </p:cBhvr>
+                                    </p:animEffect>
+                                  </p:childTnLst>
+                                </p:cTn>
+                              </p:par>
+                              <p:par>
+                                <p:cTn id="22" presetID="16" presetClass="entr" presetSubtype="21" fill="hold" nodeType="withEffect">
+                                  <p:stCondLst>
+                                    <p:cond delay="0"/>
+                                  </p:stCondLst>
+                                  <p:childTnLst>
+                                    <p:set>
+                                      <p:cBhvr>
+                                        <p:cTn id="23" dur="1" fill="hold">
+                                          <p:stCondLst>
+                                            <p:cond delay="0"/>
+                                          </p:stCondLst>
+                                        </p:cTn>
+                                        <p:tgtEl>
+                                          <p:spTgt spid="3">
+                                            <p:txEl>
+                                              <p:pRg st="4" end="4"/>
+                                            </p:txEl>
+                                          </p:spTgt>
+                                        </p:tgtEl>
+                                        <p:attrNameLst>
+                                          <p:attrName>style.visibility</p:attrName>
+                                        </p:attrNameLst>
+                                      </p:cBhvr>
+                                      <p:to>
+                                        <p:strVal val="visible"/>
+                                      </p:to>
+                                    </p:set>
+                                    <p:animEffect transition="in" filter="barn(inVertical)">
+                                      <p:cBhvr>
+                                        <p:cTn id="24" dur="500"/>
+                                        <p:tgtEl>
+                                          <p:spTgt spid="3">
+                                            <p:txEl>
+                                              <p:pRg st="4" end="4"/>
+                                            </p:txEl>
+                                          </p:spTgt>
+                                        </p:tgtEl>
+                                      </p:cBhvr>
+                                    </p:animEffect>
+                                  </p:childTnLst>
+                                </p:cTn>
+                              </p:par>
+                              <p:par>
+                                <p:cTn id="25" presetID="16" presetClass="entr" presetSubtype="21" fill="hold" nodeType="withEffect">
+                                  <p:stCondLst>
+                                    <p:cond delay="0"/>
+                                  </p:stCondLst>
+                                  <p:childTnLst>
+                                    <p:set>
+                                      <p:cBhvr>
+                                        <p:cTn id="26" dur="1" fill="hold">
+                                          <p:stCondLst>
+                                            <p:cond delay="0"/>
+                                          </p:stCondLst>
+                                        </p:cTn>
+                                        <p:tgtEl>
+                                          <p:spTgt spid="3">
+                                            <p:txEl>
+                                              <p:pRg st="5" end="5"/>
+                                            </p:txEl>
+                                          </p:spTgt>
+                                        </p:tgtEl>
+                                        <p:attrNameLst>
+                                          <p:attrName>style.visibility</p:attrName>
+                                        </p:attrNameLst>
+                                      </p:cBhvr>
+                                      <p:to>
+                                        <p:strVal val="visible"/>
+                                      </p:to>
+                                    </p:set>
+                                    <p:animEffect transition="in" filter="barn(inVertical)">
+                                      <p:cBhvr>
+                                        <p:cTn id="27" dur="500"/>
+                                        <p:tgtEl>
+                                          <p:spTgt spid="3">
+                                            <p:txEl>
+                                              <p:pRg st="5" end="5"/>
+                                            </p:txEl>
+                                          </p:spTgt>
+                                        </p:tgtEl>
+                                      </p:cBhvr>
+                                    </p:animEffect>
+                                  </p:childTnLst>
+                                </p:cTn>
+                              </p:par>
+                              <p:par>
+                                <p:cTn id="28" presetID="16" presetClass="entr" presetSubtype="21" fill="hold" nodeType="withEffect">
+                                  <p:stCondLst>
+                                    <p:cond delay="0"/>
+                                  </p:stCondLst>
+                                  <p:childTnLst>
+                                    <p:set>
+                                      <p:cBhvr>
+                                        <p:cTn id="29" dur="1" fill="hold">
+                                          <p:stCondLst>
+                                            <p:cond delay="0"/>
+                                          </p:stCondLst>
+                                        </p:cTn>
+                                        <p:tgtEl>
+                                          <p:spTgt spid="3">
+                                            <p:txEl>
+                                              <p:pRg st="6" end="6"/>
+                                            </p:txEl>
+                                          </p:spTgt>
+                                        </p:tgtEl>
+                                        <p:attrNameLst>
+                                          <p:attrName>style.visibility</p:attrName>
+                                        </p:attrNameLst>
+                                      </p:cBhvr>
+                                      <p:to>
+                                        <p:strVal val="visible"/>
+                                      </p:to>
+                                    </p:set>
+                                    <p:animEffect transition="in" filter="barn(inVertical)">
+                                      <p:cBhvr>
+                                        <p:cTn id="30" dur="500"/>
+                                        <p:tgtEl>
+                                          <p:spTgt spid="3">
+                                            <p:txEl>
+                                              <p:pRg st="6" end="6"/>
+                                            </p:txEl>
+                                          </p:spTgt>
+                                        </p:tgtEl>
+                                      </p:cBhvr>
+                                    </p:animEffect>
+                                  </p:childTnLst>
+                                </p:cTn>
+                              </p:par>
+                              <p:par>
+                                <p:cTn id="31" presetID="16" presetClass="entr" presetSubtype="21" fill="hold" nodeType="withEffect">
+                                  <p:stCondLst>
+                                    <p:cond delay="0"/>
+                                  </p:stCondLst>
+                                  <p:childTnLst>
+                                    <p:set>
+                                      <p:cBhvr>
+                                        <p:cTn id="32" dur="1" fill="hold">
+                                          <p:stCondLst>
+                                            <p:cond delay="0"/>
+                                          </p:stCondLst>
+                                        </p:cTn>
+                                        <p:tgtEl>
+                                          <p:spTgt spid="3">
+                                            <p:txEl>
+                                              <p:pRg st="7" end="7"/>
+                                            </p:txEl>
+                                          </p:spTgt>
+                                        </p:tgtEl>
+                                        <p:attrNameLst>
+                                          <p:attrName>style.visibility</p:attrName>
+                                        </p:attrNameLst>
+                                      </p:cBhvr>
+                                      <p:to>
+                                        <p:strVal val="visible"/>
+                                      </p:to>
+                                    </p:set>
+                                    <p:animEffect transition="in" filter="barn(inVertical)">
+                                      <p:cBhvr>
+                                        <p:cTn id="33" dur="500"/>
+                                        <p:tgtEl>
+                                          <p:spTgt spid="3">
+                                            <p:txEl>
+                                              <p:pRg st="7" end="7"/>
+                                            </p:txEl>
+                                          </p:spTgt>
+                                        </p:tgtEl>
+                                      </p:cBhvr>
+                                    </p:animEffect>
+                                  </p:childTnLst>
+                                </p:cTn>
+                              </p:par>
+                              <p:par>
+                                <p:cTn id="34" presetID="16" presetClass="entr" presetSubtype="21" fill="hold" nodeType="withEffect">
+                                  <p:stCondLst>
+                                    <p:cond delay="0"/>
+                                  </p:stCondLst>
+                                  <p:childTnLst>
+                                    <p:set>
+                                      <p:cBhvr>
+                                        <p:cTn id="35" dur="1" fill="hold">
+                                          <p:stCondLst>
+                                            <p:cond delay="0"/>
+                                          </p:stCondLst>
+                                        </p:cTn>
+                                        <p:tgtEl>
+                                          <p:spTgt spid="3">
+                                            <p:txEl>
+                                              <p:pRg st="8" end="8"/>
+                                            </p:txEl>
+                                          </p:spTgt>
+                                        </p:tgtEl>
+                                        <p:attrNameLst>
+                                          <p:attrName>style.visibility</p:attrName>
+                                        </p:attrNameLst>
+                                      </p:cBhvr>
+                                      <p:to>
+                                        <p:strVal val="visible"/>
+                                      </p:to>
+                                    </p:set>
+                                    <p:animEffect transition="in" filter="barn(inVertical)">
+                                      <p:cBhvr>
+                                        <p:cTn id="36" dur="500"/>
+                                        <p:tgtEl>
+                                          <p:spTgt spid="3">
+                                            <p:txEl>
+                                              <p:pRg st="8" end="8"/>
+                                            </p:txEl>
+                                          </p:spTgt>
+                                        </p:tgtEl>
+                                      </p:cBhvr>
+                                    </p:animEffect>
+                                  </p:childTnLst>
+                                </p:cTn>
+                              </p:par>
+                              <p:par>
+                                <p:cTn id="37" presetID="16" presetClass="entr" presetSubtype="21" fill="hold" nodeType="withEffect">
+                                  <p:stCondLst>
+                                    <p:cond delay="0"/>
+                                  </p:stCondLst>
+                                  <p:childTnLst>
+                                    <p:set>
+                                      <p:cBhvr>
+                                        <p:cTn id="38" dur="1" fill="hold">
+                                          <p:stCondLst>
+                                            <p:cond delay="0"/>
+                                          </p:stCondLst>
+                                        </p:cTn>
+                                        <p:tgtEl>
+                                          <p:spTgt spid="3">
+                                            <p:txEl>
+                                              <p:pRg st="9" end="9"/>
+                                            </p:txEl>
+                                          </p:spTgt>
+                                        </p:tgtEl>
+                                        <p:attrNameLst>
+                                          <p:attrName>style.visibility</p:attrName>
+                                        </p:attrNameLst>
+                                      </p:cBhvr>
+                                      <p:to>
+                                        <p:strVal val="visible"/>
+                                      </p:to>
+                                    </p:set>
+                                    <p:animEffect transition="in" filter="barn(inVertical)">
+                                      <p:cBhvr>
+                                        <p:cTn id="39" dur="500"/>
+                                        <p:tgtEl>
+                                          <p:spTgt spid="3">
+                                            <p:txEl>
+                                              <p:pRg st="9" end="9"/>
+                                            </p:txEl>
+                                          </p:spTgt>
+                                        </p:tgtEl>
+                                      </p:cBhvr>
+                                    </p:animEffect>
+                                  </p:childTnLst>
+                                </p:cTn>
+                              </p:par>
+                              <p:par>
+                                <p:cTn id="40" presetID="16" presetClass="entr" presetSubtype="21" fill="hold" nodeType="withEffect">
+                                  <p:stCondLst>
+                                    <p:cond delay="0"/>
+                                  </p:stCondLst>
+                                  <p:childTnLst>
+                                    <p:set>
+                                      <p:cBhvr>
+                                        <p:cTn id="41" dur="1" fill="hold">
+                                          <p:stCondLst>
+                                            <p:cond delay="0"/>
+                                          </p:stCondLst>
+                                        </p:cTn>
+                                        <p:tgtEl>
+                                          <p:spTgt spid="3">
+                                            <p:txEl>
+                                              <p:pRg st="10" end="10"/>
+                                            </p:txEl>
+                                          </p:spTgt>
+                                        </p:tgtEl>
+                                        <p:attrNameLst>
+                                          <p:attrName>style.visibility</p:attrName>
+                                        </p:attrNameLst>
+                                      </p:cBhvr>
+                                      <p:to>
+                                        <p:strVal val="visible"/>
+                                      </p:to>
+                                    </p:set>
+                                    <p:animEffect transition="in" filter="barn(inVertical)">
+                                      <p:cBhvr>
+                                        <p:cTn id="42" dur="500"/>
+                                        <p:tgtEl>
+                                          <p:spTgt spid="3">
+                                            <p:txEl>
+                                              <p:pRg st="10" end="10"/>
+                                            </p:txEl>
+                                          </p:spTgt>
+                                        </p:tgtEl>
+                                      </p:cBhvr>
+                                    </p:animEffect>
+                                  </p:childTnLst>
+                                </p:cTn>
+                              </p:par>
+                            </p:childTnLst>
+                          </p:cTn>
+                        </p:par>
+                      </p:childTnLst>
+                    </p:cTn>
+                  </p:par>
+                </p:childTnLst>
+              </p:cTn>
+              <p:prevCondLst>
+                <p:cond evt="onPrev" delay="0">
+                  <p:tgtEl>
+                    <p:sldTgt/>
+                  </p:tgtEl>
+                </p:cond>
+              </p:prevCondLst>
+              <p:nextCondLst>
+                <p:cond evt="onNext" delay="0">
+                  <p:tgtEl>
+                    <p:sldTgt/>
+                  </p:tgtEl>
+                </p:cond>
+              </p:nextCondLst>
+            </p:seq>
+          </p:childTnLst>
+        </p:cTn>
+      </p:par>
+    </p:tnLst>
+    <p:bldLst>
+      <p:bldP spid="2" grpId="0"/>
+    </p:bldLst>
+  </p:timing>
+</p:sld>
+</file>
+
+<file path=ppt/slides/slide2.xml><?xml version="1.0" encoding="utf-8"?>
+<p:sld xmlns:a="http://schemas.openxmlformats.org/drawingml/2006/main" xmlns:r="http://schemas.openxmlformats.org/officeDocument/2006/relationships" xmlns:p="http://schemas.openxmlformats.org/presentationml/2006/main">
+  <p:cSld>
+    <p:spTree>
+      <p:nvGrpSpPr>
+        <p:cNvPr id="1" name=""/>
+        <p:cNvGrpSpPr/>
+        <p:nvPr/>
+      </p:nvGrpSpPr>
+      <p:grpSpPr>
+        <a:xfrm>
+          <a:off x="0" y="0"/>
+          <a:ext cx="0" cy="0"/>
+          <a:chOff x="0" y="0"/>
+          <a:chExt cx="0" cy="0"/>
+        </a:xfrm>
+      </p:grpSpPr>
+      <p:graphicFrame>
+        <p:nvGraphicFramePr>
+          <p:cNvPr id="3" name="Diagram 2"/>
+          <p:cNvGraphicFramePr/>
+          <p:nvPr>
+            <p:extLst>
+              <p:ext uri="{D42A27DB-BD31-4B8C-83A1-F6EECF244321}">
+                <p14:modId xmlns:p14="http://schemas.microsoft.com/office/powerpoint/2010/main" val="4139913966"/>
+              </p:ext>
+            </p:extLst>
+          </p:nvPr>
+        </p:nvGraphicFramePr>
+        <p:xfrm>
+          <a:off x="1828800" y="1752600"/>
+          <a:ext cx="6096000" cy="4064000"/>
+        </p:xfrm>
+        <a:graphic>
+          <a:graphicData uri="http://schemas.openxmlformats.org/drawingml/2006/diagram">
+            <dgm:relIds xmlns:dgm="http://schemas.openxmlformats.org/drawingml/2006/diagram" xmlns:r="http://schemas.openxmlformats.org/officeDocument/2006/relationships" r:dm="rId3" r:lo="rId4" r:qs="rId5" r:cs="rId6"/>
+          </a:graphicData>
+        </a:graphic>
+      </p:graphicFrame>
+      <p:sp>
+        <p:nvSpPr>
+          <p:cNvPr id="2" name="Title 1"/>
+          <p:cNvSpPr>
+            <a:spLocks noGrp="1"/>
+          </p:cNvSpPr>
+          <p:nvPr>
+            <p:ph type="title"/>
+          </p:nvPr>
+        </p:nvSpPr>
+        <p:spPr>
+          <a:xfrm>
+            <a:off x="755576" y="332656"/>
+            <a:ext cx="8077200" cy="1143000"/>
+          </a:xfrm>
+        </p:spPr>
+        <p:txBody>
+          <a:bodyPr/>
+          <a:lstStyle/>
+          <a:p>
+            <a:r>
+              <a:rPr lang="fr-FR" dirty="0" smtClean="0"/>
+              <a:t>Présentation</a:t>
+            </a:r>
+            <a:endParaRPr lang="fr-FR" dirty="0"/>
+          </a:p>
+        </p:txBody>
+      </p:sp>
+    </p:spTree>
+  </p:cSld>
+  <p:clrMapOvr>
+    <a:masterClrMapping/>
+  </p:clrMapOvr>
+  <p:transition>
+    <p:fade/>
+  </p:transition>
+  <p:timing>
+    <p:tnLst>
+      <p:par>
+        <p:cTn id="1" dur="indefinite" restart="never" nodeType="tmRoot">
+          <p:childTnLst>
+            <p:seq concurrent="1" nextAc="seek">
+              <p:cTn id="2" dur="indefinite" nodeType="mainSeq">
+                <p:childTnLst>
+                  <p:par>
+                    <p:cTn id="3" fill="hold">
+                      <p:stCondLst>
+                        <p:cond delay="indefinite"/>
+                        <p:cond evt="onBegin" delay="0">
+                          <p:tn val="2"/>
+                        </p:cond>
+                      </p:stCondLst>
+                      <p:childTnLst>
+                        <p:par>
+                          <p:cTn id="4" fill="hold">
+                            <p:stCondLst>
+                              <p:cond delay="0"/>
+                            </p:stCondLst>
+                            <p:childTnLst>
+                              <p:par>
+                                <p:cTn id="5" presetID="22" presetClass="entr" presetSubtype="8" fill="hold" grpId="0" nodeType="afterEffect">
+                                  <p:stCondLst>
+                                    <p:cond delay="0"/>
+                                  </p:stCondLst>
+                                  <p:childTnLst>
+                                    <p:set>
+                                      <p:cBhvr>
+                                        <p:cTn id="6" dur="1" fill="hold">
+                                          <p:stCondLst>
+                                            <p:cond delay="0"/>
+                                          </p:stCondLst>
+                                        </p:cTn>
+                                        <p:tgtEl>
+                                          <p:spTgt spid="3">
+                                            <p:graphicEl>
+                                              <a:dgm id="{7E429971-BC57-430F-BB25-C0574E5E39E3}"/>
+                                            </p:graphicEl>
+                                          </p:spTgt>
+                                        </p:tgtEl>
+                                        <p:attrNameLst>
+                                          <p:attrName>style.visibility</p:attrName>
+                                        </p:attrNameLst>
+                                      </p:cBhvr>
+                                      <p:to>
+                                        <p:strVal val="visible"/>
+                                      </p:to>
+                                    </p:set>
+                                    <p:animEffect transition="in" filter="wipe(left)">
+                                      <p:cBhvr>
+                                        <p:cTn id="7" dur="500"/>
+                                        <p:tgtEl>
+                                          <p:spTgt spid="3">
+                                            <p:graphicEl>
+                                              <a:dgm id="{7E429971-BC57-430F-BB25-C0574E5E39E3}"/>
+                                            </p:graphicEl>
+                                          </p:spTgt>
+                                        </p:tgtEl>
+                                      </p:cBhvr>
+                                    </p:animEffect>
+                                  </p:childTnLst>
+                                </p:cTn>
+                              </p:par>
+                            </p:childTnLst>
+                          </p:cTn>
+                        </p:par>
+                        <p:par>
+                          <p:cTn id="8" fill="hold">
+                            <p:stCondLst>
+                              <p:cond delay="500"/>
+                            </p:stCondLst>
+                            <p:childTnLst>
+                              <p:par>
+                                <p:cTn id="9" presetID="22" presetClass="entr" presetSubtype="8" fill="hold" grpId="0" nodeType="afterEffect">
+                                  <p:stCondLst>
+                                    <p:cond delay="0"/>
+                                  </p:stCondLst>
+                                  <p:childTnLst>
+                                    <p:set>
+                                      <p:cBhvr>
+                                        <p:cTn id="10" dur="1" fill="hold">
+                                          <p:stCondLst>
+                                            <p:cond delay="0"/>
+                                          </p:stCondLst>
+                                        </p:cTn>
+                                        <p:tgtEl>
+                                          <p:spTgt spid="3">
+                                            <p:graphicEl>
+                                              <a:dgm id="{D54B1729-BC98-42C1-9C6C-D65DCBA4358F}"/>
+                                            </p:graphicEl>
+                                          </p:spTgt>
+                                        </p:tgtEl>
+                                        <p:attrNameLst>
+                                          <p:attrName>style.visibility</p:attrName>
+                                        </p:attrNameLst>
+                                      </p:cBhvr>
+                                      <p:to>
+                                        <p:strVal val="visible"/>
+                                      </p:to>
+                                    </p:set>
+                                    <p:animEffect transition="in" filter="wipe(left)">
+                                      <p:cBhvr>
+                                        <p:cTn id="11" dur="500"/>
+                                        <p:tgtEl>
+                                          <p:spTgt spid="3">
+                                            <p:graphicEl>
+                                              <a:dgm id="{D54B1729-BC98-42C1-9C6C-D65DCBA4358F}"/>
+                                            </p:graphicEl>
+                                          </p:spTgt>
+                                        </p:tgtEl>
+                                      </p:cBhvr>
+                                    </p:animEffect>
+                                  </p:childTnLst>
+                                </p:cTn>
+                              </p:par>
+                            </p:childTnLst>
+                          </p:cTn>
+                        </p:par>
+                        <p:par>
+                          <p:cTn id="12" fill="hold">
+                            <p:stCondLst>
+                              <p:cond delay="1000"/>
+                            </p:stCondLst>
+                            <p:childTnLst>
+                              <p:par>
+                                <p:cTn id="13" presetID="22" presetClass="entr" presetSubtype="8" fill="hold" grpId="0" nodeType="afterEffect">
+                                  <p:stCondLst>
+                                    <p:cond delay="0"/>
+                                  </p:stCondLst>
+                                  <p:childTnLst>
+                                    <p:set>
+                                      <p:cBhvr>
+                                        <p:cTn id="14" dur="1" fill="hold">
+                                          <p:stCondLst>
+                                            <p:cond delay="0"/>
+                                          </p:stCondLst>
+                                        </p:cTn>
+                                        <p:tgtEl>
+                                          <p:spTgt spid="3">
+                                            <p:graphicEl>
+                                              <a:dgm id="{C04276DC-EE64-470A-B8BC-09067B8045FA}"/>
+                                            </p:graphicEl>
+                                          </p:spTgt>
+                                        </p:tgtEl>
+                                        <p:attrNameLst>
+                                          <p:attrName>style.visibility</p:attrName>
+                                        </p:attrNameLst>
+                                      </p:cBhvr>
+                                      <p:to>
+                                        <p:strVal val="visible"/>
+                                      </p:to>
+                                    </p:set>
+                                    <p:animEffect transition="in" filter="wipe(left)">
+                                      <p:cBhvr>
+                                        <p:cTn id="15" dur="500"/>
+                                        <p:tgtEl>
+                                          <p:spTgt spid="3">
+                                            <p:graphicEl>
+                                              <a:dgm id="{C04276DC-EE64-470A-B8BC-09067B8045FA}"/>
+                                            </p:graphicEl>
+                                          </p:spTgt>
+                                        </p:tgtEl>
+                                      </p:cBhvr>
+                                    </p:animEffect>
+                                  </p:childTnLst>
+                                </p:cTn>
+                              </p:par>
+                            </p:childTnLst>
+                          </p:cTn>
+                        </p:par>
+                        <p:par>
+                          <p:cTn id="16" fill="hold">
+                            <p:stCondLst>
+                              <p:cond delay="1500"/>
+                            </p:stCondLst>
+                            <p:childTnLst>
+                              <p:par>
+                                <p:cTn id="17" presetID="22" presetClass="entr" presetSubtype="8" fill="hold" grpId="0" nodeType="afterEffect">
+                                  <p:stCondLst>
+                                    <p:cond delay="0"/>
+                                  </p:stCondLst>
+                                  <p:childTnLst>
+                                    <p:set>
+                                      <p:cBhvr>
+                                        <p:cTn id="18" dur="1" fill="hold">
+                                          <p:stCondLst>
+                                            <p:cond delay="0"/>
+                                          </p:stCondLst>
+                                        </p:cTn>
+                                        <p:tgtEl>
+                                          <p:spTgt spid="3">
+                                            <p:graphicEl>
+                                              <a:dgm id="{B37A5355-225B-4C6F-AED7-6C620F99EECC}"/>
+                                            </p:graphicEl>
+                                          </p:spTgt>
+                                        </p:tgtEl>
+                                        <p:attrNameLst>
+                                          <p:attrName>style.visibility</p:attrName>
+                                        </p:attrNameLst>
+                                      </p:cBhvr>
+                                      <p:to>
+                                        <p:strVal val="visible"/>
+                                      </p:to>
+                                    </p:set>
+                                    <p:animEffect transition="in" filter="wipe(left)">
+                                      <p:cBhvr>
+                                        <p:cTn id="19" dur="500"/>
+                                        <p:tgtEl>
+                                          <p:spTgt spid="3">
+                                            <p:graphicEl>
+                                              <a:dgm id="{B37A5355-225B-4C6F-AED7-6C620F99EECC}"/>
+                                            </p:graphicEl>
+                                          </p:spTgt>
+                                        </p:tgtEl>
+                                      </p:cBhvr>
+                                    </p:animEffect>
+                                  </p:childTnLst>
+                                </p:cTn>
+                              </p:par>
+                            </p:childTnLst>
+                          </p:cTn>
+                        </p:par>
+                        <p:par>
+                          <p:cTn id="20" fill="hold">
+                            <p:stCondLst>
+                              <p:cond delay="2000"/>
+                            </p:stCondLst>
+                            <p:childTnLst>
+                              <p:par>
+                                <p:cTn id="21" presetID="22" presetClass="entr" presetSubtype="8" fill="hold" grpId="0" nodeType="afterEffect">
+                                  <p:stCondLst>
+                                    <p:cond delay="0"/>
+                                  </p:stCondLst>
+                                  <p:childTnLst>
+                                    <p:set>
+                                      <p:cBhvr>
+                                        <p:cTn id="22" dur="1" fill="hold">
+                                          <p:stCondLst>
+                                            <p:cond delay="0"/>
+                                          </p:stCondLst>
+                                        </p:cTn>
+                                        <p:tgtEl>
+                                          <p:spTgt spid="3">
+                                            <p:graphicEl>
+                                              <a:dgm id="{F5034101-5B7D-4FE7-B47A-5A48CF39606B}"/>
+                                            </p:graphicEl>
+                                          </p:spTgt>
+                                        </p:tgtEl>
+                                        <p:attrNameLst>
+                                          <p:attrName>style.visibility</p:attrName>
+                                        </p:attrNameLst>
+                                      </p:cBhvr>
+                                      <p:to>
+                                        <p:strVal val="visible"/>
+                                      </p:to>
+                                    </p:set>
+                                    <p:animEffect transition="in" filter="wipe(left)">
+                                      <p:cBhvr>
+                                        <p:cTn id="23" dur="500"/>
+                                        <p:tgtEl>
+                                          <p:spTgt spid="3">
+                                            <p:graphicEl>
+                                              <a:dgm id="{F5034101-5B7D-4FE7-B47A-5A48CF39606B}"/>
+                                            </p:graphicEl>
+                                          </p:spTgt>
+                                        </p:tgtEl>
+                                      </p:cBhvr>
+                                    </p:animEffect>
+                                  </p:childTnLst>
+                                </p:cTn>
+                              </p:par>
+                            </p:childTnLst>
+                          </p:cTn>
+                        </p:par>
+                        <p:par>
+                          <p:cTn id="24" fill="hold">
+                            <p:stCondLst>
+                              <p:cond delay="2500"/>
+                            </p:stCondLst>
+                            <p:childTnLst>
+                              <p:par>
+                                <p:cTn id="25" presetID="22" presetClass="entr" presetSubtype="8" fill="hold" grpId="0" nodeType="afterEffect">
+                                  <p:stCondLst>
+                                    <p:cond delay="0"/>
+                                  </p:stCondLst>
+                                  <p:childTnLst>
+                                    <p:set>
+                                      <p:cBhvr>
+                                        <p:cTn id="26" dur="1" fill="hold">
+                                          <p:stCondLst>
+                                            <p:cond delay="0"/>
+                                          </p:stCondLst>
+                                        </p:cTn>
+                                        <p:tgtEl>
+                                          <p:spTgt spid="3">
+                                            <p:graphicEl>
+                                              <a:dgm id="{C7C3E6FD-D83F-4BDA-907E-B5EE041DA931}"/>
+                                            </p:graphicEl>
+                                          </p:spTgt>
+                                        </p:tgtEl>
+                                        <p:attrNameLst>
+                                          <p:attrName>style.visibility</p:attrName>
+                                        </p:attrNameLst>
+                                      </p:cBhvr>
+                                      <p:to>
+                                        <p:strVal val="visible"/>
+                                      </p:to>
+                                    </p:set>
+                                    <p:animEffect transition="in" filter="wipe(left)">
+                                      <p:cBhvr>
+                                        <p:cTn id="27" dur="500"/>
+                                        <p:tgtEl>
+                                          <p:spTgt spid="3">
+                                            <p:graphicEl>
+                                              <a:dgm id="{C7C3E6FD-D83F-4BDA-907E-B5EE041DA931}"/>
+                                            </p:graphicEl>
+                                          </p:spTgt>
+                                        </p:tgtEl>
+                                      </p:cBhvr>
+                                    </p:animEffect>
+                                  </p:childTnLst>
+                                </p:cTn>
+                              </p:par>
+                            </p:childTnLst>
+                          </p:cTn>
+                        </p:par>
+                      </p:childTnLst>
+                    </p:cTn>
+                  </p:par>
+                </p:childTnLst>
+              </p:cTn>
+              <p:prevCondLst>
+                <p:cond evt="onPrev" delay="0">
+                  <p:tgtEl>
+                    <p:sldTgt/>
+                  </p:tgtEl>
+                </p:cond>
+              </p:prevCondLst>
+              <p:nextCondLst>
+                <p:cond evt="onNext" delay="0">
+                  <p:tgtEl>
+                    <p:sldTgt/>
+                  </p:tgtEl>
+                </p:cond>
+              </p:nextCondLst>
+            </p:seq>
+          </p:childTnLst>
+        </p:cTn>
+      </p:par>
+    </p:tnLst>
+    <p:bldLst>
+      <p:bldGraphic spid="3" grpId="0" uiExpand="1">
+        <p:bldSub>
+          <a:bldDgm bld="one"/>
+        </p:bldSub>
+      </p:bldGraphic>
+    </p:bldLst>
+  </p:timing>
+</p:sld>
+</file>
+
+<file path=ppt/slides/slide20.xml><?xml version="1.0" encoding="utf-8"?>
+<p:sld xmlns:a="http://schemas.openxmlformats.org/drawingml/2006/main" xmlns:r="http://schemas.openxmlformats.org/officeDocument/2006/relationships" xmlns:p="http://schemas.openxmlformats.org/presentationml/2006/main">
+  <p:cSld>
+    <p:spTree>
+      <p:nvGrpSpPr>
+        <p:cNvPr id="1" name=""/>
+        <p:cNvGrpSpPr/>
+        <p:nvPr/>
+      </p:nvGrpSpPr>
+      <p:grpSpPr>
+        <a:xfrm>
+          <a:off x="0" y="0"/>
+          <a:ext cx="0" cy="0"/>
+          <a:chOff x="0" y="0"/>
+          <a:chExt cx="0" cy="0"/>
+        </a:xfrm>
+      </p:grpSpPr>
+      <p:sp>
+        <p:nvSpPr>
+          <p:cNvPr id="2" name="Titre 1"/>
+          <p:cNvSpPr>
+            <a:spLocks noGrp="1"/>
+          </p:cNvSpPr>
+          <p:nvPr>
+            <p:ph type="title"/>
+          </p:nvPr>
+        </p:nvSpPr>
+        <p:spPr/>
+        <p:txBody>
+          <a:bodyPr>
+            <a:normAutofit fontScale="90000"/>
+          </a:bodyPr>
+          <a:lstStyle/>
+          <a:p>
+            <a:r>
+              <a:rPr lang="fr-FR" b="1" dirty="0" smtClean="0">
+                <a:solidFill>
+                  <a:schemeClr val="accent1"/>
+                </a:solidFill>
+              </a:rPr>
+              <a:t>3-Cohérence</a:t>
+            </a:r>
+            <a:r>
+              <a:rPr lang="fr-FR" dirty="0"/>
+              <a:t/>
+            </a:r>
+            <a:br>
+              <a:rPr lang="fr-FR" dirty="0"/>
+            </a:br>
+            <a:endParaRPr lang="fr-FR" dirty="0"/>
+          </a:p>
+        </p:txBody>
+      </p:sp>
+      <p:sp>
+        <p:nvSpPr>
+          <p:cNvPr id="3" name="Espace réservé du contenu 2"/>
+          <p:cNvSpPr>
+            <a:spLocks noGrp="1"/>
+          </p:cNvSpPr>
+          <p:nvPr>
+            <p:ph idx="1"/>
+          </p:nvPr>
+        </p:nvSpPr>
+        <p:spPr/>
+        <p:txBody>
+          <a:bodyPr>
+            <a:normAutofit lnSpcReduction="10000"/>
+          </a:bodyPr>
+          <a:lstStyle/>
+          <a:p>
+            <a:r>
+              <a:rPr lang="fr-FR" sz="2800" dirty="0"/>
+              <a:t>Adaptation au </a:t>
+            </a:r>
+            <a:r>
+              <a:rPr lang="fr-FR" sz="2800" dirty="0" smtClean="0"/>
+              <a:t>matériel </a:t>
+            </a:r>
+            <a:r>
+              <a:rPr lang="fr-FR" sz="2800" dirty="0"/>
+              <a:t>utilisateur</a:t>
+            </a:r>
+          </a:p>
+          <a:p>
+            <a:r>
+              <a:rPr lang="fr-FR" sz="2800" dirty="0" smtClean="0"/>
+              <a:t>définition d écran</a:t>
+            </a:r>
+            <a:endParaRPr lang="fr-FR" sz="2800" dirty="0"/>
+          </a:p>
+          <a:p>
+            <a:r>
+              <a:rPr lang="fr-FR" sz="2800" dirty="0" smtClean="0"/>
+              <a:t>type </a:t>
+            </a:r>
+            <a:r>
+              <a:rPr lang="fr-FR" sz="2800" dirty="0"/>
+              <a:t>de clavier, souris</a:t>
+            </a:r>
+          </a:p>
+          <a:p>
+            <a:r>
+              <a:rPr lang="fr-FR" sz="2800" dirty="0" smtClean="0"/>
+              <a:t>Cohérence </a:t>
+            </a:r>
+            <a:r>
+              <a:rPr lang="fr-FR" sz="2800" dirty="0"/>
+              <a:t>avec le logiciel</a:t>
+            </a:r>
+          </a:p>
+          <a:p>
+            <a:r>
+              <a:rPr lang="fr-FR" sz="2800" dirty="0" smtClean="0"/>
+              <a:t>modules nécessaires </a:t>
+            </a:r>
+            <a:r>
+              <a:rPr lang="fr-FR" sz="2800" dirty="0"/>
+              <a:t>(packages, </a:t>
+            </a:r>
+            <a:r>
+              <a:rPr lang="fr-FR" sz="2800" dirty="0" err="1"/>
+              <a:t>runtime</a:t>
+            </a:r>
+            <a:r>
+              <a:rPr lang="fr-FR" sz="2800" dirty="0"/>
+              <a:t>, DLL...)</a:t>
+            </a:r>
+          </a:p>
+          <a:p>
+            <a:r>
+              <a:rPr lang="fr-FR" sz="2800" dirty="0" smtClean="0"/>
+              <a:t>Règles </a:t>
+            </a:r>
+            <a:r>
+              <a:rPr lang="fr-FR" sz="2800" dirty="0"/>
+              <a:t>communes de </a:t>
+            </a:r>
+            <a:r>
+              <a:rPr lang="fr-FR" sz="2800" dirty="0" smtClean="0"/>
+              <a:t>présentation, </a:t>
+            </a:r>
+            <a:r>
+              <a:rPr lang="fr-FR" sz="2800" dirty="0"/>
+              <a:t>organisation</a:t>
+            </a:r>
+          </a:p>
+          <a:p>
+            <a:r>
+              <a:rPr lang="fr-FR" sz="2800" dirty="0" smtClean="0"/>
+              <a:t>intra-application (métaphores, </a:t>
+            </a:r>
+            <a:r>
+              <a:rPr lang="fr-FR" sz="2800" dirty="0"/>
+              <a:t>raccourcis-clavier...)</a:t>
+            </a:r>
+          </a:p>
+          <a:p>
+            <a:r>
+              <a:rPr lang="fr-FR" sz="2800" dirty="0"/>
+              <a:t>⊲ inter-application </a:t>
+            </a:r>
+            <a:r>
+              <a:rPr lang="fr-FR" sz="2800" dirty="0" smtClean="0"/>
+              <a:t>(méthodes </a:t>
+            </a:r>
+            <a:r>
+              <a:rPr lang="fr-FR" sz="2800" dirty="0"/>
+              <a:t>d’interaction, </a:t>
+            </a:r>
+            <a:r>
+              <a:rPr lang="fr-FR" sz="2800" dirty="0" smtClean="0"/>
+              <a:t>réponse...)</a:t>
+            </a:r>
+            <a:endParaRPr lang="fr-FR" sz="2800" dirty="0"/>
+          </a:p>
+          <a:p>
+            <a:endParaRPr lang="fr-FR" dirty="0"/>
+          </a:p>
+        </p:txBody>
+      </p:sp>
+    </p:spTree>
+    <p:extLst>
+      <p:ext uri="{BB962C8B-B14F-4D97-AF65-F5344CB8AC3E}">
+        <p14:creationId xmlns:p14="http://schemas.microsoft.com/office/powerpoint/2010/main" val="2737319069"/>
+      </p:ext>
+    </p:extLst>
+  </p:cSld>
+  <p:clrMapOvr>
+    <a:masterClrMapping/>
+  </p:clrMapOvr>
+  <p:transition spd="slow">
+    <p:wipe dir="d"/>
+  </p:transition>
+  <p:timing>
+    <p:tnLst>
+      <p:par>
+        <p:cTn id="1" dur="indefinite" restart="never" nodeType="tmRoot">
+          <p:childTnLst>
+            <p:seq concurrent="1" nextAc="seek">
+              <p:cTn id="2" dur="indefinite" nodeType="mainSeq">
+                <p:childTnLst>
+                  <p:par>
+                    <p:cTn id="3" fill="hold">
+                      <p:stCondLst>
+                        <p:cond delay="indefinite"/>
+                      </p:stCondLst>
+                      <p:childTnLst>
+                        <p:par>
+                          <p:cTn id="4" fill="hold">
+                            <p:stCondLst>
+                              <p:cond delay="0"/>
+                            </p:stCondLst>
+                            <p:childTnLst>
+                              <p:par>
+                                <p:cTn id="5" presetID="16" presetClass="entr" presetSubtype="21" fill="hold" grpId="0" nodeType="clickEffect">
+                                  <p:stCondLst>
+                                    <p:cond delay="0"/>
+                                  </p:stCondLst>
+                                  <p:childTnLst>
+                                    <p:set>
+                                      <p:cBhvr>
+                                        <p:cTn id="6" dur="1" fill="hold">
+                                          <p:stCondLst>
+                                            <p:cond delay="0"/>
+                                          </p:stCondLst>
+                                        </p:cTn>
+                                        <p:tgtEl>
+                                          <p:spTgt spid="2"/>
+                                        </p:tgtEl>
+                                        <p:attrNameLst>
+                                          <p:attrName>style.visibility</p:attrName>
+                                        </p:attrNameLst>
+                                      </p:cBhvr>
+                                      <p:to>
+                                        <p:strVal val="visible"/>
+                                      </p:to>
+                                    </p:set>
+                                    <p:animEffect transition="in" filter="barn(inVertical)">
+                                      <p:cBhvr>
+                                        <p:cTn id="7" dur="500"/>
+                                        <p:tgtEl>
+                                          <p:spTgt spid="2"/>
+                                        </p:tgtEl>
+                                      </p:cBhvr>
+                                    </p:animEffect>
+                                  </p:childTnLst>
+                                </p:cTn>
+                              </p:par>
+                            </p:childTnLst>
+                          </p:cTn>
+                        </p:par>
+                      </p:childTnLst>
+                    </p:cTn>
+                  </p:par>
+                  <p:par>
+                    <p:cTn id="8" fill="hold">
+                      <p:stCondLst>
+                        <p:cond delay="indefinite"/>
+                      </p:stCondLst>
+                      <p:childTnLst>
+                        <p:par>
+                          <p:cTn id="9" fill="hold">
+                            <p:stCondLst>
+                              <p:cond delay="0"/>
+                            </p:stCondLst>
+                            <p:childTnLst>
+                              <p:par>
+                                <p:cTn id="10" presetID="16" presetClass="entr" presetSubtype="21" fill="hold" nodeType="clickEffect">
+                                  <p:stCondLst>
+                                    <p:cond delay="0"/>
+                                  </p:stCondLst>
+                                  <p:childTnLst>
+                                    <p:set>
+                                      <p:cBhvr>
+                                        <p:cTn id="11" dur="1" fill="hold">
+                                          <p:stCondLst>
+                                            <p:cond delay="0"/>
+                                          </p:stCondLst>
+                                        </p:cTn>
+                                        <p:tgtEl>
+                                          <p:spTgt spid="3">
+                                            <p:txEl>
+                                              <p:pRg st="0" end="0"/>
+                                            </p:txEl>
+                                          </p:spTgt>
+                                        </p:tgtEl>
+                                        <p:attrNameLst>
+                                          <p:attrName>style.visibility</p:attrName>
+                                        </p:attrNameLst>
+                                      </p:cBhvr>
+                                      <p:to>
+                                        <p:strVal val="visible"/>
+                                      </p:to>
+                                    </p:set>
+                                    <p:animEffect transition="in" filter="barn(inVertical)">
+                                      <p:cBhvr>
+                                        <p:cTn id="12" dur="500"/>
+                                        <p:tgtEl>
+                                          <p:spTgt spid="3">
+                                            <p:txEl>
+                                              <p:pRg st="0" end="0"/>
+                                            </p:txEl>
+                                          </p:spTgt>
+                                        </p:tgtEl>
+                                      </p:cBhvr>
+                                    </p:animEffect>
+                                  </p:childTnLst>
+                                </p:cTn>
+                              </p:par>
+                              <p:par>
+                                <p:cTn id="13" presetID="16" presetClass="entr" presetSubtype="21" fill="hold" nodeType="withEffect">
+                                  <p:stCondLst>
+                                    <p:cond delay="0"/>
+                                  </p:stCondLst>
+                                  <p:childTnLst>
+                                    <p:set>
+                                      <p:cBhvr>
+                                        <p:cTn id="14" dur="1" fill="hold">
+                                          <p:stCondLst>
+                                            <p:cond delay="0"/>
+                                          </p:stCondLst>
+                                        </p:cTn>
+                                        <p:tgtEl>
+                                          <p:spTgt spid="3">
+                                            <p:txEl>
+                                              <p:pRg st="1" end="1"/>
+                                            </p:txEl>
+                                          </p:spTgt>
+                                        </p:tgtEl>
+                                        <p:attrNameLst>
+                                          <p:attrName>style.visibility</p:attrName>
+                                        </p:attrNameLst>
+                                      </p:cBhvr>
+                                      <p:to>
+                                        <p:strVal val="visible"/>
+                                      </p:to>
+                                    </p:set>
+                                    <p:animEffect transition="in" filter="barn(inVertical)">
+                                      <p:cBhvr>
+                                        <p:cTn id="15" dur="500"/>
+                                        <p:tgtEl>
+                                          <p:spTgt spid="3">
+                                            <p:txEl>
+                                              <p:pRg st="1" end="1"/>
+                                            </p:txEl>
+                                          </p:spTgt>
+                                        </p:tgtEl>
+                                      </p:cBhvr>
+                                    </p:animEffect>
+                                  </p:childTnLst>
+                                </p:cTn>
+                              </p:par>
+                              <p:par>
+                                <p:cTn id="16" presetID="16" presetClass="entr" presetSubtype="21" fill="hold" nodeType="withEffect">
+                                  <p:stCondLst>
+                                    <p:cond delay="0"/>
+                                  </p:stCondLst>
+                                  <p:childTnLst>
+                                    <p:set>
+                                      <p:cBhvr>
+                                        <p:cTn id="17" dur="1" fill="hold">
+                                          <p:stCondLst>
+                                            <p:cond delay="0"/>
+                                          </p:stCondLst>
+                                        </p:cTn>
+                                        <p:tgtEl>
+                                          <p:spTgt spid="3">
+                                            <p:txEl>
+                                              <p:pRg st="2" end="2"/>
+                                            </p:txEl>
+                                          </p:spTgt>
+                                        </p:tgtEl>
+                                        <p:attrNameLst>
+                                          <p:attrName>style.visibility</p:attrName>
+                                        </p:attrNameLst>
+                                      </p:cBhvr>
+                                      <p:to>
+                                        <p:strVal val="visible"/>
+                                      </p:to>
+                                    </p:set>
+                                    <p:animEffect transition="in" filter="barn(inVertical)">
+                                      <p:cBhvr>
+                                        <p:cTn id="18" dur="500"/>
+                                        <p:tgtEl>
+                                          <p:spTgt spid="3">
+                                            <p:txEl>
+                                              <p:pRg st="2" end="2"/>
+                                            </p:txEl>
+                                          </p:spTgt>
+                                        </p:tgtEl>
+                                      </p:cBhvr>
+                                    </p:animEffect>
+                                  </p:childTnLst>
+                                </p:cTn>
+                              </p:par>
+                              <p:par>
+                                <p:cTn id="19" presetID="16" presetClass="entr" presetSubtype="21" fill="hold" nodeType="withEffect">
+                                  <p:stCondLst>
+                                    <p:cond delay="0"/>
+                                  </p:stCondLst>
+                                  <p:childTnLst>
+                                    <p:set>
+                                      <p:cBhvr>
+                                        <p:cTn id="20" dur="1" fill="hold">
+                                          <p:stCondLst>
+                                            <p:cond delay="0"/>
+                                          </p:stCondLst>
+                                        </p:cTn>
+                                        <p:tgtEl>
+                                          <p:spTgt spid="3">
+                                            <p:txEl>
+                                              <p:pRg st="3" end="3"/>
+                                            </p:txEl>
+                                          </p:spTgt>
+                                        </p:tgtEl>
+                                        <p:attrNameLst>
+                                          <p:attrName>style.visibility</p:attrName>
+                                        </p:attrNameLst>
+                                      </p:cBhvr>
+                                      <p:to>
+                                        <p:strVal val="visible"/>
+                                      </p:to>
+                                    </p:set>
+                                    <p:animEffect transition="in" filter="barn(inVertical)">
+                                      <p:cBhvr>
+                                        <p:cTn id="21" dur="500"/>
+                                        <p:tgtEl>
+                                          <p:spTgt spid="3">
+                                            <p:txEl>
+                                              <p:pRg st="3" end="3"/>
+                                            </p:txEl>
+                                          </p:spTgt>
+                                        </p:tgtEl>
+                                      </p:cBhvr>
+                                    </p:animEffect>
+                                  </p:childTnLst>
+                                </p:cTn>
+                              </p:par>
+                              <p:par>
+                                <p:cTn id="22" presetID="16" presetClass="entr" presetSubtype="21" fill="hold" nodeType="withEffect">
+                                  <p:stCondLst>
+                                    <p:cond delay="0"/>
+                                  </p:stCondLst>
+                                  <p:childTnLst>
+                                    <p:set>
+                                      <p:cBhvr>
+                                        <p:cTn id="23" dur="1" fill="hold">
+                                          <p:stCondLst>
+                                            <p:cond delay="0"/>
+                                          </p:stCondLst>
+                                        </p:cTn>
+                                        <p:tgtEl>
+                                          <p:spTgt spid="3">
+                                            <p:txEl>
+                                              <p:pRg st="4" end="4"/>
+                                            </p:txEl>
+                                          </p:spTgt>
+                                        </p:tgtEl>
+                                        <p:attrNameLst>
+                                          <p:attrName>style.visibility</p:attrName>
+                                        </p:attrNameLst>
+                                      </p:cBhvr>
+                                      <p:to>
+                                        <p:strVal val="visible"/>
+                                      </p:to>
+                                    </p:set>
+                                    <p:animEffect transition="in" filter="barn(inVertical)">
+                                      <p:cBhvr>
+                                        <p:cTn id="24" dur="500"/>
+                                        <p:tgtEl>
+                                          <p:spTgt spid="3">
+                                            <p:txEl>
+                                              <p:pRg st="4" end="4"/>
+                                            </p:txEl>
+                                          </p:spTgt>
+                                        </p:tgtEl>
+                                      </p:cBhvr>
+                                    </p:animEffect>
+                                  </p:childTnLst>
+                                </p:cTn>
+                              </p:par>
+                              <p:par>
+                                <p:cTn id="25" presetID="16" presetClass="entr" presetSubtype="21" fill="hold" nodeType="withEffect">
+                                  <p:stCondLst>
+                                    <p:cond delay="0"/>
+                                  </p:stCondLst>
+                                  <p:childTnLst>
+                                    <p:set>
+                                      <p:cBhvr>
+                                        <p:cTn id="26" dur="1" fill="hold">
+                                          <p:stCondLst>
+                                            <p:cond delay="0"/>
+                                          </p:stCondLst>
+                                        </p:cTn>
+                                        <p:tgtEl>
+                                          <p:spTgt spid="3">
+                                            <p:txEl>
+                                              <p:pRg st="5" end="5"/>
+                                            </p:txEl>
+                                          </p:spTgt>
+                                        </p:tgtEl>
+                                        <p:attrNameLst>
+                                          <p:attrName>style.visibility</p:attrName>
+                                        </p:attrNameLst>
+                                      </p:cBhvr>
+                                      <p:to>
+                                        <p:strVal val="visible"/>
+                                      </p:to>
+                                    </p:set>
+                                    <p:animEffect transition="in" filter="barn(inVertical)">
+                                      <p:cBhvr>
+                                        <p:cTn id="27" dur="500"/>
+                                        <p:tgtEl>
+                                          <p:spTgt spid="3">
+                                            <p:txEl>
+                                              <p:pRg st="5" end="5"/>
+                                            </p:txEl>
+                                          </p:spTgt>
+                                        </p:tgtEl>
+                                      </p:cBhvr>
+                                    </p:animEffect>
+                                  </p:childTnLst>
+                                </p:cTn>
+                              </p:par>
+                              <p:par>
+                                <p:cTn id="28" presetID="16" presetClass="entr" presetSubtype="21" fill="hold" nodeType="withEffect">
+                                  <p:stCondLst>
+                                    <p:cond delay="0"/>
+                                  </p:stCondLst>
+                                  <p:childTnLst>
+                                    <p:set>
+                                      <p:cBhvr>
+                                        <p:cTn id="29" dur="1" fill="hold">
+                                          <p:stCondLst>
+                                            <p:cond delay="0"/>
+                                          </p:stCondLst>
+                                        </p:cTn>
+                                        <p:tgtEl>
+                                          <p:spTgt spid="3">
+                                            <p:txEl>
+                                              <p:pRg st="6" end="6"/>
+                                            </p:txEl>
+                                          </p:spTgt>
+                                        </p:tgtEl>
+                                        <p:attrNameLst>
+                                          <p:attrName>style.visibility</p:attrName>
+                                        </p:attrNameLst>
+                                      </p:cBhvr>
+                                      <p:to>
+                                        <p:strVal val="visible"/>
+                                      </p:to>
+                                    </p:set>
+                                    <p:animEffect transition="in" filter="barn(inVertical)">
+                                      <p:cBhvr>
+                                        <p:cTn id="30" dur="500"/>
+                                        <p:tgtEl>
+                                          <p:spTgt spid="3">
+                                            <p:txEl>
+                                              <p:pRg st="6" end="6"/>
+                                            </p:txEl>
+                                          </p:spTgt>
+                                        </p:tgtEl>
+                                      </p:cBhvr>
+                                    </p:animEffect>
+                                  </p:childTnLst>
+                                </p:cTn>
+                              </p:par>
+                              <p:par>
+                                <p:cTn id="31" presetID="16" presetClass="entr" presetSubtype="21" fill="hold" nodeType="withEffect">
+                                  <p:stCondLst>
+                                    <p:cond delay="0"/>
+                                  </p:stCondLst>
+                                  <p:childTnLst>
+                                    <p:set>
+                                      <p:cBhvr>
+                                        <p:cTn id="32" dur="1" fill="hold">
+                                          <p:stCondLst>
+                                            <p:cond delay="0"/>
+                                          </p:stCondLst>
+                                        </p:cTn>
+                                        <p:tgtEl>
+                                          <p:spTgt spid="3">
+                                            <p:txEl>
+                                              <p:pRg st="7" end="7"/>
+                                            </p:txEl>
+                                          </p:spTgt>
+                                        </p:tgtEl>
+                                        <p:attrNameLst>
+                                          <p:attrName>style.visibility</p:attrName>
+                                        </p:attrNameLst>
+                                      </p:cBhvr>
+                                      <p:to>
+                                        <p:strVal val="visible"/>
+                                      </p:to>
+                                    </p:set>
+                                    <p:animEffect transition="in" filter="barn(inVertical)">
+                                      <p:cBhvr>
+                                        <p:cTn id="33" dur="500"/>
+                                        <p:tgtEl>
+                                          <p:spTgt spid="3">
+                                            <p:txEl>
+                                              <p:pRg st="7" end="7"/>
+                                            </p:txEl>
+                                          </p:spTgt>
+                                        </p:tgtEl>
+                                      </p:cBhvr>
+                                    </p:animEffect>
+                                  </p:childTnLst>
+                                </p:cTn>
+                              </p:par>
+                            </p:childTnLst>
+                          </p:cTn>
+                        </p:par>
+                      </p:childTnLst>
+                    </p:cTn>
+                  </p:par>
+                </p:childTnLst>
+              </p:cTn>
+              <p:prevCondLst>
+                <p:cond evt="onPrev" delay="0">
+                  <p:tgtEl>
+                    <p:sldTgt/>
+                  </p:tgtEl>
+                </p:cond>
+              </p:prevCondLst>
+              <p:nextCondLst>
+                <p:cond evt="onNext" delay="0">
+                  <p:tgtEl>
+                    <p:sldTgt/>
+                  </p:tgtEl>
+                </p:cond>
+              </p:nextCondLst>
+            </p:seq>
+          </p:childTnLst>
+        </p:cTn>
+      </p:par>
+    </p:tnLst>
+    <p:bldLst>
+      <p:bldP spid="2" grpId="0"/>
+    </p:bldLst>
+  </p:timing>
+</p:sld>
+</file>
+
+<file path=ppt/slides/slide21.xml><?xml version="1.0" encoding="utf-8"?>
+<p:sld xmlns:a="http://schemas.openxmlformats.org/drawingml/2006/main" xmlns:r="http://schemas.openxmlformats.org/officeDocument/2006/relationships" xmlns:p="http://schemas.openxmlformats.org/presentationml/2006/main">
+  <p:cSld>
+    <p:spTree>
+      <p:nvGrpSpPr>
+        <p:cNvPr id="1" name=""/>
+        <p:cNvGrpSpPr/>
+        <p:nvPr/>
+      </p:nvGrpSpPr>
+      <p:grpSpPr>
+        <a:xfrm>
+          <a:off x="0" y="0"/>
+          <a:ext cx="0" cy="0"/>
+          <a:chOff x="0" y="0"/>
+          <a:chExt cx="0" cy="0"/>
+        </a:xfrm>
+      </p:grpSpPr>
+      <p:sp>
+        <p:nvSpPr>
+          <p:cNvPr id="2" name="Titre 1"/>
+          <p:cNvSpPr>
+            <a:spLocks noGrp="1"/>
+          </p:cNvSpPr>
+          <p:nvPr>
+            <p:ph type="title"/>
+          </p:nvPr>
+        </p:nvSpPr>
+        <p:spPr/>
+        <p:txBody>
+          <a:bodyPr>
+            <a:normAutofit fontScale="90000"/>
+          </a:bodyPr>
+          <a:lstStyle/>
+          <a:p>
+            <a:r>
+              <a:rPr lang="fr-FR" dirty="0">
+                <a:solidFill>
+                  <a:schemeClr val="accent1"/>
+                </a:solidFill>
+              </a:rPr>
+              <a:t>4-Transparence</a:t>
+            </a:r>
+            <a:r>
+              <a:rPr lang="fr-FR" dirty="0"/>
+              <a:t/>
+            </a:r>
+            <a:br>
+              <a:rPr lang="fr-FR" dirty="0"/>
+            </a:br>
+            <a:endParaRPr lang="fr-FR" dirty="0"/>
+          </a:p>
+        </p:txBody>
+      </p:sp>
+      <p:sp>
+        <p:nvSpPr>
+          <p:cNvPr id="3" name="Espace réservé du contenu 2"/>
+          <p:cNvSpPr>
+            <a:spLocks noGrp="1"/>
+          </p:cNvSpPr>
+          <p:nvPr>
+            <p:ph idx="1"/>
+          </p:nvPr>
+        </p:nvSpPr>
+        <p:spPr/>
+        <p:txBody>
+          <a:bodyPr>
+            <a:normAutofit fontScale="92500" lnSpcReduction="10000"/>
+          </a:bodyPr>
+          <a:lstStyle/>
+          <a:p>
+            <a:r>
+              <a:rPr lang="fr-FR" dirty="0" smtClean="0"/>
+              <a:t>Une </a:t>
+            </a:r>
+            <a:r>
+              <a:rPr lang="fr-FR" dirty="0"/>
+              <a:t>bonne interface doit savoir se faire </a:t>
+            </a:r>
+            <a:r>
+              <a:rPr lang="fr-FR" dirty="0" smtClean="0"/>
+              <a:t>oublier, elle doit être:</a:t>
+            </a:r>
+            <a:endParaRPr lang="fr-FR" dirty="0"/>
+          </a:p>
+          <a:p>
+            <a:r>
+              <a:rPr lang="fr-FR" dirty="0" smtClean="0"/>
+              <a:t>intuitive</a:t>
+            </a:r>
+            <a:r>
+              <a:rPr lang="fr-FR" dirty="0"/>
+              <a:t>: manipulation instinctive pour l’utilisateur</a:t>
+            </a:r>
+          </a:p>
+          <a:p>
+            <a:r>
+              <a:rPr lang="fr-FR" dirty="0" smtClean="0"/>
+              <a:t>visuelle</a:t>
+            </a:r>
+            <a:r>
+              <a:rPr lang="fr-FR" dirty="0"/>
+              <a:t>: proposer des choix `a l’utilisateur</a:t>
+            </a:r>
+          </a:p>
+          <a:p>
+            <a:r>
+              <a:rPr lang="fr-FR" dirty="0" smtClean="0"/>
+              <a:t>concise</a:t>
+            </a:r>
+            <a:r>
+              <a:rPr lang="fr-FR" dirty="0"/>
+              <a:t>: limiter le nombre d’interventions de l’utilisateur</a:t>
+            </a:r>
+          </a:p>
+          <a:p>
+            <a:r>
+              <a:rPr lang="fr-FR" dirty="0" smtClean="0"/>
+              <a:t>explicative</a:t>
+            </a:r>
+            <a:r>
+              <a:rPr lang="fr-FR" dirty="0"/>
+              <a:t>: aide et assistance pour l’utilisateur</a:t>
+            </a:r>
+          </a:p>
+          <a:p>
+            <a:r>
+              <a:rPr lang="fr-FR" dirty="0" smtClean="0"/>
+              <a:t>flexible</a:t>
+            </a:r>
+            <a:r>
+              <a:rPr lang="fr-FR" dirty="0"/>
+              <a:t>: personnalisable par l’utilisateur</a:t>
+            </a:r>
+          </a:p>
+        </p:txBody>
+      </p:sp>
+    </p:spTree>
+    <p:extLst>
+      <p:ext uri="{BB962C8B-B14F-4D97-AF65-F5344CB8AC3E}">
+        <p14:creationId xmlns:p14="http://schemas.microsoft.com/office/powerpoint/2010/main" val="1288527841"/>
+      </p:ext>
+    </p:extLst>
+  </p:cSld>
+  <p:clrMapOvr>
+    <a:masterClrMapping/>
+  </p:clrMapOvr>
+  <p:transition spd="slow">
+    <p:wipe dir="d"/>
+  </p:transition>
+  <p:timing>
+    <p:tnLst>
+      <p:par>
+        <p:cTn id="1" dur="indefinite" restart="never" nodeType="tmRoot"/>
+      </p:par>
+    </p:tnLst>
+  </p:timing>
+</p:sld>
+</file>
+
+<file path=ppt/slides/slide22.xml><?xml version="1.0" encoding="utf-8"?>
+<p:sld xmlns:a="http://schemas.openxmlformats.org/drawingml/2006/main" xmlns:r="http://schemas.openxmlformats.org/officeDocument/2006/relationships" xmlns:p="http://schemas.openxmlformats.org/presentationml/2006/main">
+  <p:cSld>
+    <p:spTree>
+      <p:nvGrpSpPr>
+        <p:cNvPr id="1" name=""/>
+        <p:cNvGrpSpPr/>
+        <p:nvPr/>
+      </p:nvGrpSpPr>
+      <p:grpSpPr>
+        <a:xfrm>
+          <a:off x="0" y="0"/>
+          <a:ext cx="0" cy="0"/>
+          <a:chOff x="0" y="0"/>
+          <a:chExt cx="0" cy="0"/>
+        </a:xfrm>
+      </p:grpSpPr>
+      <p:sp>
+        <p:nvSpPr>
           <p:cNvPr id="7" name="TextBox 6"/>
           <p:cNvSpPr txBox="1"/>
           <p:nvPr/>
@@ -10857,7 +16350,7 @@
 </p:sld>
 </file>
 
-<file path=ppt/slides/slide12.xml><?xml version="1.0" encoding="utf-8"?>
+<file path=ppt/slides/slide23.xml><?xml version="1.0" encoding="utf-8"?>
 <p:sld xmlns:a="http://schemas.openxmlformats.org/drawingml/2006/main" xmlns:r="http://schemas.openxmlformats.org/officeDocument/2006/relationships" xmlns:p="http://schemas.openxmlformats.org/presentationml/2006/main">
   <p:cSld>
     <p:spTree>
@@ -10980,7 +16473,7 @@
 </p:sld>
 </file>
 
-<file path=ppt/slides/slide13.xml><?xml version="1.0" encoding="utf-8"?>
+<file path=ppt/slides/slide24.xml><?xml version="1.0" encoding="utf-8"?>
 <p:sld xmlns:a="http://schemas.openxmlformats.org/drawingml/2006/main" xmlns:r="http://schemas.openxmlformats.org/officeDocument/2006/relationships" xmlns:p="http://schemas.openxmlformats.org/presentationml/2006/main">
   <p:cSld>
     <p:spTree>
@@ -11633,7 +17126,7 @@
 </p:sld>
 </file>
 
-<file path=ppt/slides/slide14.xml><?xml version="1.0" encoding="utf-8"?>
+<file path=ppt/slides/slide25.xml><?xml version="1.0" encoding="utf-8"?>
 <p:sld xmlns:a="http://schemas.openxmlformats.org/drawingml/2006/main" xmlns:r="http://schemas.openxmlformats.org/officeDocument/2006/relationships" xmlns:p="http://schemas.openxmlformats.org/presentationml/2006/main">
   <p:cSld>
     <p:spTree>
@@ -11701,7 +17194,7 @@
 </p:sld>
 </file>
 
-<file path=ppt/slides/slide15.xml><?xml version="1.0" encoding="utf-8"?>
+<file path=ppt/slides/slide26.xml><?xml version="1.0" encoding="utf-8"?>
 <p:sld xmlns:a="http://schemas.openxmlformats.org/drawingml/2006/main" xmlns:r="http://schemas.openxmlformats.org/officeDocument/2006/relationships" xmlns:p="http://schemas.openxmlformats.org/presentationml/2006/main">
   <p:cSld>
     <p:spTree>
@@ -12083,7 +17576,7 @@
 </p:sld>
 </file>
 
-<file path=ppt/slides/slide16.xml><?xml version="1.0" encoding="utf-8"?>
+<file path=ppt/slides/slide27.xml><?xml version="1.0" encoding="utf-8"?>
 <p:sld xmlns:a="http://schemas.openxmlformats.org/drawingml/2006/main" xmlns:r="http://schemas.openxmlformats.org/officeDocument/2006/relationships" xmlns:p="http://schemas.openxmlformats.org/presentationml/2006/main">
   <p:cSld>
     <p:spTree>
@@ -12338,7 +17831,7 @@
 </p:sld>
 </file>
 
-<file path=ppt/slides/slide17.xml><?xml version="1.0" encoding="utf-8"?>
+<file path=ppt/slides/slide28.xml><?xml version="1.0" encoding="utf-8"?>
 <p:sld xmlns:a="http://schemas.openxmlformats.org/drawingml/2006/main" xmlns:r="http://schemas.openxmlformats.org/officeDocument/2006/relationships" xmlns:p="http://schemas.openxmlformats.org/presentationml/2006/main">
   <p:cSld>
     <p:spTree>
@@ -12951,7 +18444,7 @@
 </p:sld>
 </file>
 
-<file path=ppt/slides/slide18.xml><?xml version="1.0" encoding="utf-8"?>
+<file path=ppt/slides/slide29.xml><?xml version="1.0" encoding="utf-8"?>
 <p:sld xmlns:a="http://schemas.openxmlformats.org/drawingml/2006/main" xmlns:r="http://schemas.openxmlformats.org/officeDocument/2006/relationships" xmlns:p="http://schemas.openxmlformats.org/presentationml/2006/main">
   <p:cSld>
     <p:spTree>
@@ -13103,7 +18596,140 @@
 </p:sld>
 </file>
 
-<file path=ppt/slides/slide19.xml><?xml version="1.0" encoding="utf-8"?>
+<file path=ppt/slides/slide3.xml><?xml version="1.0" encoding="utf-8"?>
+<p:sld xmlns:a="http://schemas.openxmlformats.org/drawingml/2006/main" xmlns:r="http://schemas.openxmlformats.org/officeDocument/2006/relationships" xmlns:p="http://schemas.openxmlformats.org/presentationml/2006/main">
+  <p:cSld>
+    <p:spTree>
+      <p:nvGrpSpPr>
+        <p:cNvPr id="1" name=""/>
+        <p:cNvGrpSpPr/>
+        <p:nvPr/>
+      </p:nvGrpSpPr>
+      <p:grpSpPr>
+        <a:xfrm>
+          <a:off x="0" y="0"/>
+          <a:ext cx="0" cy="0"/>
+          <a:chOff x="0" y="0"/>
+          <a:chExt cx="0" cy="0"/>
+        </a:xfrm>
+      </p:grpSpPr>
+      <p:sp>
+        <p:nvSpPr>
+          <p:cNvPr id="2" name="Title 1"/>
+          <p:cNvSpPr>
+            <a:spLocks noGrp="1"/>
+          </p:cNvSpPr>
+          <p:nvPr>
+            <p:ph type="title"/>
+            <p:custDataLst>
+              <p:tags r:id="rId2"/>
+            </p:custDataLst>
+          </p:nvPr>
+        </p:nvSpPr>
+        <p:spPr/>
+        <p:txBody>
+          <a:bodyPr>
+            <a:normAutofit/>
+          </a:bodyPr>
+          <a:lstStyle/>
+          <a:p>
+            <a:r>
+              <a:rPr lang="fr-FR" dirty="0" smtClean="0"/>
+              <a:t>Concept</a:t>
+            </a:r>
+            <a:endParaRPr lang="fr-FR" dirty="0"/>
+          </a:p>
+        </p:txBody>
+      </p:sp>
+      <p:sp>
+        <p:nvSpPr>
+          <p:cNvPr id="5" name="Content Placeholder 4"/>
+          <p:cNvSpPr>
+            <a:spLocks noGrp="1"/>
+          </p:cNvSpPr>
+          <p:nvPr>
+            <p:ph idx="1"/>
+            <p:custDataLst>
+              <p:tags r:id="rId3"/>
+            </p:custDataLst>
+          </p:nvPr>
+        </p:nvSpPr>
+        <p:spPr/>
+        <p:txBody>
+          <a:bodyPr>
+            <a:normAutofit lnSpcReduction="10000"/>
+          </a:bodyPr>
+          <a:lstStyle/>
+          <a:p>
+            <a:r>
+              <a:rPr lang="fr-FR" dirty="0"/>
+              <a:t>Les </a:t>
+            </a:r>
+            <a:r>
+              <a:rPr lang="fr-FR" b="1" dirty="0"/>
+              <a:t>interactions homme-machines</a:t>
+            </a:r>
+            <a:r>
+              <a:rPr lang="fr-FR" dirty="0"/>
+              <a:t> (IHM) définissent les moyens et </a:t>
+            </a:r>
+            <a:r>
+              <a:rPr lang="fr-FR" dirty="0">
+                <a:hlinkClick r:id="rId6" tooltip="Outil"/>
+              </a:rPr>
+              <a:t>outils</a:t>
+            </a:r>
+            <a:r>
+              <a:rPr lang="fr-FR" dirty="0"/>
+              <a:t> mis en œuvre afin qu'un humain puisse contrôler et communiquer avec une </a:t>
+            </a:r>
+            <a:r>
+              <a:rPr lang="fr-FR" dirty="0" smtClean="0">
+                <a:hlinkClick r:id="rId7" tooltip="Machine"/>
+              </a:rPr>
+              <a:t>machine</a:t>
+            </a:r>
+            <a:endParaRPr lang="fr-FR" dirty="0" smtClean="0"/>
+          </a:p>
+          <a:p>
+            <a:r>
+              <a:rPr lang="fr-FR" dirty="0"/>
+              <a:t>IHM a comme but de trouver les moyens le plus efficaces, les plus accessibles les plus intuitives pour utilisateurs afin de compléter une tache le plus rapidement et le plus précisément possible</a:t>
+            </a:r>
+          </a:p>
+          <a:p>
+            <a:endParaRPr lang="fr-FR" dirty="0" smtClean="0"/>
+          </a:p>
+          <a:p>
+            <a:endParaRPr lang="fr-FR" dirty="0" smtClean="0"/>
+          </a:p>
+          <a:p>
+            <a:endParaRPr lang="fr-FR" dirty="0"/>
+          </a:p>
+        </p:txBody>
+      </p:sp>
+    </p:spTree>
+    <p:custDataLst>
+      <p:tags r:id="rId1"/>
+    </p:custDataLst>
+  </p:cSld>
+  <p:clrMapOvr>
+    <a:masterClrMapping/>
+  </p:clrMapOvr>
+  <p:transition spd="slow">
+    <p:wipe dir="d"/>
+  </p:transition>
+  <p:timing>
+    <p:tnLst>
+      <p:par>
+        <p:cTn id="1" dur="indefinite" restart="never" nodeType="tmRoot"/>
+      </p:par>
+    </p:tnLst>
+  </p:timing>
+</p:sld>
+</file>
+
+<file path=ppt/slides/slide30.xml><?xml version="1.0" encoding="utf-8"?>
 <p:sld xmlns:a="http://schemas.openxmlformats.org/drawingml/2006/main" xmlns:r="http://schemas.openxmlformats.org/officeDocument/2006/relationships" xmlns:p="http://schemas.openxmlformats.org/presentationml/2006/main">
   <p:cSld>
     <p:spTree>
@@ -13242,446 +18868,7 @@
 </p:sld>
 </file>
 
-<file path=ppt/slides/slide2.xml><?xml version="1.0" encoding="utf-8"?>
-<p:sld xmlns:a="http://schemas.openxmlformats.org/drawingml/2006/main" xmlns:r="http://schemas.openxmlformats.org/officeDocument/2006/relationships" xmlns:p="http://schemas.openxmlformats.org/presentationml/2006/main">
-  <p:cSld>
-    <p:spTree>
-      <p:nvGrpSpPr>
-        <p:cNvPr id="1" name=""/>
-        <p:cNvGrpSpPr/>
-        <p:nvPr/>
-      </p:nvGrpSpPr>
-      <p:grpSpPr>
-        <a:xfrm>
-          <a:off x="0" y="0"/>
-          <a:ext cx="0" cy="0"/>
-          <a:chOff x="0" y="0"/>
-          <a:chExt cx="0" cy="0"/>
-        </a:xfrm>
-      </p:grpSpPr>
-      <p:graphicFrame>
-        <p:nvGraphicFramePr>
-          <p:cNvPr id="3" name="Diagram 2"/>
-          <p:cNvGraphicFramePr/>
-          <p:nvPr>
-            <p:extLst>
-              <p:ext uri="{D42A27DB-BD31-4B8C-83A1-F6EECF244321}">
-                <p14:modId xmlns:p14="http://schemas.microsoft.com/office/powerpoint/2010/main" val="4139913966"/>
-              </p:ext>
-            </p:extLst>
-          </p:nvPr>
-        </p:nvGraphicFramePr>
-        <p:xfrm>
-          <a:off x="1828800" y="1752600"/>
-          <a:ext cx="6096000" cy="4064000"/>
-        </p:xfrm>
-        <a:graphic>
-          <a:graphicData uri="http://schemas.openxmlformats.org/drawingml/2006/diagram">
-            <dgm:relIds xmlns:dgm="http://schemas.openxmlformats.org/drawingml/2006/diagram" xmlns:r="http://schemas.openxmlformats.org/officeDocument/2006/relationships" r:dm="rId3" r:lo="rId4" r:qs="rId5" r:cs="rId6"/>
-          </a:graphicData>
-        </a:graphic>
-      </p:graphicFrame>
-      <p:sp>
-        <p:nvSpPr>
-          <p:cNvPr id="2" name="Title 1"/>
-          <p:cNvSpPr>
-            <a:spLocks noGrp="1"/>
-          </p:cNvSpPr>
-          <p:nvPr>
-            <p:ph type="title"/>
-          </p:nvPr>
-        </p:nvSpPr>
-        <p:spPr>
-          <a:xfrm>
-            <a:off x="755576" y="332656"/>
-            <a:ext cx="8077200" cy="1143000"/>
-          </a:xfrm>
-        </p:spPr>
-        <p:txBody>
-          <a:bodyPr/>
-          <a:lstStyle/>
-          <a:p>
-            <a:r>
-              <a:rPr lang="fr-FR" dirty="0" smtClean="0"/>
-              <a:t>Présentation</a:t>
-            </a:r>
-            <a:endParaRPr lang="fr-FR" dirty="0"/>
-          </a:p>
-        </p:txBody>
-      </p:sp>
-    </p:spTree>
-  </p:cSld>
-  <p:clrMapOvr>
-    <a:masterClrMapping/>
-  </p:clrMapOvr>
-  <p:transition>
-    <p:fade/>
-  </p:transition>
-  <p:timing>
-    <p:tnLst>
-      <p:par>
-        <p:cTn id="1" dur="indefinite" restart="never" nodeType="tmRoot">
-          <p:childTnLst>
-            <p:seq concurrent="1" nextAc="seek">
-              <p:cTn id="2" dur="indefinite" nodeType="mainSeq">
-                <p:childTnLst>
-                  <p:par>
-                    <p:cTn id="3" fill="hold">
-                      <p:stCondLst>
-                        <p:cond delay="indefinite"/>
-                        <p:cond evt="onBegin" delay="0">
-                          <p:tn val="2"/>
-                        </p:cond>
-                      </p:stCondLst>
-                      <p:childTnLst>
-                        <p:par>
-                          <p:cTn id="4" fill="hold">
-                            <p:stCondLst>
-                              <p:cond delay="0"/>
-                            </p:stCondLst>
-                            <p:childTnLst>
-                              <p:par>
-                                <p:cTn id="5" presetID="22" presetClass="entr" presetSubtype="8" fill="hold" grpId="0" nodeType="afterEffect">
-                                  <p:stCondLst>
-                                    <p:cond delay="0"/>
-                                  </p:stCondLst>
-                                  <p:childTnLst>
-                                    <p:set>
-                                      <p:cBhvr>
-                                        <p:cTn id="6" dur="1" fill="hold">
-                                          <p:stCondLst>
-                                            <p:cond delay="0"/>
-                                          </p:stCondLst>
-                                        </p:cTn>
-                                        <p:tgtEl>
-                                          <p:spTgt spid="3">
-                                            <p:graphicEl>
-                                              <a:dgm id="{7E429971-BC57-430F-BB25-C0574E5E39E3}"/>
-                                            </p:graphicEl>
-                                          </p:spTgt>
-                                        </p:tgtEl>
-                                        <p:attrNameLst>
-                                          <p:attrName>style.visibility</p:attrName>
-                                        </p:attrNameLst>
-                                      </p:cBhvr>
-                                      <p:to>
-                                        <p:strVal val="visible"/>
-                                      </p:to>
-                                    </p:set>
-                                    <p:animEffect transition="in" filter="wipe(left)">
-                                      <p:cBhvr>
-                                        <p:cTn id="7" dur="500"/>
-                                        <p:tgtEl>
-                                          <p:spTgt spid="3">
-                                            <p:graphicEl>
-                                              <a:dgm id="{7E429971-BC57-430F-BB25-C0574E5E39E3}"/>
-                                            </p:graphicEl>
-                                          </p:spTgt>
-                                        </p:tgtEl>
-                                      </p:cBhvr>
-                                    </p:animEffect>
-                                  </p:childTnLst>
-                                </p:cTn>
-                              </p:par>
-                            </p:childTnLst>
-                          </p:cTn>
-                        </p:par>
-                        <p:par>
-                          <p:cTn id="8" fill="hold">
-                            <p:stCondLst>
-                              <p:cond delay="500"/>
-                            </p:stCondLst>
-                            <p:childTnLst>
-                              <p:par>
-                                <p:cTn id="9" presetID="22" presetClass="entr" presetSubtype="8" fill="hold" grpId="0" nodeType="afterEffect">
-                                  <p:stCondLst>
-                                    <p:cond delay="0"/>
-                                  </p:stCondLst>
-                                  <p:childTnLst>
-                                    <p:set>
-                                      <p:cBhvr>
-                                        <p:cTn id="10" dur="1" fill="hold">
-                                          <p:stCondLst>
-                                            <p:cond delay="0"/>
-                                          </p:stCondLst>
-                                        </p:cTn>
-                                        <p:tgtEl>
-                                          <p:spTgt spid="3">
-                                            <p:graphicEl>
-                                              <a:dgm id="{D54B1729-BC98-42C1-9C6C-D65DCBA4358F}"/>
-                                            </p:graphicEl>
-                                          </p:spTgt>
-                                        </p:tgtEl>
-                                        <p:attrNameLst>
-                                          <p:attrName>style.visibility</p:attrName>
-                                        </p:attrNameLst>
-                                      </p:cBhvr>
-                                      <p:to>
-                                        <p:strVal val="visible"/>
-                                      </p:to>
-                                    </p:set>
-                                    <p:animEffect transition="in" filter="wipe(left)">
-                                      <p:cBhvr>
-                                        <p:cTn id="11" dur="500"/>
-                                        <p:tgtEl>
-                                          <p:spTgt spid="3">
-                                            <p:graphicEl>
-                                              <a:dgm id="{D54B1729-BC98-42C1-9C6C-D65DCBA4358F}"/>
-                                            </p:graphicEl>
-                                          </p:spTgt>
-                                        </p:tgtEl>
-                                      </p:cBhvr>
-                                    </p:animEffect>
-                                  </p:childTnLst>
-                                </p:cTn>
-                              </p:par>
-                            </p:childTnLst>
-                          </p:cTn>
-                        </p:par>
-                        <p:par>
-                          <p:cTn id="12" fill="hold">
-                            <p:stCondLst>
-                              <p:cond delay="1000"/>
-                            </p:stCondLst>
-                            <p:childTnLst>
-                              <p:par>
-                                <p:cTn id="13" presetID="22" presetClass="entr" presetSubtype="8" fill="hold" grpId="0" nodeType="afterEffect">
-                                  <p:stCondLst>
-                                    <p:cond delay="0"/>
-                                  </p:stCondLst>
-                                  <p:childTnLst>
-                                    <p:set>
-                                      <p:cBhvr>
-                                        <p:cTn id="14" dur="1" fill="hold">
-                                          <p:stCondLst>
-                                            <p:cond delay="0"/>
-                                          </p:stCondLst>
-                                        </p:cTn>
-                                        <p:tgtEl>
-                                          <p:spTgt spid="3">
-                                            <p:graphicEl>
-                                              <a:dgm id="{C04276DC-EE64-470A-B8BC-09067B8045FA}"/>
-                                            </p:graphicEl>
-                                          </p:spTgt>
-                                        </p:tgtEl>
-                                        <p:attrNameLst>
-                                          <p:attrName>style.visibility</p:attrName>
-                                        </p:attrNameLst>
-                                      </p:cBhvr>
-                                      <p:to>
-                                        <p:strVal val="visible"/>
-                                      </p:to>
-                                    </p:set>
-                                    <p:animEffect transition="in" filter="wipe(left)">
-                                      <p:cBhvr>
-                                        <p:cTn id="15" dur="500"/>
-                                        <p:tgtEl>
-                                          <p:spTgt spid="3">
-                                            <p:graphicEl>
-                                              <a:dgm id="{C04276DC-EE64-470A-B8BC-09067B8045FA}"/>
-                                            </p:graphicEl>
-                                          </p:spTgt>
-                                        </p:tgtEl>
-                                      </p:cBhvr>
-                                    </p:animEffect>
-                                  </p:childTnLst>
-                                </p:cTn>
-                              </p:par>
-                            </p:childTnLst>
-                          </p:cTn>
-                        </p:par>
-                        <p:par>
-                          <p:cTn id="16" fill="hold">
-                            <p:stCondLst>
-                              <p:cond delay="1500"/>
-                            </p:stCondLst>
-                            <p:childTnLst>
-                              <p:par>
-                                <p:cTn id="17" presetID="22" presetClass="entr" presetSubtype="8" fill="hold" grpId="0" nodeType="afterEffect">
-                                  <p:stCondLst>
-                                    <p:cond delay="0"/>
-                                  </p:stCondLst>
-                                  <p:childTnLst>
-                                    <p:set>
-                                      <p:cBhvr>
-                                        <p:cTn id="18" dur="1" fill="hold">
-                                          <p:stCondLst>
-                                            <p:cond delay="0"/>
-                                          </p:stCondLst>
-                                        </p:cTn>
-                                        <p:tgtEl>
-                                          <p:spTgt spid="3">
-                                            <p:graphicEl>
-                                              <a:dgm id="{B37A5355-225B-4C6F-AED7-6C620F99EECC}"/>
-                                            </p:graphicEl>
-                                          </p:spTgt>
-                                        </p:tgtEl>
-                                        <p:attrNameLst>
-                                          <p:attrName>style.visibility</p:attrName>
-                                        </p:attrNameLst>
-                                      </p:cBhvr>
-                                      <p:to>
-                                        <p:strVal val="visible"/>
-                                      </p:to>
-                                    </p:set>
-                                    <p:animEffect transition="in" filter="wipe(left)">
-                                      <p:cBhvr>
-                                        <p:cTn id="19" dur="500"/>
-                                        <p:tgtEl>
-                                          <p:spTgt spid="3">
-                                            <p:graphicEl>
-                                              <a:dgm id="{B37A5355-225B-4C6F-AED7-6C620F99EECC}"/>
-                                            </p:graphicEl>
-                                          </p:spTgt>
-                                        </p:tgtEl>
-                                      </p:cBhvr>
-                                    </p:animEffect>
-                                  </p:childTnLst>
-                                </p:cTn>
-                              </p:par>
-                            </p:childTnLst>
-                          </p:cTn>
-                        </p:par>
-                        <p:par>
-                          <p:cTn id="20" fill="hold">
-                            <p:stCondLst>
-                              <p:cond delay="2000"/>
-                            </p:stCondLst>
-                            <p:childTnLst>
-                              <p:par>
-                                <p:cTn id="21" presetID="22" presetClass="entr" presetSubtype="8" fill="hold" grpId="0" nodeType="afterEffect">
-                                  <p:stCondLst>
-                                    <p:cond delay="0"/>
-                                  </p:stCondLst>
-                                  <p:childTnLst>
-                                    <p:set>
-                                      <p:cBhvr>
-                                        <p:cTn id="22" dur="1" fill="hold">
-                                          <p:stCondLst>
-                                            <p:cond delay="0"/>
-                                          </p:stCondLst>
-                                        </p:cTn>
-                                        <p:tgtEl>
-                                          <p:spTgt spid="3">
-                                            <p:graphicEl>
-                                              <a:dgm id="{F5034101-5B7D-4FE7-B47A-5A48CF39606B}"/>
-                                            </p:graphicEl>
-                                          </p:spTgt>
-                                        </p:tgtEl>
-                                        <p:attrNameLst>
-                                          <p:attrName>style.visibility</p:attrName>
-                                        </p:attrNameLst>
-                                      </p:cBhvr>
-                                      <p:to>
-                                        <p:strVal val="visible"/>
-                                      </p:to>
-                                    </p:set>
-                                    <p:animEffect transition="in" filter="wipe(left)">
-                                      <p:cBhvr>
-                                        <p:cTn id="23" dur="500"/>
-                                        <p:tgtEl>
-                                          <p:spTgt spid="3">
-                                            <p:graphicEl>
-                                              <a:dgm id="{F5034101-5B7D-4FE7-B47A-5A48CF39606B}"/>
-                                            </p:graphicEl>
-                                          </p:spTgt>
-                                        </p:tgtEl>
-                                      </p:cBhvr>
-                                    </p:animEffect>
-                                  </p:childTnLst>
-                                </p:cTn>
-                              </p:par>
-                            </p:childTnLst>
-                          </p:cTn>
-                        </p:par>
-                        <p:par>
-                          <p:cTn id="24" fill="hold">
-                            <p:stCondLst>
-                              <p:cond delay="2500"/>
-                            </p:stCondLst>
-                            <p:childTnLst>
-                              <p:par>
-                                <p:cTn id="25" presetID="22" presetClass="entr" presetSubtype="8" fill="hold" grpId="0" nodeType="afterEffect">
-                                  <p:stCondLst>
-                                    <p:cond delay="0"/>
-                                  </p:stCondLst>
-                                  <p:childTnLst>
-                                    <p:set>
-                                      <p:cBhvr>
-                                        <p:cTn id="26" dur="1" fill="hold">
-                                          <p:stCondLst>
-                                            <p:cond delay="0"/>
-                                          </p:stCondLst>
-                                        </p:cTn>
-                                        <p:tgtEl>
-                                          <p:spTgt spid="3">
-                                            <p:graphicEl>
-                                              <a:dgm id="{C7C3E6FD-D83F-4BDA-907E-B5EE041DA931}"/>
-                                            </p:graphicEl>
-                                          </p:spTgt>
-                                        </p:tgtEl>
-                                        <p:attrNameLst>
-                                          <p:attrName>style.visibility</p:attrName>
-                                        </p:attrNameLst>
-                                      </p:cBhvr>
-                                      <p:to>
-                                        <p:strVal val="visible"/>
-                                      </p:to>
-                                    </p:set>
-                                    <p:animEffect transition="in" filter="wipe(left)">
-                                      <p:cBhvr>
-                                        <p:cTn id="27" dur="500"/>
-                                        <p:tgtEl>
-                                          <p:spTgt spid="3">
-                                            <p:graphicEl>
-                                              <a:dgm id="{C7C3E6FD-D83F-4BDA-907E-B5EE041DA931}"/>
-                                            </p:graphicEl>
-                                          </p:spTgt>
-                                        </p:tgtEl>
-                                      </p:cBhvr>
-                                    </p:animEffect>
-                                  </p:childTnLst>
-                                </p:cTn>
-                              </p:par>
-                            </p:childTnLst>
-                          </p:cTn>
-                        </p:par>
-                      </p:childTnLst>
-                    </p:cTn>
-                  </p:par>
-                </p:childTnLst>
-              </p:cTn>
-              <p:prevCondLst>
-                <p:cond evt="onPrev" delay="0">
-                  <p:tgtEl>
-                    <p:sldTgt/>
-                  </p:tgtEl>
-                </p:cond>
-              </p:prevCondLst>
-              <p:nextCondLst>
-                <p:cond evt="onNext" delay="0">
-                  <p:tgtEl>
-                    <p:sldTgt/>
-                  </p:tgtEl>
-                </p:cond>
-              </p:nextCondLst>
-            </p:seq>
-          </p:childTnLst>
-        </p:cTn>
-      </p:par>
-    </p:tnLst>
-    <p:bldLst>
-      <p:bldGraphic spid="3" grpId="0" uiExpand="1">
-        <p:bldSub>
-          <a:bldDgm bld="one"/>
-        </p:bldSub>
-      </p:bldGraphic>
-    </p:bldLst>
-  </p:timing>
-</p:sld>
-</file>
-
-<file path=ppt/slides/slide20.xml><?xml version="1.0" encoding="utf-8"?>
+<file path=ppt/slides/slide31.xml><?xml version="1.0" encoding="utf-8"?>
 <p:sld xmlns:a="http://schemas.openxmlformats.org/drawingml/2006/main" xmlns:r="http://schemas.openxmlformats.org/officeDocument/2006/relationships" xmlns:p="http://schemas.openxmlformats.org/presentationml/2006/main">
   <p:cSld>
     <p:spTree>
@@ -14478,7 +19665,7 @@
 </p:sld>
 </file>
 
-<file path=ppt/slides/slide21.xml><?xml version="1.0" encoding="utf-8"?>
+<file path=ppt/slides/slide32.xml><?xml version="1.0" encoding="utf-8"?>
 <p:sld xmlns:a="http://schemas.openxmlformats.org/drawingml/2006/main" xmlns:r="http://schemas.openxmlformats.org/officeDocument/2006/relationships" xmlns:p="http://schemas.openxmlformats.org/presentationml/2006/main">
   <p:cSld>
     <p:spTree>
@@ -14644,7 +19831,7 @@
 </p:sld>
 </file>
 
-<file path=ppt/slides/slide22.xml><?xml version="1.0" encoding="utf-8"?>
+<file path=ppt/slides/slide33.xml><?xml version="1.0" encoding="utf-8"?>
 <p:sld xmlns:a="http://schemas.openxmlformats.org/drawingml/2006/main" xmlns:r="http://schemas.openxmlformats.org/officeDocument/2006/relationships" xmlns:p="http://schemas.openxmlformats.org/presentationml/2006/main">
   <p:cSld>
     <p:spTree>
@@ -14712,7 +19899,7 @@
 </p:sld>
 </file>
 
-<file path=ppt/slides/slide23.xml><?xml version="1.0" encoding="utf-8"?>
+<file path=ppt/slides/slide34.xml><?xml version="1.0" encoding="utf-8"?>
 <p:sld xmlns:a="http://schemas.openxmlformats.org/drawingml/2006/main" xmlns:r="http://schemas.openxmlformats.org/officeDocument/2006/relationships" xmlns:p="http://schemas.openxmlformats.org/presentationml/2006/main">
   <p:cSld>
     <p:spTree>
@@ -14767,139 +19954,6 @@
   </p:clrMapOvr>
   <p:transition>
     <p:fade/>
-  </p:transition>
-  <p:timing>
-    <p:tnLst>
-      <p:par>
-        <p:cTn id="1" dur="indefinite" restart="never" nodeType="tmRoot"/>
-      </p:par>
-    </p:tnLst>
-  </p:timing>
-</p:sld>
-</file>
-
-<file path=ppt/slides/slide3.xml><?xml version="1.0" encoding="utf-8"?>
-<p:sld xmlns:a="http://schemas.openxmlformats.org/drawingml/2006/main" xmlns:r="http://schemas.openxmlformats.org/officeDocument/2006/relationships" xmlns:p="http://schemas.openxmlformats.org/presentationml/2006/main">
-  <p:cSld>
-    <p:spTree>
-      <p:nvGrpSpPr>
-        <p:cNvPr id="1" name=""/>
-        <p:cNvGrpSpPr/>
-        <p:nvPr/>
-      </p:nvGrpSpPr>
-      <p:grpSpPr>
-        <a:xfrm>
-          <a:off x="0" y="0"/>
-          <a:ext cx="0" cy="0"/>
-          <a:chOff x="0" y="0"/>
-          <a:chExt cx="0" cy="0"/>
-        </a:xfrm>
-      </p:grpSpPr>
-      <p:sp>
-        <p:nvSpPr>
-          <p:cNvPr id="2" name="Title 1"/>
-          <p:cNvSpPr>
-            <a:spLocks noGrp="1"/>
-          </p:cNvSpPr>
-          <p:nvPr>
-            <p:ph type="title"/>
-            <p:custDataLst>
-              <p:tags r:id="rId2"/>
-            </p:custDataLst>
-          </p:nvPr>
-        </p:nvSpPr>
-        <p:spPr/>
-        <p:txBody>
-          <a:bodyPr>
-            <a:normAutofit/>
-          </a:bodyPr>
-          <a:lstStyle/>
-          <a:p>
-            <a:r>
-              <a:rPr lang="fr-FR" dirty="0" smtClean="0"/>
-              <a:t>Concept</a:t>
-            </a:r>
-            <a:endParaRPr lang="fr-FR" dirty="0"/>
-          </a:p>
-        </p:txBody>
-      </p:sp>
-      <p:sp>
-        <p:nvSpPr>
-          <p:cNvPr id="5" name="Content Placeholder 4"/>
-          <p:cNvSpPr>
-            <a:spLocks noGrp="1"/>
-          </p:cNvSpPr>
-          <p:nvPr>
-            <p:ph idx="1"/>
-            <p:custDataLst>
-              <p:tags r:id="rId3"/>
-            </p:custDataLst>
-          </p:nvPr>
-        </p:nvSpPr>
-        <p:spPr/>
-        <p:txBody>
-          <a:bodyPr>
-            <a:normAutofit lnSpcReduction="10000"/>
-          </a:bodyPr>
-          <a:lstStyle/>
-          <a:p>
-            <a:r>
-              <a:rPr lang="fr-FR" dirty="0"/>
-              <a:t>Les </a:t>
-            </a:r>
-            <a:r>
-              <a:rPr lang="fr-FR" b="1" dirty="0"/>
-              <a:t>interactions homme-machines</a:t>
-            </a:r>
-            <a:r>
-              <a:rPr lang="fr-FR" dirty="0"/>
-              <a:t> (IHM) définissent les moyens et </a:t>
-            </a:r>
-            <a:r>
-              <a:rPr lang="fr-FR" dirty="0">
-                <a:hlinkClick r:id="rId6" tooltip="Outil"/>
-              </a:rPr>
-              <a:t>outils</a:t>
-            </a:r>
-            <a:r>
-              <a:rPr lang="fr-FR" dirty="0"/>
-              <a:t> mis en œuvre afin qu'un humain puisse contrôler et communiquer avec une </a:t>
-            </a:r>
-            <a:r>
-              <a:rPr lang="fr-FR" dirty="0" smtClean="0">
-                <a:hlinkClick r:id="rId7" tooltip="Machine"/>
-              </a:rPr>
-              <a:t>machine</a:t>
-            </a:r>
-            <a:endParaRPr lang="fr-FR" dirty="0" smtClean="0"/>
-          </a:p>
-          <a:p>
-            <a:r>
-              <a:rPr lang="fr-FR" dirty="0"/>
-              <a:t>IHM a comme but de trouver les moyens le plus efficaces, les plus accessibles les plus intuitives pour utilisateurs afin de compléter une tache le plus rapidement et le plus précisément possible</a:t>
-            </a:r>
-          </a:p>
-          <a:p>
-            <a:endParaRPr lang="fr-FR" dirty="0" smtClean="0"/>
-          </a:p>
-          <a:p>
-            <a:endParaRPr lang="fr-FR" dirty="0" smtClean="0"/>
-          </a:p>
-          <a:p>
-            <a:endParaRPr lang="fr-FR" dirty="0"/>
-          </a:p>
-        </p:txBody>
-      </p:sp>
-    </p:spTree>
-    <p:custDataLst>
-      <p:tags r:id="rId1"/>
-    </p:custDataLst>
-  </p:cSld>
-  <p:clrMapOvr>
-    <a:masterClrMapping/>
-  </p:clrMapOvr>
-  <p:transition spd="slow">
-    <p:wipe dir="d"/>
   </p:transition>
   <p:timing>
     <p:tnLst>
@@ -15235,7 +20289,6 @@
               <a:rPr lang="fr-FR" sz="2700" dirty="0"/>
               <a:t>permet la recherche d'information et qui invente les concepts de navigation, indexation, annotation</a:t>
             </a:r>
-            <a:endParaRPr lang="fr-FR" sz="2700" dirty="0"/>
           </a:p>
         </p:txBody>
       </p:sp>
@@ -15441,7 +20494,6 @@
               <a:rPr lang="fr-FR" dirty="0"/>
               <a:t> pour facilement désigner des objets sur son écran</a:t>
             </a:r>
-            <a:endParaRPr lang="fr-FR" dirty="0"/>
           </a:p>
         </p:txBody>
       </p:sp>

--- a/INTERFACE.pptx
+++ b/INTERFACE.pptx
@@ -5,10 +5,10 @@
     <p:sldMasterId id="2147483648" r:id="rId1"/>
   </p:sldMasterIdLst>
   <p:notesMasterIdLst>
-    <p:notesMasterId r:id="rId25"/>
+    <p:notesMasterId r:id="rId36"/>
   </p:notesMasterIdLst>
   <p:handoutMasterIdLst>
-    <p:handoutMasterId r:id="rId26"/>
+    <p:handoutMasterId r:id="rId37"/>
   </p:handoutMasterIdLst>
   <p:sldIdLst>
     <p:sldId id="259" r:id="rId2"/>
@@ -21,19 +21,30 @@
     <p:sldId id="290" r:id="rId9"/>
     <p:sldId id="291" r:id="rId10"/>
     <p:sldId id="281" r:id="rId11"/>
-    <p:sldId id="282" r:id="rId12"/>
-    <p:sldId id="283" r:id="rId13"/>
-    <p:sldId id="287" r:id="rId14"/>
-    <p:sldId id="286" r:id="rId15"/>
-    <p:sldId id="267" r:id="rId16"/>
-    <p:sldId id="268" r:id="rId17"/>
-    <p:sldId id="269" r:id="rId18"/>
-    <p:sldId id="270" r:id="rId19"/>
-    <p:sldId id="274" r:id="rId20"/>
-    <p:sldId id="275" r:id="rId21"/>
-    <p:sldId id="276" r:id="rId22"/>
-    <p:sldId id="277" r:id="rId23"/>
-    <p:sldId id="278" r:id="rId24"/>
+    <p:sldId id="292" r:id="rId12"/>
+    <p:sldId id="293" r:id="rId13"/>
+    <p:sldId id="294" r:id="rId14"/>
+    <p:sldId id="295" r:id="rId15"/>
+    <p:sldId id="296" r:id="rId16"/>
+    <p:sldId id="297" r:id="rId17"/>
+    <p:sldId id="298" r:id="rId18"/>
+    <p:sldId id="299" r:id="rId19"/>
+    <p:sldId id="300" r:id="rId20"/>
+    <p:sldId id="301" r:id="rId21"/>
+    <p:sldId id="302" r:id="rId22"/>
+    <p:sldId id="282" r:id="rId23"/>
+    <p:sldId id="283" r:id="rId24"/>
+    <p:sldId id="287" r:id="rId25"/>
+    <p:sldId id="286" r:id="rId26"/>
+    <p:sldId id="267" r:id="rId27"/>
+    <p:sldId id="268" r:id="rId28"/>
+    <p:sldId id="269" r:id="rId29"/>
+    <p:sldId id="270" r:id="rId30"/>
+    <p:sldId id="274" r:id="rId31"/>
+    <p:sldId id="275" r:id="rId32"/>
+    <p:sldId id="276" r:id="rId33"/>
+    <p:sldId id="277" r:id="rId34"/>
+    <p:sldId id="278" r:id="rId35"/>
   </p:sldIdLst>
   <p:sldSz cx="9144000" cy="6858000" type="screen4x3"/>
   <p:notesSz cx="6858000" cy="9144000"/>
@@ -151,6 +162,17 @@
             <p14:sldId id="290"/>
             <p14:sldId id="291"/>
             <p14:sldId id="281"/>
+            <p14:sldId id="292"/>
+            <p14:sldId id="293"/>
+            <p14:sldId id="294"/>
+            <p14:sldId id="295"/>
+            <p14:sldId id="296"/>
+            <p14:sldId id="297"/>
+            <p14:sldId id="298"/>
+            <p14:sldId id="299"/>
+            <p14:sldId id="300"/>
+            <p14:sldId id="301"/>
+            <p14:sldId id="302"/>
             <p14:sldId id="282"/>
             <p14:sldId id="283"/>
             <p14:sldId id="287"/>
@@ -282,11 +304,11 @@
         </c:dLbls>
         <c:marker val="1"/>
         <c:smooth val="0"/>
-        <c:axId val="145052800"/>
-        <c:axId val="145054336"/>
+        <c:axId val="38932480"/>
+        <c:axId val="38934016"/>
       </c:lineChart>
       <c:catAx>
-        <c:axId val="145052800"/>
+        <c:axId val="38932480"/>
         <c:scaling>
           <c:orientation val="minMax"/>
         </c:scaling>
@@ -295,7 +317,7 @@
         <c:majorTickMark val="out"/>
         <c:minorTickMark val="none"/>
         <c:tickLblPos val="nextTo"/>
-        <c:crossAx val="145054336"/>
+        <c:crossAx val="38934016"/>
         <c:crosses val="autoZero"/>
         <c:auto val="1"/>
         <c:lblAlgn val="ctr"/>
@@ -303,7 +325,7 @@
         <c:noMultiLvlLbl val="0"/>
       </c:catAx>
       <c:valAx>
-        <c:axId val="145054336"/>
+        <c:axId val="38934016"/>
         <c:scaling>
           <c:orientation val="minMax"/>
         </c:scaling>
@@ -314,7 +336,7 @@
         <c:majorTickMark val="out"/>
         <c:minorTickMark val="none"/>
         <c:tickLblPos val="nextTo"/>
-        <c:crossAx val="145052800"/>
+        <c:crossAx val="38932480"/>
         <c:crosses val="autoZero"/>
         <c:crossBetween val="between"/>
       </c:valAx>
@@ -4489,7 +4511,7 @@
             <a:fld id="{75693FD4-8F83-4EF7-AC3F-0DC0388986B0}" type="slidenum">
               <a:rPr lang="fr-FR" smtClean="0"/>
               <a:pPr/>
-              <a:t>11</a:t>
+              <a:t>22</a:t>
             </a:fld>
             <a:endParaRPr lang="fr-FR"/>
           </a:p>
@@ -4569,7 +4591,7 @@
             <a:fld id="{75693FD4-8F83-4EF7-AC3F-0DC0388986B0}" type="slidenum">
               <a:rPr lang="fr-FR" smtClean="0"/>
               <a:pPr/>
-              <a:t>12</a:t>
+              <a:t>23</a:t>
             </a:fld>
             <a:endParaRPr lang="fr-FR"/>
           </a:p>
@@ -4692,7 +4714,7 @@
             <a:fld id="{EC6EAC7D-5A89-47C2-8ABA-56C9C2DEF7A4}" type="slidenum">
               <a:rPr lang="fr-FR" smtClean="0"/>
               <a:pPr/>
-              <a:t>13</a:t>
+              <a:t>24</a:t>
             </a:fld>
             <a:endParaRPr lang="fr-FR"/>
           </a:p>
@@ -4795,7 +4817,7 @@
             <a:fld id="{75693FD4-8F83-4EF7-AC3F-0DC0388986B0}" type="slidenum">
               <a:rPr lang="fr-FR" smtClean="0"/>
               <a:pPr/>
-              <a:t>14</a:t>
+              <a:t>25</a:t>
             </a:fld>
             <a:endParaRPr lang="fr-FR" dirty="0"/>
           </a:p>
@@ -4899,7 +4921,7 @@
             <a:fld id="{EC6EAC7D-5A89-47C2-8ABA-56C9C2DEF7A4}" type="slidenum">
               <a:rPr lang="fr-FR" smtClean="0"/>
               <a:pPr/>
-              <a:t>15</a:t>
+              <a:t>26</a:t>
             </a:fld>
             <a:endParaRPr lang="fr-FR"/>
           </a:p>
@@ -4987,7 +5009,7 @@
             <a:fld id="{EC6EAC7D-5A89-47C2-8ABA-56C9C2DEF7A4}" type="slidenum">
               <a:rPr lang="fr-FR" smtClean="0"/>
               <a:pPr/>
-              <a:t>16</a:t>
+              <a:t>27</a:t>
             </a:fld>
             <a:endParaRPr lang="fr-FR"/>
           </a:p>
@@ -5091,7 +5113,7 @@
             <a:fld id="{F2C51ECC-86A3-4073-ADEB-F5E3C216F85C}" type="slidenum">
               <a:rPr lang="fr-FR" smtClean="0"/>
               <a:pPr/>
-              <a:t>17</a:t>
+              <a:t>28</a:t>
             </a:fld>
             <a:endParaRPr lang="fr-FR" smtClean="0"/>
           </a:p>
@@ -5239,7 +5261,7 @@
             <a:fld id="{ED19570C-A909-40C0-B9F8-7AD3BA2C3C56}" type="slidenum">
               <a:rPr lang="fr-FR" smtClean="0"/>
               <a:pPr/>
-              <a:t>18</a:t>
+              <a:t>29</a:t>
             </a:fld>
             <a:endParaRPr lang="fr-FR" smtClean="0"/>
           </a:p>
@@ -5412,7 +5434,7 @@
             <a:fld id="{75693FD4-8F83-4EF7-AC3F-0DC0388986B0}" type="slidenum">
               <a:rPr lang="fr-FR" smtClean="0"/>
               <a:pPr/>
-              <a:t>19</a:t>
+              <a:t>30</a:t>
             </a:fld>
             <a:endParaRPr lang="fr-FR" dirty="0"/>
           </a:p>
@@ -5608,7 +5630,7 @@
             <a:fld id="{EC6EAC7D-5A89-47C2-8ABA-56C9C2DEF7A4}" type="slidenum">
               <a:rPr lang="fr-FR" smtClean="0"/>
               <a:pPr/>
-              <a:t>20</a:t>
+              <a:t>31</a:t>
             </a:fld>
             <a:endParaRPr lang="fr-FR" dirty="0"/>
           </a:p>
@@ -5712,7 +5734,7 @@
             <a:fld id="{85CEDE57-F8FE-4B43-B511-2E9F76624F74}" type="slidenum">
               <a:rPr lang="fr-FR" smtClean="0"/>
               <a:pPr/>
-              <a:t>21</a:t>
+              <a:t>32</a:t>
             </a:fld>
             <a:endParaRPr lang="fr-FR" dirty="0" smtClean="0"/>
           </a:p>
@@ -5864,7 +5886,7 @@
             <a:fld id="{B2B44A5F-6CE4-493C-A0D7-6834FF76660C}" type="slidenum">
               <a:rPr lang="fr-FR" smtClean="0"/>
               <a:pPr/>
-              <a:t>22</a:t>
+              <a:t>33</a:t>
             </a:fld>
             <a:endParaRPr lang="fr-FR" dirty="0" smtClean="0"/>
           </a:p>
@@ -6016,7 +6038,7 @@
             <a:fld id="{B5FF76F4-FC11-42FE-9D94-04E3E6D16C06}" type="slidenum">
               <a:rPr lang="fr-FR" smtClean="0"/>
               <a:pPr/>
-              <a:t>23</a:t>
+              <a:t>34</a:t>
             </a:fld>
             <a:endParaRPr lang="fr-FR" dirty="0" smtClean="0"/>
           </a:p>
@@ -7756,6 +7778,248 @@
       </p:par>
     </p:tnLst>
   </p:timing>
+</p:sldLayout>
+</file>
+
+<file path=ppt/slideLayouts/slideLayout14.xml><?xml version="1.0" encoding="utf-8"?>
+<p:sldLayout xmlns:a="http://schemas.openxmlformats.org/drawingml/2006/main" xmlns:r="http://schemas.openxmlformats.org/officeDocument/2006/relationships" xmlns:p="http://schemas.openxmlformats.org/presentationml/2006/main" type="title">
+  <p:cSld name="1_Diapositive de titre">
+    <p:spTree>
+      <p:nvGrpSpPr>
+        <p:cNvPr id="1" name=""/>
+        <p:cNvGrpSpPr/>
+        <p:nvPr/>
+      </p:nvGrpSpPr>
+      <p:grpSpPr>
+        <a:xfrm>
+          <a:off x="0" y="0"/>
+          <a:ext cx="0" cy="0"/>
+          <a:chOff x="0" y="0"/>
+          <a:chExt cx="0" cy="0"/>
+        </a:xfrm>
+      </p:grpSpPr>
+      <p:sp>
+        <p:nvSpPr>
+          <p:cNvPr id="2" name="Titre 1"/>
+          <p:cNvSpPr>
+            <a:spLocks noGrp="1"/>
+          </p:cNvSpPr>
+          <p:nvPr>
+            <p:ph type="ctrTitle"/>
+          </p:nvPr>
+        </p:nvSpPr>
+        <p:spPr>
+          <a:xfrm>
+            <a:off x="685800" y="2130425"/>
+            <a:ext cx="7772400" cy="1470025"/>
+          </a:xfrm>
+        </p:spPr>
+        <p:txBody>
+          <a:bodyPr/>
+          <a:lstStyle/>
+          <a:p>
+            <a:r>
+              <a:rPr lang="fr-FR" smtClean="0"/>
+              <a:t>Cliquez pour modifier le style du titre</a:t>
+            </a:r>
+            <a:endParaRPr lang="fr-BE"/>
+          </a:p>
+        </p:txBody>
+      </p:sp>
+      <p:sp>
+        <p:nvSpPr>
+          <p:cNvPr id="3" name="Sous-titre 2"/>
+          <p:cNvSpPr>
+            <a:spLocks noGrp="1"/>
+          </p:cNvSpPr>
+          <p:nvPr>
+            <p:ph type="subTitle" idx="1"/>
+          </p:nvPr>
+        </p:nvSpPr>
+        <p:spPr>
+          <a:xfrm>
+            <a:off x="1371600" y="3886200"/>
+            <a:ext cx="6400800" cy="1752600"/>
+          </a:xfrm>
+        </p:spPr>
+        <p:txBody>
+          <a:bodyPr/>
+          <a:lstStyle>
+            <a:lvl1pPr marL="0" indent="0" algn="ctr">
+              <a:buNone/>
+              <a:defRPr>
+                <a:solidFill>
+                  <a:schemeClr val="tx1">
+                    <a:tint val="75000"/>
+                  </a:schemeClr>
+                </a:solidFill>
+              </a:defRPr>
+            </a:lvl1pPr>
+            <a:lvl2pPr marL="457200" indent="0" algn="ctr">
+              <a:buNone/>
+              <a:defRPr>
+                <a:solidFill>
+                  <a:schemeClr val="tx1">
+                    <a:tint val="75000"/>
+                  </a:schemeClr>
+                </a:solidFill>
+              </a:defRPr>
+            </a:lvl2pPr>
+            <a:lvl3pPr marL="914400" indent="0" algn="ctr">
+              <a:buNone/>
+              <a:defRPr>
+                <a:solidFill>
+                  <a:schemeClr val="tx1">
+                    <a:tint val="75000"/>
+                  </a:schemeClr>
+                </a:solidFill>
+              </a:defRPr>
+            </a:lvl3pPr>
+            <a:lvl4pPr marL="1371600" indent="0" algn="ctr">
+              <a:buNone/>
+              <a:defRPr>
+                <a:solidFill>
+                  <a:schemeClr val="tx1">
+                    <a:tint val="75000"/>
+                  </a:schemeClr>
+                </a:solidFill>
+              </a:defRPr>
+            </a:lvl4pPr>
+            <a:lvl5pPr marL="1828800" indent="0" algn="ctr">
+              <a:buNone/>
+              <a:defRPr>
+                <a:solidFill>
+                  <a:schemeClr val="tx1">
+                    <a:tint val="75000"/>
+                  </a:schemeClr>
+                </a:solidFill>
+              </a:defRPr>
+            </a:lvl5pPr>
+            <a:lvl6pPr marL="2286000" indent="0" algn="ctr">
+              <a:buNone/>
+              <a:defRPr>
+                <a:solidFill>
+                  <a:schemeClr val="tx1">
+                    <a:tint val="75000"/>
+                  </a:schemeClr>
+                </a:solidFill>
+              </a:defRPr>
+            </a:lvl6pPr>
+            <a:lvl7pPr marL="2743200" indent="0" algn="ctr">
+              <a:buNone/>
+              <a:defRPr>
+                <a:solidFill>
+                  <a:schemeClr val="tx1">
+                    <a:tint val="75000"/>
+                  </a:schemeClr>
+                </a:solidFill>
+              </a:defRPr>
+            </a:lvl7pPr>
+            <a:lvl8pPr marL="3200400" indent="0" algn="ctr">
+              <a:buNone/>
+              <a:defRPr>
+                <a:solidFill>
+                  <a:schemeClr val="tx1">
+                    <a:tint val="75000"/>
+                  </a:schemeClr>
+                </a:solidFill>
+              </a:defRPr>
+            </a:lvl8pPr>
+            <a:lvl9pPr marL="3657600" indent="0" algn="ctr">
+              <a:buNone/>
+              <a:defRPr>
+                <a:solidFill>
+                  <a:schemeClr val="tx1">
+                    <a:tint val="75000"/>
+                  </a:schemeClr>
+                </a:solidFill>
+              </a:defRPr>
+            </a:lvl9pPr>
+          </a:lstStyle>
+          <a:p>
+            <a:r>
+              <a:rPr lang="fr-FR" smtClean="0"/>
+              <a:t>Cliquez pour modifier le style des sous-titres du masque</a:t>
+            </a:r>
+            <a:endParaRPr lang="fr-BE"/>
+          </a:p>
+        </p:txBody>
+      </p:sp>
+      <p:sp>
+        <p:nvSpPr>
+          <p:cNvPr id="4" name="Espace réservé de la date 3"/>
+          <p:cNvSpPr>
+            <a:spLocks noGrp="1"/>
+          </p:cNvSpPr>
+          <p:nvPr>
+            <p:ph type="dt" sz="half" idx="10"/>
+          </p:nvPr>
+        </p:nvSpPr>
+        <p:spPr/>
+        <p:txBody>
+          <a:bodyPr/>
+          <a:lstStyle/>
+          <a:p>
+            <a:fld id="{AA309A6D-C09C-4548-B29A-6CF363A7E532}" type="datetimeFigureOut">
+              <a:rPr lang="fr-FR" smtClean="0"/>
+              <a:t>08/03/2017</a:t>
+            </a:fld>
+            <a:endParaRPr lang="fr-BE"/>
+          </a:p>
+        </p:txBody>
+      </p:sp>
+      <p:sp>
+        <p:nvSpPr>
+          <p:cNvPr id="5" name="Espace réservé du pied de page 4"/>
+          <p:cNvSpPr>
+            <a:spLocks noGrp="1"/>
+          </p:cNvSpPr>
+          <p:nvPr>
+            <p:ph type="ftr" sz="quarter" idx="11"/>
+          </p:nvPr>
+        </p:nvSpPr>
+        <p:spPr/>
+        <p:txBody>
+          <a:bodyPr/>
+          <a:lstStyle/>
+          <a:p>
+            <a:endParaRPr lang="fr-BE"/>
+          </a:p>
+        </p:txBody>
+      </p:sp>
+      <p:sp>
+        <p:nvSpPr>
+          <p:cNvPr id="6" name="Espace réservé du numéro de diapositive 5"/>
+          <p:cNvSpPr>
+            <a:spLocks noGrp="1"/>
+          </p:cNvSpPr>
+          <p:nvPr>
+            <p:ph type="sldNum" sz="quarter" idx="12"/>
+          </p:nvPr>
+        </p:nvSpPr>
+        <p:spPr/>
+        <p:txBody>
+          <a:bodyPr/>
+          <a:lstStyle/>
+          <a:p>
+            <a:fld id="{CF4668DC-857F-487D-BFFA-8C0CA5037977}" type="slidenum">
+              <a:rPr lang="fr-BE" smtClean="0"/>
+              <a:t>‹N°›</a:t>
+            </a:fld>
+            <a:endParaRPr lang="fr-BE"/>
+          </a:p>
+        </p:txBody>
+      </p:sp>
+    </p:spTree>
+    <p:extLst>
+      <p:ext uri="{BB962C8B-B14F-4D97-AF65-F5344CB8AC3E}">
+        <p14:creationId xmlns:p14="http://schemas.microsoft.com/office/powerpoint/2010/main" val="843032847"/>
+      </p:ext>
+    </p:extLst>
+  </p:cSld>
+  <p:clrMapOvr>
+    <a:masterClrMapping/>
+  </p:clrMapOvr>
 </p:sldLayout>
 </file>
 
@@ -9986,7 +10250,7 @@
           <p:nvPr/>
         </p:nvPicPr>
         <p:blipFill rotWithShape="1">
-          <a:blip r:embed="rId15" cstate="email">
+          <a:blip r:embed="rId16" cstate="email">
             <a:extLst>
               <a:ext uri="{28A0092B-C50C-407E-A947-70E740481C1C}">
                 <a14:useLocalDpi xmlns:a14="http://schemas.microsoft.com/office/drawing/2010/main"/>
@@ -10230,7 +10494,7 @@
           <p:nvPr/>
         </p:nvPicPr>
         <p:blipFill rotWithShape="1">
-          <a:blip r:embed="rId16" cstate="email">
+          <a:blip r:embed="rId17" cstate="email">
             <a:extLst>
               <a:ext uri="{28A0092B-C50C-407E-A947-70E740481C1C}">
                 <a14:useLocalDpi xmlns:a14="http://schemas.microsoft.com/office/drawing/2010/main"/>
@@ -10267,6 +10531,7 @@
     <p:sldLayoutId id="2147483654" r:id="rId11"/>
     <p:sldLayoutId id="2147483655" r:id="rId12"/>
     <p:sldLayoutId id="2147483663" r:id="rId13"/>
+    <p:sldLayoutId id="2147483664" r:id="rId14"/>
   </p:sldLayoutIdLst>
   <p:transition spd="slow">
     <p:wipe dir="d"/>
@@ -10782,6 +11047,5233 @@
       </p:grpSpPr>
       <p:sp>
         <p:nvSpPr>
+          <p:cNvPr id="2" name="Titre 1"/>
+          <p:cNvSpPr>
+            <a:spLocks noGrp="1"/>
+          </p:cNvSpPr>
+          <p:nvPr>
+            <p:ph type="ctrTitle"/>
+          </p:nvPr>
+        </p:nvSpPr>
+        <p:spPr>
+          <a:xfrm>
+            <a:off x="899592" y="188640"/>
+            <a:ext cx="6262464" cy="1470025"/>
+          </a:xfrm>
+        </p:spPr>
+        <p:txBody>
+          <a:bodyPr/>
+          <a:lstStyle/>
+          <a:p>
+            <a:r>
+              <a:rPr lang="fr-FR" b="1" dirty="0">
+                <a:solidFill>
+                  <a:srgbClr val="0070C0"/>
+                </a:solidFill>
+                <a:latin typeface="+mn-lt"/>
+              </a:rPr>
+              <a:t>  </a:t>
+            </a:r>
+            <a:r>
+              <a:rPr lang="fr-FR" b="1" dirty="0" smtClean="0">
+                <a:solidFill>
+                  <a:srgbClr val="0070C0"/>
+                </a:solidFill>
+                <a:latin typeface="+mn-lt"/>
+              </a:rPr>
+              <a:t>     Définition :Interface</a:t>
+            </a:r>
+            <a:endParaRPr lang="fr-FR" b="1" dirty="0">
+              <a:solidFill>
+                <a:srgbClr val="0070C0"/>
+              </a:solidFill>
+              <a:latin typeface="+mn-lt"/>
+            </a:endParaRPr>
+          </a:p>
+        </p:txBody>
+      </p:sp>
+      <p:sp>
+        <p:nvSpPr>
+          <p:cNvPr id="3" name="Sous-titre 2"/>
+          <p:cNvSpPr>
+            <a:spLocks noGrp="1"/>
+          </p:cNvSpPr>
+          <p:nvPr>
+            <p:ph type="subTitle" idx="1"/>
+          </p:nvPr>
+        </p:nvSpPr>
+        <p:spPr>
+          <a:xfrm>
+            <a:off x="0" y="1844824"/>
+            <a:ext cx="9144000" cy="5013176"/>
+          </a:xfrm>
+        </p:spPr>
+        <p:txBody>
+          <a:bodyPr>
+            <a:normAutofit/>
+          </a:bodyPr>
+          <a:lstStyle/>
+          <a:p>
+            <a:r>
+              <a:rPr lang="fr-FR" dirty="0">
+                <a:solidFill>
+                  <a:schemeClr val="tx1"/>
+                </a:solidFill>
+              </a:rPr>
+              <a:t>application informatique qui prend en compte, au cours de son exécution, des informations </a:t>
+            </a:r>
+            <a:r>
+              <a:rPr lang="fr-FR" dirty="0" smtClean="0">
+                <a:solidFill>
+                  <a:schemeClr val="tx1"/>
+                </a:solidFill>
+              </a:rPr>
+              <a:t>    communiquées </a:t>
+            </a:r>
+            <a:r>
+              <a:rPr lang="fr-FR" dirty="0">
+                <a:solidFill>
+                  <a:schemeClr val="tx1"/>
+                </a:solidFill>
+              </a:rPr>
+              <a:t>par le ou les utilisateurs du système, et qui produit, au cours de son exécution, une représentation perceptible de son état interne </a:t>
+            </a:r>
+            <a:r>
+              <a:rPr lang="fr-FR" dirty="0" smtClean="0">
+                <a:solidFill>
+                  <a:schemeClr val="tx1"/>
+                </a:solidFill>
+              </a:rPr>
+              <a:t>entrées </a:t>
+            </a:r>
+            <a:r>
+              <a:rPr lang="fr-FR" dirty="0">
+                <a:solidFill>
+                  <a:schemeClr val="tx1"/>
+                </a:solidFill>
+              </a:rPr>
+              <a:t>fournies par l'utilisateur dépendent des sorties produites par le système, et </a:t>
+            </a:r>
+            <a:r>
+              <a:rPr lang="fr-FR" dirty="0" smtClean="0">
+                <a:solidFill>
+                  <a:schemeClr val="tx1"/>
+                </a:solidFill>
+              </a:rPr>
+              <a:t>inversement</a:t>
+            </a:r>
+            <a:endParaRPr lang="fr-FR" dirty="0">
+              <a:solidFill>
+                <a:schemeClr val="tx1"/>
+              </a:solidFill>
+            </a:endParaRPr>
+          </a:p>
+        </p:txBody>
+      </p:sp>
+    </p:spTree>
+    <p:extLst>
+      <p:ext uri="{BB962C8B-B14F-4D97-AF65-F5344CB8AC3E}">
+        <p14:creationId xmlns:p14="http://schemas.microsoft.com/office/powerpoint/2010/main" val="2645758284"/>
+      </p:ext>
+    </p:extLst>
+  </p:cSld>
+  <p:clrMapOvr>
+    <a:masterClrMapping/>
+  </p:clrMapOvr>
+  <p:transition spd="slow">
+    <p:wipe/>
+  </p:transition>
+  <p:timing>
+    <p:tnLst>
+      <p:par>
+        <p:cTn id="1" dur="indefinite" restart="never" nodeType="tmRoot">
+          <p:childTnLst>
+            <p:seq concurrent="1" nextAc="seek">
+              <p:cTn id="2" dur="indefinite" nodeType="mainSeq">
+                <p:childTnLst>
+                  <p:par>
+                    <p:cTn id="3" fill="hold">
+                      <p:stCondLst>
+                        <p:cond delay="indefinite"/>
+                      </p:stCondLst>
+                      <p:childTnLst>
+                        <p:par>
+                          <p:cTn id="4" fill="hold">
+                            <p:stCondLst>
+                              <p:cond delay="0"/>
+                            </p:stCondLst>
+                            <p:childTnLst>
+                              <p:par>
+                                <p:cTn id="5" presetID="16" presetClass="entr" presetSubtype="21" fill="hold" grpId="0" nodeType="clickEffect">
+                                  <p:stCondLst>
+                                    <p:cond delay="0"/>
+                                  </p:stCondLst>
+                                  <p:childTnLst>
+                                    <p:set>
+                                      <p:cBhvr>
+                                        <p:cTn id="6" dur="1" fill="hold">
+                                          <p:stCondLst>
+                                            <p:cond delay="0"/>
+                                          </p:stCondLst>
+                                        </p:cTn>
+                                        <p:tgtEl>
+                                          <p:spTgt spid="2"/>
+                                        </p:tgtEl>
+                                        <p:attrNameLst>
+                                          <p:attrName>style.visibility</p:attrName>
+                                        </p:attrNameLst>
+                                      </p:cBhvr>
+                                      <p:to>
+                                        <p:strVal val="visible"/>
+                                      </p:to>
+                                    </p:set>
+                                    <p:animEffect transition="in" filter="barn(inVertical)">
+                                      <p:cBhvr>
+                                        <p:cTn id="7" dur="500"/>
+                                        <p:tgtEl>
+                                          <p:spTgt spid="2"/>
+                                        </p:tgtEl>
+                                      </p:cBhvr>
+                                    </p:animEffect>
+                                  </p:childTnLst>
+                                </p:cTn>
+                              </p:par>
+                            </p:childTnLst>
+                          </p:cTn>
+                        </p:par>
+                      </p:childTnLst>
+                    </p:cTn>
+                  </p:par>
+                  <p:par>
+                    <p:cTn id="8" fill="hold">
+                      <p:stCondLst>
+                        <p:cond delay="indefinite"/>
+                      </p:stCondLst>
+                      <p:childTnLst>
+                        <p:par>
+                          <p:cTn id="9" fill="hold">
+                            <p:stCondLst>
+                              <p:cond delay="0"/>
+                            </p:stCondLst>
+                            <p:childTnLst>
+                              <p:par>
+                                <p:cTn id="10" presetID="16" presetClass="entr" presetSubtype="21" fill="hold" nodeType="clickEffect">
+                                  <p:stCondLst>
+                                    <p:cond delay="0"/>
+                                  </p:stCondLst>
+                                  <p:childTnLst>
+                                    <p:set>
+                                      <p:cBhvr>
+                                        <p:cTn id="11" dur="1" fill="hold">
+                                          <p:stCondLst>
+                                            <p:cond delay="0"/>
+                                          </p:stCondLst>
+                                        </p:cTn>
+                                        <p:tgtEl>
+                                          <p:spTgt spid="3">
+                                            <p:txEl>
+                                              <p:pRg st="0" end="0"/>
+                                            </p:txEl>
+                                          </p:spTgt>
+                                        </p:tgtEl>
+                                        <p:attrNameLst>
+                                          <p:attrName>style.visibility</p:attrName>
+                                        </p:attrNameLst>
+                                      </p:cBhvr>
+                                      <p:to>
+                                        <p:strVal val="visible"/>
+                                      </p:to>
+                                    </p:set>
+                                    <p:animEffect transition="in" filter="barn(inVertical)">
+                                      <p:cBhvr>
+                                        <p:cTn id="12" dur="500"/>
+                                        <p:tgtEl>
+                                          <p:spTgt spid="3">
+                                            <p:txEl>
+                                              <p:pRg st="0" end="0"/>
+                                            </p:txEl>
+                                          </p:spTgt>
+                                        </p:tgtEl>
+                                      </p:cBhvr>
+                                    </p:animEffect>
+                                  </p:childTnLst>
+                                </p:cTn>
+                              </p:par>
+                            </p:childTnLst>
+                          </p:cTn>
+                        </p:par>
+                      </p:childTnLst>
+                    </p:cTn>
+                  </p:par>
+                </p:childTnLst>
+              </p:cTn>
+              <p:prevCondLst>
+                <p:cond evt="onPrev" delay="0">
+                  <p:tgtEl>
+                    <p:sldTgt/>
+                  </p:tgtEl>
+                </p:cond>
+              </p:prevCondLst>
+              <p:nextCondLst>
+                <p:cond evt="onNext" delay="0">
+                  <p:tgtEl>
+                    <p:sldTgt/>
+                  </p:tgtEl>
+                </p:cond>
+              </p:nextCondLst>
+            </p:seq>
+          </p:childTnLst>
+        </p:cTn>
+      </p:par>
+    </p:tnLst>
+    <p:bldLst>
+      <p:bldP spid="2" grpId="0"/>
+    </p:bldLst>
+  </p:timing>
+</p:sld>
+</file>
+
+<file path=ppt/slides/slide12.xml><?xml version="1.0" encoding="utf-8"?>
+<p:sld xmlns:a="http://schemas.openxmlformats.org/drawingml/2006/main" xmlns:r="http://schemas.openxmlformats.org/officeDocument/2006/relationships" xmlns:p="http://schemas.openxmlformats.org/presentationml/2006/main">
+  <p:cSld>
+    <p:spTree>
+      <p:nvGrpSpPr>
+        <p:cNvPr id="1" name=""/>
+        <p:cNvGrpSpPr/>
+        <p:nvPr/>
+      </p:nvGrpSpPr>
+      <p:grpSpPr>
+        <a:xfrm>
+          <a:off x="0" y="0"/>
+          <a:ext cx="0" cy="0"/>
+          <a:chOff x="0" y="0"/>
+          <a:chExt cx="0" cy="0"/>
+        </a:xfrm>
+      </p:grpSpPr>
+      <p:sp>
+        <p:nvSpPr>
+          <p:cNvPr id="2" name="Titre 1"/>
+          <p:cNvSpPr>
+            <a:spLocks noGrp="1"/>
+          </p:cNvSpPr>
+          <p:nvPr>
+            <p:ph type="title"/>
+          </p:nvPr>
+        </p:nvSpPr>
+        <p:spPr/>
+        <p:txBody>
+          <a:bodyPr/>
+          <a:lstStyle/>
+          <a:p>
+            <a:endParaRPr lang="fr-FR"/>
+          </a:p>
+        </p:txBody>
+      </p:sp>
+      <p:pic>
+        <p:nvPicPr>
+          <p:cNvPr id="1026" name="Picture 2"/>
+          <p:cNvPicPr>
+            <a:picLocks noGrp="1" noChangeAspect="1" noChangeArrowheads="1"/>
+          </p:cNvPicPr>
+          <p:nvPr>
+            <p:ph idx="1"/>
+          </p:nvPr>
+        </p:nvPicPr>
+        <p:blipFill>
+          <a:blip r:embed="rId2" cstate="email">
+            <a:extLst>
+              <a:ext uri="{28A0092B-C50C-407E-A947-70E740481C1C}">
+                <a14:useLocalDpi xmlns:a14="http://schemas.microsoft.com/office/drawing/2010/main" val="0"/>
+              </a:ext>
+            </a:extLst>
+          </a:blip>
+          <a:srcRect/>
+          <a:stretch>
+            <a:fillRect/>
+          </a:stretch>
+        </p:blipFill>
+        <p:spPr bwMode="auto">
+          <a:xfrm>
+            <a:off x="-131584" y="0"/>
+            <a:ext cx="9275583" cy="6858000"/>
+          </a:xfrm>
+          <a:prstGeom prst="rect">
+            <a:avLst/>
+          </a:prstGeom>
+          <a:noFill/>
+          <a:ln>
+            <a:noFill/>
+          </a:ln>
+          <a:effectLst/>
+          <a:extLst>
+            <a:ext uri="{909E8E84-426E-40DD-AFC4-6F175D3DCCD1}">
+              <a14:hiddenFill xmlns:a14="http://schemas.microsoft.com/office/drawing/2010/main">
+                <a:solidFill>
+                  <a:schemeClr val="accent1"/>
+                </a:solidFill>
+              </a14:hiddenFill>
+            </a:ext>
+            <a:ext uri="{91240B29-F687-4F45-9708-019B960494DF}">
+              <a14:hiddenLine xmlns:a14="http://schemas.microsoft.com/office/drawing/2010/main" w="9525">
+                <a:solidFill>
+                  <a:schemeClr val="tx1"/>
+                </a:solidFill>
+                <a:miter lim="800000"/>
+                <a:headEnd/>
+                <a:tailEnd/>
+              </a14:hiddenLine>
+            </a:ext>
+            <a:ext uri="{AF507438-7753-43E0-B8FC-AC1667EBCBE1}">
+              <a14:hiddenEffects xmlns:a14="http://schemas.microsoft.com/office/drawing/2010/main">
+                <a:effectLst>
+                  <a:outerShdw dist="35921" dir="2700000" algn="ctr" rotWithShape="0">
+                    <a:schemeClr val="bg2"/>
+                  </a:outerShdw>
+                </a:effectLst>
+              </a14:hiddenEffects>
+            </a:ext>
+          </a:extLst>
+        </p:spPr>
+      </p:pic>
+    </p:spTree>
+    <p:extLst>
+      <p:ext uri="{BB962C8B-B14F-4D97-AF65-F5344CB8AC3E}">
+        <p14:creationId xmlns:p14="http://schemas.microsoft.com/office/powerpoint/2010/main" val="3866948090"/>
+      </p:ext>
+    </p:extLst>
+  </p:cSld>
+  <p:clrMapOvr>
+    <a:masterClrMapping/>
+  </p:clrMapOvr>
+  <p:transition spd="slow">
+    <p:wipe dir="d"/>
+  </p:transition>
+  <p:timing>
+    <p:tnLst>
+      <p:par>
+        <p:cTn id="1" dur="indefinite" restart="never" nodeType="tmRoot">
+          <p:childTnLst>
+            <p:seq concurrent="1" nextAc="seek">
+              <p:cTn id="2" dur="indefinite" nodeType="mainSeq">
+                <p:childTnLst>
+                  <p:par>
+                    <p:cTn id="3" fill="hold">
+                      <p:stCondLst>
+                        <p:cond delay="indefinite"/>
+                      </p:stCondLst>
+                      <p:childTnLst>
+                        <p:par>
+                          <p:cTn id="4" fill="hold">
+                            <p:stCondLst>
+                              <p:cond delay="0"/>
+                            </p:stCondLst>
+                            <p:childTnLst>
+                              <p:par>
+                                <p:cTn id="5" presetID="16" presetClass="entr" presetSubtype="21" fill="hold" nodeType="clickEffect">
+                                  <p:stCondLst>
+                                    <p:cond delay="0"/>
+                                  </p:stCondLst>
+                                  <p:childTnLst>
+                                    <p:set>
+                                      <p:cBhvr>
+                                        <p:cTn id="6" dur="1" fill="hold">
+                                          <p:stCondLst>
+                                            <p:cond delay="0"/>
+                                          </p:stCondLst>
+                                        </p:cTn>
+                                        <p:tgtEl>
+                                          <p:spTgt spid="1026"/>
+                                        </p:tgtEl>
+                                        <p:attrNameLst>
+                                          <p:attrName>style.visibility</p:attrName>
+                                        </p:attrNameLst>
+                                      </p:cBhvr>
+                                      <p:to>
+                                        <p:strVal val="visible"/>
+                                      </p:to>
+                                    </p:set>
+                                    <p:animEffect transition="in" filter="barn(inVertical)">
+                                      <p:cBhvr>
+                                        <p:cTn id="7" dur="500"/>
+                                        <p:tgtEl>
+                                          <p:spTgt spid="1026"/>
+                                        </p:tgtEl>
+                                      </p:cBhvr>
+                                    </p:animEffect>
+                                  </p:childTnLst>
+                                </p:cTn>
+                              </p:par>
+                            </p:childTnLst>
+                          </p:cTn>
+                        </p:par>
+                      </p:childTnLst>
+                    </p:cTn>
+                  </p:par>
+                </p:childTnLst>
+              </p:cTn>
+              <p:prevCondLst>
+                <p:cond evt="onPrev" delay="0">
+                  <p:tgtEl>
+                    <p:sldTgt/>
+                  </p:tgtEl>
+                </p:cond>
+              </p:prevCondLst>
+              <p:nextCondLst>
+                <p:cond evt="onNext" delay="0">
+                  <p:tgtEl>
+                    <p:sldTgt/>
+                  </p:tgtEl>
+                </p:cond>
+              </p:nextCondLst>
+            </p:seq>
+          </p:childTnLst>
+        </p:cTn>
+      </p:par>
+    </p:tnLst>
+  </p:timing>
+</p:sld>
+</file>
+
+<file path=ppt/slides/slide13.xml><?xml version="1.0" encoding="utf-8"?>
+<p:sld xmlns:a="http://schemas.openxmlformats.org/drawingml/2006/main" xmlns:r="http://schemas.openxmlformats.org/officeDocument/2006/relationships" xmlns:p="http://schemas.openxmlformats.org/presentationml/2006/main">
+  <p:cSld>
+    <p:spTree>
+      <p:nvGrpSpPr>
+        <p:cNvPr id="1" name=""/>
+        <p:cNvGrpSpPr/>
+        <p:nvPr/>
+      </p:nvGrpSpPr>
+      <p:grpSpPr>
+        <a:xfrm>
+          <a:off x="0" y="0"/>
+          <a:ext cx="0" cy="0"/>
+          <a:chOff x="0" y="0"/>
+          <a:chExt cx="0" cy="0"/>
+        </a:xfrm>
+      </p:grpSpPr>
+      <p:sp>
+        <p:nvSpPr>
+          <p:cNvPr id="2" name="Titre 1"/>
+          <p:cNvSpPr>
+            <a:spLocks noGrp="1"/>
+          </p:cNvSpPr>
+          <p:nvPr>
+            <p:ph type="title"/>
+          </p:nvPr>
+        </p:nvSpPr>
+        <p:spPr/>
+        <p:txBody>
+          <a:bodyPr>
+            <a:normAutofit/>
+          </a:bodyPr>
+          <a:lstStyle/>
+          <a:p>
+            <a:r>
+              <a:rPr lang="fr-FR" b="1" dirty="0" smtClean="0">
+                <a:solidFill>
+                  <a:srgbClr val="0070C0"/>
+                </a:solidFill>
+                <a:latin typeface="+mn-lt"/>
+              </a:rPr>
+              <a:t>Intérêt </a:t>
+            </a:r>
+            <a:r>
+              <a:rPr lang="fr-FR" b="1" dirty="0">
+                <a:solidFill>
+                  <a:srgbClr val="0070C0"/>
+                </a:solidFill>
+                <a:latin typeface="+mn-lt"/>
+              </a:rPr>
+              <a:t>pour IHM </a:t>
+            </a:r>
+          </a:p>
+        </p:txBody>
+      </p:sp>
+      <p:sp>
+        <p:nvSpPr>
+          <p:cNvPr id="3" name="Espace réservé du contenu 2"/>
+          <p:cNvSpPr>
+            <a:spLocks noGrp="1"/>
+          </p:cNvSpPr>
+          <p:nvPr>
+            <p:ph idx="1"/>
+          </p:nvPr>
+        </p:nvSpPr>
+        <p:spPr>
+          <a:xfrm>
+            <a:off x="457200" y="1196752"/>
+            <a:ext cx="8229600" cy="5544616"/>
+          </a:xfrm>
+        </p:spPr>
+        <p:txBody>
+          <a:bodyPr>
+            <a:noAutofit/>
+          </a:bodyPr>
+          <a:lstStyle/>
+          <a:p>
+            <a:pPr marL="0" indent="0">
+              <a:buNone/>
+            </a:pPr>
+            <a:r>
+              <a:rPr lang="fr-FR" sz="2800" dirty="0" smtClean="0"/>
+              <a:t>•</a:t>
+            </a:r>
+            <a:r>
+              <a:rPr lang="fr-FR" sz="2800" dirty="0"/>
+              <a:t>De nombreux systèmes disposent d ’IHM mal conçues </a:t>
+            </a:r>
+            <a:endParaRPr lang="fr-FR" sz="2800" dirty="0" smtClean="0"/>
+          </a:p>
+          <a:p>
+            <a:pPr marL="0" indent="0">
+              <a:buNone/>
+            </a:pPr>
+            <a:r>
+              <a:rPr lang="fr-FR" sz="2800" dirty="0" smtClean="0"/>
+              <a:t>Forte </a:t>
+            </a:r>
+            <a:r>
+              <a:rPr lang="fr-FR" sz="2800" dirty="0"/>
+              <a:t>demande d ’amélioration pour </a:t>
+            </a:r>
+            <a:r>
+              <a:rPr lang="fr-FR" sz="2800" dirty="0" smtClean="0"/>
+              <a:t> </a:t>
+            </a:r>
+            <a:r>
+              <a:rPr lang="fr-FR" sz="2800" dirty="0"/>
+              <a:t>des systèmes critiques (éviter les accidents, ex: A320), </a:t>
+            </a:r>
+            <a:endParaRPr lang="fr-FR" sz="2800" dirty="0" smtClean="0"/>
+          </a:p>
+          <a:p>
+            <a:pPr marL="0" indent="0">
+              <a:buNone/>
+            </a:pPr>
+            <a:r>
+              <a:rPr lang="fr-FR" sz="2800" dirty="0" smtClean="0"/>
+              <a:t>• </a:t>
+            </a:r>
+            <a:r>
+              <a:rPr lang="fr-FR" sz="2800" dirty="0"/>
+              <a:t>des systèmes industriels et commerciaux (baisse de productivité liée à l ’introduction des </a:t>
+            </a:r>
+            <a:r>
+              <a:rPr lang="fr-FR" sz="2800" dirty="0" err="1"/>
+              <a:t>PCs</a:t>
+            </a:r>
+            <a:r>
+              <a:rPr lang="fr-FR" sz="2800" dirty="0"/>
+              <a:t> sur les bureaux des cadres) </a:t>
+            </a:r>
+            <a:endParaRPr lang="fr-FR" sz="2800" dirty="0" smtClean="0"/>
+          </a:p>
+          <a:p>
+            <a:pPr marL="0" indent="0">
+              <a:buNone/>
+            </a:pPr>
+            <a:r>
+              <a:rPr lang="fr-FR" sz="2800" dirty="0" smtClean="0"/>
+              <a:t>• </a:t>
+            </a:r>
+            <a:r>
+              <a:rPr lang="fr-FR" sz="2800" dirty="0"/>
+              <a:t>des systèmes pour les loisirs ou la maison ( rendus attrayants par leur IHM) </a:t>
+            </a:r>
+            <a:endParaRPr lang="fr-FR" sz="2800" dirty="0" smtClean="0"/>
+          </a:p>
+          <a:p>
+            <a:pPr marL="0" indent="0">
+              <a:buNone/>
+            </a:pPr>
+            <a:r>
+              <a:rPr lang="fr-FR" sz="2800" dirty="0"/>
+              <a:t>•des outils collecticiels ou </a:t>
+            </a:r>
+            <a:r>
+              <a:rPr lang="fr-FR" sz="2800" dirty="0" err="1"/>
+              <a:t>groupware</a:t>
+            </a:r>
+            <a:r>
+              <a:rPr lang="fr-FR" sz="2800" dirty="0"/>
+              <a:t> (</a:t>
+            </a:r>
+            <a:r>
+              <a:rPr lang="fr-FR" sz="2800" dirty="0" err="1"/>
+              <a:t>pb</a:t>
+            </a:r>
+            <a:r>
+              <a:rPr lang="fr-FR" sz="2800" dirty="0"/>
+              <a:t> de communication Homme </a:t>
+            </a:r>
+            <a:r>
+              <a:rPr lang="fr-FR" sz="2800" dirty="0" err="1"/>
+              <a:t>Homme</a:t>
+            </a:r>
+            <a:r>
+              <a:rPr lang="fr-FR" sz="2800" dirty="0"/>
+              <a:t> via machine)</a:t>
+            </a:r>
+          </a:p>
+          <a:p>
+            <a:pPr marL="0" indent="0">
+              <a:buNone/>
+            </a:pPr>
+            <a:endParaRPr lang="fr-FR" sz="2800" dirty="0" smtClean="0"/>
+          </a:p>
+          <a:p>
+            <a:pPr marL="0" indent="0">
+              <a:buNone/>
+            </a:pPr>
+            <a:r>
+              <a:rPr lang="fr-FR" sz="2800" dirty="0" smtClean="0"/>
+              <a:t> </a:t>
+            </a:r>
+            <a:endParaRPr lang="fr-FR" sz="2800" dirty="0"/>
+          </a:p>
+        </p:txBody>
+      </p:sp>
+    </p:spTree>
+    <p:extLst>
+      <p:ext uri="{BB962C8B-B14F-4D97-AF65-F5344CB8AC3E}">
+        <p14:creationId xmlns:p14="http://schemas.microsoft.com/office/powerpoint/2010/main" val="1179308791"/>
+      </p:ext>
+    </p:extLst>
+  </p:cSld>
+  <p:clrMapOvr>
+    <a:masterClrMapping/>
+  </p:clrMapOvr>
+  <p:transition spd="slow">
+    <p:wipe dir="d"/>
+  </p:transition>
+  <p:timing>
+    <p:tnLst>
+      <p:par>
+        <p:cTn id="1" dur="indefinite" restart="never" nodeType="tmRoot">
+          <p:childTnLst>
+            <p:seq concurrent="1" nextAc="seek">
+              <p:cTn id="2" dur="indefinite" nodeType="mainSeq">
+                <p:childTnLst>
+                  <p:par>
+                    <p:cTn id="3" fill="hold">
+                      <p:stCondLst>
+                        <p:cond delay="indefinite"/>
+                      </p:stCondLst>
+                      <p:childTnLst>
+                        <p:par>
+                          <p:cTn id="4" fill="hold">
+                            <p:stCondLst>
+                              <p:cond delay="0"/>
+                            </p:stCondLst>
+                            <p:childTnLst>
+                              <p:par>
+                                <p:cTn id="5" presetID="16" presetClass="entr" presetSubtype="21" fill="hold" grpId="0" nodeType="clickEffect">
+                                  <p:stCondLst>
+                                    <p:cond delay="0"/>
+                                  </p:stCondLst>
+                                  <p:childTnLst>
+                                    <p:set>
+                                      <p:cBhvr>
+                                        <p:cTn id="6" dur="1" fill="hold">
+                                          <p:stCondLst>
+                                            <p:cond delay="0"/>
+                                          </p:stCondLst>
+                                        </p:cTn>
+                                        <p:tgtEl>
+                                          <p:spTgt spid="2"/>
+                                        </p:tgtEl>
+                                        <p:attrNameLst>
+                                          <p:attrName>style.visibility</p:attrName>
+                                        </p:attrNameLst>
+                                      </p:cBhvr>
+                                      <p:to>
+                                        <p:strVal val="visible"/>
+                                      </p:to>
+                                    </p:set>
+                                    <p:animEffect transition="in" filter="barn(inVertical)">
+                                      <p:cBhvr>
+                                        <p:cTn id="7" dur="500"/>
+                                        <p:tgtEl>
+                                          <p:spTgt spid="2"/>
+                                        </p:tgtEl>
+                                      </p:cBhvr>
+                                    </p:animEffect>
+                                  </p:childTnLst>
+                                </p:cTn>
+                              </p:par>
+                            </p:childTnLst>
+                          </p:cTn>
+                        </p:par>
+                      </p:childTnLst>
+                    </p:cTn>
+                  </p:par>
+                  <p:par>
+                    <p:cTn id="8" fill="hold">
+                      <p:stCondLst>
+                        <p:cond delay="indefinite"/>
+                      </p:stCondLst>
+                      <p:childTnLst>
+                        <p:par>
+                          <p:cTn id="9" fill="hold">
+                            <p:stCondLst>
+                              <p:cond delay="0"/>
+                            </p:stCondLst>
+                            <p:childTnLst>
+                              <p:par>
+                                <p:cTn id="10" presetID="16" presetClass="entr" presetSubtype="21" fill="hold" nodeType="clickEffect">
+                                  <p:stCondLst>
+                                    <p:cond delay="0"/>
+                                  </p:stCondLst>
+                                  <p:childTnLst>
+                                    <p:set>
+                                      <p:cBhvr>
+                                        <p:cTn id="11" dur="1" fill="hold">
+                                          <p:stCondLst>
+                                            <p:cond delay="0"/>
+                                          </p:stCondLst>
+                                        </p:cTn>
+                                        <p:tgtEl>
+                                          <p:spTgt spid="3">
+                                            <p:txEl>
+                                              <p:pRg st="0" end="0"/>
+                                            </p:txEl>
+                                          </p:spTgt>
+                                        </p:tgtEl>
+                                        <p:attrNameLst>
+                                          <p:attrName>style.visibility</p:attrName>
+                                        </p:attrNameLst>
+                                      </p:cBhvr>
+                                      <p:to>
+                                        <p:strVal val="visible"/>
+                                      </p:to>
+                                    </p:set>
+                                    <p:animEffect transition="in" filter="barn(inVertical)">
+                                      <p:cBhvr>
+                                        <p:cTn id="12" dur="500"/>
+                                        <p:tgtEl>
+                                          <p:spTgt spid="3">
+                                            <p:txEl>
+                                              <p:pRg st="0" end="0"/>
+                                            </p:txEl>
+                                          </p:spTgt>
+                                        </p:tgtEl>
+                                      </p:cBhvr>
+                                    </p:animEffect>
+                                  </p:childTnLst>
+                                </p:cTn>
+                              </p:par>
+                              <p:par>
+                                <p:cTn id="13" presetID="16" presetClass="entr" presetSubtype="21" fill="hold" nodeType="withEffect">
+                                  <p:stCondLst>
+                                    <p:cond delay="0"/>
+                                  </p:stCondLst>
+                                  <p:childTnLst>
+                                    <p:set>
+                                      <p:cBhvr>
+                                        <p:cTn id="14" dur="1" fill="hold">
+                                          <p:stCondLst>
+                                            <p:cond delay="0"/>
+                                          </p:stCondLst>
+                                        </p:cTn>
+                                        <p:tgtEl>
+                                          <p:spTgt spid="3">
+                                            <p:txEl>
+                                              <p:pRg st="1" end="1"/>
+                                            </p:txEl>
+                                          </p:spTgt>
+                                        </p:tgtEl>
+                                        <p:attrNameLst>
+                                          <p:attrName>style.visibility</p:attrName>
+                                        </p:attrNameLst>
+                                      </p:cBhvr>
+                                      <p:to>
+                                        <p:strVal val="visible"/>
+                                      </p:to>
+                                    </p:set>
+                                    <p:animEffect transition="in" filter="barn(inVertical)">
+                                      <p:cBhvr>
+                                        <p:cTn id="15" dur="500"/>
+                                        <p:tgtEl>
+                                          <p:spTgt spid="3">
+                                            <p:txEl>
+                                              <p:pRg st="1" end="1"/>
+                                            </p:txEl>
+                                          </p:spTgt>
+                                        </p:tgtEl>
+                                      </p:cBhvr>
+                                    </p:animEffect>
+                                  </p:childTnLst>
+                                </p:cTn>
+                              </p:par>
+                              <p:par>
+                                <p:cTn id="16" presetID="16" presetClass="entr" presetSubtype="21" fill="hold" nodeType="withEffect">
+                                  <p:stCondLst>
+                                    <p:cond delay="0"/>
+                                  </p:stCondLst>
+                                  <p:childTnLst>
+                                    <p:set>
+                                      <p:cBhvr>
+                                        <p:cTn id="17" dur="1" fill="hold">
+                                          <p:stCondLst>
+                                            <p:cond delay="0"/>
+                                          </p:stCondLst>
+                                        </p:cTn>
+                                        <p:tgtEl>
+                                          <p:spTgt spid="3">
+                                            <p:txEl>
+                                              <p:pRg st="2" end="2"/>
+                                            </p:txEl>
+                                          </p:spTgt>
+                                        </p:tgtEl>
+                                        <p:attrNameLst>
+                                          <p:attrName>style.visibility</p:attrName>
+                                        </p:attrNameLst>
+                                      </p:cBhvr>
+                                      <p:to>
+                                        <p:strVal val="visible"/>
+                                      </p:to>
+                                    </p:set>
+                                    <p:animEffect transition="in" filter="barn(inVertical)">
+                                      <p:cBhvr>
+                                        <p:cTn id="18" dur="500"/>
+                                        <p:tgtEl>
+                                          <p:spTgt spid="3">
+                                            <p:txEl>
+                                              <p:pRg st="2" end="2"/>
+                                            </p:txEl>
+                                          </p:spTgt>
+                                        </p:tgtEl>
+                                      </p:cBhvr>
+                                    </p:animEffect>
+                                  </p:childTnLst>
+                                </p:cTn>
+                              </p:par>
+                              <p:par>
+                                <p:cTn id="19" presetID="16" presetClass="entr" presetSubtype="21" fill="hold" nodeType="withEffect">
+                                  <p:stCondLst>
+                                    <p:cond delay="0"/>
+                                  </p:stCondLst>
+                                  <p:childTnLst>
+                                    <p:set>
+                                      <p:cBhvr>
+                                        <p:cTn id="20" dur="1" fill="hold">
+                                          <p:stCondLst>
+                                            <p:cond delay="0"/>
+                                          </p:stCondLst>
+                                        </p:cTn>
+                                        <p:tgtEl>
+                                          <p:spTgt spid="3">
+                                            <p:txEl>
+                                              <p:pRg st="3" end="3"/>
+                                            </p:txEl>
+                                          </p:spTgt>
+                                        </p:tgtEl>
+                                        <p:attrNameLst>
+                                          <p:attrName>style.visibility</p:attrName>
+                                        </p:attrNameLst>
+                                      </p:cBhvr>
+                                      <p:to>
+                                        <p:strVal val="visible"/>
+                                      </p:to>
+                                    </p:set>
+                                    <p:animEffect transition="in" filter="barn(inVertical)">
+                                      <p:cBhvr>
+                                        <p:cTn id="21" dur="500"/>
+                                        <p:tgtEl>
+                                          <p:spTgt spid="3">
+                                            <p:txEl>
+                                              <p:pRg st="3" end="3"/>
+                                            </p:txEl>
+                                          </p:spTgt>
+                                        </p:tgtEl>
+                                      </p:cBhvr>
+                                    </p:animEffect>
+                                  </p:childTnLst>
+                                </p:cTn>
+                              </p:par>
+                              <p:par>
+                                <p:cTn id="22" presetID="16" presetClass="entr" presetSubtype="21" fill="hold" nodeType="withEffect">
+                                  <p:stCondLst>
+                                    <p:cond delay="0"/>
+                                  </p:stCondLst>
+                                  <p:childTnLst>
+                                    <p:set>
+                                      <p:cBhvr>
+                                        <p:cTn id="23" dur="1" fill="hold">
+                                          <p:stCondLst>
+                                            <p:cond delay="0"/>
+                                          </p:stCondLst>
+                                        </p:cTn>
+                                        <p:tgtEl>
+                                          <p:spTgt spid="3">
+                                            <p:txEl>
+                                              <p:pRg st="4" end="4"/>
+                                            </p:txEl>
+                                          </p:spTgt>
+                                        </p:tgtEl>
+                                        <p:attrNameLst>
+                                          <p:attrName>style.visibility</p:attrName>
+                                        </p:attrNameLst>
+                                      </p:cBhvr>
+                                      <p:to>
+                                        <p:strVal val="visible"/>
+                                      </p:to>
+                                    </p:set>
+                                    <p:animEffect transition="in" filter="barn(inVertical)">
+                                      <p:cBhvr>
+                                        <p:cTn id="24" dur="500"/>
+                                        <p:tgtEl>
+                                          <p:spTgt spid="3">
+                                            <p:txEl>
+                                              <p:pRg st="4" end="4"/>
+                                            </p:txEl>
+                                          </p:spTgt>
+                                        </p:tgtEl>
+                                      </p:cBhvr>
+                                    </p:animEffect>
+                                  </p:childTnLst>
+                                </p:cTn>
+                              </p:par>
+                            </p:childTnLst>
+                          </p:cTn>
+                        </p:par>
+                      </p:childTnLst>
+                    </p:cTn>
+                  </p:par>
+                </p:childTnLst>
+              </p:cTn>
+              <p:prevCondLst>
+                <p:cond evt="onPrev" delay="0">
+                  <p:tgtEl>
+                    <p:sldTgt/>
+                  </p:tgtEl>
+                </p:cond>
+              </p:prevCondLst>
+              <p:nextCondLst>
+                <p:cond evt="onNext" delay="0">
+                  <p:tgtEl>
+                    <p:sldTgt/>
+                  </p:tgtEl>
+                </p:cond>
+              </p:nextCondLst>
+            </p:seq>
+          </p:childTnLst>
+        </p:cTn>
+      </p:par>
+    </p:tnLst>
+    <p:bldLst>
+      <p:bldP spid="2" grpId="0"/>
+    </p:bldLst>
+  </p:timing>
+</p:sld>
+</file>
+
+<file path=ppt/slides/slide14.xml><?xml version="1.0" encoding="utf-8"?>
+<p:sld xmlns:a="http://schemas.openxmlformats.org/drawingml/2006/main" xmlns:r="http://schemas.openxmlformats.org/officeDocument/2006/relationships" xmlns:p="http://schemas.openxmlformats.org/presentationml/2006/main">
+  <p:cSld>
+    <p:spTree>
+      <p:nvGrpSpPr>
+        <p:cNvPr id="1" name=""/>
+        <p:cNvGrpSpPr/>
+        <p:nvPr/>
+      </p:nvGrpSpPr>
+      <p:grpSpPr>
+        <a:xfrm>
+          <a:off x="0" y="0"/>
+          <a:ext cx="0" cy="0"/>
+          <a:chOff x="0" y="0"/>
+          <a:chExt cx="0" cy="0"/>
+        </a:xfrm>
+      </p:grpSpPr>
+      <p:sp>
+        <p:nvSpPr>
+          <p:cNvPr id="2" name="Titre 1"/>
+          <p:cNvSpPr>
+            <a:spLocks noGrp="1"/>
+          </p:cNvSpPr>
+          <p:nvPr>
+            <p:ph type="title"/>
+          </p:nvPr>
+        </p:nvSpPr>
+        <p:spPr/>
+        <p:txBody>
+          <a:bodyPr/>
+          <a:lstStyle/>
+          <a:p>
+            <a:endParaRPr lang="fr-FR"/>
+          </a:p>
+        </p:txBody>
+      </p:sp>
+      <p:pic>
+        <p:nvPicPr>
+          <p:cNvPr id="4" name="Espace réservé du contenu 3"/>
+          <p:cNvPicPr>
+            <a:picLocks noGrp="1" noChangeAspect="1"/>
+          </p:cNvPicPr>
+          <p:nvPr>
+            <p:ph idx="1"/>
+          </p:nvPr>
+        </p:nvPicPr>
+        <p:blipFill>
+          <a:blip r:embed="rId2">
+            <a:extLst>
+              <a:ext uri="{28A0092B-C50C-407E-A947-70E740481C1C}">
+                <a14:useLocalDpi xmlns:a14="http://schemas.microsoft.com/office/drawing/2010/main" val="0"/>
+              </a:ext>
+            </a:extLst>
+          </a:blip>
+          <a:stretch>
+            <a:fillRect/>
+          </a:stretch>
+        </p:blipFill>
+        <p:spPr>
+          <a:xfrm>
+            <a:off x="133350" y="0"/>
+            <a:ext cx="8943975" cy="6857999"/>
+          </a:xfrm>
+        </p:spPr>
+      </p:pic>
+      <p:pic>
+        <p:nvPicPr>
+          <p:cNvPr id="2050" name="Picture 2"/>
+          <p:cNvPicPr>
+            <a:picLocks noChangeAspect="1" noChangeArrowheads="1"/>
+          </p:cNvPicPr>
+          <p:nvPr/>
+        </p:nvPicPr>
+        <p:blipFill>
+          <a:blip r:embed="rId3">
+            <a:extLst>
+              <a:ext uri="{28A0092B-C50C-407E-A947-70E740481C1C}">
+                <a14:useLocalDpi xmlns:a14="http://schemas.microsoft.com/office/drawing/2010/main" val="0"/>
+              </a:ext>
+            </a:extLst>
+          </a:blip>
+          <a:srcRect/>
+          <a:stretch>
+            <a:fillRect/>
+          </a:stretch>
+        </p:blipFill>
+        <p:spPr bwMode="auto">
+          <a:xfrm>
+            <a:off x="154600" y="25988"/>
+            <a:ext cx="9010650" cy="6857999"/>
+          </a:xfrm>
+          <a:prstGeom prst="rect">
+            <a:avLst/>
+          </a:prstGeom>
+          <a:noFill/>
+          <a:ln>
+            <a:noFill/>
+          </a:ln>
+          <a:effectLst/>
+          <a:extLst>
+            <a:ext uri="{909E8E84-426E-40DD-AFC4-6F175D3DCCD1}">
+              <a14:hiddenFill xmlns:a14="http://schemas.microsoft.com/office/drawing/2010/main">
+                <a:solidFill>
+                  <a:schemeClr val="accent1"/>
+                </a:solidFill>
+              </a14:hiddenFill>
+            </a:ext>
+            <a:ext uri="{91240B29-F687-4F45-9708-019B960494DF}">
+              <a14:hiddenLine xmlns:a14="http://schemas.microsoft.com/office/drawing/2010/main" w="9525">
+                <a:solidFill>
+                  <a:schemeClr val="tx1"/>
+                </a:solidFill>
+                <a:miter lim="800000"/>
+                <a:headEnd/>
+                <a:tailEnd/>
+              </a14:hiddenLine>
+            </a:ext>
+            <a:ext uri="{AF507438-7753-43E0-B8FC-AC1667EBCBE1}">
+              <a14:hiddenEffects xmlns:a14="http://schemas.microsoft.com/office/drawing/2010/main">
+                <a:effectLst>
+                  <a:outerShdw dist="35921" dir="2700000" algn="ctr" rotWithShape="0">
+                    <a:schemeClr val="bg2"/>
+                  </a:outerShdw>
+                </a:effectLst>
+              </a14:hiddenEffects>
+            </a:ext>
+          </a:extLst>
+        </p:spPr>
+      </p:pic>
+    </p:spTree>
+    <p:extLst>
+      <p:ext uri="{BB962C8B-B14F-4D97-AF65-F5344CB8AC3E}">
+        <p14:creationId xmlns:p14="http://schemas.microsoft.com/office/powerpoint/2010/main" val="4098322401"/>
+      </p:ext>
+    </p:extLst>
+  </p:cSld>
+  <p:clrMapOvr>
+    <a:masterClrMapping/>
+  </p:clrMapOvr>
+  <p:transition spd="slow">
+    <p:wipe dir="d"/>
+  </p:transition>
+  <p:timing>
+    <p:tnLst>
+      <p:par>
+        <p:cTn id="1" dur="indefinite" restart="never" nodeType="tmRoot">
+          <p:childTnLst>
+            <p:seq concurrent="1" nextAc="seek">
+              <p:cTn id="2" dur="indefinite" nodeType="mainSeq">
+                <p:childTnLst>
+                  <p:par>
+                    <p:cTn id="3" fill="hold">
+                      <p:stCondLst>
+                        <p:cond delay="indefinite"/>
+                      </p:stCondLst>
+                      <p:childTnLst>
+                        <p:par>
+                          <p:cTn id="4" fill="hold">
+                            <p:stCondLst>
+                              <p:cond delay="0"/>
+                            </p:stCondLst>
+                            <p:childTnLst>
+                              <p:par>
+                                <p:cTn id="5" presetID="16" presetClass="entr" presetSubtype="21" fill="hold" nodeType="clickEffect">
+                                  <p:stCondLst>
+                                    <p:cond delay="0"/>
+                                  </p:stCondLst>
+                                  <p:childTnLst>
+                                    <p:set>
+                                      <p:cBhvr>
+                                        <p:cTn id="6" dur="1" fill="hold">
+                                          <p:stCondLst>
+                                            <p:cond delay="0"/>
+                                          </p:stCondLst>
+                                        </p:cTn>
+                                        <p:tgtEl>
+                                          <p:spTgt spid="2050"/>
+                                        </p:tgtEl>
+                                        <p:attrNameLst>
+                                          <p:attrName>style.visibility</p:attrName>
+                                        </p:attrNameLst>
+                                      </p:cBhvr>
+                                      <p:to>
+                                        <p:strVal val="visible"/>
+                                      </p:to>
+                                    </p:set>
+                                    <p:animEffect transition="in" filter="barn(inVertical)">
+                                      <p:cBhvr>
+                                        <p:cTn id="7" dur="500"/>
+                                        <p:tgtEl>
+                                          <p:spTgt spid="2050"/>
+                                        </p:tgtEl>
+                                      </p:cBhvr>
+                                    </p:animEffect>
+                                  </p:childTnLst>
+                                </p:cTn>
+                              </p:par>
+                            </p:childTnLst>
+                          </p:cTn>
+                        </p:par>
+                      </p:childTnLst>
+                    </p:cTn>
+                  </p:par>
+                  <p:par>
+                    <p:cTn id="8" fill="hold">
+                      <p:stCondLst>
+                        <p:cond delay="indefinite"/>
+                      </p:stCondLst>
+                      <p:childTnLst>
+                        <p:par>
+                          <p:cTn id="9" fill="hold">
+                            <p:stCondLst>
+                              <p:cond delay="0"/>
+                            </p:stCondLst>
+                            <p:childTnLst>
+                              <p:par>
+                                <p:cTn id="10" presetID="42" presetClass="entr" presetSubtype="0" fill="hold" nodeType="clickEffect">
+                                  <p:stCondLst>
+                                    <p:cond delay="0"/>
+                                  </p:stCondLst>
+                                  <p:childTnLst>
+                                    <p:set>
+                                      <p:cBhvr>
+                                        <p:cTn id="11" dur="1" fill="hold">
+                                          <p:stCondLst>
+                                            <p:cond delay="0"/>
+                                          </p:stCondLst>
+                                        </p:cTn>
+                                        <p:tgtEl>
+                                          <p:spTgt spid="4"/>
+                                        </p:tgtEl>
+                                        <p:attrNameLst>
+                                          <p:attrName>style.visibility</p:attrName>
+                                        </p:attrNameLst>
+                                      </p:cBhvr>
+                                      <p:to>
+                                        <p:strVal val="visible"/>
+                                      </p:to>
+                                    </p:set>
+                                    <p:animEffect transition="in" filter="fade">
+                                      <p:cBhvr>
+                                        <p:cTn id="12" dur="1000"/>
+                                        <p:tgtEl>
+                                          <p:spTgt spid="4"/>
+                                        </p:tgtEl>
+                                      </p:cBhvr>
+                                    </p:animEffect>
+                                    <p:anim calcmode="lin" valueType="num">
+                                      <p:cBhvr>
+                                        <p:cTn id="13" dur="1000" fill="hold"/>
+                                        <p:tgtEl>
+                                          <p:spTgt spid="4"/>
+                                        </p:tgtEl>
+                                        <p:attrNameLst>
+                                          <p:attrName>ppt_x</p:attrName>
+                                        </p:attrNameLst>
+                                      </p:cBhvr>
+                                      <p:tavLst>
+                                        <p:tav tm="0">
+                                          <p:val>
+                                            <p:strVal val="#ppt_x"/>
+                                          </p:val>
+                                        </p:tav>
+                                        <p:tav tm="100000">
+                                          <p:val>
+                                            <p:strVal val="#ppt_x"/>
+                                          </p:val>
+                                        </p:tav>
+                                      </p:tavLst>
+                                    </p:anim>
+                                    <p:anim calcmode="lin" valueType="num">
+                                      <p:cBhvr>
+                                        <p:cTn id="14" dur="1000" fill="hold"/>
+                                        <p:tgtEl>
+                                          <p:spTgt spid="4"/>
+                                        </p:tgtEl>
+                                        <p:attrNameLst>
+                                          <p:attrName>ppt_y</p:attrName>
+                                        </p:attrNameLst>
+                                      </p:cBhvr>
+                                      <p:tavLst>
+                                        <p:tav tm="0">
+                                          <p:val>
+                                            <p:strVal val="#ppt_y+.1"/>
+                                          </p:val>
+                                        </p:tav>
+                                        <p:tav tm="100000">
+                                          <p:val>
+                                            <p:strVal val="#ppt_y"/>
+                                          </p:val>
+                                        </p:tav>
+                                      </p:tavLst>
+                                    </p:anim>
+                                  </p:childTnLst>
+                                </p:cTn>
+                              </p:par>
+                            </p:childTnLst>
+                          </p:cTn>
+                        </p:par>
+                      </p:childTnLst>
+                    </p:cTn>
+                  </p:par>
+                </p:childTnLst>
+              </p:cTn>
+              <p:prevCondLst>
+                <p:cond evt="onPrev" delay="0">
+                  <p:tgtEl>
+                    <p:sldTgt/>
+                  </p:tgtEl>
+                </p:cond>
+              </p:prevCondLst>
+              <p:nextCondLst>
+                <p:cond evt="onNext" delay="0">
+                  <p:tgtEl>
+                    <p:sldTgt/>
+                  </p:tgtEl>
+                </p:cond>
+              </p:nextCondLst>
+            </p:seq>
+          </p:childTnLst>
+        </p:cTn>
+      </p:par>
+    </p:tnLst>
+  </p:timing>
+</p:sld>
+</file>
+
+<file path=ppt/slides/slide15.xml><?xml version="1.0" encoding="utf-8"?>
+<p:sld xmlns:a="http://schemas.openxmlformats.org/drawingml/2006/main" xmlns:r="http://schemas.openxmlformats.org/officeDocument/2006/relationships" xmlns:p="http://schemas.openxmlformats.org/presentationml/2006/main">
+  <p:cSld>
+    <p:spTree>
+      <p:nvGrpSpPr>
+        <p:cNvPr id="1" name=""/>
+        <p:cNvGrpSpPr/>
+        <p:nvPr/>
+      </p:nvGrpSpPr>
+      <p:grpSpPr>
+        <a:xfrm>
+          <a:off x="0" y="0"/>
+          <a:ext cx="0" cy="0"/>
+          <a:chOff x="0" y="0"/>
+          <a:chExt cx="0" cy="0"/>
+        </a:xfrm>
+      </p:grpSpPr>
+      <p:sp>
+        <p:nvSpPr>
+          <p:cNvPr id="2" name="Titre 1"/>
+          <p:cNvSpPr>
+            <a:spLocks noGrp="1"/>
+          </p:cNvSpPr>
+          <p:nvPr>
+            <p:ph type="title"/>
+          </p:nvPr>
+        </p:nvSpPr>
+        <p:spPr/>
+        <p:txBody>
+          <a:bodyPr/>
+          <a:lstStyle/>
+          <a:p>
+            <a:endParaRPr lang="fr-FR"/>
+          </a:p>
+        </p:txBody>
+      </p:sp>
+      <p:pic>
+        <p:nvPicPr>
+          <p:cNvPr id="4" name="Espace réservé du contenu 3"/>
+          <p:cNvPicPr>
+            <a:picLocks noGrp="1" noChangeAspect="1"/>
+          </p:cNvPicPr>
+          <p:nvPr>
+            <p:ph idx="1"/>
+          </p:nvPr>
+        </p:nvPicPr>
+        <p:blipFill>
+          <a:blip r:embed="rId2">
+            <a:extLst>
+              <a:ext uri="{28A0092B-C50C-407E-A947-70E740481C1C}">
+                <a14:useLocalDpi xmlns:a14="http://schemas.microsoft.com/office/drawing/2010/main" val="0"/>
+              </a:ext>
+            </a:extLst>
+          </a:blip>
+          <a:stretch>
+            <a:fillRect/>
+          </a:stretch>
+        </p:blipFill>
+        <p:spPr>
+          <a:xfrm>
+            <a:off x="-108520" y="0"/>
+            <a:ext cx="9252520" cy="7029400"/>
+          </a:xfrm>
+        </p:spPr>
+      </p:pic>
+    </p:spTree>
+    <p:extLst>
+      <p:ext uri="{BB962C8B-B14F-4D97-AF65-F5344CB8AC3E}">
+        <p14:creationId xmlns:p14="http://schemas.microsoft.com/office/powerpoint/2010/main" val="473580340"/>
+      </p:ext>
+    </p:extLst>
+  </p:cSld>
+  <p:clrMapOvr>
+    <a:masterClrMapping/>
+  </p:clrMapOvr>
+  <p:transition spd="slow">
+    <p:wipe dir="d"/>
+  </p:transition>
+  <p:timing>
+    <p:tnLst>
+      <p:par>
+        <p:cTn id="1" dur="indefinite" restart="never" nodeType="tmRoot">
+          <p:childTnLst>
+            <p:seq concurrent="1" nextAc="seek">
+              <p:cTn id="2" dur="indefinite" nodeType="mainSeq">
+                <p:childTnLst>
+                  <p:par>
+                    <p:cTn id="3" fill="hold">
+                      <p:stCondLst>
+                        <p:cond delay="indefinite"/>
+                      </p:stCondLst>
+                      <p:childTnLst>
+                        <p:par>
+                          <p:cTn id="4" fill="hold">
+                            <p:stCondLst>
+                              <p:cond delay="0"/>
+                            </p:stCondLst>
+                            <p:childTnLst>
+                              <p:par>
+                                <p:cTn id="5" presetID="16" presetClass="entr" presetSubtype="21" fill="hold" nodeType="clickEffect">
+                                  <p:stCondLst>
+                                    <p:cond delay="0"/>
+                                  </p:stCondLst>
+                                  <p:childTnLst>
+                                    <p:set>
+                                      <p:cBhvr>
+                                        <p:cTn id="6" dur="1" fill="hold">
+                                          <p:stCondLst>
+                                            <p:cond delay="0"/>
+                                          </p:stCondLst>
+                                        </p:cTn>
+                                        <p:tgtEl>
+                                          <p:spTgt spid="4"/>
+                                        </p:tgtEl>
+                                        <p:attrNameLst>
+                                          <p:attrName>style.visibility</p:attrName>
+                                        </p:attrNameLst>
+                                      </p:cBhvr>
+                                      <p:to>
+                                        <p:strVal val="visible"/>
+                                      </p:to>
+                                    </p:set>
+                                    <p:animEffect transition="in" filter="barn(inVertical)">
+                                      <p:cBhvr>
+                                        <p:cTn id="7" dur="500"/>
+                                        <p:tgtEl>
+                                          <p:spTgt spid="4"/>
+                                        </p:tgtEl>
+                                      </p:cBhvr>
+                                    </p:animEffect>
+                                  </p:childTnLst>
+                                </p:cTn>
+                              </p:par>
+                            </p:childTnLst>
+                          </p:cTn>
+                        </p:par>
+                      </p:childTnLst>
+                    </p:cTn>
+                  </p:par>
+                </p:childTnLst>
+              </p:cTn>
+              <p:prevCondLst>
+                <p:cond evt="onPrev" delay="0">
+                  <p:tgtEl>
+                    <p:sldTgt/>
+                  </p:tgtEl>
+                </p:cond>
+              </p:prevCondLst>
+              <p:nextCondLst>
+                <p:cond evt="onNext" delay="0">
+                  <p:tgtEl>
+                    <p:sldTgt/>
+                  </p:tgtEl>
+                </p:cond>
+              </p:nextCondLst>
+            </p:seq>
+          </p:childTnLst>
+        </p:cTn>
+      </p:par>
+    </p:tnLst>
+  </p:timing>
+</p:sld>
+</file>
+
+<file path=ppt/slides/slide16.xml><?xml version="1.0" encoding="utf-8"?>
+<p:sld xmlns:a="http://schemas.openxmlformats.org/drawingml/2006/main" xmlns:r="http://schemas.openxmlformats.org/officeDocument/2006/relationships" xmlns:p="http://schemas.openxmlformats.org/presentationml/2006/main">
+  <p:cSld>
+    <p:spTree>
+      <p:nvGrpSpPr>
+        <p:cNvPr id="1" name=""/>
+        <p:cNvGrpSpPr/>
+        <p:nvPr/>
+      </p:nvGrpSpPr>
+      <p:grpSpPr>
+        <a:xfrm>
+          <a:off x="0" y="0"/>
+          <a:ext cx="0" cy="0"/>
+          <a:chOff x="0" y="0"/>
+          <a:chExt cx="0" cy="0"/>
+        </a:xfrm>
+      </p:grpSpPr>
+      <p:sp>
+        <p:nvSpPr>
+          <p:cNvPr id="2" name="Titre 1"/>
+          <p:cNvSpPr>
+            <a:spLocks noGrp="1"/>
+          </p:cNvSpPr>
+          <p:nvPr>
+            <p:ph type="title"/>
+          </p:nvPr>
+        </p:nvSpPr>
+        <p:spPr/>
+        <p:txBody>
+          <a:bodyPr>
+            <a:normAutofit fontScale="90000"/>
+          </a:bodyPr>
+          <a:lstStyle/>
+          <a:p>
+            <a:r>
+              <a:rPr lang="fr-FR" sz="4900" b="1" dirty="0" smtClean="0">
+                <a:solidFill>
+                  <a:schemeClr val="accent1"/>
+                </a:solidFill>
+              </a:rPr>
+              <a:t>Les principe de l’IHM</a:t>
+            </a:r>
+            <a:r>
+              <a:rPr lang="fr-FR" dirty="0"/>
+              <a:t/>
+            </a:r>
+            <a:br>
+              <a:rPr lang="fr-FR" dirty="0"/>
+            </a:br>
+            <a:endParaRPr lang="fr-FR" dirty="0"/>
+          </a:p>
+        </p:txBody>
+      </p:sp>
+      <p:sp>
+        <p:nvSpPr>
+          <p:cNvPr id="3" name="Espace réservé du contenu 2"/>
+          <p:cNvSpPr>
+            <a:spLocks noGrp="1"/>
+          </p:cNvSpPr>
+          <p:nvPr>
+            <p:ph idx="1"/>
+          </p:nvPr>
+        </p:nvSpPr>
+        <p:spPr/>
+        <p:txBody>
+          <a:bodyPr/>
+          <a:lstStyle/>
+          <a:p>
+            <a:r>
+              <a:rPr lang="fr-FR" dirty="0" smtClean="0"/>
+              <a:t>Cinq </a:t>
+            </a:r>
+            <a:r>
+              <a:rPr lang="fr-FR" dirty="0"/>
+              <a:t>principes </a:t>
+            </a:r>
+            <a:r>
+              <a:rPr lang="fr-FR" dirty="0" smtClean="0"/>
+              <a:t>généraux </a:t>
+            </a:r>
+            <a:r>
+              <a:rPr lang="fr-FR" dirty="0"/>
+              <a:t>de conception</a:t>
+            </a:r>
+          </a:p>
+          <a:p>
+            <a:r>
+              <a:rPr lang="fr-FR" dirty="0"/>
+              <a:t>1. emploi des </a:t>
+            </a:r>
+            <a:r>
+              <a:rPr lang="fr-FR" dirty="0" smtClean="0"/>
+              <a:t>métaphores</a:t>
+            </a:r>
+            <a:endParaRPr lang="fr-FR" dirty="0"/>
+          </a:p>
+          <a:p>
+            <a:r>
+              <a:rPr lang="fr-FR" dirty="0"/>
+              <a:t>2. approche objet-action</a:t>
+            </a:r>
+          </a:p>
+          <a:p>
+            <a:r>
+              <a:rPr lang="fr-FR" dirty="0"/>
+              <a:t>3. </a:t>
+            </a:r>
+            <a:r>
+              <a:rPr lang="fr-FR" dirty="0" smtClean="0"/>
+              <a:t>activités </a:t>
+            </a:r>
+            <a:r>
+              <a:rPr lang="fr-FR" dirty="0"/>
+              <a:t>de l’utilisateur</a:t>
+            </a:r>
+          </a:p>
+          <a:p>
+            <a:r>
+              <a:rPr lang="fr-FR" dirty="0"/>
+              <a:t>4. </a:t>
+            </a:r>
+            <a:r>
+              <a:rPr lang="fr-FR" dirty="0" smtClean="0"/>
+              <a:t>cohérence </a:t>
+            </a:r>
+            <a:r>
+              <a:rPr lang="fr-FR" dirty="0"/>
+              <a:t>de l’interface</a:t>
+            </a:r>
+          </a:p>
+          <a:p>
+            <a:r>
+              <a:rPr lang="fr-FR" dirty="0"/>
+              <a:t>5. transparence de l’interface</a:t>
+            </a:r>
+          </a:p>
+        </p:txBody>
+      </p:sp>
+    </p:spTree>
+    <p:extLst>
+      <p:ext uri="{BB962C8B-B14F-4D97-AF65-F5344CB8AC3E}">
+        <p14:creationId xmlns:p14="http://schemas.microsoft.com/office/powerpoint/2010/main" val="2647142762"/>
+      </p:ext>
+    </p:extLst>
+  </p:cSld>
+  <p:clrMapOvr>
+    <a:masterClrMapping/>
+  </p:clrMapOvr>
+  <p:transition spd="slow">
+    <p:wipe dir="d"/>
+  </p:transition>
+  <p:timing>
+    <p:tnLst>
+      <p:par>
+        <p:cTn id="1" dur="indefinite" restart="never" nodeType="tmRoot">
+          <p:childTnLst>
+            <p:seq concurrent="1" nextAc="seek">
+              <p:cTn id="2" dur="indefinite" nodeType="mainSeq">
+                <p:childTnLst>
+                  <p:par>
+                    <p:cTn id="3" fill="hold">
+                      <p:stCondLst>
+                        <p:cond delay="indefinite"/>
+                      </p:stCondLst>
+                      <p:childTnLst>
+                        <p:par>
+                          <p:cTn id="4" fill="hold">
+                            <p:stCondLst>
+                              <p:cond delay="0"/>
+                            </p:stCondLst>
+                            <p:childTnLst>
+                              <p:par>
+                                <p:cTn id="5" presetID="16" presetClass="entr" presetSubtype="21" fill="hold" grpId="0" nodeType="clickEffect">
+                                  <p:stCondLst>
+                                    <p:cond delay="0"/>
+                                  </p:stCondLst>
+                                  <p:childTnLst>
+                                    <p:set>
+                                      <p:cBhvr>
+                                        <p:cTn id="6" dur="1" fill="hold">
+                                          <p:stCondLst>
+                                            <p:cond delay="0"/>
+                                          </p:stCondLst>
+                                        </p:cTn>
+                                        <p:tgtEl>
+                                          <p:spTgt spid="2"/>
+                                        </p:tgtEl>
+                                        <p:attrNameLst>
+                                          <p:attrName>style.visibility</p:attrName>
+                                        </p:attrNameLst>
+                                      </p:cBhvr>
+                                      <p:to>
+                                        <p:strVal val="visible"/>
+                                      </p:to>
+                                    </p:set>
+                                    <p:animEffect transition="in" filter="barn(inVertical)">
+                                      <p:cBhvr>
+                                        <p:cTn id="7" dur="500"/>
+                                        <p:tgtEl>
+                                          <p:spTgt spid="2"/>
+                                        </p:tgtEl>
+                                      </p:cBhvr>
+                                    </p:animEffect>
+                                  </p:childTnLst>
+                                </p:cTn>
+                              </p:par>
+                            </p:childTnLst>
+                          </p:cTn>
+                        </p:par>
+                      </p:childTnLst>
+                    </p:cTn>
+                  </p:par>
+                  <p:par>
+                    <p:cTn id="8" fill="hold">
+                      <p:stCondLst>
+                        <p:cond delay="indefinite"/>
+                      </p:stCondLst>
+                      <p:childTnLst>
+                        <p:par>
+                          <p:cTn id="9" fill="hold">
+                            <p:stCondLst>
+                              <p:cond delay="0"/>
+                            </p:stCondLst>
+                            <p:childTnLst>
+                              <p:par>
+                                <p:cTn id="10" presetID="16" presetClass="entr" presetSubtype="21" fill="hold" nodeType="clickEffect">
+                                  <p:stCondLst>
+                                    <p:cond delay="0"/>
+                                  </p:stCondLst>
+                                  <p:childTnLst>
+                                    <p:set>
+                                      <p:cBhvr>
+                                        <p:cTn id="11" dur="1" fill="hold">
+                                          <p:stCondLst>
+                                            <p:cond delay="0"/>
+                                          </p:stCondLst>
+                                        </p:cTn>
+                                        <p:tgtEl>
+                                          <p:spTgt spid="3">
+                                            <p:txEl>
+                                              <p:pRg st="0" end="0"/>
+                                            </p:txEl>
+                                          </p:spTgt>
+                                        </p:tgtEl>
+                                        <p:attrNameLst>
+                                          <p:attrName>style.visibility</p:attrName>
+                                        </p:attrNameLst>
+                                      </p:cBhvr>
+                                      <p:to>
+                                        <p:strVal val="visible"/>
+                                      </p:to>
+                                    </p:set>
+                                    <p:animEffect transition="in" filter="barn(inVertical)">
+                                      <p:cBhvr>
+                                        <p:cTn id="12" dur="500"/>
+                                        <p:tgtEl>
+                                          <p:spTgt spid="3">
+                                            <p:txEl>
+                                              <p:pRg st="0" end="0"/>
+                                            </p:txEl>
+                                          </p:spTgt>
+                                        </p:tgtEl>
+                                      </p:cBhvr>
+                                    </p:animEffect>
+                                  </p:childTnLst>
+                                </p:cTn>
+                              </p:par>
+                              <p:par>
+                                <p:cTn id="13" presetID="16" presetClass="entr" presetSubtype="21" fill="hold" nodeType="withEffect">
+                                  <p:stCondLst>
+                                    <p:cond delay="0"/>
+                                  </p:stCondLst>
+                                  <p:childTnLst>
+                                    <p:set>
+                                      <p:cBhvr>
+                                        <p:cTn id="14" dur="1" fill="hold">
+                                          <p:stCondLst>
+                                            <p:cond delay="0"/>
+                                          </p:stCondLst>
+                                        </p:cTn>
+                                        <p:tgtEl>
+                                          <p:spTgt spid="3">
+                                            <p:txEl>
+                                              <p:pRg st="1" end="1"/>
+                                            </p:txEl>
+                                          </p:spTgt>
+                                        </p:tgtEl>
+                                        <p:attrNameLst>
+                                          <p:attrName>style.visibility</p:attrName>
+                                        </p:attrNameLst>
+                                      </p:cBhvr>
+                                      <p:to>
+                                        <p:strVal val="visible"/>
+                                      </p:to>
+                                    </p:set>
+                                    <p:animEffect transition="in" filter="barn(inVertical)">
+                                      <p:cBhvr>
+                                        <p:cTn id="15" dur="500"/>
+                                        <p:tgtEl>
+                                          <p:spTgt spid="3">
+                                            <p:txEl>
+                                              <p:pRg st="1" end="1"/>
+                                            </p:txEl>
+                                          </p:spTgt>
+                                        </p:tgtEl>
+                                      </p:cBhvr>
+                                    </p:animEffect>
+                                  </p:childTnLst>
+                                </p:cTn>
+                              </p:par>
+                              <p:par>
+                                <p:cTn id="16" presetID="16" presetClass="entr" presetSubtype="21" fill="hold" nodeType="withEffect">
+                                  <p:stCondLst>
+                                    <p:cond delay="0"/>
+                                  </p:stCondLst>
+                                  <p:childTnLst>
+                                    <p:set>
+                                      <p:cBhvr>
+                                        <p:cTn id="17" dur="1" fill="hold">
+                                          <p:stCondLst>
+                                            <p:cond delay="0"/>
+                                          </p:stCondLst>
+                                        </p:cTn>
+                                        <p:tgtEl>
+                                          <p:spTgt spid="3">
+                                            <p:txEl>
+                                              <p:pRg st="2" end="2"/>
+                                            </p:txEl>
+                                          </p:spTgt>
+                                        </p:tgtEl>
+                                        <p:attrNameLst>
+                                          <p:attrName>style.visibility</p:attrName>
+                                        </p:attrNameLst>
+                                      </p:cBhvr>
+                                      <p:to>
+                                        <p:strVal val="visible"/>
+                                      </p:to>
+                                    </p:set>
+                                    <p:animEffect transition="in" filter="barn(inVertical)">
+                                      <p:cBhvr>
+                                        <p:cTn id="18" dur="500"/>
+                                        <p:tgtEl>
+                                          <p:spTgt spid="3">
+                                            <p:txEl>
+                                              <p:pRg st="2" end="2"/>
+                                            </p:txEl>
+                                          </p:spTgt>
+                                        </p:tgtEl>
+                                      </p:cBhvr>
+                                    </p:animEffect>
+                                  </p:childTnLst>
+                                </p:cTn>
+                              </p:par>
+                              <p:par>
+                                <p:cTn id="19" presetID="16" presetClass="entr" presetSubtype="21" fill="hold" nodeType="withEffect">
+                                  <p:stCondLst>
+                                    <p:cond delay="0"/>
+                                  </p:stCondLst>
+                                  <p:childTnLst>
+                                    <p:set>
+                                      <p:cBhvr>
+                                        <p:cTn id="20" dur="1" fill="hold">
+                                          <p:stCondLst>
+                                            <p:cond delay="0"/>
+                                          </p:stCondLst>
+                                        </p:cTn>
+                                        <p:tgtEl>
+                                          <p:spTgt spid="3">
+                                            <p:txEl>
+                                              <p:pRg st="3" end="3"/>
+                                            </p:txEl>
+                                          </p:spTgt>
+                                        </p:tgtEl>
+                                        <p:attrNameLst>
+                                          <p:attrName>style.visibility</p:attrName>
+                                        </p:attrNameLst>
+                                      </p:cBhvr>
+                                      <p:to>
+                                        <p:strVal val="visible"/>
+                                      </p:to>
+                                    </p:set>
+                                    <p:animEffect transition="in" filter="barn(inVertical)">
+                                      <p:cBhvr>
+                                        <p:cTn id="21" dur="500"/>
+                                        <p:tgtEl>
+                                          <p:spTgt spid="3">
+                                            <p:txEl>
+                                              <p:pRg st="3" end="3"/>
+                                            </p:txEl>
+                                          </p:spTgt>
+                                        </p:tgtEl>
+                                      </p:cBhvr>
+                                    </p:animEffect>
+                                  </p:childTnLst>
+                                </p:cTn>
+                              </p:par>
+                              <p:par>
+                                <p:cTn id="22" presetID="16" presetClass="entr" presetSubtype="21" fill="hold" nodeType="withEffect">
+                                  <p:stCondLst>
+                                    <p:cond delay="0"/>
+                                  </p:stCondLst>
+                                  <p:childTnLst>
+                                    <p:set>
+                                      <p:cBhvr>
+                                        <p:cTn id="23" dur="1" fill="hold">
+                                          <p:stCondLst>
+                                            <p:cond delay="0"/>
+                                          </p:stCondLst>
+                                        </p:cTn>
+                                        <p:tgtEl>
+                                          <p:spTgt spid="3">
+                                            <p:txEl>
+                                              <p:pRg st="4" end="4"/>
+                                            </p:txEl>
+                                          </p:spTgt>
+                                        </p:tgtEl>
+                                        <p:attrNameLst>
+                                          <p:attrName>style.visibility</p:attrName>
+                                        </p:attrNameLst>
+                                      </p:cBhvr>
+                                      <p:to>
+                                        <p:strVal val="visible"/>
+                                      </p:to>
+                                    </p:set>
+                                    <p:animEffect transition="in" filter="barn(inVertical)">
+                                      <p:cBhvr>
+                                        <p:cTn id="24" dur="500"/>
+                                        <p:tgtEl>
+                                          <p:spTgt spid="3">
+                                            <p:txEl>
+                                              <p:pRg st="4" end="4"/>
+                                            </p:txEl>
+                                          </p:spTgt>
+                                        </p:tgtEl>
+                                      </p:cBhvr>
+                                    </p:animEffect>
+                                  </p:childTnLst>
+                                </p:cTn>
+                              </p:par>
+                              <p:par>
+                                <p:cTn id="25" presetID="16" presetClass="entr" presetSubtype="21" fill="hold" nodeType="withEffect">
+                                  <p:stCondLst>
+                                    <p:cond delay="0"/>
+                                  </p:stCondLst>
+                                  <p:childTnLst>
+                                    <p:set>
+                                      <p:cBhvr>
+                                        <p:cTn id="26" dur="1" fill="hold">
+                                          <p:stCondLst>
+                                            <p:cond delay="0"/>
+                                          </p:stCondLst>
+                                        </p:cTn>
+                                        <p:tgtEl>
+                                          <p:spTgt spid="3">
+                                            <p:txEl>
+                                              <p:pRg st="5" end="5"/>
+                                            </p:txEl>
+                                          </p:spTgt>
+                                        </p:tgtEl>
+                                        <p:attrNameLst>
+                                          <p:attrName>style.visibility</p:attrName>
+                                        </p:attrNameLst>
+                                      </p:cBhvr>
+                                      <p:to>
+                                        <p:strVal val="visible"/>
+                                      </p:to>
+                                    </p:set>
+                                    <p:animEffect transition="in" filter="barn(inVertical)">
+                                      <p:cBhvr>
+                                        <p:cTn id="27" dur="500"/>
+                                        <p:tgtEl>
+                                          <p:spTgt spid="3">
+                                            <p:txEl>
+                                              <p:pRg st="5" end="5"/>
+                                            </p:txEl>
+                                          </p:spTgt>
+                                        </p:tgtEl>
+                                      </p:cBhvr>
+                                    </p:animEffect>
+                                  </p:childTnLst>
+                                </p:cTn>
+                              </p:par>
+                            </p:childTnLst>
+                          </p:cTn>
+                        </p:par>
+                      </p:childTnLst>
+                    </p:cTn>
+                  </p:par>
+                </p:childTnLst>
+              </p:cTn>
+              <p:prevCondLst>
+                <p:cond evt="onPrev" delay="0">
+                  <p:tgtEl>
+                    <p:sldTgt/>
+                  </p:tgtEl>
+                </p:cond>
+              </p:prevCondLst>
+              <p:nextCondLst>
+                <p:cond evt="onNext" delay="0">
+                  <p:tgtEl>
+                    <p:sldTgt/>
+                  </p:tgtEl>
+                </p:cond>
+              </p:nextCondLst>
+            </p:seq>
+          </p:childTnLst>
+        </p:cTn>
+      </p:par>
+    </p:tnLst>
+    <p:bldLst>
+      <p:bldP spid="2" grpId="0"/>
+    </p:bldLst>
+  </p:timing>
+</p:sld>
+</file>
+
+<file path=ppt/slides/slide17.xml><?xml version="1.0" encoding="utf-8"?>
+<p:sld xmlns:a="http://schemas.openxmlformats.org/drawingml/2006/main" xmlns:r="http://schemas.openxmlformats.org/officeDocument/2006/relationships" xmlns:p="http://schemas.openxmlformats.org/presentationml/2006/main">
+  <p:cSld>
+    <p:spTree>
+      <p:nvGrpSpPr>
+        <p:cNvPr id="1" name=""/>
+        <p:cNvGrpSpPr/>
+        <p:nvPr/>
+      </p:nvGrpSpPr>
+      <p:grpSpPr>
+        <a:xfrm>
+          <a:off x="0" y="0"/>
+          <a:ext cx="0" cy="0"/>
+          <a:chOff x="0" y="0"/>
+          <a:chExt cx="0" cy="0"/>
+        </a:xfrm>
+      </p:grpSpPr>
+      <p:sp>
+        <p:nvSpPr>
+          <p:cNvPr id="2" name="Titre 1"/>
+          <p:cNvSpPr>
+            <a:spLocks noGrp="1"/>
+          </p:cNvSpPr>
+          <p:nvPr>
+            <p:ph type="title"/>
+          </p:nvPr>
+        </p:nvSpPr>
+        <p:spPr/>
+        <p:txBody>
+          <a:bodyPr>
+            <a:normAutofit fontScale="90000"/>
+          </a:bodyPr>
+          <a:lstStyle/>
+          <a:p>
+            <a:r>
+              <a:rPr lang="fr-FR" b="1" dirty="0" smtClean="0">
+                <a:solidFill>
+                  <a:schemeClr val="accent1"/>
+                </a:solidFill>
+              </a:rPr>
+              <a:t>1-emploi </a:t>
+            </a:r>
+            <a:r>
+              <a:rPr lang="fr-FR" b="1" dirty="0">
+                <a:solidFill>
+                  <a:schemeClr val="accent1"/>
+                </a:solidFill>
+              </a:rPr>
+              <a:t>des </a:t>
+            </a:r>
+            <a:r>
+              <a:rPr lang="fr-FR" b="1" dirty="0" smtClean="0">
+                <a:solidFill>
+                  <a:schemeClr val="accent1"/>
+                </a:solidFill>
+              </a:rPr>
+              <a:t>métaphores</a:t>
+            </a:r>
+            <a:r>
+              <a:rPr lang="fr-FR" dirty="0"/>
+              <a:t/>
+            </a:r>
+            <a:br>
+              <a:rPr lang="fr-FR" dirty="0"/>
+            </a:br>
+            <a:endParaRPr lang="fr-FR" dirty="0"/>
+          </a:p>
+        </p:txBody>
+      </p:sp>
+      <p:sp>
+        <p:nvSpPr>
+          <p:cNvPr id="3" name="Espace réservé du contenu 2"/>
+          <p:cNvSpPr>
+            <a:spLocks noGrp="1"/>
+          </p:cNvSpPr>
+          <p:nvPr>
+            <p:ph idx="1"/>
+          </p:nvPr>
+        </p:nvSpPr>
+        <p:spPr/>
+        <p:txBody>
+          <a:bodyPr>
+            <a:normAutofit fontScale="77500" lnSpcReduction="20000"/>
+          </a:bodyPr>
+          <a:lstStyle/>
+          <a:p>
+            <a:r>
+              <a:rPr lang="fr-FR" dirty="0" smtClean="0"/>
+              <a:t>Représentation </a:t>
+            </a:r>
+            <a:r>
+              <a:rPr lang="fr-FR" dirty="0"/>
+              <a:t>analogue au </a:t>
+            </a:r>
+            <a:r>
+              <a:rPr lang="fr-FR" dirty="0" smtClean="0"/>
+              <a:t>modelé </a:t>
+            </a:r>
+            <a:r>
+              <a:rPr lang="fr-FR" dirty="0"/>
+              <a:t>de l</a:t>
+            </a:r>
+            <a:r>
+              <a:rPr lang="fr-FR" dirty="0" smtClean="0"/>
+              <a:t>’´élément </a:t>
+            </a:r>
+            <a:r>
+              <a:rPr lang="fr-FR" dirty="0"/>
+              <a:t>d’application</a:t>
+            </a:r>
+          </a:p>
+          <a:p>
+            <a:r>
+              <a:rPr lang="fr-FR" dirty="0" smtClean="0"/>
+              <a:t>dossier</a:t>
+            </a:r>
+            <a:r>
+              <a:rPr lang="fr-FR" dirty="0"/>
+              <a:t>, document: fichier informatique</a:t>
+            </a:r>
+          </a:p>
+          <a:p>
+            <a:r>
+              <a:rPr lang="fr-FR" dirty="0" smtClean="0"/>
+              <a:t>Regroupement </a:t>
+            </a:r>
+            <a:r>
+              <a:rPr lang="fr-FR" dirty="0"/>
+              <a:t>des </a:t>
+            </a:r>
+            <a:r>
+              <a:rPr lang="fr-FR" dirty="0" smtClean="0"/>
+              <a:t>métaphores </a:t>
+            </a:r>
+            <a:r>
+              <a:rPr lang="fr-FR" dirty="0"/>
+              <a:t>suivant le type d’application</a:t>
+            </a:r>
+          </a:p>
+          <a:p>
+            <a:r>
+              <a:rPr lang="fr-FR" dirty="0" smtClean="0"/>
+              <a:t>métaphores  générales</a:t>
+            </a:r>
+            <a:endParaRPr lang="fr-FR" dirty="0"/>
+          </a:p>
+          <a:p>
+            <a:r>
+              <a:rPr lang="fr-FR" dirty="0" smtClean="0"/>
+              <a:t>interfaces </a:t>
+            </a:r>
+            <a:r>
+              <a:rPr lang="fr-FR" dirty="0"/>
+              <a:t>textuelles</a:t>
+            </a:r>
+          </a:p>
+          <a:p>
+            <a:r>
+              <a:rPr lang="fr-FR" dirty="0" smtClean="0"/>
+              <a:t>interfaces </a:t>
+            </a:r>
+            <a:r>
+              <a:rPr lang="fr-FR" dirty="0"/>
+              <a:t>graphiques</a:t>
+            </a:r>
+          </a:p>
+          <a:p>
+            <a:r>
+              <a:rPr lang="fr-FR" dirty="0" smtClean="0"/>
+              <a:t>outils </a:t>
+            </a:r>
+            <a:r>
+              <a:rPr lang="fr-FR" dirty="0"/>
+              <a:t>de dessins</a:t>
+            </a:r>
+          </a:p>
+          <a:p>
+            <a:r>
+              <a:rPr lang="fr-FR" dirty="0" smtClean="0"/>
+              <a:t>liés </a:t>
+            </a:r>
+            <a:r>
+              <a:rPr lang="fr-FR" dirty="0"/>
+              <a:t>`a la messagerie</a:t>
+            </a:r>
+          </a:p>
+          <a:p>
+            <a:r>
+              <a:rPr lang="fr-FR" dirty="0" smtClean="0"/>
+              <a:t>traitement </a:t>
+            </a:r>
+            <a:r>
+              <a:rPr lang="fr-FR" dirty="0"/>
+              <a:t>de texte, tableurs</a:t>
+            </a:r>
+          </a:p>
+          <a:p>
+            <a:r>
+              <a:rPr lang="fr-FR" dirty="0" smtClean="0"/>
+              <a:t>applications multimédia</a:t>
+            </a:r>
+            <a:endParaRPr lang="fr-FR" dirty="0"/>
+          </a:p>
+        </p:txBody>
+      </p:sp>
+    </p:spTree>
+    <p:extLst>
+      <p:ext uri="{BB962C8B-B14F-4D97-AF65-F5344CB8AC3E}">
+        <p14:creationId xmlns:p14="http://schemas.microsoft.com/office/powerpoint/2010/main" val="307284607"/>
+      </p:ext>
+    </p:extLst>
+  </p:cSld>
+  <p:clrMapOvr>
+    <a:masterClrMapping/>
+  </p:clrMapOvr>
+  <p:transition spd="slow">
+    <p:wipe dir="d"/>
+  </p:transition>
+  <p:timing>
+    <p:tnLst>
+      <p:par>
+        <p:cTn id="1" dur="indefinite" restart="never" nodeType="tmRoot"/>
+      </p:par>
+    </p:tnLst>
+  </p:timing>
+</p:sld>
+</file>
+
+<file path=ppt/slides/slide18.xml><?xml version="1.0" encoding="utf-8"?>
+<p:sld xmlns:a="http://schemas.openxmlformats.org/drawingml/2006/main" xmlns:r="http://schemas.openxmlformats.org/officeDocument/2006/relationships" xmlns:p="http://schemas.openxmlformats.org/presentationml/2006/main">
+  <p:cSld>
+    <p:spTree>
+      <p:nvGrpSpPr>
+        <p:cNvPr id="1" name=""/>
+        <p:cNvGrpSpPr/>
+        <p:nvPr/>
+      </p:nvGrpSpPr>
+      <p:grpSpPr>
+        <a:xfrm>
+          <a:off x="0" y="0"/>
+          <a:ext cx="0" cy="0"/>
+          <a:chOff x="0" y="0"/>
+          <a:chExt cx="0" cy="0"/>
+        </a:xfrm>
+      </p:grpSpPr>
+      <p:sp>
+        <p:nvSpPr>
+          <p:cNvPr id="2" name="Titre 1"/>
+          <p:cNvSpPr>
+            <a:spLocks noGrp="1"/>
+          </p:cNvSpPr>
+          <p:nvPr>
+            <p:ph type="title"/>
+          </p:nvPr>
+        </p:nvSpPr>
+        <p:spPr/>
+        <p:txBody>
+          <a:bodyPr>
+            <a:normAutofit fontScale="90000"/>
+          </a:bodyPr>
+          <a:lstStyle/>
+          <a:p>
+            <a:r>
+              <a:rPr lang="fr-FR" b="1" dirty="0" smtClean="0">
+                <a:solidFill>
+                  <a:schemeClr val="accent1"/>
+                </a:solidFill>
+              </a:rPr>
+              <a:t>2-approche </a:t>
+            </a:r>
+            <a:r>
+              <a:rPr lang="fr-FR" b="1" dirty="0">
+                <a:solidFill>
+                  <a:schemeClr val="accent1"/>
+                </a:solidFill>
+              </a:rPr>
+              <a:t>objet-action</a:t>
+            </a:r>
+            <a:r>
+              <a:rPr lang="fr-FR" dirty="0"/>
+              <a:t/>
+            </a:r>
+            <a:br>
+              <a:rPr lang="fr-FR" dirty="0"/>
+            </a:br>
+            <a:endParaRPr lang="fr-FR" dirty="0"/>
+          </a:p>
+        </p:txBody>
+      </p:sp>
+      <p:sp>
+        <p:nvSpPr>
+          <p:cNvPr id="3" name="Espace réservé du contenu 2"/>
+          <p:cNvSpPr>
+            <a:spLocks noGrp="1"/>
+          </p:cNvSpPr>
+          <p:nvPr>
+            <p:ph idx="1"/>
+          </p:nvPr>
+        </p:nvSpPr>
+        <p:spPr/>
+        <p:txBody>
+          <a:bodyPr>
+            <a:normAutofit fontScale="70000" lnSpcReduction="20000"/>
+          </a:bodyPr>
+          <a:lstStyle/>
+          <a:p>
+            <a:r>
+              <a:rPr lang="fr-FR" dirty="0"/>
+              <a:t>Deux types d’approche</a:t>
+            </a:r>
+          </a:p>
+          <a:p>
+            <a:r>
+              <a:rPr lang="fr-FR" dirty="0" smtClean="0"/>
+              <a:t>Action-Objet</a:t>
+            </a:r>
+            <a:r>
+              <a:rPr lang="fr-FR" dirty="0"/>
+              <a:t>: atteindre un but (barre de menus, d’outils)</a:t>
+            </a:r>
+          </a:p>
+          <a:p>
+            <a:r>
+              <a:rPr lang="fr-FR" dirty="0" smtClean="0"/>
+              <a:t>Objet-Action</a:t>
+            </a:r>
+            <a:r>
+              <a:rPr lang="fr-FR" dirty="0"/>
+              <a:t>: que puis-je en faire ? (menus contextuels)</a:t>
+            </a:r>
+          </a:p>
+          <a:p>
+            <a:r>
+              <a:rPr lang="fr-FR" dirty="0"/>
+              <a:t>Exemple pour Base de </a:t>
+            </a:r>
+            <a:r>
+              <a:rPr lang="fr-FR" dirty="0" smtClean="0"/>
+              <a:t>Données</a:t>
+            </a:r>
+            <a:endParaRPr lang="fr-FR" dirty="0"/>
+          </a:p>
+          <a:p>
+            <a:r>
+              <a:rPr lang="fr-FR" dirty="0" smtClean="0"/>
+              <a:t>Client</a:t>
+            </a:r>
+            <a:r>
+              <a:rPr lang="fr-FR" dirty="0"/>
+              <a:t>, Produit, Fournisseur...</a:t>
+            </a:r>
+          </a:p>
+          <a:p>
+            <a:r>
+              <a:rPr lang="fr-FR" dirty="0" smtClean="0"/>
+              <a:t>modifier</a:t>
+            </a:r>
+            <a:r>
+              <a:rPr lang="fr-FR" dirty="0"/>
+              <a:t>, supprimer, consulter...</a:t>
+            </a:r>
+          </a:p>
+          <a:p>
+            <a:r>
+              <a:rPr lang="fr-FR" dirty="0"/>
+              <a:t>Quelle approche utiliser pour:</a:t>
+            </a:r>
+          </a:p>
+          <a:p>
+            <a:r>
+              <a:rPr lang="fr-FR" dirty="0" smtClean="0"/>
+              <a:t>modifier </a:t>
+            </a:r>
+            <a:r>
+              <a:rPr lang="fr-FR" dirty="0"/>
+              <a:t>le client Dupond</a:t>
+            </a:r>
+          </a:p>
+          <a:p>
+            <a:r>
+              <a:rPr lang="fr-FR" dirty="0" smtClean="0"/>
+              <a:t>imprimer </a:t>
+            </a:r>
+            <a:r>
+              <a:rPr lang="fr-FR" dirty="0"/>
+              <a:t>la fiche d’un produit </a:t>
+            </a:r>
+            <a:r>
+              <a:rPr lang="fr-FR" dirty="0" smtClean="0"/>
+              <a:t>donné</a:t>
+            </a:r>
+            <a:endParaRPr lang="fr-FR" dirty="0"/>
+          </a:p>
+          <a:p>
+            <a:r>
+              <a:rPr lang="fr-FR" dirty="0" smtClean="0"/>
+              <a:t>imprimer </a:t>
+            </a:r>
+            <a:r>
+              <a:rPr lang="fr-FR" dirty="0"/>
+              <a:t>les ventes par client et par produit</a:t>
+            </a:r>
+          </a:p>
+          <a:p>
+            <a:r>
+              <a:rPr lang="fr-FR" dirty="0"/>
+              <a:t>Pour les Interface Homme-Machine il faudra distinguer</a:t>
+            </a:r>
+          </a:p>
+          <a:p>
+            <a:r>
+              <a:rPr lang="fr-FR" dirty="0" smtClean="0"/>
+              <a:t>objets </a:t>
+            </a:r>
+            <a:r>
+              <a:rPr lang="fr-FR" dirty="0"/>
+              <a:t>de l’application</a:t>
+            </a:r>
+          </a:p>
+          <a:p>
+            <a:r>
+              <a:rPr lang="fr-FR" dirty="0" smtClean="0"/>
+              <a:t>outils </a:t>
+            </a:r>
+            <a:r>
+              <a:rPr lang="fr-FR" dirty="0"/>
+              <a:t>applicables aux objets</a:t>
+            </a:r>
+          </a:p>
+        </p:txBody>
+      </p:sp>
+    </p:spTree>
+    <p:extLst>
+      <p:ext uri="{BB962C8B-B14F-4D97-AF65-F5344CB8AC3E}">
+        <p14:creationId xmlns:p14="http://schemas.microsoft.com/office/powerpoint/2010/main" val="1208190721"/>
+      </p:ext>
+    </p:extLst>
+  </p:cSld>
+  <p:clrMapOvr>
+    <a:masterClrMapping/>
+  </p:clrMapOvr>
+  <p:transition spd="slow">
+    <p:wipe dir="d"/>
+  </p:transition>
+  <p:timing>
+    <p:tnLst>
+      <p:par>
+        <p:cTn id="1" dur="indefinite" restart="never" nodeType="tmRoot">
+          <p:childTnLst>
+            <p:seq concurrent="1" nextAc="seek">
+              <p:cTn id="2" dur="indefinite" nodeType="mainSeq">
+                <p:childTnLst>
+                  <p:par>
+                    <p:cTn id="3" fill="hold">
+                      <p:stCondLst>
+                        <p:cond delay="indefinite"/>
+                      </p:stCondLst>
+                      <p:childTnLst>
+                        <p:par>
+                          <p:cTn id="4" fill="hold">
+                            <p:stCondLst>
+                              <p:cond delay="0"/>
+                            </p:stCondLst>
+                            <p:childTnLst>
+                              <p:par>
+                                <p:cTn id="5" presetID="16" presetClass="entr" presetSubtype="21" fill="hold" grpId="0" nodeType="clickEffect">
+                                  <p:stCondLst>
+                                    <p:cond delay="0"/>
+                                  </p:stCondLst>
+                                  <p:childTnLst>
+                                    <p:set>
+                                      <p:cBhvr>
+                                        <p:cTn id="6" dur="1" fill="hold">
+                                          <p:stCondLst>
+                                            <p:cond delay="0"/>
+                                          </p:stCondLst>
+                                        </p:cTn>
+                                        <p:tgtEl>
+                                          <p:spTgt spid="2"/>
+                                        </p:tgtEl>
+                                        <p:attrNameLst>
+                                          <p:attrName>style.visibility</p:attrName>
+                                        </p:attrNameLst>
+                                      </p:cBhvr>
+                                      <p:to>
+                                        <p:strVal val="visible"/>
+                                      </p:to>
+                                    </p:set>
+                                    <p:animEffect transition="in" filter="barn(inVertical)">
+                                      <p:cBhvr>
+                                        <p:cTn id="7" dur="500"/>
+                                        <p:tgtEl>
+                                          <p:spTgt spid="2"/>
+                                        </p:tgtEl>
+                                      </p:cBhvr>
+                                    </p:animEffect>
+                                  </p:childTnLst>
+                                </p:cTn>
+                              </p:par>
+                            </p:childTnLst>
+                          </p:cTn>
+                        </p:par>
+                      </p:childTnLst>
+                    </p:cTn>
+                  </p:par>
+                  <p:par>
+                    <p:cTn id="8" fill="hold">
+                      <p:stCondLst>
+                        <p:cond delay="indefinite"/>
+                      </p:stCondLst>
+                      <p:childTnLst>
+                        <p:par>
+                          <p:cTn id="9" fill="hold">
+                            <p:stCondLst>
+                              <p:cond delay="0"/>
+                            </p:stCondLst>
+                            <p:childTnLst>
+                              <p:par>
+                                <p:cTn id="10" presetID="16" presetClass="entr" presetSubtype="21" fill="hold" nodeType="clickEffect">
+                                  <p:stCondLst>
+                                    <p:cond delay="0"/>
+                                  </p:stCondLst>
+                                  <p:childTnLst>
+                                    <p:set>
+                                      <p:cBhvr>
+                                        <p:cTn id="11" dur="1" fill="hold">
+                                          <p:stCondLst>
+                                            <p:cond delay="0"/>
+                                          </p:stCondLst>
+                                        </p:cTn>
+                                        <p:tgtEl>
+                                          <p:spTgt spid="3">
+                                            <p:txEl>
+                                              <p:pRg st="0" end="0"/>
+                                            </p:txEl>
+                                          </p:spTgt>
+                                        </p:tgtEl>
+                                        <p:attrNameLst>
+                                          <p:attrName>style.visibility</p:attrName>
+                                        </p:attrNameLst>
+                                      </p:cBhvr>
+                                      <p:to>
+                                        <p:strVal val="visible"/>
+                                      </p:to>
+                                    </p:set>
+                                    <p:animEffect transition="in" filter="barn(inVertical)">
+                                      <p:cBhvr>
+                                        <p:cTn id="12" dur="500"/>
+                                        <p:tgtEl>
+                                          <p:spTgt spid="3">
+                                            <p:txEl>
+                                              <p:pRg st="0" end="0"/>
+                                            </p:txEl>
+                                          </p:spTgt>
+                                        </p:tgtEl>
+                                      </p:cBhvr>
+                                    </p:animEffect>
+                                  </p:childTnLst>
+                                </p:cTn>
+                              </p:par>
+                              <p:par>
+                                <p:cTn id="13" presetID="16" presetClass="entr" presetSubtype="21" fill="hold" nodeType="withEffect">
+                                  <p:stCondLst>
+                                    <p:cond delay="0"/>
+                                  </p:stCondLst>
+                                  <p:childTnLst>
+                                    <p:set>
+                                      <p:cBhvr>
+                                        <p:cTn id="14" dur="1" fill="hold">
+                                          <p:stCondLst>
+                                            <p:cond delay="0"/>
+                                          </p:stCondLst>
+                                        </p:cTn>
+                                        <p:tgtEl>
+                                          <p:spTgt spid="3">
+                                            <p:txEl>
+                                              <p:pRg st="1" end="1"/>
+                                            </p:txEl>
+                                          </p:spTgt>
+                                        </p:tgtEl>
+                                        <p:attrNameLst>
+                                          <p:attrName>style.visibility</p:attrName>
+                                        </p:attrNameLst>
+                                      </p:cBhvr>
+                                      <p:to>
+                                        <p:strVal val="visible"/>
+                                      </p:to>
+                                    </p:set>
+                                    <p:animEffect transition="in" filter="barn(inVertical)">
+                                      <p:cBhvr>
+                                        <p:cTn id="15" dur="500"/>
+                                        <p:tgtEl>
+                                          <p:spTgt spid="3">
+                                            <p:txEl>
+                                              <p:pRg st="1" end="1"/>
+                                            </p:txEl>
+                                          </p:spTgt>
+                                        </p:tgtEl>
+                                      </p:cBhvr>
+                                    </p:animEffect>
+                                  </p:childTnLst>
+                                </p:cTn>
+                              </p:par>
+                              <p:par>
+                                <p:cTn id="16" presetID="16" presetClass="entr" presetSubtype="21" fill="hold" nodeType="withEffect">
+                                  <p:stCondLst>
+                                    <p:cond delay="0"/>
+                                  </p:stCondLst>
+                                  <p:childTnLst>
+                                    <p:set>
+                                      <p:cBhvr>
+                                        <p:cTn id="17" dur="1" fill="hold">
+                                          <p:stCondLst>
+                                            <p:cond delay="0"/>
+                                          </p:stCondLst>
+                                        </p:cTn>
+                                        <p:tgtEl>
+                                          <p:spTgt spid="3">
+                                            <p:txEl>
+                                              <p:pRg st="2" end="2"/>
+                                            </p:txEl>
+                                          </p:spTgt>
+                                        </p:tgtEl>
+                                        <p:attrNameLst>
+                                          <p:attrName>style.visibility</p:attrName>
+                                        </p:attrNameLst>
+                                      </p:cBhvr>
+                                      <p:to>
+                                        <p:strVal val="visible"/>
+                                      </p:to>
+                                    </p:set>
+                                    <p:animEffect transition="in" filter="barn(inVertical)">
+                                      <p:cBhvr>
+                                        <p:cTn id="18" dur="500"/>
+                                        <p:tgtEl>
+                                          <p:spTgt spid="3">
+                                            <p:txEl>
+                                              <p:pRg st="2" end="2"/>
+                                            </p:txEl>
+                                          </p:spTgt>
+                                        </p:tgtEl>
+                                      </p:cBhvr>
+                                    </p:animEffect>
+                                  </p:childTnLst>
+                                </p:cTn>
+                              </p:par>
+                              <p:par>
+                                <p:cTn id="19" presetID="16" presetClass="entr" presetSubtype="21" fill="hold" nodeType="withEffect">
+                                  <p:stCondLst>
+                                    <p:cond delay="0"/>
+                                  </p:stCondLst>
+                                  <p:childTnLst>
+                                    <p:set>
+                                      <p:cBhvr>
+                                        <p:cTn id="20" dur="1" fill="hold">
+                                          <p:stCondLst>
+                                            <p:cond delay="0"/>
+                                          </p:stCondLst>
+                                        </p:cTn>
+                                        <p:tgtEl>
+                                          <p:spTgt spid="3">
+                                            <p:txEl>
+                                              <p:pRg st="3" end="3"/>
+                                            </p:txEl>
+                                          </p:spTgt>
+                                        </p:tgtEl>
+                                        <p:attrNameLst>
+                                          <p:attrName>style.visibility</p:attrName>
+                                        </p:attrNameLst>
+                                      </p:cBhvr>
+                                      <p:to>
+                                        <p:strVal val="visible"/>
+                                      </p:to>
+                                    </p:set>
+                                    <p:animEffect transition="in" filter="barn(inVertical)">
+                                      <p:cBhvr>
+                                        <p:cTn id="21" dur="500"/>
+                                        <p:tgtEl>
+                                          <p:spTgt spid="3">
+                                            <p:txEl>
+                                              <p:pRg st="3" end="3"/>
+                                            </p:txEl>
+                                          </p:spTgt>
+                                        </p:tgtEl>
+                                      </p:cBhvr>
+                                    </p:animEffect>
+                                  </p:childTnLst>
+                                </p:cTn>
+                              </p:par>
+                              <p:par>
+                                <p:cTn id="22" presetID="16" presetClass="entr" presetSubtype="21" fill="hold" nodeType="withEffect">
+                                  <p:stCondLst>
+                                    <p:cond delay="0"/>
+                                  </p:stCondLst>
+                                  <p:childTnLst>
+                                    <p:set>
+                                      <p:cBhvr>
+                                        <p:cTn id="23" dur="1" fill="hold">
+                                          <p:stCondLst>
+                                            <p:cond delay="0"/>
+                                          </p:stCondLst>
+                                        </p:cTn>
+                                        <p:tgtEl>
+                                          <p:spTgt spid="3">
+                                            <p:txEl>
+                                              <p:pRg st="4" end="4"/>
+                                            </p:txEl>
+                                          </p:spTgt>
+                                        </p:tgtEl>
+                                        <p:attrNameLst>
+                                          <p:attrName>style.visibility</p:attrName>
+                                        </p:attrNameLst>
+                                      </p:cBhvr>
+                                      <p:to>
+                                        <p:strVal val="visible"/>
+                                      </p:to>
+                                    </p:set>
+                                    <p:animEffect transition="in" filter="barn(inVertical)">
+                                      <p:cBhvr>
+                                        <p:cTn id="24" dur="500"/>
+                                        <p:tgtEl>
+                                          <p:spTgt spid="3">
+                                            <p:txEl>
+                                              <p:pRg st="4" end="4"/>
+                                            </p:txEl>
+                                          </p:spTgt>
+                                        </p:tgtEl>
+                                      </p:cBhvr>
+                                    </p:animEffect>
+                                  </p:childTnLst>
+                                </p:cTn>
+                              </p:par>
+                              <p:par>
+                                <p:cTn id="25" presetID="16" presetClass="entr" presetSubtype="21" fill="hold" nodeType="withEffect">
+                                  <p:stCondLst>
+                                    <p:cond delay="0"/>
+                                  </p:stCondLst>
+                                  <p:childTnLst>
+                                    <p:set>
+                                      <p:cBhvr>
+                                        <p:cTn id="26" dur="1" fill="hold">
+                                          <p:stCondLst>
+                                            <p:cond delay="0"/>
+                                          </p:stCondLst>
+                                        </p:cTn>
+                                        <p:tgtEl>
+                                          <p:spTgt spid="3">
+                                            <p:txEl>
+                                              <p:pRg st="5" end="5"/>
+                                            </p:txEl>
+                                          </p:spTgt>
+                                        </p:tgtEl>
+                                        <p:attrNameLst>
+                                          <p:attrName>style.visibility</p:attrName>
+                                        </p:attrNameLst>
+                                      </p:cBhvr>
+                                      <p:to>
+                                        <p:strVal val="visible"/>
+                                      </p:to>
+                                    </p:set>
+                                    <p:animEffect transition="in" filter="barn(inVertical)">
+                                      <p:cBhvr>
+                                        <p:cTn id="27" dur="500"/>
+                                        <p:tgtEl>
+                                          <p:spTgt spid="3">
+                                            <p:txEl>
+                                              <p:pRg st="5" end="5"/>
+                                            </p:txEl>
+                                          </p:spTgt>
+                                        </p:tgtEl>
+                                      </p:cBhvr>
+                                    </p:animEffect>
+                                  </p:childTnLst>
+                                </p:cTn>
+                              </p:par>
+                              <p:par>
+                                <p:cTn id="28" presetID="16" presetClass="entr" presetSubtype="21" fill="hold" nodeType="withEffect">
+                                  <p:stCondLst>
+                                    <p:cond delay="0"/>
+                                  </p:stCondLst>
+                                  <p:childTnLst>
+                                    <p:set>
+                                      <p:cBhvr>
+                                        <p:cTn id="29" dur="1" fill="hold">
+                                          <p:stCondLst>
+                                            <p:cond delay="0"/>
+                                          </p:stCondLst>
+                                        </p:cTn>
+                                        <p:tgtEl>
+                                          <p:spTgt spid="3">
+                                            <p:txEl>
+                                              <p:pRg st="6" end="6"/>
+                                            </p:txEl>
+                                          </p:spTgt>
+                                        </p:tgtEl>
+                                        <p:attrNameLst>
+                                          <p:attrName>style.visibility</p:attrName>
+                                        </p:attrNameLst>
+                                      </p:cBhvr>
+                                      <p:to>
+                                        <p:strVal val="visible"/>
+                                      </p:to>
+                                    </p:set>
+                                    <p:animEffect transition="in" filter="barn(inVertical)">
+                                      <p:cBhvr>
+                                        <p:cTn id="30" dur="500"/>
+                                        <p:tgtEl>
+                                          <p:spTgt spid="3">
+                                            <p:txEl>
+                                              <p:pRg st="6" end="6"/>
+                                            </p:txEl>
+                                          </p:spTgt>
+                                        </p:tgtEl>
+                                      </p:cBhvr>
+                                    </p:animEffect>
+                                  </p:childTnLst>
+                                </p:cTn>
+                              </p:par>
+                              <p:par>
+                                <p:cTn id="31" presetID="16" presetClass="entr" presetSubtype="21" fill="hold" nodeType="withEffect">
+                                  <p:stCondLst>
+                                    <p:cond delay="0"/>
+                                  </p:stCondLst>
+                                  <p:childTnLst>
+                                    <p:set>
+                                      <p:cBhvr>
+                                        <p:cTn id="32" dur="1" fill="hold">
+                                          <p:stCondLst>
+                                            <p:cond delay="0"/>
+                                          </p:stCondLst>
+                                        </p:cTn>
+                                        <p:tgtEl>
+                                          <p:spTgt spid="3">
+                                            <p:txEl>
+                                              <p:pRg st="7" end="7"/>
+                                            </p:txEl>
+                                          </p:spTgt>
+                                        </p:tgtEl>
+                                        <p:attrNameLst>
+                                          <p:attrName>style.visibility</p:attrName>
+                                        </p:attrNameLst>
+                                      </p:cBhvr>
+                                      <p:to>
+                                        <p:strVal val="visible"/>
+                                      </p:to>
+                                    </p:set>
+                                    <p:animEffect transition="in" filter="barn(inVertical)">
+                                      <p:cBhvr>
+                                        <p:cTn id="33" dur="500"/>
+                                        <p:tgtEl>
+                                          <p:spTgt spid="3">
+                                            <p:txEl>
+                                              <p:pRg st="7" end="7"/>
+                                            </p:txEl>
+                                          </p:spTgt>
+                                        </p:tgtEl>
+                                      </p:cBhvr>
+                                    </p:animEffect>
+                                  </p:childTnLst>
+                                </p:cTn>
+                              </p:par>
+                              <p:par>
+                                <p:cTn id="34" presetID="16" presetClass="entr" presetSubtype="21" fill="hold" nodeType="withEffect">
+                                  <p:stCondLst>
+                                    <p:cond delay="0"/>
+                                  </p:stCondLst>
+                                  <p:childTnLst>
+                                    <p:set>
+                                      <p:cBhvr>
+                                        <p:cTn id="35" dur="1" fill="hold">
+                                          <p:stCondLst>
+                                            <p:cond delay="0"/>
+                                          </p:stCondLst>
+                                        </p:cTn>
+                                        <p:tgtEl>
+                                          <p:spTgt spid="3">
+                                            <p:txEl>
+                                              <p:pRg st="8" end="8"/>
+                                            </p:txEl>
+                                          </p:spTgt>
+                                        </p:tgtEl>
+                                        <p:attrNameLst>
+                                          <p:attrName>style.visibility</p:attrName>
+                                        </p:attrNameLst>
+                                      </p:cBhvr>
+                                      <p:to>
+                                        <p:strVal val="visible"/>
+                                      </p:to>
+                                    </p:set>
+                                    <p:animEffect transition="in" filter="barn(inVertical)">
+                                      <p:cBhvr>
+                                        <p:cTn id="36" dur="500"/>
+                                        <p:tgtEl>
+                                          <p:spTgt spid="3">
+                                            <p:txEl>
+                                              <p:pRg st="8" end="8"/>
+                                            </p:txEl>
+                                          </p:spTgt>
+                                        </p:tgtEl>
+                                      </p:cBhvr>
+                                    </p:animEffect>
+                                  </p:childTnLst>
+                                </p:cTn>
+                              </p:par>
+                              <p:par>
+                                <p:cTn id="37" presetID="16" presetClass="entr" presetSubtype="21" fill="hold" nodeType="withEffect">
+                                  <p:stCondLst>
+                                    <p:cond delay="0"/>
+                                  </p:stCondLst>
+                                  <p:childTnLst>
+                                    <p:set>
+                                      <p:cBhvr>
+                                        <p:cTn id="38" dur="1" fill="hold">
+                                          <p:stCondLst>
+                                            <p:cond delay="0"/>
+                                          </p:stCondLst>
+                                        </p:cTn>
+                                        <p:tgtEl>
+                                          <p:spTgt spid="3">
+                                            <p:txEl>
+                                              <p:pRg st="9" end="9"/>
+                                            </p:txEl>
+                                          </p:spTgt>
+                                        </p:tgtEl>
+                                        <p:attrNameLst>
+                                          <p:attrName>style.visibility</p:attrName>
+                                        </p:attrNameLst>
+                                      </p:cBhvr>
+                                      <p:to>
+                                        <p:strVal val="visible"/>
+                                      </p:to>
+                                    </p:set>
+                                    <p:animEffect transition="in" filter="barn(inVertical)">
+                                      <p:cBhvr>
+                                        <p:cTn id="39" dur="500"/>
+                                        <p:tgtEl>
+                                          <p:spTgt spid="3">
+                                            <p:txEl>
+                                              <p:pRg st="9" end="9"/>
+                                            </p:txEl>
+                                          </p:spTgt>
+                                        </p:tgtEl>
+                                      </p:cBhvr>
+                                    </p:animEffect>
+                                  </p:childTnLst>
+                                </p:cTn>
+                              </p:par>
+                              <p:par>
+                                <p:cTn id="40" presetID="16" presetClass="entr" presetSubtype="21" fill="hold" nodeType="withEffect">
+                                  <p:stCondLst>
+                                    <p:cond delay="0"/>
+                                  </p:stCondLst>
+                                  <p:childTnLst>
+                                    <p:set>
+                                      <p:cBhvr>
+                                        <p:cTn id="41" dur="1" fill="hold">
+                                          <p:stCondLst>
+                                            <p:cond delay="0"/>
+                                          </p:stCondLst>
+                                        </p:cTn>
+                                        <p:tgtEl>
+                                          <p:spTgt spid="3">
+                                            <p:txEl>
+                                              <p:pRg st="10" end="10"/>
+                                            </p:txEl>
+                                          </p:spTgt>
+                                        </p:tgtEl>
+                                        <p:attrNameLst>
+                                          <p:attrName>style.visibility</p:attrName>
+                                        </p:attrNameLst>
+                                      </p:cBhvr>
+                                      <p:to>
+                                        <p:strVal val="visible"/>
+                                      </p:to>
+                                    </p:set>
+                                    <p:animEffect transition="in" filter="barn(inVertical)">
+                                      <p:cBhvr>
+                                        <p:cTn id="42" dur="500"/>
+                                        <p:tgtEl>
+                                          <p:spTgt spid="3">
+                                            <p:txEl>
+                                              <p:pRg st="10" end="10"/>
+                                            </p:txEl>
+                                          </p:spTgt>
+                                        </p:tgtEl>
+                                      </p:cBhvr>
+                                    </p:animEffect>
+                                  </p:childTnLst>
+                                </p:cTn>
+                              </p:par>
+                              <p:par>
+                                <p:cTn id="43" presetID="16" presetClass="entr" presetSubtype="21" fill="hold" nodeType="withEffect">
+                                  <p:stCondLst>
+                                    <p:cond delay="0"/>
+                                  </p:stCondLst>
+                                  <p:childTnLst>
+                                    <p:set>
+                                      <p:cBhvr>
+                                        <p:cTn id="44" dur="1" fill="hold">
+                                          <p:stCondLst>
+                                            <p:cond delay="0"/>
+                                          </p:stCondLst>
+                                        </p:cTn>
+                                        <p:tgtEl>
+                                          <p:spTgt spid="3">
+                                            <p:txEl>
+                                              <p:pRg st="11" end="11"/>
+                                            </p:txEl>
+                                          </p:spTgt>
+                                        </p:tgtEl>
+                                        <p:attrNameLst>
+                                          <p:attrName>style.visibility</p:attrName>
+                                        </p:attrNameLst>
+                                      </p:cBhvr>
+                                      <p:to>
+                                        <p:strVal val="visible"/>
+                                      </p:to>
+                                    </p:set>
+                                    <p:animEffect transition="in" filter="barn(inVertical)">
+                                      <p:cBhvr>
+                                        <p:cTn id="45" dur="500"/>
+                                        <p:tgtEl>
+                                          <p:spTgt spid="3">
+                                            <p:txEl>
+                                              <p:pRg st="11" end="11"/>
+                                            </p:txEl>
+                                          </p:spTgt>
+                                        </p:tgtEl>
+                                      </p:cBhvr>
+                                    </p:animEffect>
+                                  </p:childTnLst>
+                                </p:cTn>
+                              </p:par>
+                              <p:par>
+                                <p:cTn id="46" presetID="16" presetClass="entr" presetSubtype="21" fill="hold" nodeType="withEffect">
+                                  <p:stCondLst>
+                                    <p:cond delay="0"/>
+                                  </p:stCondLst>
+                                  <p:childTnLst>
+                                    <p:set>
+                                      <p:cBhvr>
+                                        <p:cTn id="47" dur="1" fill="hold">
+                                          <p:stCondLst>
+                                            <p:cond delay="0"/>
+                                          </p:stCondLst>
+                                        </p:cTn>
+                                        <p:tgtEl>
+                                          <p:spTgt spid="3">
+                                            <p:txEl>
+                                              <p:pRg st="12" end="12"/>
+                                            </p:txEl>
+                                          </p:spTgt>
+                                        </p:tgtEl>
+                                        <p:attrNameLst>
+                                          <p:attrName>style.visibility</p:attrName>
+                                        </p:attrNameLst>
+                                      </p:cBhvr>
+                                      <p:to>
+                                        <p:strVal val="visible"/>
+                                      </p:to>
+                                    </p:set>
+                                    <p:animEffect transition="in" filter="barn(inVertical)">
+                                      <p:cBhvr>
+                                        <p:cTn id="48" dur="500"/>
+                                        <p:tgtEl>
+                                          <p:spTgt spid="3">
+                                            <p:txEl>
+                                              <p:pRg st="12" end="12"/>
+                                            </p:txEl>
+                                          </p:spTgt>
+                                        </p:tgtEl>
+                                      </p:cBhvr>
+                                    </p:animEffect>
+                                  </p:childTnLst>
+                                </p:cTn>
+                              </p:par>
+                            </p:childTnLst>
+                          </p:cTn>
+                        </p:par>
+                      </p:childTnLst>
+                    </p:cTn>
+                  </p:par>
+                </p:childTnLst>
+              </p:cTn>
+              <p:prevCondLst>
+                <p:cond evt="onPrev" delay="0">
+                  <p:tgtEl>
+                    <p:sldTgt/>
+                  </p:tgtEl>
+                </p:cond>
+              </p:prevCondLst>
+              <p:nextCondLst>
+                <p:cond evt="onNext" delay="0">
+                  <p:tgtEl>
+                    <p:sldTgt/>
+                  </p:tgtEl>
+                </p:cond>
+              </p:nextCondLst>
+            </p:seq>
+          </p:childTnLst>
+        </p:cTn>
+      </p:par>
+    </p:tnLst>
+    <p:bldLst>
+      <p:bldP spid="2" grpId="0"/>
+    </p:bldLst>
+  </p:timing>
+</p:sld>
+</file>
+
+<file path=ppt/slides/slide19.xml><?xml version="1.0" encoding="utf-8"?>
+<p:sld xmlns:a="http://schemas.openxmlformats.org/drawingml/2006/main" xmlns:r="http://schemas.openxmlformats.org/officeDocument/2006/relationships" xmlns:p="http://schemas.openxmlformats.org/presentationml/2006/main">
+  <p:cSld>
+    <p:spTree>
+      <p:nvGrpSpPr>
+        <p:cNvPr id="1" name=""/>
+        <p:cNvGrpSpPr/>
+        <p:nvPr/>
+      </p:nvGrpSpPr>
+      <p:grpSpPr>
+        <a:xfrm>
+          <a:off x="0" y="0"/>
+          <a:ext cx="0" cy="0"/>
+          <a:chOff x="0" y="0"/>
+          <a:chExt cx="0" cy="0"/>
+        </a:xfrm>
+      </p:grpSpPr>
+      <p:sp>
+        <p:nvSpPr>
+          <p:cNvPr id="2" name="Titre 1"/>
+          <p:cNvSpPr>
+            <a:spLocks noGrp="1"/>
+          </p:cNvSpPr>
+          <p:nvPr>
+            <p:ph type="title"/>
+          </p:nvPr>
+        </p:nvSpPr>
+        <p:spPr/>
+        <p:txBody>
+          <a:bodyPr>
+            <a:normAutofit fontScale="90000"/>
+          </a:bodyPr>
+          <a:lstStyle/>
+          <a:p>
+            <a:r>
+              <a:rPr lang="fr-FR" b="1" dirty="0">
+                <a:solidFill>
+                  <a:schemeClr val="accent1"/>
+                </a:solidFill>
+              </a:rPr>
+              <a:t>3. activités de l’utilisateur</a:t>
+            </a:r>
+            <a:r>
+              <a:rPr lang="fr-FR" dirty="0"/>
+              <a:t/>
+            </a:r>
+            <a:br>
+              <a:rPr lang="fr-FR" dirty="0"/>
+            </a:br>
+            <a:endParaRPr lang="fr-FR" dirty="0"/>
+          </a:p>
+        </p:txBody>
+      </p:sp>
+      <p:sp>
+        <p:nvSpPr>
+          <p:cNvPr id="3" name="Espace réservé du contenu 2"/>
+          <p:cNvSpPr>
+            <a:spLocks noGrp="1"/>
+          </p:cNvSpPr>
+          <p:nvPr>
+            <p:ph idx="1"/>
+          </p:nvPr>
+        </p:nvSpPr>
+        <p:spPr>
+          <a:xfrm>
+            <a:off x="467544" y="980728"/>
+            <a:ext cx="8280920" cy="5328592"/>
+          </a:xfrm>
+        </p:spPr>
+        <p:txBody>
+          <a:bodyPr>
+            <a:noAutofit/>
+          </a:bodyPr>
+          <a:lstStyle/>
+          <a:p>
+            <a:r>
+              <a:rPr lang="fr-FR" sz="2400" dirty="0"/>
+              <a:t>Deux </a:t>
+            </a:r>
+            <a:r>
+              <a:rPr lang="fr-FR" sz="2400" dirty="0" smtClean="0"/>
+              <a:t>catégories </a:t>
+            </a:r>
+            <a:r>
+              <a:rPr lang="fr-FR" sz="2400" dirty="0"/>
+              <a:t>d’application</a:t>
+            </a:r>
+          </a:p>
+          <a:p>
+            <a:r>
+              <a:rPr lang="fr-FR" sz="2400" dirty="0" smtClean="0"/>
+              <a:t>verticale</a:t>
+            </a:r>
+            <a:r>
+              <a:rPr lang="fr-FR" sz="2400" dirty="0"/>
+              <a:t>: </a:t>
+            </a:r>
+            <a:r>
+              <a:rPr lang="fr-FR" sz="2400" dirty="0" smtClean="0"/>
+              <a:t>spécifique </a:t>
+            </a:r>
+            <a:r>
+              <a:rPr lang="fr-FR" sz="2400" dirty="0"/>
+              <a:t>`a un secteur </a:t>
+            </a:r>
+            <a:r>
+              <a:rPr lang="fr-FR" sz="2400" dirty="0" smtClean="0"/>
+              <a:t>d’activité</a:t>
+            </a:r>
+            <a:endParaRPr lang="fr-FR" sz="2400" dirty="0"/>
+          </a:p>
+          <a:p>
+            <a:r>
+              <a:rPr lang="fr-FR" sz="2400" dirty="0" smtClean="0"/>
+              <a:t>horizontale</a:t>
+            </a:r>
+            <a:r>
+              <a:rPr lang="fr-FR" sz="2400" dirty="0"/>
+              <a:t>: utilisables dans beaucoup de domaines</a:t>
+            </a:r>
+          </a:p>
+          <a:p>
+            <a:r>
+              <a:rPr lang="fr-FR" sz="2400" dirty="0"/>
+              <a:t>Interaction Utilisateur-Application</a:t>
+            </a:r>
+          </a:p>
+          <a:p>
+            <a:r>
+              <a:rPr lang="fr-FR" sz="2400" dirty="0" smtClean="0"/>
+              <a:t>l’utilisateur </a:t>
+            </a:r>
+            <a:r>
+              <a:rPr lang="fr-FR" sz="2400" dirty="0"/>
+              <a:t>est sous le </a:t>
+            </a:r>
+            <a:r>
+              <a:rPr lang="fr-FR" sz="2400" dirty="0" smtClean="0"/>
+              <a:t>contrôle </a:t>
+            </a:r>
+            <a:r>
+              <a:rPr lang="fr-FR" sz="2400" dirty="0"/>
+              <a:t>de l’application</a:t>
+            </a:r>
+          </a:p>
+          <a:p>
+            <a:r>
+              <a:rPr lang="fr-FR" sz="2400" dirty="0" smtClean="0"/>
+              <a:t>l’application  répond  </a:t>
+            </a:r>
+            <a:r>
+              <a:rPr lang="fr-FR" sz="2400" dirty="0"/>
+              <a:t>aux demandes l’utilisateur</a:t>
+            </a:r>
+          </a:p>
+          <a:p>
+            <a:r>
+              <a:rPr lang="fr-FR" sz="2400" dirty="0"/>
+              <a:t>Principes `a respecter:</a:t>
+            </a:r>
+          </a:p>
+          <a:p>
+            <a:r>
+              <a:rPr lang="fr-FR" sz="2400" dirty="0" smtClean="0"/>
+              <a:t>apprentissage</a:t>
+            </a:r>
+            <a:r>
+              <a:rPr lang="fr-FR" sz="2400" dirty="0"/>
+              <a:t>: actions </a:t>
+            </a:r>
+            <a:r>
+              <a:rPr lang="fr-FR" sz="2400" dirty="0" smtClean="0"/>
+              <a:t>réversibles </a:t>
+            </a:r>
+            <a:r>
+              <a:rPr lang="fr-FR" sz="2400" dirty="0"/>
+              <a:t>(essayer pour voir)</a:t>
+            </a:r>
+          </a:p>
+          <a:p>
+            <a:r>
+              <a:rPr lang="fr-FR" sz="2400" dirty="0" smtClean="0"/>
+              <a:t>avertissement</a:t>
+            </a:r>
+            <a:r>
+              <a:rPr lang="fr-FR" sz="2400" dirty="0"/>
+              <a:t>: si action </a:t>
+            </a:r>
+            <a:r>
+              <a:rPr lang="fr-FR" sz="2400" dirty="0" smtClean="0"/>
+              <a:t>irréversible (boites </a:t>
+            </a:r>
+            <a:r>
+              <a:rPr lang="fr-FR" sz="2400" dirty="0"/>
+              <a:t>de messages modales)</a:t>
+            </a:r>
+          </a:p>
+          <a:p>
+            <a:r>
+              <a:rPr lang="fr-FR" sz="2400" dirty="0" smtClean="0"/>
+              <a:t>rapidité </a:t>
+            </a:r>
+            <a:r>
+              <a:rPr lang="fr-FR" sz="2400" dirty="0"/>
+              <a:t>du temps de </a:t>
+            </a:r>
+            <a:r>
+              <a:rPr lang="fr-FR" sz="2400" dirty="0" smtClean="0"/>
+              <a:t>réponse </a:t>
+            </a:r>
+            <a:r>
+              <a:rPr lang="fr-FR" sz="2400" dirty="0"/>
+              <a:t>(&lt; 3 sec)</a:t>
+            </a:r>
+          </a:p>
+          <a:p>
+            <a:r>
+              <a:rPr lang="fr-FR" sz="2400" dirty="0" smtClean="0"/>
+              <a:t>accuse </a:t>
+            </a:r>
+            <a:r>
+              <a:rPr lang="fr-FR" sz="2400" dirty="0"/>
+              <a:t>de </a:t>
+            </a:r>
+            <a:r>
+              <a:rPr lang="fr-FR" sz="2400" dirty="0" smtClean="0"/>
+              <a:t>réception </a:t>
+            </a:r>
+            <a:r>
+              <a:rPr lang="fr-FR" sz="2400" dirty="0"/>
+              <a:t>(sablier, barre de progression...)</a:t>
+            </a:r>
+          </a:p>
+        </p:txBody>
+      </p:sp>
+    </p:spTree>
+    <p:extLst>
+      <p:ext uri="{BB962C8B-B14F-4D97-AF65-F5344CB8AC3E}">
+        <p14:creationId xmlns:p14="http://schemas.microsoft.com/office/powerpoint/2010/main" val="251822828"/>
+      </p:ext>
+    </p:extLst>
+  </p:cSld>
+  <p:clrMapOvr>
+    <a:masterClrMapping/>
+  </p:clrMapOvr>
+  <p:transition spd="slow">
+    <p:wipe dir="d"/>
+  </p:transition>
+  <p:timing>
+    <p:tnLst>
+      <p:par>
+        <p:cTn id="1" dur="indefinite" restart="never" nodeType="tmRoot">
+          <p:childTnLst>
+            <p:seq concurrent="1" nextAc="seek">
+              <p:cTn id="2" dur="indefinite" nodeType="mainSeq">
+                <p:childTnLst>
+                  <p:par>
+                    <p:cTn id="3" fill="hold">
+                      <p:stCondLst>
+                        <p:cond delay="indefinite"/>
+                      </p:stCondLst>
+                      <p:childTnLst>
+                        <p:par>
+                          <p:cTn id="4" fill="hold">
+                            <p:stCondLst>
+                              <p:cond delay="0"/>
+                            </p:stCondLst>
+                            <p:childTnLst>
+                              <p:par>
+                                <p:cTn id="5" presetID="16" presetClass="entr" presetSubtype="21" fill="hold" grpId="0" nodeType="clickEffect">
+                                  <p:stCondLst>
+                                    <p:cond delay="0"/>
+                                  </p:stCondLst>
+                                  <p:childTnLst>
+                                    <p:set>
+                                      <p:cBhvr>
+                                        <p:cTn id="6" dur="1" fill="hold">
+                                          <p:stCondLst>
+                                            <p:cond delay="0"/>
+                                          </p:stCondLst>
+                                        </p:cTn>
+                                        <p:tgtEl>
+                                          <p:spTgt spid="2"/>
+                                        </p:tgtEl>
+                                        <p:attrNameLst>
+                                          <p:attrName>style.visibility</p:attrName>
+                                        </p:attrNameLst>
+                                      </p:cBhvr>
+                                      <p:to>
+                                        <p:strVal val="visible"/>
+                                      </p:to>
+                                    </p:set>
+                                    <p:animEffect transition="in" filter="barn(inVertical)">
+                                      <p:cBhvr>
+                                        <p:cTn id="7" dur="500"/>
+                                        <p:tgtEl>
+                                          <p:spTgt spid="2"/>
+                                        </p:tgtEl>
+                                      </p:cBhvr>
+                                    </p:animEffect>
+                                  </p:childTnLst>
+                                </p:cTn>
+                              </p:par>
+                            </p:childTnLst>
+                          </p:cTn>
+                        </p:par>
+                      </p:childTnLst>
+                    </p:cTn>
+                  </p:par>
+                  <p:par>
+                    <p:cTn id="8" fill="hold">
+                      <p:stCondLst>
+                        <p:cond delay="indefinite"/>
+                      </p:stCondLst>
+                      <p:childTnLst>
+                        <p:par>
+                          <p:cTn id="9" fill="hold">
+                            <p:stCondLst>
+                              <p:cond delay="0"/>
+                            </p:stCondLst>
+                            <p:childTnLst>
+                              <p:par>
+                                <p:cTn id="10" presetID="16" presetClass="entr" presetSubtype="21" fill="hold" nodeType="clickEffect">
+                                  <p:stCondLst>
+                                    <p:cond delay="0"/>
+                                  </p:stCondLst>
+                                  <p:childTnLst>
+                                    <p:set>
+                                      <p:cBhvr>
+                                        <p:cTn id="11" dur="1" fill="hold">
+                                          <p:stCondLst>
+                                            <p:cond delay="0"/>
+                                          </p:stCondLst>
+                                        </p:cTn>
+                                        <p:tgtEl>
+                                          <p:spTgt spid="3">
+                                            <p:txEl>
+                                              <p:pRg st="0" end="0"/>
+                                            </p:txEl>
+                                          </p:spTgt>
+                                        </p:tgtEl>
+                                        <p:attrNameLst>
+                                          <p:attrName>style.visibility</p:attrName>
+                                        </p:attrNameLst>
+                                      </p:cBhvr>
+                                      <p:to>
+                                        <p:strVal val="visible"/>
+                                      </p:to>
+                                    </p:set>
+                                    <p:animEffect transition="in" filter="barn(inVertical)">
+                                      <p:cBhvr>
+                                        <p:cTn id="12" dur="500"/>
+                                        <p:tgtEl>
+                                          <p:spTgt spid="3">
+                                            <p:txEl>
+                                              <p:pRg st="0" end="0"/>
+                                            </p:txEl>
+                                          </p:spTgt>
+                                        </p:tgtEl>
+                                      </p:cBhvr>
+                                    </p:animEffect>
+                                  </p:childTnLst>
+                                </p:cTn>
+                              </p:par>
+                              <p:par>
+                                <p:cTn id="13" presetID="16" presetClass="entr" presetSubtype="21" fill="hold" nodeType="withEffect">
+                                  <p:stCondLst>
+                                    <p:cond delay="0"/>
+                                  </p:stCondLst>
+                                  <p:childTnLst>
+                                    <p:set>
+                                      <p:cBhvr>
+                                        <p:cTn id="14" dur="1" fill="hold">
+                                          <p:stCondLst>
+                                            <p:cond delay="0"/>
+                                          </p:stCondLst>
+                                        </p:cTn>
+                                        <p:tgtEl>
+                                          <p:spTgt spid="3">
+                                            <p:txEl>
+                                              <p:pRg st="1" end="1"/>
+                                            </p:txEl>
+                                          </p:spTgt>
+                                        </p:tgtEl>
+                                        <p:attrNameLst>
+                                          <p:attrName>style.visibility</p:attrName>
+                                        </p:attrNameLst>
+                                      </p:cBhvr>
+                                      <p:to>
+                                        <p:strVal val="visible"/>
+                                      </p:to>
+                                    </p:set>
+                                    <p:animEffect transition="in" filter="barn(inVertical)">
+                                      <p:cBhvr>
+                                        <p:cTn id="15" dur="500"/>
+                                        <p:tgtEl>
+                                          <p:spTgt spid="3">
+                                            <p:txEl>
+                                              <p:pRg st="1" end="1"/>
+                                            </p:txEl>
+                                          </p:spTgt>
+                                        </p:tgtEl>
+                                      </p:cBhvr>
+                                    </p:animEffect>
+                                  </p:childTnLst>
+                                </p:cTn>
+                              </p:par>
+                              <p:par>
+                                <p:cTn id="16" presetID="16" presetClass="entr" presetSubtype="21" fill="hold" nodeType="withEffect">
+                                  <p:stCondLst>
+                                    <p:cond delay="0"/>
+                                  </p:stCondLst>
+                                  <p:childTnLst>
+                                    <p:set>
+                                      <p:cBhvr>
+                                        <p:cTn id="17" dur="1" fill="hold">
+                                          <p:stCondLst>
+                                            <p:cond delay="0"/>
+                                          </p:stCondLst>
+                                        </p:cTn>
+                                        <p:tgtEl>
+                                          <p:spTgt spid="3">
+                                            <p:txEl>
+                                              <p:pRg st="2" end="2"/>
+                                            </p:txEl>
+                                          </p:spTgt>
+                                        </p:tgtEl>
+                                        <p:attrNameLst>
+                                          <p:attrName>style.visibility</p:attrName>
+                                        </p:attrNameLst>
+                                      </p:cBhvr>
+                                      <p:to>
+                                        <p:strVal val="visible"/>
+                                      </p:to>
+                                    </p:set>
+                                    <p:animEffect transition="in" filter="barn(inVertical)">
+                                      <p:cBhvr>
+                                        <p:cTn id="18" dur="500"/>
+                                        <p:tgtEl>
+                                          <p:spTgt spid="3">
+                                            <p:txEl>
+                                              <p:pRg st="2" end="2"/>
+                                            </p:txEl>
+                                          </p:spTgt>
+                                        </p:tgtEl>
+                                      </p:cBhvr>
+                                    </p:animEffect>
+                                  </p:childTnLst>
+                                </p:cTn>
+                              </p:par>
+                              <p:par>
+                                <p:cTn id="19" presetID="16" presetClass="entr" presetSubtype="21" fill="hold" nodeType="withEffect">
+                                  <p:stCondLst>
+                                    <p:cond delay="0"/>
+                                  </p:stCondLst>
+                                  <p:childTnLst>
+                                    <p:set>
+                                      <p:cBhvr>
+                                        <p:cTn id="20" dur="1" fill="hold">
+                                          <p:stCondLst>
+                                            <p:cond delay="0"/>
+                                          </p:stCondLst>
+                                        </p:cTn>
+                                        <p:tgtEl>
+                                          <p:spTgt spid="3">
+                                            <p:txEl>
+                                              <p:pRg st="3" end="3"/>
+                                            </p:txEl>
+                                          </p:spTgt>
+                                        </p:tgtEl>
+                                        <p:attrNameLst>
+                                          <p:attrName>style.visibility</p:attrName>
+                                        </p:attrNameLst>
+                                      </p:cBhvr>
+                                      <p:to>
+                                        <p:strVal val="visible"/>
+                                      </p:to>
+                                    </p:set>
+                                    <p:animEffect transition="in" filter="barn(inVertical)">
+                                      <p:cBhvr>
+                                        <p:cTn id="21" dur="500"/>
+                                        <p:tgtEl>
+                                          <p:spTgt spid="3">
+                                            <p:txEl>
+                                              <p:pRg st="3" end="3"/>
+                                            </p:txEl>
+                                          </p:spTgt>
+                                        </p:tgtEl>
+                                      </p:cBhvr>
+                                    </p:animEffect>
+                                  </p:childTnLst>
+                                </p:cTn>
+                              </p:par>
+                              <p:par>
+                                <p:cTn id="22" presetID="16" presetClass="entr" presetSubtype="21" fill="hold" nodeType="withEffect">
+                                  <p:stCondLst>
+                                    <p:cond delay="0"/>
+                                  </p:stCondLst>
+                                  <p:childTnLst>
+                                    <p:set>
+                                      <p:cBhvr>
+                                        <p:cTn id="23" dur="1" fill="hold">
+                                          <p:stCondLst>
+                                            <p:cond delay="0"/>
+                                          </p:stCondLst>
+                                        </p:cTn>
+                                        <p:tgtEl>
+                                          <p:spTgt spid="3">
+                                            <p:txEl>
+                                              <p:pRg st="4" end="4"/>
+                                            </p:txEl>
+                                          </p:spTgt>
+                                        </p:tgtEl>
+                                        <p:attrNameLst>
+                                          <p:attrName>style.visibility</p:attrName>
+                                        </p:attrNameLst>
+                                      </p:cBhvr>
+                                      <p:to>
+                                        <p:strVal val="visible"/>
+                                      </p:to>
+                                    </p:set>
+                                    <p:animEffect transition="in" filter="barn(inVertical)">
+                                      <p:cBhvr>
+                                        <p:cTn id="24" dur="500"/>
+                                        <p:tgtEl>
+                                          <p:spTgt spid="3">
+                                            <p:txEl>
+                                              <p:pRg st="4" end="4"/>
+                                            </p:txEl>
+                                          </p:spTgt>
+                                        </p:tgtEl>
+                                      </p:cBhvr>
+                                    </p:animEffect>
+                                  </p:childTnLst>
+                                </p:cTn>
+                              </p:par>
+                              <p:par>
+                                <p:cTn id="25" presetID="16" presetClass="entr" presetSubtype="21" fill="hold" nodeType="withEffect">
+                                  <p:stCondLst>
+                                    <p:cond delay="0"/>
+                                  </p:stCondLst>
+                                  <p:childTnLst>
+                                    <p:set>
+                                      <p:cBhvr>
+                                        <p:cTn id="26" dur="1" fill="hold">
+                                          <p:stCondLst>
+                                            <p:cond delay="0"/>
+                                          </p:stCondLst>
+                                        </p:cTn>
+                                        <p:tgtEl>
+                                          <p:spTgt spid="3">
+                                            <p:txEl>
+                                              <p:pRg st="5" end="5"/>
+                                            </p:txEl>
+                                          </p:spTgt>
+                                        </p:tgtEl>
+                                        <p:attrNameLst>
+                                          <p:attrName>style.visibility</p:attrName>
+                                        </p:attrNameLst>
+                                      </p:cBhvr>
+                                      <p:to>
+                                        <p:strVal val="visible"/>
+                                      </p:to>
+                                    </p:set>
+                                    <p:animEffect transition="in" filter="barn(inVertical)">
+                                      <p:cBhvr>
+                                        <p:cTn id="27" dur="500"/>
+                                        <p:tgtEl>
+                                          <p:spTgt spid="3">
+                                            <p:txEl>
+                                              <p:pRg st="5" end="5"/>
+                                            </p:txEl>
+                                          </p:spTgt>
+                                        </p:tgtEl>
+                                      </p:cBhvr>
+                                    </p:animEffect>
+                                  </p:childTnLst>
+                                </p:cTn>
+                              </p:par>
+                              <p:par>
+                                <p:cTn id="28" presetID="16" presetClass="entr" presetSubtype="21" fill="hold" nodeType="withEffect">
+                                  <p:stCondLst>
+                                    <p:cond delay="0"/>
+                                  </p:stCondLst>
+                                  <p:childTnLst>
+                                    <p:set>
+                                      <p:cBhvr>
+                                        <p:cTn id="29" dur="1" fill="hold">
+                                          <p:stCondLst>
+                                            <p:cond delay="0"/>
+                                          </p:stCondLst>
+                                        </p:cTn>
+                                        <p:tgtEl>
+                                          <p:spTgt spid="3">
+                                            <p:txEl>
+                                              <p:pRg st="6" end="6"/>
+                                            </p:txEl>
+                                          </p:spTgt>
+                                        </p:tgtEl>
+                                        <p:attrNameLst>
+                                          <p:attrName>style.visibility</p:attrName>
+                                        </p:attrNameLst>
+                                      </p:cBhvr>
+                                      <p:to>
+                                        <p:strVal val="visible"/>
+                                      </p:to>
+                                    </p:set>
+                                    <p:animEffect transition="in" filter="barn(inVertical)">
+                                      <p:cBhvr>
+                                        <p:cTn id="30" dur="500"/>
+                                        <p:tgtEl>
+                                          <p:spTgt spid="3">
+                                            <p:txEl>
+                                              <p:pRg st="6" end="6"/>
+                                            </p:txEl>
+                                          </p:spTgt>
+                                        </p:tgtEl>
+                                      </p:cBhvr>
+                                    </p:animEffect>
+                                  </p:childTnLst>
+                                </p:cTn>
+                              </p:par>
+                              <p:par>
+                                <p:cTn id="31" presetID="16" presetClass="entr" presetSubtype="21" fill="hold" nodeType="withEffect">
+                                  <p:stCondLst>
+                                    <p:cond delay="0"/>
+                                  </p:stCondLst>
+                                  <p:childTnLst>
+                                    <p:set>
+                                      <p:cBhvr>
+                                        <p:cTn id="32" dur="1" fill="hold">
+                                          <p:stCondLst>
+                                            <p:cond delay="0"/>
+                                          </p:stCondLst>
+                                        </p:cTn>
+                                        <p:tgtEl>
+                                          <p:spTgt spid="3">
+                                            <p:txEl>
+                                              <p:pRg st="7" end="7"/>
+                                            </p:txEl>
+                                          </p:spTgt>
+                                        </p:tgtEl>
+                                        <p:attrNameLst>
+                                          <p:attrName>style.visibility</p:attrName>
+                                        </p:attrNameLst>
+                                      </p:cBhvr>
+                                      <p:to>
+                                        <p:strVal val="visible"/>
+                                      </p:to>
+                                    </p:set>
+                                    <p:animEffect transition="in" filter="barn(inVertical)">
+                                      <p:cBhvr>
+                                        <p:cTn id="33" dur="500"/>
+                                        <p:tgtEl>
+                                          <p:spTgt spid="3">
+                                            <p:txEl>
+                                              <p:pRg st="7" end="7"/>
+                                            </p:txEl>
+                                          </p:spTgt>
+                                        </p:tgtEl>
+                                      </p:cBhvr>
+                                    </p:animEffect>
+                                  </p:childTnLst>
+                                </p:cTn>
+                              </p:par>
+                              <p:par>
+                                <p:cTn id="34" presetID="16" presetClass="entr" presetSubtype="21" fill="hold" nodeType="withEffect">
+                                  <p:stCondLst>
+                                    <p:cond delay="0"/>
+                                  </p:stCondLst>
+                                  <p:childTnLst>
+                                    <p:set>
+                                      <p:cBhvr>
+                                        <p:cTn id="35" dur="1" fill="hold">
+                                          <p:stCondLst>
+                                            <p:cond delay="0"/>
+                                          </p:stCondLst>
+                                        </p:cTn>
+                                        <p:tgtEl>
+                                          <p:spTgt spid="3">
+                                            <p:txEl>
+                                              <p:pRg st="8" end="8"/>
+                                            </p:txEl>
+                                          </p:spTgt>
+                                        </p:tgtEl>
+                                        <p:attrNameLst>
+                                          <p:attrName>style.visibility</p:attrName>
+                                        </p:attrNameLst>
+                                      </p:cBhvr>
+                                      <p:to>
+                                        <p:strVal val="visible"/>
+                                      </p:to>
+                                    </p:set>
+                                    <p:animEffect transition="in" filter="barn(inVertical)">
+                                      <p:cBhvr>
+                                        <p:cTn id="36" dur="500"/>
+                                        <p:tgtEl>
+                                          <p:spTgt spid="3">
+                                            <p:txEl>
+                                              <p:pRg st="8" end="8"/>
+                                            </p:txEl>
+                                          </p:spTgt>
+                                        </p:tgtEl>
+                                      </p:cBhvr>
+                                    </p:animEffect>
+                                  </p:childTnLst>
+                                </p:cTn>
+                              </p:par>
+                              <p:par>
+                                <p:cTn id="37" presetID="16" presetClass="entr" presetSubtype="21" fill="hold" nodeType="withEffect">
+                                  <p:stCondLst>
+                                    <p:cond delay="0"/>
+                                  </p:stCondLst>
+                                  <p:childTnLst>
+                                    <p:set>
+                                      <p:cBhvr>
+                                        <p:cTn id="38" dur="1" fill="hold">
+                                          <p:stCondLst>
+                                            <p:cond delay="0"/>
+                                          </p:stCondLst>
+                                        </p:cTn>
+                                        <p:tgtEl>
+                                          <p:spTgt spid="3">
+                                            <p:txEl>
+                                              <p:pRg st="9" end="9"/>
+                                            </p:txEl>
+                                          </p:spTgt>
+                                        </p:tgtEl>
+                                        <p:attrNameLst>
+                                          <p:attrName>style.visibility</p:attrName>
+                                        </p:attrNameLst>
+                                      </p:cBhvr>
+                                      <p:to>
+                                        <p:strVal val="visible"/>
+                                      </p:to>
+                                    </p:set>
+                                    <p:animEffect transition="in" filter="barn(inVertical)">
+                                      <p:cBhvr>
+                                        <p:cTn id="39" dur="500"/>
+                                        <p:tgtEl>
+                                          <p:spTgt spid="3">
+                                            <p:txEl>
+                                              <p:pRg st="9" end="9"/>
+                                            </p:txEl>
+                                          </p:spTgt>
+                                        </p:tgtEl>
+                                      </p:cBhvr>
+                                    </p:animEffect>
+                                  </p:childTnLst>
+                                </p:cTn>
+                              </p:par>
+                              <p:par>
+                                <p:cTn id="40" presetID="16" presetClass="entr" presetSubtype="21" fill="hold" nodeType="withEffect">
+                                  <p:stCondLst>
+                                    <p:cond delay="0"/>
+                                  </p:stCondLst>
+                                  <p:childTnLst>
+                                    <p:set>
+                                      <p:cBhvr>
+                                        <p:cTn id="41" dur="1" fill="hold">
+                                          <p:stCondLst>
+                                            <p:cond delay="0"/>
+                                          </p:stCondLst>
+                                        </p:cTn>
+                                        <p:tgtEl>
+                                          <p:spTgt spid="3">
+                                            <p:txEl>
+                                              <p:pRg st="10" end="10"/>
+                                            </p:txEl>
+                                          </p:spTgt>
+                                        </p:tgtEl>
+                                        <p:attrNameLst>
+                                          <p:attrName>style.visibility</p:attrName>
+                                        </p:attrNameLst>
+                                      </p:cBhvr>
+                                      <p:to>
+                                        <p:strVal val="visible"/>
+                                      </p:to>
+                                    </p:set>
+                                    <p:animEffect transition="in" filter="barn(inVertical)">
+                                      <p:cBhvr>
+                                        <p:cTn id="42" dur="500"/>
+                                        <p:tgtEl>
+                                          <p:spTgt spid="3">
+                                            <p:txEl>
+                                              <p:pRg st="10" end="10"/>
+                                            </p:txEl>
+                                          </p:spTgt>
+                                        </p:tgtEl>
+                                      </p:cBhvr>
+                                    </p:animEffect>
+                                  </p:childTnLst>
+                                </p:cTn>
+                              </p:par>
+                            </p:childTnLst>
+                          </p:cTn>
+                        </p:par>
+                      </p:childTnLst>
+                    </p:cTn>
+                  </p:par>
+                </p:childTnLst>
+              </p:cTn>
+              <p:prevCondLst>
+                <p:cond evt="onPrev" delay="0">
+                  <p:tgtEl>
+                    <p:sldTgt/>
+                  </p:tgtEl>
+                </p:cond>
+              </p:prevCondLst>
+              <p:nextCondLst>
+                <p:cond evt="onNext" delay="0">
+                  <p:tgtEl>
+                    <p:sldTgt/>
+                  </p:tgtEl>
+                </p:cond>
+              </p:nextCondLst>
+            </p:seq>
+          </p:childTnLst>
+        </p:cTn>
+      </p:par>
+    </p:tnLst>
+    <p:bldLst>
+      <p:bldP spid="2" grpId="0"/>
+    </p:bldLst>
+  </p:timing>
+</p:sld>
+</file>
+
+<file path=ppt/slides/slide2.xml><?xml version="1.0" encoding="utf-8"?>
+<p:sld xmlns:a="http://schemas.openxmlformats.org/drawingml/2006/main" xmlns:r="http://schemas.openxmlformats.org/officeDocument/2006/relationships" xmlns:p="http://schemas.openxmlformats.org/presentationml/2006/main">
+  <p:cSld>
+    <p:spTree>
+      <p:nvGrpSpPr>
+        <p:cNvPr id="1" name=""/>
+        <p:cNvGrpSpPr/>
+        <p:nvPr/>
+      </p:nvGrpSpPr>
+      <p:grpSpPr>
+        <a:xfrm>
+          <a:off x="0" y="0"/>
+          <a:ext cx="0" cy="0"/>
+          <a:chOff x="0" y="0"/>
+          <a:chExt cx="0" cy="0"/>
+        </a:xfrm>
+      </p:grpSpPr>
+      <p:graphicFrame>
+        <p:nvGraphicFramePr>
+          <p:cNvPr id="3" name="Diagram 2"/>
+          <p:cNvGraphicFramePr/>
+          <p:nvPr>
+            <p:extLst>
+              <p:ext uri="{D42A27DB-BD31-4B8C-83A1-F6EECF244321}">
+                <p14:modId xmlns:p14="http://schemas.microsoft.com/office/powerpoint/2010/main" val="4139913966"/>
+              </p:ext>
+            </p:extLst>
+          </p:nvPr>
+        </p:nvGraphicFramePr>
+        <p:xfrm>
+          <a:off x="1828800" y="1752600"/>
+          <a:ext cx="6096000" cy="4064000"/>
+        </p:xfrm>
+        <a:graphic>
+          <a:graphicData uri="http://schemas.openxmlformats.org/drawingml/2006/diagram">
+            <dgm:relIds xmlns:dgm="http://schemas.openxmlformats.org/drawingml/2006/diagram" xmlns:r="http://schemas.openxmlformats.org/officeDocument/2006/relationships" r:dm="rId3" r:lo="rId4" r:qs="rId5" r:cs="rId6"/>
+          </a:graphicData>
+        </a:graphic>
+      </p:graphicFrame>
+      <p:sp>
+        <p:nvSpPr>
+          <p:cNvPr id="2" name="Title 1"/>
+          <p:cNvSpPr>
+            <a:spLocks noGrp="1"/>
+          </p:cNvSpPr>
+          <p:nvPr>
+            <p:ph type="title"/>
+          </p:nvPr>
+        </p:nvSpPr>
+        <p:spPr>
+          <a:xfrm>
+            <a:off x="755576" y="332656"/>
+            <a:ext cx="8077200" cy="1143000"/>
+          </a:xfrm>
+        </p:spPr>
+        <p:txBody>
+          <a:bodyPr/>
+          <a:lstStyle/>
+          <a:p>
+            <a:r>
+              <a:rPr lang="fr-FR" dirty="0" smtClean="0"/>
+              <a:t>Présentation</a:t>
+            </a:r>
+            <a:endParaRPr lang="fr-FR" dirty="0"/>
+          </a:p>
+        </p:txBody>
+      </p:sp>
+    </p:spTree>
+  </p:cSld>
+  <p:clrMapOvr>
+    <a:masterClrMapping/>
+  </p:clrMapOvr>
+  <p:transition>
+    <p:fade/>
+  </p:transition>
+  <p:timing>
+    <p:tnLst>
+      <p:par>
+        <p:cTn id="1" dur="indefinite" restart="never" nodeType="tmRoot">
+          <p:childTnLst>
+            <p:seq concurrent="1" nextAc="seek">
+              <p:cTn id="2" dur="indefinite" nodeType="mainSeq">
+                <p:childTnLst>
+                  <p:par>
+                    <p:cTn id="3" fill="hold">
+                      <p:stCondLst>
+                        <p:cond delay="indefinite"/>
+                        <p:cond evt="onBegin" delay="0">
+                          <p:tn val="2"/>
+                        </p:cond>
+                      </p:stCondLst>
+                      <p:childTnLst>
+                        <p:par>
+                          <p:cTn id="4" fill="hold">
+                            <p:stCondLst>
+                              <p:cond delay="0"/>
+                            </p:stCondLst>
+                            <p:childTnLst>
+                              <p:par>
+                                <p:cTn id="5" presetID="22" presetClass="entr" presetSubtype="8" fill="hold" grpId="0" nodeType="afterEffect">
+                                  <p:stCondLst>
+                                    <p:cond delay="0"/>
+                                  </p:stCondLst>
+                                  <p:childTnLst>
+                                    <p:set>
+                                      <p:cBhvr>
+                                        <p:cTn id="6" dur="1" fill="hold">
+                                          <p:stCondLst>
+                                            <p:cond delay="0"/>
+                                          </p:stCondLst>
+                                        </p:cTn>
+                                        <p:tgtEl>
+                                          <p:spTgt spid="3">
+                                            <p:graphicEl>
+                                              <a:dgm id="{7E429971-BC57-430F-BB25-C0574E5E39E3}"/>
+                                            </p:graphicEl>
+                                          </p:spTgt>
+                                        </p:tgtEl>
+                                        <p:attrNameLst>
+                                          <p:attrName>style.visibility</p:attrName>
+                                        </p:attrNameLst>
+                                      </p:cBhvr>
+                                      <p:to>
+                                        <p:strVal val="visible"/>
+                                      </p:to>
+                                    </p:set>
+                                    <p:animEffect transition="in" filter="wipe(left)">
+                                      <p:cBhvr>
+                                        <p:cTn id="7" dur="500"/>
+                                        <p:tgtEl>
+                                          <p:spTgt spid="3">
+                                            <p:graphicEl>
+                                              <a:dgm id="{7E429971-BC57-430F-BB25-C0574E5E39E3}"/>
+                                            </p:graphicEl>
+                                          </p:spTgt>
+                                        </p:tgtEl>
+                                      </p:cBhvr>
+                                    </p:animEffect>
+                                  </p:childTnLst>
+                                </p:cTn>
+                              </p:par>
+                            </p:childTnLst>
+                          </p:cTn>
+                        </p:par>
+                        <p:par>
+                          <p:cTn id="8" fill="hold">
+                            <p:stCondLst>
+                              <p:cond delay="500"/>
+                            </p:stCondLst>
+                            <p:childTnLst>
+                              <p:par>
+                                <p:cTn id="9" presetID="22" presetClass="entr" presetSubtype="8" fill="hold" grpId="0" nodeType="afterEffect">
+                                  <p:stCondLst>
+                                    <p:cond delay="0"/>
+                                  </p:stCondLst>
+                                  <p:childTnLst>
+                                    <p:set>
+                                      <p:cBhvr>
+                                        <p:cTn id="10" dur="1" fill="hold">
+                                          <p:stCondLst>
+                                            <p:cond delay="0"/>
+                                          </p:stCondLst>
+                                        </p:cTn>
+                                        <p:tgtEl>
+                                          <p:spTgt spid="3">
+                                            <p:graphicEl>
+                                              <a:dgm id="{D54B1729-BC98-42C1-9C6C-D65DCBA4358F}"/>
+                                            </p:graphicEl>
+                                          </p:spTgt>
+                                        </p:tgtEl>
+                                        <p:attrNameLst>
+                                          <p:attrName>style.visibility</p:attrName>
+                                        </p:attrNameLst>
+                                      </p:cBhvr>
+                                      <p:to>
+                                        <p:strVal val="visible"/>
+                                      </p:to>
+                                    </p:set>
+                                    <p:animEffect transition="in" filter="wipe(left)">
+                                      <p:cBhvr>
+                                        <p:cTn id="11" dur="500"/>
+                                        <p:tgtEl>
+                                          <p:spTgt spid="3">
+                                            <p:graphicEl>
+                                              <a:dgm id="{D54B1729-BC98-42C1-9C6C-D65DCBA4358F}"/>
+                                            </p:graphicEl>
+                                          </p:spTgt>
+                                        </p:tgtEl>
+                                      </p:cBhvr>
+                                    </p:animEffect>
+                                  </p:childTnLst>
+                                </p:cTn>
+                              </p:par>
+                            </p:childTnLst>
+                          </p:cTn>
+                        </p:par>
+                        <p:par>
+                          <p:cTn id="12" fill="hold">
+                            <p:stCondLst>
+                              <p:cond delay="1000"/>
+                            </p:stCondLst>
+                            <p:childTnLst>
+                              <p:par>
+                                <p:cTn id="13" presetID="22" presetClass="entr" presetSubtype="8" fill="hold" grpId="0" nodeType="afterEffect">
+                                  <p:stCondLst>
+                                    <p:cond delay="0"/>
+                                  </p:stCondLst>
+                                  <p:childTnLst>
+                                    <p:set>
+                                      <p:cBhvr>
+                                        <p:cTn id="14" dur="1" fill="hold">
+                                          <p:stCondLst>
+                                            <p:cond delay="0"/>
+                                          </p:stCondLst>
+                                        </p:cTn>
+                                        <p:tgtEl>
+                                          <p:spTgt spid="3">
+                                            <p:graphicEl>
+                                              <a:dgm id="{C04276DC-EE64-470A-B8BC-09067B8045FA}"/>
+                                            </p:graphicEl>
+                                          </p:spTgt>
+                                        </p:tgtEl>
+                                        <p:attrNameLst>
+                                          <p:attrName>style.visibility</p:attrName>
+                                        </p:attrNameLst>
+                                      </p:cBhvr>
+                                      <p:to>
+                                        <p:strVal val="visible"/>
+                                      </p:to>
+                                    </p:set>
+                                    <p:animEffect transition="in" filter="wipe(left)">
+                                      <p:cBhvr>
+                                        <p:cTn id="15" dur="500"/>
+                                        <p:tgtEl>
+                                          <p:spTgt spid="3">
+                                            <p:graphicEl>
+                                              <a:dgm id="{C04276DC-EE64-470A-B8BC-09067B8045FA}"/>
+                                            </p:graphicEl>
+                                          </p:spTgt>
+                                        </p:tgtEl>
+                                      </p:cBhvr>
+                                    </p:animEffect>
+                                  </p:childTnLst>
+                                </p:cTn>
+                              </p:par>
+                            </p:childTnLst>
+                          </p:cTn>
+                        </p:par>
+                        <p:par>
+                          <p:cTn id="16" fill="hold">
+                            <p:stCondLst>
+                              <p:cond delay="1500"/>
+                            </p:stCondLst>
+                            <p:childTnLst>
+                              <p:par>
+                                <p:cTn id="17" presetID="22" presetClass="entr" presetSubtype="8" fill="hold" grpId="0" nodeType="afterEffect">
+                                  <p:stCondLst>
+                                    <p:cond delay="0"/>
+                                  </p:stCondLst>
+                                  <p:childTnLst>
+                                    <p:set>
+                                      <p:cBhvr>
+                                        <p:cTn id="18" dur="1" fill="hold">
+                                          <p:stCondLst>
+                                            <p:cond delay="0"/>
+                                          </p:stCondLst>
+                                        </p:cTn>
+                                        <p:tgtEl>
+                                          <p:spTgt spid="3">
+                                            <p:graphicEl>
+                                              <a:dgm id="{B37A5355-225B-4C6F-AED7-6C620F99EECC}"/>
+                                            </p:graphicEl>
+                                          </p:spTgt>
+                                        </p:tgtEl>
+                                        <p:attrNameLst>
+                                          <p:attrName>style.visibility</p:attrName>
+                                        </p:attrNameLst>
+                                      </p:cBhvr>
+                                      <p:to>
+                                        <p:strVal val="visible"/>
+                                      </p:to>
+                                    </p:set>
+                                    <p:animEffect transition="in" filter="wipe(left)">
+                                      <p:cBhvr>
+                                        <p:cTn id="19" dur="500"/>
+                                        <p:tgtEl>
+                                          <p:spTgt spid="3">
+                                            <p:graphicEl>
+                                              <a:dgm id="{B37A5355-225B-4C6F-AED7-6C620F99EECC}"/>
+                                            </p:graphicEl>
+                                          </p:spTgt>
+                                        </p:tgtEl>
+                                      </p:cBhvr>
+                                    </p:animEffect>
+                                  </p:childTnLst>
+                                </p:cTn>
+                              </p:par>
+                            </p:childTnLst>
+                          </p:cTn>
+                        </p:par>
+                        <p:par>
+                          <p:cTn id="20" fill="hold">
+                            <p:stCondLst>
+                              <p:cond delay="2000"/>
+                            </p:stCondLst>
+                            <p:childTnLst>
+                              <p:par>
+                                <p:cTn id="21" presetID="22" presetClass="entr" presetSubtype="8" fill="hold" grpId="0" nodeType="afterEffect">
+                                  <p:stCondLst>
+                                    <p:cond delay="0"/>
+                                  </p:stCondLst>
+                                  <p:childTnLst>
+                                    <p:set>
+                                      <p:cBhvr>
+                                        <p:cTn id="22" dur="1" fill="hold">
+                                          <p:stCondLst>
+                                            <p:cond delay="0"/>
+                                          </p:stCondLst>
+                                        </p:cTn>
+                                        <p:tgtEl>
+                                          <p:spTgt spid="3">
+                                            <p:graphicEl>
+                                              <a:dgm id="{F5034101-5B7D-4FE7-B47A-5A48CF39606B}"/>
+                                            </p:graphicEl>
+                                          </p:spTgt>
+                                        </p:tgtEl>
+                                        <p:attrNameLst>
+                                          <p:attrName>style.visibility</p:attrName>
+                                        </p:attrNameLst>
+                                      </p:cBhvr>
+                                      <p:to>
+                                        <p:strVal val="visible"/>
+                                      </p:to>
+                                    </p:set>
+                                    <p:animEffect transition="in" filter="wipe(left)">
+                                      <p:cBhvr>
+                                        <p:cTn id="23" dur="500"/>
+                                        <p:tgtEl>
+                                          <p:spTgt spid="3">
+                                            <p:graphicEl>
+                                              <a:dgm id="{F5034101-5B7D-4FE7-B47A-5A48CF39606B}"/>
+                                            </p:graphicEl>
+                                          </p:spTgt>
+                                        </p:tgtEl>
+                                      </p:cBhvr>
+                                    </p:animEffect>
+                                  </p:childTnLst>
+                                </p:cTn>
+                              </p:par>
+                            </p:childTnLst>
+                          </p:cTn>
+                        </p:par>
+                        <p:par>
+                          <p:cTn id="24" fill="hold">
+                            <p:stCondLst>
+                              <p:cond delay="2500"/>
+                            </p:stCondLst>
+                            <p:childTnLst>
+                              <p:par>
+                                <p:cTn id="25" presetID="22" presetClass="entr" presetSubtype="8" fill="hold" grpId="0" nodeType="afterEffect">
+                                  <p:stCondLst>
+                                    <p:cond delay="0"/>
+                                  </p:stCondLst>
+                                  <p:childTnLst>
+                                    <p:set>
+                                      <p:cBhvr>
+                                        <p:cTn id="26" dur="1" fill="hold">
+                                          <p:stCondLst>
+                                            <p:cond delay="0"/>
+                                          </p:stCondLst>
+                                        </p:cTn>
+                                        <p:tgtEl>
+                                          <p:spTgt spid="3">
+                                            <p:graphicEl>
+                                              <a:dgm id="{C7C3E6FD-D83F-4BDA-907E-B5EE041DA931}"/>
+                                            </p:graphicEl>
+                                          </p:spTgt>
+                                        </p:tgtEl>
+                                        <p:attrNameLst>
+                                          <p:attrName>style.visibility</p:attrName>
+                                        </p:attrNameLst>
+                                      </p:cBhvr>
+                                      <p:to>
+                                        <p:strVal val="visible"/>
+                                      </p:to>
+                                    </p:set>
+                                    <p:animEffect transition="in" filter="wipe(left)">
+                                      <p:cBhvr>
+                                        <p:cTn id="27" dur="500"/>
+                                        <p:tgtEl>
+                                          <p:spTgt spid="3">
+                                            <p:graphicEl>
+                                              <a:dgm id="{C7C3E6FD-D83F-4BDA-907E-B5EE041DA931}"/>
+                                            </p:graphicEl>
+                                          </p:spTgt>
+                                        </p:tgtEl>
+                                      </p:cBhvr>
+                                    </p:animEffect>
+                                  </p:childTnLst>
+                                </p:cTn>
+                              </p:par>
+                            </p:childTnLst>
+                          </p:cTn>
+                        </p:par>
+                      </p:childTnLst>
+                    </p:cTn>
+                  </p:par>
+                </p:childTnLst>
+              </p:cTn>
+              <p:prevCondLst>
+                <p:cond evt="onPrev" delay="0">
+                  <p:tgtEl>
+                    <p:sldTgt/>
+                  </p:tgtEl>
+                </p:cond>
+              </p:prevCondLst>
+              <p:nextCondLst>
+                <p:cond evt="onNext" delay="0">
+                  <p:tgtEl>
+                    <p:sldTgt/>
+                  </p:tgtEl>
+                </p:cond>
+              </p:nextCondLst>
+            </p:seq>
+          </p:childTnLst>
+        </p:cTn>
+      </p:par>
+    </p:tnLst>
+    <p:bldLst>
+      <p:bldGraphic spid="3" grpId="0" uiExpand="1">
+        <p:bldSub>
+          <a:bldDgm bld="one"/>
+        </p:bldSub>
+      </p:bldGraphic>
+    </p:bldLst>
+  </p:timing>
+</p:sld>
+</file>
+
+<file path=ppt/slides/slide20.xml><?xml version="1.0" encoding="utf-8"?>
+<p:sld xmlns:a="http://schemas.openxmlformats.org/drawingml/2006/main" xmlns:r="http://schemas.openxmlformats.org/officeDocument/2006/relationships" xmlns:p="http://schemas.openxmlformats.org/presentationml/2006/main">
+  <p:cSld>
+    <p:spTree>
+      <p:nvGrpSpPr>
+        <p:cNvPr id="1" name=""/>
+        <p:cNvGrpSpPr/>
+        <p:nvPr/>
+      </p:nvGrpSpPr>
+      <p:grpSpPr>
+        <a:xfrm>
+          <a:off x="0" y="0"/>
+          <a:ext cx="0" cy="0"/>
+          <a:chOff x="0" y="0"/>
+          <a:chExt cx="0" cy="0"/>
+        </a:xfrm>
+      </p:grpSpPr>
+      <p:sp>
+        <p:nvSpPr>
+          <p:cNvPr id="2" name="Titre 1"/>
+          <p:cNvSpPr>
+            <a:spLocks noGrp="1"/>
+          </p:cNvSpPr>
+          <p:nvPr>
+            <p:ph type="title"/>
+          </p:nvPr>
+        </p:nvSpPr>
+        <p:spPr/>
+        <p:txBody>
+          <a:bodyPr>
+            <a:normAutofit fontScale="90000"/>
+          </a:bodyPr>
+          <a:lstStyle/>
+          <a:p>
+            <a:r>
+              <a:rPr lang="fr-FR" b="1" dirty="0" smtClean="0">
+                <a:solidFill>
+                  <a:schemeClr val="accent1"/>
+                </a:solidFill>
+              </a:rPr>
+              <a:t>3-Cohérence</a:t>
+            </a:r>
+            <a:r>
+              <a:rPr lang="fr-FR" dirty="0"/>
+              <a:t/>
+            </a:r>
+            <a:br>
+              <a:rPr lang="fr-FR" dirty="0"/>
+            </a:br>
+            <a:endParaRPr lang="fr-FR" dirty="0"/>
+          </a:p>
+        </p:txBody>
+      </p:sp>
+      <p:sp>
+        <p:nvSpPr>
+          <p:cNvPr id="3" name="Espace réservé du contenu 2"/>
+          <p:cNvSpPr>
+            <a:spLocks noGrp="1"/>
+          </p:cNvSpPr>
+          <p:nvPr>
+            <p:ph idx="1"/>
+          </p:nvPr>
+        </p:nvSpPr>
+        <p:spPr/>
+        <p:txBody>
+          <a:bodyPr>
+            <a:normAutofit lnSpcReduction="10000"/>
+          </a:bodyPr>
+          <a:lstStyle/>
+          <a:p>
+            <a:r>
+              <a:rPr lang="fr-FR" sz="2800" dirty="0"/>
+              <a:t>Adaptation au </a:t>
+            </a:r>
+            <a:r>
+              <a:rPr lang="fr-FR" sz="2800" dirty="0" smtClean="0"/>
+              <a:t>matériel </a:t>
+            </a:r>
+            <a:r>
+              <a:rPr lang="fr-FR" sz="2800" dirty="0"/>
+              <a:t>utilisateur</a:t>
+            </a:r>
+          </a:p>
+          <a:p>
+            <a:r>
+              <a:rPr lang="fr-FR" sz="2800" dirty="0" smtClean="0"/>
+              <a:t>définition d écran</a:t>
+            </a:r>
+            <a:endParaRPr lang="fr-FR" sz="2800" dirty="0"/>
+          </a:p>
+          <a:p>
+            <a:r>
+              <a:rPr lang="fr-FR" sz="2800" dirty="0" smtClean="0"/>
+              <a:t>type </a:t>
+            </a:r>
+            <a:r>
+              <a:rPr lang="fr-FR" sz="2800" dirty="0"/>
+              <a:t>de clavier, souris</a:t>
+            </a:r>
+          </a:p>
+          <a:p>
+            <a:r>
+              <a:rPr lang="fr-FR" sz="2800" dirty="0" smtClean="0"/>
+              <a:t>Cohérence </a:t>
+            </a:r>
+            <a:r>
+              <a:rPr lang="fr-FR" sz="2800" dirty="0"/>
+              <a:t>avec le logiciel</a:t>
+            </a:r>
+          </a:p>
+          <a:p>
+            <a:r>
+              <a:rPr lang="fr-FR" sz="2800" dirty="0" smtClean="0"/>
+              <a:t>modules nécessaires </a:t>
+            </a:r>
+            <a:r>
+              <a:rPr lang="fr-FR" sz="2800" dirty="0"/>
+              <a:t>(packages, </a:t>
+            </a:r>
+            <a:r>
+              <a:rPr lang="fr-FR" sz="2800" dirty="0" err="1"/>
+              <a:t>runtime</a:t>
+            </a:r>
+            <a:r>
+              <a:rPr lang="fr-FR" sz="2800" dirty="0"/>
+              <a:t>, DLL...)</a:t>
+            </a:r>
+          </a:p>
+          <a:p>
+            <a:r>
+              <a:rPr lang="fr-FR" sz="2800" dirty="0" smtClean="0"/>
+              <a:t>Règles </a:t>
+            </a:r>
+            <a:r>
+              <a:rPr lang="fr-FR" sz="2800" dirty="0"/>
+              <a:t>communes de </a:t>
+            </a:r>
+            <a:r>
+              <a:rPr lang="fr-FR" sz="2800" dirty="0" smtClean="0"/>
+              <a:t>présentation, </a:t>
+            </a:r>
+            <a:r>
+              <a:rPr lang="fr-FR" sz="2800" dirty="0"/>
+              <a:t>organisation</a:t>
+            </a:r>
+          </a:p>
+          <a:p>
+            <a:r>
+              <a:rPr lang="fr-FR" sz="2800" dirty="0" smtClean="0"/>
+              <a:t>intra-application (métaphores, </a:t>
+            </a:r>
+            <a:r>
+              <a:rPr lang="fr-FR" sz="2800" dirty="0"/>
+              <a:t>raccourcis-clavier...)</a:t>
+            </a:r>
+          </a:p>
+          <a:p>
+            <a:r>
+              <a:rPr lang="fr-FR" sz="2800" dirty="0"/>
+              <a:t>⊲ inter-application </a:t>
+            </a:r>
+            <a:r>
+              <a:rPr lang="fr-FR" sz="2800" dirty="0" smtClean="0"/>
+              <a:t>(méthodes </a:t>
+            </a:r>
+            <a:r>
+              <a:rPr lang="fr-FR" sz="2800" dirty="0"/>
+              <a:t>d’interaction, </a:t>
+            </a:r>
+            <a:r>
+              <a:rPr lang="fr-FR" sz="2800" dirty="0" smtClean="0"/>
+              <a:t>réponse...)</a:t>
+            </a:r>
+            <a:endParaRPr lang="fr-FR" sz="2800" dirty="0"/>
+          </a:p>
+          <a:p>
+            <a:endParaRPr lang="fr-FR" dirty="0"/>
+          </a:p>
+        </p:txBody>
+      </p:sp>
+    </p:spTree>
+    <p:extLst>
+      <p:ext uri="{BB962C8B-B14F-4D97-AF65-F5344CB8AC3E}">
+        <p14:creationId xmlns:p14="http://schemas.microsoft.com/office/powerpoint/2010/main" val="2737319069"/>
+      </p:ext>
+    </p:extLst>
+  </p:cSld>
+  <p:clrMapOvr>
+    <a:masterClrMapping/>
+  </p:clrMapOvr>
+  <p:transition spd="slow">
+    <p:wipe dir="d"/>
+  </p:transition>
+  <p:timing>
+    <p:tnLst>
+      <p:par>
+        <p:cTn id="1" dur="indefinite" restart="never" nodeType="tmRoot">
+          <p:childTnLst>
+            <p:seq concurrent="1" nextAc="seek">
+              <p:cTn id="2" dur="indefinite" nodeType="mainSeq">
+                <p:childTnLst>
+                  <p:par>
+                    <p:cTn id="3" fill="hold">
+                      <p:stCondLst>
+                        <p:cond delay="indefinite"/>
+                      </p:stCondLst>
+                      <p:childTnLst>
+                        <p:par>
+                          <p:cTn id="4" fill="hold">
+                            <p:stCondLst>
+                              <p:cond delay="0"/>
+                            </p:stCondLst>
+                            <p:childTnLst>
+                              <p:par>
+                                <p:cTn id="5" presetID="16" presetClass="entr" presetSubtype="21" fill="hold" grpId="0" nodeType="clickEffect">
+                                  <p:stCondLst>
+                                    <p:cond delay="0"/>
+                                  </p:stCondLst>
+                                  <p:childTnLst>
+                                    <p:set>
+                                      <p:cBhvr>
+                                        <p:cTn id="6" dur="1" fill="hold">
+                                          <p:stCondLst>
+                                            <p:cond delay="0"/>
+                                          </p:stCondLst>
+                                        </p:cTn>
+                                        <p:tgtEl>
+                                          <p:spTgt spid="2"/>
+                                        </p:tgtEl>
+                                        <p:attrNameLst>
+                                          <p:attrName>style.visibility</p:attrName>
+                                        </p:attrNameLst>
+                                      </p:cBhvr>
+                                      <p:to>
+                                        <p:strVal val="visible"/>
+                                      </p:to>
+                                    </p:set>
+                                    <p:animEffect transition="in" filter="barn(inVertical)">
+                                      <p:cBhvr>
+                                        <p:cTn id="7" dur="500"/>
+                                        <p:tgtEl>
+                                          <p:spTgt spid="2"/>
+                                        </p:tgtEl>
+                                      </p:cBhvr>
+                                    </p:animEffect>
+                                  </p:childTnLst>
+                                </p:cTn>
+                              </p:par>
+                            </p:childTnLst>
+                          </p:cTn>
+                        </p:par>
+                      </p:childTnLst>
+                    </p:cTn>
+                  </p:par>
+                  <p:par>
+                    <p:cTn id="8" fill="hold">
+                      <p:stCondLst>
+                        <p:cond delay="indefinite"/>
+                      </p:stCondLst>
+                      <p:childTnLst>
+                        <p:par>
+                          <p:cTn id="9" fill="hold">
+                            <p:stCondLst>
+                              <p:cond delay="0"/>
+                            </p:stCondLst>
+                            <p:childTnLst>
+                              <p:par>
+                                <p:cTn id="10" presetID="16" presetClass="entr" presetSubtype="21" fill="hold" nodeType="clickEffect">
+                                  <p:stCondLst>
+                                    <p:cond delay="0"/>
+                                  </p:stCondLst>
+                                  <p:childTnLst>
+                                    <p:set>
+                                      <p:cBhvr>
+                                        <p:cTn id="11" dur="1" fill="hold">
+                                          <p:stCondLst>
+                                            <p:cond delay="0"/>
+                                          </p:stCondLst>
+                                        </p:cTn>
+                                        <p:tgtEl>
+                                          <p:spTgt spid="3">
+                                            <p:txEl>
+                                              <p:pRg st="0" end="0"/>
+                                            </p:txEl>
+                                          </p:spTgt>
+                                        </p:tgtEl>
+                                        <p:attrNameLst>
+                                          <p:attrName>style.visibility</p:attrName>
+                                        </p:attrNameLst>
+                                      </p:cBhvr>
+                                      <p:to>
+                                        <p:strVal val="visible"/>
+                                      </p:to>
+                                    </p:set>
+                                    <p:animEffect transition="in" filter="barn(inVertical)">
+                                      <p:cBhvr>
+                                        <p:cTn id="12" dur="500"/>
+                                        <p:tgtEl>
+                                          <p:spTgt spid="3">
+                                            <p:txEl>
+                                              <p:pRg st="0" end="0"/>
+                                            </p:txEl>
+                                          </p:spTgt>
+                                        </p:tgtEl>
+                                      </p:cBhvr>
+                                    </p:animEffect>
+                                  </p:childTnLst>
+                                </p:cTn>
+                              </p:par>
+                              <p:par>
+                                <p:cTn id="13" presetID="16" presetClass="entr" presetSubtype="21" fill="hold" nodeType="withEffect">
+                                  <p:stCondLst>
+                                    <p:cond delay="0"/>
+                                  </p:stCondLst>
+                                  <p:childTnLst>
+                                    <p:set>
+                                      <p:cBhvr>
+                                        <p:cTn id="14" dur="1" fill="hold">
+                                          <p:stCondLst>
+                                            <p:cond delay="0"/>
+                                          </p:stCondLst>
+                                        </p:cTn>
+                                        <p:tgtEl>
+                                          <p:spTgt spid="3">
+                                            <p:txEl>
+                                              <p:pRg st="1" end="1"/>
+                                            </p:txEl>
+                                          </p:spTgt>
+                                        </p:tgtEl>
+                                        <p:attrNameLst>
+                                          <p:attrName>style.visibility</p:attrName>
+                                        </p:attrNameLst>
+                                      </p:cBhvr>
+                                      <p:to>
+                                        <p:strVal val="visible"/>
+                                      </p:to>
+                                    </p:set>
+                                    <p:animEffect transition="in" filter="barn(inVertical)">
+                                      <p:cBhvr>
+                                        <p:cTn id="15" dur="500"/>
+                                        <p:tgtEl>
+                                          <p:spTgt spid="3">
+                                            <p:txEl>
+                                              <p:pRg st="1" end="1"/>
+                                            </p:txEl>
+                                          </p:spTgt>
+                                        </p:tgtEl>
+                                      </p:cBhvr>
+                                    </p:animEffect>
+                                  </p:childTnLst>
+                                </p:cTn>
+                              </p:par>
+                              <p:par>
+                                <p:cTn id="16" presetID="16" presetClass="entr" presetSubtype="21" fill="hold" nodeType="withEffect">
+                                  <p:stCondLst>
+                                    <p:cond delay="0"/>
+                                  </p:stCondLst>
+                                  <p:childTnLst>
+                                    <p:set>
+                                      <p:cBhvr>
+                                        <p:cTn id="17" dur="1" fill="hold">
+                                          <p:stCondLst>
+                                            <p:cond delay="0"/>
+                                          </p:stCondLst>
+                                        </p:cTn>
+                                        <p:tgtEl>
+                                          <p:spTgt spid="3">
+                                            <p:txEl>
+                                              <p:pRg st="2" end="2"/>
+                                            </p:txEl>
+                                          </p:spTgt>
+                                        </p:tgtEl>
+                                        <p:attrNameLst>
+                                          <p:attrName>style.visibility</p:attrName>
+                                        </p:attrNameLst>
+                                      </p:cBhvr>
+                                      <p:to>
+                                        <p:strVal val="visible"/>
+                                      </p:to>
+                                    </p:set>
+                                    <p:animEffect transition="in" filter="barn(inVertical)">
+                                      <p:cBhvr>
+                                        <p:cTn id="18" dur="500"/>
+                                        <p:tgtEl>
+                                          <p:spTgt spid="3">
+                                            <p:txEl>
+                                              <p:pRg st="2" end="2"/>
+                                            </p:txEl>
+                                          </p:spTgt>
+                                        </p:tgtEl>
+                                      </p:cBhvr>
+                                    </p:animEffect>
+                                  </p:childTnLst>
+                                </p:cTn>
+                              </p:par>
+                              <p:par>
+                                <p:cTn id="19" presetID="16" presetClass="entr" presetSubtype="21" fill="hold" nodeType="withEffect">
+                                  <p:stCondLst>
+                                    <p:cond delay="0"/>
+                                  </p:stCondLst>
+                                  <p:childTnLst>
+                                    <p:set>
+                                      <p:cBhvr>
+                                        <p:cTn id="20" dur="1" fill="hold">
+                                          <p:stCondLst>
+                                            <p:cond delay="0"/>
+                                          </p:stCondLst>
+                                        </p:cTn>
+                                        <p:tgtEl>
+                                          <p:spTgt spid="3">
+                                            <p:txEl>
+                                              <p:pRg st="3" end="3"/>
+                                            </p:txEl>
+                                          </p:spTgt>
+                                        </p:tgtEl>
+                                        <p:attrNameLst>
+                                          <p:attrName>style.visibility</p:attrName>
+                                        </p:attrNameLst>
+                                      </p:cBhvr>
+                                      <p:to>
+                                        <p:strVal val="visible"/>
+                                      </p:to>
+                                    </p:set>
+                                    <p:animEffect transition="in" filter="barn(inVertical)">
+                                      <p:cBhvr>
+                                        <p:cTn id="21" dur="500"/>
+                                        <p:tgtEl>
+                                          <p:spTgt spid="3">
+                                            <p:txEl>
+                                              <p:pRg st="3" end="3"/>
+                                            </p:txEl>
+                                          </p:spTgt>
+                                        </p:tgtEl>
+                                      </p:cBhvr>
+                                    </p:animEffect>
+                                  </p:childTnLst>
+                                </p:cTn>
+                              </p:par>
+                              <p:par>
+                                <p:cTn id="22" presetID="16" presetClass="entr" presetSubtype="21" fill="hold" nodeType="withEffect">
+                                  <p:stCondLst>
+                                    <p:cond delay="0"/>
+                                  </p:stCondLst>
+                                  <p:childTnLst>
+                                    <p:set>
+                                      <p:cBhvr>
+                                        <p:cTn id="23" dur="1" fill="hold">
+                                          <p:stCondLst>
+                                            <p:cond delay="0"/>
+                                          </p:stCondLst>
+                                        </p:cTn>
+                                        <p:tgtEl>
+                                          <p:spTgt spid="3">
+                                            <p:txEl>
+                                              <p:pRg st="4" end="4"/>
+                                            </p:txEl>
+                                          </p:spTgt>
+                                        </p:tgtEl>
+                                        <p:attrNameLst>
+                                          <p:attrName>style.visibility</p:attrName>
+                                        </p:attrNameLst>
+                                      </p:cBhvr>
+                                      <p:to>
+                                        <p:strVal val="visible"/>
+                                      </p:to>
+                                    </p:set>
+                                    <p:animEffect transition="in" filter="barn(inVertical)">
+                                      <p:cBhvr>
+                                        <p:cTn id="24" dur="500"/>
+                                        <p:tgtEl>
+                                          <p:spTgt spid="3">
+                                            <p:txEl>
+                                              <p:pRg st="4" end="4"/>
+                                            </p:txEl>
+                                          </p:spTgt>
+                                        </p:tgtEl>
+                                      </p:cBhvr>
+                                    </p:animEffect>
+                                  </p:childTnLst>
+                                </p:cTn>
+                              </p:par>
+                              <p:par>
+                                <p:cTn id="25" presetID="16" presetClass="entr" presetSubtype="21" fill="hold" nodeType="withEffect">
+                                  <p:stCondLst>
+                                    <p:cond delay="0"/>
+                                  </p:stCondLst>
+                                  <p:childTnLst>
+                                    <p:set>
+                                      <p:cBhvr>
+                                        <p:cTn id="26" dur="1" fill="hold">
+                                          <p:stCondLst>
+                                            <p:cond delay="0"/>
+                                          </p:stCondLst>
+                                        </p:cTn>
+                                        <p:tgtEl>
+                                          <p:spTgt spid="3">
+                                            <p:txEl>
+                                              <p:pRg st="5" end="5"/>
+                                            </p:txEl>
+                                          </p:spTgt>
+                                        </p:tgtEl>
+                                        <p:attrNameLst>
+                                          <p:attrName>style.visibility</p:attrName>
+                                        </p:attrNameLst>
+                                      </p:cBhvr>
+                                      <p:to>
+                                        <p:strVal val="visible"/>
+                                      </p:to>
+                                    </p:set>
+                                    <p:animEffect transition="in" filter="barn(inVertical)">
+                                      <p:cBhvr>
+                                        <p:cTn id="27" dur="500"/>
+                                        <p:tgtEl>
+                                          <p:spTgt spid="3">
+                                            <p:txEl>
+                                              <p:pRg st="5" end="5"/>
+                                            </p:txEl>
+                                          </p:spTgt>
+                                        </p:tgtEl>
+                                      </p:cBhvr>
+                                    </p:animEffect>
+                                  </p:childTnLst>
+                                </p:cTn>
+                              </p:par>
+                              <p:par>
+                                <p:cTn id="28" presetID="16" presetClass="entr" presetSubtype="21" fill="hold" nodeType="withEffect">
+                                  <p:stCondLst>
+                                    <p:cond delay="0"/>
+                                  </p:stCondLst>
+                                  <p:childTnLst>
+                                    <p:set>
+                                      <p:cBhvr>
+                                        <p:cTn id="29" dur="1" fill="hold">
+                                          <p:stCondLst>
+                                            <p:cond delay="0"/>
+                                          </p:stCondLst>
+                                        </p:cTn>
+                                        <p:tgtEl>
+                                          <p:spTgt spid="3">
+                                            <p:txEl>
+                                              <p:pRg st="6" end="6"/>
+                                            </p:txEl>
+                                          </p:spTgt>
+                                        </p:tgtEl>
+                                        <p:attrNameLst>
+                                          <p:attrName>style.visibility</p:attrName>
+                                        </p:attrNameLst>
+                                      </p:cBhvr>
+                                      <p:to>
+                                        <p:strVal val="visible"/>
+                                      </p:to>
+                                    </p:set>
+                                    <p:animEffect transition="in" filter="barn(inVertical)">
+                                      <p:cBhvr>
+                                        <p:cTn id="30" dur="500"/>
+                                        <p:tgtEl>
+                                          <p:spTgt spid="3">
+                                            <p:txEl>
+                                              <p:pRg st="6" end="6"/>
+                                            </p:txEl>
+                                          </p:spTgt>
+                                        </p:tgtEl>
+                                      </p:cBhvr>
+                                    </p:animEffect>
+                                  </p:childTnLst>
+                                </p:cTn>
+                              </p:par>
+                              <p:par>
+                                <p:cTn id="31" presetID="16" presetClass="entr" presetSubtype="21" fill="hold" nodeType="withEffect">
+                                  <p:stCondLst>
+                                    <p:cond delay="0"/>
+                                  </p:stCondLst>
+                                  <p:childTnLst>
+                                    <p:set>
+                                      <p:cBhvr>
+                                        <p:cTn id="32" dur="1" fill="hold">
+                                          <p:stCondLst>
+                                            <p:cond delay="0"/>
+                                          </p:stCondLst>
+                                        </p:cTn>
+                                        <p:tgtEl>
+                                          <p:spTgt spid="3">
+                                            <p:txEl>
+                                              <p:pRg st="7" end="7"/>
+                                            </p:txEl>
+                                          </p:spTgt>
+                                        </p:tgtEl>
+                                        <p:attrNameLst>
+                                          <p:attrName>style.visibility</p:attrName>
+                                        </p:attrNameLst>
+                                      </p:cBhvr>
+                                      <p:to>
+                                        <p:strVal val="visible"/>
+                                      </p:to>
+                                    </p:set>
+                                    <p:animEffect transition="in" filter="barn(inVertical)">
+                                      <p:cBhvr>
+                                        <p:cTn id="33" dur="500"/>
+                                        <p:tgtEl>
+                                          <p:spTgt spid="3">
+                                            <p:txEl>
+                                              <p:pRg st="7" end="7"/>
+                                            </p:txEl>
+                                          </p:spTgt>
+                                        </p:tgtEl>
+                                      </p:cBhvr>
+                                    </p:animEffect>
+                                  </p:childTnLst>
+                                </p:cTn>
+                              </p:par>
+                            </p:childTnLst>
+                          </p:cTn>
+                        </p:par>
+                      </p:childTnLst>
+                    </p:cTn>
+                  </p:par>
+                </p:childTnLst>
+              </p:cTn>
+              <p:prevCondLst>
+                <p:cond evt="onPrev" delay="0">
+                  <p:tgtEl>
+                    <p:sldTgt/>
+                  </p:tgtEl>
+                </p:cond>
+              </p:prevCondLst>
+              <p:nextCondLst>
+                <p:cond evt="onNext" delay="0">
+                  <p:tgtEl>
+                    <p:sldTgt/>
+                  </p:tgtEl>
+                </p:cond>
+              </p:nextCondLst>
+            </p:seq>
+          </p:childTnLst>
+        </p:cTn>
+      </p:par>
+    </p:tnLst>
+    <p:bldLst>
+      <p:bldP spid="2" grpId="0"/>
+    </p:bldLst>
+  </p:timing>
+</p:sld>
+</file>
+
+<file path=ppt/slides/slide21.xml><?xml version="1.0" encoding="utf-8"?>
+<p:sld xmlns:a="http://schemas.openxmlformats.org/drawingml/2006/main" xmlns:r="http://schemas.openxmlformats.org/officeDocument/2006/relationships" xmlns:p="http://schemas.openxmlformats.org/presentationml/2006/main">
+  <p:cSld>
+    <p:spTree>
+      <p:nvGrpSpPr>
+        <p:cNvPr id="1" name=""/>
+        <p:cNvGrpSpPr/>
+        <p:nvPr/>
+      </p:nvGrpSpPr>
+      <p:grpSpPr>
+        <a:xfrm>
+          <a:off x="0" y="0"/>
+          <a:ext cx="0" cy="0"/>
+          <a:chOff x="0" y="0"/>
+          <a:chExt cx="0" cy="0"/>
+        </a:xfrm>
+      </p:grpSpPr>
+      <p:sp>
+        <p:nvSpPr>
+          <p:cNvPr id="2" name="Titre 1"/>
+          <p:cNvSpPr>
+            <a:spLocks noGrp="1"/>
+          </p:cNvSpPr>
+          <p:nvPr>
+            <p:ph type="title"/>
+          </p:nvPr>
+        </p:nvSpPr>
+        <p:spPr/>
+        <p:txBody>
+          <a:bodyPr>
+            <a:normAutofit fontScale="90000"/>
+          </a:bodyPr>
+          <a:lstStyle/>
+          <a:p>
+            <a:r>
+              <a:rPr lang="fr-FR" dirty="0">
+                <a:solidFill>
+                  <a:schemeClr val="accent1"/>
+                </a:solidFill>
+              </a:rPr>
+              <a:t>4-Transparence</a:t>
+            </a:r>
+            <a:r>
+              <a:rPr lang="fr-FR" dirty="0"/>
+              <a:t/>
+            </a:r>
+            <a:br>
+              <a:rPr lang="fr-FR" dirty="0"/>
+            </a:br>
+            <a:endParaRPr lang="fr-FR" dirty="0"/>
+          </a:p>
+        </p:txBody>
+      </p:sp>
+      <p:sp>
+        <p:nvSpPr>
+          <p:cNvPr id="3" name="Espace réservé du contenu 2"/>
+          <p:cNvSpPr>
+            <a:spLocks noGrp="1"/>
+          </p:cNvSpPr>
+          <p:nvPr>
+            <p:ph idx="1"/>
+          </p:nvPr>
+        </p:nvSpPr>
+        <p:spPr/>
+        <p:txBody>
+          <a:bodyPr>
+            <a:normAutofit fontScale="92500" lnSpcReduction="10000"/>
+          </a:bodyPr>
+          <a:lstStyle/>
+          <a:p>
+            <a:r>
+              <a:rPr lang="fr-FR" dirty="0" smtClean="0"/>
+              <a:t>Une </a:t>
+            </a:r>
+            <a:r>
+              <a:rPr lang="fr-FR" dirty="0"/>
+              <a:t>bonne interface doit savoir se faire </a:t>
+            </a:r>
+            <a:r>
+              <a:rPr lang="fr-FR" dirty="0" smtClean="0"/>
+              <a:t>oublier, elle doit être:</a:t>
+            </a:r>
+            <a:endParaRPr lang="fr-FR" dirty="0"/>
+          </a:p>
+          <a:p>
+            <a:r>
+              <a:rPr lang="fr-FR" dirty="0" smtClean="0"/>
+              <a:t>intuitive</a:t>
+            </a:r>
+            <a:r>
+              <a:rPr lang="fr-FR" dirty="0"/>
+              <a:t>: manipulation instinctive pour l’utilisateur</a:t>
+            </a:r>
+          </a:p>
+          <a:p>
+            <a:r>
+              <a:rPr lang="fr-FR" dirty="0" smtClean="0"/>
+              <a:t>visuelle</a:t>
+            </a:r>
+            <a:r>
+              <a:rPr lang="fr-FR" dirty="0"/>
+              <a:t>: proposer des choix `a l’utilisateur</a:t>
+            </a:r>
+          </a:p>
+          <a:p>
+            <a:r>
+              <a:rPr lang="fr-FR" dirty="0" smtClean="0"/>
+              <a:t>concise</a:t>
+            </a:r>
+            <a:r>
+              <a:rPr lang="fr-FR" dirty="0"/>
+              <a:t>: limiter le nombre d’interventions de l’utilisateur</a:t>
+            </a:r>
+          </a:p>
+          <a:p>
+            <a:r>
+              <a:rPr lang="fr-FR" dirty="0" smtClean="0"/>
+              <a:t>explicative</a:t>
+            </a:r>
+            <a:r>
+              <a:rPr lang="fr-FR" dirty="0"/>
+              <a:t>: aide et assistance pour l’utilisateur</a:t>
+            </a:r>
+          </a:p>
+          <a:p>
+            <a:r>
+              <a:rPr lang="fr-FR" dirty="0" smtClean="0"/>
+              <a:t>flexible</a:t>
+            </a:r>
+            <a:r>
+              <a:rPr lang="fr-FR" dirty="0"/>
+              <a:t>: personnalisable par l’utilisateur</a:t>
+            </a:r>
+          </a:p>
+        </p:txBody>
+      </p:sp>
+    </p:spTree>
+    <p:extLst>
+      <p:ext uri="{BB962C8B-B14F-4D97-AF65-F5344CB8AC3E}">
+        <p14:creationId xmlns:p14="http://schemas.microsoft.com/office/powerpoint/2010/main" val="1288527841"/>
+      </p:ext>
+    </p:extLst>
+  </p:cSld>
+  <p:clrMapOvr>
+    <a:masterClrMapping/>
+  </p:clrMapOvr>
+  <p:transition spd="slow">
+    <p:wipe dir="d"/>
+  </p:transition>
+  <p:timing>
+    <p:tnLst>
+      <p:par>
+        <p:cTn id="1" dur="indefinite" restart="never" nodeType="tmRoot"/>
+      </p:par>
+    </p:tnLst>
+  </p:timing>
+</p:sld>
+</file>
+
+<file path=ppt/slides/slide22.xml><?xml version="1.0" encoding="utf-8"?>
+<p:sld xmlns:a="http://schemas.openxmlformats.org/drawingml/2006/main" xmlns:r="http://schemas.openxmlformats.org/officeDocument/2006/relationships" xmlns:p="http://schemas.openxmlformats.org/presentationml/2006/main">
+  <p:cSld>
+    <p:spTree>
+      <p:nvGrpSpPr>
+        <p:cNvPr id="1" name=""/>
+        <p:cNvGrpSpPr/>
+        <p:nvPr/>
+      </p:nvGrpSpPr>
+      <p:grpSpPr>
+        <a:xfrm>
+          <a:off x="0" y="0"/>
+          <a:ext cx="0" cy="0"/>
+          <a:chOff x="0" y="0"/>
+          <a:chExt cx="0" cy="0"/>
+        </a:xfrm>
+      </p:grpSpPr>
+      <p:sp>
+        <p:nvSpPr>
           <p:cNvPr id="7" name="TextBox 6"/>
           <p:cNvSpPr txBox="1"/>
           <p:nvPr/>
@@ -10858,7 +16350,7 @@
 </p:sld>
 </file>
 
-<file path=ppt/slides/slide12.xml><?xml version="1.0" encoding="utf-8"?>
+<file path=ppt/slides/slide23.xml><?xml version="1.0" encoding="utf-8"?>
 <p:sld xmlns:a="http://schemas.openxmlformats.org/drawingml/2006/main" xmlns:r="http://schemas.openxmlformats.org/officeDocument/2006/relationships" xmlns:p="http://schemas.openxmlformats.org/presentationml/2006/main">
   <p:cSld>
     <p:spTree>
@@ -10981,7 +16473,7 @@
 </p:sld>
 </file>
 
-<file path=ppt/slides/slide13.xml><?xml version="1.0" encoding="utf-8"?>
+<file path=ppt/slides/slide24.xml><?xml version="1.0" encoding="utf-8"?>
 <p:sld xmlns:a="http://schemas.openxmlformats.org/drawingml/2006/main" xmlns:r="http://schemas.openxmlformats.org/officeDocument/2006/relationships" xmlns:p="http://schemas.openxmlformats.org/presentationml/2006/main">
   <p:cSld>
     <p:spTree>
@@ -11634,7 +17126,7 @@
 </p:sld>
 </file>
 
-<file path=ppt/slides/slide14.xml><?xml version="1.0" encoding="utf-8"?>
+<file path=ppt/slides/slide25.xml><?xml version="1.0" encoding="utf-8"?>
 <p:sld xmlns:a="http://schemas.openxmlformats.org/drawingml/2006/main" xmlns:r="http://schemas.openxmlformats.org/officeDocument/2006/relationships" xmlns:p="http://schemas.openxmlformats.org/presentationml/2006/main">
   <p:cSld>
     <p:spTree>
@@ -11702,7 +17194,7 @@
 </p:sld>
 </file>
 
-<file path=ppt/slides/slide15.xml><?xml version="1.0" encoding="utf-8"?>
+<file path=ppt/slides/slide26.xml><?xml version="1.0" encoding="utf-8"?>
 <p:sld xmlns:a="http://schemas.openxmlformats.org/drawingml/2006/main" xmlns:r="http://schemas.openxmlformats.org/officeDocument/2006/relationships" xmlns:p="http://schemas.openxmlformats.org/presentationml/2006/main">
   <p:cSld>
     <p:spTree>
@@ -12084,7 +17576,7 @@
 </p:sld>
 </file>
 
-<file path=ppt/slides/slide16.xml><?xml version="1.0" encoding="utf-8"?>
+<file path=ppt/slides/slide27.xml><?xml version="1.0" encoding="utf-8"?>
 <p:sld xmlns:a="http://schemas.openxmlformats.org/drawingml/2006/main" xmlns:r="http://schemas.openxmlformats.org/officeDocument/2006/relationships" xmlns:p="http://schemas.openxmlformats.org/presentationml/2006/main">
   <p:cSld>
     <p:spTree>
@@ -12339,7 +17831,7 @@
 </p:sld>
 </file>
 
-<file path=ppt/slides/slide17.xml><?xml version="1.0" encoding="utf-8"?>
+<file path=ppt/slides/slide28.xml><?xml version="1.0" encoding="utf-8"?>
 <p:sld xmlns:a="http://schemas.openxmlformats.org/drawingml/2006/main" xmlns:r="http://schemas.openxmlformats.org/officeDocument/2006/relationships" xmlns:p="http://schemas.openxmlformats.org/presentationml/2006/main">
   <p:cSld>
     <p:spTree>
@@ -12952,7 +18444,7 @@
 </p:sld>
 </file>
 
-<file path=ppt/slides/slide18.xml><?xml version="1.0" encoding="utf-8"?>
+<file path=ppt/slides/slide29.xml><?xml version="1.0" encoding="utf-8"?>
 <p:sld xmlns:a="http://schemas.openxmlformats.org/drawingml/2006/main" xmlns:r="http://schemas.openxmlformats.org/officeDocument/2006/relationships" xmlns:p="http://schemas.openxmlformats.org/presentationml/2006/main">
   <p:cSld>
     <p:spTree>
@@ -13104,7 +18596,140 @@
 </p:sld>
 </file>
 
-<file path=ppt/slides/slide19.xml><?xml version="1.0" encoding="utf-8"?>
+<file path=ppt/slides/slide3.xml><?xml version="1.0" encoding="utf-8"?>
+<p:sld xmlns:a="http://schemas.openxmlformats.org/drawingml/2006/main" xmlns:r="http://schemas.openxmlformats.org/officeDocument/2006/relationships" xmlns:p="http://schemas.openxmlformats.org/presentationml/2006/main">
+  <p:cSld>
+    <p:spTree>
+      <p:nvGrpSpPr>
+        <p:cNvPr id="1" name=""/>
+        <p:cNvGrpSpPr/>
+        <p:nvPr/>
+      </p:nvGrpSpPr>
+      <p:grpSpPr>
+        <a:xfrm>
+          <a:off x="0" y="0"/>
+          <a:ext cx="0" cy="0"/>
+          <a:chOff x="0" y="0"/>
+          <a:chExt cx="0" cy="0"/>
+        </a:xfrm>
+      </p:grpSpPr>
+      <p:sp>
+        <p:nvSpPr>
+          <p:cNvPr id="2" name="Title 1"/>
+          <p:cNvSpPr>
+            <a:spLocks noGrp="1"/>
+          </p:cNvSpPr>
+          <p:nvPr>
+            <p:ph type="title"/>
+            <p:custDataLst>
+              <p:tags r:id="rId2"/>
+            </p:custDataLst>
+          </p:nvPr>
+        </p:nvSpPr>
+        <p:spPr/>
+        <p:txBody>
+          <a:bodyPr>
+            <a:normAutofit/>
+          </a:bodyPr>
+          <a:lstStyle/>
+          <a:p>
+            <a:r>
+              <a:rPr lang="fr-FR" dirty="0" smtClean="0"/>
+              <a:t>Concept</a:t>
+            </a:r>
+            <a:endParaRPr lang="fr-FR" dirty="0"/>
+          </a:p>
+        </p:txBody>
+      </p:sp>
+      <p:sp>
+        <p:nvSpPr>
+          <p:cNvPr id="5" name="Content Placeholder 4"/>
+          <p:cNvSpPr>
+            <a:spLocks noGrp="1"/>
+          </p:cNvSpPr>
+          <p:nvPr>
+            <p:ph idx="1"/>
+            <p:custDataLst>
+              <p:tags r:id="rId3"/>
+            </p:custDataLst>
+          </p:nvPr>
+        </p:nvSpPr>
+        <p:spPr/>
+        <p:txBody>
+          <a:bodyPr>
+            <a:normAutofit lnSpcReduction="10000"/>
+          </a:bodyPr>
+          <a:lstStyle/>
+          <a:p>
+            <a:r>
+              <a:rPr lang="fr-FR" dirty="0"/>
+              <a:t>Les </a:t>
+            </a:r>
+            <a:r>
+              <a:rPr lang="fr-FR" b="1" dirty="0"/>
+              <a:t>interactions homme-machines</a:t>
+            </a:r>
+            <a:r>
+              <a:rPr lang="fr-FR" dirty="0"/>
+              <a:t> (IHM) définissent les moyens et </a:t>
+            </a:r>
+            <a:r>
+              <a:rPr lang="fr-FR" dirty="0">
+                <a:hlinkClick r:id="rId6" tooltip="Outil"/>
+              </a:rPr>
+              <a:t>outils</a:t>
+            </a:r>
+            <a:r>
+              <a:rPr lang="fr-FR" dirty="0"/>
+              <a:t> mis en œuvre afin qu'un humain puisse contrôler et communiquer avec une </a:t>
+            </a:r>
+            <a:r>
+              <a:rPr lang="fr-FR" dirty="0" smtClean="0">
+                <a:hlinkClick r:id="rId7" tooltip="Machine"/>
+              </a:rPr>
+              <a:t>machine</a:t>
+            </a:r>
+            <a:endParaRPr lang="fr-FR" dirty="0" smtClean="0"/>
+          </a:p>
+          <a:p>
+            <a:r>
+              <a:rPr lang="fr-FR" dirty="0"/>
+              <a:t>IHM a comme but de trouver les moyens le plus efficaces, les plus accessibles les plus intuitives pour utilisateurs afin de compléter une tache le plus rapidement et le plus précisément possible</a:t>
+            </a:r>
+          </a:p>
+          <a:p>
+            <a:endParaRPr lang="fr-FR" dirty="0" smtClean="0"/>
+          </a:p>
+          <a:p>
+            <a:endParaRPr lang="fr-FR" dirty="0" smtClean="0"/>
+          </a:p>
+          <a:p>
+            <a:endParaRPr lang="fr-FR" dirty="0"/>
+          </a:p>
+        </p:txBody>
+      </p:sp>
+    </p:spTree>
+    <p:custDataLst>
+      <p:tags r:id="rId1"/>
+    </p:custDataLst>
+  </p:cSld>
+  <p:clrMapOvr>
+    <a:masterClrMapping/>
+  </p:clrMapOvr>
+  <p:transition spd="slow">
+    <p:wipe dir="d"/>
+  </p:transition>
+  <p:timing>
+    <p:tnLst>
+      <p:par>
+        <p:cTn id="1" dur="indefinite" restart="never" nodeType="tmRoot"/>
+      </p:par>
+    </p:tnLst>
+  </p:timing>
+</p:sld>
+</file>
+
+<file path=ppt/slides/slide30.xml><?xml version="1.0" encoding="utf-8"?>
 <p:sld xmlns:a="http://schemas.openxmlformats.org/drawingml/2006/main" xmlns:r="http://schemas.openxmlformats.org/officeDocument/2006/relationships" xmlns:p="http://schemas.openxmlformats.org/presentationml/2006/main">
   <p:cSld>
     <p:spTree>
@@ -13243,446 +18868,7 @@
 </p:sld>
 </file>
 
-<file path=ppt/slides/slide2.xml><?xml version="1.0" encoding="utf-8"?>
-<p:sld xmlns:a="http://schemas.openxmlformats.org/drawingml/2006/main" xmlns:r="http://schemas.openxmlformats.org/officeDocument/2006/relationships" xmlns:p="http://schemas.openxmlformats.org/presentationml/2006/main">
-  <p:cSld>
-    <p:spTree>
-      <p:nvGrpSpPr>
-        <p:cNvPr id="1" name=""/>
-        <p:cNvGrpSpPr/>
-        <p:nvPr/>
-      </p:nvGrpSpPr>
-      <p:grpSpPr>
-        <a:xfrm>
-          <a:off x="0" y="0"/>
-          <a:ext cx="0" cy="0"/>
-          <a:chOff x="0" y="0"/>
-          <a:chExt cx="0" cy="0"/>
-        </a:xfrm>
-      </p:grpSpPr>
-      <p:graphicFrame>
-        <p:nvGraphicFramePr>
-          <p:cNvPr id="3" name="Diagram 2"/>
-          <p:cNvGraphicFramePr/>
-          <p:nvPr>
-            <p:extLst>
-              <p:ext uri="{D42A27DB-BD31-4B8C-83A1-F6EECF244321}">
-                <p14:modId xmlns:p14="http://schemas.microsoft.com/office/powerpoint/2010/main" val="4139913966"/>
-              </p:ext>
-            </p:extLst>
-          </p:nvPr>
-        </p:nvGraphicFramePr>
-        <p:xfrm>
-          <a:off x="1828800" y="1752600"/>
-          <a:ext cx="6096000" cy="4064000"/>
-        </p:xfrm>
-        <a:graphic>
-          <a:graphicData uri="http://schemas.openxmlformats.org/drawingml/2006/diagram">
-            <dgm:relIds xmlns:dgm="http://schemas.openxmlformats.org/drawingml/2006/diagram" xmlns:r="http://schemas.openxmlformats.org/officeDocument/2006/relationships" r:dm="rId3" r:lo="rId4" r:qs="rId5" r:cs="rId6"/>
-          </a:graphicData>
-        </a:graphic>
-      </p:graphicFrame>
-      <p:sp>
-        <p:nvSpPr>
-          <p:cNvPr id="2" name="Title 1"/>
-          <p:cNvSpPr>
-            <a:spLocks noGrp="1"/>
-          </p:cNvSpPr>
-          <p:nvPr>
-            <p:ph type="title"/>
-          </p:nvPr>
-        </p:nvSpPr>
-        <p:spPr>
-          <a:xfrm>
-            <a:off x="755576" y="332656"/>
-            <a:ext cx="8077200" cy="1143000"/>
-          </a:xfrm>
-        </p:spPr>
-        <p:txBody>
-          <a:bodyPr/>
-          <a:lstStyle/>
-          <a:p>
-            <a:r>
-              <a:rPr lang="fr-FR" dirty="0" smtClean="0"/>
-              <a:t>Présentation</a:t>
-            </a:r>
-            <a:endParaRPr lang="fr-FR" dirty="0"/>
-          </a:p>
-        </p:txBody>
-      </p:sp>
-    </p:spTree>
-  </p:cSld>
-  <p:clrMapOvr>
-    <a:masterClrMapping/>
-  </p:clrMapOvr>
-  <p:transition>
-    <p:fade/>
-  </p:transition>
-  <p:timing>
-    <p:tnLst>
-      <p:par>
-        <p:cTn id="1" dur="indefinite" restart="never" nodeType="tmRoot">
-          <p:childTnLst>
-            <p:seq concurrent="1" nextAc="seek">
-              <p:cTn id="2" dur="indefinite" nodeType="mainSeq">
-                <p:childTnLst>
-                  <p:par>
-                    <p:cTn id="3" fill="hold">
-                      <p:stCondLst>
-                        <p:cond delay="indefinite"/>
-                        <p:cond evt="onBegin" delay="0">
-                          <p:tn val="2"/>
-                        </p:cond>
-                      </p:stCondLst>
-                      <p:childTnLst>
-                        <p:par>
-                          <p:cTn id="4" fill="hold">
-                            <p:stCondLst>
-                              <p:cond delay="0"/>
-                            </p:stCondLst>
-                            <p:childTnLst>
-                              <p:par>
-                                <p:cTn id="5" presetID="22" presetClass="entr" presetSubtype="8" fill="hold" grpId="0" nodeType="afterEffect">
-                                  <p:stCondLst>
-                                    <p:cond delay="0"/>
-                                  </p:stCondLst>
-                                  <p:childTnLst>
-                                    <p:set>
-                                      <p:cBhvr>
-                                        <p:cTn id="6" dur="1" fill="hold">
-                                          <p:stCondLst>
-                                            <p:cond delay="0"/>
-                                          </p:stCondLst>
-                                        </p:cTn>
-                                        <p:tgtEl>
-                                          <p:spTgt spid="3">
-                                            <p:graphicEl>
-                                              <a:dgm id="{7E429971-BC57-430F-BB25-C0574E5E39E3}"/>
-                                            </p:graphicEl>
-                                          </p:spTgt>
-                                        </p:tgtEl>
-                                        <p:attrNameLst>
-                                          <p:attrName>style.visibility</p:attrName>
-                                        </p:attrNameLst>
-                                      </p:cBhvr>
-                                      <p:to>
-                                        <p:strVal val="visible"/>
-                                      </p:to>
-                                    </p:set>
-                                    <p:animEffect transition="in" filter="wipe(left)">
-                                      <p:cBhvr>
-                                        <p:cTn id="7" dur="500"/>
-                                        <p:tgtEl>
-                                          <p:spTgt spid="3">
-                                            <p:graphicEl>
-                                              <a:dgm id="{7E429971-BC57-430F-BB25-C0574E5E39E3}"/>
-                                            </p:graphicEl>
-                                          </p:spTgt>
-                                        </p:tgtEl>
-                                      </p:cBhvr>
-                                    </p:animEffect>
-                                  </p:childTnLst>
-                                </p:cTn>
-                              </p:par>
-                            </p:childTnLst>
-                          </p:cTn>
-                        </p:par>
-                        <p:par>
-                          <p:cTn id="8" fill="hold">
-                            <p:stCondLst>
-                              <p:cond delay="500"/>
-                            </p:stCondLst>
-                            <p:childTnLst>
-                              <p:par>
-                                <p:cTn id="9" presetID="22" presetClass="entr" presetSubtype="8" fill="hold" grpId="0" nodeType="afterEffect">
-                                  <p:stCondLst>
-                                    <p:cond delay="0"/>
-                                  </p:stCondLst>
-                                  <p:childTnLst>
-                                    <p:set>
-                                      <p:cBhvr>
-                                        <p:cTn id="10" dur="1" fill="hold">
-                                          <p:stCondLst>
-                                            <p:cond delay="0"/>
-                                          </p:stCondLst>
-                                        </p:cTn>
-                                        <p:tgtEl>
-                                          <p:spTgt spid="3">
-                                            <p:graphicEl>
-                                              <a:dgm id="{D54B1729-BC98-42C1-9C6C-D65DCBA4358F}"/>
-                                            </p:graphicEl>
-                                          </p:spTgt>
-                                        </p:tgtEl>
-                                        <p:attrNameLst>
-                                          <p:attrName>style.visibility</p:attrName>
-                                        </p:attrNameLst>
-                                      </p:cBhvr>
-                                      <p:to>
-                                        <p:strVal val="visible"/>
-                                      </p:to>
-                                    </p:set>
-                                    <p:animEffect transition="in" filter="wipe(left)">
-                                      <p:cBhvr>
-                                        <p:cTn id="11" dur="500"/>
-                                        <p:tgtEl>
-                                          <p:spTgt spid="3">
-                                            <p:graphicEl>
-                                              <a:dgm id="{D54B1729-BC98-42C1-9C6C-D65DCBA4358F}"/>
-                                            </p:graphicEl>
-                                          </p:spTgt>
-                                        </p:tgtEl>
-                                      </p:cBhvr>
-                                    </p:animEffect>
-                                  </p:childTnLst>
-                                </p:cTn>
-                              </p:par>
-                            </p:childTnLst>
-                          </p:cTn>
-                        </p:par>
-                        <p:par>
-                          <p:cTn id="12" fill="hold">
-                            <p:stCondLst>
-                              <p:cond delay="1000"/>
-                            </p:stCondLst>
-                            <p:childTnLst>
-                              <p:par>
-                                <p:cTn id="13" presetID="22" presetClass="entr" presetSubtype="8" fill="hold" grpId="0" nodeType="afterEffect">
-                                  <p:stCondLst>
-                                    <p:cond delay="0"/>
-                                  </p:stCondLst>
-                                  <p:childTnLst>
-                                    <p:set>
-                                      <p:cBhvr>
-                                        <p:cTn id="14" dur="1" fill="hold">
-                                          <p:stCondLst>
-                                            <p:cond delay="0"/>
-                                          </p:stCondLst>
-                                        </p:cTn>
-                                        <p:tgtEl>
-                                          <p:spTgt spid="3">
-                                            <p:graphicEl>
-                                              <a:dgm id="{C04276DC-EE64-470A-B8BC-09067B8045FA}"/>
-                                            </p:graphicEl>
-                                          </p:spTgt>
-                                        </p:tgtEl>
-                                        <p:attrNameLst>
-                                          <p:attrName>style.visibility</p:attrName>
-                                        </p:attrNameLst>
-                                      </p:cBhvr>
-                                      <p:to>
-                                        <p:strVal val="visible"/>
-                                      </p:to>
-                                    </p:set>
-                                    <p:animEffect transition="in" filter="wipe(left)">
-                                      <p:cBhvr>
-                                        <p:cTn id="15" dur="500"/>
-                                        <p:tgtEl>
-                                          <p:spTgt spid="3">
-                                            <p:graphicEl>
-                                              <a:dgm id="{C04276DC-EE64-470A-B8BC-09067B8045FA}"/>
-                                            </p:graphicEl>
-                                          </p:spTgt>
-                                        </p:tgtEl>
-                                      </p:cBhvr>
-                                    </p:animEffect>
-                                  </p:childTnLst>
-                                </p:cTn>
-                              </p:par>
-                            </p:childTnLst>
-                          </p:cTn>
-                        </p:par>
-                        <p:par>
-                          <p:cTn id="16" fill="hold">
-                            <p:stCondLst>
-                              <p:cond delay="1500"/>
-                            </p:stCondLst>
-                            <p:childTnLst>
-                              <p:par>
-                                <p:cTn id="17" presetID="22" presetClass="entr" presetSubtype="8" fill="hold" grpId="0" nodeType="afterEffect">
-                                  <p:stCondLst>
-                                    <p:cond delay="0"/>
-                                  </p:stCondLst>
-                                  <p:childTnLst>
-                                    <p:set>
-                                      <p:cBhvr>
-                                        <p:cTn id="18" dur="1" fill="hold">
-                                          <p:stCondLst>
-                                            <p:cond delay="0"/>
-                                          </p:stCondLst>
-                                        </p:cTn>
-                                        <p:tgtEl>
-                                          <p:spTgt spid="3">
-                                            <p:graphicEl>
-                                              <a:dgm id="{B37A5355-225B-4C6F-AED7-6C620F99EECC}"/>
-                                            </p:graphicEl>
-                                          </p:spTgt>
-                                        </p:tgtEl>
-                                        <p:attrNameLst>
-                                          <p:attrName>style.visibility</p:attrName>
-                                        </p:attrNameLst>
-                                      </p:cBhvr>
-                                      <p:to>
-                                        <p:strVal val="visible"/>
-                                      </p:to>
-                                    </p:set>
-                                    <p:animEffect transition="in" filter="wipe(left)">
-                                      <p:cBhvr>
-                                        <p:cTn id="19" dur="500"/>
-                                        <p:tgtEl>
-                                          <p:spTgt spid="3">
-                                            <p:graphicEl>
-                                              <a:dgm id="{B37A5355-225B-4C6F-AED7-6C620F99EECC}"/>
-                                            </p:graphicEl>
-                                          </p:spTgt>
-                                        </p:tgtEl>
-                                      </p:cBhvr>
-                                    </p:animEffect>
-                                  </p:childTnLst>
-                                </p:cTn>
-                              </p:par>
-                            </p:childTnLst>
-                          </p:cTn>
-                        </p:par>
-                        <p:par>
-                          <p:cTn id="20" fill="hold">
-                            <p:stCondLst>
-                              <p:cond delay="2000"/>
-                            </p:stCondLst>
-                            <p:childTnLst>
-                              <p:par>
-                                <p:cTn id="21" presetID="22" presetClass="entr" presetSubtype="8" fill="hold" grpId="0" nodeType="afterEffect">
-                                  <p:stCondLst>
-                                    <p:cond delay="0"/>
-                                  </p:stCondLst>
-                                  <p:childTnLst>
-                                    <p:set>
-                                      <p:cBhvr>
-                                        <p:cTn id="22" dur="1" fill="hold">
-                                          <p:stCondLst>
-                                            <p:cond delay="0"/>
-                                          </p:stCondLst>
-                                        </p:cTn>
-                                        <p:tgtEl>
-                                          <p:spTgt spid="3">
-                                            <p:graphicEl>
-                                              <a:dgm id="{F5034101-5B7D-4FE7-B47A-5A48CF39606B}"/>
-                                            </p:graphicEl>
-                                          </p:spTgt>
-                                        </p:tgtEl>
-                                        <p:attrNameLst>
-                                          <p:attrName>style.visibility</p:attrName>
-                                        </p:attrNameLst>
-                                      </p:cBhvr>
-                                      <p:to>
-                                        <p:strVal val="visible"/>
-                                      </p:to>
-                                    </p:set>
-                                    <p:animEffect transition="in" filter="wipe(left)">
-                                      <p:cBhvr>
-                                        <p:cTn id="23" dur="500"/>
-                                        <p:tgtEl>
-                                          <p:spTgt spid="3">
-                                            <p:graphicEl>
-                                              <a:dgm id="{F5034101-5B7D-4FE7-B47A-5A48CF39606B}"/>
-                                            </p:graphicEl>
-                                          </p:spTgt>
-                                        </p:tgtEl>
-                                      </p:cBhvr>
-                                    </p:animEffect>
-                                  </p:childTnLst>
-                                </p:cTn>
-                              </p:par>
-                            </p:childTnLst>
-                          </p:cTn>
-                        </p:par>
-                        <p:par>
-                          <p:cTn id="24" fill="hold">
-                            <p:stCondLst>
-                              <p:cond delay="2500"/>
-                            </p:stCondLst>
-                            <p:childTnLst>
-                              <p:par>
-                                <p:cTn id="25" presetID="22" presetClass="entr" presetSubtype="8" fill="hold" grpId="0" nodeType="afterEffect">
-                                  <p:stCondLst>
-                                    <p:cond delay="0"/>
-                                  </p:stCondLst>
-                                  <p:childTnLst>
-                                    <p:set>
-                                      <p:cBhvr>
-                                        <p:cTn id="26" dur="1" fill="hold">
-                                          <p:stCondLst>
-                                            <p:cond delay="0"/>
-                                          </p:stCondLst>
-                                        </p:cTn>
-                                        <p:tgtEl>
-                                          <p:spTgt spid="3">
-                                            <p:graphicEl>
-                                              <a:dgm id="{C7C3E6FD-D83F-4BDA-907E-B5EE041DA931}"/>
-                                            </p:graphicEl>
-                                          </p:spTgt>
-                                        </p:tgtEl>
-                                        <p:attrNameLst>
-                                          <p:attrName>style.visibility</p:attrName>
-                                        </p:attrNameLst>
-                                      </p:cBhvr>
-                                      <p:to>
-                                        <p:strVal val="visible"/>
-                                      </p:to>
-                                    </p:set>
-                                    <p:animEffect transition="in" filter="wipe(left)">
-                                      <p:cBhvr>
-                                        <p:cTn id="27" dur="500"/>
-                                        <p:tgtEl>
-                                          <p:spTgt spid="3">
-                                            <p:graphicEl>
-                                              <a:dgm id="{C7C3E6FD-D83F-4BDA-907E-B5EE041DA931}"/>
-                                            </p:graphicEl>
-                                          </p:spTgt>
-                                        </p:tgtEl>
-                                      </p:cBhvr>
-                                    </p:animEffect>
-                                  </p:childTnLst>
-                                </p:cTn>
-                              </p:par>
-                            </p:childTnLst>
-                          </p:cTn>
-                        </p:par>
-                      </p:childTnLst>
-                    </p:cTn>
-                  </p:par>
-                </p:childTnLst>
-              </p:cTn>
-              <p:prevCondLst>
-                <p:cond evt="onPrev" delay="0">
-                  <p:tgtEl>
-                    <p:sldTgt/>
-                  </p:tgtEl>
-                </p:cond>
-              </p:prevCondLst>
-              <p:nextCondLst>
-                <p:cond evt="onNext" delay="0">
-                  <p:tgtEl>
-                    <p:sldTgt/>
-                  </p:tgtEl>
-                </p:cond>
-              </p:nextCondLst>
-            </p:seq>
-          </p:childTnLst>
-        </p:cTn>
-      </p:par>
-    </p:tnLst>
-    <p:bldLst>
-      <p:bldGraphic spid="3" grpId="0" uiExpand="1">
-        <p:bldSub>
-          <a:bldDgm bld="one"/>
-        </p:bldSub>
-      </p:bldGraphic>
-    </p:bldLst>
-  </p:timing>
-</p:sld>
-</file>
-
-<file path=ppt/slides/slide20.xml><?xml version="1.0" encoding="utf-8"?>
+<file path=ppt/slides/slide31.xml><?xml version="1.0" encoding="utf-8"?>
 <p:sld xmlns:a="http://schemas.openxmlformats.org/drawingml/2006/main" xmlns:r="http://schemas.openxmlformats.org/officeDocument/2006/relationships" xmlns:p="http://schemas.openxmlformats.org/presentationml/2006/main">
   <p:cSld>
     <p:spTree>
@@ -14479,7 +19665,7 @@
 </p:sld>
 </file>
 
-<file path=ppt/slides/slide21.xml><?xml version="1.0" encoding="utf-8"?>
+<file path=ppt/slides/slide32.xml><?xml version="1.0" encoding="utf-8"?>
 <p:sld xmlns:a="http://schemas.openxmlformats.org/drawingml/2006/main" xmlns:r="http://schemas.openxmlformats.org/officeDocument/2006/relationships" xmlns:p="http://schemas.openxmlformats.org/presentationml/2006/main">
   <p:cSld>
     <p:spTree>
@@ -14645,7 +19831,7 @@
 </p:sld>
 </file>
 
-<file path=ppt/slides/slide22.xml><?xml version="1.0" encoding="utf-8"?>
+<file path=ppt/slides/slide33.xml><?xml version="1.0" encoding="utf-8"?>
 <p:sld xmlns:a="http://schemas.openxmlformats.org/drawingml/2006/main" xmlns:r="http://schemas.openxmlformats.org/officeDocument/2006/relationships" xmlns:p="http://schemas.openxmlformats.org/presentationml/2006/main">
   <p:cSld>
     <p:spTree>
@@ -14713,7 +19899,7 @@
 </p:sld>
 </file>
 
-<file path=ppt/slides/slide23.xml><?xml version="1.0" encoding="utf-8"?>
+<file path=ppt/slides/slide34.xml><?xml version="1.0" encoding="utf-8"?>
 <p:sld xmlns:a="http://schemas.openxmlformats.org/drawingml/2006/main" xmlns:r="http://schemas.openxmlformats.org/officeDocument/2006/relationships" xmlns:p="http://schemas.openxmlformats.org/presentationml/2006/main">
   <p:cSld>
     <p:spTree>
@@ -14768,139 +19954,6 @@
   </p:clrMapOvr>
   <p:transition>
     <p:fade/>
-  </p:transition>
-  <p:timing>
-    <p:tnLst>
-      <p:par>
-        <p:cTn id="1" dur="indefinite" restart="never" nodeType="tmRoot"/>
-      </p:par>
-    </p:tnLst>
-  </p:timing>
-</p:sld>
-</file>
-
-<file path=ppt/slides/slide3.xml><?xml version="1.0" encoding="utf-8"?>
-<p:sld xmlns:a="http://schemas.openxmlformats.org/drawingml/2006/main" xmlns:r="http://schemas.openxmlformats.org/officeDocument/2006/relationships" xmlns:p="http://schemas.openxmlformats.org/presentationml/2006/main">
-  <p:cSld>
-    <p:spTree>
-      <p:nvGrpSpPr>
-        <p:cNvPr id="1" name=""/>
-        <p:cNvGrpSpPr/>
-        <p:nvPr/>
-      </p:nvGrpSpPr>
-      <p:grpSpPr>
-        <a:xfrm>
-          <a:off x="0" y="0"/>
-          <a:ext cx="0" cy="0"/>
-          <a:chOff x="0" y="0"/>
-          <a:chExt cx="0" cy="0"/>
-        </a:xfrm>
-      </p:grpSpPr>
-      <p:sp>
-        <p:nvSpPr>
-          <p:cNvPr id="2" name="Title 1"/>
-          <p:cNvSpPr>
-            <a:spLocks noGrp="1"/>
-          </p:cNvSpPr>
-          <p:nvPr>
-            <p:ph type="title"/>
-            <p:custDataLst>
-              <p:tags r:id="rId2"/>
-            </p:custDataLst>
-          </p:nvPr>
-        </p:nvSpPr>
-        <p:spPr/>
-        <p:txBody>
-          <a:bodyPr>
-            <a:normAutofit/>
-          </a:bodyPr>
-          <a:lstStyle/>
-          <a:p>
-            <a:r>
-              <a:rPr lang="fr-FR" dirty="0" smtClean="0"/>
-              <a:t>Concept</a:t>
-            </a:r>
-            <a:endParaRPr lang="fr-FR" dirty="0"/>
-          </a:p>
-        </p:txBody>
-      </p:sp>
-      <p:sp>
-        <p:nvSpPr>
-          <p:cNvPr id="5" name="Content Placeholder 4"/>
-          <p:cNvSpPr>
-            <a:spLocks noGrp="1"/>
-          </p:cNvSpPr>
-          <p:nvPr>
-            <p:ph idx="1"/>
-            <p:custDataLst>
-              <p:tags r:id="rId3"/>
-            </p:custDataLst>
-          </p:nvPr>
-        </p:nvSpPr>
-        <p:spPr/>
-        <p:txBody>
-          <a:bodyPr>
-            <a:normAutofit lnSpcReduction="10000"/>
-          </a:bodyPr>
-          <a:lstStyle/>
-          <a:p>
-            <a:r>
-              <a:rPr lang="fr-FR" dirty="0"/>
-              <a:t>Les </a:t>
-            </a:r>
-            <a:r>
-              <a:rPr lang="fr-FR" b="1" dirty="0"/>
-              <a:t>interactions homme-machines</a:t>
-            </a:r>
-            <a:r>
-              <a:rPr lang="fr-FR" dirty="0"/>
-              <a:t> (IHM) définissent les moyens et </a:t>
-            </a:r>
-            <a:r>
-              <a:rPr lang="fr-FR" dirty="0">
-                <a:hlinkClick r:id="rId6" tooltip="Outil"/>
-              </a:rPr>
-              <a:t>outils</a:t>
-            </a:r>
-            <a:r>
-              <a:rPr lang="fr-FR" dirty="0"/>
-              <a:t> mis en œuvre afin qu'un humain puisse contrôler et communiquer avec une </a:t>
-            </a:r>
-            <a:r>
-              <a:rPr lang="fr-FR" dirty="0" smtClean="0">
-                <a:hlinkClick r:id="rId7" tooltip="Machine"/>
-              </a:rPr>
-              <a:t>machine</a:t>
-            </a:r>
-            <a:endParaRPr lang="fr-FR" dirty="0" smtClean="0"/>
-          </a:p>
-          <a:p>
-            <a:r>
-              <a:rPr lang="fr-FR" dirty="0"/>
-              <a:t>IHM a comme but de trouver les moyens le plus efficaces, les plus accessibles les plus intuitives pour utilisateurs afin de compléter une tache le plus rapidement et le plus précisément possible</a:t>
-            </a:r>
-          </a:p>
-          <a:p>
-            <a:endParaRPr lang="fr-FR" dirty="0" smtClean="0"/>
-          </a:p>
-          <a:p>
-            <a:endParaRPr lang="fr-FR" dirty="0" smtClean="0"/>
-          </a:p>
-          <a:p>
-            <a:endParaRPr lang="fr-FR" dirty="0"/>
-          </a:p>
-        </p:txBody>
-      </p:sp>
-    </p:spTree>
-    <p:custDataLst>
-      <p:tags r:id="rId1"/>
-    </p:custDataLst>
-  </p:cSld>
-  <p:clrMapOvr>
-    <a:masterClrMapping/>
-  </p:clrMapOvr>
-  <p:transition spd="slow">
-    <p:wipe dir="d"/>
   </p:transition>
   <p:timing>
     <p:tnLst>

--- a/INTERFACE.pptx
+++ b/INTERFACE.pptx
@@ -304,11 +304,11 @@
         </c:dLbls>
         <c:marker val="1"/>
         <c:smooth val="0"/>
-        <c:axId val="38932480"/>
-        <c:axId val="38934016"/>
+        <c:axId val="44782720"/>
+        <c:axId val="44784256"/>
       </c:lineChart>
       <c:catAx>
-        <c:axId val="38932480"/>
+        <c:axId val="44782720"/>
         <c:scaling>
           <c:orientation val="minMax"/>
         </c:scaling>
@@ -317,7 +317,7 @@
         <c:majorTickMark val="out"/>
         <c:minorTickMark val="none"/>
         <c:tickLblPos val="nextTo"/>
-        <c:crossAx val="38934016"/>
+        <c:crossAx val="44784256"/>
         <c:crosses val="autoZero"/>
         <c:auto val="1"/>
         <c:lblAlgn val="ctr"/>
@@ -325,7 +325,7 @@
         <c:noMultiLvlLbl val="0"/>
       </c:catAx>
       <c:valAx>
-        <c:axId val="38934016"/>
+        <c:axId val="44784256"/>
         <c:scaling>
           <c:orientation val="minMax"/>
         </c:scaling>
@@ -336,7 +336,7 @@
         <c:majorTickMark val="out"/>
         <c:minorTickMark val="none"/>
         <c:tickLblPos val="nextTo"/>
-        <c:crossAx val="38932480"/>
+        <c:crossAx val="44782720"/>
         <c:crosses val="autoZero"/>
         <c:crossBetween val="between"/>
       </c:valAx>
@@ -10974,7 +10974,11 @@
           <a:p>
             <a:r>
               <a:rPr lang="fr-FR" sz="7200" smtClean="0"/>
-              <a:t>Beau travail</a:t>
+              <a:t>Merveilleux  </a:t>
+            </a:r>
+            <a:r>
+              <a:rPr lang="fr-FR" sz="7200" dirty="0" smtClean="0"/>
+              <a:t>travail</a:t>
             </a:r>
             <a:endParaRPr lang="fr-FR" sz="7200" dirty="0"/>
           </a:p>
@@ -11081,7 +11085,43 @@
                 </a:solidFill>
                 <a:latin typeface="+mn-lt"/>
               </a:rPr>
-              <a:t>     Définition :Interface</a:t>
+              <a:t>  </a:t>
+            </a:r>
+            <a:r>
+              <a:rPr lang="fr-FR" b="1" dirty="0" smtClean="0">
+                <a:solidFill>
+                  <a:srgbClr val="0070C0"/>
+                </a:solidFill>
+                <a:latin typeface="+mn-lt"/>
+              </a:rPr>
+              <a:t>L</a:t>
+            </a:r>
+            <a:r>
+              <a:rPr lang="fr-FR" b="1" dirty="0" smtClean="0">
+                <a:solidFill>
+                  <a:srgbClr val="0070C0"/>
+                </a:solidFill>
+                <a:latin typeface="+mn-lt"/>
+              </a:rPr>
+              <a:t>a définition </a:t>
+            </a:r>
+            <a:r>
+              <a:rPr lang="fr-FR" b="1" dirty="0" smtClean="0">
+                <a:solidFill>
+                  <a:srgbClr val="0070C0"/>
+                </a:solidFill>
+                <a:latin typeface="+mn-lt"/>
+              </a:rPr>
+              <a:t>d’une      </a:t>
+            </a:r>
+            <a:r>
+              <a:rPr lang="fr-FR" b="1" dirty="0" smtClean="0">
+                <a:solidFill>
+                  <a:srgbClr val="0070C0"/>
+                </a:solidFill>
+                <a:latin typeface="+mn-lt"/>
+              </a:rPr>
+              <a:t>Interface</a:t>
             </a:r>
             <a:endParaRPr lang="fr-FR" b="1" dirty="0">
               <a:solidFill>
@@ -13157,7 +13197,7 @@
         <p:spPr/>
         <p:txBody>
           <a:bodyPr>
-            <a:normAutofit fontScale="77500" lnSpcReduction="20000"/>
+            <a:normAutofit fontScale="70000" lnSpcReduction="20000"/>
           </a:bodyPr>
           <a:lstStyle/>
           <a:p>
@@ -13377,7 +13417,7 @@
         <p:spPr/>
         <p:txBody>
           <a:bodyPr>
-            <a:normAutofit fontScale="70000" lnSpcReduction="20000"/>
+            <a:normAutofit fontScale="62500" lnSpcReduction="20000"/>
           </a:bodyPr>
           <a:lstStyle/>
           <a:p>

--- a/INTERFACE.pptx
+++ b/INTERFACE.pptx
@@ -10837,8 +10837,12 @@
           <a:lstStyle/>
           <a:p>
             <a:r>
+              <a:rPr lang="fr-FR" smtClean="0"/>
+              <a:t>ESSAI INTERFACE</a:t>
+            </a:r>
+            <a:r>
               <a:rPr lang="fr-FR" dirty="0" smtClean="0"/>
-              <a:t>INTERFACE</a:t>
+              <a:t/>
             </a:r>
             <a:br>
               <a:rPr lang="fr-FR" dirty="0" smtClean="0"/>
@@ -10973,7 +10977,7 @@
           <a:lstStyle/>
           <a:p>
             <a:r>
-              <a:rPr lang="fr-FR" sz="7200" smtClean="0"/>
+              <a:rPr lang="fr-FR" sz="7200" dirty="0" smtClean="0"/>
               <a:t>Merveilleux  </a:t>
             </a:r>
             <a:r>

--- a/INTERFACE.pptx
+++ b/INTERFACE.pptx
@@ -10837,8 +10837,12 @@
           <a:lstStyle/>
           <a:p>
             <a:r>
+              <a:rPr lang="fr-FR" dirty="0" err="1" smtClean="0"/>
+              <a:t>Modif</a:t>
+            </a:r>
+            <a:r>
               <a:rPr lang="fr-FR" smtClean="0"/>
-              <a:t>ESSAI INTERFACE</a:t>
+              <a:t> INTERFACE</a:t>
             </a:r>
             <a:r>
               <a:rPr lang="fr-FR" dirty="0" smtClean="0"/>

--- a/INTERFACE.pptx
+++ b/INTERFACE.pptx
@@ -5,10 +5,10 @@
     <p:sldMasterId id="2147483648" r:id="rId1"/>
   </p:sldMasterIdLst>
   <p:notesMasterIdLst>
-    <p:notesMasterId r:id="rId36"/>
+    <p:notesMasterId r:id="rId25"/>
   </p:notesMasterIdLst>
   <p:handoutMasterIdLst>
-    <p:handoutMasterId r:id="rId37"/>
+    <p:handoutMasterId r:id="rId26"/>
   </p:handoutMasterIdLst>
   <p:sldIdLst>
     <p:sldId id="259" r:id="rId2"/>
@@ -20,31 +20,20 @@
     <p:sldId id="289" r:id="rId8"/>
     <p:sldId id="290" r:id="rId9"/>
     <p:sldId id="291" r:id="rId10"/>
-    <p:sldId id="281" r:id="rId11"/>
+    <p:sldId id="283" r:id="rId11"/>
     <p:sldId id="292" r:id="rId12"/>
     <p:sldId id="293" r:id="rId13"/>
     <p:sldId id="294" r:id="rId14"/>
     <p:sldId id="295" r:id="rId15"/>
     <p:sldId id="296" r:id="rId16"/>
-    <p:sldId id="297" r:id="rId17"/>
-    <p:sldId id="298" r:id="rId18"/>
-    <p:sldId id="299" r:id="rId19"/>
-    <p:sldId id="300" r:id="rId20"/>
-    <p:sldId id="301" r:id="rId21"/>
-    <p:sldId id="302" r:id="rId22"/>
-    <p:sldId id="282" r:id="rId23"/>
-    <p:sldId id="283" r:id="rId24"/>
-    <p:sldId id="287" r:id="rId25"/>
-    <p:sldId id="286" r:id="rId26"/>
-    <p:sldId id="267" r:id="rId27"/>
-    <p:sldId id="268" r:id="rId28"/>
-    <p:sldId id="269" r:id="rId29"/>
-    <p:sldId id="270" r:id="rId30"/>
-    <p:sldId id="274" r:id="rId31"/>
-    <p:sldId id="275" r:id="rId32"/>
-    <p:sldId id="276" r:id="rId33"/>
-    <p:sldId id="277" r:id="rId34"/>
-    <p:sldId id="278" r:id="rId35"/>
+    <p:sldId id="303" r:id="rId17"/>
+    <p:sldId id="297" r:id="rId18"/>
+    <p:sldId id="304" r:id="rId19"/>
+    <p:sldId id="298" r:id="rId20"/>
+    <p:sldId id="299" r:id="rId21"/>
+    <p:sldId id="300" r:id="rId22"/>
+    <p:sldId id="301" r:id="rId23"/>
+    <p:sldId id="302" r:id="rId24"/>
   </p:sldIdLst>
   <p:sldSz cx="9144000" cy="6858000" type="screen4x3"/>
   <p:notesSz cx="6858000" cy="9144000"/>
@@ -161,204 +150,42 @@
             <p14:sldId id="289"/>
             <p14:sldId id="290"/>
             <p14:sldId id="291"/>
-            <p14:sldId id="281"/>
+            <p14:sldId id="283"/>
+          </p14:sldIdLst>
+        </p14:section>
+        <p14:section name="Sujet 1" id="{6D9936A3-3945-4757-BC8B-B5C252D8E036}">
+          <p14:sldIdLst/>
+        </p14:section>
+        <p14:section name="Exemples de diapositives pour les effets visuels" id="{BAB3A466-96C9-4230-9978-795378D75699}">
+          <p14:sldIdLst/>
+        </p14:section>
+        <p14:section name="Étude de cas" id="{8C0305C9-B152-4FBA-A789-FE1976D53990}">
+          <p14:sldIdLst/>
+        </p14:section>
+        <p14:section name="Conclusion et résumé" id="{790CEF5B-569A-4C2F-BED5-750B08C0E5AD}">
+          <p14:sldIdLst/>
+        </p14:section>
+        <p14:section name="Annexe" id="{3F78B471-41DA-46F2-A8E4-97E471896AB3}">
+          <p14:sldIdLst>
             <p14:sldId id="292"/>
             <p14:sldId id="293"/>
             <p14:sldId id="294"/>
             <p14:sldId id="295"/>
             <p14:sldId id="296"/>
+            <p14:sldId id="303"/>
             <p14:sldId id="297"/>
+            <p14:sldId id="304"/>
             <p14:sldId id="298"/>
             <p14:sldId id="299"/>
             <p14:sldId id="300"/>
             <p14:sldId id="301"/>
             <p14:sldId id="302"/>
-            <p14:sldId id="282"/>
-            <p14:sldId id="283"/>
-            <p14:sldId id="287"/>
-          </p14:sldIdLst>
-        </p14:section>
-        <p14:section name="Sujet 1" id="{6D9936A3-3945-4757-BC8B-B5C252D8E036}">
-          <p14:sldIdLst>
-            <p14:sldId id="286"/>
-            <p14:sldId id="267"/>
-          </p14:sldIdLst>
-        </p14:section>
-        <p14:section name="Exemples de diapositives pour les effets visuels" id="{BAB3A466-96C9-4230-9978-795378D75699}">
-          <p14:sldIdLst>
-            <p14:sldId id="268"/>
-            <p14:sldId id="269"/>
-            <p14:sldId id="270"/>
-          </p14:sldIdLst>
-        </p14:section>
-        <p14:section name="Étude de cas" id="{8C0305C9-B152-4FBA-A789-FE1976D53990}">
-          <p14:sldIdLst>
-            <p14:sldId id="274"/>
-          </p14:sldIdLst>
-        </p14:section>
-        <p14:section name="Conclusion et résumé" id="{790CEF5B-569A-4C2F-BED5-750B08C0E5AD}">
-          <p14:sldIdLst>
-            <p14:sldId id="275"/>
-            <p14:sldId id="276"/>
-            <p14:sldId id="277"/>
-          </p14:sldIdLst>
-        </p14:section>
-        <p14:section name="Annexe" id="{3F78B471-41DA-46F2-A8E4-97E471896AB3}">
-          <p14:sldIdLst>
-            <p14:sldId id="278"/>
           </p14:sldIdLst>
         </p14:section>
       </p14:sectionLst>
     </p:ext>
   </p:extLst>
 </p:presentation>
-</file>
-
-<file path=ppt/charts/chart1.xml><?xml version="1.0" encoding="utf-8"?>
-<c:chartSpace xmlns:c="http://schemas.openxmlformats.org/drawingml/2006/chart" xmlns:a="http://schemas.openxmlformats.org/drawingml/2006/main" xmlns:r="http://schemas.openxmlformats.org/officeDocument/2006/relationships">
-  <c:date1904 val="0"/>
-  <c:lang val="fr-FR"/>
-  <c:roundedCorners val="0"/>
-  <mc:AlternateContent xmlns:mc="http://schemas.openxmlformats.org/markup-compatibility/2006">
-    <mc:Choice xmlns:c14="http://schemas.microsoft.com/office/drawing/2007/8/2/chart" Requires="c14">
-      <c14:style val="140"/>
-    </mc:Choice>
-    <mc:Fallback>
-      <c:style val="40"/>
-    </mc:Fallback>
-  </mc:AlternateContent>
-  <c:chart>
-    <c:autoTitleDeleted val="1"/>
-    <c:plotArea>
-      <c:layout/>
-      <c:lineChart>
-        <c:grouping val="standard"/>
-        <c:varyColors val="0"/>
-        <c:ser>
-          <c:idx val="0"/>
-          <c:order val="0"/>
-          <c:tx>
-            <c:strRef>
-              <c:f>Sheet1!$B$1</c:f>
-              <c:strCache>
-                <c:ptCount val="1"/>
-                <c:pt idx="0">
-                  <c:v>Series 1</c:v>
-                </c:pt>
-              </c:strCache>
-            </c:strRef>
-          </c:tx>
-          <c:marker>
-            <c:symbol val="none"/>
-          </c:marker>
-          <c:cat>
-            <c:strRef>
-              <c:f>Sheet1!$A$2:$A$5</c:f>
-              <c:strCache>
-                <c:ptCount val="4"/>
-                <c:pt idx="0">
-                  <c:v>Nouvel employé</c:v>
-                </c:pt>
-                <c:pt idx="1">
-                  <c:v>1 an</c:v>
-                </c:pt>
-                <c:pt idx="2">
-                  <c:v>2 ans</c:v>
-                </c:pt>
-                <c:pt idx="3">
-                  <c:v>3 ans</c:v>
-                </c:pt>
-              </c:strCache>
-            </c:strRef>
-          </c:cat>
-          <c:val>
-            <c:numRef>
-              <c:f>Sheet1!$B$2:$B$5</c:f>
-              <c:numCache>
-                <c:formatCode>General</c:formatCode>
-                <c:ptCount val="4"/>
-                <c:pt idx="0">
-                  <c:v>2</c:v>
-                </c:pt>
-                <c:pt idx="1">
-                  <c:v>3</c:v>
-                </c:pt>
-                <c:pt idx="2">
-                  <c:v>5</c:v>
-                </c:pt>
-                <c:pt idx="3">
-                  <c:v>8</c:v>
-                </c:pt>
-              </c:numCache>
-            </c:numRef>
-          </c:val>
-          <c:smooth val="0"/>
-        </c:ser>
-        <c:dLbls>
-          <c:showLegendKey val="0"/>
-          <c:showVal val="0"/>
-          <c:showCatName val="0"/>
-          <c:showSerName val="0"/>
-          <c:showPercent val="0"/>
-          <c:showBubbleSize val="0"/>
-        </c:dLbls>
-        <c:marker val="1"/>
-        <c:smooth val="0"/>
-        <c:axId val="44782720"/>
-        <c:axId val="44784256"/>
-      </c:lineChart>
-      <c:catAx>
-        <c:axId val="44782720"/>
-        <c:scaling>
-          <c:orientation val="minMax"/>
-        </c:scaling>
-        <c:delete val="0"/>
-        <c:axPos val="b"/>
-        <c:majorTickMark val="out"/>
-        <c:minorTickMark val="none"/>
-        <c:tickLblPos val="nextTo"/>
-        <c:crossAx val="44784256"/>
-        <c:crosses val="autoZero"/>
-        <c:auto val="1"/>
-        <c:lblAlgn val="ctr"/>
-        <c:lblOffset val="100"/>
-        <c:noMultiLvlLbl val="0"/>
-      </c:catAx>
-      <c:valAx>
-        <c:axId val="44784256"/>
-        <c:scaling>
-          <c:orientation val="minMax"/>
-        </c:scaling>
-        <c:delete val="1"/>
-        <c:axPos val="l"/>
-        <c:majorGridlines/>
-        <c:numFmt formatCode="General" sourceLinked="1"/>
-        <c:majorTickMark val="out"/>
-        <c:minorTickMark val="none"/>
-        <c:tickLblPos val="nextTo"/>
-        <c:crossAx val="44782720"/>
-        <c:crosses val="autoZero"/>
-        <c:crossBetween val="between"/>
-      </c:valAx>
-    </c:plotArea>
-    <c:plotVisOnly val="1"/>
-    <c:dispBlanksAs val="gap"/>
-    <c:showDLblsOverMax val="0"/>
-  </c:chart>
-  <c:txPr>
-    <a:bodyPr/>
-    <a:lstStyle/>
-    <a:p>
-      <a:pPr>
-        <a:defRPr sz="1800"/>
-      </a:pPr>
-      <a:endParaRPr lang="fr-FR"/>
-    </a:p>
-  </c:txPr>
-  <c:externalData r:id="rId1">
-    <c:autoUpdate val="0"/>
-  </c:externalData>
-</c:chartSpace>
 </file>
 
 <file path=ppt/diagrams/colors1.xml><?xml version="1.0" encoding="utf-8"?>
@@ -3655,7 +3482,7 @@
             <a:fld id="{D83FDC75-7F73-4A4A-A77C-09AADF00E0EA}" type="datetimeFigureOut">
               <a:rPr lang="fr-FR" smtClean="0"/>
               <a:pPr/>
-              <a:t>08/03/2017</a:t>
+              <a:t>10/03/2017</a:t>
             </a:fld>
             <a:endParaRPr lang="fr-FR" dirty="0"/>
           </a:p>
@@ -4381,35 +4208,7 @@
           <a:bodyPr/>
           <a:lstStyle/>
           <a:p>
-            <a:pPr marL="0" marR="0" indent="0" algn="l" defTabSz="914400" rtl="0" eaLnBrk="1" fontAlgn="auto" latinLnBrk="0" hangingPunct="1">
-              <a:lnSpc>
-                <a:spcPct val="100000"/>
-              </a:lnSpc>
-              <a:spcBef>
-                <a:spcPts val="0"/>
-              </a:spcBef>
-              <a:spcAft>
-                <a:spcPts val="0"/>
-              </a:spcAft>
-              <a:buClrTx/>
-              <a:buSzTx/>
-              <a:buFontTx/>
-              <a:buNone/>
-              <a:tabLst/>
-              <a:defRPr lang="fr-FR"/>
-            </a:pPr>
-            <a:r>
-              <a:rPr lang="fr-FR" sz="1200" dirty="0" smtClean="0"/>
-              <a:t>Voici un autre exemple</a:t>
-            </a:r>
-            <a:r>
-              <a:rPr lang="fr-FR" sz="1200" baseline="0" dirty="0" smtClean="0"/>
-              <a:t> de diapositives de vue d’ensemble utilisant des transitions.</a:t>
-            </a:r>
-            <a:endParaRPr lang="fr-FR" sz="1200" dirty="0" smtClean="0"/>
-          </a:p>
-          <a:p>
-            <a:endParaRPr lang="fr-FR" dirty="0"/>
+            <a:endParaRPr lang="fr-FR"/>
           </a:p>
         </p:txBody>
       </p:sp>
@@ -4434,1009 +4233,6 @@
               <a:t>10</a:t>
             </a:fld>
             <a:endParaRPr lang="fr-FR"/>
-          </a:p>
-        </p:txBody>
-      </p:sp>
-    </p:spTree>
-  </p:cSld>
-  <p:clrMapOvr>
-    <a:masterClrMapping/>
-  </p:clrMapOvr>
-</p:notes>
-</file>
-
-<file path=ppt/notesSlides/notesSlide11.xml><?xml version="1.0" encoding="utf-8"?>
-<p:notes xmlns:a="http://schemas.openxmlformats.org/drawingml/2006/main" xmlns:r="http://schemas.openxmlformats.org/officeDocument/2006/relationships" xmlns:p="http://schemas.openxmlformats.org/presentationml/2006/main">
-  <p:cSld>
-    <p:spTree>
-      <p:nvGrpSpPr>
-        <p:cNvPr id="1" name=""/>
-        <p:cNvGrpSpPr/>
-        <p:nvPr/>
-      </p:nvGrpSpPr>
-      <p:grpSpPr>
-        <a:xfrm>
-          <a:off x="0" y="0"/>
-          <a:ext cx="0" cy="0"/>
-          <a:chOff x="0" y="0"/>
-          <a:chExt cx="0" cy="0"/>
-        </a:xfrm>
-      </p:grpSpPr>
-      <p:sp>
-        <p:nvSpPr>
-          <p:cNvPr id="2" name="Slide Image Placeholder 1"/>
-          <p:cNvSpPr>
-            <a:spLocks noGrp="1" noRot="1" noChangeAspect="1"/>
-          </p:cNvSpPr>
-          <p:nvPr>
-            <p:ph type="sldImg"/>
-          </p:nvPr>
-        </p:nvSpPr>
-        <p:spPr/>
-      </p:sp>
-      <p:sp>
-        <p:nvSpPr>
-          <p:cNvPr id="3" name="Notes Placeholder 2"/>
-          <p:cNvSpPr>
-            <a:spLocks noGrp="1"/>
-          </p:cNvSpPr>
-          <p:nvPr>
-            <p:ph type="body" idx="1"/>
-          </p:nvPr>
-        </p:nvSpPr>
-        <p:spPr/>
-        <p:txBody>
-          <a:bodyPr/>
-          <a:lstStyle/>
-          <a:p>
-            <a:endParaRPr lang="fr-FR"/>
-          </a:p>
-        </p:txBody>
-      </p:sp>
-      <p:sp>
-        <p:nvSpPr>
-          <p:cNvPr id="4" name="Slide Number Placeholder 3"/>
-          <p:cNvSpPr>
-            <a:spLocks noGrp="1"/>
-          </p:cNvSpPr>
-          <p:nvPr>
-            <p:ph type="sldNum" sz="quarter" idx="10"/>
-          </p:nvPr>
-        </p:nvSpPr>
-        <p:spPr/>
-        <p:txBody>
-          <a:bodyPr/>
-          <a:lstStyle/>
-          <a:p>
-            <a:fld id="{75693FD4-8F83-4EF7-AC3F-0DC0388986B0}" type="slidenum">
-              <a:rPr lang="fr-FR" smtClean="0"/>
-              <a:pPr/>
-              <a:t>22</a:t>
-            </a:fld>
-            <a:endParaRPr lang="fr-FR"/>
-          </a:p>
-        </p:txBody>
-      </p:sp>
-    </p:spTree>
-  </p:cSld>
-  <p:clrMapOvr>
-    <a:masterClrMapping/>
-  </p:clrMapOvr>
-</p:notes>
-</file>
-
-<file path=ppt/notesSlides/notesSlide12.xml><?xml version="1.0" encoding="utf-8"?>
-<p:notes xmlns:a="http://schemas.openxmlformats.org/drawingml/2006/main" xmlns:r="http://schemas.openxmlformats.org/officeDocument/2006/relationships" xmlns:p="http://schemas.openxmlformats.org/presentationml/2006/main">
-  <p:cSld>
-    <p:spTree>
-      <p:nvGrpSpPr>
-        <p:cNvPr id="1" name=""/>
-        <p:cNvGrpSpPr/>
-        <p:nvPr/>
-      </p:nvGrpSpPr>
-      <p:grpSpPr>
-        <a:xfrm>
-          <a:off x="0" y="0"/>
-          <a:ext cx="0" cy="0"/>
-          <a:chOff x="0" y="0"/>
-          <a:chExt cx="0" cy="0"/>
-        </a:xfrm>
-      </p:grpSpPr>
-      <p:sp>
-        <p:nvSpPr>
-          <p:cNvPr id="2" name="Slide Image Placeholder 1"/>
-          <p:cNvSpPr>
-            <a:spLocks noGrp="1" noRot="1" noChangeAspect="1"/>
-          </p:cNvSpPr>
-          <p:nvPr>
-            <p:ph type="sldImg"/>
-          </p:nvPr>
-        </p:nvSpPr>
-        <p:spPr/>
-      </p:sp>
-      <p:sp>
-        <p:nvSpPr>
-          <p:cNvPr id="3" name="Notes Placeholder 2"/>
-          <p:cNvSpPr>
-            <a:spLocks noGrp="1"/>
-          </p:cNvSpPr>
-          <p:nvPr>
-            <p:ph type="body" idx="1"/>
-          </p:nvPr>
-        </p:nvSpPr>
-        <p:spPr/>
-        <p:txBody>
-          <a:bodyPr/>
-          <a:lstStyle/>
-          <a:p>
-            <a:endParaRPr lang="fr-FR"/>
-          </a:p>
-        </p:txBody>
-      </p:sp>
-      <p:sp>
-        <p:nvSpPr>
-          <p:cNvPr id="4" name="Slide Number Placeholder 3"/>
-          <p:cNvSpPr>
-            <a:spLocks noGrp="1"/>
-          </p:cNvSpPr>
-          <p:nvPr>
-            <p:ph type="sldNum" sz="quarter" idx="10"/>
-          </p:nvPr>
-        </p:nvSpPr>
-        <p:spPr/>
-        <p:txBody>
-          <a:bodyPr/>
-          <a:lstStyle/>
-          <a:p>
-            <a:fld id="{75693FD4-8F83-4EF7-AC3F-0DC0388986B0}" type="slidenum">
-              <a:rPr lang="fr-FR" smtClean="0"/>
-              <a:pPr/>
-              <a:t>23</a:t>
-            </a:fld>
-            <a:endParaRPr lang="fr-FR"/>
-          </a:p>
-        </p:txBody>
-      </p:sp>
-    </p:spTree>
-  </p:cSld>
-  <p:clrMapOvr>
-    <a:masterClrMapping/>
-  </p:clrMapOvr>
-</p:notes>
-</file>
-
-<file path=ppt/notesSlides/notesSlide13.xml><?xml version="1.0" encoding="utf-8"?>
-<p:notes xmlns:a="http://schemas.openxmlformats.org/drawingml/2006/main" xmlns:r="http://schemas.openxmlformats.org/officeDocument/2006/relationships" xmlns:p="http://schemas.openxmlformats.org/presentationml/2006/main">
-  <p:cSld>
-    <p:spTree>
-      <p:nvGrpSpPr>
-        <p:cNvPr id="1" name=""/>
-        <p:cNvGrpSpPr/>
-        <p:nvPr/>
-      </p:nvGrpSpPr>
-      <p:grpSpPr>
-        <a:xfrm>
-          <a:off x="0" y="0"/>
-          <a:ext cx="0" cy="0"/>
-          <a:chOff x="0" y="0"/>
-          <a:chExt cx="0" cy="0"/>
-        </a:xfrm>
-      </p:grpSpPr>
-      <p:sp>
-        <p:nvSpPr>
-          <p:cNvPr id="2" name="Slide Image Placeholder 1"/>
-          <p:cNvSpPr>
-            <a:spLocks noGrp="1" noRot="1" noChangeAspect="1"/>
-          </p:cNvSpPr>
-          <p:nvPr>
-            <p:ph type="sldImg"/>
-          </p:nvPr>
-        </p:nvSpPr>
-        <p:spPr/>
-      </p:sp>
-      <p:sp>
-        <p:nvSpPr>
-          <p:cNvPr id="3" name="Notes Placeholder 2"/>
-          <p:cNvSpPr>
-            <a:spLocks noGrp="1"/>
-          </p:cNvSpPr>
-          <p:nvPr>
-            <p:ph type="body" idx="1"/>
-          </p:nvPr>
-        </p:nvSpPr>
-        <p:spPr/>
-        <p:txBody>
-          <a:bodyPr>
-            <a:normAutofit lnSpcReduction="10000"/>
-          </a:bodyPr>
-          <a:lstStyle/>
-          <a:p>
-            <a:pPr marL="0" marR="0" indent="0" algn="l" defTabSz="914400" rtl="0" eaLnBrk="1" fontAlgn="auto" latinLnBrk="0" hangingPunct="1">
-              <a:lnSpc>
-                <a:spcPct val="100000"/>
-              </a:lnSpc>
-              <a:spcBef>
-                <a:spcPts val="0"/>
-              </a:spcBef>
-              <a:spcAft>
-                <a:spcPts val="0"/>
-              </a:spcAft>
-              <a:buClrTx/>
-              <a:buSzTx/>
-              <a:buFontTx/>
-              <a:buNone/>
-              <a:tabLst/>
-              <a:defRPr lang="fr-FR"/>
-            </a:pPr>
-            <a:r>
-              <a:rPr lang="fr-FR" b="0" dirty="0" smtClean="0"/>
-              <a:t>Quelles compétences</a:t>
-            </a:r>
-            <a:r>
-              <a:rPr lang="fr-FR" b="0" baseline="0" dirty="0" smtClean="0"/>
-              <a:t> l’audience pourra-t-elle maîtriser au terme de cette formation ?</a:t>
-            </a:r>
-            <a:r>
-              <a:rPr lang="fr-FR" dirty="0" smtClean="0"/>
-              <a:t> Décrivez brièvement les avantages dont l’audience</a:t>
-            </a:r>
-            <a:r>
-              <a:rPr lang="fr-FR" baseline="0" dirty="0" smtClean="0"/>
-              <a:t> </a:t>
-            </a:r>
-            <a:r>
-              <a:rPr lang="fr-FR" dirty="0" smtClean="0"/>
-              <a:t>pourra bénéficier suite à cette</a:t>
-            </a:r>
-            <a:r>
-              <a:rPr lang="fr-FR" baseline="0" dirty="0" smtClean="0"/>
-              <a:t> présentation.</a:t>
-            </a:r>
-            <a:endParaRPr lang="fr-FR" dirty="0" smtClean="0"/>
-          </a:p>
-        </p:txBody>
-      </p:sp>
-      <p:sp>
-        <p:nvSpPr>
-          <p:cNvPr id="4" name="Slide Number Placeholder 3"/>
-          <p:cNvSpPr>
-            <a:spLocks noGrp="1"/>
-          </p:cNvSpPr>
-          <p:nvPr>
-            <p:ph type="sldNum" sz="quarter" idx="10"/>
-          </p:nvPr>
-        </p:nvSpPr>
-        <p:spPr/>
-        <p:txBody>
-          <a:bodyPr/>
-          <a:lstStyle/>
-          <a:p>
-            <a:fld id="{EC6EAC7D-5A89-47C2-8ABA-56C9C2DEF7A4}" type="slidenum">
-              <a:rPr lang="fr-FR" smtClean="0"/>
-              <a:pPr/>
-              <a:t>24</a:t>
-            </a:fld>
-            <a:endParaRPr lang="fr-FR"/>
-          </a:p>
-        </p:txBody>
-      </p:sp>
-    </p:spTree>
-  </p:cSld>
-  <p:clrMapOvr>
-    <a:masterClrMapping/>
-  </p:clrMapOvr>
-</p:notes>
-</file>
-
-<file path=ppt/notesSlides/notesSlide14.xml><?xml version="1.0" encoding="utf-8"?>
-<p:notes xmlns:a="http://schemas.openxmlformats.org/drawingml/2006/main" xmlns:r="http://schemas.openxmlformats.org/officeDocument/2006/relationships" xmlns:p="http://schemas.openxmlformats.org/presentationml/2006/main">
-  <p:cSld>
-    <p:spTree>
-      <p:nvGrpSpPr>
-        <p:cNvPr id="1" name=""/>
-        <p:cNvGrpSpPr/>
-        <p:nvPr/>
-      </p:nvGrpSpPr>
-      <p:grpSpPr>
-        <a:xfrm>
-          <a:off x="0" y="0"/>
-          <a:ext cx="0" cy="0"/>
-          <a:chOff x="0" y="0"/>
-          <a:chExt cx="0" cy="0"/>
-        </a:xfrm>
-      </p:grpSpPr>
-      <p:sp>
-        <p:nvSpPr>
-          <p:cNvPr id="2" name="Slide Image Placeholder 1"/>
-          <p:cNvSpPr>
-            <a:spLocks noGrp="1" noRot="1" noChangeAspect="1"/>
-          </p:cNvSpPr>
-          <p:nvPr>
-            <p:ph type="sldImg"/>
-          </p:nvPr>
-        </p:nvSpPr>
-        <p:spPr/>
-      </p:sp>
-      <p:sp>
-        <p:nvSpPr>
-          <p:cNvPr id="3" name="Notes Placeholder 2"/>
-          <p:cNvSpPr>
-            <a:spLocks noGrp="1"/>
-          </p:cNvSpPr>
-          <p:nvPr>
-            <p:ph type="body" idx="1"/>
-          </p:nvPr>
-        </p:nvSpPr>
-        <p:spPr/>
-        <p:txBody>
-          <a:bodyPr/>
-          <a:lstStyle/>
-          <a:p>
-            <a:pPr marL="0" marR="0" indent="0" algn="l" defTabSz="914400" rtl="0" eaLnBrk="1" fontAlgn="auto" latinLnBrk="0" hangingPunct="1">
-              <a:lnSpc>
-                <a:spcPct val="100000"/>
-              </a:lnSpc>
-              <a:spcBef>
-                <a:spcPts val="0"/>
-              </a:spcBef>
-              <a:spcAft>
-                <a:spcPts val="0"/>
-              </a:spcAft>
-              <a:buClrTx/>
-              <a:buSzTx/>
-              <a:buFontTx/>
-              <a:buNone/>
-              <a:tabLst/>
-              <a:defRPr lang="fr-FR"/>
-            </a:pPr>
-            <a:r>
-              <a:rPr lang="fr-FR" dirty="0" smtClean="0"/>
-              <a:t>Utiliser un en-tête de section pour chacun des sujets afin de définir une transition claire pour l’audience. </a:t>
-            </a:r>
-          </a:p>
-          <a:p>
-            <a:endParaRPr lang="fr-FR" dirty="0"/>
-          </a:p>
-        </p:txBody>
-      </p:sp>
-      <p:sp>
-        <p:nvSpPr>
-          <p:cNvPr id="4" name="Slide Number Placeholder 3"/>
-          <p:cNvSpPr>
-            <a:spLocks noGrp="1"/>
-          </p:cNvSpPr>
-          <p:nvPr>
-            <p:ph type="sldNum" sz="quarter" idx="10"/>
-          </p:nvPr>
-        </p:nvSpPr>
-        <p:spPr/>
-        <p:txBody>
-          <a:bodyPr/>
-          <a:lstStyle/>
-          <a:p>
-            <a:fld id="{75693FD4-8F83-4EF7-AC3F-0DC0388986B0}" type="slidenum">
-              <a:rPr lang="fr-FR" smtClean="0"/>
-              <a:pPr/>
-              <a:t>25</a:t>
-            </a:fld>
-            <a:endParaRPr lang="fr-FR" dirty="0"/>
-          </a:p>
-        </p:txBody>
-      </p:sp>
-    </p:spTree>
-  </p:cSld>
-  <p:clrMapOvr>
-    <a:masterClrMapping/>
-  </p:clrMapOvr>
-</p:notes>
-</file>
-
-<file path=ppt/notesSlides/notesSlide15.xml><?xml version="1.0" encoding="utf-8"?>
-<p:notes xmlns:a="http://schemas.openxmlformats.org/drawingml/2006/main" xmlns:r="http://schemas.openxmlformats.org/officeDocument/2006/relationships" xmlns:p="http://schemas.openxmlformats.org/presentationml/2006/main">
-  <p:cSld>
-    <p:spTree>
-      <p:nvGrpSpPr>
-        <p:cNvPr id="1" name=""/>
-        <p:cNvGrpSpPr/>
-        <p:nvPr/>
-      </p:nvGrpSpPr>
-      <p:grpSpPr>
-        <a:xfrm>
-          <a:off x="0" y="0"/>
-          <a:ext cx="0" cy="0"/>
-          <a:chOff x="0" y="0"/>
-          <a:chExt cx="0" cy="0"/>
-        </a:xfrm>
-      </p:grpSpPr>
-      <p:sp>
-        <p:nvSpPr>
-          <p:cNvPr id="2" name="Slide Image Placeholder 1"/>
-          <p:cNvSpPr>
-            <a:spLocks noGrp="1" noRot="1" noChangeAspect="1"/>
-          </p:cNvSpPr>
-          <p:nvPr>
-            <p:ph type="sldImg"/>
-          </p:nvPr>
-        </p:nvSpPr>
-        <p:spPr/>
-      </p:sp>
-      <p:sp>
-        <p:nvSpPr>
-          <p:cNvPr id="3" name="Notes Placeholder 2"/>
-          <p:cNvSpPr>
-            <a:spLocks noGrp="1"/>
-          </p:cNvSpPr>
-          <p:nvPr>
-            <p:ph type="body" idx="1"/>
-          </p:nvPr>
-        </p:nvSpPr>
-        <p:spPr/>
-        <p:txBody>
-          <a:bodyPr>
-            <a:normAutofit/>
-          </a:bodyPr>
-          <a:lstStyle/>
-          <a:p>
-            <a:r>
-              <a:rPr lang="fr-FR" dirty="0" smtClean="0"/>
-              <a:t>Ajoutez des diapositives à chaque section de sujet, y compris des diapositives contenant des tableaux, des graphiques et des images. </a:t>
-            </a:r>
-          </a:p>
-          <a:p>
-            <a:r>
-              <a:rPr lang="fr-FR" dirty="0" smtClean="0"/>
-              <a:t>Voir exemple dans la section suivante</a:t>
-            </a:r>
-            <a:r>
-              <a:rPr lang="fr-FR" baseline="0" dirty="0" smtClean="0"/>
-              <a:t> </a:t>
-            </a:r>
-            <a:r>
-              <a:rPr lang="fr-FR" dirty="0" smtClean="0"/>
-              <a:t>de tableau,</a:t>
-            </a:r>
-            <a:r>
-              <a:rPr lang="fr-FR" baseline="0" dirty="0" smtClean="0"/>
-              <a:t> de graphique, d’image et de vidéo. </a:t>
-            </a:r>
-            <a:endParaRPr lang="fr-FR" dirty="0"/>
-          </a:p>
-        </p:txBody>
-      </p:sp>
-      <p:sp>
-        <p:nvSpPr>
-          <p:cNvPr id="4" name="Slide Number Placeholder 3"/>
-          <p:cNvSpPr>
-            <a:spLocks noGrp="1"/>
-          </p:cNvSpPr>
-          <p:nvPr>
-            <p:ph type="sldNum" sz="quarter" idx="10"/>
-          </p:nvPr>
-        </p:nvSpPr>
-        <p:spPr/>
-        <p:txBody>
-          <a:bodyPr/>
-          <a:lstStyle/>
-          <a:p>
-            <a:fld id="{EC6EAC7D-5A89-47C2-8ABA-56C9C2DEF7A4}" type="slidenum">
-              <a:rPr lang="fr-FR" smtClean="0"/>
-              <a:pPr/>
-              <a:t>26</a:t>
-            </a:fld>
-            <a:endParaRPr lang="fr-FR"/>
-          </a:p>
-        </p:txBody>
-      </p:sp>
-    </p:spTree>
-  </p:cSld>
-  <p:clrMapOvr>
-    <a:masterClrMapping/>
-  </p:clrMapOvr>
-</p:notes>
-</file>
-
-<file path=ppt/notesSlides/notesSlide16.xml><?xml version="1.0" encoding="utf-8"?>
-<p:notes xmlns:a="http://schemas.openxmlformats.org/drawingml/2006/main" xmlns:r="http://schemas.openxmlformats.org/officeDocument/2006/relationships" xmlns:p="http://schemas.openxmlformats.org/presentationml/2006/main">
-  <p:cSld>
-    <p:spTree>
-      <p:nvGrpSpPr>
-        <p:cNvPr id="1" name=""/>
-        <p:cNvGrpSpPr/>
-        <p:nvPr/>
-      </p:nvGrpSpPr>
-      <p:grpSpPr>
-        <a:xfrm>
-          <a:off x="0" y="0"/>
-          <a:ext cx="0" cy="0"/>
-          <a:chOff x="0" y="0"/>
-          <a:chExt cx="0" cy="0"/>
-        </a:xfrm>
-      </p:grpSpPr>
-      <p:sp>
-        <p:nvSpPr>
-          <p:cNvPr id="2" name="Slide Image Placeholder 1"/>
-          <p:cNvSpPr>
-            <a:spLocks noGrp="1" noRot="1" noChangeAspect="1"/>
-          </p:cNvSpPr>
-          <p:nvPr>
-            <p:ph type="sldImg"/>
-          </p:nvPr>
-        </p:nvSpPr>
-        <p:spPr/>
-      </p:sp>
-      <p:sp>
-        <p:nvSpPr>
-          <p:cNvPr id="3" name="Notes Placeholder 2"/>
-          <p:cNvSpPr>
-            <a:spLocks noGrp="1"/>
-          </p:cNvSpPr>
-          <p:nvPr>
-            <p:ph type="body" idx="1"/>
-          </p:nvPr>
-        </p:nvSpPr>
-        <p:spPr/>
-        <p:txBody>
-          <a:bodyPr>
-            <a:normAutofit/>
-          </a:bodyPr>
-          <a:lstStyle/>
-          <a:p>
-            <a:r>
-              <a:rPr lang="fr-FR" dirty="0" smtClean="0"/>
-              <a:t>Soyez bref. Raccourcissez votre texte le plus possible afin de conserver une grande taille de police.</a:t>
-            </a:r>
-          </a:p>
-          <a:p>
-            <a:endParaRPr lang="fr-FR" dirty="0"/>
-          </a:p>
-        </p:txBody>
-      </p:sp>
-      <p:sp>
-        <p:nvSpPr>
-          <p:cNvPr id="4" name="Slide Number Placeholder 3"/>
-          <p:cNvSpPr>
-            <a:spLocks noGrp="1"/>
-          </p:cNvSpPr>
-          <p:nvPr>
-            <p:ph type="sldNum" sz="quarter" idx="10"/>
-          </p:nvPr>
-        </p:nvSpPr>
-        <p:spPr/>
-        <p:txBody>
-          <a:bodyPr/>
-          <a:lstStyle/>
-          <a:p>
-            <a:fld id="{EC6EAC7D-5A89-47C2-8ABA-56C9C2DEF7A4}" type="slidenum">
-              <a:rPr lang="fr-FR" smtClean="0"/>
-              <a:pPr/>
-              <a:t>27</a:t>
-            </a:fld>
-            <a:endParaRPr lang="fr-FR"/>
-          </a:p>
-        </p:txBody>
-      </p:sp>
-    </p:spTree>
-  </p:cSld>
-  <p:clrMapOvr>
-    <a:masterClrMapping/>
-  </p:clrMapOvr>
-</p:notes>
-</file>
-
-<file path=ppt/notesSlides/notesSlide17.xml><?xml version="1.0" encoding="utf-8"?>
-<p:notes xmlns:a="http://schemas.openxmlformats.org/drawingml/2006/main" xmlns:r="http://schemas.openxmlformats.org/officeDocument/2006/relationships" xmlns:p="http://schemas.openxmlformats.org/presentationml/2006/main">
-  <p:cSld>
-    <p:spTree>
-      <p:nvGrpSpPr>
-        <p:cNvPr id="1" name=""/>
-        <p:cNvGrpSpPr/>
-        <p:nvPr/>
-      </p:nvGrpSpPr>
-      <p:grpSpPr>
-        <a:xfrm>
-          <a:off x="0" y="0"/>
-          <a:ext cx="0" cy="0"/>
-          <a:chOff x="0" y="0"/>
-          <a:chExt cx="0" cy="0"/>
-        </a:xfrm>
-      </p:grpSpPr>
-      <p:sp>
-        <p:nvSpPr>
-          <p:cNvPr id="46082" name="Rectangle 23"/>
-          <p:cNvSpPr>
-            <a:spLocks noGrp="1" noChangeArrowheads="1"/>
-          </p:cNvSpPr>
-          <p:nvPr>
-            <p:ph type="hdr" sz="quarter"/>
-          </p:nvPr>
-        </p:nvSpPr>
-        <p:spPr>
-          <a:noFill/>
-        </p:spPr>
-        <p:txBody>
-          <a:bodyPr/>
-          <a:lstStyle/>
-          <a:p>
-            <a:r>
-              <a:rPr lang="fr-FR" smtClean="0"/>
-              <a:t>Microsoft </a:t>
-            </a:r>
-            <a:r>
-              <a:rPr lang="fr-FR" b="1" smtClean="0"/>
-              <a:t>Excellence en ingénierie</a:t>
-            </a:r>
-            <a:endParaRPr lang="fr-FR" smtClean="0"/>
-          </a:p>
-        </p:txBody>
-      </p:sp>
-      <p:sp>
-        <p:nvSpPr>
-          <p:cNvPr id="46083" name="Rectangle 25"/>
-          <p:cNvSpPr>
-            <a:spLocks noGrp="1" noChangeArrowheads="1"/>
-          </p:cNvSpPr>
-          <p:nvPr>
-            <p:ph type="ftr" sz="quarter" idx="4"/>
-          </p:nvPr>
-        </p:nvSpPr>
-        <p:spPr>
-          <a:noFill/>
-        </p:spPr>
-        <p:txBody>
-          <a:bodyPr/>
-          <a:lstStyle/>
-          <a:p>
-            <a:r>
-              <a:rPr lang="fr-FR" smtClean="0"/>
-              <a:t>Microsoft Confidentiel</a:t>
-            </a:r>
-          </a:p>
-        </p:txBody>
-      </p:sp>
-      <p:sp>
-        <p:nvSpPr>
-          <p:cNvPr id="46084" name="Rectangle 26"/>
-          <p:cNvSpPr>
-            <a:spLocks noGrp="1" noChangeArrowheads="1"/>
-          </p:cNvSpPr>
-          <p:nvPr>
-            <p:ph type="sldNum" sz="quarter" idx="5"/>
-          </p:nvPr>
-        </p:nvSpPr>
-        <p:spPr>
-          <a:noFill/>
-        </p:spPr>
-        <p:txBody>
-          <a:bodyPr/>
-          <a:lstStyle/>
-          <a:p>
-            <a:fld id="{F2C51ECC-86A3-4073-ADEB-F5E3C216F85C}" type="slidenum">
-              <a:rPr lang="fr-FR" smtClean="0"/>
-              <a:pPr/>
-              <a:t>28</a:t>
-            </a:fld>
-            <a:endParaRPr lang="fr-FR" smtClean="0"/>
-          </a:p>
-        </p:txBody>
-      </p:sp>
-      <p:sp>
-        <p:nvSpPr>
-          <p:cNvPr id="46085" name="Rectangle 2"/>
-          <p:cNvSpPr>
-            <a:spLocks noGrp="1" noRot="1" noChangeAspect="1" noChangeArrowheads="1" noTextEdit="1"/>
-          </p:cNvSpPr>
-          <p:nvPr>
-            <p:ph type="sldImg"/>
-          </p:nvPr>
-        </p:nvSpPr>
-        <p:spPr>
-          <a:xfrm>
-            <a:off x="1143000" y="450850"/>
-            <a:ext cx="4572000" cy="3429000"/>
-          </a:xfrm>
-          <a:ln/>
-        </p:spPr>
-      </p:sp>
-      <p:sp>
-        <p:nvSpPr>
-          <p:cNvPr id="46086" name="Rectangle 3"/>
-          <p:cNvSpPr>
-            <a:spLocks noGrp="1" noChangeArrowheads="1"/>
-          </p:cNvSpPr>
-          <p:nvPr>
-            <p:ph type="body" idx="1"/>
-          </p:nvPr>
-        </p:nvSpPr>
-        <p:spPr>
-          <a:xfrm>
-            <a:off x="307492" y="4130103"/>
-            <a:ext cx="6261652" cy="4593861"/>
-          </a:xfrm>
-          <a:noFill/>
-          <a:ln/>
-        </p:spPr>
-        <p:txBody>
-          <a:bodyPr/>
-          <a:lstStyle/>
-          <a:p>
-            <a:endParaRPr lang="fr-FR" dirty="0" smtClean="0"/>
-          </a:p>
-        </p:txBody>
-      </p:sp>
-    </p:spTree>
-  </p:cSld>
-  <p:clrMapOvr>
-    <a:masterClrMapping/>
-  </p:clrMapOvr>
-</p:notes>
-</file>
-
-<file path=ppt/notesSlides/notesSlide18.xml><?xml version="1.0" encoding="utf-8"?>
-<p:notes xmlns:a="http://schemas.openxmlformats.org/drawingml/2006/main" xmlns:r="http://schemas.openxmlformats.org/officeDocument/2006/relationships" xmlns:p="http://schemas.openxmlformats.org/presentationml/2006/main">
-  <p:cSld>
-    <p:spTree>
-      <p:nvGrpSpPr>
-        <p:cNvPr id="1" name=""/>
-        <p:cNvGrpSpPr/>
-        <p:nvPr/>
-      </p:nvGrpSpPr>
-      <p:grpSpPr>
-        <a:xfrm>
-          <a:off x="0" y="0"/>
-          <a:ext cx="0" cy="0"/>
-          <a:chOff x="0" y="0"/>
-          <a:chExt cx="0" cy="0"/>
-        </a:xfrm>
-      </p:grpSpPr>
-      <p:sp>
-        <p:nvSpPr>
-          <p:cNvPr id="47106" name="Rectangle 23"/>
-          <p:cNvSpPr>
-            <a:spLocks noGrp="1" noChangeArrowheads="1"/>
-          </p:cNvSpPr>
-          <p:nvPr>
-            <p:ph type="hdr" sz="quarter"/>
-          </p:nvPr>
-        </p:nvSpPr>
-        <p:spPr>
-          <a:noFill/>
-        </p:spPr>
-        <p:txBody>
-          <a:bodyPr/>
-          <a:lstStyle/>
-          <a:p>
-            <a:r>
-              <a:rPr lang="fr-FR" smtClean="0"/>
-              <a:t>Microsoft </a:t>
-            </a:r>
-            <a:r>
-              <a:rPr lang="fr-FR" b="1" smtClean="0"/>
-              <a:t>Excellence en ingénierie</a:t>
-            </a:r>
-            <a:endParaRPr lang="fr-FR" smtClean="0"/>
-          </a:p>
-        </p:txBody>
-      </p:sp>
-      <p:sp>
-        <p:nvSpPr>
-          <p:cNvPr id="47107" name="Rectangle 25"/>
-          <p:cNvSpPr>
-            <a:spLocks noGrp="1" noChangeArrowheads="1"/>
-          </p:cNvSpPr>
-          <p:nvPr>
-            <p:ph type="ftr" sz="quarter" idx="4"/>
-          </p:nvPr>
-        </p:nvSpPr>
-        <p:spPr>
-          <a:noFill/>
-        </p:spPr>
-        <p:txBody>
-          <a:bodyPr/>
-          <a:lstStyle/>
-          <a:p>
-            <a:r>
-              <a:rPr lang="fr-FR" smtClean="0"/>
-              <a:t>Microsoft Confidentiel</a:t>
-            </a:r>
-          </a:p>
-        </p:txBody>
-      </p:sp>
-      <p:sp>
-        <p:nvSpPr>
-          <p:cNvPr id="47108" name="Rectangle 26"/>
-          <p:cNvSpPr>
-            <a:spLocks noGrp="1" noChangeArrowheads="1"/>
-          </p:cNvSpPr>
-          <p:nvPr>
-            <p:ph type="sldNum" sz="quarter" idx="5"/>
-          </p:nvPr>
-        </p:nvSpPr>
-        <p:spPr>
-          <a:noFill/>
-        </p:spPr>
-        <p:txBody>
-          <a:bodyPr/>
-          <a:lstStyle/>
-          <a:p>
-            <a:fld id="{ED19570C-A909-40C0-B9F8-7AD3BA2C3C56}" type="slidenum">
-              <a:rPr lang="fr-FR" smtClean="0"/>
-              <a:pPr/>
-              <a:t>29</a:t>
-            </a:fld>
-            <a:endParaRPr lang="fr-FR" smtClean="0"/>
-          </a:p>
-        </p:txBody>
-      </p:sp>
-      <p:sp>
-        <p:nvSpPr>
-          <p:cNvPr id="47109" name="Rectangle 2"/>
-          <p:cNvSpPr>
-            <a:spLocks noGrp="1" noRot="1" noChangeAspect="1" noChangeArrowheads="1" noTextEdit="1"/>
-          </p:cNvSpPr>
-          <p:nvPr>
-            <p:ph type="sldImg"/>
-          </p:nvPr>
-        </p:nvSpPr>
-        <p:spPr>
-          <a:xfrm>
-            <a:off x="1143000" y="450850"/>
-            <a:ext cx="4572000" cy="3429000"/>
-          </a:xfrm>
-          <a:ln/>
-        </p:spPr>
-      </p:sp>
-      <p:sp>
-        <p:nvSpPr>
-          <p:cNvPr id="47110" name="Rectangle 3"/>
-          <p:cNvSpPr>
-            <a:spLocks noGrp="1" noChangeArrowheads="1"/>
-          </p:cNvSpPr>
-          <p:nvPr>
-            <p:ph type="body" idx="1"/>
-          </p:nvPr>
-        </p:nvSpPr>
-        <p:spPr>
-          <a:xfrm>
-            <a:off x="307492" y="4130103"/>
-            <a:ext cx="6261652" cy="4593861"/>
-          </a:xfrm>
-          <a:noFill/>
-          <a:ln/>
-        </p:spPr>
-        <p:txBody>
-          <a:bodyPr/>
-          <a:lstStyle/>
-          <a:p>
-            <a:pPr marL="0" marR="0" indent="0" algn="l" defTabSz="914400" rtl="0" eaLnBrk="1" fontAlgn="auto" latinLnBrk="0" hangingPunct="1">
-              <a:lnSpc>
-                <a:spcPct val="80000"/>
-              </a:lnSpc>
-              <a:spcBef>
-                <a:spcPts val="0"/>
-              </a:spcBef>
-              <a:spcAft>
-                <a:spcPts val="0"/>
-              </a:spcAft>
-              <a:buClrTx/>
-              <a:buSzTx/>
-              <a:buFontTx/>
-              <a:buNone/>
-              <a:tabLst/>
-              <a:defRPr lang="fr-FR"/>
-            </a:pPr>
-            <a:r>
-              <a:rPr lang="fr-FR" dirty="0" smtClean="0"/>
-              <a:t>S’il existe du</a:t>
-            </a:r>
-            <a:r>
-              <a:rPr lang="fr-FR" baseline="0" dirty="0" smtClean="0"/>
-              <a:t> contenu vidéo pertinent, comme une vidéo d’étude de cas, une démonstration d’un produit ou d’autres supports de formation, ajoutez-le dans la présentation. </a:t>
-            </a:r>
-            <a:endParaRPr lang="fr-FR" dirty="0" smtClean="0"/>
-          </a:p>
-          <a:p>
-            <a:pPr>
-              <a:lnSpc>
-                <a:spcPct val="80000"/>
-              </a:lnSpc>
-              <a:buFontTx/>
-              <a:buNone/>
-            </a:pPr>
-            <a:endParaRPr lang="fr-FR" dirty="0" smtClean="0"/>
-          </a:p>
-        </p:txBody>
-      </p:sp>
-    </p:spTree>
-  </p:cSld>
-  <p:clrMapOvr>
-    <a:masterClrMapping/>
-  </p:clrMapOvr>
-</p:notes>
-</file>
-
-<file path=ppt/notesSlides/notesSlide19.xml><?xml version="1.0" encoding="utf-8"?>
-<p:notes xmlns:a="http://schemas.openxmlformats.org/drawingml/2006/main" xmlns:r="http://schemas.openxmlformats.org/officeDocument/2006/relationships" xmlns:p="http://schemas.openxmlformats.org/presentationml/2006/main">
-  <p:cSld>
-    <p:spTree>
-      <p:nvGrpSpPr>
-        <p:cNvPr id="1" name=""/>
-        <p:cNvGrpSpPr/>
-        <p:nvPr/>
-      </p:nvGrpSpPr>
-      <p:grpSpPr>
-        <a:xfrm>
-          <a:off x="0" y="0"/>
-          <a:ext cx="0" cy="0"/>
-          <a:chOff x="0" y="0"/>
-          <a:chExt cx="0" cy="0"/>
-        </a:xfrm>
-      </p:grpSpPr>
-      <p:sp>
-        <p:nvSpPr>
-          <p:cNvPr id="2" name="Slide Image Placeholder 1"/>
-          <p:cNvSpPr>
-            <a:spLocks noGrp="1" noRot="1" noChangeAspect="1"/>
-          </p:cNvSpPr>
-          <p:nvPr>
-            <p:ph type="sldImg"/>
-          </p:nvPr>
-        </p:nvSpPr>
-        <p:spPr/>
-      </p:sp>
-      <p:sp>
-        <p:nvSpPr>
-          <p:cNvPr id="3" name="Notes Placeholder 2"/>
-          <p:cNvSpPr>
-            <a:spLocks noGrp="1"/>
-          </p:cNvSpPr>
-          <p:nvPr>
-            <p:ph type="body" idx="1"/>
-          </p:nvPr>
-        </p:nvSpPr>
-        <p:spPr/>
-        <p:txBody>
-          <a:bodyPr/>
-          <a:lstStyle/>
-          <a:p>
-            <a:r>
-              <a:rPr lang="fr-FR" dirty="0" smtClean="0"/>
-              <a:t>Discutez</a:t>
-            </a:r>
-            <a:r>
-              <a:rPr lang="fr-FR" baseline="0" dirty="0" smtClean="0"/>
-              <a:t> des résultats de l’étude de cas ou de la simulation de classe.</a:t>
-            </a:r>
-          </a:p>
-          <a:p>
-            <a:r>
-              <a:rPr lang="fr-FR" baseline="0" dirty="0" smtClean="0"/>
-              <a:t>Abordez les meilleures pratiques. </a:t>
-            </a:r>
-            <a:endParaRPr lang="fr-FR" dirty="0"/>
-          </a:p>
-        </p:txBody>
-      </p:sp>
-      <p:sp>
-        <p:nvSpPr>
-          <p:cNvPr id="4" name="Slide Number Placeholder 3"/>
-          <p:cNvSpPr>
-            <a:spLocks noGrp="1"/>
-          </p:cNvSpPr>
-          <p:nvPr>
-            <p:ph type="sldNum" sz="quarter" idx="10"/>
-          </p:nvPr>
-        </p:nvSpPr>
-        <p:spPr/>
-        <p:txBody>
-          <a:bodyPr/>
-          <a:lstStyle/>
-          <a:p>
-            <a:fld id="{75693FD4-8F83-4EF7-AC3F-0DC0388986B0}" type="slidenum">
-              <a:rPr lang="fr-FR" smtClean="0"/>
-              <a:pPr/>
-              <a:t>30</a:t>
-            </a:fld>
-            <a:endParaRPr lang="fr-FR" dirty="0"/>
           </a:p>
         </p:txBody>
       </p:sp>
@@ -5534,584 +4330,6 @@
             <a:ext cx="3143250" cy="2359025"/>
           </a:xfrm>
         </p:spPr>
-      </p:sp>
-    </p:spTree>
-  </p:cSld>
-  <p:clrMapOvr>
-    <a:masterClrMapping/>
-  </p:clrMapOvr>
-</p:notes>
-</file>
-
-<file path=ppt/notesSlides/notesSlide20.xml><?xml version="1.0" encoding="utf-8"?>
-<p:notes xmlns:a="http://schemas.openxmlformats.org/drawingml/2006/main" xmlns:r="http://schemas.openxmlformats.org/officeDocument/2006/relationships" xmlns:p="http://schemas.openxmlformats.org/presentationml/2006/main">
-  <p:cSld>
-    <p:spTree>
-      <p:nvGrpSpPr>
-        <p:cNvPr id="1" name=""/>
-        <p:cNvGrpSpPr/>
-        <p:nvPr/>
-      </p:nvGrpSpPr>
-      <p:grpSpPr>
-        <a:xfrm>
-          <a:off x="0" y="0"/>
-          <a:ext cx="0" cy="0"/>
-          <a:chOff x="0" y="0"/>
-          <a:chExt cx="0" cy="0"/>
-        </a:xfrm>
-      </p:grpSpPr>
-      <p:sp>
-        <p:nvSpPr>
-          <p:cNvPr id="2" name="Slide Image Placeholder 1"/>
-          <p:cNvSpPr>
-            <a:spLocks noGrp="1" noRot="1" noChangeAspect="1"/>
-          </p:cNvSpPr>
-          <p:nvPr>
-            <p:ph type="sldImg"/>
-          </p:nvPr>
-        </p:nvSpPr>
-        <p:spPr/>
-      </p:sp>
-      <p:sp>
-        <p:nvSpPr>
-          <p:cNvPr id="3" name="Notes Placeholder 2"/>
-          <p:cNvSpPr>
-            <a:spLocks noGrp="1"/>
-          </p:cNvSpPr>
-          <p:nvPr>
-            <p:ph type="body" idx="1"/>
-          </p:nvPr>
-        </p:nvSpPr>
-        <p:spPr/>
-        <p:txBody>
-          <a:bodyPr>
-            <a:normAutofit/>
-          </a:bodyPr>
-          <a:lstStyle/>
-          <a:p>
-            <a:r>
-              <a:rPr lang="fr-FR" dirty="0" smtClean="0"/>
-              <a:t>Résumez le contenu de la présentation en répétant les points importants des leçons.</a:t>
-            </a:r>
-          </a:p>
-          <a:p>
-            <a:r>
-              <a:rPr lang="fr-FR" dirty="0" smtClean="0"/>
-              <a:t>Que voulez-vous que les personnes retiennent après avoir vu votre présentation ?</a:t>
-            </a:r>
-          </a:p>
-          <a:p>
-            <a:endParaRPr lang="fr-FR" dirty="0" smtClean="0"/>
-          </a:p>
-          <a:p>
-            <a:r>
-              <a:rPr lang="fr-FR" dirty="0" smtClean="0"/>
-              <a:t>Enregistrez votre présentation dans une vidéo pour pouvoir la distribuer facilement (Pour créer une vidéo, cliquez sur l’onglet Fichier, puis sur Partager. Sous Types de fichiers, cliquez sur Créer une vidéo.)</a:t>
-            </a:r>
-            <a:endParaRPr lang="fr-FR" dirty="0"/>
-          </a:p>
-        </p:txBody>
-      </p:sp>
-      <p:sp>
-        <p:nvSpPr>
-          <p:cNvPr id="4" name="Slide Number Placeholder 3"/>
-          <p:cNvSpPr>
-            <a:spLocks noGrp="1"/>
-          </p:cNvSpPr>
-          <p:nvPr>
-            <p:ph type="sldNum" sz="quarter" idx="10"/>
-          </p:nvPr>
-        </p:nvSpPr>
-        <p:spPr/>
-        <p:txBody>
-          <a:bodyPr/>
-          <a:lstStyle/>
-          <a:p>
-            <a:fld id="{EC6EAC7D-5A89-47C2-8ABA-56C9C2DEF7A4}" type="slidenum">
-              <a:rPr lang="fr-FR" smtClean="0"/>
-              <a:pPr/>
-              <a:t>31</a:t>
-            </a:fld>
-            <a:endParaRPr lang="fr-FR" dirty="0"/>
-          </a:p>
-        </p:txBody>
-      </p:sp>
-    </p:spTree>
-  </p:cSld>
-  <p:clrMapOvr>
-    <a:masterClrMapping/>
-  </p:clrMapOvr>
-</p:notes>
-</file>
-
-<file path=ppt/notesSlides/notesSlide21.xml><?xml version="1.0" encoding="utf-8"?>
-<p:notes xmlns:a="http://schemas.openxmlformats.org/drawingml/2006/main" xmlns:r="http://schemas.openxmlformats.org/officeDocument/2006/relationships" xmlns:p="http://schemas.openxmlformats.org/presentationml/2006/main">
-  <p:cSld>
-    <p:spTree>
-      <p:nvGrpSpPr>
-        <p:cNvPr id="1" name=""/>
-        <p:cNvGrpSpPr/>
-        <p:nvPr/>
-      </p:nvGrpSpPr>
-      <p:grpSpPr>
-        <a:xfrm>
-          <a:off x="0" y="0"/>
-          <a:ext cx="0" cy="0"/>
-          <a:chOff x="0" y="0"/>
-          <a:chExt cx="0" cy="0"/>
-        </a:xfrm>
-      </p:grpSpPr>
-      <p:sp>
-        <p:nvSpPr>
-          <p:cNvPr id="40962" name="Rectangle 23"/>
-          <p:cNvSpPr>
-            <a:spLocks noGrp="1" noChangeArrowheads="1"/>
-          </p:cNvSpPr>
-          <p:nvPr>
-            <p:ph type="hdr" sz="quarter"/>
-          </p:nvPr>
-        </p:nvSpPr>
-        <p:spPr>
-          <a:noFill/>
-        </p:spPr>
-        <p:txBody>
-          <a:bodyPr/>
-          <a:lstStyle/>
-          <a:p>
-            <a:r>
-              <a:rPr lang="fr-FR" dirty="0" smtClean="0"/>
-              <a:t>Microsoft </a:t>
-            </a:r>
-            <a:r>
-              <a:rPr lang="fr-FR" b="1" dirty="0" smtClean="0"/>
-              <a:t>Excellence en ingénierie</a:t>
-            </a:r>
-            <a:endParaRPr lang="fr-FR" dirty="0" smtClean="0"/>
-          </a:p>
-        </p:txBody>
-      </p:sp>
-      <p:sp>
-        <p:nvSpPr>
-          <p:cNvPr id="40963" name="Rectangle 25"/>
-          <p:cNvSpPr>
-            <a:spLocks noGrp="1" noChangeArrowheads="1"/>
-          </p:cNvSpPr>
-          <p:nvPr>
-            <p:ph type="ftr" sz="quarter" idx="4"/>
-          </p:nvPr>
-        </p:nvSpPr>
-        <p:spPr>
-          <a:noFill/>
-        </p:spPr>
-        <p:txBody>
-          <a:bodyPr/>
-          <a:lstStyle/>
-          <a:p>
-            <a:r>
-              <a:rPr lang="fr-FR" dirty="0" smtClean="0"/>
-              <a:t>Microsoft Confidentiel</a:t>
-            </a:r>
-          </a:p>
-        </p:txBody>
-      </p:sp>
-      <p:sp>
-        <p:nvSpPr>
-          <p:cNvPr id="40964" name="Rectangle 26"/>
-          <p:cNvSpPr>
-            <a:spLocks noGrp="1" noChangeArrowheads="1"/>
-          </p:cNvSpPr>
-          <p:nvPr>
-            <p:ph type="sldNum" sz="quarter" idx="5"/>
-          </p:nvPr>
-        </p:nvSpPr>
-        <p:spPr>
-          <a:noFill/>
-        </p:spPr>
-        <p:txBody>
-          <a:bodyPr/>
-          <a:lstStyle/>
-          <a:p>
-            <a:fld id="{85CEDE57-F8FE-4B43-B511-2E9F76624F74}" type="slidenum">
-              <a:rPr lang="fr-FR" smtClean="0"/>
-              <a:pPr/>
-              <a:t>32</a:t>
-            </a:fld>
-            <a:endParaRPr lang="fr-FR" dirty="0" smtClean="0"/>
-          </a:p>
-        </p:txBody>
-      </p:sp>
-      <p:sp>
-        <p:nvSpPr>
-          <p:cNvPr id="40965" name="Rectangle 2"/>
-          <p:cNvSpPr>
-            <a:spLocks noGrp="1" noRot="1" noChangeAspect="1" noChangeArrowheads="1" noTextEdit="1"/>
-          </p:cNvSpPr>
-          <p:nvPr>
-            <p:ph type="sldImg"/>
-          </p:nvPr>
-        </p:nvSpPr>
-        <p:spPr>
-          <a:xfrm>
-            <a:off x="1157288" y="449263"/>
-            <a:ext cx="4541837" cy="3408362"/>
-          </a:xfrm>
-          <a:ln/>
-        </p:spPr>
-      </p:sp>
-      <p:sp>
-        <p:nvSpPr>
-          <p:cNvPr id="40966" name="Rectangle 3"/>
-          <p:cNvSpPr>
-            <a:spLocks noGrp="1" noChangeArrowheads="1"/>
-          </p:cNvSpPr>
-          <p:nvPr>
-            <p:ph type="body" idx="1"/>
-          </p:nvPr>
-        </p:nvSpPr>
-        <p:spPr>
-          <a:xfrm>
-            <a:off x="307492" y="4139472"/>
-            <a:ext cx="6261652" cy="4593861"/>
-          </a:xfrm>
-          <a:noFill/>
-          <a:ln/>
-        </p:spPr>
-        <p:txBody>
-          <a:bodyPr/>
-          <a:lstStyle/>
-          <a:p>
-            <a:pPr>
-              <a:buFontTx/>
-              <a:buNone/>
-            </a:pPr>
-            <a:endParaRPr lang="fr-FR" dirty="0" smtClean="0"/>
-          </a:p>
-        </p:txBody>
-      </p:sp>
-    </p:spTree>
-  </p:cSld>
-  <p:clrMapOvr>
-    <a:masterClrMapping/>
-  </p:clrMapOvr>
-</p:notes>
-</file>
-
-<file path=ppt/notesSlides/notesSlide22.xml><?xml version="1.0" encoding="utf-8"?>
-<p:notes xmlns:a="http://schemas.openxmlformats.org/drawingml/2006/main" xmlns:r="http://schemas.openxmlformats.org/officeDocument/2006/relationships" xmlns:p="http://schemas.openxmlformats.org/presentationml/2006/main">
-  <p:cSld>
-    <p:spTree>
-      <p:nvGrpSpPr>
-        <p:cNvPr id="1" name=""/>
-        <p:cNvGrpSpPr/>
-        <p:nvPr/>
-      </p:nvGrpSpPr>
-      <p:grpSpPr>
-        <a:xfrm>
-          <a:off x="0" y="0"/>
-          <a:ext cx="0" cy="0"/>
-          <a:chOff x="0" y="0"/>
-          <a:chExt cx="0" cy="0"/>
-        </a:xfrm>
-      </p:grpSpPr>
-      <p:sp>
-        <p:nvSpPr>
-          <p:cNvPr id="41986" name="Rectangle 23"/>
-          <p:cNvSpPr>
-            <a:spLocks noGrp="1" noChangeArrowheads="1"/>
-          </p:cNvSpPr>
-          <p:nvPr>
-            <p:ph type="hdr" sz="quarter"/>
-          </p:nvPr>
-        </p:nvSpPr>
-        <p:spPr>
-          <a:noFill/>
-        </p:spPr>
-        <p:txBody>
-          <a:bodyPr/>
-          <a:lstStyle/>
-          <a:p>
-            <a:r>
-              <a:rPr lang="fr-FR" dirty="0" smtClean="0"/>
-              <a:t>Microsoft </a:t>
-            </a:r>
-            <a:r>
-              <a:rPr lang="fr-FR" b="1" dirty="0" smtClean="0"/>
-              <a:t>Excellence en ingénierie</a:t>
-            </a:r>
-            <a:endParaRPr lang="fr-FR" dirty="0" smtClean="0"/>
-          </a:p>
-        </p:txBody>
-      </p:sp>
-      <p:sp>
-        <p:nvSpPr>
-          <p:cNvPr id="41987" name="Rectangle 25"/>
-          <p:cNvSpPr>
-            <a:spLocks noGrp="1" noChangeArrowheads="1"/>
-          </p:cNvSpPr>
-          <p:nvPr>
-            <p:ph type="ftr" sz="quarter" idx="4"/>
-          </p:nvPr>
-        </p:nvSpPr>
-        <p:spPr>
-          <a:noFill/>
-        </p:spPr>
-        <p:txBody>
-          <a:bodyPr/>
-          <a:lstStyle/>
-          <a:p>
-            <a:r>
-              <a:rPr lang="fr-FR" dirty="0" smtClean="0"/>
-              <a:t>Microsoft Confidentiel</a:t>
-            </a:r>
-          </a:p>
-        </p:txBody>
-      </p:sp>
-      <p:sp>
-        <p:nvSpPr>
-          <p:cNvPr id="41988" name="Rectangle 26"/>
-          <p:cNvSpPr>
-            <a:spLocks noGrp="1" noChangeArrowheads="1"/>
-          </p:cNvSpPr>
-          <p:nvPr>
-            <p:ph type="sldNum" sz="quarter" idx="5"/>
-          </p:nvPr>
-        </p:nvSpPr>
-        <p:spPr>
-          <a:noFill/>
-        </p:spPr>
-        <p:txBody>
-          <a:bodyPr/>
-          <a:lstStyle/>
-          <a:p>
-            <a:fld id="{B2B44A5F-6CE4-493C-A0D7-6834FF76660C}" type="slidenum">
-              <a:rPr lang="fr-FR" smtClean="0"/>
-              <a:pPr/>
-              <a:t>33</a:t>
-            </a:fld>
-            <a:endParaRPr lang="fr-FR" dirty="0" smtClean="0"/>
-          </a:p>
-        </p:txBody>
-      </p:sp>
-      <p:sp>
-        <p:nvSpPr>
-          <p:cNvPr id="41989" name="Rectangle 2"/>
-          <p:cNvSpPr>
-            <a:spLocks noGrp="1" noRot="1" noChangeAspect="1" noChangeArrowheads="1" noTextEdit="1"/>
-          </p:cNvSpPr>
-          <p:nvPr>
-            <p:ph type="sldImg"/>
-          </p:nvPr>
-        </p:nvSpPr>
-        <p:spPr>
-          <a:xfrm>
-            <a:off x="1143000" y="450850"/>
-            <a:ext cx="4572000" cy="3429000"/>
-          </a:xfrm>
-          <a:ln/>
-        </p:spPr>
-      </p:sp>
-      <p:sp>
-        <p:nvSpPr>
-          <p:cNvPr id="41990" name="Rectangle 3"/>
-          <p:cNvSpPr>
-            <a:spLocks noGrp="1" noChangeArrowheads="1"/>
-          </p:cNvSpPr>
-          <p:nvPr>
-            <p:ph type="body" idx="1"/>
-          </p:nvPr>
-        </p:nvSpPr>
-        <p:spPr>
-          <a:xfrm>
-            <a:off x="307492" y="4130104"/>
-            <a:ext cx="6261652" cy="4554823"/>
-          </a:xfrm>
-          <a:noFill/>
-          <a:ln/>
-        </p:spPr>
-        <p:txBody>
-          <a:bodyPr/>
-          <a:lstStyle/>
-          <a:p>
-            <a:pPr>
-              <a:buFontTx/>
-              <a:buNone/>
-            </a:pPr>
-            <a:endParaRPr lang="fr-FR" dirty="0" smtClean="0"/>
-          </a:p>
-        </p:txBody>
-      </p:sp>
-    </p:spTree>
-  </p:cSld>
-  <p:clrMapOvr>
-    <a:masterClrMapping/>
-  </p:clrMapOvr>
-</p:notes>
-</file>
-
-<file path=ppt/notesSlides/notesSlide23.xml><?xml version="1.0" encoding="utf-8"?>
-<p:notes xmlns:a="http://schemas.openxmlformats.org/drawingml/2006/main" xmlns:r="http://schemas.openxmlformats.org/officeDocument/2006/relationships" xmlns:p="http://schemas.openxmlformats.org/presentationml/2006/main">
-  <p:cSld>
-    <p:spTree>
-      <p:nvGrpSpPr>
-        <p:cNvPr id="1" name=""/>
-        <p:cNvGrpSpPr/>
-        <p:nvPr/>
-      </p:nvGrpSpPr>
-      <p:grpSpPr>
-        <a:xfrm>
-          <a:off x="0" y="0"/>
-          <a:ext cx="0" cy="0"/>
-          <a:chOff x="0" y="0"/>
-          <a:chExt cx="0" cy="0"/>
-        </a:xfrm>
-      </p:grpSpPr>
-      <p:sp>
-        <p:nvSpPr>
-          <p:cNvPr id="43010" name="Rectangle 23"/>
-          <p:cNvSpPr>
-            <a:spLocks noGrp="1" noChangeArrowheads="1"/>
-          </p:cNvSpPr>
-          <p:nvPr>
-            <p:ph type="hdr" sz="quarter"/>
-          </p:nvPr>
-        </p:nvSpPr>
-        <p:spPr>
-          <a:noFill/>
-        </p:spPr>
-        <p:txBody>
-          <a:bodyPr/>
-          <a:lstStyle/>
-          <a:p>
-            <a:r>
-              <a:rPr lang="fr-FR" dirty="0" smtClean="0"/>
-              <a:t>Microsoft </a:t>
-            </a:r>
-            <a:r>
-              <a:rPr lang="fr-FR" b="1" dirty="0" smtClean="0"/>
-              <a:t>Excellence en ingénierie</a:t>
-            </a:r>
-            <a:endParaRPr lang="fr-FR" dirty="0" smtClean="0"/>
-          </a:p>
-        </p:txBody>
-      </p:sp>
-      <p:sp>
-        <p:nvSpPr>
-          <p:cNvPr id="43011" name="Rectangle 25"/>
-          <p:cNvSpPr>
-            <a:spLocks noGrp="1" noChangeArrowheads="1"/>
-          </p:cNvSpPr>
-          <p:nvPr>
-            <p:ph type="ftr" sz="quarter" idx="4"/>
-          </p:nvPr>
-        </p:nvSpPr>
-        <p:spPr>
-          <a:noFill/>
-        </p:spPr>
-        <p:txBody>
-          <a:bodyPr/>
-          <a:lstStyle/>
-          <a:p>
-            <a:r>
-              <a:rPr lang="fr-FR" dirty="0" smtClean="0"/>
-              <a:t>Microsoft Confidentiel</a:t>
-            </a:r>
-          </a:p>
-        </p:txBody>
-      </p:sp>
-      <p:sp>
-        <p:nvSpPr>
-          <p:cNvPr id="43012" name="Rectangle 26"/>
-          <p:cNvSpPr>
-            <a:spLocks noGrp="1" noChangeArrowheads="1"/>
-          </p:cNvSpPr>
-          <p:nvPr>
-            <p:ph type="sldNum" sz="quarter" idx="5"/>
-          </p:nvPr>
-        </p:nvSpPr>
-        <p:spPr>
-          <a:noFill/>
-        </p:spPr>
-        <p:txBody>
-          <a:bodyPr/>
-          <a:lstStyle/>
-          <a:p>
-            <a:fld id="{B5FF76F4-FC11-42FE-9D94-04E3E6D16C06}" type="slidenum">
-              <a:rPr lang="fr-FR" smtClean="0"/>
-              <a:pPr/>
-              <a:t>34</a:t>
-            </a:fld>
-            <a:endParaRPr lang="fr-FR" dirty="0" smtClean="0"/>
-          </a:p>
-        </p:txBody>
-      </p:sp>
-      <p:sp>
-        <p:nvSpPr>
-          <p:cNvPr id="43013" name="Rectangle 2"/>
-          <p:cNvSpPr>
-            <a:spLocks noGrp="1" noRot="1" noChangeAspect="1" noChangeArrowheads="1" noTextEdit="1"/>
-          </p:cNvSpPr>
-          <p:nvPr>
-            <p:ph type="sldImg"/>
-          </p:nvPr>
-        </p:nvSpPr>
-        <p:spPr>
-          <a:xfrm>
-            <a:off x="1143000" y="450850"/>
-            <a:ext cx="4572000" cy="3429000"/>
-          </a:xfrm>
-          <a:ln/>
-        </p:spPr>
-      </p:sp>
-      <p:sp>
-        <p:nvSpPr>
-          <p:cNvPr id="43014" name="Rectangle 3"/>
-          <p:cNvSpPr>
-            <a:spLocks noGrp="1" noChangeArrowheads="1"/>
-          </p:cNvSpPr>
-          <p:nvPr>
-            <p:ph type="body" idx="1"/>
-          </p:nvPr>
-        </p:nvSpPr>
-        <p:spPr>
-          <a:xfrm>
-            <a:off x="307492" y="4130103"/>
-            <a:ext cx="6261652" cy="4603230"/>
-          </a:xfrm>
-          <a:noFill/>
-          <a:ln/>
-        </p:spPr>
-        <p:txBody>
-          <a:bodyPr/>
-          <a:lstStyle/>
-          <a:p>
-            <a:r>
-              <a:rPr lang="fr-FR" dirty="0" smtClean="0"/>
-              <a:t>Votre présentation est-elle aussi claire que possible ? Pensez à placer du contenu supplémentaire dans l’annexe.</a:t>
-            </a:r>
-          </a:p>
-          <a:p>
-            <a:r>
-              <a:rPr lang="fr-FR" dirty="0" smtClean="0"/>
-              <a:t>Utilisez des diapositives en annexe pour y placer du contenu auquel vous pouvez faire référence pendant la diapositive relative aux questions ou que les participants peuvent approfondir ultérieurement.</a:t>
-            </a:r>
-          </a:p>
-          <a:p>
-            <a:pPr>
-              <a:buFontTx/>
-              <a:buNone/>
-            </a:pPr>
-            <a:endParaRPr lang="fr-FR" dirty="0" smtClean="0"/>
-          </a:p>
-          <a:p>
-            <a:endParaRPr lang="fr-FR" dirty="0" smtClean="0"/>
-          </a:p>
-          <a:p>
-            <a:endParaRPr lang="fr-FR" dirty="0" smtClean="0"/>
-          </a:p>
-          <a:p>
-            <a:endParaRPr lang="fr-FR" dirty="0" smtClean="0"/>
-          </a:p>
-        </p:txBody>
       </p:sp>
     </p:spTree>
   </p:cSld>
@@ -7174,246 +5392,6 @@
 </file>
 
 <file path=ppt/slideLayouts/slideLayout10.xml><?xml version="1.0" encoding="utf-8"?>
-<p:sldLayout xmlns:a="http://schemas.openxmlformats.org/drawingml/2006/main" xmlns:r="http://schemas.openxmlformats.org/officeDocument/2006/relationships" xmlns:p="http://schemas.openxmlformats.org/presentationml/2006/main" type="objAndTx">
-  <p:cSld name="Titre, contenu et texte">
-    <p:spTree>
-      <p:nvGrpSpPr>
-        <p:cNvPr id="1" name=""/>
-        <p:cNvGrpSpPr/>
-        <p:nvPr/>
-      </p:nvGrpSpPr>
-      <p:grpSpPr>
-        <a:xfrm>
-          <a:off x="0" y="0"/>
-          <a:ext cx="0" cy="0"/>
-          <a:chOff x="0" y="0"/>
-          <a:chExt cx="0" cy="0"/>
-        </a:xfrm>
-      </p:grpSpPr>
-      <p:sp>
-        <p:nvSpPr>
-          <p:cNvPr id="2" name="Title 1"/>
-          <p:cNvSpPr>
-            <a:spLocks noGrp="1"/>
-          </p:cNvSpPr>
-          <p:nvPr>
-            <p:ph type="title"/>
-          </p:nvPr>
-        </p:nvSpPr>
-        <p:spPr>
-          <a:xfrm>
-            <a:off x="685800" y="355600"/>
-            <a:ext cx="8194675" cy="1143000"/>
-          </a:xfrm>
-        </p:spPr>
-        <p:txBody>
-          <a:bodyPr/>
-          <a:lstStyle/>
-          <a:p>
-            <a:pPr eaLnBrk="1" latinLnBrk="0" hangingPunct="1"/>
-            <a:r>
-              <a:rPr lang="fr-FR" smtClean="0"/>
-              <a:t>Modifiez le style du titre</a:t>
-            </a:r>
-            <a:endParaRPr/>
-          </a:p>
-        </p:txBody>
-      </p:sp>
-      <p:sp>
-        <p:nvSpPr>
-          <p:cNvPr id="3" name="Content Placeholder 2"/>
-          <p:cNvSpPr>
-            <a:spLocks noGrp="1"/>
-          </p:cNvSpPr>
-          <p:nvPr>
-            <p:ph sz="half" idx="1"/>
-          </p:nvPr>
-        </p:nvSpPr>
-        <p:spPr>
-          <a:xfrm>
-            <a:off x="673100" y="1497013"/>
-            <a:ext cx="3975100" cy="4759325"/>
-          </a:xfrm>
-        </p:spPr>
-        <p:txBody>
-          <a:bodyPr/>
-          <a:lstStyle>
-            <a:lvl4pPr eaLnBrk="1" latinLnBrk="0" hangingPunct="1">
-              <a:defRPr kumimoji="0" lang="fr-FR" baseline="0"/>
-            </a:lvl4pPr>
-          </a:lstStyle>
-          <a:p>
-            <a:pPr lvl="0" eaLnBrk="1" latinLnBrk="0" hangingPunct="1"/>
-            <a:r>
-              <a:rPr lang="fr-FR" smtClean="0"/>
-              <a:t>Modifiez les styles du texte du masque</a:t>
-            </a:r>
-          </a:p>
-          <a:p>
-            <a:pPr lvl="1" eaLnBrk="1" latinLnBrk="0" hangingPunct="1"/>
-            <a:r>
-              <a:rPr lang="fr-FR" smtClean="0"/>
-              <a:t>Deuxième niveau</a:t>
-            </a:r>
-          </a:p>
-          <a:p>
-            <a:pPr lvl="2" eaLnBrk="1" latinLnBrk="0" hangingPunct="1"/>
-            <a:r>
-              <a:rPr lang="fr-FR" smtClean="0"/>
-              <a:t>Troisième niveau</a:t>
-            </a:r>
-          </a:p>
-          <a:p>
-            <a:pPr lvl="3" eaLnBrk="1" latinLnBrk="0" hangingPunct="1"/>
-            <a:r>
-              <a:rPr lang="fr-FR" smtClean="0"/>
-              <a:t>Quatrième niveau</a:t>
-            </a:r>
-          </a:p>
-        </p:txBody>
-      </p:sp>
-      <p:sp>
-        <p:nvSpPr>
-          <p:cNvPr id="4" name="Text Placeholder 3"/>
-          <p:cNvSpPr>
-            <a:spLocks noGrp="1"/>
-          </p:cNvSpPr>
-          <p:nvPr>
-            <p:ph type="body" sz="half" idx="2"/>
-          </p:nvPr>
-        </p:nvSpPr>
-        <p:spPr>
-          <a:xfrm>
-            <a:off x="4937760" y="1497013"/>
-            <a:ext cx="3977640" cy="4759325"/>
-          </a:xfrm>
-        </p:spPr>
-        <p:txBody>
-          <a:bodyPr/>
-          <a:lstStyle>
-            <a:lvl4pPr eaLnBrk="1" latinLnBrk="0" hangingPunct="1">
-              <a:defRPr kumimoji="0" lang="fr-FR" baseline="0"/>
-            </a:lvl4pPr>
-          </a:lstStyle>
-          <a:p>
-            <a:pPr lvl="0" eaLnBrk="1" latinLnBrk="0" hangingPunct="1"/>
-            <a:r>
-              <a:rPr lang="fr-FR" smtClean="0"/>
-              <a:t>Modifiez les styles du texte du masque</a:t>
-            </a:r>
-          </a:p>
-          <a:p>
-            <a:pPr lvl="1" eaLnBrk="1" latinLnBrk="0" hangingPunct="1"/>
-            <a:r>
-              <a:rPr lang="fr-FR" smtClean="0"/>
-              <a:t>Deuxième niveau</a:t>
-            </a:r>
-          </a:p>
-          <a:p>
-            <a:pPr lvl="2" eaLnBrk="1" latinLnBrk="0" hangingPunct="1"/>
-            <a:r>
-              <a:rPr lang="fr-FR" smtClean="0"/>
-              <a:t>Troisième niveau</a:t>
-            </a:r>
-          </a:p>
-          <a:p>
-            <a:pPr lvl="3" eaLnBrk="1" latinLnBrk="0" hangingPunct="1"/>
-            <a:r>
-              <a:rPr lang="fr-FR" smtClean="0"/>
-              <a:t>Quatrième niveau</a:t>
-            </a:r>
-          </a:p>
-        </p:txBody>
-      </p:sp>
-      <p:sp>
-        <p:nvSpPr>
-          <p:cNvPr id="5" name="Date Placeholder 3"/>
-          <p:cNvSpPr>
-            <a:spLocks noGrp="1"/>
-          </p:cNvSpPr>
-          <p:nvPr>
-            <p:ph type="dt" sz="half" idx="10"/>
-          </p:nvPr>
-        </p:nvSpPr>
-        <p:spPr>
-          <a:xfrm>
-            <a:off x="762000" y="6356350"/>
-            <a:ext cx="2133600" cy="365125"/>
-          </a:xfrm>
-        </p:spPr>
-        <p:txBody>
-          <a:bodyPr/>
-          <a:lstStyle/>
-          <a:p>
-            <a:fld id="{757B281C-5159-4971-8228-52B9A72E9ED2}" type="datetimeFigureOut">
-              <a:pPr/>
-              <a:t>12/17/2009</a:t>
-            </a:fld>
-            <a:endParaRPr kumimoji="0" lang="fr-FR"/>
-          </a:p>
-        </p:txBody>
-      </p:sp>
-      <p:sp>
-        <p:nvSpPr>
-          <p:cNvPr id="6" name="Footer Placeholder 4"/>
-          <p:cNvSpPr>
-            <a:spLocks noGrp="1"/>
-          </p:cNvSpPr>
-          <p:nvPr>
-            <p:ph type="ftr" sz="quarter" idx="11"/>
-          </p:nvPr>
-        </p:nvSpPr>
-        <p:spPr>
-          <a:xfrm>
-            <a:off x="3352800" y="6356350"/>
-            <a:ext cx="2895600" cy="365125"/>
-          </a:xfrm>
-        </p:spPr>
-        <p:txBody>
-          <a:bodyPr/>
-          <a:lstStyle/>
-          <a:p>
-            <a:endParaRPr kumimoji="0" lang="fr-FR"/>
-          </a:p>
-        </p:txBody>
-      </p:sp>
-      <p:sp>
-        <p:nvSpPr>
-          <p:cNvPr id="7" name="Slide Number Placeholder 5"/>
-          <p:cNvSpPr>
-            <a:spLocks noGrp="1"/>
-          </p:cNvSpPr>
-          <p:nvPr>
-            <p:ph type="sldNum" sz="quarter" idx="12"/>
-          </p:nvPr>
-        </p:nvSpPr>
-        <p:spPr>
-          <a:xfrm>
-            <a:off x="6705600" y="6356350"/>
-            <a:ext cx="2133600" cy="365125"/>
-          </a:xfrm>
-        </p:spPr>
-        <p:txBody>
-          <a:bodyPr/>
-          <a:lstStyle/>
-          <a:p>
-            <a:fld id="{33D6E5A2-EC83-451F-A719-9AC1370DD5CF}" type="slidenum">
-              <a:pPr/>
-              <a:t>‹N°›</a:t>
-            </a:fld>
-            <a:endParaRPr kumimoji="0" lang="fr-FR"/>
-          </a:p>
-        </p:txBody>
-      </p:sp>
-    </p:spTree>
-  </p:cSld>
-  <p:clrMapOvr>
-    <a:masterClrMapping/>
-  </p:clrMapOvr>
-</p:sldLayout>
-</file>
-
-<file path=ppt/slideLayouts/slideLayout11.xml><?xml version="1.0" encoding="utf-8"?>
 <p:sldLayout xmlns:a="http://schemas.openxmlformats.org/drawingml/2006/main" xmlns:r="http://schemas.openxmlformats.org/officeDocument/2006/relationships" xmlns:p="http://schemas.openxmlformats.org/presentationml/2006/main" type="titleOnly" preserve="1">
   <p:cSld name="Titre seul">
     <p:spTree>
@@ -7537,7 +5515,7 @@
 </p:sldLayout>
 </file>
 
-<file path=ppt/slideLayouts/slideLayout12.xml><?xml version="1.0" encoding="utf-8"?>
+<file path=ppt/slideLayouts/slideLayout11.xml><?xml version="1.0" encoding="utf-8"?>
 <p:sldLayout xmlns:a="http://schemas.openxmlformats.org/drawingml/2006/main" xmlns:r="http://schemas.openxmlformats.org/officeDocument/2006/relationships" xmlns:p="http://schemas.openxmlformats.org/presentationml/2006/main" type="blank" preserve="1">
   <p:cSld name="Vide">
     <p:spTree>
@@ -7637,7 +5615,7 @@
 </p:sldLayout>
 </file>
 
-<file path=ppt/slideLayouts/slideLayout13.xml><?xml version="1.0" encoding="utf-8"?>
+<file path=ppt/slideLayouts/slideLayout12.xml><?xml version="1.0" encoding="utf-8"?>
 <p:sldLayout xmlns:a="http://schemas.openxmlformats.org/drawingml/2006/main" xmlns:r="http://schemas.openxmlformats.org/officeDocument/2006/relationships" xmlns:p="http://schemas.openxmlformats.org/presentationml/2006/main" showMasterSp="0" preserve="1" userDrawn="1">
   <p:cSld name="Arrière-plan uniquement">
     <p:spTree>
@@ -7781,7 +5759,7 @@
 </p:sldLayout>
 </file>
 
-<file path=ppt/slideLayouts/slideLayout14.xml><?xml version="1.0" encoding="utf-8"?>
+<file path=ppt/slideLayouts/slideLayout13.xml><?xml version="1.0" encoding="utf-8"?>
 <p:sldLayout xmlns:a="http://schemas.openxmlformats.org/drawingml/2006/main" xmlns:r="http://schemas.openxmlformats.org/officeDocument/2006/relationships" xmlns:p="http://schemas.openxmlformats.org/presentationml/2006/main" type="title">
   <p:cSld name="1_Diapositive de titre">
     <p:spTree>
@@ -7962,7 +5940,7 @@
           <a:p>
             <a:fld id="{AA309A6D-C09C-4548-B29A-6CF363A7E532}" type="datetimeFigureOut">
               <a:rPr lang="fr-FR" smtClean="0"/>
-              <a:t>08/03/2017</a:t>
+              <a:t>10/03/2017</a:t>
             </a:fld>
             <a:endParaRPr lang="fr-BE"/>
           </a:p>
@@ -10250,7 +8228,7 @@
           <p:nvPr/>
         </p:nvPicPr>
         <p:blipFill rotWithShape="1">
-          <a:blip r:embed="rId16" cstate="email">
+          <a:blip r:embed="rId15" cstate="email">
             <a:extLst>
               <a:ext uri="{28A0092B-C50C-407E-A947-70E740481C1C}">
                 <a14:useLocalDpi xmlns:a14="http://schemas.microsoft.com/office/drawing/2010/main"/>
@@ -10494,7 +8472,7 @@
           <p:nvPr/>
         </p:nvPicPr>
         <p:blipFill rotWithShape="1">
-          <a:blip r:embed="rId17" cstate="email">
+          <a:blip r:embed="rId16" cstate="email">
             <a:extLst>
               <a:ext uri="{28A0092B-C50C-407E-A947-70E740481C1C}">
                 <a14:useLocalDpi xmlns:a14="http://schemas.microsoft.com/office/drawing/2010/main"/>
@@ -10527,11 +8505,10 @@
     <p:sldLayoutId id="2147483657" r:id="rId7"/>
     <p:sldLayoutId id="2147483658" r:id="rId8"/>
     <p:sldLayoutId id="2147483659" r:id="rId9"/>
-    <p:sldLayoutId id="2147483662" r:id="rId10"/>
-    <p:sldLayoutId id="2147483654" r:id="rId11"/>
-    <p:sldLayoutId id="2147483655" r:id="rId12"/>
-    <p:sldLayoutId id="2147483663" r:id="rId13"/>
-    <p:sldLayoutId id="2147483664" r:id="rId14"/>
+    <p:sldLayoutId id="2147483654" r:id="rId10"/>
+    <p:sldLayoutId id="2147483655" r:id="rId11"/>
+    <p:sldLayoutId id="2147483663" r:id="rId12"/>
+    <p:sldLayoutId id="2147483664" r:id="rId13"/>
   </p:sldLayoutIdLst>
   <p:transition spd="slow">
     <p:wipe dir="d"/>
@@ -10966,8 +8943,8 @@
         </p:nvSpPr>
         <p:spPr>
           <a:xfrm>
-            <a:off x="1295400" y="2363450"/>
-            <a:ext cx="6781800" cy="3808750"/>
+            <a:off x="3276600" y="2087940"/>
+            <a:ext cx="5257800" cy="4084260"/>
           </a:xfrm>
           <a:prstGeom prst="rect">
             <a:avLst/>
@@ -10981,20 +8958,15 @@
           <a:lstStyle/>
           <a:p>
             <a:r>
-              <a:rPr lang="fr-FR" sz="7200" dirty="0" smtClean="0"/>
-              <a:t>Merveilleux  </a:t>
-            </a:r>
-            <a:r>
-              <a:rPr lang="fr-FR" sz="7200" dirty="0" smtClean="0"/>
-              <a:t>travail</a:t>
-            </a:r>
-            <a:endParaRPr lang="fr-FR" sz="7200" dirty="0"/>
+              <a:rPr lang="fr-FR" sz="7200"/>
+              <a:t>Nouveaux collègues </a:t>
+            </a:r>
           </a:p>
         </p:txBody>
       </p:sp>
       <p:pic>
         <p:nvPicPr>
-          <p:cNvPr id="12" name="Picture 11"/>
+          <p:cNvPr id="6" name="Picture 5"/>
           <p:cNvPicPr>
             <a:picLocks noChangeAspect="1"/>
           </p:cNvPicPr>
@@ -11014,8 +8986,37 @@
         </p:blipFill>
         <p:spPr>
           <a:xfrm>
-            <a:off x="4191000" y="0"/>
+            <a:off x="-4963332" y="-6858000"/>
             <a:ext cx="7765662" cy="16476125"/>
+          </a:xfrm>
+          <a:prstGeom prst="rect">
+            <a:avLst/>
+          </a:prstGeom>
+        </p:spPr>
+      </p:pic>
+      <p:pic>
+        <p:nvPicPr>
+          <p:cNvPr id="13" name="Picture 12"/>
+          <p:cNvPicPr>
+            <a:picLocks noChangeAspect="1"/>
+          </p:cNvPicPr>
+          <p:nvPr/>
+        </p:nvPicPr>
+        <p:blipFill rotWithShape="1">
+          <a:blip r:embed="rId4" cstate="email">
+            <a:extLst>
+              <a:ext uri="{28A0092B-C50C-407E-A947-70E740481C1C}">
+                <a14:useLocalDpi xmlns:a14="http://schemas.microsoft.com/office/drawing/2010/main"/>
+              </a:ext>
+            </a:extLst>
+          </a:blip>
+          <a:srcRect/>
+          <a:stretch/>
+        </p:blipFill>
+        <p:spPr>
+          <a:xfrm rot="20753331" flipH="1">
+            <a:off x="-316180" y="3775286"/>
+            <a:ext cx="2895600" cy="3390489"/>
           </a:xfrm>
           <a:prstGeom prst="rect">
             <a:avLst/>
@@ -11028,7 +9029,7 @@
     <a:masterClrMapping/>
   </p:clrMapOvr>
   <p:transition spd="slow">
-    <p:fade/>
+    <p:push dir="u"/>
   </p:transition>
   <p:timing>
     <p:tnLst>
@@ -11069,69 +9070,26 @@
         </p:nvSpPr>
         <p:spPr>
           <a:xfrm>
-            <a:off x="899592" y="188640"/>
-            <a:ext cx="6262464" cy="1470025"/>
+            <a:off x="611560" y="188640"/>
+            <a:ext cx="6550496" cy="1470025"/>
           </a:xfrm>
         </p:spPr>
         <p:txBody>
-          <a:bodyPr/>
+          <a:bodyPr>
+            <a:normAutofit/>
+          </a:bodyPr>
           <a:lstStyle/>
           <a:p>
             <a:r>
-              <a:rPr lang="fr-FR" b="1" dirty="0">
+              <a:rPr lang="fr-FR" sz="3200" b="1" dirty="0" smtClean="0">
                 <a:solidFill>
                   <a:srgbClr val="0070C0"/>
                 </a:solidFill>
                 <a:latin typeface="+mn-lt"/>
               </a:rPr>
-              <a:t>  </a:t>
-            </a:r>
-            <a:r>
-              <a:rPr lang="fr-FR" b="1" dirty="0" smtClean="0">
-                <a:solidFill>
-                  <a:srgbClr val="0070C0"/>
-                </a:solidFill>
-                <a:latin typeface="+mn-lt"/>
-              </a:rPr>
-              <a:t>  </a:t>
-            </a:r>
-            <a:r>
-              <a:rPr lang="fr-FR" b="1" dirty="0" smtClean="0">
-                <a:solidFill>
-                  <a:srgbClr val="0070C0"/>
-                </a:solidFill>
-                <a:latin typeface="+mn-lt"/>
-              </a:rPr>
-              <a:t>L</a:t>
-            </a:r>
-            <a:r>
-              <a:rPr lang="fr-FR" b="1" dirty="0" smtClean="0">
-                <a:solidFill>
-                  <a:srgbClr val="0070C0"/>
-                </a:solidFill>
-                <a:latin typeface="+mn-lt"/>
-              </a:rPr>
-              <a:t>a définition </a:t>
-            </a:r>
-            <a:r>
-              <a:rPr lang="fr-FR" b="1" dirty="0" smtClean="0">
-                <a:solidFill>
-                  <a:srgbClr val="0070C0"/>
-                </a:solidFill>
-                <a:latin typeface="+mn-lt"/>
-              </a:rPr>
-              <a:t>d’une      </a:t>
-            </a:r>
-            <a:r>
-              <a:rPr lang="fr-FR" b="1" dirty="0" smtClean="0">
-                <a:solidFill>
-                  <a:srgbClr val="0070C0"/>
-                </a:solidFill>
-                <a:latin typeface="+mn-lt"/>
-              </a:rPr>
-              <a:t>Interface</a:t>
-            </a:r>
-            <a:endParaRPr lang="fr-FR" b="1" dirty="0">
+              <a:t>La définition d’une Interface :</a:t>
+            </a:r>
+            <a:endParaRPr lang="fr-FR" sz="3200" b="1" dirty="0">
               <a:solidFill>
                 <a:srgbClr val="0070C0"/>
               </a:solidFill>
@@ -11168,7 +9126,23 @@
                   <a:schemeClr val="tx1"/>
                 </a:solidFill>
               </a:rPr>
-              <a:t>application informatique qui prend en compte, au cours de son exécution, des informations </a:t>
+              <a:t>A</a:t>
+            </a:r>
+            <a:r>
+              <a:rPr lang="fr-FR" smtClean="0">
+                <a:solidFill>
+                  <a:schemeClr val="tx1"/>
+                </a:solidFill>
+              </a:rPr>
+              <a:t>pplication </a:t>
+            </a:r>
+            <a:r>
+              <a:rPr lang="fr-FR" dirty="0">
+                <a:solidFill>
+                  <a:schemeClr val="tx1"/>
+                </a:solidFill>
+              </a:rPr>
+              <a:t>informatique qui prend en compte, au cours de son exécution, des informations </a:t>
             </a:r>
             <a:r>
               <a:rPr lang="fr-FR" dirty="0" smtClean="0">
@@ -11623,17 +9597,14 @@
                 </a:solidFill>
                 <a:latin typeface="+mn-lt"/>
               </a:rPr>
-              <a:t>Intérêt </a:t>
-            </a:r>
-            <a:r>
-              <a:rPr lang="fr-FR" b="1" dirty="0">
-                <a:solidFill>
-                  <a:srgbClr val="0070C0"/>
-                </a:solidFill>
-                <a:latin typeface="+mn-lt"/>
-              </a:rPr>
-              <a:t>pour IHM </a:t>
-            </a:r>
+              <a:t>Intérêt de l’ IHM </a:t>
+            </a:r>
+            <a:endParaRPr lang="fr-FR" b="1" dirty="0">
+              <a:solidFill>
+                <a:srgbClr val="0070C0"/>
+              </a:solidFill>
+              <a:latin typeface="+mn-lt"/>
+            </a:endParaRPr>
           </a:p>
         </p:txBody>
       </p:sp>
@@ -11690,9 +9661,12 @@
             </a:r>
             <a:r>
               <a:rPr lang="fr-FR" sz="2800" dirty="0"/>
-              <a:t>des systèmes critiques (éviter les accidents, ex: A320), </a:t>
-            </a:r>
-            <a:endParaRPr lang="fr-FR" sz="2800" dirty="0" smtClean="0"/>
+              <a:t>des systèmes critiques </a:t>
+            </a:r>
+            <a:r>
+              <a:rPr lang="fr-FR" sz="2800" dirty="0" smtClean="0"/>
+              <a:t>, </a:t>
+            </a:r>
           </a:p>
           <a:p>
             <a:pPr marL="0" indent="0">
@@ -12608,6 +10582,94 @@
 </file>
 
 <file path=ppt/slides/slide16.xml><?xml version="1.0" encoding="utf-8"?>
+<p:sld xmlns:a="http://schemas.openxmlformats.org/drawingml/2006/main" xmlns:r="http://schemas.openxmlformats.org/officeDocument/2006/relationships" xmlns:p="http://schemas.openxmlformats.org/presentationml/2006/main">
+  <p:cSld>
+    <p:spTree>
+      <p:nvGrpSpPr>
+        <p:cNvPr id="1" name=""/>
+        <p:cNvGrpSpPr/>
+        <p:nvPr/>
+      </p:nvGrpSpPr>
+      <p:grpSpPr>
+        <a:xfrm>
+          <a:off x="0" y="0"/>
+          <a:ext cx="0" cy="0"/>
+          <a:chOff x="0" y="0"/>
+          <a:chExt cx="0" cy="0"/>
+        </a:xfrm>
+      </p:grpSpPr>
+      <p:sp>
+        <p:nvSpPr>
+          <p:cNvPr id="2" name="Titre 1"/>
+          <p:cNvSpPr>
+            <a:spLocks noGrp="1"/>
+          </p:cNvSpPr>
+          <p:nvPr>
+            <p:ph type="title"/>
+          </p:nvPr>
+        </p:nvSpPr>
+        <p:spPr/>
+        <p:txBody>
+          <a:bodyPr/>
+          <a:lstStyle/>
+          <a:p>
+            <a:endParaRPr lang="fr-FR"/>
+          </a:p>
+        </p:txBody>
+      </p:sp>
+      <p:pic>
+        <p:nvPicPr>
+          <p:cNvPr id="4" name="Espace réservé du contenu 3"/>
+          <p:cNvPicPr>
+            <a:picLocks noGrp="1" noChangeAspect="1"/>
+          </p:cNvPicPr>
+          <p:nvPr>
+            <p:ph idx="1"/>
+          </p:nvPr>
+        </p:nvPicPr>
+        <p:blipFill>
+          <a:blip r:embed="rId2">
+            <a:extLst>
+              <a:ext uri="{28A0092B-C50C-407E-A947-70E740481C1C}">
+                <a14:useLocalDpi xmlns:a14="http://schemas.microsoft.com/office/drawing/2010/main" val="0"/>
+              </a:ext>
+            </a:extLst>
+          </a:blip>
+          <a:stretch>
+            <a:fillRect/>
+          </a:stretch>
+        </p:blipFill>
+        <p:spPr>
+          <a:xfrm>
+            <a:off x="-180528" y="0"/>
+            <a:ext cx="9324528" cy="6857999"/>
+          </a:xfrm>
+        </p:spPr>
+      </p:pic>
+    </p:spTree>
+    <p:extLst>
+      <p:ext uri="{BB962C8B-B14F-4D97-AF65-F5344CB8AC3E}">
+        <p14:creationId xmlns:p14="http://schemas.microsoft.com/office/powerpoint/2010/main" val="3158397710"/>
+      </p:ext>
+    </p:extLst>
+  </p:cSld>
+  <p:clrMapOvr>
+    <a:masterClrMapping/>
+  </p:clrMapOvr>
+  <p:transition spd="slow">
+    <p:wipe dir="d"/>
+  </p:transition>
+  <p:timing>
+    <p:tnLst>
+      <p:par>
+        <p:cTn id="1" dur="indefinite" restart="never" nodeType="tmRoot"/>
+      </p:par>
+    </p:tnLst>
+  </p:timing>
+</p:sld>
+</file>
+
+<file path=ppt/slides/slide17.xml><?xml version="1.0" encoding="utf-8"?>
 <p:sld xmlns:a="http://schemas.openxmlformats.org/drawingml/2006/main" xmlns:r="http://schemas.openxmlformats.org/officeDocument/2006/relationships" xmlns:p="http://schemas.openxmlformats.org/presentationml/2006/main">
   <p:cSld>
     <p:spTree>
@@ -13123,7 +11185,88 @@
 </p:sld>
 </file>
 
-<file path=ppt/slides/slide17.xml><?xml version="1.0" encoding="utf-8"?>
+<file path=ppt/slides/slide18.xml><?xml version="1.0" encoding="utf-8"?>
+<p:sld xmlns:a="http://schemas.openxmlformats.org/drawingml/2006/main" xmlns:r="http://schemas.openxmlformats.org/officeDocument/2006/relationships" xmlns:p="http://schemas.openxmlformats.org/presentationml/2006/main">
+  <p:cSld>
+    <p:spTree>
+      <p:nvGrpSpPr>
+        <p:cNvPr id="1" name=""/>
+        <p:cNvGrpSpPr/>
+        <p:nvPr/>
+      </p:nvGrpSpPr>
+      <p:grpSpPr>
+        <a:xfrm>
+          <a:off x="0" y="0"/>
+          <a:ext cx="0" cy="0"/>
+          <a:chOff x="0" y="0"/>
+          <a:chExt cx="0" cy="0"/>
+        </a:xfrm>
+      </p:grpSpPr>
+      <p:sp>
+        <p:nvSpPr>
+          <p:cNvPr id="2" name="Titre 1"/>
+          <p:cNvSpPr>
+            <a:spLocks noGrp="1"/>
+          </p:cNvSpPr>
+          <p:nvPr>
+            <p:ph type="title"/>
+          </p:nvPr>
+        </p:nvSpPr>
+        <p:spPr/>
+        <p:txBody>
+          <a:bodyPr/>
+          <a:lstStyle/>
+          <a:p>
+            <a:endParaRPr lang="fr-FR"/>
+          </a:p>
+        </p:txBody>
+      </p:sp>
+      <p:pic>
+        <p:nvPicPr>
+          <p:cNvPr id="4" name="Espace réservé du contenu 3"/>
+          <p:cNvPicPr>
+            <a:picLocks noGrp="1" noChangeAspect="1"/>
+          </p:cNvPicPr>
+          <p:nvPr>
+            <p:ph idx="1"/>
+          </p:nvPr>
+        </p:nvPicPr>
+        <p:blipFill>
+          <a:blip r:embed="rId2">
+            <a:extLst>
+              <a:ext uri="{28A0092B-C50C-407E-A947-70E740481C1C}">
+                <a14:useLocalDpi xmlns:a14="http://schemas.microsoft.com/office/drawing/2010/main" val="0"/>
+              </a:ext>
+            </a:extLst>
+          </a:blip>
+          <a:stretch>
+            <a:fillRect/>
+          </a:stretch>
+        </p:blipFill>
+        <p:spPr>
+          <a:xfrm>
+            <a:off x="-180528" y="0"/>
+            <a:ext cx="9324528" cy="7029400"/>
+          </a:xfrm>
+        </p:spPr>
+      </p:pic>
+    </p:spTree>
+    <p:extLst>
+      <p:ext uri="{BB962C8B-B14F-4D97-AF65-F5344CB8AC3E}">
+        <p14:creationId xmlns:p14="http://schemas.microsoft.com/office/powerpoint/2010/main" val="893537852"/>
+      </p:ext>
+    </p:extLst>
+  </p:cSld>
+  <p:clrMapOvr>
+    <a:masterClrMapping/>
+  </p:clrMapOvr>
+  <p:transition spd="slow">
+    <p:wipe dir="d"/>
+  </p:transition>
+</p:sld>
+</file>
+
+<file path=ppt/slides/slide19.xml><?xml version="1.0" encoding="utf-8"?>
 <p:sld xmlns:a="http://schemas.openxmlformats.org/drawingml/2006/main" xmlns:r="http://schemas.openxmlformats.org/officeDocument/2006/relationships" xmlns:p="http://schemas.openxmlformats.org/presentationml/2006/main">
   <p:cSld>
     <p:spTree>
@@ -13202,10 +11345,15 @@
             <p:ph idx="1"/>
           </p:nvPr>
         </p:nvSpPr>
-        <p:spPr/>
+        <p:spPr>
+          <a:xfrm>
+            <a:off x="762000" y="1052736"/>
+            <a:ext cx="8077200" cy="5328591"/>
+          </a:xfrm>
+        </p:spPr>
         <p:txBody>
           <a:bodyPr>
-            <a:normAutofit fontScale="70000" lnSpcReduction="20000"/>
+            <a:normAutofit fontScale="92500" lnSpcReduction="20000"/>
           </a:bodyPr>
           <a:lstStyle/>
           <a:p>
@@ -13223,16 +11371,13 @@
             </a:r>
             <a:r>
               <a:rPr lang="fr-FR" dirty="0"/>
-              <a:t>de l</a:t>
+              <a:t>de </a:t>
             </a:r>
             <a:r>
               <a:rPr lang="fr-FR" dirty="0" smtClean="0"/>
-              <a:t>’´élément </a:t>
-            </a:r>
-            <a:r>
-              <a:rPr lang="fr-FR" dirty="0"/>
-              <a:t>d’application</a:t>
-            </a:r>
+              <a:t>l’élément d’application </a:t>
+            </a:r>
+            <a:endParaRPr lang="fr-FR" dirty="0"/>
           </a:p>
           <a:p>
             <a:r>
@@ -13351,7 +11496,446 @@
 </p:sld>
 </file>
 
-<file path=ppt/slides/slide18.xml><?xml version="1.0" encoding="utf-8"?>
+<file path=ppt/slides/slide2.xml><?xml version="1.0" encoding="utf-8"?>
+<p:sld xmlns:a="http://schemas.openxmlformats.org/drawingml/2006/main" xmlns:r="http://schemas.openxmlformats.org/officeDocument/2006/relationships" xmlns:p="http://schemas.openxmlformats.org/presentationml/2006/main">
+  <p:cSld>
+    <p:spTree>
+      <p:nvGrpSpPr>
+        <p:cNvPr id="1" name=""/>
+        <p:cNvGrpSpPr/>
+        <p:nvPr/>
+      </p:nvGrpSpPr>
+      <p:grpSpPr>
+        <a:xfrm>
+          <a:off x="0" y="0"/>
+          <a:ext cx="0" cy="0"/>
+          <a:chOff x="0" y="0"/>
+          <a:chExt cx="0" cy="0"/>
+        </a:xfrm>
+      </p:grpSpPr>
+      <p:graphicFrame>
+        <p:nvGraphicFramePr>
+          <p:cNvPr id="3" name="Diagram 2"/>
+          <p:cNvGraphicFramePr/>
+          <p:nvPr>
+            <p:extLst>
+              <p:ext uri="{D42A27DB-BD31-4B8C-83A1-F6EECF244321}">
+                <p14:modId xmlns:p14="http://schemas.microsoft.com/office/powerpoint/2010/main" val="4139913966"/>
+              </p:ext>
+            </p:extLst>
+          </p:nvPr>
+        </p:nvGraphicFramePr>
+        <p:xfrm>
+          <a:off x="1828800" y="1752600"/>
+          <a:ext cx="6096000" cy="4064000"/>
+        </p:xfrm>
+        <a:graphic>
+          <a:graphicData uri="http://schemas.openxmlformats.org/drawingml/2006/diagram">
+            <dgm:relIds xmlns:dgm="http://schemas.openxmlformats.org/drawingml/2006/diagram" xmlns:r="http://schemas.openxmlformats.org/officeDocument/2006/relationships" r:dm="rId3" r:lo="rId4" r:qs="rId5" r:cs="rId6"/>
+          </a:graphicData>
+        </a:graphic>
+      </p:graphicFrame>
+      <p:sp>
+        <p:nvSpPr>
+          <p:cNvPr id="2" name="Title 1"/>
+          <p:cNvSpPr>
+            <a:spLocks noGrp="1"/>
+          </p:cNvSpPr>
+          <p:nvPr>
+            <p:ph type="title"/>
+          </p:nvPr>
+        </p:nvSpPr>
+        <p:spPr>
+          <a:xfrm>
+            <a:off x="755576" y="332656"/>
+            <a:ext cx="8077200" cy="1143000"/>
+          </a:xfrm>
+        </p:spPr>
+        <p:txBody>
+          <a:bodyPr/>
+          <a:lstStyle/>
+          <a:p>
+            <a:r>
+              <a:rPr lang="fr-FR" dirty="0" smtClean="0"/>
+              <a:t>Présentation</a:t>
+            </a:r>
+            <a:endParaRPr lang="fr-FR" dirty="0"/>
+          </a:p>
+        </p:txBody>
+      </p:sp>
+    </p:spTree>
+  </p:cSld>
+  <p:clrMapOvr>
+    <a:masterClrMapping/>
+  </p:clrMapOvr>
+  <p:transition>
+    <p:fade/>
+  </p:transition>
+  <p:timing>
+    <p:tnLst>
+      <p:par>
+        <p:cTn id="1" dur="indefinite" restart="never" nodeType="tmRoot">
+          <p:childTnLst>
+            <p:seq concurrent="1" nextAc="seek">
+              <p:cTn id="2" dur="indefinite" nodeType="mainSeq">
+                <p:childTnLst>
+                  <p:par>
+                    <p:cTn id="3" fill="hold">
+                      <p:stCondLst>
+                        <p:cond delay="indefinite"/>
+                        <p:cond evt="onBegin" delay="0">
+                          <p:tn val="2"/>
+                        </p:cond>
+                      </p:stCondLst>
+                      <p:childTnLst>
+                        <p:par>
+                          <p:cTn id="4" fill="hold">
+                            <p:stCondLst>
+                              <p:cond delay="0"/>
+                            </p:stCondLst>
+                            <p:childTnLst>
+                              <p:par>
+                                <p:cTn id="5" presetID="22" presetClass="entr" presetSubtype="8" fill="hold" grpId="0" nodeType="afterEffect">
+                                  <p:stCondLst>
+                                    <p:cond delay="0"/>
+                                  </p:stCondLst>
+                                  <p:childTnLst>
+                                    <p:set>
+                                      <p:cBhvr>
+                                        <p:cTn id="6" dur="1" fill="hold">
+                                          <p:stCondLst>
+                                            <p:cond delay="0"/>
+                                          </p:stCondLst>
+                                        </p:cTn>
+                                        <p:tgtEl>
+                                          <p:spTgt spid="3">
+                                            <p:graphicEl>
+                                              <a:dgm id="{7E429971-BC57-430F-BB25-C0574E5E39E3}"/>
+                                            </p:graphicEl>
+                                          </p:spTgt>
+                                        </p:tgtEl>
+                                        <p:attrNameLst>
+                                          <p:attrName>style.visibility</p:attrName>
+                                        </p:attrNameLst>
+                                      </p:cBhvr>
+                                      <p:to>
+                                        <p:strVal val="visible"/>
+                                      </p:to>
+                                    </p:set>
+                                    <p:animEffect transition="in" filter="wipe(left)">
+                                      <p:cBhvr>
+                                        <p:cTn id="7" dur="500"/>
+                                        <p:tgtEl>
+                                          <p:spTgt spid="3">
+                                            <p:graphicEl>
+                                              <a:dgm id="{7E429971-BC57-430F-BB25-C0574E5E39E3}"/>
+                                            </p:graphicEl>
+                                          </p:spTgt>
+                                        </p:tgtEl>
+                                      </p:cBhvr>
+                                    </p:animEffect>
+                                  </p:childTnLst>
+                                </p:cTn>
+                              </p:par>
+                            </p:childTnLst>
+                          </p:cTn>
+                        </p:par>
+                        <p:par>
+                          <p:cTn id="8" fill="hold">
+                            <p:stCondLst>
+                              <p:cond delay="500"/>
+                            </p:stCondLst>
+                            <p:childTnLst>
+                              <p:par>
+                                <p:cTn id="9" presetID="22" presetClass="entr" presetSubtype="8" fill="hold" grpId="0" nodeType="afterEffect">
+                                  <p:stCondLst>
+                                    <p:cond delay="0"/>
+                                  </p:stCondLst>
+                                  <p:childTnLst>
+                                    <p:set>
+                                      <p:cBhvr>
+                                        <p:cTn id="10" dur="1" fill="hold">
+                                          <p:stCondLst>
+                                            <p:cond delay="0"/>
+                                          </p:stCondLst>
+                                        </p:cTn>
+                                        <p:tgtEl>
+                                          <p:spTgt spid="3">
+                                            <p:graphicEl>
+                                              <a:dgm id="{D54B1729-BC98-42C1-9C6C-D65DCBA4358F}"/>
+                                            </p:graphicEl>
+                                          </p:spTgt>
+                                        </p:tgtEl>
+                                        <p:attrNameLst>
+                                          <p:attrName>style.visibility</p:attrName>
+                                        </p:attrNameLst>
+                                      </p:cBhvr>
+                                      <p:to>
+                                        <p:strVal val="visible"/>
+                                      </p:to>
+                                    </p:set>
+                                    <p:animEffect transition="in" filter="wipe(left)">
+                                      <p:cBhvr>
+                                        <p:cTn id="11" dur="500"/>
+                                        <p:tgtEl>
+                                          <p:spTgt spid="3">
+                                            <p:graphicEl>
+                                              <a:dgm id="{D54B1729-BC98-42C1-9C6C-D65DCBA4358F}"/>
+                                            </p:graphicEl>
+                                          </p:spTgt>
+                                        </p:tgtEl>
+                                      </p:cBhvr>
+                                    </p:animEffect>
+                                  </p:childTnLst>
+                                </p:cTn>
+                              </p:par>
+                            </p:childTnLst>
+                          </p:cTn>
+                        </p:par>
+                        <p:par>
+                          <p:cTn id="12" fill="hold">
+                            <p:stCondLst>
+                              <p:cond delay="1000"/>
+                            </p:stCondLst>
+                            <p:childTnLst>
+                              <p:par>
+                                <p:cTn id="13" presetID="22" presetClass="entr" presetSubtype="8" fill="hold" grpId="0" nodeType="afterEffect">
+                                  <p:stCondLst>
+                                    <p:cond delay="0"/>
+                                  </p:stCondLst>
+                                  <p:childTnLst>
+                                    <p:set>
+                                      <p:cBhvr>
+                                        <p:cTn id="14" dur="1" fill="hold">
+                                          <p:stCondLst>
+                                            <p:cond delay="0"/>
+                                          </p:stCondLst>
+                                        </p:cTn>
+                                        <p:tgtEl>
+                                          <p:spTgt spid="3">
+                                            <p:graphicEl>
+                                              <a:dgm id="{C04276DC-EE64-470A-B8BC-09067B8045FA}"/>
+                                            </p:graphicEl>
+                                          </p:spTgt>
+                                        </p:tgtEl>
+                                        <p:attrNameLst>
+                                          <p:attrName>style.visibility</p:attrName>
+                                        </p:attrNameLst>
+                                      </p:cBhvr>
+                                      <p:to>
+                                        <p:strVal val="visible"/>
+                                      </p:to>
+                                    </p:set>
+                                    <p:animEffect transition="in" filter="wipe(left)">
+                                      <p:cBhvr>
+                                        <p:cTn id="15" dur="500"/>
+                                        <p:tgtEl>
+                                          <p:spTgt spid="3">
+                                            <p:graphicEl>
+                                              <a:dgm id="{C04276DC-EE64-470A-B8BC-09067B8045FA}"/>
+                                            </p:graphicEl>
+                                          </p:spTgt>
+                                        </p:tgtEl>
+                                      </p:cBhvr>
+                                    </p:animEffect>
+                                  </p:childTnLst>
+                                </p:cTn>
+                              </p:par>
+                            </p:childTnLst>
+                          </p:cTn>
+                        </p:par>
+                        <p:par>
+                          <p:cTn id="16" fill="hold">
+                            <p:stCondLst>
+                              <p:cond delay="1500"/>
+                            </p:stCondLst>
+                            <p:childTnLst>
+                              <p:par>
+                                <p:cTn id="17" presetID="22" presetClass="entr" presetSubtype="8" fill="hold" grpId="0" nodeType="afterEffect">
+                                  <p:stCondLst>
+                                    <p:cond delay="0"/>
+                                  </p:stCondLst>
+                                  <p:childTnLst>
+                                    <p:set>
+                                      <p:cBhvr>
+                                        <p:cTn id="18" dur="1" fill="hold">
+                                          <p:stCondLst>
+                                            <p:cond delay="0"/>
+                                          </p:stCondLst>
+                                        </p:cTn>
+                                        <p:tgtEl>
+                                          <p:spTgt spid="3">
+                                            <p:graphicEl>
+                                              <a:dgm id="{B37A5355-225B-4C6F-AED7-6C620F99EECC}"/>
+                                            </p:graphicEl>
+                                          </p:spTgt>
+                                        </p:tgtEl>
+                                        <p:attrNameLst>
+                                          <p:attrName>style.visibility</p:attrName>
+                                        </p:attrNameLst>
+                                      </p:cBhvr>
+                                      <p:to>
+                                        <p:strVal val="visible"/>
+                                      </p:to>
+                                    </p:set>
+                                    <p:animEffect transition="in" filter="wipe(left)">
+                                      <p:cBhvr>
+                                        <p:cTn id="19" dur="500"/>
+                                        <p:tgtEl>
+                                          <p:spTgt spid="3">
+                                            <p:graphicEl>
+                                              <a:dgm id="{B37A5355-225B-4C6F-AED7-6C620F99EECC}"/>
+                                            </p:graphicEl>
+                                          </p:spTgt>
+                                        </p:tgtEl>
+                                      </p:cBhvr>
+                                    </p:animEffect>
+                                  </p:childTnLst>
+                                </p:cTn>
+                              </p:par>
+                            </p:childTnLst>
+                          </p:cTn>
+                        </p:par>
+                        <p:par>
+                          <p:cTn id="20" fill="hold">
+                            <p:stCondLst>
+                              <p:cond delay="2000"/>
+                            </p:stCondLst>
+                            <p:childTnLst>
+                              <p:par>
+                                <p:cTn id="21" presetID="22" presetClass="entr" presetSubtype="8" fill="hold" grpId="0" nodeType="afterEffect">
+                                  <p:stCondLst>
+                                    <p:cond delay="0"/>
+                                  </p:stCondLst>
+                                  <p:childTnLst>
+                                    <p:set>
+                                      <p:cBhvr>
+                                        <p:cTn id="22" dur="1" fill="hold">
+                                          <p:stCondLst>
+                                            <p:cond delay="0"/>
+                                          </p:stCondLst>
+                                        </p:cTn>
+                                        <p:tgtEl>
+                                          <p:spTgt spid="3">
+                                            <p:graphicEl>
+                                              <a:dgm id="{F5034101-5B7D-4FE7-B47A-5A48CF39606B}"/>
+                                            </p:graphicEl>
+                                          </p:spTgt>
+                                        </p:tgtEl>
+                                        <p:attrNameLst>
+                                          <p:attrName>style.visibility</p:attrName>
+                                        </p:attrNameLst>
+                                      </p:cBhvr>
+                                      <p:to>
+                                        <p:strVal val="visible"/>
+                                      </p:to>
+                                    </p:set>
+                                    <p:animEffect transition="in" filter="wipe(left)">
+                                      <p:cBhvr>
+                                        <p:cTn id="23" dur="500"/>
+                                        <p:tgtEl>
+                                          <p:spTgt spid="3">
+                                            <p:graphicEl>
+                                              <a:dgm id="{F5034101-5B7D-4FE7-B47A-5A48CF39606B}"/>
+                                            </p:graphicEl>
+                                          </p:spTgt>
+                                        </p:tgtEl>
+                                      </p:cBhvr>
+                                    </p:animEffect>
+                                  </p:childTnLst>
+                                </p:cTn>
+                              </p:par>
+                            </p:childTnLst>
+                          </p:cTn>
+                        </p:par>
+                        <p:par>
+                          <p:cTn id="24" fill="hold">
+                            <p:stCondLst>
+                              <p:cond delay="2500"/>
+                            </p:stCondLst>
+                            <p:childTnLst>
+                              <p:par>
+                                <p:cTn id="25" presetID="22" presetClass="entr" presetSubtype="8" fill="hold" grpId="0" nodeType="afterEffect">
+                                  <p:stCondLst>
+                                    <p:cond delay="0"/>
+                                  </p:stCondLst>
+                                  <p:childTnLst>
+                                    <p:set>
+                                      <p:cBhvr>
+                                        <p:cTn id="26" dur="1" fill="hold">
+                                          <p:stCondLst>
+                                            <p:cond delay="0"/>
+                                          </p:stCondLst>
+                                        </p:cTn>
+                                        <p:tgtEl>
+                                          <p:spTgt spid="3">
+                                            <p:graphicEl>
+                                              <a:dgm id="{C7C3E6FD-D83F-4BDA-907E-B5EE041DA931}"/>
+                                            </p:graphicEl>
+                                          </p:spTgt>
+                                        </p:tgtEl>
+                                        <p:attrNameLst>
+                                          <p:attrName>style.visibility</p:attrName>
+                                        </p:attrNameLst>
+                                      </p:cBhvr>
+                                      <p:to>
+                                        <p:strVal val="visible"/>
+                                      </p:to>
+                                    </p:set>
+                                    <p:animEffect transition="in" filter="wipe(left)">
+                                      <p:cBhvr>
+                                        <p:cTn id="27" dur="500"/>
+                                        <p:tgtEl>
+                                          <p:spTgt spid="3">
+                                            <p:graphicEl>
+                                              <a:dgm id="{C7C3E6FD-D83F-4BDA-907E-B5EE041DA931}"/>
+                                            </p:graphicEl>
+                                          </p:spTgt>
+                                        </p:tgtEl>
+                                      </p:cBhvr>
+                                    </p:animEffect>
+                                  </p:childTnLst>
+                                </p:cTn>
+                              </p:par>
+                            </p:childTnLst>
+                          </p:cTn>
+                        </p:par>
+                      </p:childTnLst>
+                    </p:cTn>
+                  </p:par>
+                </p:childTnLst>
+              </p:cTn>
+              <p:prevCondLst>
+                <p:cond evt="onPrev" delay="0">
+                  <p:tgtEl>
+                    <p:sldTgt/>
+                  </p:tgtEl>
+                </p:cond>
+              </p:prevCondLst>
+              <p:nextCondLst>
+                <p:cond evt="onNext" delay="0">
+                  <p:tgtEl>
+                    <p:sldTgt/>
+                  </p:tgtEl>
+                </p:cond>
+              </p:nextCondLst>
+            </p:seq>
+          </p:childTnLst>
+        </p:cTn>
+      </p:par>
+    </p:tnLst>
+    <p:bldLst>
+      <p:bldGraphic spid="3" grpId="0" uiExpand="1">
+        <p:bldSub>
+          <a:bldDgm bld="one"/>
+        </p:bldSub>
+      </p:bldGraphic>
+    </p:bldLst>
+  </p:timing>
+</p:sld>
+</file>
+
+<file path=ppt/slides/slide20.xml><?xml version="1.0" encoding="utf-8"?>
 <p:sld xmlns:a="http://schemas.openxmlformats.org/drawingml/2006/main" xmlns:r="http://schemas.openxmlformats.org/officeDocument/2006/relationships" xmlns:p="http://schemas.openxmlformats.org/presentationml/2006/main">
   <p:cSld>
     <p:spTree>
@@ -13422,10 +12006,15 @@
             <p:ph idx="1"/>
           </p:nvPr>
         </p:nvSpPr>
-        <p:spPr/>
+        <p:spPr>
+          <a:xfrm>
+            <a:off x="762000" y="980728"/>
+            <a:ext cx="8077200" cy="5544615"/>
+          </a:xfrm>
+        </p:spPr>
         <p:txBody>
           <a:bodyPr>
-            <a:normAutofit fontScale="62500" lnSpcReduction="20000"/>
+            <a:normAutofit fontScale="77500" lnSpcReduction="20000"/>
           </a:bodyPr>
           <a:lstStyle/>
           <a:p>
@@ -14233,7 +12822,7 @@
 </p:sld>
 </file>
 
-<file path=ppt/slides/slide19.xml><?xml version="1.0" encoding="utf-8"?>
+<file path=ppt/slides/slide21.xml><?xml version="1.0" encoding="utf-8"?>
 <p:sld xmlns:a="http://schemas.openxmlformats.org/drawingml/2006/main" xmlns:r="http://schemas.openxmlformats.org/officeDocument/2006/relationships" xmlns:p="http://schemas.openxmlformats.org/presentationml/2006/main">
   <p:cSld>
     <p:spTree>
@@ -14298,8 +12887,8 @@
         </p:nvSpPr>
         <p:spPr>
           <a:xfrm>
-            <a:off x="467544" y="980728"/>
-            <a:ext cx="8280920" cy="5328592"/>
+            <a:off x="467544" y="836712"/>
+            <a:ext cx="8280920" cy="5832648"/>
           </a:xfrm>
         </p:spPr>
         <p:txBody>
@@ -15061,446 +13650,7 @@
 </p:sld>
 </file>
 
-<file path=ppt/slides/slide2.xml><?xml version="1.0" encoding="utf-8"?>
-<p:sld xmlns:a="http://schemas.openxmlformats.org/drawingml/2006/main" xmlns:r="http://schemas.openxmlformats.org/officeDocument/2006/relationships" xmlns:p="http://schemas.openxmlformats.org/presentationml/2006/main">
-  <p:cSld>
-    <p:spTree>
-      <p:nvGrpSpPr>
-        <p:cNvPr id="1" name=""/>
-        <p:cNvGrpSpPr/>
-        <p:nvPr/>
-      </p:nvGrpSpPr>
-      <p:grpSpPr>
-        <a:xfrm>
-          <a:off x="0" y="0"/>
-          <a:ext cx="0" cy="0"/>
-          <a:chOff x="0" y="0"/>
-          <a:chExt cx="0" cy="0"/>
-        </a:xfrm>
-      </p:grpSpPr>
-      <p:graphicFrame>
-        <p:nvGraphicFramePr>
-          <p:cNvPr id="3" name="Diagram 2"/>
-          <p:cNvGraphicFramePr/>
-          <p:nvPr>
-            <p:extLst>
-              <p:ext uri="{D42A27DB-BD31-4B8C-83A1-F6EECF244321}">
-                <p14:modId xmlns:p14="http://schemas.microsoft.com/office/powerpoint/2010/main" val="4139913966"/>
-              </p:ext>
-            </p:extLst>
-          </p:nvPr>
-        </p:nvGraphicFramePr>
-        <p:xfrm>
-          <a:off x="1828800" y="1752600"/>
-          <a:ext cx="6096000" cy="4064000"/>
-        </p:xfrm>
-        <a:graphic>
-          <a:graphicData uri="http://schemas.openxmlformats.org/drawingml/2006/diagram">
-            <dgm:relIds xmlns:dgm="http://schemas.openxmlformats.org/drawingml/2006/diagram" xmlns:r="http://schemas.openxmlformats.org/officeDocument/2006/relationships" r:dm="rId3" r:lo="rId4" r:qs="rId5" r:cs="rId6"/>
-          </a:graphicData>
-        </a:graphic>
-      </p:graphicFrame>
-      <p:sp>
-        <p:nvSpPr>
-          <p:cNvPr id="2" name="Title 1"/>
-          <p:cNvSpPr>
-            <a:spLocks noGrp="1"/>
-          </p:cNvSpPr>
-          <p:nvPr>
-            <p:ph type="title"/>
-          </p:nvPr>
-        </p:nvSpPr>
-        <p:spPr>
-          <a:xfrm>
-            <a:off x="755576" y="332656"/>
-            <a:ext cx="8077200" cy="1143000"/>
-          </a:xfrm>
-        </p:spPr>
-        <p:txBody>
-          <a:bodyPr/>
-          <a:lstStyle/>
-          <a:p>
-            <a:r>
-              <a:rPr lang="fr-FR" dirty="0" smtClean="0"/>
-              <a:t>Présentation</a:t>
-            </a:r>
-            <a:endParaRPr lang="fr-FR" dirty="0"/>
-          </a:p>
-        </p:txBody>
-      </p:sp>
-    </p:spTree>
-  </p:cSld>
-  <p:clrMapOvr>
-    <a:masterClrMapping/>
-  </p:clrMapOvr>
-  <p:transition>
-    <p:fade/>
-  </p:transition>
-  <p:timing>
-    <p:tnLst>
-      <p:par>
-        <p:cTn id="1" dur="indefinite" restart="never" nodeType="tmRoot">
-          <p:childTnLst>
-            <p:seq concurrent="1" nextAc="seek">
-              <p:cTn id="2" dur="indefinite" nodeType="mainSeq">
-                <p:childTnLst>
-                  <p:par>
-                    <p:cTn id="3" fill="hold">
-                      <p:stCondLst>
-                        <p:cond delay="indefinite"/>
-                        <p:cond evt="onBegin" delay="0">
-                          <p:tn val="2"/>
-                        </p:cond>
-                      </p:stCondLst>
-                      <p:childTnLst>
-                        <p:par>
-                          <p:cTn id="4" fill="hold">
-                            <p:stCondLst>
-                              <p:cond delay="0"/>
-                            </p:stCondLst>
-                            <p:childTnLst>
-                              <p:par>
-                                <p:cTn id="5" presetID="22" presetClass="entr" presetSubtype="8" fill="hold" grpId="0" nodeType="afterEffect">
-                                  <p:stCondLst>
-                                    <p:cond delay="0"/>
-                                  </p:stCondLst>
-                                  <p:childTnLst>
-                                    <p:set>
-                                      <p:cBhvr>
-                                        <p:cTn id="6" dur="1" fill="hold">
-                                          <p:stCondLst>
-                                            <p:cond delay="0"/>
-                                          </p:stCondLst>
-                                        </p:cTn>
-                                        <p:tgtEl>
-                                          <p:spTgt spid="3">
-                                            <p:graphicEl>
-                                              <a:dgm id="{7E429971-BC57-430F-BB25-C0574E5E39E3}"/>
-                                            </p:graphicEl>
-                                          </p:spTgt>
-                                        </p:tgtEl>
-                                        <p:attrNameLst>
-                                          <p:attrName>style.visibility</p:attrName>
-                                        </p:attrNameLst>
-                                      </p:cBhvr>
-                                      <p:to>
-                                        <p:strVal val="visible"/>
-                                      </p:to>
-                                    </p:set>
-                                    <p:animEffect transition="in" filter="wipe(left)">
-                                      <p:cBhvr>
-                                        <p:cTn id="7" dur="500"/>
-                                        <p:tgtEl>
-                                          <p:spTgt spid="3">
-                                            <p:graphicEl>
-                                              <a:dgm id="{7E429971-BC57-430F-BB25-C0574E5E39E3}"/>
-                                            </p:graphicEl>
-                                          </p:spTgt>
-                                        </p:tgtEl>
-                                      </p:cBhvr>
-                                    </p:animEffect>
-                                  </p:childTnLst>
-                                </p:cTn>
-                              </p:par>
-                            </p:childTnLst>
-                          </p:cTn>
-                        </p:par>
-                        <p:par>
-                          <p:cTn id="8" fill="hold">
-                            <p:stCondLst>
-                              <p:cond delay="500"/>
-                            </p:stCondLst>
-                            <p:childTnLst>
-                              <p:par>
-                                <p:cTn id="9" presetID="22" presetClass="entr" presetSubtype="8" fill="hold" grpId="0" nodeType="afterEffect">
-                                  <p:stCondLst>
-                                    <p:cond delay="0"/>
-                                  </p:stCondLst>
-                                  <p:childTnLst>
-                                    <p:set>
-                                      <p:cBhvr>
-                                        <p:cTn id="10" dur="1" fill="hold">
-                                          <p:stCondLst>
-                                            <p:cond delay="0"/>
-                                          </p:stCondLst>
-                                        </p:cTn>
-                                        <p:tgtEl>
-                                          <p:spTgt spid="3">
-                                            <p:graphicEl>
-                                              <a:dgm id="{D54B1729-BC98-42C1-9C6C-D65DCBA4358F}"/>
-                                            </p:graphicEl>
-                                          </p:spTgt>
-                                        </p:tgtEl>
-                                        <p:attrNameLst>
-                                          <p:attrName>style.visibility</p:attrName>
-                                        </p:attrNameLst>
-                                      </p:cBhvr>
-                                      <p:to>
-                                        <p:strVal val="visible"/>
-                                      </p:to>
-                                    </p:set>
-                                    <p:animEffect transition="in" filter="wipe(left)">
-                                      <p:cBhvr>
-                                        <p:cTn id="11" dur="500"/>
-                                        <p:tgtEl>
-                                          <p:spTgt spid="3">
-                                            <p:graphicEl>
-                                              <a:dgm id="{D54B1729-BC98-42C1-9C6C-D65DCBA4358F}"/>
-                                            </p:graphicEl>
-                                          </p:spTgt>
-                                        </p:tgtEl>
-                                      </p:cBhvr>
-                                    </p:animEffect>
-                                  </p:childTnLst>
-                                </p:cTn>
-                              </p:par>
-                            </p:childTnLst>
-                          </p:cTn>
-                        </p:par>
-                        <p:par>
-                          <p:cTn id="12" fill="hold">
-                            <p:stCondLst>
-                              <p:cond delay="1000"/>
-                            </p:stCondLst>
-                            <p:childTnLst>
-                              <p:par>
-                                <p:cTn id="13" presetID="22" presetClass="entr" presetSubtype="8" fill="hold" grpId="0" nodeType="afterEffect">
-                                  <p:stCondLst>
-                                    <p:cond delay="0"/>
-                                  </p:stCondLst>
-                                  <p:childTnLst>
-                                    <p:set>
-                                      <p:cBhvr>
-                                        <p:cTn id="14" dur="1" fill="hold">
-                                          <p:stCondLst>
-                                            <p:cond delay="0"/>
-                                          </p:stCondLst>
-                                        </p:cTn>
-                                        <p:tgtEl>
-                                          <p:spTgt spid="3">
-                                            <p:graphicEl>
-                                              <a:dgm id="{C04276DC-EE64-470A-B8BC-09067B8045FA}"/>
-                                            </p:graphicEl>
-                                          </p:spTgt>
-                                        </p:tgtEl>
-                                        <p:attrNameLst>
-                                          <p:attrName>style.visibility</p:attrName>
-                                        </p:attrNameLst>
-                                      </p:cBhvr>
-                                      <p:to>
-                                        <p:strVal val="visible"/>
-                                      </p:to>
-                                    </p:set>
-                                    <p:animEffect transition="in" filter="wipe(left)">
-                                      <p:cBhvr>
-                                        <p:cTn id="15" dur="500"/>
-                                        <p:tgtEl>
-                                          <p:spTgt spid="3">
-                                            <p:graphicEl>
-                                              <a:dgm id="{C04276DC-EE64-470A-B8BC-09067B8045FA}"/>
-                                            </p:graphicEl>
-                                          </p:spTgt>
-                                        </p:tgtEl>
-                                      </p:cBhvr>
-                                    </p:animEffect>
-                                  </p:childTnLst>
-                                </p:cTn>
-                              </p:par>
-                            </p:childTnLst>
-                          </p:cTn>
-                        </p:par>
-                        <p:par>
-                          <p:cTn id="16" fill="hold">
-                            <p:stCondLst>
-                              <p:cond delay="1500"/>
-                            </p:stCondLst>
-                            <p:childTnLst>
-                              <p:par>
-                                <p:cTn id="17" presetID="22" presetClass="entr" presetSubtype="8" fill="hold" grpId="0" nodeType="afterEffect">
-                                  <p:stCondLst>
-                                    <p:cond delay="0"/>
-                                  </p:stCondLst>
-                                  <p:childTnLst>
-                                    <p:set>
-                                      <p:cBhvr>
-                                        <p:cTn id="18" dur="1" fill="hold">
-                                          <p:stCondLst>
-                                            <p:cond delay="0"/>
-                                          </p:stCondLst>
-                                        </p:cTn>
-                                        <p:tgtEl>
-                                          <p:spTgt spid="3">
-                                            <p:graphicEl>
-                                              <a:dgm id="{B37A5355-225B-4C6F-AED7-6C620F99EECC}"/>
-                                            </p:graphicEl>
-                                          </p:spTgt>
-                                        </p:tgtEl>
-                                        <p:attrNameLst>
-                                          <p:attrName>style.visibility</p:attrName>
-                                        </p:attrNameLst>
-                                      </p:cBhvr>
-                                      <p:to>
-                                        <p:strVal val="visible"/>
-                                      </p:to>
-                                    </p:set>
-                                    <p:animEffect transition="in" filter="wipe(left)">
-                                      <p:cBhvr>
-                                        <p:cTn id="19" dur="500"/>
-                                        <p:tgtEl>
-                                          <p:spTgt spid="3">
-                                            <p:graphicEl>
-                                              <a:dgm id="{B37A5355-225B-4C6F-AED7-6C620F99EECC}"/>
-                                            </p:graphicEl>
-                                          </p:spTgt>
-                                        </p:tgtEl>
-                                      </p:cBhvr>
-                                    </p:animEffect>
-                                  </p:childTnLst>
-                                </p:cTn>
-                              </p:par>
-                            </p:childTnLst>
-                          </p:cTn>
-                        </p:par>
-                        <p:par>
-                          <p:cTn id="20" fill="hold">
-                            <p:stCondLst>
-                              <p:cond delay="2000"/>
-                            </p:stCondLst>
-                            <p:childTnLst>
-                              <p:par>
-                                <p:cTn id="21" presetID="22" presetClass="entr" presetSubtype="8" fill="hold" grpId="0" nodeType="afterEffect">
-                                  <p:stCondLst>
-                                    <p:cond delay="0"/>
-                                  </p:stCondLst>
-                                  <p:childTnLst>
-                                    <p:set>
-                                      <p:cBhvr>
-                                        <p:cTn id="22" dur="1" fill="hold">
-                                          <p:stCondLst>
-                                            <p:cond delay="0"/>
-                                          </p:stCondLst>
-                                        </p:cTn>
-                                        <p:tgtEl>
-                                          <p:spTgt spid="3">
-                                            <p:graphicEl>
-                                              <a:dgm id="{F5034101-5B7D-4FE7-B47A-5A48CF39606B}"/>
-                                            </p:graphicEl>
-                                          </p:spTgt>
-                                        </p:tgtEl>
-                                        <p:attrNameLst>
-                                          <p:attrName>style.visibility</p:attrName>
-                                        </p:attrNameLst>
-                                      </p:cBhvr>
-                                      <p:to>
-                                        <p:strVal val="visible"/>
-                                      </p:to>
-                                    </p:set>
-                                    <p:animEffect transition="in" filter="wipe(left)">
-                                      <p:cBhvr>
-                                        <p:cTn id="23" dur="500"/>
-                                        <p:tgtEl>
-                                          <p:spTgt spid="3">
-                                            <p:graphicEl>
-                                              <a:dgm id="{F5034101-5B7D-4FE7-B47A-5A48CF39606B}"/>
-                                            </p:graphicEl>
-                                          </p:spTgt>
-                                        </p:tgtEl>
-                                      </p:cBhvr>
-                                    </p:animEffect>
-                                  </p:childTnLst>
-                                </p:cTn>
-                              </p:par>
-                            </p:childTnLst>
-                          </p:cTn>
-                        </p:par>
-                        <p:par>
-                          <p:cTn id="24" fill="hold">
-                            <p:stCondLst>
-                              <p:cond delay="2500"/>
-                            </p:stCondLst>
-                            <p:childTnLst>
-                              <p:par>
-                                <p:cTn id="25" presetID="22" presetClass="entr" presetSubtype="8" fill="hold" grpId="0" nodeType="afterEffect">
-                                  <p:stCondLst>
-                                    <p:cond delay="0"/>
-                                  </p:stCondLst>
-                                  <p:childTnLst>
-                                    <p:set>
-                                      <p:cBhvr>
-                                        <p:cTn id="26" dur="1" fill="hold">
-                                          <p:stCondLst>
-                                            <p:cond delay="0"/>
-                                          </p:stCondLst>
-                                        </p:cTn>
-                                        <p:tgtEl>
-                                          <p:spTgt spid="3">
-                                            <p:graphicEl>
-                                              <a:dgm id="{C7C3E6FD-D83F-4BDA-907E-B5EE041DA931}"/>
-                                            </p:graphicEl>
-                                          </p:spTgt>
-                                        </p:tgtEl>
-                                        <p:attrNameLst>
-                                          <p:attrName>style.visibility</p:attrName>
-                                        </p:attrNameLst>
-                                      </p:cBhvr>
-                                      <p:to>
-                                        <p:strVal val="visible"/>
-                                      </p:to>
-                                    </p:set>
-                                    <p:animEffect transition="in" filter="wipe(left)">
-                                      <p:cBhvr>
-                                        <p:cTn id="27" dur="500"/>
-                                        <p:tgtEl>
-                                          <p:spTgt spid="3">
-                                            <p:graphicEl>
-                                              <a:dgm id="{C7C3E6FD-D83F-4BDA-907E-B5EE041DA931}"/>
-                                            </p:graphicEl>
-                                          </p:spTgt>
-                                        </p:tgtEl>
-                                      </p:cBhvr>
-                                    </p:animEffect>
-                                  </p:childTnLst>
-                                </p:cTn>
-                              </p:par>
-                            </p:childTnLst>
-                          </p:cTn>
-                        </p:par>
-                      </p:childTnLst>
-                    </p:cTn>
-                  </p:par>
-                </p:childTnLst>
-              </p:cTn>
-              <p:prevCondLst>
-                <p:cond evt="onPrev" delay="0">
-                  <p:tgtEl>
-                    <p:sldTgt/>
-                  </p:tgtEl>
-                </p:cond>
-              </p:prevCondLst>
-              <p:nextCondLst>
-                <p:cond evt="onNext" delay="0">
-                  <p:tgtEl>
-                    <p:sldTgt/>
-                  </p:tgtEl>
-                </p:cond>
-              </p:nextCondLst>
-            </p:seq>
-          </p:childTnLst>
-        </p:cTn>
-      </p:par>
-    </p:tnLst>
-    <p:bldLst>
-      <p:bldGraphic spid="3" grpId="0" uiExpand="1">
-        <p:bldSub>
-          <a:bldDgm bld="one"/>
-        </p:bldSub>
-      </p:bldGraphic>
-    </p:bldLst>
-  </p:timing>
-</p:sld>
-</file>
-
-<file path=ppt/slides/slide20.xml><?xml version="1.0" encoding="utf-8"?>
+<file path=ppt/slides/slide22.xml><?xml version="1.0" encoding="utf-8"?>
 <p:sld xmlns:a="http://schemas.openxmlformats.org/drawingml/2006/main" xmlns:r="http://schemas.openxmlformats.org/officeDocument/2006/relationships" xmlns:p="http://schemas.openxmlformats.org/presentationml/2006/main">
   <p:cSld>
     <p:spTree>
@@ -15563,10 +13713,15 @@
             <p:ph idx="1"/>
           </p:nvPr>
         </p:nvSpPr>
-        <p:spPr/>
+        <p:spPr>
+          <a:xfrm>
+            <a:off x="762000" y="1196753"/>
+            <a:ext cx="8077200" cy="4697024"/>
+          </a:xfrm>
+        </p:spPr>
         <p:txBody>
           <a:bodyPr>
-            <a:normAutofit lnSpcReduction="10000"/>
+            <a:normAutofit/>
           </a:bodyPr>
           <a:lstStyle/>
           <a:p>
@@ -15658,12 +13813,8 @@
           </a:p>
           <a:p>
             <a:r>
-              <a:rPr lang="fr-FR" sz="2800" dirty="0"/>
-              <a:t>⊲ inter-application </a:t>
-            </a:r>
-            <a:r>
               <a:rPr lang="fr-FR" sz="2800" dirty="0" smtClean="0"/>
-              <a:t>(méthodes </a:t>
+              <a:t>inter-application (méthodes </a:t>
             </a:r>
             <a:r>
               <a:rPr lang="fr-FR" sz="2800" dirty="0"/>
@@ -16144,7 +14295,7 @@
 </p:sld>
 </file>
 
-<file path=ppt/slides/slide21.xml><?xml version="1.0" encoding="utf-8"?>
+<file path=ppt/slides/slide23.xml><?xml version="1.0" encoding="utf-8"?>
 <p:sld xmlns:a="http://schemas.openxmlformats.org/drawingml/2006/main" xmlns:r="http://schemas.openxmlformats.org/officeDocument/2006/relationships" xmlns:p="http://schemas.openxmlformats.org/presentationml/2006/main">
   <p:cSld>
     <p:spTree>
@@ -16207,10 +14358,15 @@
             <p:ph idx="1"/>
           </p:nvPr>
         </p:nvSpPr>
-        <p:spPr/>
+        <p:spPr>
+          <a:xfrm>
+            <a:off x="827584" y="1052736"/>
+            <a:ext cx="8077200" cy="5256584"/>
+          </a:xfrm>
+        </p:spPr>
         <p:txBody>
           <a:bodyPr>
-            <a:normAutofit fontScale="92500" lnSpcReduction="10000"/>
+            <a:normAutofit lnSpcReduction="10000"/>
           </a:bodyPr>
           <a:lstStyle/>
           <a:p>
@@ -16292,2347 +14448,6 @@
   </p:clrMapOvr>
   <p:transition spd="slow">
     <p:wipe dir="d"/>
-  </p:transition>
-  <p:timing>
-    <p:tnLst>
-      <p:par>
-        <p:cTn id="1" dur="indefinite" restart="never" nodeType="tmRoot"/>
-      </p:par>
-    </p:tnLst>
-  </p:timing>
-</p:sld>
-</file>
-
-<file path=ppt/slides/slide22.xml><?xml version="1.0" encoding="utf-8"?>
-<p:sld xmlns:a="http://schemas.openxmlformats.org/drawingml/2006/main" xmlns:r="http://schemas.openxmlformats.org/officeDocument/2006/relationships" xmlns:p="http://schemas.openxmlformats.org/presentationml/2006/main">
-  <p:cSld>
-    <p:spTree>
-      <p:nvGrpSpPr>
-        <p:cNvPr id="1" name=""/>
-        <p:cNvGrpSpPr/>
-        <p:nvPr/>
-      </p:nvGrpSpPr>
-      <p:grpSpPr>
-        <a:xfrm>
-          <a:off x="0" y="0"/>
-          <a:ext cx="0" cy="0"/>
-          <a:chOff x="0" y="0"/>
-          <a:chExt cx="0" cy="0"/>
-        </a:xfrm>
-      </p:grpSpPr>
-      <p:sp>
-        <p:nvSpPr>
-          <p:cNvPr id="7" name="TextBox 6"/>
-          <p:cNvSpPr txBox="1"/>
-          <p:nvPr/>
-        </p:nvSpPr>
-        <p:spPr>
-          <a:xfrm>
-            <a:off x="3276600" y="2087940"/>
-            <a:ext cx="5206554" cy="3855660"/>
-          </a:xfrm>
-          <a:prstGeom prst="rect">
-            <a:avLst/>
-          </a:prstGeom>
-          <a:noFill/>
-        </p:spPr>
-        <p:txBody>
-          <a:bodyPr wrap="square" rtlCol="0">
-            <a:normAutofit/>
-          </a:bodyPr>
-          <a:lstStyle/>
-          <a:p>
-            <a:r>
-              <a:rPr lang="fr-FR" sz="6200"/>
-              <a:t>Environnement </a:t>
-            </a:r>
-            <a:endParaRPr lang="fr-FR" sz="7200"/>
-          </a:p>
-        </p:txBody>
-      </p:sp>
-      <p:pic>
-        <p:nvPicPr>
-          <p:cNvPr id="9" name="Picture 8"/>
-          <p:cNvPicPr>
-            <a:picLocks noChangeAspect="1"/>
-          </p:cNvPicPr>
-          <p:nvPr/>
-        </p:nvPicPr>
-        <p:blipFill>
-          <a:blip r:embed="rId3" cstate="email">
-            <a:extLst>
-              <a:ext uri="{28A0092B-C50C-407E-A947-70E740481C1C}">
-                <a14:useLocalDpi xmlns:a14="http://schemas.microsoft.com/office/drawing/2010/main"/>
-              </a:ext>
-            </a:extLst>
-          </a:blip>
-          <a:stretch>
-            <a:fillRect/>
-          </a:stretch>
-        </p:blipFill>
-        <p:spPr>
-          <a:xfrm>
-            <a:off x="-4953000" y="0"/>
-            <a:ext cx="7765662" cy="16476125"/>
-          </a:xfrm>
-          <a:prstGeom prst="rect">
-            <a:avLst/>
-          </a:prstGeom>
-        </p:spPr>
-      </p:pic>
-    </p:spTree>
-  </p:cSld>
-  <p:clrMapOvr>
-    <a:masterClrMapping/>
-  </p:clrMapOvr>
-  <p:transition spd="slow">
-    <p:push/>
-  </p:transition>
-  <p:timing>
-    <p:tnLst>
-      <p:par>
-        <p:cTn id="1" dur="indefinite" restart="never" nodeType="tmRoot"/>
-      </p:par>
-    </p:tnLst>
-  </p:timing>
-</p:sld>
-</file>
-
-<file path=ppt/slides/slide23.xml><?xml version="1.0" encoding="utf-8"?>
-<p:sld xmlns:a="http://schemas.openxmlformats.org/drawingml/2006/main" xmlns:r="http://schemas.openxmlformats.org/officeDocument/2006/relationships" xmlns:p="http://schemas.openxmlformats.org/presentationml/2006/main">
-  <p:cSld>
-    <p:spTree>
-      <p:nvGrpSpPr>
-        <p:cNvPr id="1" name=""/>
-        <p:cNvGrpSpPr/>
-        <p:nvPr/>
-      </p:nvGrpSpPr>
-      <p:grpSpPr>
-        <a:xfrm>
-          <a:off x="0" y="0"/>
-          <a:ext cx="0" cy="0"/>
-          <a:chOff x="0" y="0"/>
-          <a:chExt cx="0" cy="0"/>
-        </a:xfrm>
-      </p:grpSpPr>
-      <p:sp>
-        <p:nvSpPr>
-          <p:cNvPr id="7" name="TextBox 6"/>
-          <p:cNvSpPr txBox="1"/>
-          <p:nvPr/>
-        </p:nvSpPr>
-        <p:spPr>
-          <a:xfrm>
-            <a:off x="3276600" y="2087940"/>
-            <a:ext cx="5257800" cy="4084260"/>
-          </a:xfrm>
-          <a:prstGeom prst="rect">
-            <a:avLst/>
-          </a:prstGeom>
-          <a:noFill/>
-        </p:spPr>
-        <p:txBody>
-          <a:bodyPr wrap="square" rtlCol="0">
-            <a:normAutofit/>
-          </a:bodyPr>
-          <a:lstStyle/>
-          <a:p>
-            <a:r>
-              <a:rPr lang="fr-FR" sz="7200"/>
-              <a:t>Nouveaux collègues </a:t>
-            </a:r>
-          </a:p>
-        </p:txBody>
-      </p:sp>
-      <p:pic>
-        <p:nvPicPr>
-          <p:cNvPr id="6" name="Picture 5"/>
-          <p:cNvPicPr>
-            <a:picLocks noChangeAspect="1"/>
-          </p:cNvPicPr>
-          <p:nvPr/>
-        </p:nvPicPr>
-        <p:blipFill>
-          <a:blip r:embed="rId3" cstate="email">
-            <a:extLst>
-              <a:ext uri="{28A0092B-C50C-407E-A947-70E740481C1C}">
-                <a14:useLocalDpi xmlns:a14="http://schemas.microsoft.com/office/drawing/2010/main"/>
-              </a:ext>
-            </a:extLst>
-          </a:blip>
-          <a:stretch>
-            <a:fillRect/>
-          </a:stretch>
-        </p:blipFill>
-        <p:spPr>
-          <a:xfrm>
-            <a:off x="-4963332" y="-6858000"/>
-            <a:ext cx="7765662" cy="16476125"/>
-          </a:xfrm>
-          <a:prstGeom prst="rect">
-            <a:avLst/>
-          </a:prstGeom>
-        </p:spPr>
-      </p:pic>
-      <p:pic>
-        <p:nvPicPr>
-          <p:cNvPr id="13" name="Picture 12"/>
-          <p:cNvPicPr>
-            <a:picLocks noChangeAspect="1"/>
-          </p:cNvPicPr>
-          <p:nvPr/>
-        </p:nvPicPr>
-        <p:blipFill rotWithShape="1">
-          <a:blip r:embed="rId4" cstate="email">
-            <a:extLst>
-              <a:ext uri="{28A0092B-C50C-407E-A947-70E740481C1C}">
-                <a14:useLocalDpi xmlns:a14="http://schemas.microsoft.com/office/drawing/2010/main"/>
-              </a:ext>
-            </a:extLst>
-          </a:blip>
-          <a:srcRect/>
-          <a:stretch/>
-        </p:blipFill>
-        <p:spPr>
-          <a:xfrm rot="20753331" flipH="1">
-            <a:off x="-316180" y="3775286"/>
-            <a:ext cx="2895600" cy="3390489"/>
-          </a:xfrm>
-          <a:prstGeom prst="rect">
-            <a:avLst/>
-          </a:prstGeom>
-        </p:spPr>
-      </p:pic>
-    </p:spTree>
-  </p:cSld>
-  <p:clrMapOvr>
-    <a:masterClrMapping/>
-  </p:clrMapOvr>
-  <p:transition spd="slow">
-    <p:push dir="u"/>
-  </p:transition>
-  <p:timing>
-    <p:tnLst>
-      <p:par>
-        <p:cTn id="1" dur="indefinite" restart="never" nodeType="tmRoot"/>
-      </p:par>
-    </p:tnLst>
-  </p:timing>
-</p:sld>
-</file>
-
-<file path=ppt/slides/slide24.xml><?xml version="1.0" encoding="utf-8"?>
-<p:sld xmlns:a="http://schemas.openxmlformats.org/drawingml/2006/main" xmlns:r="http://schemas.openxmlformats.org/officeDocument/2006/relationships" xmlns:p="http://schemas.openxmlformats.org/presentationml/2006/main">
-  <p:cSld>
-    <p:spTree>
-      <p:nvGrpSpPr>
-        <p:cNvPr id="1" name=""/>
-        <p:cNvGrpSpPr/>
-        <p:nvPr/>
-      </p:nvGrpSpPr>
-      <p:grpSpPr>
-        <a:xfrm>
-          <a:off x="0" y="0"/>
-          <a:ext cx="0" cy="0"/>
-          <a:chOff x="0" y="0"/>
-          <a:chExt cx="0" cy="0"/>
-        </a:xfrm>
-      </p:grpSpPr>
-      <p:sp>
-        <p:nvSpPr>
-          <p:cNvPr id="2" name="Title 1"/>
-          <p:cNvSpPr>
-            <a:spLocks noGrp="1"/>
-          </p:cNvSpPr>
-          <p:nvPr>
-            <p:ph type="title"/>
-            <p:custDataLst>
-              <p:tags r:id="rId2"/>
-            </p:custDataLst>
-          </p:nvPr>
-        </p:nvSpPr>
-        <p:spPr>
-          <a:xfrm>
-            <a:off x="838200" y="306168"/>
-            <a:ext cx="8077200" cy="1143000"/>
-          </a:xfrm>
-        </p:spPr>
-        <p:txBody>
-          <a:bodyPr/>
-          <a:lstStyle/>
-          <a:p>
-            <a:r>
-              <a:rPr lang="fr-FR"/>
-              <a:t>Objectifs</a:t>
-            </a:r>
-          </a:p>
-        </p:txBody>
-      </p:sp>
-      <p:sp>
-        <p:nvSpPr>
-          <p:cNvPr id="3" name="Content Placeholder 2"/>
-          <p:cNvSpPr>
-            <a:spLocks noGrp="1"/>
-          </p:cNvSpPr>
-          <p:nvPr>
-            <p:ph sz="half" idx="1"/>
-            <p:custDataLst>
-              <p:tags r:id="rId3"/>
-            </p:custDataLst>
-          </p:nvPr>
-        </p:nvSpPr>
-        <p:spPr>
-          <a:xfrm>
-            <a:off x="838200" y="1524000"/>
-            <a:ext cx="3733800" cy="4525963"/>
-          </a:xfrm>
-        </p:spPr>
-        <p:txBody>
-          <a:bodyPr>
-            <a:normAutofit/>
-          </a:bodyPr>
-          <a:lstStyle/>
-          <a:p>
-            <a:r>
-              <a:rPr lang="fr-FR" sz="3200"/>
-              <a:t>Technologie </a:t>
-            </a:r>
-          </a:p>
-          <a:p>
-            <a:r>
-              <a:rPr lang="fr-FR" sz="3200"/>
-              <a:t>Procédure</a:t>
-            </a:r>
-          </a:p>
-          <a:p>
-            <a:r>
-              <a:rPr lang="fr-FR" sz="3200"/>
-              <a:t>Stratégies</a:t>
-            </a:r>
-          </a:p>
-          <a:p>
-            <a:r>
-              <a:rPr lang="fr-FR" sz="3200"/>
-              <a:t>Avantages </a:t>
-            </a:r>
-            <a:endParaRPr lang="fr-FR" sz="3600"/>
-          </a:p>
-        </p:txBody>
-      </p:sp>
-      <p:pic>
-        <p:nvPicPr>
-          <p:cNvPr id="4" name="Picture 3"/>
-          <p:cNvPicPr>
-            <a:picLocks noChangeAspect="1"/>
-          </p:cNvPicPr>
-          <p:nvPr/>
-        </p:nvPicPr>
-        <p:blipFill rotWithShape="1">
-          <a:blip r:embed="rId6" cstate="email">
-            <a:extLst>
-              <a:ext uri="{28A0092B-C50C-407E-A947-70E740481C1C}">
-                <a14:useLocalDpi xmlns:a14="http://schemas.microsoft.com/office/drawing/2010/main"/>
-              </a:ext>
-            </a:extLst>
-          </a:blip>
-          <a:srcRect/>
-          <a:stretch/>
-        </p:blipFill>
-        <p:spPr>
-          <a:xfrm>
-            <a:off x="4724400" y="1676400"/>
-            <a:ext cx="3464393" cy="4402667"/>
-          </a:xfrm>
-          <a:prstGeom prst="roundRect">
-            <a:avLst>
-              <a:gd name="adj" fmla="val 8594"/>
-            </a:avLst>
-          </a:prstGeom>
-          <a:solidFill>
-            <a:srgbClr val="FFFFFF">
-              <a:shade val="85000"/>
-            </a:srgbClr>
-          </a:solidFill>
-          <a:ln>
-            <a:noFill/>
-          </a:ln>
-          <a:effectLst>
-            <a:reflection blurRad="12700" stA="38000" endPos="28000" dist="5000" dir="5400000" sy="-100000" algn="bl" rotWithShape="0"/>
-          </a:effectLst>
-        </p:spPr>
-      </p:pic>
-    </p:spTree>
-    <p:custDataLst>
-      <p:tags r:id="rId1"/>
-    </p:custDataLst>
-  </p:cSld>
-  <p:clrMapOvr>
-    <a:masterClrMapping/>
-  </p:clrMapOvr>
-  <p:transition spd="slow">
-    <p:wipe dir="d"/>
-  </p:transition>
-  <p:timing>
-    <p:tnLst>
-      <p:par>
-        <p:cTn id="1" dur="indefinite" restart="never" nodeType="tmRoot">
-          <p:childTnLst>
-            <p:seq concurrent="1" nextAc="seek">
-              <p:cTn id="2" dur="indefinite" nodeType="mainSeq">
-                <p:childTnLst>
-                  <p:par>
-                    <p:cTn id="3" fill="hold">
-                      <p:stCondLst>
-                        <p:cond delay="indefinite"/>
-                        <p:cond evt="onBegin" delay="0">
-                          <p:tn val="2"/>
-                        </p:cond>
-                      </p:stCondLst>
-                      <p:childTnLst>
-                        <p:par>
-                          <p:cTn id="4" fill="hold">
-                            <p:stCondLst>
-                              <p:cond delay="0"/>
-                            </p:stCondLst>
-                            <p:childTnLst>
-                              <p:par>
-                                <p:cTn id="5" presetID="10" presetClass="entr" presetSubtype="0" fill="hold" nodeType="afterEffect">
-                                  <p:stCondLst>
-                                    <p:cond delay="0"/>
-                                  </p:stCondLst>
-                                  <p:childTnLst>
-                                    <p:set>
-                                      <p:cBhvr>
-                                        <p:cTn id="6" dur="1" fill="hold">
-                                          <p:stCondLst>
-                                            <p:cond delay="0"/>
-                                          </p:stCondLst>
-                                        </p:cTn>
-                                        <p:tgtEl>
-                                          <p:spTgt spid="4"/>
-                                        </p:tgtEl>
-                                        <p:attrNameLst>
-                                          <p:attrName>style.visibility</p:attrName>
-                                        </p:attrNameLst>
-                                      </p:cBhvr>
-                                      <p:to>
-                                        <p:strVal val="visible"/>
-                                      </p:to>
-                                    </p:set>
-                                    <p:animEffect transition="in" filter="fade">
-                                      <p:cBhvr>
-                                        <p:cTn id="7" dur="2000"/>
-                                        <p:tgtEl>
-                                          <p:spTgt spid="4"/>
-                                        </p:tgtEl>
-                                      </p:cBhvr>
-                                    </p:animEffect>
-                                  </p:childTnLst>
-                                </p:cTn>
-                              </p:par>
-                              <p:par>
-                                <p:cTn id="8" presetID="1" presetClass="path" presetSubtype="0" accel="50000" decel="50000" fill="hold" nodeType="withEffect">
-                                  <p:stCondLst>
-                                    <p:cond delay="0"/>
-                                  </p:stCondLst>
-                                  <p:childTnLst>
-                                    <p:animMotion origin="layout" path="M 3.61111E-6 -4.07407E-6 C 0.02309 -4.07407E-6 0.04184 0.02477 0.04184 0.05533 C 0.04184 0.08612 0.02309 0.11112 3.61111E-6 0.11112 C -0.02292 0.11112 -0.0415 0.08612 -0.0415 0.05533 C -0.0415 0.02477 -0.02292 -4.07407E-6 3.61111E-6 -4.07407E-6 Z " pathEditMode="relative" rAng="0" ptsTypes="fffff">
-                                      <p:cBhvr>
-                                        <p:cTn id="9" dur="2000" fill="hold"/>
-                                        <p:tgtEl>
-                                          <p:spTgt spid="4"/>
-                                        </p:tgtEl>
-                                        <p:attrNameLst>
-                                          <p:attrName>ppt_x</p:attrName>
-                                          <p:attrName>ppt_y</p:attrName>
-                                        </p:attrNameLst>
-                                      </p:cBhvr>
-                                      <p:rCtr x="0" y="56"/>
-                                    </p:animMotion>
-                                  </p:childTnLst>
-                                </p:cTn>
-                              </p:par>
-                              <p:par>
-                                <p:cTn id="10" presetID="42" presetClass="entr" presetSubtype="0" fill="hold" grpId="0" nodeType="withEffect">
-                                  <p:stCondLst>
-                                    <p:cond delay="0"/>
-                                  </p:stCondLst>
-                                  <p:childTnLst>
-                                    <p:set>
-                                      <p:cBhvr>
-                                        <p:cTn id="11" dur="1" fill="hold">
-                                          <p:stCondLst>
-                                            <p:cond delay="0"/>
-                                          </p:stCondLst>
-                                        </p:cTn>
-                                        <p:tgtEl>
-                                          <p:spTgt spid="3">
-                                            <p:txEl>
-                                              <p:pRg st="0" end="0"/>
-                                            </p:txEl>
-                                          </p:spTgt>
-                                        </p:tgtEl>
-                                        <p:attrNameLst>
-                                          <p:attrName>style.visibility</p:attrName>
-                                        </p:attrNameLst>
-                                      </p:cBhvr>
-                                      <p:to>
-                                        <p:strVal val="visible"/>
-                                      </p:to>
-                                    </p:set>
-                                    <p:animEffect transition="in" filter="fade">
-                                      <p:cBhvr>
-                                        <p:cTn id="12" dur="1000"/>
-                                        <p:tgtEl>
-                                          <p:spTgt spid="3">
-                                            <p:txEl>
-                                              <p:pRg st="0" end="0"/>
-                                            </p:txEl>
-                                          </p:spTgt>
-                                        </p:tgtEl>
-                                      </p:cBhvr>
-                                    </p:animEffect>
-                                    <p:anim calcmode="lin" valueType="num">
-                                      <p:cBhvr>
-                                        <p:cTn id="13" dur="1000" fill="hold"/>
-                                        <p:tgtEl>
-                                          <p:spTgt spid="3">
-                                            <p:txEl>
-                                              <p:pRg st="0" end="0"/>
-                                            </p:txEl>
-                                          </p:spTgt>
-                                        </p:tgtEl>
-                                        <p:attrNameLst>
-                                          <p:attrName>ppt_x</p:attrName>
-                                        </p:attrNameLst>
-                                      </p:cBhvr>
-                                      <p:tavLst>
-                                        <p:tav tm="0">
-                                          <p:val>
-                                            <p:strVal val="#ppt_x"/>
-                                          </p:val>
-                                        </p:tav>
-                                        <p:tav tm="100000">
-                                          <p:val>
-                                            <p:strVal val="#ppt_x"/>
-                                          </p:val>
-                                        </p:tav>
-                                      </p:tavLst>
-                                    </p:anim>
-                                    <p:anim calcmode="lin" valueType="num">
-                                      <p:cBhvr>
-                                        <p:cTn id="14" dur="1000" fill="hold"/>
-                                        <p:tgtEl>
-                                          <p:spTgt spid="3">
-                                            <p:txEl>
-                                              <p:pRg st="0" end="0"/>
-                                            </p:txEl>
-                                          </p:spTgt>
-                                        </p:tgtEl>
-                                        <p:attrNameLst>
-                                          <p:attrName>ppt_y</p:attrName>
-                                        </p:attrNameLst>
-                                      </p:cBhvr>
-                                      <p:tavLst>
-                                        <p:tav tm="0">
-                                          <p:val>
-                                            <p:strVal val="#ppt_y+.1"/>
-                                          </p:val>
-                                        </p:tav>
-                                        <p:tav tm="100000">
-                                          <p:val>
-                                            <p:strVal val="#ppt_y"/>
-                                          </p:val>
-                                        </p:tav>
-                                      </p:tavLst>
-                                    </p:anim>
-                                  </p:childTnLst>
-                                </p:cTn>
-                              </p:par>
-                              <p:par>
-                                <p:cTn id="15" presetID="42" presetClass="entr" presetSubtype="0" fill="hold" grpId="0" nodeType="withEffect">
-                                  <p:stCondLst>
-                                    <p:cond delay="400"/>
-                                  </p:stCondLst>
-                                  <p:childTnLst>
-                                    <p:set>
-                                      <p:cBhvr>
-                                        <p:cTn id="16" dur="1" fill="hold">
-                                          <p:stCondLst>
-                                            <p:cond delay="0"/>
-                                          </p:stCondLst>
-                                        </p:cTn>
-                                        <p:tgtEl>
-                                          <p:spTgt spid="3">
-                                            <p:txEl>
-                                              <p:pRg st="1" end="1"/>
-                                            </p:txEl>
-                                          </p:spTgt>
-                                        </p:tgtEl>
-                                        <p:attrNameLst>
-                                          <p:attrName>style.visibility</p:attrName>
-                                        </p:attrNameLst>
-                                      </p:cBhvr>
-                                      <p:to>
-                                        <p:strVal val="visible"/>
-                                      </p:to>
-                                    </p:set>
-                                    <p:animEffect transition="in" filter="fade">
-                                      <p:cBhvr>
-                                        <p:cTn id="17" dur="1000"/>
-                                        <p:tgtEl>
-                                          <p:spTgt spid="3">
-                                            <p:txEl>
-                                              <p:pRg st="1" end="1"/>
-                                            </p:txEl>
-                                          </p:spTgt>
-                                        </p:tgtEl>
-                                      </p:cBhvr>
-                                    </p:animEffect>
-                                    <p:anim calcmode="lin" valueType="num">
-                                      <p:cBhvr>
-                                        <p:cTn id="18" dur="1000" fill="hold"/>
-                                        <p:tgtEl>
-                                          <p:spTgt spid="3">
-                                            <p:txEl>
-                                              <p:pRg st="1" end="1"/>
-                                            </p:txEl>
-                                          </p:spTgt>
-                                        </p:tgtEl>
-                                        <p:attrNameLst>
-                                          <p:attrName>ppt_x</p:attrName>
-                                        </p:attrNameLst>
-                                      </p:cBhvr>
-                                      <p:tavLst>
-                                        <p:tav tm="0">
-                                          <p:val>
-                                            <p:strVal val="#ppt_x"/>
-                                          </p:val>
-                                        </p:tav>
-                                        <p:tav tm="100000">
-                                          <p:val>
-                                            <p:strVal val="#ppt_x"/>
-                                          </p:val>
-                                        </p:tav>
-                                      </p:tavLst>
-                                    </p:anim>
-                                    <p:anim calcmode="lin" valueType="num">
-                                      <p:cBhvr>
-                                        <p:cTn id="19" dur="1000" fill="hold"/>
-                                        <p:tgtEl>
-                                          <p:spTgt spid="3">
-                                            <p:txEl>
-                                              <p:pRg st="1" end="1"/>
-                                            </p:txEl>
-                                          </p:spTgt>
-                                        </p:tgtEl>
-                                        <p:attrNameLst>
-                                          <p:attrName>ppt_y</p:attrName>
-                                        </p:attrNameLst>
-                                      </p:cBhvr>
-                                      <p:tavLst>
-                                        <p:tav tm="0">
-                                          <p:val>
-                                            <p:strVal val="#ppt_y+.1"/>
-                                          </p:val>
-                                        </p:tav>
-                                        <p:tav tm="100000">
-                                          <p:val>
-                                            <p:strVal val="#ppt_y"/>
-                                          </p:val>
-                                        </p:tav>
-                                      </p:tavLst>
-                                    </p:anim>
-                                  </p:childTnLst>
-                                </p:cTn>
-                              </p:par>
-                              <p:par>
-                                <p:cTn id="20" presetID="42" presetClass="entr" presetSubtype="0" fill="hold" grpId="0" nodeType="withEffect">
-                                  <p:stCondLst>
-                                    <p:cond delay="900"/>
-                                  </p:stCondLst>
-                                  <p:childTnLst>
-                                    <p:set>
-                                      <p:cBhvr>
-                                        <p:cTn id="21" dur="1" fill="hold">
-                                          <p:stCondLst>
-                                            <p:cond delay="0"/>
-                                          </p:stCondLst>
-                                        </p:cTn>
-                                        <p:tgtEl>
-                                          <p:spTgt spid="3">
-                                            <p:txEl>
-                                              <p:pRg st="2" end="2"/>
-                                            </p:txEl>
-                                          </p:spTgt>
-                                        </p:tgtEl>
-                                        <p:attrNameLst>
-                                          <p:attrName>style.visibility</p:attrName>
-                                        </p:attrNameLst>
-                                      </p:cBhvr>
-                                      <p:to>
-                                        <p:strVal val="visible"/>
-                                      </p:to>
-                                    </p:set>
-                                    <p:animEffect transition="in" filter="fade">
-                                      <p:cBhvr>
-                                        <p:cTn id="22" dur="1000"/>
-                                        <p:tgtEl>
-                                          <p:spTgt spid="3">
-                                            <p:txEl>
-                                              <p:pRg st="2" end="2"/>
-                                            </p:txEl>
-                                          </p:spTgt>
-                                        </p:tgtEl>
-                                      </p:cBhvr>
-                                    </p:animEffect>
-                                    <p:anim calcmode="lin" valueType="num">
-                                      <p:cBhvr>
-                                        <p:cTn id="23" dur="1000" fill="hold"/>
-                                        <p:tgtEl>
-                                          <p:spTgt spid="3">
-                                            <p:txEl>
-                                              <p:pRg st="2" end="2"/>
-                                            </p:txEl>
-                                          </p:spTgt>
-                                        </p:tgtEl>
-                                        <p:attrNameLst>
-                                          <p:attrName>ppt_x</p:attrName>
-                                        </p:attrNameLst>
-                                      </p:cBhvr>
-                                      <p:tavLst>
-                                        <p:tav tm="0">
-                                          <p:val>
-                                            <p:strVal val="#ppt_x"/>
-                                          </p:val>
-                                        </p:tav>
-                                        <p:tav tm="100000">
-                                          <p:val>
-                                            <p:strVal val="#ppt_x"/>
-                                          </p:val>
-                                        </p:tav>
-                                      </p:tavLst>
-                                    </p:anim>
-                                    <p:anim calcmode="lin" valueType="num">
-                                      <p:cBhvr>
-                                        <p:cTn id="24" dur="1000" fill="hold"/>
-                                        <p:tgtEl>
-                                          <p:spTgt spid="3">
-                                            <p:txEl>
-                                              <p:pRg st="2" end="2"/>
-                                            </p:txEl>
-                                          </p:spTgt>
-                                        </p:tgtEl>
-                                        <p:attrNameLst>
-                                          <p:attrName>ppt_y</p:attrName>
-                                        </p:attrNameLst>
-                                      </p:cBhvr>
-                                      <p:tavLst>
-                                        <p:tav tm="0">
-                                          <p:val>
-                                            <p:strVal val="#ppt_y+.1"/>
-                                          </p:val>
-                                        </p:tav>
-                                        <p:tav tm="100000">
-                                          <p:val>
-                                            <p:strVal val="#ppt_y"/>
-                                          </p:val>
-                                        </p:tav>
-                                      </p:tavLst>
-                                    </p:anim>
-                                  </p:childTnLst>
-                                </p:cTn>
-                              </p:par>
-                              <p:par>
-                                <p:cTn id="25" presetID="42" presetClass="entr" presetSubtype="0" fill="hold" grpId="0" nodeType="withEffect">
-                                  <p:stCondLst>
-                                    <p:cond delay="1500"/>
-                                  </p:stCondLst>
-                                  <p:childTnLst>
-                                    <p:set>
-                                      <p:cBhvr>
-                                        <p:cTn id="26" dur="1" fill="hold">
-                                          <p:stCondLst>
-                                            <p:cond delay="0"/>
-                                          </p:stCondLst>
-                                        </p:cTn>
-                                        <p:tgtEl>
-                                          <p:spTgt spid="3">
-                                            <p:txEl>
-                                              <p:pRg st="3" end="3"/>
-                                            </p:txEl>
-                                          </p:spTgt>
-                                        </p:tgtEl>
-                                        <p:attrNameLst>
-                                          <p:attrName>style.visibility</p:attrName>
-                                        </p:attrNameLst>
-                                      </p:cBhvr>
-                                      <p:to>
-                                        <p:strVal val="visible"/>
-                                      </p:to>
-                                    </p:set>
-                                    <p:animEffect transition="in" filter="fade">
-                                      <p:cBhvr>
-                                        <p:cTn id="27" dur="1000"/>
-                                        <p:tgtEl>
-                                          <p:spTgt spid="3">
-                                            <p:txEl>
-                                              <p:pRg st="3" end="3"/>
-                                            </p:txEl>
-                                          </p:spTgt>
-                                        </p:tgtEl>
-                                      </p:cBhvr>
-                                    </p:animEffect>
-                                    <p:anim calcmode="lin" valueType="num">
-                                      <p:cBhvr>
-                                        <p:cTn id="28" dur="1000" fill="hold"/>
-                                        <p:tgtEl>
-                                          <p:spTgt spid="3">
-                                            <p:txEl>
-                                              <p:pRg st="3" end="3"/>
-                                            </p:txEl>
-                                          </p:spTgt>
-                                        </p:tgtEl>
-                                        <p:attrNameLst>
-                                          <p:attrName>ppt_x</p:attrName>
-                                        </p:attrNameLst>
-                                      </p:cBhvr>
-                                      <p:tavLst>
-                                        <p:tav tm="0">
-                                          <p:val>
-                                            <p:strVal val="#ppt_x"/>
-                                          </p:val>
-                                        </p:tav>
-                                        <p:tav tm="100000">
-                                          <p:val>
-                                            <p:strVal val="#ppt_x"/>
-                                          </p:val>
-                                        </p:tav>
-                                      </p:tavLst>
-                                    </p:anim>
-                                    <p:anim calcmode="lin" valueType="num">
-                                      <p:cBhvr>
-                                        <p:cTn id="29" dur="1000" fill="hold"/>
-                                        <p:tgtEl>
-                                          <p:spTgt spid="3">
-                                            <p:txEl>
-                                              <p:pRg st="3" end="3"/>
-                                            </p:txEl>
-                                          </p:spTgt>
-                                        </p:tgtEl>
-                                        <p:attrNameLst>
-                                          <p:attrName>ppt_y</p:attrName>
-                                        </p:attrNameLst>
-                                      </p:cBhvr>
-                                      <p:tavLst>
-                                        <p:tav tm="0">
-                                          <p:val>
-                                            <p:strVal val="#ppt_y+.1"/>
-                                          </p:val>
-                                        </p:tav>
-                                        <p:tav tm="100000">
-                                          <p:val>
-                                            <p:strVal val="#ppt_y"/>
-                                          </p:val>
-                                        </p:tav>
-                                      </p:tavLst>
-                                    </p:anim>
-                                  </p:childTnLst>
-                                </p:cTn>
-                              </p:par>
-                            </p:childTnLst>
-                          </p:cTn>
-                        </p:par>
-                      </p:childTnLst>
-                    </p:cTn>
-                  </p:par>
-                </p:childTnLst>
-              </p:cTn>
-              <p:prevCondLst>
-                <p:cond evt="onPrev" delay="0">
-                  <p:tgtEl>
-                    <p:sldTgt/>
-                  </p:tgtEl>
-                </p:cond>
-              </p:prevCondLst>
-              <p:nextCondLst>
-                <p:cond evt="onNext" delay="0">
-                  <p:tgtEl>
-                    <p:sldTgt/>
-                  </p:tgtEl>
-                </p:cond>
-              </p:nextCondLst>
-            </p:seq>
-          </p:childTnLst>
-        </p:cTn>
-      </p:par>
-    </p:tnLst>
-    <p:bldLst>
-      <p:bldP spid="3" grpId="0" build="p"/>
-    </p:bldLst>
-  </p:timing>
-</p:sld>
-</file>
-
-<file path=ppt/slides/slide25.xml><?xml version="1.0" encoding="utf-8"?>
-<p:sld xmlns:a="http://schemas.openxmlformats.org/drawingml/2006/main" xmlns:r="http://schemas.openxmlformats.org/officeDocument/2006/relationships" xmlns:p="http://schemas.openxmlformats.org/presentationml/2006/main">
-  <p:cSld>
-    <p:spTree>
-      <p:nvGrpSpPr>
-        <p:cNvPr id="1" name=""/>
-        <p:cNvGrpSpPr/>
-        <p:nvPr/>
-      </p:nvGrpSpPr>
-      <p:grpSpPr>
-        <a:xfrm>
-          <a:off x="0" y="0"/>
-          <a:ext cx="0" cy="0"/>
-          <a:chOff x="0" y="0"/>
-          <a:chExt cx="0" cy="0"/>
-        </a:xfrm>
-      </p:grpSpPr>
-      <p:sp>
-        <p:nvSpPr>
-          <p:cNvPr id="2" name="Title 1"/>
-          <p:cNvSpPr>
-            <a:spLocks noGrp="1"/>
-          </p:cNvSpPr>
-          <p:nvPr>
-            <p:ph type="title"/>
-          </p:nvPr>
-        </p:nvSpPr>
-        <p:spPr/>
-        <p:txBody>
-          <a:bodyPr>
-            <a:normAutofit fontScale="90000"/>
-          </a:bodyPr>
-          <a:lstStyle/>
-          <a:p>
-            <a:r>
-              <a:rPr lang="fr-FR" sz="5400"/>
-              <a:t>Nouveau travail</a:t>
-            </a:r>
-          </a:p>
-        </p:txBody>
-      </p:sp>
-    </p:spTree>
-  </p:cSld>
-  <p:clrMapOvr>
-    <a:masterClrMapping/>
-  </p:clrMapOvr>
-  <mc:AlternateContent xmlns:mc="http://schemas.openxmlformats.org/markup-compatibility/2006" xmlns:p14="http://schemas.microsoft.com/office/powerpoint/2010/main">
-    <mc:Choice Requires="p14">
-      <p:transition spd="slow" p14:dur="1600">
-        <p14:gallery dir="l"/>
-      </p:transition>
-    </mc:Choice>
-    <mc:Fallback xmlns="">
-      <p:transition spd="slow">
-        <p:fade/>
-      </p:transition>
-    </mc:Fallback>
-  </mc:AlternateContent>
-  <p:timing>
-    <p:tnLst>
-      <p:par>
-        <p:cTn id="1" dur="indefinite" restart="never" nodeType="tmRoot"/>
-      </p:par>
-    </p:tnLst>
-  </p:timing>
-</p:sld>
-</file>
-
-<file path=ppt/slides/slide26.xml><?xml version="1.0" encoding="utf-8"?>
-<p:sld xmlns:a="http://schemas.openxmlformats.org/drawingml/2006/main" xmlns:r="http://schemas.openxmlformats.org/officeDocument/2006/relationships" xmlns:p="http://schemas.openxmlformats.org/presentationml/2006/main">
-  <p:cSld>
-    <p:spTree>
-      <p:nvGrpSpPr>
-        <p:cNvPr id="1" name=""/>
-        <p:cNvGrpSpPr/>
-        <p:nvPr/>
-      </p:nvGrpSpPr>
-      <p:grpSpPr>
-        <a:xfrm>
-          <a:off x="0" y="0"/>
-          <a:ext cx="0" cy="0"/>
-          <a:chOff x="0" y="0"/>
-          <a:chExt cx="0" cy="0"/>
-        </a:xfrm>
-      </p:grpSpPr>
-      <p:sp>
-        <p:nvSpPr>
-          <p:cNvPr id="2" name="Title 1"/>
-          <p:cNvSpPr>
-            <a:spLocks noGrp="1"/>
-          </p:cNvSpPr>
-          <p:nvPr>
-            <p:ph type="title"/>
-            <p:custDataLst>
-              <p:tags r:id="rId2"/>
-            </p:custDataLst>
-          </p:nvPr>
-        </p:nvSpPr>
-        <p:spPr>
-          <a:xfrm>
-            <a:off x="841248" y="152400"/>
-            <a:ext cx="5178552" cy="1143000"/>
-          </a:xfrm>
-        </p:spPr>
-        <p:txBody>
-          <a:bodyPr/>
-          <a:lstStyle/>
-          <a:p>
-            <a:r>
-              <a:rPr lang="fr-FR"/>
-              <a:t>Nouveau travail</a:t>
-            </a:r>
-          </a:p>
-        </p:txBody>
-      </p:sp>
-      <p:sp>
-        <p:nvSpPr>
-          <p:cNvPr id="4" name="Content Placeholder 3"/>
-          <p:cNvSpPr>
-            <a:spLocks noGrp="1"/>
-          </p:cNvSpPr>
-          <p:nvPr>
-            <p:ph idx="1"/>
-          </p:nvPr>
-        </p:nvSpPr>
-        <p:spPr>
-          <a:xfrm>
-            <a:off x="838200" y="1295400"/>
-            <a:ext cx="5257800" cy="1066800"/>
-          </a:xfrm>
-        </p:spPr>
-        <p:txBody>
-          <a:bodyPr/>
-          <a:lstStyle/>
-          <a:p>
-            <a:pPr marL="0" indent="0">
-              <a:buNone/>
-            </a:pPr>
-            <a:r>
-              <a:rPr lang="fr-FR"/>
-              <a:t>La courbe d’apprentissage technologique</a:t>
-            </a:r>
-          </a:p>
-        </p:txBody>
-      </p:sp>
-      <p:graphicFrame>
-        <p:nvGraphicFramePr>
-          <p:cNvPr id="3" name="Chart 2"/>
-          <p:cNvGraphicFramePr/>
-          <p:nvPr/>
-        </p:nvGraphicFramePr>
-        <p:xfrm>
-          <a:off x="1050414" y="2333812"/>
-          <a:ext cx="4762500" cy="4191000"/>
-        </p:xfrm>
-        <a:graphic>
-          <a:graphicData uri="http://schemas.openxmlformats.org/drawingml/2006/chart">
-            <c:chart xmlns:c="http://schemas.openxmlformats.org/drawingml/2006/chart" xmlns:r="http://schemas.openxmlformats.org/officeDocument/2006/relationships" r:id="rId5"/>
-          </a:graphicData>
-        </a:graphic>
-      </p:graphicFrame>
-      <p:pic>
-        <p:nvPicPr>
-          <p:cNvPr id="5" name="Picture 4"/>
-          <p:cNvPicPr>
-            <a:picLocks noChangeAspect="1"/>
-          </p:cNvPicPr>
-          <p:nvPr/>
-        </p:nvPicPr>
-        <p:blipFill rotWithShape="1">
-          <a:blip r:embed="rId6" cstate="email">
-            <a:extLst>
-              <a:ext uri="{28A0092B-C50C-407E-A947-70E740481C1C}">
-                <a14:useLocalDpi xmlns:a14="http://schemas.microsoft.com/office/drawing/2010/main"/>
-              </a:ext>
-            </a:extLst>
-          </a:blip>
-          <a:srcRect/>
-          <a:stretch/>
-        </p:blipFill>
-        <p:spPr>
-          <a:xfrm>
-            <a:off x="6248400" y="0"/>
-            <a:ext cx="2997200" cy="6858000"/>
-          </a:xfrm>
-          <a:prstGeom prst="rect">
-            <a:avLst/>
-          </a:prstGeom>
-        </p:spPr>
-      </p:pic>
-      <p:sp>
-        <p:nvSpPr>
-          <p:cNvPr id="6" name="5-Point Star 5"/>
-          <p:cNvSpPr/>
-          <p:nvPr/>
-        </p:nvSpPr>
-        <p:spPr>
-          <a:xfrm>
-            <a:off x="4953000" y="2286000"/>
-            <a:ext cx="685800" cy="685800"/>
-          </a:xfrm>
-          <a:prstGeom prst="star5">
-            <a:avLst/>
-          </a:prstGeom>
-          <a:solidFill>
-            <a:schemeClr val="accent6"/>
-          </a:solidFill>
-          <a:ln>
-            <a:noFill/>
-          </a:ln>
-          <a:effectLst>
-            <a:outerShdw blurRad="149987" dist="250190" dir="8460000" algn="ctr">
-              <a:srgbClr val="000000">
-                <a:alpha val="28000"/>
-              </a:srgbClr>
-            </a:outerShdw>
-          </a:effectLst>
-          <a:scene3d>
-            <a:camera prst="orthographicFront">
-              <a:rot lat="0" lon="0" rev="0"/>
-            </a:camera>
-            <a:lightRig rig="contrasting" dir="t">
-              <a:rot lat="0" lon="0" rev="1500000"/>
-            </a:lightRig>
-          </a:scene3d>
-          <a:sp3d prstMaterial="metal">
-            <a:bevelT w="88900" h="88900"/>
-          </a:sp3d>
-        </p:spPr>
-        <p:style>
-          <a:lnRef idx="2">
-            <a:schemeClr val="accent1">
-              <a:shade val="50000"/>
-            </a:schemeClr>
-          </a:lnRef>
-          <a:fillRef idx="1">
-            <a:schemeClr val="accent1"/>
-          </a:fillRef>
-          <a:effectRef idx="0">
-            <a:schemeClr val="accent1"/>
-          </a:effectRef>
-          <a:fontRef idx="minor">
-            <a:schemeClr val="lt1"/>
-          </a:fontRef>
-        </p:style>
-        <p:txBody>
-          <a:bodyPr rtlCol="0" anchor="ctr"/>
-          <a:lstStyle/>
-          <a:p>
-            <a:pPr algn="ctr"/>
-            <a:endParaRPr lang="fr-FR"/>
-          </a:p>
-        </p:txBody>
-      </p:sp>
-    </p:spTree>
-    <p:custDataLst>
-      <p:tags r:id="rId1"/>
-    </p:custDataLst>
-  </p:cSld>
-  <p:clrMapOvr>
-    <a:masterClrMapping/>
-  </p:clrMapOvr>
-  <p:transition spd="slow">
-    <p:wipe dir="d"/>
-  </p:transition>
-  <p:timing>
-    <p:tnLst>
-      <p:par>
-        <p:cTn id="1" dur="indefinite" restart="never" nodeType="tmRoot">
-          <p:childTnLst>
-            <p:seq concurrent="1" nextAc="seek">
-              <p:cTn id="2" dur="indefinite" nodeType="mainSeq">
-                <p:childTnLst>
-                  <p:par>
-                    <p:cTn id="3" fill="hold">
-                      <p:stCondLst>
-                        <p:cond delay="indefinite"/>
-                        <p:cond evt="onBegin" delay="0">
-                          <p:tn val="2"/>
-                        </p:cond>
-                      </p:stCondLst>
-                      <p:childTnLst>
-                        <p:par>
-                          <p:cTn id="4" fill="hold">
-                            <p:stCondLst>
-                              <p:cond delay="0"/>
-                            </p:stCondLst>
-                            <p:childTnLst>
-                              <p:par>
-                                <p:cTn id="5" presetID="22" presetClass="entr" presetSubtype="4" fill="hold" grpId="0" nodeType="afterEffect">
-                                  <p:stCondLst>
-                                    <p:cond delay="0"/>
-                                  </p:stCondLst>
-                                  <p:childTnLst>
-                                    <p:set>
-                                      <p:cBhvr>
-                                        <p:cTn id="6" dur="1" fill="hold">
-                                          <p:stCondLst>
-                                            <p:cond delay="0"/>
-                                          </p:stCondLst>
-                                        </p:cTn>
-                                        <p:tgtEl>
-                                          <p:spTgt spid="3"/>
-                                        </p:tgtEl>
-                                        <p:attrNameLst>
-                                          <p:attrName>style.visibility</p:attrName>
-                                        </p:attrNameLst>
-                                      </p:cBhvr>
-                                      <p:to>
-                                        <p:strVal val="visible"/>
-                                      </p:to>
-                                    </p:set>
-                                    <p:animEffect transition="in" filter="wipe(down)">
-                                      <p:cBhvr>
-                                        <p:cTn id="7" dur="500"/>
-                                        <p:tgtEl>
-                                          <p:spTgt spid="3"/>
-                                        </p:tgtEl>
-                                      </p:cBhvr>
-                                    </p:animEffect>
-                                  </p:childTnLst>
-                                </p:cTn>
-                              </p:par>
-                            </p:childTnLst>
-                          </p:cTn>
-                        </p:par>
-                        <p:par>
-                          <p:cTn id="8" fill="hold">
-                            <p:stCondLst>
-                              <p:cond delay="500"/>
-                            </p:stCondLst>
-                            <p:childTnLst>
-                              <p:par>
-                                <p:cTn id="9" presetID="53" presetClass="entr" presetSubtype="0" fill="hold" grpId="0" nodeType="afterEffect">
-                                  <p:stCondLst>
-                                    <p:cond delay="0"/>
-                                  </p:stCondLst>
-                                  <p:childTnLst>
-                                    <p:set>
-                                      <p:cBhvr>
-                                        <p:cTn id="10" dur="1" fill="hold">
-                                          <p:stCondLst>
-                                            <p:cond delay="0"/>
-                                          </p:stCondLst>
-                                        </p:cTn>
-                                        <p:tgtEl>
-                                          <p:spTgt spid="6"/>
-                                        </p:tgtEl>
-                                        <p:attrNameLst>
-                                          <p:attrName>style.visibility</p:attrName>
-                                        </p:attrNameLst>
-                                      </p:cBhvr>
-                                      <p:to>
-                                        <p:strVal val="visible"/>
-                                      </p:to>
-                                    </p:set>
-                                    <p:anim calcmode="lin" valueType="num">
-                                      <p:cBhvr>
-                                        <p:cTn id="11" dur="500" fill="hold"/>
-                                        <p:tgtEl>
-                                          <p:spTgt spid="6"/>
-                                        </p:tgtEl>
-                                        <p:attrNameLst>
-                                          <p:attrName>ppt_w</p:attrName>
-                                        </p:attrNameLst>
-                                      </p:cBhvr>
-                                      <p:tavLst>
-                                        <p:tav tm="0">
-                                          <p:val>
-                                            <p:fltVal val="0"/>
-                                          </p:val>
-                                        </p:tav>
-                                        <p:tav tm="100000">
-                                          <p:val>
-                                            <p:strVal val="#ppt_w"/>
-                                          </p:val>
-                                        </p:tav>
-                                      </p:tavLst>
-                                    </p:anim>
-                                    <p:anim calcmode="lin" valueType="num">
-                                      <p:cBhvr>
-                                        <p:cTn id="12" dur="500" fill="hold"/>
-                                        <p:tgtEl>
-                                          <p:spTgt spid="6"/>
-                                        </p:tgtEl>
-                                        <p:attrNameLst>
-                                          <p:attrName>ppt_h</p:attrName>
-                                        </p:attrNameLst>
-                                      </p:cBhvr>
-                                      <p:tavLst>
-                                        <p:tav tm="0">
-                                          <p:val>
-                                            <p:fltVal val="0"/>
-                                          </p:val>
-                                        </p:tav>
-                                        <p:tav tm="100000">
-                                          <p:val>
-                                            <p:strVal val="#ppt_h"/>
-                                          </p:val>
-                                        </p:tav>
-                                      </p:tavLst>
-                                    </p:anim>
-                                    <p:animEffect transition="in" filter="fade">
-                                      <p:cBhvr>
-                                        <p:cTn id="13" dur="500"/>
-                                        <p:tgtEl>
-                                          <p:spTgt spid="6"/>
-                                        </p:tgtEl>
-                                      </p:cBhvr>
-                                    </p:animEffect>
-                                  </p:childTnLst>
-                                </p:cTn>
-                              </p:par>
-                            </p:childTnLst>
-                          </p:cTn>
-                        </p:par>
-                      </p:childTnLst>
-                    </p:cTn>
-                  </p:par>
-                </p:childTnLst>
-              </p:cTn>
-              <p:prevCondLst>
-                <p:cond evt="onPrev" delay="0">
-                  <p:tgtEl>
-                    <p:sldTgt/>
-                  </p:tgtEl>
-                </p:cond>
-              </p:prevCondLst>
-              <p:nextCondLst>
-                <p:cond evt="onNext" delay="0">
-                  <p:tgtEl>
-                    <p:sldTgt/>
-                  </p:tgtEl>
-                </p:cond>
-              </p:nextCondLst>
-            </p:seq>
-          </p:childTnLst>
-        </p:cTn>
-      </p:par>
-    </p:tnLst>
-    <p:bldLst>
-      <p:bldGraphic spid="3" grpId="0">
-        <p:bldAsOne/>
-      </p:bldGraphic>
-      <p:bldP spid="6" grpId="0" animBg="1"/>
-    </p:bldLst>
-  </p:timing>
-</p:sld>
-</file>
-
-<file path=ppt/slides/slide27.xml><?xml version="1.0" encoding="utf-8"?>
-<p:sld xmlns:a="http://schemas.openxmlformats.org/drawingml/2006/main" xmlns:r="http://schemas.openxmlformats.org/officeDocument/2006/relationships" xmlns:p="http://schemas.openxmlformats.org/presentationml/2006/main">
-  <p:cSld>
-    <p:spTree>
-      <p:nvGrpSpPr>
-        <p:cNvPr id="1" name=""/>
-        <p:cNvGrpSpPr/>
-        <p:nvPr/>
-      </p:nvGrpSpPr>
-      <p:grpSpPr>
-        <a:xfrm>
-          <a:off x="0" y="0"/>
-          <a:ext cx="0" cy="0"/>
-          <a:chOff x="0" y="0"/>
-          <a:chExt cx="0" cy="0"/>
-        </a:xfrm>
-      </p:grpSpPr>
-      <p:sp>
-        <p:nvSpPr>
-          <p:cNvPr id="2" name="Title 1"/>
-          <p:cNvSpPr>
-            <a:spLocks noGrp="1"/>
-          </p:cNvSpPr>
-          <p:nvPr>
-            <p:ph type="title"/>
-            <p:custDataLst>
-              <p:tags r:id="rId2"/>
-            </p:custDataLst>
-          </p:nvPr>
-        </p:nvSpPr>
-        <p:spPr/>
-        <p:txBody>
-          <a:bodyPr/>
-          <a:lstStyle/>
-          <a:p>
-            <a:r>
-              <a:rPr lang="fr-FR"/>
-              <a:t>Bottin mondain</a:t>
-            </a:r>
-          </a:p>
-        </p:txBody>
-      </p:sp>
-      <p:graphicFrame>
-        <p:nvGraphicFramePr>
-          <p:cNvPr id="5" name="Content Placeholder 4"/>
-          <p:cNvGraphicFramePr>
-            <a:graphicFrameLocks noGrp="1"/>
-          </p:cNvGraphicFramePr>
-          <p:nvPr>
-            <p:ph idx="1"/>
-            <p:custDataLst>
-              <p:tags r:id="rId3"/>
-            </p:custDataLst>
-          </p:nvPr>
-        </p:nvGraphicFramePr>
-        <p:xfrm>
-          <a:off x="2041634" y="1838434"/>
-          <a:ext cx="5486400" cy="3327400"/>
-        </p:xfrm>
-        <a:graphic>
-          <a:graphicData uri="http://schemas.openxmlformats.org/drawingml/2006/table">
-            <a:tbl>
-              <a:tblPr firstRow="1" bandRow="1">
-                <a:tableStyleId>{5FD0F851-EC5A-4D38-B0AD-8093EC10F338}</a:tableStyleId>
-              </a:tblPr>
-              <a:tblGrid>
-                <a:gridCol w="1866507"/>
-                <a:gridCol w="3619893"/>
-              </a:tblGrid>
-              <a:tr h="665480">
-                <a:tc>
-                  <a:txBody>
-                    <a:bodyPr/>
-                    <a:lstStyle/>
-                    <a:p>
-                      <a:r>
-                        <a:rPr lang="fr-FR"/>
-                        <a:t>Prospect</a:t>
-                      </a:r>
-                    </a:p>
-                  </a:txBody>
-                  <a:tcPr anchor="b"/>
-                </a:tc>
-                <a:tc>
-                  <a:txBody>
-                    <a:bodyPr/>
-                    <a:lstStyle/>
-                    <a:p>
-                      <a:r>
-                        <a:rPr lang="fr-FR"/>
-                        <a:t>Informations sur le contact</a:t>
-                      </a:r>
-                    </a:p>
-                  </a:txBody>
-                  <a:tcPr anchor="b"/>
-                </a:tc>
-              </a:tr>
-              <a:tr h="665480">
-                <a:tc>
-                  <a:txBody>
-                    <a:bodyPr/>
-                    <a:lstStyle/>
-                    <a:p>
-                      <a:r>
-                        <a:rPr lang="fr-FR"/>
-                        <a:t>Jim</a:t>
-                      </a:r>
-                    </a:p>
-                  </a:txBody>
-                  <a:tcPr/>
-                </a:tc>
-                <a:tc>
-                  <a:txBody>
-                    <a:bodyPr/>
-                    <a:lstStyle/>
-                    <a:p>
-                      <a:r>
-                        <a:rPr lang="fr-FR">
-                          <a:hlinkClick r:id="rId6"/>
-                        </a:rPr>
-                        <a:t>Jim@company.com</a:t>
-                      </a:r>
-                      <a:endParaRPr lang="fr-FR"/>
-                    </a:p>
-                  </a:txBody>
-                  <a:tcPr/>
-                </a:tc>
-              </a:tr>
-              <a:tr h="665480">
-                <a:tc>
-                  <a:txBody>
-                    <a:bodyPr/>
-                    <a:lstStyle/>
-                    <a:p>
-                      <a:r>
-                        <a:rPr lang="fr-FR"/>
-                        <a:t>Dee</a:t>
-                      </a:r>
-                    </a:p>
-                  </a:txBody>
-                  <a:tcPr/>
-                </a:tc>
-                <a:tc>
-                  <a:txBody>
-                    <a:bodyPr/>
-                    <a:lstStyle/>
-                    <a:p>
-                      <a:r>
-                        <a:rPr lang="fr-FR">
-                          <a:hlinkClick r:id="rId7"/>
-                        </a:rPr>
-                        <a:t>Dee@gcompany.com</a:t>
-                      </a:r>
-                      <a:endParaRPr lang="fr-FR"/>
-                    </a:p>
-                  </a:txBody>
-                  <a:tcPr/>
-                </a:tc>
-              </a:tr>
-              <a:tr h="665480">
-                <a:tc>
-                  <a:txBody>
-                    <a:bodyPr/>
-                    <a:lstStyle/>
-                    <a:p>
-                      <a:r>
-                        <a:rPr lang="fr-FR"/>
-                        <a:t>Mavis</a:t>
-                      </a:r>
-                    </a:p>
-                  </a:txBody>
-                  <a:tcPr/>
-                </a:tc>
-                <a:tc>
-                  <a:txBody>
-                    <a:bodyPr/>
-                    <a:lstStyle/>
-                    <a:p>
-                      <a:r>
-                        <a:rPr lang="fr-FR">
-                          <a:hlinkClick r:id="rId8"/>
-                        </a:rPr>
-                        <a:t>Mavis</a:t>
-                      </a:r>
-                      <a:r>
-                        <a:rPr lang="fr-FR" baseline="0">
-                          <a:hlinkClick r:id="rId8"/>
-                        </a:rPr>
-                        <a:t>@company.com</a:t>
-                      </a:r>
-                      <a:endParaRPr lang="fr-FR"/>
-                    </a:p>
-                  </a:txBody>
-                  <a:tcPr/>
-                </a:tc>
-              </a:tr>
-              <a:tr h="665480">
-                <a:tc>
-                  <a:txBody>
-                    <a:bodyPr/>
-                    <a:lstStyle/>
-                    <a:p>
-                      <a:r>
-                        <a:rPr lang="fr-FR"/>
-                        <a:t>Doug</a:t>
-                      </a:r>
-                    </a:p>
-                  </a:txBody>
-                  <a:tcPr/>
-                </a:tc>
-                <a:tc>
-                  <a:txBody>
-                    <a:bodyPr/>
-                    <a:lstStyle/>
-                    <a:p>
-                      <a:r>
-                        <a:rPr lang="fr-FR">
-                          <a:hlinkClick r:id="rId9"/>
-                        </a:rPr>
-                        <a:t>Doug@company.com</a:t>
-                      </a:r>
-                      <a:r>
-                        <a:rPr lang="fr-FR"/>
-                        <a:t> </a:t>
-                      </a:r>
-                    </a:p>
-                  </a:txBody>
-                  <a:tcPr/>
-                </a:tc>
-              </a:tr>
-            </a:tbl>
-          </a:graphicData>
-        </a:graphic>
-      </p:graphicFrame>
-    </p:spTree>
-    <p:custDataLst>
-      <p:tags r:id="rId1"/>
-    </p:custDataLst>
-  </p:cSld>
-  <p:clrMapOvr>
-    <a:masterClrMapping/>
-  </p:clrMapOvr>
-  <p:transition spd="slow">
-    <p:wipe dir="d"/>
-  </p:transition>
-  <p:timing>
-    <p:tnLst>
-      <p:par>
-        <p:cTn id="1" dur="indefinite" restart="never" nodeType="tmRoot"/>
-      </p:par>
-    </p:tnLst>
-  </p:timing>
-</p:sld>
-</file>
-
-<file path=ppt/slides/slide28.xml><?xml version="1.0" encoding="utf-8"?>
-<p:sld xmlns:a="http://schemas.openxmlformats.org/drawingml/2006/main" xmlns:r="http://schemas.openxmlformats.org/officeDocument/2006/relationships" xmlns:p="http://schemas.openxmlformats.org/presentationml/2006/main">
-  <p:cSld>
-    <p:spTree>
-      <p:nvGrpSpPr>
-        <p:cNvPr id="1" name=""/>
-        <p:cNvGrpSpPr/>
-        <p:nvPr/>
-      </p:nvGrpSpPr>
-      <p:grpSpPr>
-        <a:xfrm>
-          <a:off x="0" y="0"/>
-          <a:ext cx="0" cy="0"/>
-          <a:chOff x="0" y="0"/>
-          <a:chExt cx="0" cy="0"/>
-        </a:xfrm>
-      </p:grpSpPr>
-      <p:sp>
-        <p:nvSpPr>
-          <p:cNvPr id="627714" name="Line 2"/>
-          <p:cNvSpPr>
-            <a:spLocks noChangeShapeType="1"/>
-          </p:cNvSpPr>
-          <p:nvPr>
-            <p:custDataLst>
-              <p:tags r:id="rId2"/>
-            </p:custDataLst>
-          </p:nvPr>
-        </p:nvSpPr>
-        <p:spPr bwMode="auto">
-          <a:xfrm>
-            <a:off x="1249363" y="5799138"/>
-            <a:ext cx="7208837" cy="0"/>
-          </a:xfrm>
-          <a:prstGeom prst="line">
-            <a:avLst/>
-          </a:prstGeom>
-          <a:noFill/>
-          <a:ln w="57150">
-            <a:solidFill>
-              <a:schemeClr val="tx2"/>
-            </a:solidFill>
-            <a:round/>
-            <a:headEnd/>
-            <a:tailEnd type="triangle" w="med" len="med"/>
-          </a:ln>
-          <a:effectLst/>
-        </p:spPr>
-        <p:txBody>
-          <a:bodyPr>
-            <a:spAutoFit/>
-          </a:bodyPr>
-          <a:lstStyle/>
-          <a:p>
-            <a:pPr>
-              <a:defRPr lang="fr-FR"/>
-            </a:pPr>
-            <a:endParaRPr lang="fr-FR"/>
-          </a:p>
-        </p:txBody>
-      </p:sp>
-      <p:sp>
-        <p:nvSpPr>
-          <p:cNvPr id="627715" name="Line 3"/>
-          <p:cNvSpPr>
-            <a:spLocks noChangeShapeType="1"/>
-          </p:cNvSpPr>
-          <p:nvPr>
-            <p:custDataLst>
-              <p:tags r:id="rId3"/>
-            </p:custDataLst>
-          </p:nvPr>
-        </p:nvSpPr>
-        <p:spPr bwMode="auto">
-          <a:xfrm flipH="1" flipV="1">
-            <a:off x="1242990" y="1898319"/>
-            <a:ext cx="15875" cy="3916363"/>
-          </a:xfrm>
-          <a:prstGeom prst="line">
-            <a:avLst/>
-          </a:prstGeom>
-          <a:noFill/>
-          <a:ln w="57150">
-            <a:solidFill>
-              <a:schemeClr val="tx2"/>
-            </a:solidFill>
-            <a:round/>
-            <a:headEnd/>
-            <a:tailEnd type="triangle" w="med" len="med"/>
-          </a:ln>
-          <a:effectLst/>
-        </p:spPr>
-        <p:txBody>
-          <a:bodyPr>
-            <a:spAutoFit/>
-          </a:bodyPr>
-          <a:lstStyle/>
-          <a:p>
-            <a:pPr>
-              <a:defRPr lang="fr-FR"/>
-            </a:pPr>
-            <a:endParaRPr lang="fr-FR"/>
-          </a:p>
-        </p:txBody>
-      </p:sp>
-      <p:sp>
-        <p:nvSpPr>
-          <p:cNvPr id="22532" name="Text Box 4"/>
-          <p:cNvSpPr txBox="1">
-            <a:spLocks noChangeArrowheads="1"/>
-          </p:cNvSpPr>
-          <p:nvPr>
-            <p:custDataLst>
-              <p:tags r:id="rId4"/>
-            </p:custDataLst>
-          </p:nvPr>
-        </p:nvSpPr>
-        <p:spPr bwMode="auto">
-          <a:xfrm>
-            <a:off x="1447800" y="5862638"/>
-            <a:ext cx="6781800" cy="369332"/>
-          </a:xfrm>
-          <a:prstGeom prst="rect">
-            <a:avLst/>
-          </a:prstGeom>
-          <a:noFill/>
-          <a:ln w="3175">
-            <a:noFill/>
-            <a:miter lim="800000"/>
-            <a:headEnd/>
-            <a:tailEnd/>
-          </a:ln>
-        </p:spPr>
-        <p:txBody>
-          <a:bodyPr wrap="square">
-            <a:normAutofit/>
-          </a:bodyPr>
-          <a:lstStyle/>
-          <a:p>
-            <a:pPr algn="ctr"/>
-            <a:r>
-              <a:rPr lang="fr-FR"/>
-              <a:t>Temps passé</a:t>
-            </a:r>
-            <a:endParaRPr lang="fr-FR">
-              <a:effectLst/>
-            </a:endParaRPr>
-          </a:p>
-        </p:txBody>
-      </p:sp>
-      <p:sp>
-        <p:nvSpPr>
-          <p:cNvPr id="22533" name="Text Box 5"/>
-          <p:cNvSpPr txBox="1">
-            <a:spLocks noChangeArrowheads="1"/>
-          </p:cNvSpPr>
-          <p:nvPr>
-            <p:custDataLst>
-              <p:tags r:id="rId5"/>
-            </p:custDataLst>
-          </p:nvPr>
-        </p:nvSpPr>
-        <p:spPr bwMode="auto">
-          <a:xfrm rot="-5400000">
-            <a:off x="-908003" y="3759802"/>
-            <a:ext cx="3709340" cy="369332"/>
-          </a:xfrm>
-          <a:prstGeom prst="rect">
-            <a:avLst/>
-          </a:prstGeom>
-          <a:noFill/>
-          <a:ln w="3175">
-            <a:noFill/>
-            <a:miter lim="800000"/>
-            <a:headEnd/>
-            <a:tailEnd/>
-          </a:ln>
-        </p:spPr>
-        <p:txBody>
-          <a:bodyPr wrap="square">
-            <a:normAutofit/>
-          </a:bodyPr>
-          <a:lstStyle/>
-          <a:p>
-            <a:pPr algn="ctr"/>
-            <a:r>
-              <a:rPr lang="fr-FR">
-                <a:effectLst/>
-              </a:rPr>
-              <a:t>Expérience projets</a:t>
-            </a:r>
-          </a:p>
-        </p:txBody>
-      </p:sp>
-      <p:sp>
-        <p:nvSpPr>
-          <p:cNvPr id="627722" name="AutoShape 10"/>
-          <p:cNvSpPr>
-            <a:spLocks noChangeArrowheads="1"/>
-          </p:cNvSpPr>
-          <p:nvPr>
-            <p:custDataLst>
-              <p:tags r:id="rId6"/>
-            </p:custDataLst>
-          </p:nvPr>
-        </p:nvSpPr>
-        <p:spPr bwMode="invGray">
-          <a:xfrm>
-            <a:off x="1756484" y="4329094"/>
-            <a:ext cx="1753651" cy="1222157"/>
-          </a:xfrm>
-          <a:prstGeom prst="round2DiagRect">
-            <a:avLst/>
-          </a:prstGeom>
-          <a:solidFill>
-            <a:schemeClr val="bg1"/>
-          </a:solidFill>
-          <a:ln w="12700">
-            <a:solidFill>
-              <a:schemeClr val="tx2"/>
-            </a:solidFill>
-            <a:round/>
-            <a:headEnd/>
-            <a:tailEnd/>
-          </a:ln>
-          <a:effectLst>
-            <a:outerShdw blurRad="50800" dist="38100" dir="2700000" algn="tl" rotWithShape="0">
-              <a:prstClr val="black">
-                <a:alpha val="40000"/>
-              </a:prstClr>
-            </a:outerShdw>
-          </a:effectLst>
-        </p:spPr>
-        <p:txBody>
-          <a:bodyPr wrap="square" lIns="45720" rIns="45720" anchor="ctr">
-            <a:noAutofit/>
-          </a:bodyPr>
-          <a:lstStyle/>
-          <a:p>
-            <a:pPr algn="ctr">
-              <a:defRPr lang="fr-FR"/>
-            </a:pPr>
-            <a:r>
-              <a:rPr lang="fr-FR" sz="2000">
-                <a:latin typeface="Segoe Semibold" pitchFamily="34" charset="0"/>
-              </a:rPr>
-              <a:t>Familiarisez-vous</a:t>
-            </a:r>
-            <a:endParaRPr lang="fr-FR" sz="2000"/>
-          </a:p>
-        </p:txBody>
-      </p:sp>
-      <p:sp>
-        <p:nvSpPr>
-          <p:cNvPr id="627725" name="AutoShape 13"/>
-          <p:cNvSpPr>
-            <a:spLocks noChangeArrowheads="1"/>
-          </p:cNvSpPr>
-          <p:nvPr>
-            <p:custDataLst>
-              <p:tags r:id="rId7"/>
-            </p:custDataLst>
-          </p:nvPr>
-        </p:nvSpPr>
-        <p:spPr bwMode="invGray">
-          <a:xfrm>
-            <a:off x="6335671" y="2089798"/>
-            <a:ext cx="1743878" cy="1212785"/>
-          </a:xfrm>
-          <a:prstGeom prst="round2DiagRect">
-            <a:avLst/>
-          </a:prstGeom>
-          <a:solidFill>
-            <a:schemeClr val="bg1"/>
-          </a:solidFill>
-          <a:ln w="12700">
-            <a:solidFill>
-              <a:schemeClr val="tx2"/>
-            </a:solidFill>
-            <a:round/>
-            <a:headEnd/>
-            <a:tailEnd/>
-          </a:ln>
-          <a:effectLst>
-            <a:outerShdw blurRad="50800" dist="38100" dir="2700000" algn="tl" rotWithShape="0">
-              <a:prstClr val="black">
-                <a:alpha val="40000"/>
-              </a:prstClr>
-            </a:outerShdw>
-          </a:effectLst>
-        </p:spPr>
-        <p:txBody>
-          <a:bodyPr wrap="square" lIns="45720" rIns="45720" anchor="ctr">
-            <a:noAutofit/>
-          </a:bodyPr>
-          <a:lstStyle/>
-          <a:p>
-            <a:pPr algn="ctr">
-              <a:defRPr lang="fr-FR"/>
-            </a:pPr>
-            <a:r>
-              <a:rPr lang="fr-FR" sz="2000">
-                <a:latin typeface="Segoe Semibold" pitchFamily="34" charset="0"/>
-              </a:rPr>
-              <a:t>Atteignez un niveau d’expertise</a:t>
-            </a:r>
-            <a:endParaRPr lang="fr-FR" sz="2000"/>
-          </a:p>
-        </p:txBody>
-      </p:sp>
-      <p:sp>
-        <p:nvSpPr>
-          <p:cNvPr id="627728" name="Rectangle 16"/>
-          <p:cNvSpPr>
-            <a:spLocks noGrp="1" noChangeArrowheads="1"/>
-          </p:cNvSpPr>
-          <p:nvPr>
-            <p:ph type="title"/>
-            <p:custDataLst>
-              <p:tags r:id="rId8"/>
-            </p:custDataLst>
-          </p:nvPr>
-        </p:nvSpPr>
-        <p:spPr>
-          <a:xfrm>
-            <a:off x="841248" y="301752"/>
-            <a:ext cx="8077200" cy="1143000"/>
-          </a:xfrm>
-        </p:spPr>
-        <p:txBody>
-          <a:bodyPr/>
-          <a:lstStyle/>
-          <a:p>
-            <a:pPr>
-              <a:defRPr lang="fr-FR"/>
-            </a:pPr>
-            <a:r>
-              <a:rPr lang="fr-FR"/>
-              <a:t>Atteindre un niveau d’expertise</a:t>
-            </a:r>
-          </a:p>
-        </p:txBody>
-      </p:sp>
-      <p:sp>
-        <p:nvSpPr>
-          <p:cNvPr id="17" name="AutoShape 10"/>
-          <p:cNvSpPr>
-            <a:spLocks noChangeArrowheads="1"/>
-          </p:cNvSpPr>
-          <p:nvPr>
-            <p:custDataLst>
-              <p:tags r:id="rId9"/>
-            </p:custDataLst>
-          </p:nvPr>
-        </p:nvSpPr>
-        <p:spPr bwMode="invGray">
-          <a:xfrm>
-            <a:off x="4191000" y="3276600"/>
-            <a:ext cx="1753651" cy="1222157"/>
-          </a:xfrm>
-          <a:prstGeom prst="round2DiagRect">
-            <a:avLst/>
-          </a:prstGeom>
-          <a:solidFill>
-            <a:schemeClr val="bg1"/>
-          </a:solidFill>
-          <a:ln w="12700">
-            <a:solidFill>
-              <a:schemeClr val="tx2"/>
-            </a:solidFill>
-            <a:round/>
-            <a:headEnd/>
-            <a:tailEnd/>
-          </a:ln>
-          <a:effectLst>
-            <a:outerShdw blurRad="50800" dist="38100" dir="2700000" algn="tl" rotWithShape="0">
-              <a:prstClr val="black">
-                <a:alpha val="40000"/>
-              </a:prstClr>
-            </a:outerShdw>
-          </a:effectLst>
-        </p:spPr>
-        <p:txBody>
-          <a:bodyPr wrap="square" lIns="45720" rIns="45720" anchor="ctr">
-            <a:noAutofit/>
-          </a:bodyPr>
-          <a:lstStyle/>
-          <a:p>
-            <a:pPr algn="ctr">
-              <a:defRPr lang="fr-FR"/>
-            </a:pPr>
-            <a:r>
-              <a:rPr lang="fr-FR" sz="2000">
-                <a:latin typeface="Segoe Semibold" pitchFamily="34" charset="0"/>
-              </a:rPr>
-              <a:t>Devenez un expert</a:t>
-            </a:r>
-            <a:endParaRPr lang="fr-FR" sz="2000"/>
-          </a:p>
-        </p:txBody>
-      </p:sp>
-      <p:sp>
-        <p:nvSpPr>
-          <p:cNvPr id="11" name="Freeform 15"/>
-          <p:cNvSpPr>
-            <a:spLocks/>
-          </p:cNvSpPr>
-          <p:nvPr>
-            <p:custDataLst>
-              <p:tags r:id="rId10"/>
-            </p:custDataLst>
-          </p:nvPr>
-        </p:nvSpPr>
-        <p:spPr bwMode="auto">
-          <a:xfrm rot="21240482">
-            <a:off x="2519412" y="1676400"/>
-            <a:ext cx="3728988" cy="2313711"/>
-          </a:xfrm>
-          <a:custGeom>
-            <a:avLst/>
-            <a:gdLst/>
-            <a:ahLst/>
-            <a:cxnLst>
-              <a:cxn ang="0">
-                <a:pos x="0" y="1390"/>
-              </a:cxn>
-              <a:cxn ang="0">
-                <a:pos x="1529" y="158"/>
-              </a:cxn>
-              <a:cxn ang="0">
-                <a:pos x="1529" y="0"/>
-              </a:cxn>
-              <a:cxn ang="0">
-                <a:pos x="2030" y="360"/>
-              </a:cxn>
-              <a:cxn ang="0">
-                <a:pos x="1523" y="714"/>
-              </a:cxn>
-              <a:cxn ang="0">
-                <a:pos x="1520" y="543"/>
-              </a:cxn>
-              <a:cxn ang="0">
-                <a:pos x="0" y="1390"/>
-              </a:cxn>
-            </a:cxnLst>
-            <a:rect l="0" t="0" r="r" b="b"/>
-            <a:pathLst>
-              <a:path w="2030" h="1390">
-                <a:moveTo>
-                  <a:pt x="0" y="1390"/>
-                </a:moveTo>
-                <a:cubicBezTo>
-                  <a:pt x="131" y="796"/>
-                  <a:pt x="676" y="220"/>
-                  <a:pt x="1529" y="158"/>
-                </a:cubicBezTo>
-                <a:lnTo>
-                  <a:pt x="1529" y="0"/>
-                </a:lnTo>
-                <a:lnTo>
-                  <a:pt x="2030" y="360"/>
-                </a:lnTo>
-                <a:lnTo>
-                  <a:pt x="1523" y="714"/>
-                </a:lnTo>
-                <a:lnTo>
-                  <a:pt x="1520" y="543"/>
-                </a:lnTo>
-                <a:cubicBezTo>
-                  <a:pt x="803" y="447"/>
-                  <a:pt x="109" y="1123"/>
-                  <a:pt x="0" y="1390"/>
-                </a:cubicBezTo>
-                <a:close/>
-              </a:path>
-            </a:pathLst>
-          </a:custGeom>
-          <a:gradFill rotWithShape="1">
-            <a:gsLst>
-              <a:gs pos="0">
-                <a:schemeClr val="accent5"/>
-              </a:gs>
-              <a:gs pos="100000">
-                <a:schemeClr val="accent4"/>
-              </a:gs>
-            </a:gsLst>
-            <a:lin ang="18900000" scaled="1"/>
-          </a:gradFill>
-          <a:ln w="3175" cap="flat" cmpd="sng">
-            <a:noFill/>
-            <a:prstDash val="solid"/>
-            <a:round/>
-            <a:headEnd/>
-            <a:tailEnd/>
-          </a:ln>
-          <a:effectLst/>
-        </p:spPr>
-        <p:txBody>
-          <a:bodyPr wrap="none" anchor="ctr">
-            <a:noAutofit/>
-          </a:bodyPr>
-          <a:lstStyle/>
-          <a:p>
-            <a:pPr>
-              <a:defRPr lang="fr-FR"/>
-            </a:pPr>
-            <a:endParaRPr lang="fr-FR"/>
-          </a:p>
-        </p:txBody>
-      </p:sp>
-    </p:spTree>
-    <p:custDataLst>
-      <p:tags r:id="rId1"/>
-    </p:custDataLst>
-  </p:cSld>
-  <p:clrMapOvr>
-    <a:masterClrMapping/>
-  </p:clrMapOvr>
-  <p:transition>
-    <p:fade/>
-  </p:transition>
-  <p:timing>
-    <p:tnLst>
-      <p:par>
-        <p:cTn id="1" dur="indefinite" restart="never" nodeType="tmRoot">
-          <p:childTnLst>
-            <p:seq concurrent="1" nextAc="seek">
-              <p:cTn id="2" dur="indefinite" nodeType="mainSeq">
-                <p:childTnLst>
-                  <p:par>
-                    <p:cTn id="3" fill="hold">
-                      <p:stCondLst>
-                        <p:cond delay="indefinite"/>
-                        <p:cond evt="onBegin" delay="0">
-                          <p:tn val="2"/>
-                        </p:cond>
-                      </p:stCondLst>
-                      <p:childTnLst>
-                        <p:par>
-                          <p:cTn id="4" fill="hold">
-                            <p:stCondLst>
-                              <p:cond delay="0"/>
-                            </p:stCondLst>
-                            <p:childTnLst>
-                              <p:par>
-                                <p:cTn id="5" presetID="22" presetClass="entr" presetSubtype="8" fill="hold" grpId="0" nodeType="afterEffect">
-                                  <p:stCondLst>
-                                    <p:cond delay="0"/>
-                                  </p:stCondLst>
-                                  <p:childTnLst>
-                                    <p:set>
-                                      <p:cBhvr>
-                                        <p:cTn id="6" dur="1" fill="hold">
-                                          <p:stCondLst>
-                                            <p:cond delay="0"/>
-                                          </p:stCondLst>
-                                        </p:cTn>
-                                        <p:tgtEl>
-                                          <p:spTgt spid="11"/>
-                                        </p:tgtEl>
-                                        <p:attrNameLst>
-                                          <p:attrName>style.visibility</p:attrName>
-                                        </p:attrNameLst>
-                                      </p:cBhvr>
-                                      <p:to>
-                                        <p:strVal val="visible"/>
-                                      </p:to>
-                                    </p:set>
-                                    <p:animEffect transition="in" filter="wipe(left)">
-                                      <p:cBhvr>
-                                        <p:cTn id="7" dur="2000"/>
-                                        <p:tgtEl>
-                                          <p:spTgt spid="11"/>
-                                        </p:tgtEl>
-                                      </p:cBhvr>
-                                    </p:animEffect>
-                                  </p:childTnLst>
-                                </p:cTn>
-                              </p:par>
-                            </p:childTnLst>
-                          </p:cTn>
-                        </p:par>
-                      </p:childTnLst>
-                    </p:cTn>
-                  </p:par>
-                </p:childTnLst>
-              </p:cTn>
-              <p:prevCondLst>
-                <p:cond evt="onPrev" delay="0">
-                  <p:tgtEl>
-                    <p:sldTgt/>
-                  </p:tgtEl>
-                </p:cond>
-              </p:prevCondLst>
-              <p:nextCondLst>
-                <p:cond evt="onNext" delay="0">
-                  <p:tgtEl>
-                    <p:sldTgt/>
-                  </p:tgtEl>
-                </p:cond>
-              </p:nextCondLst>
-            </p:seq>
-          </p:childTnLst>
-        </p:cTn>
-      </p:par>
-    </p:tnLst>
-    <p:bldLst>
-      <p:bldP spid="11" grpId="0" animBg="1"/>
-    </p:bldLst>
-  </p:timing>
-</p:sld>
-</file>
-
-<file path=ppt/slides/slide29.xml><?xml version="1.0" encoding="utf-8"?>
-<p:sld xmlns:a="http://schemas.openxmlformats.org/drawingml/2006/main" xmlns:r="http://schemas.openxmlformats.org/officeDocument/2006/relationships" xmlns:p="http://schemas.openxmlformats.org/presentationml/2006/main">
-  <p:cSld>
-    <p:spTree>
-      <p:nvGrpSpPr>
-        <p:cNvPr id="1" name=""/>
-        <p:cNvGrpSpPr/>
-        <p:nvPr/>
-      </p:nvGrpSpPr>
-      <p:grpSpPr>
-        <a:xfrm>
-          <a:off x="0" y="0"/>
-          <a:ext cx="0" cy="0"/>
-          <a:chOff x="0" y="0"/>
-          <a:chExt cx="0" cy="0"/>
-        </a:xfrm>
-      </p:grpSpPr>
-      <p:sp>
-        <p:nvSpPr>
-          <p:cNvPr id="629762" name="Rectangle 2"/>
-          <p:cNvSpPr>
-            <a:spLocks noGrp="1" noChangeArrowheads="1"/>
-          </p:cNvSpPr>
-          <p:nvPr>
-            <p:ph type="title"/>
-            <p:custDataLst>
-              <p:tags r:id="rId2"/>
-            </p:custDataLst>
-          </p:nvPr>
-        </p:nvSpPr>
-        <p:spPr>
-          <a:xfrm>
-            <a:off x="841249" y="304800"/>
-            <a:ext cx="7921752" cy="1143000"/>
-          </a:xfrm>
-        </p:spPr>
-        <p:txBody>
-          <a:bodyPr/>
-          <a:lstStyle/>
-          <a:p>
-            <a:pPr>
-              <a:defRPr lang="fr-FR"/>
-            </a:pPr>
-            <a:r>
-              <a:rPr lang="fr-FR"/>
-              <a:t>Faire de son mieux</a:t>
-            </a:r>
-          </a:p>
-        </p:txBody>
-      </p:sp>
-      <p:sp>
-        <p:nvSpPr>
-          <p:cNvPr id="629763" name="Rectangle 3"/>
-          <p:cNvSpPr>
-            <a:spLocks noGrp="1" noChangeArrowheads="1"/>
-          </p:cNvSpPr>
-          <p:nvPr>
-            <p:ph type="body" sz="half" idx="2"/>
-            <p:custDataLst>
-              <p:tags r:id="rId3"/>
-            </p:custDataLst>
-          </p:nvPr>
-        </p:nvSpPr>
-        <p:spPr>
-          <a:xfrm>
-            <a:off x="4800600" y="2098675"/>
-            <a:ext cx="4129087" cy="4149725"/>
-          </a:xfrm>
-        </p:spPr>
-        <p:txBody>
-          <a:bodyPr>
-            <a:normAutofit/>
-          </a:bodyPr>
-          <a:lstStyle/>
-          <a:p>
-            <a:r>
-              <a:rPr lang="fr-FR"/>
-              <a:t>Travaille depuis la maison</a:t>
-            </a:r>
-          </a:p>
-          <a:p>
-            <a:r>
-              <a:rPr lang="fr-FR"/>
-              <a:t>Travail hors site</a:t>
-            </a:r>
-          </a:p>
-          <a:p>
-            <a:r>
-              <a:rPr lang="fr-FR"/>
-              <a:t>Exigences technologiques</a:t>
-            </a:r>
-          </a:p>
-        </p:txBody>
-      </p:sp>
-      <p:pic>
-        <p:nvPicPr>
-          <p:cNvPr id="4" name="Content Placeholder 3"/>
-          <p:cNvPicPr>
-            <a:picLocks noGrp="1" noChangeAspect="1"/>
-          </p:cNvPicPr>
-          <p:nvPr>
-            <p:ph sz="half" idx="1"/>
-          </p:nvPr>
-        </p:nvPicPr>
-        <p:blipFill rotWithShape="1">
-          <a:blip r:embed="rId6" cstate="email">
-            <a:extLst>
-              <a:ext uri="{28A0092B-C50C-407E-A947-70E740481C1C}">
-                <a14:useLocalDpi xmlns:a14="http://schemas.microsoft.com/office/drawing/2010/main"/>
-              </a:ext>
-            </a:extLst>
-          </a:blip>
-          <a:srcRect b="-455"/>
-          <a:stretch/>
-        </p:blipFill>
-        <p:spPr>
-          <a:xfrm>
-            <a:off x="914399" y="1447800"/>
-            <a:ext cx="3657601" cy="4953000"/>
-          </a:xfrm>
-          <a:prstGeom prst="rect">
-            <a:avLst/>
-          </a:prstGeom>
-          <a:ln>
-            <a:noFill/>
-          </a:ln>
-          <a:effectLst>
-            <a:softEdge rad="112500"/>
-          </a:effectLst>
-        </p:spPr>
-      </p:pic>
-    </p:spTree>
-    <p:custDataLst>
-      <p:tags r:id="rId1"/>
-    </p:custDataLst>
-  </p:cSld>
-  <p:clrMapOvr>
-    <a:masterClrMapping/>
-  </p:clrMapOvr>
-  <p:transition>
-    <p:fade/>
   </p:transition>
   <p:timing>
     <p:tnLst>
@@ -18766,1242 +14581,6 @@
   </p:clrMapOvr>
   <p:transition spd="slow">
     <p:wipe dir="d"/>
-  </p:transition>
-  <p:timing>
-    <p:tnLst>
-      <p:par>
-        <p:cTn id="1" dur="indefinite" restart="never" nodeType="tmRoot"/>
-      </p:par>
-    </p:tnLst>
-  </p:timing>
-</p:sld>
-</file>
-
-<file path=ppt/slides/slide30.xml><?xml version="1.0" encoding="utf-8"?>
-<p:sld xmlns:a="http://schemas.openxmlformats.org/drawingml/2006/main" xmlns:r="http://schemas.openxmlformats.org/officeDocument/2006/relationships" xmlns:p="http://schemas.openxmlformats.org/presentationml/2006/main">
-  <p:cSld>
-    <p:spTree>
-      <p:nvGrpSpPr>
-        <p:cNvPr id="1" name=""/>
-        <p:cNvGrpSpPr/>
-        <p:nvPr/>
-      </p:nvGrpSpPr>
-      <p:grpSpPr>
-        <a:xfrm>
-          <a:off x="0" y="0"/>
-          <a:ext cx="0" cy="0"/>
-          <a:chOff x="0" y="0"/>
-          <a:chExt cx="0" cy="0"/>
-        </a:xfrm>
-      </p:grpSpPr>
-      <p:sp>
-        <p:nvSpPr>
-          <p:cNvPr id="2" name="Title 1"/>
-          <p:cNvSpPr>
-            <a:spLocks noGrp="1"/>
-          </p:cNvSpPr>
-          <p:nvPr>
-            <p:ph type="title"/>
-            <p:custDataLst>
-              <p:tags r:id="rId2"/>
-            </p:custDataLst>
-          </p:nvPr>
-        </p:nvSpPr>
-        <p:spPr>
-          <a:xfrm>
-            <a:off x="838200" y="304800"/>
-            <a:ext cx="4267200" cy="1143000"/>
-          </a:xfrm>
-        </p:spPr>
-        <p:txBody>
-          <a:bodyPr/>
-          <a:lstStyle/>
-          <a:p>
-            <a:r>
-              <a:rPr lang="fr-FR"/>
-              <a:t>Discussion</a:t>
-            </a:r>
-          </a:p>
-        </p:txBody>
-      </p:sp>
-      <p:sp>
-        <p:nvSpPr>
-          <p:cNvPr id="3" name="Content Placeholder 2"/>
-          <p:cNvSpPr>
-            <a:spLocks noGrp="1"/>
-          </p:cNvSpPr>
-          <p:nvPr>
-            <p:ph idx="1"/>
-            <p:custDataLst>
-              <p:tags r:id="rId3"/>
-            </p:custDataLst>
-          </p:nvPr>
-        </p:nvSpPr>
-        <p:spPr>
-          <a:xfrm>
-            <a:off x="838200" y="1524000"/>
-            <a:ext cx="4191000" cy="4297363"/>
-          </a:xfrm>
-        </p:spPr>
-        <p:txBody>
-          <a:bodyPr/>
-          <a:lstStyle/>
-          <a:p>
-            <a:r>
-              <a:rPr lang="fr-FR"/>
-              <a:t>Leçons à tirer de l’histoire de Jeremy</a:t>
-            </a:r>
-          </a:p>
-          <a:p>
-            <a:r>
-              <a:rPr lang="fr-FR"/>
-              <a:t>Meilleures pratiques</a:t>
-            </a:r>
-          </a:p>
-          <a:p>
-            <a:r>
-              <a:rPr lang="fr-FR"/>
-              <a:t>Points clés </a:t>
-            </a:r>
-          </a:p>
-        </p:txBody>
-      </p:sp>
-      <p:pic>
-        <p:nvPicPr>
-          <p:cNvPr id="4" name="Picture 3"/>
-          <p:cNvPicPr>
-            <a:picLocks noChangeAspect="1"/>
-          </p:cNvPicPr>
-          <p:nvPr/>
-        </p:nvPicPr>
-        <p:blipFill rotWithShape="1">
-          <a:blip r:embed="rId6" cstate="email">
-            <a:extLst>
-              <a:ext uri="{28A0092B-C50C-407E-A947-70E740481C1C}">
-                <a14:useLocalDpi xmlns:a14="http://schemas.microsoft.com/office/drawing/2010/main"/>
-              </a:ext>
-            </a:extLst>
-          </a:blip>
-          <a:srcRect/>
-          <a:stretch/>
-        </p:blipFill>
-        <p:spPr>
-          <a:xfrm>
-            <a:off x="5316144" y="0"/>
-            <a:ext cx="3827856" cy="6858000"/>
-          </a:xfrm>
-          <a:prstGeom prst="rect">
-            <a:avLst/>
-          </a:prstGeom>
-        </p:spPr>
-      </p:pic>
-    </p:spTree>
-    <p:custDataLst>
-      <p:tags r:id="rId1"/>
-    </p:custDataLst>
-  </p:cSld>
-  <p:clrMapOvr>
-    <a:masterClrMapping/>
-  </p:clrMapOvr>
-  <p:transition spd="slow">
-    <p:wipe dir="d"/>
-  </p:transition>
-  <p:timing>
-    <p:tnLst>
-      <p:par>
-        <p:cTn id="1" dur="indefinite" restart="never" nodeType="tmRoot"/>
-      </p:par>
-    </p:tnLst>
-  </p:timing>
-</p:sld>
-</file>
-
-<file path=ppt/slides/slide31.xml><?xml version="1.0" encoding="utf-8"?>
-<p:sld xmlns:a="http://schemas.openxmlformats.org/drawingml/2006/main" xmlns:r="http://schemas.openxmlformats.org/officeDocument/2006/relationships" xmlns:p="http://schemas.openxmlformats.org/presentationml/2006/main">
-  <p:cSld>
-    <p:spTree>
-      <p:nvGrpSpPr>
-        <p:cNvPr id="1" name=""/>
-        <p:cNvGrpSpPr/>
-        <p:nvPr/>
-      </p:nvGrpSpPr>
-      <p:grpSpPr>
-        <a:xfrm>
-          <a:off x="0" y="0"/>
-          <a:ext cx="0" cy="0"/>
-          <a:chOff x="0" y="0"/>
-          <a:chExt cx="0" cy="0"/>
-        </a:xfrm>
-      </p:grpSpPr>
-      <p:sp>
-        <p:nvSpPr>
-          <p:cNvPr id="2" name="Title 1"/>
-          <p:cNvSpPr>
-            <a:spLocks noGrp="1"/>
-          </p:cNvSpPr>
-          <p:nvPr>
-            <p:ph type="title"/>
-            <p:custDataLst>
-              <p:tags r:id="rId2"/>
-            </p:custDataLst>
-          </p:nvPr>
-        </p:nvSpPr>
-        <p:spPr/>
-        <p:txBody>
-          <a:bodyPr/>
-          <a:lstStyle/>
-          <a:p>
-            <a:r>
-              <a:rPr lang="fr-FR"/>
-              <a:t>Résumé</a:t>
-            </a:r>
-          </a:p>
-        </p:txBody>
-      </p:sp>
-      <p:sp>
-        <p:nvSpPr>
-          <p:cNvPr id="3" name="Content Placeholder 2"/>
-          <p:cNvSpPr>
-            <a:spLocks noGrp="1"/>
-          </p:cNvSpPr>
-          <p:nvPr>
-            <p:ph idx="1"/>
-            <p:custDataLst>
-              <p:tags r:id="rId3"/>
-            </p:custDataLst>
-          </p:nvPr>
-        </p:nvSpPr>
-        <p:spPr/>
-        <p:txBody>
-          <a:bodyPr>
-            <a:normAutofit/>
-          </a:bodyPr>
-          <a:lstStyle/>
-          <a:p>
-            <a:r>
-              <a:rPr lang="fr-FR"/>
-              <a:t>Définir les défis</a:t>
-            </a:r>
-          </a:p>
-          <a:p>
-            <a:pPr lvl="1"/>
-            <a:r>
-              <a:rPr lang="fr-FR"/>
-              <a:t>Technologiques et personnels</a:t>
-            </a:r>
-          </a:p>
-          <a:p>
-            <a:r>
-              <a:rPr lang="fr-FR"/>
-              <a:t>Définir des attentes réalistes</a:t>
-            </a:r>
-          </a:p>
-          <a:p>
-            <a:pPr lvl="1"/>
-            <a:r>
-              <a:rPr lang="fr-FR"/>
-              <a:t>L’expertise ne s’obtient pas du jour au lendemain</a:t>
-            </a:r>
-          </a:p>
-          <a:p>
-            <a:r>
-              <a:rPr lang="fr-FR"/>
-              <a:t>Garder un œil sur l’objectif</a:t>
-            </a:r>
-          </a:p>
-          <a:p>
-            <a:pPr lvl="1"/>
-            <a:r>
-              <a:rPr lang="fr-FR"/>
-              <a:t>Programmes de mentorat</a:t>
-            </a:r>
-          </a:p>
-        </p:txBody>
-      </p:sp>
-    </p:spTree>
-    <p:custDataLst>
-      <p:tags r:id="rId1"/>
-    </p:custDataLst>
-  </p:cSld>
-  <p:clrMapOvr>
-    <a:masterClrMapping/>
-  </p:clrMapOvr>
-  <p:transition spd="slow">
-    <p:wipe dir="d"/>
-  </p:transition>
-  <p:timing>
-    <p:tnLst>
-      <p:par>
-        <p:cTn id="1" dur="indefinite" restart="never" nodeType="tmRoot">
-          <p:childTnLst>
-            <p:seq concurrent="1" nextAc="seek">
-              <p:cTn id="2" dur="indefinite" nodeType="mainSeq">
-                <p:childTnLst>
-                  <p:par>
-                    <p:cTn id="3" fill="hold">
-                      <p:stCondLst>
-                        <p:cond delay="indefinite"/>
-                        <p:cond evt="onBegin" delay="0">
-                          <p:tn val="2"/>
-                        </p:cond>
-                      </p:stCondLst>
-                      <p:childTnLst>
-                        <p:par>
-                          <p:cTn id="4" fill="hold">
-                            <p:stCondLst>
-                              <p:cond delay="0"/>
-                            </p:stCondLst>
-                            <p:childTnLst>
-                              <p:par>
-                                <p:cTn id="5" presetID="42" presetClass="entr" presetSubtype="0" fill="hold" grpId="0" nodeType="afterEffect">
-                                  <p:stCondLst>
-                                    <p:cond delay="0"/>
-                                  </p:stCondLst>
-                                  <p:childTnLst>
-                                    <p:set>
-                                      <p:cBhvr>
-                                        <p:cTn id="6" dur="1" fill="hold">
-                                          <p:stCondLst>
-                                            <p:cond delay="0"/>
-                                          </p:stCondLst>
-                                        </p:cTn>
-                                        <p:tgtEl>
-                                          <p:spTgt spid="3">
-                                            <p:txEl>
-                                              <p:pRg st="0" end="0"/>
-                                            </p:txEl>
-                                          </p:spTgt>
-                                        </p:tgtEl>
-                                        <p:attrNameLst>
-                                          <p:attrName>style.visibility</p:attrName>
-                                        </p:attrNameLst>
-                                      </p:cBhvr>
-                                      <p:to>
-                                        <p:strVal val="visible"/>
-                                      </p:to>
-                                    </p:set>
-                                    <p:animEffect transition="in" filter="fade">
-                                      <p:cBhvr>
-                                        <p:cTn id="7" dur="1000"/>
-                                        <p:tgtEl>
-                                          <p:spTgt spid="3">
-                                            <p:txEl>
-                                              <p:pRg st="0" end="0"/>
-                                            </p:txEl>
-                                          </p:spTgt>
-                                        </p:tgtEl>
-                                      </p:cBhvr>
-                                    </p:animEffect>
-                                    <p:anim calcmode="lin" valueType="num">
-                                      <p:cBhvr>
-                                        <p:cTn id="8" dur="1000" fill="hold"/>
-                                        <p:tgtEl>
-                                          <p:spTgt spid="3">
-                                            <p:txEl>
-                                              <p:pRg st="0" end="0"/>
-                                            </p:txEl>
-                                          </p:spTgt>
-                                        </p:tgtEl>
-                                        <p:attrNameLst>
-                                          <p:attrName>ppt_x</p:attrName>
-                                        </p:attrNameLst>
-                                      </p:cBhvr>
-                                      <p:tavLst>
-                                        <p:tav tm="0">
-                                          <p:val>
-                                            <p:strVal val="#ppt_x"/>
-                                          </p:val>
-                                        </p:tav>
-                                        <p:tav tm="100000">
-                                          <p:val>
-                                            <p:strVal val="#ppt_x"/>
-                                          </p:val>
-                                        </p:tav>
-                                      </p:tavLst>
-                                    </p:anim>
-                                    <p:anim calcmode="lin" valueType="num">
-                                      <p:cBhvr>
-                                        <p:cTn id="9" dur="1000" fill="hold"/>
-                                        <p:tgtEl>
-                                          <p:spTgt spid="3">
-                                            <p:txEl>
-                                              <p:pRg st="0" end="0"/>
-                                            </p:txEl>
-                                          </p:spTgt>
-                                        </p:tgtEl>
-                                        <p:attrNameLst>
-                                          <p:attrName>ppt_y</p:attrName>
-                                        </p:attrNameLst>
-                                      </p:cBhvr>
-                                      <p:tavLst>
-                                        <p:tav tm="0">
-                                          <p:val>
-                                            <p:strVal val="#ppt_y+.1"/>
-                                          </p:val>
-                                        </p:tav>
-                                        <p:tav tm="100000">
-                                          <p:val>
-                                            <p:strVal val="#ppt_y"/>
-                                          </p:val>
-                                        </p:tav>
-                                      </p:tavLst>
-                                    </p:anim>
-                                  </p:childTnLst>
-                                </p:cTn>
-                              </p:par>
-                            </p:childTnLst>
-                          </p:cTn>
-                        </p:par>
-                        <p:par>
-                          <p:cTn id="10" fill="hold">
-                            <p:stCondLst>
-                              <p:cond delay="1000"/>
-                            </p:stCondLst>
-                            <p:childTnLst>
-                              <p:par>
-                                <p:cTn id="11" presetID="42" presetClass="entr" presetSubtype="0" fill="hold" grpId="0" nodeType="afterEffect">
-                                  <p:stCondLst>
-                                    <p:cond delay="0"/>
-                                  </p:stCondLst>
-                                  <p:childTnLst>
-                                    <p:set>
-                                      <p:cBhvr>
-                                        <p:cTn id="12" dur="1" fill="hold">
-                                          <p:stCondLst>
-                                            <p:cond delay="0"/>
-                                          </p:stCondLst>
-                                        </p:cTn>
-                                        <p:tgtEl>
-                                          <p:spTgt spid="3">
-                                            <p:txEl>
-                                              <p:pRg st="1" end="1"/>
-                                            </p:txEl>
-                                          </p:spTgt>
-                                        </p:tgtEl>
-                                        <p:attrNameLst>
-                                          <p:attrName>style.visibility</p:attrName>
-                                        </p:attrNameLst>
-                                      </p:cBhvr>
-                                      <p:to>
-                                        <p:strVal val="visible"/>
-                                      </p:to>
-                                    </p:set>
-                                    <p:animEffect transition="in" filter="fade">
-                                      <p:cBhvr>
-                                        <p:cTn id="13" dur="1000"/>
-                                        <p:tgtEl>
-                                          <p:spTgt spid="3">
-                                            <p:txEl>
-                                              <p:pRg st="1" end="1"/>
-                                            </p:txEl>
-                                          </p:spTgt>
-                                        </p:tgtEl>
-                                      </p:cBhvr>
-                                    </p:animEffect>
-                                    <p:anim calcmode="lin" valueType="num">
-                                      <p:cBhvr>
-                                        <p:cTn id="14" dur="1000" fill="hold"/>
-                                        <p:tgtEl>
-                                          <p:spTgt spid="3">
-                                            <p:txEl>
-                                              <p:pRg st="1" end="1"/>
-                                            </p:txEl>
-                                          </p:spTgt>
-                                        </p:tgtEl>
-                                        <p:attrNameLst>
-                                          <p:attrName>ppt_x</p:attrName>
-                                        </p:attrNameLst>
-                                      </p:cBhvr>
-                                      <p:tavLst>
-                                        <p:tav tm="0">
-                                          <p:val>
-                                            <p:strVal val="#ppt_x"/>
-                                          </p:val>
-                                        </p:tav>
-                                        <p:tav tm="100000">
-                                          <p:val>
-                                            <p:strVal val="#ppt_x"/>
-                                          </p:val>
-                                        </p:tav>
-                                      </p:tavLst>
-                                    </p:anim>
-                                    <p:anim calcmode="lin" valueType="num">
-                                      <p:cBhvr>
-                                        <p:cTn id="15" dur="1000" fill="hold"/>
-                                        <p:tgtEl>
-                                          <p:spTgt spid="3">
-                                            <p:txEl>
-                                              <p:pRg st="1" end="1"/>
-                                            </p:txEl>
-                                          </p:spTgt>
-                                        </p:tgtEl>
-                                        <p:attrNameLst>
-                                          <p:attrName>ppt_y</p:attrName>
-                                        </p:attrNameLst>
-                                      </p:cBhvr>
-                                      <p:tavLst>
-                                        <p:tav tm="0">
-                                          <p:val>
-                                            <p:strVal val="#ppt_y+.1"/>
-                                          </p:val>
-                                        </p:tav>
-                                        <p:tav tm="100000">
-                                          <p:val>
-                                            <p:strVal val="#ppt_y"/>
-                                          </p:val>
-                                        </p:tav>
-                                      </p:tavLst>
-                                    </p:anim>
-                                  </p:childTnLst>
-                                </p:cTn>
-                              </p:par>
-                            </p:childTnLst>
-                          </p:cTn>
-                        </p:par>
-                        <p:par>
-                          <p:cTn id="16" fill="hold">
-                            <p:stCondLst>
-                              <p:cond delay="2000"/>
-                            </p:stCondLst>
-                            <p:childTnLst>
-                              <p:par>
-                                <p:cTn id="17" presetID="42" presetClass="entr" presetSubtype="0" fill="hold" grpId="0" nodeType="afterEffect">
-                                  <p:stCondLst>
-                                    <p:cond delay="0"/>
-                                  </p:stCondLst>
-                                  <p:childTnLst>
-                                    <p:set>
-                                      <p:cBhvr>
-                                        <p:cTn id="18" dur="1" fill="hold">
-                                          <p:stCondLst>
-                                            <p:cond delay="0"/>
-                                          </p:stCondLst>
-                                        </p:cTn>
-                                        <p:tgtEl>
-                                          <p:spTgt spid="3">
-                                            <p:txEl>
-                                              <p:pRg st="2" end="2"/>
-                                            </p:txEl>
-                                          </p:spTgt>
-                                        </p:tgtEl>
-                                        <p:attrNameLst>
-                                          <p:attrName>style.visibility</p:attrName>
-                                        </p:attrNameLst>
-                                      </p:cBhvr>
-                                      <p:to>
-                                        <p:strVal val="visible"/>
-                                      </p:to>
-                                    </p:set>
-                                    <p:animEffect transition="in" filter="fade">
-                                      <p:cBhvr>
-                                        <p:cTn id="19" dur="1000"/>
-                                        <p:tgtEl>
-                                          <p:spTgt spid="3">
-                                            <p:txEl>
-                                              <p:pRg st="2" end="2"/>
-                                            </p:txEl>
-                                          </p:spTgt>
-                                        </p:tgtEl>
-                                      </p:cBhvr>
-                                    </p:animEffect>
-                                    <p:anim calcmode="lin" valueType="num">
-                                      <p:cBhvr>
-                                        <p:cTn id="20" dur="1000" fill="hold"/>
-                                        <p:tgtEl>
-                                          <p:spTgt spid="3">
-                                            <p:txEl>
-                                              <p:pRg st="2" end="2"/>
-                                            </p:txEl>
-                                          </p:spTgt>
-                                        </p:tgtEl>
-                                        <p:attrNameLst>
-                                          <p:attrName>ppt_x</p:attrName>
-                                        </p:attrNameLst>
-                                      </p:cBhvr>
-                                      <p:tavLst>
-                                        <p:tav tm="0">
-                                          <p:val>
-                                            <p:strVal val="#ppt_x"/>
-                                          </p:val>
-                                        </p:tav>
-                                        <p:tav tm="100000">
-                                          <p:val>
-                                            <p:strVal val="#ppt_x"/>
-                                          </p:val>
-                                        </p:tav>
-                                      </p:tavLst>
-                                    </p:anim>
-                                    <p:anim calcmode="lin" valueType="num">
-                                      <p:cBhvr>
-                                        <p:cTn id="21" dur="1000" fill="hold"/>
-                                        <p:tgtEl>
-                                          <p:spTgt spid="3">
-                                            <p:txEl>
-                                              <p:pRg st="2" end="2"/>
-                                            </p:txEl>
-                                          </p:spTgt>
-                                        </p:tgtEl>
-                                        <p:attrNameLst>
-                                          <p:attrName>ppt_y</p:attrName>
-                                        </p:attrNameLst>
-                                      </p:cBhvr>
-                                      <p:tavLst>
-                                        <p:tav tm="0">
-                                          <p:val>
-                                            <p:strVal val="#ppt_y+.1"/>
-                                          </p:val>
-                                        </p:tav>
-                                        <p:tav tm="100000">
-                                          <p:val>
-                                            <p:strVal val="#ppt_y"/>
-                                          </p:val>
-                                        </p:tav>
-                                      </p:tavLst>
-                                    </p:anim>
-                                  </p:childTnLst>
-                                </p:cTn>
-                              </p:par>
-                            </p:childTnLst>
-                          </p:cTn>
-                        </p:par>
-                        <p:par>
-                          <p:cTn id="22" fill="hold">
-                            <p:stCondLst>
-                              <p:cond delay="3000"/>
-                            </p:stCondLst>
-                            <p:childTnLst>
-                              <p:par>
-                                <p:cTn id="23" presetID="42" presetClass="entr" presetSubtype="0" fill="hold" grpId="0" nodeType="afterEffect">
-                                  <p:stCondLst>
-                                    <p:cond delay="0"/>
-                                  </p:stCondLst>
-                                  <p:childTnLst>
-                                    <p:set>
-                                      <p:cBhvr>
-                                        <p:cTn id="24" dur="1" fill="hold">
-                                          <p:stCondLst>
-                                            <p:cond delay="0"/>
-                                          </p:stCondLst>
-                                        </p:cTn>
-                                        <p:tgtEl>
-                                          <p:spTgt spid="3">
-                                            <p:txEl>
-                                              <p:pRg st="3" end="3"/>
-                                            </p:txEl>
-                                          </p:spTgt>
-                                        </p:tgtEl>
-                                        <p:attrNameLst>
-                                          <p:attrName>style.visibility</p:attrName>
-                                        </p:attrNameLst>
-                                      </p:cBhvr>
-                                      <p:to>
-                                        <p:strVal val="visible"/>
-                                      </p:to>
-                                    </p:set>
-                                    <p:animEffect transition="in" filter="fade">
-                                      <p:cBhvr>
-                                        <p:cTn id="25" dur="1000"/>
-                                        <p:tgtEl>
-                                          <p:spTgt spid="3">
-                                            <p:txEl>
-                                              <p:pRg st="3" end="3"/>
-                                            </p:txEl>
-                                          </p:spTgt>
-                                        </p:tgtEl>
-                                      </p:cBhvr>
-                                    </p:animEffect>
-                                    <p:anim calcmode="lin" valueType="num">
-                                      <p:cBhvr>
-                                        <p:cTn id="26" dur="1000" fill="hold"/>
-                                        <p:tgtEl>
-                                          <p:spTgt spid="3">
-                                            <p:txEl>
-                                              <p:pRg st="3" end="3"/>
-                                            </p:txEl>
-                                          </p:spTgt>
-                                        </p:tgtEl>
-                                        <p:attrNameLst>
-                                          <p:attrName>ppt_x</p:attrName>
-                                        </p:attrNameLst>
-                                      </p:cBhvr>
-                                      <p:tavLst>
-                                        <p:tav tm="0">
-                                          <p:val>
-                                            <p:strVal val="#ppt_x"/>
-                                          </p:val>
-                                        </p:tav>
-                                        <p:tav tm="100000">
-                                          <p:val>
-                                            <p:strVal val="#ppt_x"/>
-                                          </p:val>
-                                        </p:tav>
-                                      </p:tavLst>
-                                    </p:anim>
-                                    <p:anim calcmode="lin" valueType="num">
-                                      <p:cBhvr>
-                                        <p:cTn id="27" dur="1000" fill="hold"/>
-                                        <p:tgtEl>
-                                          <p:spTgt spid="3">
-                                            <p:txEl>
-                                              <p:pRg st="3" end="3"/>
-                                            </p:txEl>
-                                          </p:spTgt>
-                                        </p:tgtEl>
-                                        <p:attrNameLst>
-                                          <p:attrName>ppt_y</p:attrName>
-                                        </p:attrNameLst>
-                                      </p:cBhvr>
-                                      <p:tavLst>
-                                        <p:tav tm="0">
-                                          <p:val>
-                                            <p:strVal val="#ppt_y+.1"/>
-                                          </p:val>
-                                        </p:tav>
-                                        <p:tav tm="100000">
-                                          <p:val>
-                                            <p:strVal val="#ppt_y"/>
-                                          </p:val>
-                                        </p:tav>
-                                      </p:tavLst>
-                                    </p:anim>
-                                  </p:childTnLst>
-                                </p:cTn>
-                              </p:par>
-                            </p:childTnLst>
-                          </p:cTn>
-                        </p:par>
-                        <p:par>
-                          <p:cTn id="28" fill="hold">
-                            <p:stCondLst>
-                              <p:cond delay="4000"/>
-                            </p:stCondLst>
-                            <p:childTnLst>
-                              <p:par>
-                                <p:cTn id="29" presetID="42" presetClass="entr" presetSubtype="0" fill="hold" grpId="0" nodeType="afterEffect">
-                                  <p:stCondLst>
-                                    <p:cond delay="0"/>
-                                  </p:stCondLst>
-                                  <p:childTnLst>
-                                    <p:set>
-                                      <p:cBhvr>
-                                        <p:cTn id="30" dur="1" fill="hold">
-                                          <p:stCondLst>
-                                            <p:cond delay="0"/>
-                                          </p:stCondLst>
-                                        </p:cTn>
-                                        <p:tgtEl>
-                                          <p:spTgt spid="3">
-                                            <p:txEl>
-                                              <p:pRg st="4" end="4"/>
-                                            </p:txEl>
-                                          </p:spTgt>
-                                        </p:tgtEl>
-                                        <p:attrNameLst>
-                                          <p:attrName>style.visibility</p:attrName>
-                                        </p:attrNameLst>
-                                      </p:cBhvr>
-                                      <p:to>
-                                        <p:strVal val="visible"/>
-                                      </p:to>
-                                    </p:set>
-                                    <p:animEffect transition="in" filter="fade">
-                                      <p:cBhvr>
-                                        <p:cTn id="31" dur="1000"/>
-                                        <p:tgtEl>
-                                          <p:spTgt spid="3">
-                                            <p:txEl>
-                                              <p:pRg st="4" end="4"/>
-                                            </p:txEl>
-                                          </p:spTgt>
-                                        </p:tgtEl>
-                                      </p:cBhvr>
-                                    </p:animEffect>
-                                    <p:anim calcmode="lin" valueType="num">
-                                      <p:cBhvr>
-                                        <p:cTn id="32" dur="1000" fill="hold"/>
-                                        <p:tgtEl>
-                                          <p:spTgt spid="3">
-                                            <p:txEl>
-                                              <p:pRg st="4" end="4"/>
-                                            </p:txEl>
-                                          </p:spTgt>
-                                        </p:tgtEl>
-                                        <p:attrNameLst>
-                                          <p:attrName>ppt_x</p:attrName>
-                                        </p:attrNameLst>
-                                      </p:cBhvr>
-                                      <p:tavLst>
-                                        <p:tav tm="0">
-                                          <p:val>
-                                            <p:strVal val="#ppt_x"/>
-                                          </p:val>
-                                        </p:tav>
-                                        <p:tav tm="100000">
-                                          <p:val>
-                                            <p:strVal val="#ppt_x"/>
-                                          </p:val>
-                                        </p:tav>
-                                      </p:tavLst>
-                                    </p:anim>
-                                    <p:anim calcmode="lin" valueType="num">
-                                      <p:cBhvr>
-                                        <p:cTn id="33" dur="1000" fill="hold"/>
-                                        <p:tgtEl>
-                                          <p:spTgt spid="3">
-                                            <p:txEl>
-                                              <p:pRg st="4" end="4"/>
-                                            </p:txEl>
-                                          </p:spTgt>
-                                        </p:tgtEl>
-                                        <p:attrNameLst>
-                                          <p:attrName>ppt_y</p:attrName>
-                                        </p:attrNameLst>
-                                      </p:cBhvr>
-                                      <p:tavLst>
-                                        <p:tav tm="0">
-                                          <p:val>
-                                            <p:strVal val="#ppt_y+.1"/>
-                                          </p:val>
-                                        </p:tav>
-                                        <p:tav tm="100000">
-                                          <p:val>
-                                            <p:strVal val="#ppt_y"/>
-                                          </p:val>
-                                        </p:tav>
-                                      </p:tavLst>
-                                    </p:anim>
-                                  </p:childTnLst>
-                                </p:cTn>
-                              </p:par>
-                            </p:childTnLst>
-                          </p:cTn>
-                        </p:par>
-                        <p:par>
-                          <p:cTn id="34" fill="hold">
-                            <p:stCondLst>
-                              <p:cond delay="5000"/>
-                            </p:stCondLst>
-                            <p:childTnLst>
-                              <p:par>
-                                <p:cTn id="35" presetID="42" presetClass="entr" presetSubtype="0" fill="hold" grpId="0" nodeType="afterEffect">
-                                  <p:stCondLst>
-                                    <p:cond delay="0"/>
-                                  </p:stCondLst>
-                                  <p:childTnLst>
-                                    <p:set>
-                                      <p:cBhvr>
-                                        <p:cTn id="36" dur="1" fill="hold">
-                                          <p:stCondLst>
-                                            <p:cond delay="0"/>
-                                          </p:stCondLst>
-                                        </p:cTn>
-                                        <p:tgtEl>
-                                          <p:spTgt spid="3">
-                                            <p:txEl>
-                                              <p:pRg st="5" end="5"/>
-                                            </p:txEl>
-                                          </p:spTgt>
-                                        </p:tgtEl>
-                                        <p:attrNameLst>
-                                          <p:attrName>style.visibility</p:attrName>
-                                        </p:attrNameLst>
-                                      </p:cBhvr>
-                                      <p:to>
-                                        <p:strVal val="visible"/>
-                                      </p:to>
-                                    </p:set>
-                                    <p:animEffect transition="in" filter="fade">
-                                      <p:cBhvr>
-                                        <p:cTn id="37" dur="1000"/>
-                                        <p:tgtEl>
-                                          <p:spTgt spid="3">
-                                            <p:txEl>
-                                              <p:pRg st="5" end="5"/>
-                                            </p:txEl>
-                                          </p:spTgt>
-                                        </p:tgtEl>
-                                      </p:cBhvr>
-                                    </p:animEffect>
-                                    <p:anim calcmode="lin" valueType="num">
-                                      <p:cBhvr>
-                                        <p:cTn id="38" dur="1000" fill="hold"/>
-                                        <p:tgtEl>
-                                          <p:spTgt spid="3">
-                                            <p:txEl>
-                                              <p:pRg st="5" end="5"/>
-                                            </p:txEl>
-                                          </p:spTgt>
-                                        </p:tgtEl>
-                                        <p:attrNameLst>
-                                          <p:attrName>ppt_x</p:attrName>
-                                        </p:attrNameLst>
-                                      </p:cBhvr>
-                                      <p:tavLst>
-                                        <p:tav tm="0">
-                                          <p:val>
-                                            <p:strVal val="#ppt_x"/>
-                                          </p:val>
-                                        </p:tav>
-                                        <p:tav tm="100000">
-                                          <p:val>
-                                            <p:strVal val="#ppt_x"/>
-                                          </p:val>
-                                        </p:tav>
-                                      </p:tavLst>
-                                    </p:anim>
-                                    <p:anim calcmode="lin" valueType="num">
-                                      <p:cBhvr>
-                                        <p:cTn id="39" dur="1000" fill="hold"/>
-                                        <p:tgtEl>
-                                          <p:spTgt spid="3">
-                                            <p:txEl>
-                                              <p:pRg st="5" end="5"/>
-                                            </p:txEl>
-                                          </p:spTgt>
-                                        </p:tgtEl>
-                                        <p:attrNameLst>
-                                          <p:attrName>ppt_y</p:attrName>
-                                        </p:attrNameLst>
-                                      </p:cBhvr>
-                                      <p:tavLst>
-                                        <p:tav tm="0">
-                                          <p:val>
-                                            <p:strVal val="#ppt_y+.1"/>
-                                          </p:val>
-                                        </p:tav>
-                                        <p:tav tm="100000">
-                                          <p:val>
-                                            <p:strVal val="#ppt_y"/>
-                                          </p:val>
-                                        </p:tav>
-                                      </p:tavLst>
-                                    </p:anim>
-                                  </p:childTnLst>
-                                </p:cTn>
-                              </p:par>
-                            </p:childTnLst>
-                          </p:cTn>
-                        </p:par>
-                      </p:childTnLst>
-                    </p:cTn>
-                  </p:par>
-                </p:childTnLst>
-              </p:cTn>
-              <p:prevCondLst>
-                <p:cond evt="onPrev" delay="0">
-                  <p:tgtEl>
-                    <p:sldTgt/>
-                  </p:tgtEl>
-                </p:cond>
-              </p:prevCondLst>
-              <p:nextCondLst>
-                <p:cond evt="onNext" delay="0">
-                  <p:tgtEl>
-                    <p:sldTgt/>
-                  </p:tgtEl>
-                </p:cond>
-              </p:nextCondLst>
-            </p:seq>
-          </p:childTnLst>
-        </p:cTn>
-      </p:par>
-    </p:tnLst>
-    <p:bldLst>
-      <p:bldP spid="3" grpId="0" uiExpand="1" build="p"/>
-    </p:bldLst>
-  </p:timing>
-</p:sld>
-</file>
-
-<file path=ppt/slides/slide32.xml><?xml version="1.0" encoding="utf-8"?>
-<p:sld xmlns:a="http://schemas.openxmlformats.org/drawingml/2006/main" xmlns:r="http://schemas.openxmlformats.org/officeDocument/2006/relationships" xmlns:p="http://schemas.openxmlformats.org/presentationml/2006/main">
-  <p:cSld>
-    <p:spTree>
-      <p:nvGrpSpPr>
-        <p:cNvPr id="1" name=""/>
-        <p:cNvGrpSpPr/>
-        <p:nvPr/>
-      </p:nvGrpSpPr>
-      <p:grpSpPr>
-        <a:xfrm>
-          <a:off x="0" y="0"/>
-          <a:ext cx="0" cy="0"/>
-          <a:chOff x="0" y="0"/>
-          <a:chExt cx="0" cy="0"/>
-        </a:xfrm>
-      </p:grpSpPr>
-      <p:sp>
-        <p:nvSpPr>
-          <p:cNvPr id="618498" name="Rectangle 2"/>
-          <p:cNvSpPr>
-            <a:spLocks noGrp="1" noChangeArrowheads="1"/>
-          </p:cNvSpPr>
-          <p:nvPr>
-            <p:ph type="title"/>
-            <p:custDataLst>
-              <p:tags r:id="rId2"/>
-            </p:custDataLst>
-          </p:nvPr>
-        </p:nvSpPr>
-        <p:spPr/>
-        <p:txBody>
-          <a:bodyPr/>
-          <a:lstStyle/>
-          <a:p>
-            <a:pPr>
-              <a:defRPr lang="fr-FR"/>
-            </a:pPr>
-            <a:r>
-              <a:rPr lang="fr-FR"/>
-              <a:t>Ressources</a:t>
-            </a:r>
-          </a:p>
-        </p:txBody>
-      </p:sp>
-      <p:sp>
-        <p:nvSpPr>
-          <p:cNvPr id="618499" name="Rectangle 3"/>
-          <p:cNvSpPr>
-            <a:spLocks noGrp="1" noChangeArrowheads="1"/>
-          </p:cNvSpPr>
-          <p:nvPr>
-            <p:ph type="body" idx="1"/>
-            <p:custDataLst>
-              <p:tags r:id="rId3"/>
-            </p:custDataLst>
-          </p:nvPr>
-        </p:nvSpPr>
-        <p:spPr/>
-        <p:txBody>
-          <a:bodyPr>
-            <a:normAutofit fontScale="92500" lnSpcReduction="10000"/>
-          </a:bodyPr>
-          <a:lstStyle/>
-          <a:p>
-            <a:pPr>
-              <a:defRPr lang="fr-FR"/>
-            </a:pPr>
-            <a:r>
-              <a:rPr lang="fr-FR"/>
-              <a:t>&lt;Texte du site intranet ici&gt;</a:t>
-            </a:r>
-            <a:r>
-              <a:t/>
-            </a:r>
-            <a:br/>
-            <a:r>
-              <a:rPr lang="fr-FR" u="sng">
-                <a:solidFill>
-                  <a:schemeClr val="tx2"/>
-                </a:solidFill>
-              </a:rPr>
-              <a:t>&lt;lien hypertexte ici&gt;</a:t>
-            </a:r>
-            <a:endParaRPr lang="fr-FR" u="sng"/>
-          </a:p>
-          <a:p>
-            <a:pPr>
-              <a:defRPr lang="fr-FR"/>
-            </a:pPr>
-            <a:endParaRPr lang="fr-FR"/>
-          </a:p>
-          <a:p>
-            <a:pPr>
-              <a:defRPr lang="fr-FR"/>
-            </a:pPr>
-            <a:r>
-              <a:rPr lang="fr-FR"/>
-              <a:t>&lt;Texte de support de lecture supplémentaire ici&gt;</a:t>
-            </a:r>
-            <a:r>
-              <a:t/>
-            </a:r>
-            <a:br/>
-            <a:r>
-              <a:rPr lang="fr-FR" u="sng">
-                <a:solidFill>
-                  <a:schemeClr val="tx2"/>
-                </a:solidFill>
-              </a:rPr>
-              <a:t>&lt;lien hypertexte ici&gt;</a:t>
-            </a:r>
-            <a:endParaRPr lang="fr-FR"/>
-          </a:p>
-          <a:p>
-            <a:pPr>
-              <a:buFontTx/>
-              <a:buNone/>
-              <a:defRPr lang="fr-FR"/>
-            </a:pPr>
-            <a:endParaRPr lang="fr-FR"/>
-          </a:p>
-          <a:p>
-            <a:pPr>
-              <a:defRPr lang="fr-FR"/>
-            </a:pPr>
-            <a:r>
-              <a:rPr lang="fr-FR"/>
-              <a:t>Cet ensemble de diapositives et ressources connexes :</a:t>
-            </a:r>
-            <a:r>
-              <a:t/>
-            </a:r>
-            <a:br/>
-            <a:r>
-              <a:rPr lang="fr-FR" u="sng">
-                <a:solidFill>
-                  <a:schemeClr val="tx2"/>
-                </a:solidFill>
-              </a:rPr>
-              <a:t>&lt;lien hypertexte ici&gt;</a:t>
-            </a:r>
-          </a:p>
-        </p:txBody>
-      </p:sp>
-    </p:spTree>
-    <p:custDataLst>
-      <p:tags r:id="rId1"/>
-    </p:custDataLst>
-  </p:cSld>
-  <p:clrMapOvr>
-    <a:masterClrMapping/>
-  </p:clrMapOvr>
-  <p:transition>
-    <p:fade/>
-  </p:transition>
-  <p:timing>
-    <p:tnLst>
-      <p:par>
-        <p:cTn id="1" dur="indefinite" restart="never" nodeType="tmRoot"/>
-      </p:par>
-    </p:tnLst>
-  </p:timing>
-</p:sld>
-</file>
-
-<file path=ppt/slides/slide33.xml><?xml version="1.0" encoding="utf-8"?>
-<p:sld xmlns:a="http://schemas.openxmlformats.org/drawingml/2006/main" xmlns:r="http://schemas.openxmlformats.org/officeDocument/2006/relationships" xmlns:p="http://schemas.openxmlformats.org/presentationml/2006/main">
-  <p:cSld>
-    <p:spTree>
-      <p:nvGrpSpPr>
-        <p:cNvPr id="1" name=""/>
-        <p:cNvGrpSpPr/>
-        <p:nvPr/>
-      </p:nvGrpSpPr>
-      <p:grpSpPr>
-        <a:xfrm>
-          <a:off x="0" y="0"/>
-          <a:ext cx="0" cy="0"/>
-          <a:chOff x="0" y="0"/>
-          <a:chExt cx="0" cy="0"/>
-        </a:xfrm>
-      </p:grpSpPr>
-      <p:sp>
-        <p:nvSpPr>
-          <p:cNvPr id="620546" name="Rectangle 2"/>
-          <p:cNvSpPr>
-            <a:spLocks noGrp="1" noChangeArrowheads="1"/>
-          </p:cNvSpPr>
-          <p:nvPr>
-            <p:ph type="title"/>
-            <p:custDataLst>
-              <p:tags r:id="rId2"/>
-            </p:custDataLst>
-          </p:nvPr>
-        </p:nvSpPr>
-        <p:spPr/>
-        <p:txBody>
-          <a:bodyPr>
-            <a:normAutofit/>
-          </a:bodyPr>
-          <a:lstStyle/>
-          <a:p>
-            <a:pPr>
-              <a:defRPr lang="fr-FR"/>
-            </a:pPr>
-            <a:r>
-              <a:rPr lang="fr-FR"/>
-              <a:t>Vous avez des questions ?</a:t>
-            </a:r>
-          </a:p>
-        </p:txBody>
-      </p:sp>
-    </p:spTree>
-    <p:custDataLst>
-      <p:tags r:id="rId1"/>
-    </p:custDataLst>
-  </p:cSld>
-  <p:clrMapOvr>
-    <a:masterClrMapping/>
-  </p:clrMapOvr>
-  <p:transition>
-    <p:fade/>
-  </p:transition>
-  <p:timing>
-    <p:tnLst>
-      <p:par>
-        <p:cTn id="1" dur="indefinite" restart="never" nodeType="tmRoot"/>
-      </p:par>
-    </p:tnLst>
-  </p:timing>
-</p:sld>
-</file>
-
-<file path=ppt/slides/slide34.xml><?xml version="1.0" encoding="utf-8"?>
-<p:sld xmlns:a="http://schemas.openxmlformats.org/drawingml/2006/main" xmlns:r="http://schemas.openxmlformats.org/officeDocument/2006/relationships" xmlns:p="http://schemas.openxmlformats.org/presentationml/2006/main">
-  <p:cSld>
-    <p:spTree>
-      <p:nvGrpSpPr>
-        <p:cNvPr id="1" name=""/>
-        <p:cNvGrpSpPr/>
-        <p:nvPr/>
-      </p:nvGrpSpPr>
-      <p:grpSpPr>
-        <a:xfrm>
-          <a:off x="0" y="0"/>
-          <a:ext cx="0" cy="0"/>
-          <a:chOff x="0" y="0"/>
-          <a:chExt cx="0" cy="0"/>
-        </a:xfrm>
-      </p:grpSpPr>
-      <p:sp>
-        <p:nvSpPr>
-          <p:cNvPr id="622594" name="Rectangle 2"/>
-          <p:cNvSpPr>
-            <a:spLocks noGrp="1" noChangeArrowheads="1"/>
-          </p:cNvSpPr>
-          <p:nvPr>
-            <p:ph type="title"/>
-            <p:custDataLst>
-              <p:tags r:id="rId2"/>
-            </p:custDataLst>
-          </p:nvPr>
-        </p:nvSpPr>
-        <p:spPr/>
-        <p:txBody>
-          <a:bodyPr/>
-          <a:lstStyle/>
-          <a:p>
-            <a:pPr>
-              <a:defRPr lang="fr-FR"/>
-            </a:pPr>
-            <a:r>
-              <a:rPr lang="fr-FR"/>
-              <a:t>Annexe</a:t>
-            </a:r>
-          </a:p>
-        </p:txBody>
-      </p:sp>
-    </p:spTree>
-    <p:custDataLst>
-      <p:tags r:id="rId1"/>
-    </p:custDataLst>
-  </p:cSld>
-  <p:clrMapOvr>
-    <a:masterClrMapping/>
-  </p:clrMapOvr>
-  <p:transition>
-    <p:fade/>
   </p:transition>
   <p:timing>
     <p:tnLst>
@@ -21338,117 +15917,9 @@
 </p:tagLst>
 </file>
 
-<file path=ppt/tags/tag22.xml><?xml version="1.0" encoding="utf-8"?>
-<p:tagLst xmlns:a="http://schemas.openxmlformats.org/drawingml/2006/main" xmlns:r="http://schemas.openxmlformats.org/officeDocument/2006/relationships" xmlns:p="http://schemas.openxmlformats.org/presentationml/2006/main">
-  <p:tag name="DVSECTIONID" val="gLLkbNYfJYmMS8cGCr6Zqx"/>
-</p:tagLst>
-</file>
-
-<file path=ppt/tags/tag23.xml><?xml version="1.0" encoding="utf-8"?>
-<p:tagLst xmlns:a="http://schemas.openxmlformats.org/drawingml/2006/main" xmlns:r="http://schemas.openxmlformats.org/officeDocument/2006/relationships" xmlns:p="http://schemas.openxmlformats.org/presentationml/2006/main">
-  <p:tag name="DVSHAPEID" val="zvrdC8eV6YWWfpMhsRT8jq"/>
-</p:tagLst>
-</file>
-
-<file path=ppt/tags/tag24.xml><?xml version="1.0" encoding="utf-8"?>
-<p:tagLst xmlns:a="http://schemas.openxmlformats.org/drawingml/2006/main" xmlns:r="http://schemas.openxmlformats.org/officeDocument/2006/relationships" xmlns:p="http://schemas.openxmlformats.org/presentationml/2006/main">
-  <p:tag name="DVSHAPEID" val="Q5rpkfSAY2XQl9CRvNvPMK"/>
-</p:tagLst>
-</file>
-
-<file path=ppt/tags/tag25.xml><?xml version="1.0" encoding="utf-8"?>
-<p:tagLst xmlns:a="http://schemas.openxmlformats.org/drawingml/2006/main" xmlns:r="http://schemas.openxmlformats.org/officeDocument/2006/relationships" xmlns:p="http://schemas.openxmlformats.org/presentationml/2006/main">
-  <p:tag name="DVSECTIONID" val="FpChuQ9mrn7ncHkUb4wJDg"/>
-</p:tagLst>
-</file>
-
-<file path=ppt/tags/tag26.xml><?xml version="1.0" encoding="utf-8"?>
-<p:tagLst xmlns:a="http://schemas.openxmlformats.org/drawingml/2006/main" xmlns:r="http://schemas.openxmlformats.org/officeDocument/2006/relationships" xmlns:p="http://schemas.openxmlformats.org/presentationml/2006/main">
-  <p:tag name="DVSHAPEID" val="gLAHFkz1Wny4DLE3ZEH9AS"/>
-</p:tagLst>
-</file>
-
-<file path=ppt/tags/tag27.xml><?xml version="1.0" encoding="utf-8"?>
-<p:tagLst xmlns:a="http://schemas.openxmlformats.org/drawingml/2006/main" xmlns:r="http://schemas.openxmlformats.org/officeDocument/2006/relationships" xmlns:p="http://schemas.openxmlformats.org/presentationml/2006/main">
-  <p:tag name="DVSECTIONID" val="FpChuQ9mrn7ncHkUb4wJDg"/>
-</p:tagLst>
-</file>
-
-<file path=ppt/tags/tag28.xml><?xml version="1.0" encoding="utf-8"?>
-<p:tagLst xmlns:a="http://schemas.openxmlformats.org/drawingml/2006/main" xmlns:r="http://schemas.openxmlformats.org/officeDocument/2006/relationships" xmlns:p="http://schemas.openxmlformats.org/presentationml/2006/main">
-  <p:tag name="DVSHAPEID" val="gLAHFkz1Wny4DLE3ZEH9AS"/>
-</p:tagLst>
-</file>
-
-<file path=ppt/tags/tag29.xml><?xml version="1.0" encoding="utf-8"?>
-<p:tagLst xmlns:a="http://schemas.openxmlformats.org/drawingml/2006/main" xmlns:r="http://schemas.openxmlformats.org/officeDocument/2006/relationships" xmlns:p="http://schemas.openxmlformats.org/presentationml/2006/main">
-  <p:tag name="DVSHAPEID" val="ip2w5yLf7gRoIxhgGANLdN"/>
-</p:tagLst>
-</file>
-
 <file path=ppt/tags/tag3.xml><?xml version="1.0" encoding="utf-8"?>
 <p:tagLst xmlns:a="http://schemas.openxmlformats.org/drawingml/2006/main" xmlns:r="http://schemas.openxmlformats.org/officeDocument/2006/relationships" xmlns:p="http://schemas.openxmlformats.org/presentationml/2006/main">
   <p:tag name="DVSHAPEID" val="0uhWvCQomImT50qU5y4Znw"/>
-</p:tagLst>
-</file>
-
-<file path=ppt/tags/tag30.xml><?xml version="1.0" encoding="utf-8"?>
-<p:tagLst xmlns:a="http://schemas.openxmlformats.org/drawingml/2006/main" xmlns:r="http://schemas.openxmlformats.org/officeDocument/2006/relationships" xmlns:p="http://schemas.openxmlformats.org/presentationml/2006/main">
-  <p:tag name="DVSECTIONID" val="7wNinuYvMzfZ5U1vBqhNhA"/>
-</p:tagLst>
-</file>
-
-<file path=ppt/tags/tag31.xml><?xml version="1.0" encoding="utf-8"?>
-<p:tagLst xmlns:a="http://schemas.openxmlformats.org/drawingml/2006/main" xmlns:r="http://schemas.openxmlformats.org/officeDocument/2006/relationships" xmlns:p="http://schemas.openxmlformats.org/presentationml/2006/main">
-  <p:tag name="DVSHAPEID" val="397Sh4Wf3q9VkhYZEnvozL"/>
-</p:tagLst>
-</file>
-
-<file path=ppt/tags/tag32.xml><?xml version="1.0" encoding="utf-8"?>
-<p:tagLst xmlns:a="http://schemas.openxmlformats.org/drawingml/2006/main" xmlns:r="http://schemas.openxmlformats.org/officeDocument/2006/relationships" xmlns:p="http://schemas.openxmlformats.org/presentationml/2006/main">
-  <p:tag name="DVSHAPEID" val="b7YHL0AN4yxWP6rbpeJiil"/>
-</p:tagLst>
-</file>
-
-<file path=ppt/tags/tag33.xml><?xml version="1.0" encoding="utf-8"?>
-<p:tagLst xmlns:a="http://schemas.openxmlformats.org/drawingml/2006/main" xmlns:r="http://schemas.openxmlformats.org/officeDocument/2006/relationships" xmlns:p="http://schemas.openxmlformats.org/presentationml/2006/main">
-  <p:tag name="DVSHAPEID" val="V8QIQoYhKAdhY0TAjVFglB"/>
-</p:tagLst>
-</file>
-
-<file path=ppt/tags/tag34.xml><?xml version="1.0" encoding="utf-8"?>
-<p:tagLst xmlns:a="http://schemas.openxmlformats.org/drawingml/2006/main" xmlns:r="http://schemas.openxmlformats.org/officeDocument/2006/relationships" xmlns:p="http://schemas.openxmlformats.org/presentationml/2006/main">
-  <p:tag name="DVSHAPEID" val="onsRxtYgFhsQbQR2acPMNW"/>
-</p:tagLst>
-</file>
-
-<file path=ppt/tags/tag35.xml><?xml version="1.0" encoding="utf-8"?>
-<p:tagLst xmlns:a="http://schemas.openxmlformats.org/drawingml/2006/main" xmlns:r="http://schemas.openxmlformats.org/officeDocument/2006/relationships" xmlns:p="http://schemas.openxmlformats.org/presentationml/2006/main">
-  <p:tag name="DVSHAPEID" val="Ix8rhPVNC2ZkJsgYQvjtVW"/>
-</p:tagLst>
-</file>
-
-<file path=ppt/tags/tag36.xml><?xml version="1.0" encoding="utf-8"?>
-<p:tagLst xmlns:a="http://schemas.openxmlformats.org/drawingml/2006/main" xmlns:r="http://schemas.openxmlformats.org/officeDocument/2006/relationships" xmlns:p="http://schemas.openxmlformats.org/presentationml/2006/main">
-  <p:tag name="DVSHAPEID" val="O8O3IgLtryNrFUJ6b9lREq"/>
-</p:tagLst>
-</file>
-
-<file path=ppt/tags/tag37.xml><?xml version="1.0" encoding="utf-8"?>
-<p:tagLst xmlns:a="http://schemas.openxmlformats.org/drawingml/2006/main" xmlns:r="http://schemas.openxmlformats.org/officeDocument/2006/relationships" xmlns:p="http://schemas.openxmlformats.org/presentationml/2006/main">
-  <p:tag name="DVSHAPEID" val="xiNleKja73hohXWjuz775t"/>
-</p:tagLst>
-</file>
-
-<file path=ppt/tags/tag38.xml><?xml version="1.0" encoding="utf-8"?>
-<p:tagLst xmlns:a="http://schemas.openxmlformats.org/drawingml/2006/main" xmlns:r="http://schemas.openxmlformats.org/officeDocument/2006/relationships" xmlns:p="http://schemas.openxmlformats.org/presentationml/2006/main">
-  <p:tag name="DVSHAPEID" val="pSbIsX2HQuOqjOBqXA0jcY"/>
-</p:tagLst>
-</file>
-
-<file path=ppt/tags/tag39.xml><?xml version="1.0" encoding="utf-8"?>
-<p:tagLst xmlns:a="http://schemas.openxmlformats.org/drawingml/2006/main" xmlns:r="http://schemas.openxmlformats.org/officeDocument/2006/relationships" xmlns:p="http://schemas.openxmlformats.org/presentationml/2006/main">
-  <p:tag name="DVSHAPEID" val="QQ6pMcljtk1MJ0De6E19Bq"/>
 </p:tagLst>
 </file>
 
@@ -21458,105 +15929,9 @@
 </p:tagLst>
 </file>
 
-<file path=ppt/tags/tag40.xml><?xml version="1.0" encoding="utf-8"?>
-<p:tagLst xmlns:a="http://schemas.openxmlformats.org/drawingml/2006/main" xmlns:r="http://schemas.openxmlformats.org/officeDocument/2006/relationships" xmlns:p="http://schemas.openxmlformats.org/presentationml/2006/main">
-  <p:tag name="DVSECTIONID" val="HsVeI2TwAzQM9S4tQjLvMM"/>
-</p:tagLst>
-</file>
-
-<file path=ppt/tags/tag41.xml><?xml version="1.0" encoding="utf-8"?>
-<p:tagLst xmlns:a="http://schemas.openxmlformats.org/drawingml/2006/main" xmlns:r="http://schemas.openxmlformats.org/officeDocument/2006/relationships" xmlns:p="http://schemas.openxmlformats.org/presentationml/2006/main">
-  <p:tag name="DVSHAPEID" val="ulJFhM9s1uk4SUavhm7qdN"/>
-</p:tagLst>
-</file>
-
-<file path=ppt/tags/tag42.xml><?xml version="1.0" encoding="utf-8"?>
-<p:tagLst xmlns:a="http://schemas.openxmlformats.org/drawingml/2006/main" xmlns:r="http://schemas.openxmlformats.org/officeDocument/2006/relationships" xmlns:p="http://schemas.openxmlformats.org/presentationml/2006/main">
-  <p:tag name="DVSHAPEID" val="zRE8H4Cw6MhrnQZNFfxntk"/>
-</p:tagLst>
-</file>
-
-<file path=ppt/tags/tag43.xml><?xml version="1.0" encoding="utf-8"?>
-<p:tagLst xmlns:a="http://schemas.openxmlformats.org/drawingml/2006/main" xmlns:r="http://schemas.openxmlformats.org/officeDocument/2006/relationships" xmlns:p="http://schemas.openxmlformats.org/presentationml/2006/main">
-  <p:tag name="DVSECTIONID" val="bORDfvhHahmpDFmvtYCcVK"/>
-</p:tagLst>
-</file>
-
-<file path=ppt/tags/tag44.xml><?xml version="1.0" encoding="utf-8"?>
-<p:tagLst xmlns:a="http://schemas.openxmlformats.org/drawingml/2006/main" xmlns:r="http://schemas.openxmlformats.org/officeDocument/2006/relationships" xmlns:p="http://schemas.openxmlformats.org/presentationml/2006/main">
-  <p:tag name="DVSHAPEID" val="yODdiYQyEGY8EmMcNZ3vZT"/>
-</p:tagLst>
-</file>
-
-<file path=ppt/tags/tag45.xml><?xml version="1.0" encoding="utf-8"?>
-<p:tagLst xmlns:a="http://schemas.openxmlformats.org/drawingml/2006/main" xmlns:r="http://schemas.openxmlformats.org/officeDocument/2006/relationships" xmlns:p="http://schemas.openxmlformats.org/presentationml/2006/main">
-  <p:tag name="DVSHAPEID" val="Zp3DFAl6DuE5xCL7XTKqog"/>
-</p:tagLst>
-</file>
-
-<file path=ppt/tags/tag46.xml><?xml version="1.0" encoding="utf-8"?>
-<p:tagLst xmlns:a="http://schemas.openxmlformats.org/drawingml/2006/main" xmlns:r="http://schemas.openxmlformats.org/officeDocument/2006/relationships" xmlns:p="http://schemas.openxmlformats.org/presentationml/2006/main">
-  <p:tag name="DVSECTIONID" val="Unk8vjtC9q0JAXtyxsX2O5"/>
-</p:tagLst>
-</file>
-
-<file path=ppt/tags/tag47.xml><?xml version="1.0" encoding="utf-8"?>
-<p:tagLst xmlns:a="http://schemas.openxmlformats.org/drawingml/2006/main" xmlns:r="http://schemas.openxmlformats.org/officeDocument/2006/relationships" xmlns:p="http://schemas.openxmlformats.org/presentationml/2006/main">
-  <p:tag name="DVSHAPEID" val="Rcuf4iZwLgLEPe9Eifdx3u"/>
-</p:tagLst>
-</file>
-
-<file path=ppt/tags/tag48.xml><?xml version="1.0" encoding="utf-8"?>
-<p:tagLst xmlns:a="http://schemas.openxmlformats.org/drawingml/2006/main" xmlns:r="http://schemas.openxmlformats.org/officeDocument/2006/relationships" xmlns:p="http://schemas.openxmlformats.org/presentationml/2006/main">
-  <p:tag name="DVSHAPEID" val="uzParF19LzvJyR9qw266In"/>
-</p:tagLst>
-</file>
-
-<file path=ppt/tags/tag49.xml><?xml version="1.0" encoding="utf-8"?>
-<p:tagLst xmlns:a="http://schemas.openxmlformats.org/drawingml/2006/main" xmlns:r="http://schemas.openxmlformats.org/officeDocument/2006/relationships" xmlns:p="http://schemas.openxmlformats.org/presentationml/2006/main">
-  <p:tag name="DVSECTIONID" val="OOKFAmQ6LnTdkKqqzhwoax"/>
-</p:tagLst>
-</file>
-
 <file path=ppt/tags/tag5.xml><?xml version="1.0" encoding="utf-8"?>
 <p:tagLst xmlns:a="http://schemas.openxmlformats.org/drawingml/2006/main" xmlns:r="http://schemas.openxmlformats.org/officeDocument/2006/relationships" xmlns:p="http://schemas.openxmlformats.org/presentationml/2006/main">
   <p:tag name="DVSHAPEID" val="InkrlxYPS4jAzciXk8ToAM"/>
-</p:tagLst>
-</file>
-
-<file path=ppt/tags/tag50.xml><?xml version="1.0" encoding="utf-8"?>
-<p:tagLst xmlns:a="http://schemas.openxmlformats.org/drawingml/2006/main" xmlns:r="http://schemas.openxmlformats.org/officeDocument/2006/relationships" xmlns:p="http://schemas.openxmlformats.org/presentationml/2006/main">
-  <p:tag name="DVSHAPEID" val="XuPQogmzKvTp1YV9ymQ2ZW"/>
-</p:tagLst>
-</file>
-
-<file path=ppt/tags/tag51.xml><?xml version="1.0" encoding="utf-8"?>
-<p:tagLst xmlns:a="http://schemas.openxmlformats.org/drawingml/2006/main" xmlns:r="http://schemas.openxmlformats.org/officeDocument/2006/relationships" xmlns:p="http://schemas.openxmlformats.org/presentationml/2006/main">
-  <p:tag name="DVSHAPEID" val="S8Cm1higbyIl35Abad2Rjv"/>
-</p:tagLst>
-</file>
-
-<file path=ppt/tags/tag52.xml><?xml version="1.0" encoding="utf-8"?>
-<p:tagLst xmlns:a="http://schemas.openxmlformats.org/drawingml/2006/main" xmlns:r="http://schemas.openxmlformats.org/officeDocument/2006/relationships" xmlns:p="http://schemas.openxmlformats.org/presentationml/2006/main">
-  <p:tag name="DVSECTIONID" val="ezdaKHeWyBnZyZ2cDqRSoa"/>
-</p:tagLst>
-</file>
-
-<file path=ppt/tags/tag53.xml><?xml version="1.0" encoding="utf-8"?>
-<p:tagLst xmlns:a="http://schemas.openxmlformats.org/drawingml/2006/main" xmlns:r="http://schemas.openxmlformats.org/officeDocument/2006/relationships" xmlns:p="http://schemas.openxmlformats.org/presentationml/2006/main">
-  <p:tag name="DVSHAPEID" val="LRMR96J2MVd0CGe2e5htjk"/>
-</p:tagLst>
-</file>
-
-<file path=ppt/tags/tag54.xml><?xml version="1.0" encoding="utf-8"?>
-<p:tagLst xmlns:a="http://schemas.openxmlformats.org/drawingml/2006/main" xmlns:r="http://schemas.openxmlformats.org/officeDocument/2006/relationships" xmlns:p="http://schemas.openxmlformats.org/presentationml/2006/main">
-  <p:tag name="DVSECTIONID" val="c48BxRTjzwKhAarpC8SPOi"/>
-</p:tagLst>
-</file>
-
-<file path=ppt/tags/tag55.xml><?xml version="1.0" encoding="utf-8"?>
-<p:tagLst xmlns:a="http://schemas.openxmlformats.org/drawingml/2006/main" xmlns:r="http://schemas.openxmlformats.org/officeDocument/2006/relationships" xmlns:p="http://schemas.openxmlformats.org/presentationml/2006/main">
-  <p:tag name="DVSHAPEID" val="GFUQynbDZ7CnnKAa7cx9MM"/>
 </p:tagLst>
 </file>
 
